--- a/CAP6515/paper_presentation_files/rabin-karp-presentation.pptx
+++ b/CAP6515/paper_presentation_files/rabin-karp-presentation.pptx
@@ -9,18 +9,23 @@
     <p:sldMasterId id="2147483700" r:id="rId6"/>
     <p:sldMasterId id="2147483713" r:id="rId7"/>
     <p:sldMasterId id="2147483726" r:id="rId8"/>
+    <p:sldMasterId id="2147483739" r:id="rId9"/>
   </p:sldMasterIdLst>
   <p:sldIdLst>
-    <p:sldId id="256" r:id="rId9"/>
-    <p:sldId id="257" r:id="rId10"/>
-    <p:sldId id="258" r:id="rId11"/>
-    <p:sldId id="259" r:id="rId12"/>
-    <p:sldId id="260" r:id="rId13"/>
-    <p:sldId id="261" r:id="rId14"/>
-    <p:sldId id="262" r:id="rId15"/>
-    <p:sldId id="263" r:id="rId16"/>
-    <p:sldId id="264" r:id="rId17"/>
-    <p:sldId id="265" r:id="rId18"/>
+    <p:sldId id="256" r:id="rId10"/>
+    <p:sldId id="257" r:id="rId11"/>
+    <p:sldId id="258" r:id="rId12"/>
+    <p:sldId id="259" r:id="rId13"/>
+    <p:sldId id="260" r:id="rId14"/>
+    <p:sldId id="261" r:id="rId15"/>
+    <p:sldId id="262" r:id="rId16"/>
+    <p:sldId id="263" r:id="rId17"/>
+    <p:sldId id="264" r:id="rId18"/>
+    <p:sldId id="265" r:id="rId19"/>
+    <p:sldId id="266" r:id="rId20"/>
+    <p:sldId id="267" r:id="rId21"/>
+    <p:sldId id="268" r:id="rId22"/>
+    <p:sldId id="269" r:id="rId23"/>
   </p:sldIdLst>
   <p:sldSz cx="12188825" cy="6858000"/>
   <p:notesSz cx="7772400" cy="10058400"/>
@@ -12254,6 +12259,445 @@
 </p:sldLayout>
 </file>
 
+<file path=ppt/slideLayouts/slideLayout85.xml><?xml version="1.0" encoding="utf-8"?>
+<p:sldLayout xmlns:a="http://schemas.openxmlformats.org/drawingml/2006/main" xmlns:p="http://schemas.openxmlformats.org/presentationml/2006/main" xmlns:r="http://schemas.openxmlformats.org/officeDocument/2006/relationships" xmlns:p14="http://schemas.microsoft.com/office/powerpoint/2010/main" xmlns:p15="http://schemas.microsoft.com/office/powerpoint/2012/main" xmlns:mc="http://schemas.openxmlformats.org/markup-compatibility/2006" type="blank" preserve="1">
+  <p:cSld name="Blank Slide">
+    <p:spTree>
+      <p:nvGrpSpPr>
+        <p:cNvPr id="1" name=""/>
+        <p:cNvGrpSpPr/>
+        <p:nvPr/>
+      </p:nvGrpSpPr>
+      <p:grpSpPr>
+        <a:xfrm>
+          <a:off x="0" y="0"/>
+          <a:ext cx="0" cy="0"/>
+          <a:chOff x="0" y="0"/>
+          <a:chExt cx="0" cy="0"/>
+        </a:xfrm>
+      </p:grpSpPr>
+    </p:spTree>
+  </p:cSld>
+</p:sldLayout>
+</file>
+
+<file path=ppt/slideLayouts/slideLayout86.xml><?xml version="1.0" encoding="utf-8"?>
+<p:sldLayout xmlns:a="http://schemas.openxmlformats.org/drawingml/2006/main" xmlns:p="http://schemas.openxmlformats.org/presentationml/2006/main" xmlns:r="http://schemas.openxmlformats.org/officeDocument/2006/relationships" xmlns:p14="http://schemas.microsoft.com/office/powerpoint/2010/main" xmlns:p15="http://schemas.microsoft.com/office/powerpoint/2012/main" xmlns:mc="http://schemas.openxmlformats.org/markup-compatibility/2006" type="tx" preserve="1">
+  <p:cSld name="Title Slide">
+    <p:spTree>
+      <p:nvGrpSpPr>
+        <p:cNvPr id="1" name=""/>
+        <p:cNvGrpSpPr/>
+        <p:nvPr/>
+      </p:nvGrpSpPr>
+      <p:grpSpPr>
+        <a:xfrm>
+          <a:off x="0" y="0"/>
+          <a:ext cx="0" cy="0"/>
+          <a:chOff x="0" y="0"/>
+          <a:chExt cx="0" cy="0"/>
+        </a:xfrm>
+      </p:grpSpPr>
+      <p:sp>
+        <p:nvSpPr>
+          <p:cNvPr id="297" name="PlaceHolder 1"/>
+          <p:cNvSpPr>
+            <a:spLocks noGrp="1"/>
+          </p:cNvSpPr>
+          <p:nvPr>
+            <p:ph type="title"/>
+          </p:nvPr>
+        </p:nvSpPr>
+        <p:spPr>
+          <a:xfrm>
+            <a:off x="609120" y="273600"/>
+            <a:ext cx="10969560" cy="1144800"/>
+          </a:xfrm>
+          <a:prstGeom prst="rect">
+            <a:avLst/>
+          </a:prstGeom>
+          <a:noFill/>
+          <a:ln w="0">
+            <a:noFill/>
+          </a:ln>
+        </p:spPr>
+        <p:txBody>
+          <a:bodyPr lIns="0" rIns="0" tIns="0" bIns="0" anchor="ctr">
+            <a:noAutofit/>
+          </a:bodyPr>
+          <a:p>
+            <a:pPr indent="0" algn="ctr">
+              <a:buNone/>
+            </a:pPr>
+            <a:endParaRPr b="0" lang="en-US" sz="4400" spc="-1" strike="noStrike">
+              <a:solidFill>
+                <a:srgbClr val="000000"/>
+              </a:solidFill>
+              <a:latin typeface="Arial"/>
+            </a:endParaRPr>
+          </a:p>
+        </p:txBody>
+      </p:sp>
+      <p:sp>
+        <p:nvSpPr>
+          <p:cNvPr id="298" name="PlaceHolder 2"/>
+          <p:cNvSpPr>
+            <a:spLocks noGrp="1"/>
+          </p:cNvSpPr>
+          <p:nvPr>
+            <p:ph type="subTitle"/>
+          </p:nvPr>
+        </p:nvSpPr>
+        <p:spPr>
+          <a:xfrm>
+            <a:off x="609120" y="1604520"/>
+            <a:ext cx="10969560" cy="3977280"/>
+          </a:xfrm>
+          <a:prstGeom prst="rect">
+            <a:avLst/>
+          </a:prstGeom>
+          <a:noFill/>
+          <a:ln w="0">
+            <a:noFill/>
+          </a:ln>
+        </p:spPr>
+        <p:txBody>
+          <a:bodyPr lIns="0" rIns="0" tIns="0" bIns="0" anchor="ctr">
+            <a:noAutofit/>
+          </a:bodyPr>
+          <a:p>
+            <a:pPr indent="0" algn="ctr">
+              <a:buNone/>
+            </a:pPr>
+            <a:endParaRPr b="0" lang="en-US" sz="3200" spc="-1" strike="noStrike">
+              <a:solidFill>
+                <a:srgbClr val="000000"/>
+              </a:solidFill>
+              <a:latin typeface="Arial"/>
+            </a:endParaRPr>
+          </a:p>
+        </p:txBody>
+      </p:sp>
+    </p:spTree>
+  </p:cSld>
+</p:sldLayout>
+</file>
+
+<file path=ppt/slideLayouts/slideLayout87.xml><?xml version="1.0" encoding="utf-8"?>
+<p:sldLayout xmlns:a="http://schemas.openxmlformats.org/drawingml/2006/main" xmlns:p="http://schemas.openxmlformats.org/presentationml/2006/main" xmlns:r="http://schemas.openxmlformats.org/officeDocument/2006/relationships" xmlns:p14="http://schemas.microsoft.com/office/powerpoint/2010/main" xmlns:p15="http://schemas.microsoft.com/office/powerpoint/2012/main" xmlns:mc="http://schemas.openxmlformats.org/markup-compatibility/2006" type="obj" preserve="1">
+  <p:cSld name="Title, Content">
+    <p:spTree>
+      <p:nvGrpSpPr>
+        <p:cNvPr id="1" name=""/>
+        <p:cNvGrpSpPr/>
+        <p:nvPr/>
+      </p:nvGrpSpPr>
+      <p:grpSpPr>
+        <a:xfrm>
+          <a:off x="0" y="0"/>
+          <a:ext cx="0" cy="0"/>
+          <a:chOff x="0" y="0"/>
+          <a:chExt cx="0" cy="0"/>
+        </a:xfrm>
+      </p:grpSpPr>
+      <p:sp>
+        <p:nvSpPr>
+          <p:cNvPr id="299" name="PlaceHolder 1"/>
+          <p:cNvSpPr>
+            <a:spLocks noGrp="1"/>
+          </p:cNvSpPr>
+          <p:nvPr>
+            <p:ph type="title"/>
+          </p:nvPr>
+        </p:nvSpPr>
+        <p:spPr>
+          <a:xfrm>
+            <a:off x="609120" y="273600"/>
+            <a:ext cx="10969560" cy="1144800"/>
+          </a:xfrm>
+          <a:prstGeom prst="rect">
+            <a:avLst/>
+          </a:prstGeom>
+          <a:noFill/>
+          <a:ln w="0">
+            <a:noFill/>
+          </a:ln>
+        </p:spPr>
+        <p:txBody>
+          <a:bodyPr lIns="0" rIns="0" tIns="0" bIns="0" anchor="ctr">
+            <a:noAutofit/>
+          </a:bodyPr>
+          <a:p>
+            <a:pPr indent="0" algn="ctr">
+              <a:buNone/>
+            </a:pPr>
+            <a:endParaRPr b="0" lang="en-US" sz="4400" spc="-1" strike="noStrike">
+              <a:solidFill>
+                <a:srgbClr val="000000"/>
+              </a:solidFill>
+              <a:latin typeface="Arial"/>
+            </a:endParaRPr>
+          </a:p>
+        </p:txBody>
+      </p:sp>
+      <p:sp>
+        <p:nvSpPr>
+          <p:cNvPr id="300" name="PlaceHolder 2"/>
+          <p:cNvSpPr>
+            <a:spLocks noGrp="1"/>
+          </p:cNvSpPr>
+          <p:nvPr>
+            <p:ph/>
+          </p:nvPr>
+        </p:nvSpPr>
+        <p:spPr>
+          <a:xfrm>
+            <a:off x="609120" y="1604520"/>
+            <a:ext cx="10969560" cy="3977280"/>
+          </a:xfrm>
+          <a:prstGeom prst="rect">
+            <a:avLst/>
+          </a:prstGeom>
+          <a:noFill/>
+          <a:ln w="0">
+            <a:noFill/>
+          </a:ln>
+        </p:spPr>
+        <p:txBody>
+          <a:bodyPr lIns="0" rIns="0" tIns="0" bIns="0" anchor="t">
+            <a:normAutofit/>
+          </a:bodyPr>
+          <a:p>
+            <a:pPr indent="0">
+              <a:spcBef>
+                <a:spcPts val="1417"/>
+              </a:spcBef>
+              <a:buNone/>
+            </a:pPr>
+            <a:endParaRPr b="0" lang="en-US" sz="3200" spc="-1" strike="noStrike">
+              <a:solidFill>
+                <a:srgbClr val="000000"/>
+              </a:solidFill>
+              <a:latin typeface="Arial"/>
+            </a:endParaRPr>
+          </a:p>
+        </p:txBody>
+      </p:sp>
+    </p:spTree>
+  </p:cSld>
+</p:sldLayout>
+</file>
+
+<file path=ppt/slideLayouts/slideLayout88.xml><?xml version="1.0" encoding="utf-8"?>
+<p:sldLayout xmlns:a="http://schemas.openxmlformats.org/drawingml/2006/main" xmlns:p="http://schemas.openxmlformats.org/presentationml/2006/main" xmlns:r="http://schemas.openxmlformats.org/officeDocument/2006/relationships" xmlns:p14="http://schemas.microsoft.com/office/powerpoint/2010/main" xmlns:p15="http://schemas.microsoft.com/office/powerpoint/2012/main" xmlns:mc="http://schemas.openxmlformats.org/markup-compatibility/2006" type="twoObj" preserve="1">
+  <p:cSld name="Title, 2 Content">
+    <p:spTree>
+      <p:nvGrpSpPr>
+        <p:cNvPr id="1" name=""/>
+        <p:cNvGrpSpPr/>
+        <p:nvPr/>
+      </p:nvGrpSpPr>
+      <p:grpSpPr>
+        <a:xfrm>
+          <a:off x="0" y="0"/>
+          <a:ext cx="0" cy="0"/>
+          <a:chOff x="0" y="0"/>
+          <a:chExt cx="0" cy="0"/>
+        </a:xfrm>
+      </p:grpSpPr>
+      <p:sp>
+        <p:nvSpPr>
+          <p:cNvPr id="301" name="PlaceHolder 1"/>
+          <p:cNvSpPr>
+            <a:spLocks noGrp="1"/>
+          </p:cNvSpPr>
+          <p:nvPr>
+            <p:ph type="title"/>
+          </p:nvPr>
+        </p:nvSpPr>
+        <p:spPr>
+          <a:xfrm>
+            <a:off x="609120" y="273600"/>
+            <a:ext cx="10969560" cy="1144800"/>
+          </a:xfrm>
+          <a:prstGeom prst="rect">
+            <a:avLst/>
+          </a:prstGeom>
+          <a:noFill/>
+          <a:ln w="0">
+            <a:noFill/>
+          </a:ln>
+        </p:spPr>
+        <p:txBody>
+          <a:bodyPr lIns="0" rIns="0" tIns="0" bIns="0" anchor="ctr">
+            <a:noAutofit/>
+          </a:bodyPr>
+          <a:p>
+            <a:pPr indent="0" algn="ctr">
+              <a:buNone/>
+            </a:pPr>
+            <a:endParaRPr b="0" lang="en-US" sz="4400" spc="-1" strike="noStrike">
+              <a:solidFill>
+                <a:srgbClr val="000000"/>
+              </a:solidFill>
+              <a:latin typeface="Arial"/>
+            </a:endParaRPr>
+          </a:p>
+        </p:txBody>
+      </p:sp>
+      <p:sp>
+        <p:nvSpPr>
+          <p:cNvPr id="302" name="PlaceHolder 2"/>
+          <p:cNvSpPr>
+            <a:spLocks noGrp="1"/>
+          </p:cNvSpPr>
+          <p:nvPr>
+            <p:ph/>
+          </p:nvPr>
+        </p:nvSpPr>
+        <p:spPr>
+          <a:xfrm>
+            <a:off x="609120" y="1604520"/>
+            <a:ext cx="5352840" cy="3977280"/>
+          </a:xfrm>
+          <a:prstGeom prst="rect">
+            <a:avLst/>
+          </a:prstGeom>
+          <a:noFill/>
+          <a:ln w="0">
+            <a:noFill/>
+          </a:ln>
+        </p:spPr>
+        <p:txBody>
+          <a:bodyPr lIns="0" rIns="0" tIns="0" bIns="0" anchor="t">
+            <a:normAutofit/>
+          </a:bodyPr>
+          <a:p>
+            <a:pPr indent="0">
+              <a:spcBef>
+                <a:spcPts val="1417"/>
+              </a:spcBef>
+              <a:buNone/>
+            </a:pPr>
+            <a:endParaRPr b="0" lang="en-US" sz="3200" spc="-1" strike="noStrike">
+              <a:solidFill>
+                <a:srgbClr val="000000"/>
+              </a:solidFill>
+              <a:latin typeface="Arial"/>
+            </a:endParaRPr>
+          </a:p>
+        </p:txBody>
+      </p:sp>
+      <p:sp>
+        <p:nvSpPr>
+          <p:cNvPr id="303" name="PlaceHolder 3"/>
+          <p:cNvSpPr>
+            <a:spLocks noGrp="1"/>
+          </p:cNvSpPr>
+          <p:nvPr>
+            <p:ph/>
+          </p:nvPr>
+        </p:nvSpPr>
+        <p:spPr>
+          <a:xfrm>
+            <a:off x="6230160" y="1604520"/>
+            <a:ext cx="5352840" cy="3977280"/>
+          </a:xfrm>
+          <a:prstGeom prst="rect">
+            <a:avLst/>
+          </a:prstGeom>
+          <a:noFill/>
+          <a:ln w="0">
+            <a:noFill/>
+          </a:ln>
+        </p:spPr>
+        <p:txBody>
+          <a:bodyPr lIns="0" rIns="0" tIns="0" bIns="0" anchor="t">
+            <a:normAutofit/>
+          </a:bodyPr>
+          <a:p>
+            <a:pPr indent="0">
+              <a:spcBef>
+                <a:spcPts val="1417"/>
+              </a:spcBef>
+              <a:buNone/>
+            </a:pPr>
+            <a:endParaRPr b="0" lang="en-US" sz="3200" spc="-1" strike="noStrike">
+              <a:solidFill>
+                <a:srgbClr val="000000"/>
+              </a:solidFill>
+              <a:latin typeface="Arial"/>
+            </a:endParaRPr>
+          </a:p>
+        </p:txBody>
+      </p:sp>
+    </p:spTree>
+  </p:cSld>
+</p:sldLayout>
+</file>
+
+<file path=ppt/slideLayouts/slideLayout89.xml><?xml version="1.0" encoding="utf-8"?>
+<p:sldLayout xmlns:a="http://schemas.openxmlformats.org/drawingml/2006/main" xmlns:p="http://schemas.openxmlformats.org/presentationml/2006/main" xmlns:r="http://schemas.openxmlformats.org/officeDocument/2006/relationships" xmlns:p14="http://schemas.microsoft.com/office/powerpoint/2010/main" xmlns:p15="http://schemas.microsoft.com/office/powerpoint/2012/main" xmlns:mc="http://schemas.openxmlformats.org/markup-compatibility/2006" type="titleOnly" preserve="1">
+  <p:cSld name="Title Only">
+    <p:spTree>
+      <p:nvGrpSpPr>
+        <p:cNvPr id="1" name=""/>
+        <p:cNvGrpSpPr/>
+        <p:nvPr/>
+      </p:nvGrpSpPr>
+      <p:grpSpPr>
+        <a:xfrm>
+          <a:off x="0" y="0"/>
+          <a:ext cx="0" cy="0"/>
+          <a:chOff x="0" y="0"/>
+          <a:chExt cx="0" cy="0"/>
+        </a:xfrm>
+      </p:grpSpPr>
+      <p:sp>
+        <p:nvSpPr>
+          <p:cNvPr id="304" name="PlaceHolder 1"/>
+          <p:cNvSpPr>
+            <a:spLocks noGrp="1"/>
+          </p:cNvSpPr>
+          <p:nvPr>
+            <p:ph type="title"/>
+          </p:nvPr>
+        </p:nvSpPr>
+        <p:spPr>
+          <a:xfrm>
+            <a:off x="609120" y="273600"/>
+            <a:ext cx="10969560" cy="1144800"/>
+          </a:xfrm>
+          <a:prstGeom prst="rect">
+            <a:avLst/>
+          </a:prstGeom>
+          <a:noFill/>
+          <a:ln w="0">
+            <a:noFill/>
+          </a:ln>
+        </p:spPr>
+        <p:txBody>
+          <a:bodyPr lIns="0" rIns="0" tIns="0" bIns="0" anchor="ctr">
+            <a:noAutofit/>
+          </a:bodyPr>
+          <a:p>
+            <a:pPr indent="0" algn="ctr">
+              <a:buNone/>
+            </a:pPr>
+            <a:endParaRPr b="0" lang="en-US" sz="4400" spc="-1" strike="noStrike">
+              <a:solidFill>
+                <a:srgbClr val="000000"/>
+              </a:solidFill>
+              <a:latin typeface="Arial"/>
+            </a:endParaRPr>
+          </a:p>
+        </p:txBody>
+      </p:sp>
+    </p:spTree>
+  </p:cSld>
+</p:sldLayout>
+</file>
+
 <file path=ppt/slideLayouts/slideLayout9.xml><?xml version="1.0" encoding="utf-8"?>
 <p:sldLayout xmlns:a="http://schemas.openxmlformats.org/drawingml/2006/main" xmlns:p="http://schemas.openxmlformats.org/presentationml/2006/main" xmlns:r="http://schemas.openxmlformats.org/officeDocument/2006/relationships" xmlns:p14="http://schemas.microsoft.com/office/powerpoint/2010/main" xmlns:p15="http://schemas.microsoft.com/office/powerpoint/2012/main" xmlns:mc="http://schemas.openxmlformats.org/markup-compatibility/2006" type="twoObjOverTx" preserve="1">
   <p:cSld name="Title, 2 Content over Content">
@@ -12411,6 +12855,1341 @@
           <a:xfrm>
             <a:off x="609120" y="3682080"/>
             <a:ext cx="10969560" cy="1896840"/>
+          </a:xfrm>
+          <a:prstGeom prst="rect">
+            <a:avLst/>
+          </a:prstGeom>
+          <a:noFill/>
+          <a:ln w="0">
+            <a:noFill/>
+          </a:ln>
+        </p:spPr>
+        <p:txBody>
+          <a:bodyPr lIns="0" rIns="0" tIns="0" bIns="0" anchor="t">
+            <a:normAutofit/>
+          </a:bodyPr>
+          <a:p>
+            <a:pPr indent="0">
+              <a:spcBef>
+                <a:spcPts val="1417"/>
+              </a:spcBef>
+              <a:buNone/>
+            </a:pPr>
+            <a:endParaRPr b="0" lang="en-US" sz="3200" spc="-1" strike="noStrike">
+              <a:solidFill>
+                <a:srgbClr val="000000"/>
+              </a:solidFill>
+              <a:latin typeface="Arial"/>
+            </a:endParaRPr>
+          </a:p>
+        </p:txBody>
+      </p:sp>
+    </p:spTree>
+  </p:cSld>
+</p:sldLayout>
+</file>
+
+<file path=ppt/slideLayouts/slideLayout90.xml><?xml version="1.0" encoding="utf-8"?>
+<p:sldLayout xmlns:a="http://schemas.openxmlformats.org/drawingml/2006/main" xmlns:p="http://schemas.openxmlformats.org/presentationml/2006/main" xmlns:r="http://schemas.openxmlformats.org/officeDocument/2006/relationships" xmlns:p14="http://schemas.microsoft.com/office/powerpoint/2010/main" xmlns:p15="http://schemas.microsoft.com/office/powerpoint/2012/main" xmlns:mc="http://schemas.openxmlformats.org/markup-compatibility/2006" type="objOnly" preserve="1">
+  <p:cSld name="Centered Text">
+    <p:spTree>
+      <p:nvGrpSpPr>
+        <p:cNvPr id="1" name=""/>
+        <p:cNvGrpSpPr/>
+        <p:nvPr/>
+      </p:nvGrpSpPr>
+      <p:grpSpPr>
+        <a:xfrm>
+          <a:off x="0" y="0"/>
+          <a:ext cx="0" cy="0"/>
+          <a:chOff x="0" y="0"/>
+          <a:chExt cx="0" cy="0"/>
+        </a:xfrm>
+      </p:grpSpPr>
+      <p:sp>
+        <p:nvSpPr>
+          <p:cNvPr id="305" name="PlaceHolder 1"/>
+          <p:cNvSpPr>
+            <a:spLocks noGrp="1"/>
+          </p:cNvSpPr>
+          <p:nvPr>
+            <p:ph type="subTitle"/>
+          </p:nvPr>
+        </p:nvSpPr>
+        <p:spPr>
+          <a:xfrm>
+            <a:off x="609120" y="273600"/>
+            <a:ext cx="10969560" cy="5307840"/>
+          </a:xfrm>
+          <a:prstGeom prst="rect">
+            <a:avLst/>
+          </a:prstGeom>
+          <a:noFill/>
+          <a:ln w="0">
+            <a:noFill/>
+          </a:ln>
+        </p:spPr>
+        <p:txBody>
+          <a:bodyPr lIns="0" rIns="0" tIns="0" bIns="0" anchor="ctr">
+            <a:noAutofit/>
+          </a:bodyPr>
+          <a:p>
+            <a:pPr algn="ctr"/>
+            <a:endParaRPr b="0" lang="en-US" sz="3200" spc="-1" strike="noStrike">
+              <a:solidFill>
+                <a:srgbClr val="000000"/>
+              </a:solidFill>
+              <a:latin typeface="Arial"/>
+            </a:endParaRPr>
+          </a:p>
+        </p:txBody>
+      </p:sp>
+    </p:spTree>
+  </p:cSld>
+</p:sldLayout>
+</file>
+
+<file path=ppt/slideLayouts/slideLayout91.xml><?xml version="1.0" encoding="utf-8"?>
+<p:sldLayout xmlns:a="http://schemas.openxmlformats.org/drawingml/2006/main" xmlns:p="http://schemas.openxmlformats.org/presentationml/2006/main" xmlns:r="http://schemas.openxmlformats.org/officeDocument/2006/relationships" xmlns:p14="http://schemas.microsoft.com/office/powerpoint/2010/main" xmlns:p15="http://schemas.microsoft.com/office/powerpoint/2012/main" xmlns:mc="http://schemas.openxmlformats.org/markup-compatibility/2006" type="twoObjAndObj" preserve="1">
+  <p:cSld name="Title, 2 Content and Content">
+    <p:spTree>
+      <p:nvGrpSpPr>
+        <p:cNvPr id="1" name=""/>
+        <p:cNvGrpSpPr/>
+        <p:nvPr/>
+      </p:nvGrpSpPr>
+      <p:grpSpPr>
+        <a:xfrm>
+          <a:off x="0" y="0"/>
+          <a:ext cx="0" cy="0"/>
+          <a:chOff x="0" y="0"/>
+          <a:chExt cx="0" cy="0"/>
+        </a:xfrm>
+      </p:grpSpPr>
+      <p:sp>
+        <p:nvSpPr>
+          <p:cNvPr id="306" name="PlaceHolder 1"/>
+          <p:cNvSpPr>
+            <a:spLocks noGrp="1"/>
+          </p:cNvSpPr>
+          <p:nvPr>
+            <p:ph type="title"/>
+          </p:nvPr>
+        </p:nvSpPr>
+        <p:spPr>
+          <a:xfrm>
+            <a:off x="609120" y="273600"/>
+            <a:ext cx="10969560" cy="1144800"/>
+          </a:xfrm>
+          <a:prstGeom prst="rect">
+            <a:avLst/>
+          </a:prstGeom>
+          <a:noFill/>
+          <a:ln w="0">
+            <a:noFill/>
+          </a:ln>
+        </p:spPr>
+        <p:txBody>
+          <a:bodyPr lIns="0" rIns="0" tIns="0" bIns="0" anchor="ctr">
+            <a:noAutofit/>
+          </a:bodyPr>
+          <a:p>
+            <a:pPr indent="0" algn="ctr">
+              <a:buNone/>
+            </a:pPr>
+            <a:endParaRPr b="0" lang="en-US" sz="4400" spc="-1" strike="noStrike">
+              <a:solidFill>
+                <a:srgbClr val="000000"/>
+              </a:solidFill>
+              <a:latin typeface="Arial"/>
+            </a:endParaRPr>
+          </a:p>
+        </p:txBody>
+      </p:sp>
+      <p:sp>
+        <p:nvSpPr>
+          <p:cNvPr id="307" name="PlaceHolder 2"/>
+          <p:cNvSpPr>
+            <a:spLocks noGrp="1"/>
+          </p:cNvSpPr>
+          <p:nvPr>
+            <p:ph/>
+          </p:nvPr>
+        </p:nvSpPr>
+        <p:spPr>
+          <a:xfrm>
+            <a:off x="609120" y="1604520"/>
+            <a:ext cx="5352840" cy="1896840"/>
+          </a:xfrm>
+          <a:prstGeom prst="rect">
+            <a:avLst/>
+          </a:prstGeom>
+          <a:noFill/>
+          <a:ln w="0">
+            <a:noFill/>
+          </a:ln>
+        </p:spPr>
+        <p:txBody>
+          <a:bodyPr lIns="0" rIns="0" tIns="0" bIns="0" anchor="t">
+            <a:normAutofit/>
+          </a:bodyPr>
+          <a:p>
+            <a:pPr indent="0">
+              <a:spcBef>
+                <a:spcPts val="1417"/>
+              </a:spcBef>
+              <a:buNone/>
+            </a:pPr>
+            <a:endParaRPr b="0" lang="en-US" sz="3200" spc="-1" strike="noStrike">
+              <a:solidFill>
+                <a:srgbClr val="000000"/>
+              </a:solidFill>
+              <a:latin typeface="Arial"/>
+            </a:endParaRPr>
+          </a:p>
+        </p:txBody>
+      </p:sp>
+      <p:sp>
+        <p:nvSpPr>
+          <p:cNvPr id="308" name="PlaceHolder 3"/>
+          <p:cNvSpPr>
+            <a:spLocks noGrp="1"/>
+          </p:cNvSpPr>
+          <p:nvPr>
+            <p:ph/>
+          </p:nvPr>
+        </p:nvSpPr>
+        <p:spPr>
+          <a:xfrm>
+            <a:off x="6230160" y="1604520"/>
+            <a:ext cx="5352840" cy="3977280"/>
+          </a:xfrm>
+          <a:prstGeom prst="rect">
+            <a:avLst/>
+          </a:prstGeom>
+          <a:noFill/>
+          <a:ln w="0">
+            <a:noFill/>
+          </a:ln>
+        </p:spPr>
+        <p:txBody>
+          <a:bodyPr lIns="0" rIns="0" tIns="0" bIns="0" anchor="t">
+            <a:normAutofit/>
+          </a:bodyPr>
+          <a:p>
+            <a:pPr indent="0">
+              <a:spcBef>
+                <a:spcPts val="1417"/>
+              </a:spcBef>
+              <a:buNone/>
+            </a:pPr>
+            <a:endParaRPr b="0" lang="en-US" sz="3200" spc="-1" strike="noStrike">
+              <a:solidFill>
+                <a:srgbClr val="000000"/>
+              </a:solidFill>
+              <a:latin typeface="Arial"/>
+            </a:endParaRPr>
+          </a:p>
+        </p:txBody>
+      </p:sp>
+      <p:sp>
+        <p:nvSpPr>
+          <p:cNvPr id="309" name="PlaceHolder 4"/>
+          <p:cNvSpPr>
+            <a:spLocks noGrp="1"/>
+          </p:cNvSpPr>
+          <p:nvPr>
+            <p:ph/>
+          </p:nvPr>
+        </p:nvSpPr>
+        <p:spPr>
+          <a:xfrm>
+            <a:off x="609120" y="3682080"/>
+            <a:ext cx="5352840" cy="1896840"/>
+          </a:xfrm>
+          <a:prstGeom prst="rect">
+            <a:avLst/>
+          </a:prstGeom>
+          <a:noFill/>
+          <a:ln w="0">
+            <a:noFill/>
+          </a:ln>
+        </p:spPr>
+        <p:txBody>
+          <a:bodyPr lIns="0" rIns="0" tIns="0" bIns="0" anchor="t">
+            <a:normAutofit/>
+          </a:bodyPr>
+          <a:p>
+            <a:pPr indent="0">
+              <a:spcBef>
+                <a:spcPts val="1417"/>
+              </a:spcBef>
+              <a:buNone/>
+            </a:pPr>
+            <a:endParaRPr b="0" lang="en-US" sz="3200" spc="-1" strike="noStrike">
+              <a:solidFill>
+                <a:srgbClr val="000000"/>
+              </a:solidFill>
+              <a:latin typeface="Arial"/>
+            </a:endParaRPr>
+          </a:p>
+        </p:txBody>
+      </p:sp>
+    </p:spTree>
+  </p:cSld>
+</p:sldLayout>
+</file>
+
+<file path=ppt/slideLayouts/slideLayout92.xml><?xml version="1.0" encoding="utf-8"?>
+<p:sldLayout xmlns:a="http://schemas.openxmlformats.org/drawingml/2006/main" xmlns:p="http://schemas.openxmlformats.org/presentationml/2006/main" xmlns:r="http://schemas.openxmlformats.org/officeDocument/2006/relationships" xmlns:p14="http://schemas.microsoft.com/office/powerpoint/2010/main" xmlns:p15="http://schemas.microsoft.com/office/powerpoint/2012/main" xmlns:mc="http://schemas.openxmlformats.org/markup-compatibility/2006" type="objAndTwoObj" preserve="1">
+  <p:cSld name="Title Content and 2 Content">
+    <p:spTree>
+      <p:nvGrpSpPr>
+        <p:cNvPr id="1" name=""/>
+        <p:cNvGrpSpPr/>
+        <p:nvPr/>
+      </p:nvGrpSpPr>
+      <p:grpSpPr>
+        <a:xfrm>
+          <a:off x="0" y="0"/>
+          <a:ext cx="0" cy="0"/>
+          <a:chOff x="0" y="0"/>
+          <a:chExt cx="0" cy="0"/>
+        </a:xfrm>
+      </p:grpSpPr>
+      <p:sp>
+        <p:nvSpPr>
+          <p:cNvPr id="310" name="PlaceHolder 1"/>
+          <p:cNvSpPr>
+            <a:spLocks noGrp="1"/>
+          </p:cNvSpPr>
+          <p:nvPr>
+            <p:ph type="title"/>
+          </p:nvPr>
+        </p:nvSpPr>
+        <p:spPr>
+          <a:xfrm>
+            <a:off x="609120" y="273600"/>
+            <a:ext cx="10969560" cy="1144800"/>
+          </a:xfrm>
+          <a:prstGeom prst="rect">
+            <a:avLst/>
+          </a:prstGeom>
+          <a:noFill/>
+          <a:ln w="0">
+            <a:noFill/>
+          </a:ln>
+        </p:spPr>
+        <p:txBody>
+          <a:bodyPr lIns="0" rIns="0" tIns="0" bIns="0" anchor="ctr">
+            <a:noAutofit/>
+          </a:bodyPr>
+          <a:p>
+            <a:pPr indent="0" algn="ctr">
+              <a:buNone/>
+            </a:pPr>
+            <a:endParaRPr b="0" lang="en-US" sz="4400" spc="-1" strike="noStrike">
+              <a:solidFill>
+                <a:srgbClr val="000000"/>
+              </a:solidFill>
+              <a:latin typeface="Arial"/>
+            </a:endParaRPr>
+          </a:p>
+        </p:txBody>
+      </p:sp>
+      <p:sp>
+        <p:nvSpPr>
+          <p:cNvPr id="311" name="PlaceHolder 2"/>
+          <p:cNvSpPr>
+            <a:spLocks noGrp="1"/>
+          </p:cNvSpPr>
+          <p:nvPr>
+            <p:ph/>
+          </p:nvPr>
+        </p:nvSpPr>
+        <p:spPr>
+          <a:xfrm>
+            <a:off x="609120" y="1604520"/>
+            <a:ext cx="5352840" cy="3977280"/>
+          </a:xfrm>
+          <a:prstGeom prst="rect">
+            <a:avLst/>
+          </a:prstGeom>
+          <a:noFill/>
+          <a:ln w="0">
+            <a:noFill/>
+          </a:ln>
+        </p:spPr>
+        <p:txBody>
+          <a:bodyPr lIns="0" rIns="0" tIns="0" bIns="0" anchor="t">
+            <a:normAutofit/>
+          </a:bodyPr>
+          <a:p>
+            <a:pPr indent="0">
+              <a:spcBef>
+                <a:spcPts val="1417"/>
+              </a:spcBef>
+              <a:buNone/>
+            </a:pPr>
+            <a:endParaRPr b="0" lang="en-US" sz="3200" spc="-1" strike="noStrike">
+              <a:solidFill>
+                <a:srgbClr val="000000"/>
+              </a:solidFill>
+              <a:latin typeface="Arial"/>
+            </a:endParaRPr>
+          </a:p>
+        </p:txBody>
+      </p:sp>
+      <p:sp>
+        <p:nvSpPr>
+          <p:cNvPr id="312" name="PlaceHolder 3"/>
+          <p:cNvSpPr>
+            <a:spLocks noGrp="1"/>
+          </p:cNvSpPr>
+          <p:nvPr>
+            <p:ph/>
+          </p:nvPr>
+        </p:nvSpPr>
+        <p:spPr>
+          <a:xfrm>
+            <a:off x="6230160" y="1604520"/>
+            <a:ext cx="5352840" cy="1896840"/>
+          </a:xfrm>
+          <a:prstGeom prst="rect">
+            <a:avLst/>
+          </a:prstGeom>
+          <a:noFill/>
+          <a:ln w="0">
+            <a:noFill/>
+          </a:ln>
+        </p:spPr>
+        <p:txBody>
+          <a:bodyPr lIns="0" rIns="0" tIns="0" bIns="0" anchor="t">
+            <a:normAutofit/>
+          </a:bodyPr>
+          <a:p>
+            <a:pPr indent="0">
+              <a:spcBef>
+                <a:spcPts val="1417"/>
+              </a:spcBef>
+              <a:buNone/>
+            </a:pPr>
+            <a:endParaRPr b="0" lang="en-US" sz="3200" spc="-1" strike="noStrike">
+              <a:solidFill>
+                <a:srgbClr val="000000"/>
+              </a:solidFill>
+              <a:latin typeface="Arial"/>
+            </a:endParaRPr>
+          </a:p>
+        </p:txBody>
+      </p:sp>
+      <p:sp>
+        <p:nvSpPr>
+          <p:cNvPr id="313" name="PlaceHolder 4"/>
+          <p:cNvSpPr>
+            <a:spLocks noGrp="1"/>
+          </p:cNvSpPr>
+          <p:nvPr>
+            <p:ph/>
+          </p:nvPr>
+        </p:nvSpPr>
+        <p:spPr>
+          <a:xfrm>
+            <a:off x="6230160" y="3682080"/>
+            <a:ext cx="5352840" cy="1896840"/>
+          </a:xfrm>
+          <a:prstGeom prst="rect">
+            <a:avLst/>
+          </a:prstGeom>
+          <a:noFill/>
+          <a:ln w="0">
+            <a:noFill/>
+          </a:ln>
+        </p:spPr>
+        <p:txBody>
+          <a:bodyPr lIns="0" rIns="0" tIns="0" bIns="0" anchor="t">
+            <a:normAutofit/>
+          </a:bodyPr>
+          <a:p>
+            <a:pPr indent="0">
+              <a:spcBef>
+                <a:spcPts val="1417"/>
+              </a:spcBef>
+              <a:buNone/>
+            </a:pPr>
+            <a:endParaRPr b="0" lang="en-US" sz="3200" spc="-1" strike="noStrike">
+              <a:solidFill>
+                <a:srgbClr val="000000"/>
+              </a:solidFill>
+              <a:latin typeface="Arial"/>
+            </a:endParaRPr>
+          </a:p>
+        </p:txBody>
+      </p:sp>
+    </p:spTree>
+  </p:cSld>
+</p:sldLayout>
+</file>
+
+<file path=ppt/slideLayouts/slideLayout93.xml><?xml version="1.0" encoding="utf-8"?>
+<p:sldLayout xmlns:a="http://schemas.openxmlformats.org/drawingml/2006/main" xmlns:p="http://schemas.openxmlformats.org/presentationml/2006/main" xmlns:r="http://schemas.openxmlformats.org/officeDocument/2006/relationships" xmlns:p14="http://schemas.microsoft.com/office/powerpoint/2010/main" xmlns:p15="http://schemas.microsoft.com/office/powerpoint/2012/main" xmlns:mc="http://schemas.openxmlformats.org/markup-compatibility/2006" type="twoObjOverTx" preserve="1">
+  <p:cSld name="Title, 2 Content over Content">
+    <p:spTree>
+      <p:nvGrpSpPr>
+        <p:cNvPr id="1" name=""/>
+        <p:cNvGrpSpPr/>
+        <p:nvPr/>
+      </p:nvGrpSpPr>
+      <p:grpSpPr>
+        <a:xfrm>
+          <a:off x="0" y="0"/>
+          <a:ext cx="0" cy="0"/>
+          <a:chOff x="0" y="0"/>
+          <a:chExt cx="0" cy="0"/>
+        </a:xfrm>
+      </p:grpSpPr>
+      <p:sp>
+        <p:nvSpPr>
+          <p:cNvPr id="314" name="PlaceHolder 1"/>
+          <p:cNvSpPr>
+            <a:spLocks noGrp="1"/>
+          </p:cNvSpPr>
+          <p:nvPr>
+            <p:ph type="title"/>
+          </p:nvPr>
+        </p:nvSpPr>
+        <p:spPr>
+          <a:xfrm>
+            <a:off x="609120" y="273600"/>
+            <a:ext cx="10969560" cy="1144800"/>
+          </a:xfrm>
+          <a:prstGeom prst="rect">
+            <a:avLst/>
+          </a:prstGeom>
+          <a:noFill/>
+          <a:ln w="0">
+            <a:noFill/>
+          </a:ln>
+        </p:spPr>
+        <p:txBody>
+          <a:bodyPr lIns="0" rIns="0" tIns="0" bIns="0" anchor="ctr">
+            <a:noAutofit/>
+          </a:bodyPr>
+          <a:p>
+            <a:pPr indent="0" algn="ctr">
+              <a:buNone/>
+            </a:pPr>
+            <a:endParaRPr b="0" lang="en-US" sz="4400" spc="-1" strike="noStrike">
+              <a:solidFill>
+                <a:srgbClr val="000000"/>
+              </a:solidFill>
+              <a:latin typeface="Arial"/>
+            </a:endParaRPr>
+          </a:p>
+        </p:txBody>
+      </p:sp>
+      <p:sp>
+        <p:nvSpPr>
+          <p:cNvPr id="315" name="PlaceHolder 2"/>
+          <p:cNvSpPr>
+            <a:spLocks noGrp="1"/>
+          </p:cNvSpPr>
+          <p:nvPr>
+            <p:ph/>
+          </p:nvPr>
+        </p:nvSpPr>
+        <p:spPr>
+          <a:xfrm>
+            <a:off x="609120" y="1604520"/>
+            <a:ext cx="5352840" cy="1896840"/>
+          </a:xfrm>
+          <a:prstGeom prst="rect">
+            <a:avLst/>
+          </a:prstGeom>
+          <a:noFill/>
+          <a:ln w="0">
+            <a:noFill/>
+          </a:ln>
+        </p:spPr>
+        <p:txBody>
+          <a:bodyPr lIns="0" rIns="0" tIns="0" bIns="0" anchor="t">
+            <a:normAutofit/>
+          </a:bodyPr>
+          <a:p>
+            <a:pPr indent="0">
+              <a:spcBef>
+                <a:spcPts val="1417"/>
+              </a:spcBef>
+              <a:buNone/>
+            </a:pPr>
+            <a:endParaRPr b="0" lang="en-US" sz="3200" spc="-1" strike="noStrike">
+              <a:solidFill>
+                <a:srgbClr val="000000"/>
+              </a:solidFill>
+              <a:latin typeface="Arial"/>
+            </a:endParaRPr>
+          </a:p>
+        </p:txBody>
+      </p:sp>
+      <p:sp>
+        <p:nvSpPr>
+          <p:cNvPr id="316" name="PlaceHolder 3"/>
+          <p:cNvSpPr>
+            <a:spLocks noGrp="1"/>
+          </p:cNvSpPr>
+          <p:nvPr>
+            <p:ph/>
+          </p:nvPr>
+        </p:nvSpPr>
+        <p:spPr>
+          <a:xfrm>
+            <a:off x="6230160" y="1604520"/>
+            <a:ext cx="5352840" cy="1896840"/>
+          </a:xfrm>
+          <a:prstGeom prst="rect">
+            <a:avLst/>
+          </a:prstGeom>
+          <a:noFill/>
+          <a:ln w="0">
+            <a:noFill/>
+          </a:ln>
+        </p:spPr>
+        <p:txBody>
+          <a:bodyPr lIns="0" rIns="0" tIns="0" bIns="0" anchor="t">
+            <a:normAutofit/>
+          </a:bodyPr>
+          <a:p>
+            <a:pPr indent="0">
+              <a:spcBef>
+                <a:spcPts val="1417"/>
+              </a:spcBef>
+              <a:buNone/>
+            </a:pPr>
+            <a:endParaRPr b="0" lang="en-US" sz="3200" spc="-1" strike="noStrike">
+              <a:solidFill>
+                <a:srgbClr val="000000"/>
+              </a:solidFill>
+              <a:latin typeface="Arial"/>
+            </a:endParaRPr>
+          </a:p>
+        </p:txBody>
+      </p:sp>
+      <p:sp>
+        <p:nvSpPr>
+          <p:cNvPr id="317" name="PlaceHolder 4"/>
+          <p:cNvSpPr>
+            <a:spLocks noGrp="1"/>
+          </p:cNvSpPr>
+          <p:nvPr>
+            <p:ph/>
+          </p:nvPr>
+        </p:nvSpPr>
+        <p:spPr>
+          <a:xfrm>
+            <a:off x="609120" y="3682080"/>
+            <a:ext cx="10969560" cy="1896840"/>
+          </a:xfrm>
+          <a:prstGeom prst="rect">
+            <a:avLst/>
+          </a:prstGeom>
+          <a:noFill/>
+          <a:ln w="0">
+            <a:noFill/>
+          </a:ln>
+        </p:spPr>
+        <p:txBody>
+          <a:bodyPr lIns="0" rIns="0" tIns="0" bIns="0" anchor="t">
+            <a:normAutofit/>
+          </a:bodyPr>
+          <a:p>
+            <a:pPr indent="0">
+              <a:spcBef>
+                <a:spcPts val="1417"/>
+              </a:spcBef>
+              <a:buNone/>
+            </a:pPr>
+            <a:endParaRPr b="0" lang="en-US" sz="3200" spc="-1" strike="noStrike">
+              <a:solidFill>
+                <a:srgbClr val="000000"/>
+              </a:solidFill>
+              <a:latin typeface="Arial"/>
+            </a:endParaRPr>
+          </a:p>
+        </p:txBody>
+      </p:sp>
+    </p:spTree>
+  </p:cSld>
+</p:sldLayout>
+</file>
+
+<file path=ppt/slideLayouts/slideLayout94.xml><?xml version="1.0" encoding="utf-8"?>
+<p:sldLayout xmlns:a="http://schemas.openxmlformats.org/drawingml/2006/main" xmlns:p="http://schemas.openxmlformats.org/presentationml/2006/main" xmlns:r="http://schemas.openxmlformats.org/officeDocument/2006/relationships" xmlns:p14="http://schemas.microsoft.com/office/powerpoint/2010/main" xmlns:p15="http://schemas.microsoft.com/office/powerpoint/2012/main" xmlns:mc="http://schemas.openxmlformats.org/markup-compatibility/2006" type="objOverTx" preserve="1">
+  <p:cSld name="Title, Content over Content">
+    <p:spTree>
+      <p:nvGrpSpPr>
+        <p:cNvPr id="1" name=""/>
+        <p:cNvGrpSpPr/>
+        <p:nvPr/>
+      </p:nvGrpSpPr>
+      <p:grpSpPr>
+        <a:xfrm>
+          <a:off x="0" y="0"/>
+          <a:ext cx="0" cy="0"/>
+          <a:chOff x="0" y="0"/>
+          <a:chExt cx="0" cy="0"/>
+        </a:xfrm>
+      </p:grpSpPr>
+      <p:sp>
+        <p:nvSpPr>
+          <p:cNvPr id="318" name="PlaceHolder 1"/>
+          <p:cNvSpPr>
+            <a:spLocks noGrp="1"/>
+          </p:cNvSpPr>
+          <p:nvPr>
+            <p:ph type="title"/>
+          </p:nvPr>
+        </p:nvSpPr>
+        <p:spPr>
+          <a:xfrm>
+            <a:off x="609120" y="273600"/>
+            <a:ext cx="10969560" cy="1144800"/>
+          </a:xfrm>
+          <a:prstGeom prst="rect">
+            <a:avLst/>
+          </a:prstGeom>
+          <a:noFill/>
+          <a:ln w="0">
+            <a:noFill/>
+          </a:ln>
+        </p:spPr>
+        <p:txBody>
+          <a:bodyPr lIns="0" rIns="0" tIns="0" bIns="0" anchor="ctr">
+            <a:noAutofit/>
+          </a:bodyPr>
+          <a:p>
+            <a:pPr indent="0" algn="ctr">
+              <a:buNone/>
+            </a:pPr>
+            <a:endParaRPr b="0" lang="en-US" sz="4400" spc="-1" strike="noStrike">
+              <a:solidFill>
+                <a:srgbClr val="000000"/>
+              </a:solidFill>
+              <a:latin typeface="Arial"/>
+            </a:endParaRPr>
+          </a:p>
+        </p:txBody>
+      </p:sp>
+      <p:sp>
+        <p:nvSpPr>
+          <p:cNvPr id="319" name="PlaceHolder 2"/>
+          <p:cNvSpPr>
+            <a:spLocks noGrp="1"/>
+          </p:cNvSpPr>
+          <p:nvPr>
+            <p:ph/>
+          </p:nvPr>
+        </p:nvSpPr>
+        <p:spPr>
+          <a:xfrm>
+            <a:off x="609120" y="1604520"/>
+            <a:ext cx="10969560" cy="1896840"/>
+          </a:xfrm>
+          <a:prstGeom prst="rect">
+            <a:avLst/>
+          </a:prstGeom>
+          <a:noFill/>
+          <a:ln w="0">
+            <a:noFill/>
+          </a:ln>
+        </p:spPr>
+        <p:txBody>
+          <a:bodyPr lIns="0" rIns="0" tIns="0" bIns="0" anchor="t">
+            <a:normAutofit/>
+          </a:bodyPr>
+          <a:p>
+            <a:pPr indent="0">
+              <a:spcBef>
+                <a:spcPts val="1417"/>
+              </a:spcBef>
+              <a:buNone/>
+            </a:pPr>
+            <a:endParaRPr b="0" lang="en-US" sz="3200" spc="-1" strike="noStrike">
+              <a:solidFill>
+                <a:srgbClr val="000000"/>
+              </a:solidFill>
+              <a:latin typeface="Arial"/>
+            </a:endParaRPr>
+          </a:p>
+        </p:txBody>
+      </p:sp>
+      <p:sp>
+        <p:nvSpPr>
+          <p:cNvPr id="320" name="PlaceHolder 3"/>
+          <p:cNvSpPr>
+            <a:spLocks noGrp="1"/>
+          </p:cNvSpPr>
+          <p:nvPr>
+            <p:ph/>
+          </p:nvPr>
+        </p:nvSpPr>
+        <p:spPr>
+          <a:xfrm>
+            <a:off x="609120" y="3682080"/>
+            <a:ext cx="10969560" cy="1896840"/>
+          </a:xfrm>
+          <a:prstGeom prst="rect">
+            <a:avLst/>
+          </a:prstGeom>
+          <a:noFill/>
+          <a:ln w="0">
+            <a:noFill/>
+          </a:ln>
+        </p:spPr>
+        <p:txBody>
+          <a:bodyPr lIns="0" rIns="0" tIns="0" bIns="0" anchor="t">
+            <a:normAutofit/>
+          </a:bodyPr>
+          <a:p>
+            <a:pPr indent="0">
+              <a:spcBef>
+                <a:spcPts val="1417"/>
+              </a:spcBef>
+              <a:buNone/>
+            </a:pPr>
+            <a:endParaRPr b="0" lang="en-US" sz="3200" spc="-1" strike="noStrike">
+              <a:solidFill>
+                <a:srgbClr val="000000"/>
+              </a:solidFill>
+              <a:latin typeface="Arial"/>
+            </a:endParaRPr>
+          </a:p>
+        </p:txBody>
+      </p:sp>
+    </p:spTree>
+  </p:cSld>
+</p:sldLayout>
+</file>
+
+<file path=ppt/slideLayouts/slideLayout95.xml><?xml version="1.0" encoding="utf-8"?>
+<p:sldLayout xmlns:a="http://schemas.openxmlformats.org/drawingml/2006/main" xmlns:p="http://schemas.openxmlformats.org/presentationml/2006/main" xmlns:r="http://schemas.openxmlformats.org/officeDocument/2006/relationships" xmlns:p14="http://schemas.microsoft.com/office/powerpoint/2010/main" xmlns:p15="http://schemas.microsoft.com/office/powerpoint/2012/main" xmlns:mc="http://schemas.openxmlformats.org/markup-compatibility/2006" type="fourObj" preserve="1">
+  <p:cSld name="Title, 4 Content">
+    <p:spTree>
+      <p:nvGrpSpPr>
+        <p:cNvPr id="1" name=""/>
+        <p:cNvGrpSpPr/>
+        <p:nvPr/>
+      </p:nvGrpSpPr>
+      <p:grpSpPr>
+        <a:xfrm>
+          <a:off x="0" y="0"/>
+          <a:ext cx="0" cy="0"/>
+          <a:chOff x="0" y="0"/>
+          <a:chExt cx="0" cy="0"/>
+        </a:xfrm>
+      </p:grpSpPr>
+      <p:sp>
+        <p:nvSpPr>
+          <p:cNvPr id="321" name="PlaceHolder 1"/>
+          <p:cNvSpPr>
+            <a:spLocks noGrp="1"/>
+          </p:cNvSpPr>
+          <p:nvPr>
+            <p:ph type="title"/>
+          </p:nvPr>
+        </p:nvSpPr>
+        <p:spPr>
+          <a:xfrm>
+            <a:off x="609120" y="273600"/>
+            <a:ext cx="10969560" cy="1144800"/>
+          </a:xfrm>
+          <a:prstGeom prst="rect">
+            <a:avLst/>
+          </a:prstGeom>
+          <a:noFill/>
+          <a:ln w="0">
+            <a:noFill/>
+          </a:ln>
+        </p:spPr>
+        <p:txBody>
+          <a:bodyPr lIns="0" rIns="0" tIns="0" bIns="0" anchor="ctr">
+            <a:noAutofit/>
+          </a:bodyPr>
+          <a:p>
+            <a:pPr indent="0" algn="ctr">
+              <a:buNone/>
+            </a:pPr>
+            <a:endParaRPr b="0" lang="en-US" sz="4400" spc="-1" strike="noStrike">
+              <a:solidFill>
+                <a:srgbClr val="000000"/>
+              </a:solidFill>
+              <a:latin typeface="Arial"/>
+            </a:endParaRPr>
+          </a:p>
+        </p:txBody>
+      </p:sp>
+      <p:sp>
+        <p:nvSpPr>
+          <p:cNvPr id="322" name="PlaceHolder 2"/>
+          <p:cNvSpPr>
+            <a:spLocks noGrp="1"/>
+          </p:cNvSpPr>
+          <p:nvPr>
+            <p:ph/>
+          </p:nvPr>
+        </p:nvSpPr>
+        <p:spPr>
+          <a:xfrm>
+            <a:off x="609120" y="1604520"/>
+            <a:ext cx="5352840" cy="1896840"/>
+          </a:xfrm>
+          <a:prstGeom prst="rect">
+            <a:avLst/>
+          </a:prstGeom>
+          <a:noFill/>
+          <a:ln w="0">
+            <a:noFill/>
+          </a:ln>
+        </p:spPr>
+        <p:txBody>
+          <a:bodyPr lIns="0" rIns="0" tIns="0" bIns="0" anchor="t">
+            <a:normAutofit/>
+          </a:bodyPr>
+          <a:p>
+            <a:pPr indent="0">
+              <a:spcBef>
+                <a:spcPts val="1417"/>
+              </a:spcBef>
+              <a:buNone/>
+            </a:pPr>
+            <a:endParaRPr b="0" lang="en-US" sz="3200" spc="-1" strike="noStrike">
+              <a:solidFill>
+                <a:srgbClr val="000000"/>
+              </a:solidFill>
+              <a:latin typeface="Arial"/>
+            </a:endParaRPr>
+          </a:p>
+        </p:txBody>
+      </p:sp>
+      <p:sp>
+        <p:nvSpPr>
+          <p:cNvPr id="323" name="PlaceHolder 3"/>
+          <p:cNvSpPr>
+            <a:spLocks noGrp="1"/>
+          </p:cNvSpPr>
+          <p:nvPr>
+            <p:ph/>
+          </p:nvPr>
+        </p:nvSpPr>
+        <p:spPr>
+          <a:xfrm>
+            <a:off x="6230160" y="1604520"/>
+            <a:ext cx="5352840" cy="1896840"/>
+          </a:xfrm>
+          <a:prstGeom prst="rect">
+            <a:avLst/>
+          </a:prstGeom>
+          <a:noFill/>
+          <a:ln w="0">
+            <a:noFill/>
+          </a:ln>
+        </p:spPr>
+        <p:txBody>
+          <a:bodyPr lIns="0" rIns="0" tIns="0" bIns="0" anchor="t">
+            <a:normAutofit/>
+          </a:bodyPr>
+          <a:p>
+            <a:pPr indent="0">
+              <a:spcBef>
+                <a:spcPts val="1417"/>
+              </a:spcBef>
+              <a:buNone/>
+            </a:pPr>
+            <a:endParaRPr b="0" lang="en-US" sz="3200" spc="-1" strike="noStrike">
+              <a:solidFill>
+                <a:srgbClr val="000000"/>
+              </a:solidFill>
+              <a:latin typeface="Arial"/>
+            </a:endParaRPr>
+          </a:p>
+        </p:txBody>
+      </p:sp>
+      <p:sp>
+        <p:nvSpPr>
+          <p:cNvPr id="324" name="PlaceHolder 4"/>
+          <p:cNvSpPr>
+            <a:spLocks noGrp="1"/>
+          </p:cNvSpPr>
+          <p:nvPr>
+            <p:ph/>
+          </p:nvPr>
+        </p:nvSpPr>
+        <p:spPr>
+          <a:xfrm>
+            <a:off x="609120" y="3682080"/>
+            <a:ext cx="5352840" cy="1896840"/>
+          </a:xfrm>
+          <a:prstGeom prst="rect">
+            <a:avLst/>
+          </a:prstGeom>
+          <a:noFill/>
+          <a:ln w="0">
+            <a:noFill/>
+          </a:ln>
+        </p:spPr>
+        <p:txBody>
+          <a:bodyPr lIns="0" rIns="0" tIns="0" bIns="0" anchor="t">
+            <a:normAutofit/>
+          </a:bodyPr>
+          <a:p>
+            <a:pPr indent="0">
+              <a:spcBef>
+                <a:spcPts val="1417"/>
+              </a:spcBef>
+              <a:buNone/>
+            </a:pPr>
+            <a:endParaRPr b="0" lang="en-US" sz="3200" spc="-1" strike="noStrike">
+              <a:solidFill>
+                <a:srgbClr val="000000"/>
+              </a:solidFill>
+              <a:latin typeface="Arial"/>
+            </a:endParaRPr>
+          </a:p>
+        </p:txBody>
+      </p:sp>
+      <p:sp>
+        <p:nvSpPr>
+          <p:cNvPr id="325" name="PlaceHolder 5"/>
+          <p:cNvSpPr>
+            <a:spLocks noGrp="1"/>
+          </p:cNvSpPr>
+          <p:nvPr>
+            <p:ph/>
+          </p:nvPr>
+        </p:nvSpPr>
+        <p:spPr>
+          <a:xfrm>
+            <a:off x="6230160" y="3682080"/>
+            <a:ext cx="5352840" cy="1896840"/>
+          </a:xfrm>
+          <a:prstGeom prst="rect">
+            <a:avLst/>
+          </a:prstGeom>
+          <a:noFill/>
+          <a:ln w="0">
+            <a:noFill/>
+          </a:ln>
+        </p:spPr>
+        <p:txBody>
+          <a:bodyPr lIns="0" rIns="0" tIns="0" bIns="0" anchor="t">
+            <a:normAutofit/>
+          </a:bodyPr>
+          <a:p>
+            <a:pPr indent="0">
+              <a:spcBef>
+                <a:spcPts val="1417"/>
+              </a:spcBef>
+              <a:buNone/>
+            </a:pPr>
+            <a:endParaRPr b="0" lang="en-US" sz="3200" spc="-1" strike="noStrike">
+              <a:solidFill>
+                <a:srgbClr val="000000"/>
+              </a:solidFill>
+              <a:latin typeface="Arial"/>
+            </a:endParaRPr>
+          </a:p>
+        </p:txBody>
+      </p:sp>
+    </p:spTree>
+  </p:cSld>
+</p:sldLayout>
+</file>
+
+<file path=ppt/slideLayouts/slideLayout96.xml><?xml version="1.0" encoding="utf-8"?>
+<p:sldLayout xmlns:a="http://schemas.openxmlformats.org/drawingml/2006/main" xmlns:p="http://schemas.openxmlformats.org/presentationml/2006/main" xmlns:r="http://schemas.openxmlformats.org/officeDocument/2006/relationships" xmlns:p14="http://schemas.microsoft.com/office/powerpoint/2010/main" xmlns:p15="http://schemas.microsoft.com/office/powerpoint/2012/main" xmlns:mc="http://schemas.openxmlformats.org/markup-compatibility/2006" type="blank" preserve="1">
+  <p:cSld name="Title, 6 Content">
+    <p:spTree>
+      <p:nvGrpSpPr>
+        <p:cNvPr id="1" name=""/>
+        <p:cNvGrpSpPr/>
+        <p:nvPr/>
+      </p:nvGrpSpPr>
+      <p:grpSpPr>
+        <a:xfrm>
+          <a:off x="0" y="0"/>
+          <a:ext cx="0" cy="0"/>
+          <a:chOff x="0" y="0"/>
+          <a:chExt cx="0" cy="0"/>
+        </a:xfrm>
+      </p:grpSpPr>
+      <p:sp>
+        <p:nvSpPr>
+          <p:cNvPr id="326" name="PlaceHolder 1"/>
+          <p:cNvSpPr>
+            <a:spLocks noGrp="1"/>
+          </p:cNvSpPr>
+          <p:nvPr>
+            <p:ph type="title"/>
+          </p:nvPr>
+        </p:nvSpPr>
+        <p:spPr>
+          <a:xfrm>
+            <a:off x="609120" y="273600"/>
+            <a:ext cx="10969560" cy="1144800"/>
+          </a:xfrm>
+          <a:prstGeom prst="rect">
+            <a:avLst/>
+          </a:prstGeom>
+          <a:noFill/>
+          <a:ln w="0">
+            <a:noFill/>
+          </a:ln>
+        </p:spPr>
+        <p:txBody>
+          <a:bodyPr lIns="0" rIns="0" tIns="0" bIns="0" anchor="ctr">
+            <a:noAutofit/>
+          </a:bodyPr>
+          <a:p>
+            <a:pPr indent="0" algn="ctr">
+              <a:buNone/>
+            </a:pPr>
+            <a:endParaRPr b="0" lang="en-US" sz="4400" spc="-1" strike="noStrike">
+              <a:solidFill>
+                <a:srgbClr val="000000"/>
+              </a:solidFill>
+              <a:latin typeface="Arial"/>
+            </a:endParaRPr>
+          </a:p>
+        </p:txBody>
+      </p:sp>
+      <p:sp>
+        <p:nvSpPr>
+          <p:cNvPr id="327" name="PlaceHolder 2"/>
+          <p:cNvSpPr>
+            <a:spLocks noGrp="1"/>
+          </p:cNvSpPr>
+          <p:nvPr>
+            <p:ph/>
+          </p:nvPr>
+        </p:nvSpPr>
+        <p:spPr>
+          <a:xfrm>
+            <a:off x="609120" y="1604520"/>
+            <a:ext cx="3531960" cy="1896840"/>
+          </a:xfrm>
+          <a:prstGeom prst="rect">
+            <a:avLst/>
+          </a:prstGeom>
+          <a:noFill/>
+          <a:ln w="0">
+            <a:noFill/>
+          </a:ln>
+        </p:spPr>
+        <p:txBody>
+          <a:bodyPr lIns="0" rIns="0" tIns="0" bIns="0" anchor="t">
+            <a:normAutofit/>
+          </a:bodyPr>
+          <a:p>
+            <a:pPr indent="0">
+              <a:spcBef>
+                <a:spcPts val="1417"/>
+              </a:spcBef>
+              <a:buNone/>
+            </a:pPr>
+            <a:endParaRPr b="0" lang="en-US" sz="3200" spc="-1" strike="noStrike">
+              <a:solidFill>
+                <a:srgbClr val="000000"/>
+              </a:solidFill>
+              <a:latin typeface="Arial"/>
+            </a:endParaRPr>
+          </a:p>
+        </p:txBody>
+      </p:sp>
+      <p:sp>
+        <p:nvSpPr>
+          <p:cNvPr id="328" name="PlaceHolder 3"/>
+          <p:cNvSpPr>
+            <a:spLocks noGrp="1"/>
+          </p:cNvSpPr>
+          <p:nvPr>
+            <p:ph/>
+          </p:nvPr>
+        </p:nvSpPr>
+        <p:spPr>
+          <a:xfrm>
+            <a:off x="4318200" y="1604520"/>
+            <a:ext cx="3531960" cy="1896840"/>
+          </a:xfrm>
+          <a:prstGeom prst="rect">
+            <a:avLst/>
+          </a:prstGeom>
+          <a:noFill/>
+          <a:ln w="0">
+            <a:noFill/>
+          </a:ln>
+        </p:spPr>
+        <p:txBody>
+          <a:bodyPr lIns="0" rIns="0" tIns="0" bIns="0" anchor="t">
+            <a:normAutofit/>
+          </a:bodyPr>
+          <a:p>
+            <a:pPr indent="0">
+              <a:spcBef>
+                <a:spcPts val="1417"/>
+              </a:spcBef>
+              <a:buNone/>
+            </a:pPr>
+            <a:endParaRPr b="0" lang="en-US" sz="3200" spc="-1" strike="noStrike">
+              <a:solidFill>
+                <a:srgbClr val="000000"/>
+              </a:solidFill>
+              <a:latin typeface="Arial"/>
+            </a:endParaRPr>
+          </a:p>
+        </p:txBody>
+      </p:sp>
+      <p:sp>
+        <p:nvSpPr>
+          <p:cNvPr id="329" name="PlaceHolder 4"/>
+          <p:cNvSpPr>
+            <a:spLocks noGrp="1"/>
+          </p:cNvSpPr>
+          <p:nvPr>
+            <p:ph/>
+          </p:nvPr>
+        </p:nvSpPr>
+        <p:spPr>
+          <a:xfrm>
+            <a:off x="8026920" y="1604520"/>
+            <a:ext cx="3531960" cy="1896840"/>
+          </a:xfrm>
+          <a:prstGeom prst="rect">
+            <a:avLst/>
+          </a:prstGeom>
+          <a:noFill/>
+          <a:ln w="0">
+            <a:noFill/>
+          </a:ln>
+        </p:spPr>
+        <p:txBody>
+          <a:bodyPr lIns="0" rIns="0" tIns="0" bIns="0" anchor="t">
+            <a:normAutofit/>
+          </a:bodyPr>
+          <a:p>
+            <a:pPr indent="0">
+              <a:spcBef>
+                <a:spcPts val="1417"/>
+              </a:spcBef>
+              <a:buNone/>
+            </a:pPr>
+            <a:endParaRPr b="0" lang="en-US" sz="3200" spc="-1" strike="noStrike">
+              <a:solidFill>
+                <a:srgbClr val="000000"/>
+              </a:solidFill>
+              <a:latin typeface="Arial"/>
+            </a:endParaRPr>
+          </a:p>
+        </p:txBody>
+      </p:sp>
+      <p:sp>
+        <p:nvSpPr>
+          <p:cNvPr id="330" name="PlaceHolder 5"/>
+          <p:cNvSpPr>
+            <a:spLocks noGrp="1"/>
+          </p:cNvSpPr>
+          <p:nvPr>
+            <p:ph/>
+          </p:nvPr>
+        </p:nvSpPr>
+        <p:spPr>
+          <a:xfrm>
+            <a:off x="609120" y="3682080"/>
+            <a:ext cx="3531960" cy="1896840"/>
+          </a:xfrm>
+          <a:prstGeom prst="rect">
+            <a:avLst/>
+          </a:prstGeom>
+          <a:noFill/>
+          <a:ln w="0">
+            <a:noFill/>
+          </a:ln>
+        </p:spPr>
+        <p:txBody>
+          <a:bodyPr lIns="0" rIns="0" tIns="0" bIns="0" anchor="t">
+            <a:normAutofit/>
+          </a:bodyPr>
+          <a:p>
+            <a:pPr indent="0">
+              <a:spcBef>
+                <a:spcPts val="1417"/>
+              </a:spcBef>
+              <a:buNone/>
+            </a:pPr>
+            <a:endParaRPr b="0" lang="en-US" sz="3200" spc="-1" strike="noStrike">
+              <a:solidFill>
+                <a:srgbClr val="000000"/>
+              </a:solidFill>
+              <a:latin typeface="Arial"/>
+            </a:endParaRPr>
+          </a:p>
+        </p:txBody>
+      </p:sp>
+      <p:sp>
+        <p:nvSpPr>
+          <p:cNvPr id="331" name="PlaceHolder 6"/>
+          <p:cNvSpPr>
+            <a:spLocks noGrp="1"/>
+          </p:cNvSpPr>
+          <p:nvPr>
+            <p:ph/>
+          </p:nvPr>
+        </p:nvSpPr>
+        <p:spPr>
+          <a:xfrm>
+            <a:off x="4318200" y="3682080"/>
+            <a:ext cx="3531960" cy="1896840"/>
+          </a:xfrm>
+          <a:prstGeom prst="rect">
+            <a:avLst/>
+          </a:prstGeom>
+          <a:noFill/>
+          <a:ln w="0">
+            <a:noFill/>
+          </a:ln>
+        </p:spPr>
+        <p:txBody>
+          <a:bodyPr lIns="0" rIns="0" tIns="0" bIns="0" anchor="t">
+            <a:normAutofit/>
+          </a:bodyPr>
+          <a:p>
+            <a:pPr indent="0">
+              <a:spcBef>
+                <a:spcPts val="1417"/>
+              </a:spcBef>
+              <a:buNone/>
+            </a:pPr>
+            <a:endParaRPr b="0" lang="en-US" sz="3200" spc="-1" strike="noStrike">
+              <a:solidFill>
+                <a:srgbClr val="000000"/>
+              </a:solidFill>
+              <a:latin typeface="Arial"/>
+            </a:endParaRPr>
+          </a:p>
+        </p:txBody>
+      </p:sp>
+      <p:sp>
+        <p:nvSpPr>
+          <p:cNvPr id="332" name="PlaceHolder 7"/>
+          <p:cNvSpPr>
+            <a:spLocks noGrp="1"/>
+          </p:cNvSpPr>
+          <p:nvPr>
+            <p:ph/>
+          </p:nvPr>
+        </p:nvSpPr>
+        <p:spPr>
+          <a:xfrm>
+            <a:off x="8026920" y="3682080"/>
+            <a:ext cx="3531960" cy="1896840"/>
           </a:xfrm>
           <a:prstGeom prst="rect">
             <a:avLst/>
@@ -12478,7 +14257,7 @@
         <p:spPr>
           <a:xfrm>
             <a:off x="723600" y="6432480"/>
-            <a:ext cx="2050200" cy="151920"/>
+            <a:ext cx="2049480" cy="151920"/>
           </a:xfrm>
           <a:prstGeom prst="rect">
             <a:avLst/>
@@ -12535,7 +14314,7 @@
         <p:spPr>
           <a:xfrm>
             <a:off x="9412920" y="6432480"/>
-            <a:ext cx="2050200" cy="151920"/>
+            <a:ext cx="2049480" cy="151920"/>
           </a:xfrm>
           <a:prstGeom prst="rect">
             <a:avLst/>
@@ -12571,7 +14350,7 @@
               </a:rPr>
               <a:t>Page </a:t>
             </a:r>
-            <a:fld id="{BBABA9A4-72A6-439A-8DC5-6EEC42FB28FC}" type="slidenum">
+            <a:fld id="{E7B9A7A9-7720-484A-BD04-1659798782A6}" type="slidenum">
               <a:rPr b="0" lang="en-US" sz="1000" spc="-1" strike="noStrike">
                 <a:solidFill>
                   <a:srgbClr val="787878"/>
@@ -12579,7 +14358,7 @@
                 <a:latin typeface="Arial"/>
                 <a:ea typeface="Verdana"/>
               </a:rPr>
-              <a:t>&lt;number&gt;</a:t>
+              <a:t>6</a:t>
             </a:fld>
             <a:endParaRPr b="0" lang="en-US" sz="1000" spc="-1" strike="noStrike">
               <a:solidFill>
@@ -12599,7 +14378,7 @@
         <p:spPr>
           <a:xfrm>
             <a:off x="360" y="0"/>
-            <a:ext cx="12187080" cy="6856200"/>
+            <a:ext cx="12186360" cy="6855480"/>
           </a:xfrm>
           <a:prstGeom prst="rect">
             <a:avLst/>
@@ -12654,7 +14433,7 @@
         <p:spPr>
           <a:xfrm>
             <a:off x="728640" y="729000"/>
-            <a:ext cx="10729080" cy="5380920"/>
+            <a:ext cx="10728360" cy="5380200"/>
           </a:xfrm>
           <a:prstGeom prst="rect">
             <a:avLst/>
@@ -12709,7 +14488,7 @@
         <p:spPr>
           <a:xfrm>
             <a:off x="4552920" y="3719880"/>
-            <a:ext cx="3087720" cy="1800"/>
+            <a:ext cx="3088440" cy="2520"/>
           </a:xfrm>
           <a:prstGeom prst="straightConnector1">
             <a:avLst/>
@@ -12735,7 +14514,7 @@
         <p:spPr>
           <a:xfrm>
             <a:off x="5827680" y="723960"/>
-            <a:ext cx="531720" cy="716040"/>
+            <a:ext cx="531000" cy="715320"/>
           </a:xfrm>
           <a:prstGeom prst="rect">
             <a:avLst/>
@@ -13072,7 +14851,7 @@
         <p:spPr>
           <a:xfrm>
             <a:off x="723600" y="6432480"/>
-            <a:ext cx="2050200" cy="151920"/>
+            <a:ext cx="2049480" cy="151920"/>
           </a:xfrm>
           <a:prstGeom prst="rect">
             <a:avLst/>
@@ -13129,7 +14908,7 @@
         <p:spPr>
           <a:xfrm>
             <a:off x="9412920" y="6432480"/>
-            <a:ext cx="2050200" cy="151920"/>
+            <a:ext cx="2049480" cy="151920"/>
           </a:xfrm>
           <a:prstGeom prst="rect">
             <a:avLst/>
@@ -13165,7 +14944,7 @@
               </a:rPr>
               <a:t>Page </a:t>
             </a:r>
-            <a:fld id="{D03414AD-C444-449D-B029-BAE7BA01C2BD}" type="slidenum">
+            <a:fld id="{355849A9-3244-4686-8D6B-74ACB1A3B210}" type="slidenum">
               <a:rPr b="0" lang="en-US" sz="1000" spc="-1" strike="noStrike">
                 <a:solidFill>
                   <a:srgbClr val="787878"/>
@@ -13193,7 +14972,7 @@
         <p:spPr>
           <a:xfrm>
             <a:off x="723600" y="1943640"/>
-            <a:ext cx="558360" cy="1800"/>
+            <a:ext cx="559080" cy="2520"/>
           </a:xfrm>
           <a:prstGeom prst="straightConnector1">
             <a:avLst/>
@@ -13758,7 +15537,7 @@
         <p:spPr>
           <a:xfrm>
             <a:off x="723600" y="6432480"/>
-            <a:ext cx="2050200" cy="151920"/>
+            <a:ext cx="2049480" cy="151920"/>
           </a:xfrm>
           <a:prstGeom prst="rect">
             <a:avLst/>
@@ -13815,7 +15594,7 @@
         <p:spPr>
           <a:xfrm>
             <a:off x="9412920" y="6432480"/>
-            <a:ext cx="2050200" cy="151920"/>
+            <a:ext cx="2049480" cy="151920"/>
           </a:xfrm>
           <a:prstGeom prst="rect">
             <a:avLst/>
@@ -13851,7 +15630,7 @@
               </a:rPr>
               <a:t>Page </a:t>
             </a:r>
-            <a:fld id="{F949212B-A596-4422-A29E-2189F0552EB5}" type="slidenum">
+            <a:fld id="{41B092E6-F398-4055-A6A7-68871AD22CE7}" type="slidenum">
               <a:rPr b="0" lang="en-US" sz="1000" spc="-1" strike="noStrike">
                 <a:solidFill>
                   <a:srgbClr val="787878"/>
@@ -13879,7 +15658,7 @@
         <p:spPr>
           <a:xfrm>
             <a:off x="723600" y="1943640"/>
-            <a:ext cx="558360" cy="1800"/>
+            <a:ext cx="559080" cy="2520"/>
           </a:xfrm>
           <a:prstGeom prst="straightConnector1">
             <a:avLst/>
@@ -14444,7 +16223,7 @@
         <p:spPr>
           <a:xfrm>
             <a:off x="723600" y="6432480"/>
-            <a:ext cx="2050200" cy="151920"/>
+            <a:ext cx="2049480" cy="151920"/>
           </a:xfrm>
           <a:prstGeom prst="rect">
             <a:avLst/>
@@ -14501,7 +16280,7 @@
         <p:spPr>
           <a:xfrm>
             <a:off x="9412920" y="6432480"/>
-            <a:ext cx="2050200" cy="151920"/>
+            <a:ext cx="2049480" cy="151920"/>
           </a:xfrm>
           <a:prstGeom prst="rect">
             <a:avLst/>
@@ -14537,7 +16316,7 @@
               </a:rPr>
               <a:t>Page </a:t>
             </a:r>
-            <a:fld id="{54762DA2-0C11-48D1-BF2F-7B898C229B59}" type="slidenum">
+            <a:fld id="{754CB6BC-A368-48BD-BA42-6360438230B0}" type="slidenum">
               <a:rPr b="0" lang="en-US" sz="1000" spc="-1" strike="noStrike">
                 <a:solidFill>
                   <a:srgbClr val="787878"/>
@@ -14565,7 +16344,7 @@
         <p:spPr>
           <a:xfrm>
             <a:off x="723600" y="1943640"/>
-            <a:ext cx="558360" cy="1800"/>
+            <a:ext cx="559080" cy="2520"/>
           </a:xfrm>
           <a:prstGeom prst="straightConnector1">
             <a:avLst/>
@@ -14591,7 +16370,7 @@
         <p:spPr>
           <a:xfrm>
             <a:off x="609120" y="273600"/>
-            <a:ext cx="10969200" cy="1144440"/>
+            <a:ext cx="10969560" cy="1144800"/>
           </a:xfrm>
           <a:prstGeom prst="rect">
             <a:avLst/>
@@ -14606,11 +16385,11 @@
             <a:noAutofit/>
           </a:bodyPr>
           <a:p>
-            <a:pPr indent="0">
+            <a:pPr indent="0" algn="ctr">
               <a:buNone/>
             </a:pPr>
             <a:r>
-              <a:rPr b="0" lang="en-US" sz="1800" spc="-1" strike="noStrike">
+              <a:rPr b="0" lang="en-US" sz="4400" spc="-1" strike="noStrike">
                 <a:solidFill>
                   <a:srgbClr val="000000"/>
                 </a:solidFill>
@@ -14618,7 +16397,7 @@
               </a:rPr>
               <a:t>Click to edit the title text format</a:t>
             </a:r>
-            <a:endParaRPr b="0" lang="en-US" sz="1800" spc="-1" strike="noStrike">
+            <a:endParaRPr b="0" lang="en-US" sz="4400" spc="-1" strike="noStrike">
               <a:solidFill>
                 <a:srgbClr val="000000"/>
               </a:solidFill>
@@ -14640,7 +16419,7 @@
         <p:spPr>
           <a:xfrm>
             <a:off x="609120" y="1604520"/>
-            <a:ext cx="10969200" cy="3976920"/>
+            <a:ext cx="10969560" cy="3977280"/>
           </a:xfrm>
           <a:prstGeom prst="rect">
             <a:avLst/>
@@ -14667,15 +16446,24 @@
               <a:buChar char=""/>
             </a:pPr>
             <a:r>
-              <a:rPr b="0" lang="en-US" sz="1800" spc="-1" strike="noStrike">
+              <a:rPr b="0" lang="en-US" sz="3200" spc="-1" strike="noStrike">
                 <a:solidFill>
                   <a:srgbClr val="000000"/>
                 </a:solidFill>
                 <a:latin typeface="Arial"/>
               </a:rPr>
-              <a:t>Click to edit the outline text format</a:t>
+              <a:t>Click to edit the outline </a:t>
             </a:r>
-            <a:endParaRPr b="0" lang="en-US" sz="1800" spc="-1" strike="noStrike">
+            <a:r>
+              <a:rPr b="0" lang="en-US" sz="3200" spc="-1" strike="noStrike">
+                <a:solidFill>
+                  <a:srgbClr val="000000"/>
+                </a:solidFill>
+                <a:latin typeface="Arial"/>
+              </a:rPr>
+              <a:t>text format</a:t>
+            </a:r>
+            <a:endParaRPr b="0" lang="en-US" sz="3200" spc="-1" strike="noStrike">
               <a:solidFill>
                 <a:srgbClr val="000000"/>
               </a:solidFill>
@@ -14695,7 +16483,7 @@
               <a:buChar char=""/>
             </a:pPr>
             <a:r>
-              <a:rPr b="0" lang="en-US" sz="1800" spc="-1" strike="noStrike">
+              <a:rPr b="0" lang="en-US" sz="2800" spc="-1" strike="noStrike">
                 <a:solidFill>
                   <a:srgbClr val="000000"/>
                 </a:solidFill>
@@ -14703,7 +16491,7 @@
               </a:rPr>
               <a:t>Second Outline Level</a:t>
             </a:r>
-            <a:endParaRPr b="0" lang="en-US" sz="1800" spc="-1" strike="noStrike">
+            <a:endParaRPr b="0" lang="en-US" sz="2800" spc="-1" strike="noStrike">
               <a:solidFill>
                 <a:srgbClr val="000000"/>
               </a:solidFill>
@@ -14723,7 +16511,7 @@
               <a:buChar char=""/>
             </a:pPr>
             <a:r>
-              <a:rPr b="0" lang="en-US" sz="1800" spc="-1" strike="noStrike">
+              <a:rPr b="0" lang="en-US" sz="2400" spc="-1" strike="noStrike">
                 <a:solidFill>
                   <a:srgbClr val="000000"/>
                 </a:solidFill>
@@ -14731,7 +16519,7 @@
               </a:rPr>
               <a:t>Third Outline Level</a:t>
             </a:r>
-            <a:endParaRPr b="0" lang="en-US" sz="1800" spc="-1" strike="noStrike">
+            <a:endParaRPr b="0" lang="en-US" sz="2400" spc="-1" strike="noStrike">
               <a:solidFill>
                 <a:srgbClr val="000000"/>
               </a:solidFill>
@@ -14751,7 +16539,7 @@
               <a:buChar char=""/>
             </a:pPr>
             <a:r>
-              <a:rPr b="0" lang="en-US" sz="1800" spc="-1" strike="noStrike">
+              <a:rPr b="0" lang="en-US" sz="2000" spc="-1" strike="noStrike">
                 <a:solidFill>
                   <a:srgbClr val="000000"/>
                 </a:solidFill>
@@ -14759,7 +16547,7 @@
               </a:rPr>
               <a:t>Fourth Outline Level</a:t>
             </a:r>
-            <a:endParaRPr b="0" lang="en-US" sz="1800" spc="-1" strike="noStrike">
+            <a:endParaRPr b="0" lang="en-US" sz="2000" spc="-1" strike="noStrike">
               <a:solidFill>
                 <a:srgbClr val="000000"/>
               </a:solidFill>
@@ -14779,7 +16567,7 @@
               <a:buChar char=""/>
             </a:pPr>
             <a:r>
-              <a:rPr b="0" lang="en-US" sz="1800" spc="-1" strike="noStrike">
+              <a:rPr b="0" lang="en-US" sz="2000" spc="-1" strike="noStrike">
                 <a:solidFill>
                   <a:srgbClr val="000000"/>
                 </a:solidFill>
@@ -14787,7 +16575,7 @@
               </a:rPr>
               <a:t>Fifth Outline Level</a:t>
             </a:r>
-            <a:endParaRPr b="0" lang="en-US" sz="1800" spc="-1" strike="noStrike">
+            <a:endParaRPr b="0" lang="en-US" sz="2000" spc="-1" strike="noStrike">
               <a:solidFill>
                 <a:srgbClr val="000000"/>
               </a:solidFill>
@@ -14807,7 +16595,7 @@
               <a:buChar char=""/>
             </a:pPr>
             <a:r>
-              <a:rPr b="0" lang="en-US" sz="1800" spc="-1" strike="noStrike">
+              <a:rPr b="0" lang="en-US" sz="2000" spc="-1" strike="noStrike">
                 <a:solidFill>
                   <a:srgbClr val="000000"/>
                 </a:solidFill>
@@ -14815,7 +16603,7 @@
               </a:rPr>
               <a:t>Sixth Outline Level</a:t>
             </a:r>
-            <a:endParaRPr b="0" lang="en-US" sz="1800" spc="-1" strike="noStrike">
+            <a:endParaRPr b="0" lang="en-US" sz="2000" spc="-1" strike="noStrike">
               <a:solidFill>
                 <a:srgbClr val="000000"/>
               </a:solidFill>
@@ -14835,15 +16623,24 @@
               <a:buChar char=""/>
             </a:pPr>
             <a:r>
-              <a:rPr b="0" lang="en-US" sz="1800" spc="-1" strike="noStrike">
+              <a:rPr b="0" lang="en-US" sz="2000" spc="-1" strike="noStrike">
                 <a:solidFill>
                   <a:srgbClr val="000000"/>
                 </a:solidFill>
                 <a:latin typeface="Arial"/>
               </a:rPr>
-              <a:t>Seventh Outline Level</a:t>
+              <a:t>Seventh Outline </a:t>
             </a:r>
-            <a:endParaRPr b="0" lang="en-US" sz="1800" spc="-1" strike="noStrike">
+            <a:r>
+              <a:rPr b="0" lang="en-US" sz="2000" spc="-1" strike="noStrike">
+                <a:solidFill>
+                  <a:srgbClr val="000000"/>
+                </a:solidFill>
+                <a:latin typeface="Arial"/>
+              </a:rPr>
+              <a:t>Level</a:t>
+            </a:r>
+            <a:endParaRPr b="0" lang="en-US" sz="2000" spc="-1" strike="noStrike">
               <a:solidFill>
                 <a:srgbClr val="000000"/>
               </a:solidFill>
@@ -14905,7 +16702,7 @@
         <p:spPr>
           <a:xfrm>
             <a:off x="723600" y="6432480"/>
-            <a:ext cx="2050200" cy="151920"/>
+            <a:ext cx="2049480" cy="151920"/>
           </a:xfrm>
           <a:prstGeom prst="rect">
             <a:avLst/>
@@ -14962,7 +16759,7 @@
         <p:spPr>
           <a:xfrm>
             <a:off x="9412920" y="6432480"/>
-            <a:ext cx="2050200" cy="151920"/>
+            <a:ext cx="2049480" cy="151920"/>
           </a:xfrm>
           <a:prstGeom prst="rect">
             <a:avLst/>
@@ -14998,7 +16795,7 @@
               </a:rPr>
               <a:t>Page </a:t>
             </a:r>
-            <a:fld id="{265CCF77-51A6-464C-B971-9BA0EC04BCEB}" type="slidenum">
+            <a:fld id="{82B33B9E-FA24-4D4A-B2A6-933B8CAC59EE}" type="slidenum">
               <a:rPr b="0" lang="en-US" sz="1000" spc="-1" strike="noStrike">
                 <a:solidFill>
                   <a:srgbClr val="787878"/>
@@ -15026,7 +16823,7 @@
         <p:spPr>
           <a:xfrm>
             <a:off x="723600" y="1943640"/>
-            <a:ext cx="558360" cy="1800"/>
+            <a:ext cx="559080" cy="2520"/>
           </a:xfrm>
           <a:prstGeom prst="straightConnector1">
             <a:avLst/>
@@ -15366,7 +17163,7 @@
         <p:spPr>
           <a:xfrm>
             <a:off x="723600" y="6432480"/>
-            <a:ext cx="2050200" cy="151920"/>
+            <a:ext cx="2049480" cy="151920"/>
           </a:xfrm>
           <a:prstGeom prst="rect">
             <a:avLst/>
@@ -15423,7 +17220,7 @@
         <p:spPr>
           <a:xfrm>
             <a:off x="9412920" y="6432480"/>
-            <a:ext cx="2050200" cy="151920"/>
+            <a:ext cx="2049480" cy="151920"/>
           </a:xfrm>
           <a:prstGeom prst="rect">
             <a:avLst/>
@@ -15459,7 +17256,7 @@
               </a:rPr>
               <a:t>Page </a:t>
             </a:r>
-            <a:fld id="{092775DB-EDCA-4BAA-B1E7-16A1F0346B73}" type="slidenum">
+            <a:fld id="{7BDE96B7-84EE-4CB5-ACAC-7CD6BF7C8271}" type="slidenum">
               <a:rPr b="0" lang="en-US" sz="1000" spc="-1" strike="noStrike">
                 <a:solidFill>
                   <a:srgbClr val="787878"/>
@@ -15487,7 +17284,7 @@
         <p:spPr>
           <a:xfrm>
             <a:off x="723600" y="1943640"/>
-            <a:ext cx="558360" cy="1800"/>
+            <a:ext cx="559080" cy="2520"/>
           </a:xfrm>
           <a:prstGeom prst="straightConnector1">
             <a:avLst/>
@@ -15513,7 +17310,7 @@
         <p:spPr>
           <a:xfrm>
             <a:off x="609120" y="273600"/>
-            <a:ext cx="10969560" cy="1144800"/>
+            <a:ext cx="10969200" cy="1144440"/>
           </a:xfrm>
           <a:prstGeom prst="rect">
             <a:avLst/>
@@ -15528,11 +17325,11 @@
             <a:noAutofit/>
           </a:bodyPr>
           <a:p>
-            <a:pPr indent="0" algn="ctr">
+            <a:pPr indent="0">
               <a:buNone/>
             </a:pPr>
             <a:r>
-              <a:rPr b="0" lang="en-US" sz="4400" spc="-1" strike="noStrike">
+              <a:rPr b="0" lang="en-US" sz="1800" spc="-1" strike="noStrike">
                 <a:solidFill>
                   <a:srgbClr val="000000"/>
                 </a:solidFill>
@@ -15540,7 +17337,7 @@
               </a:rPr>
               <a:t>Click to edit the title text format</a:t>
             </a:r>
-            <a:endParaRPr b="0" lang="en-US" sz="4400" spc="-1" strike="noStrike">
+            <a:endParaRPr b="0" lang="en-US" sz="1800" spc="-1" strike="noStrike">
               <a:solidFill>
                 <a:srgbClr val="000000"/>
               </a:solidFill>
@@ -15562,7 +17359,7 @@
         <p:spPr>
           <a:xfrm>
             <a:off x="609120" y="1604520"/>
-            <a:ext cx="10969560" cy="3977280"/>
+            <a:ext cx="10969200" cy="3976920"/>
           </a:xfrm>
           <a:prstGeom prst="rect">
             <a:avLst/>
@@ -15589,7 +17386,7 @@
               <a:buChar char=""/>
             </a:pPr>
             <a:r>
-              <a:rPr b="0" lang="en-US" sz="3200" spc="-1" strike="noStrike">
+              <a:rPr b="0" lang="en-US" sz="1800" spc="-1" strike="noStrike">
                 <a:solidFill>
                   <a:srgbClr val="000000"/>
                 </a:solidFill>
@@ -15597,7 +17394,7 @@
               </a:rPr>
               <a:t>Click to edit the outline text format</a:t>
             </a:r>
-            <a:endParaRPr b="0" lang="en-US" sz="3200" spc="-1" strike="noStrike">
+            <a:endParaRPr b="0" lang="en-US" sz="1800" spc="-1" strike="noStrike">
               <a:solidFill>
                 <a:srgbClr val="000000"/>
               </a:solidFill>
@@ -15617,7 +17414,7 @@
               <a:buChar char=""/>
             </a:pPr>
             <a:r>
-              <a:rPr b="0" lang="en-US" sz="2800" spc="-1" strike="noStrike">
+              <a:rPr b="0" lang="en-US" sz="1800" spc="-1" strike="noStrike">
                 <a:solidFill>
                   <a:srgbClr val="000000"/>
                 </a:solidFill>
@@ -15625,7 +17422,7 @@
               </a:rPr>
               <a:t>Second Outline Level</a:t>
             </a:r>
-            <a:endParaRPr b="0" lang="en-US" sz="2800" spc="-1" strike="noStrike">
+            <a:endParaRPr b="0" lang="en-US" sz="1800" spc="-1" strike="noStrike">
               <a:solidFill>
                 <a:srgbClr val="000000"/>
               </a:solidFill>
@@ -15645,7 +17442,7 @@
               <a:buChar char=""/>
             </a:pPr>
             <a:r>
-              <a:rPr b="0" lang="en-US" sz="2400" spc="-1" strike="noStrike">
+              <a:rPr b="0" lang="en-US" sz="1800" spc="-1" strike="noStrike">
                 <a:solidFill>
                   <a:srgbClr val="000000"/>
                 </a:solidFill>
@@ -15653,7 +17450,7 @@
               </a:rPr>
               <a:t>Third Outline Level</a:t>
             </a:r>
-            <a:endParaRPr b="0" lang="en-US" sz="2400" spc="-1" strike="noStrike">
+            <a:endParaRPr b="0" lang="en-US" sz="1800" spc="-1" strike="noStrike">
               <a:solidFill>
                 <a:srgbClr val="000000"/>
               </a:solidFill>
@@ -15673,7 +17470,7 @@
               <a:buChar char=""/>
             </a:pPr>
             <a:r>
-              <a:rPr b="0" lang="en-US" sz="2000" spc="-1" strike="noStrike">
+              <a:rPr b="0" lang="en-US" sz="1800" spc="-1" strike="noStrike">
                 <a:solidFill>
                   <a:srgbClr val="000000"/>
                 </a:solidFill>
@@ -15681,7 +17478,7 @@
               </a:rPr>
               <a:t>Fourth Outline Level</a:t>
             </a:r>
-            <a:endParaRPr b="0" lang="en-US" sz="2000" spc="-1" strike="noStrike">
+            <a:endParaRPr b="0" lang="en-US" sz="1800" spc="-1" strike="noStrike">
               <a:solidFill>
                 <a:srgbClr val="000000"/>
               </a:solidFill>
@@ -15701,7 +17498,7 @@
               <a:buChar char=""/>
             </a:pPr>
             <a:r>
-              <a:rPr b="0" lang="en-US" sz="2000" spc="-1" strike="noStrike">
+              <a:rPr b="0" lang="en-US" sz="1800" spc="-1" strike="noStrike">
                 <a:solidFill>
                   <a:srgbClr val="000000"/>
                 </a:solidFill>
@@ -15709,7 +17506,7 @@
               </a:rPr>
               <a:t>Fifth Outline Level</a:t>
             </a:r>
-            <a:endParaRPr b="0" lang="en-US" sz="2000" spc="-1" strike="noStrike">
+            <a:endParaRPr b="0" lang="en-US" sz="1800" spc="-1" strike="noStrike">
               <a:solidFill>
                 <a:srgbClr val="000000"/>
               </a:solidFill>
@@ -15729,7 +17526,7 @@
               <a:buChar char=""/>
             </a:pPr>
             <a:r>
-              <a:rPr b="0" lang="en-US" sz="2000" spc="-1" strike="noStrike">
+              <a:rPr b="0" lang="en-US" sz="1800" spc="-1" strike="noStrike">
                 <a:solidFill>
                   <a:srgbClr val="000000"/>
                 </a:solidFill>
@@ -15737,7 +17534,7 @@
               </a:rPr>
               <a:t>Sixth Outline Level</a:t>
             </a:r>
-            <a:endParaRPr b="0" lang="en-US" sz="2000" spc="-1" strike="noStrike">
+            <a:endParaRPr b="0" lang="en-US" sz="1800" spc="-1" strike="noStrike">
               <a:solidFill>
                 <a:srgbClr val="000000"/>
               </a:solidFill>
@@ -15757,7 +17554,7 @@
               <a:buChar char=""/>
             </a:pPr>
             <a:r>
-              <a:rPr b="0" lang="en-US" sz="2000" spc="-1" strike="noStrike">
+              <a:rPr b="0" lang="en-US" sz="1800" spc="-1" strike="noStrike">
                 <a:solidFill>
                   <a:srgbClr val="000000"/>
                 </a:solidFill>
@@ -15765,7 +17562,7 @@
               </a:rPr>
               <a:t>Seventh Outline Level</a:t>
             </a:r>
-            <a:endParaRPr b="0" lang="en-US" sz="2000" spc="-1" strike="noStrike">
+            <a:endParaRPr b="0" lang="en-US" sz="1800" spc="-1" strike="noStrike">
               <a:solidFill>
                 <a:srgbClr val="000000"/>
               </a:solidFill>
@@ -15827,7 +17624,7 @@
         <p:spPr>
           <a:xfrm>
             <a:off x="723600" y="6432480"/>
-            <a:ext cx="2050200" cy="151920"/>
+            <a:ext cx="2049480" cy="151920"/>
           </a:xfrm>
           <a:prstGeom prst="rect">
             <a:avLst/>
@@ -15884,7 +17681,7 @@
         <p:spPr>
           <a:xfrm>
             <a:off x="9412920" y="6432480"/>
-            <a:ext cx="2050200" cy="151920"/>
+            <a:ext cx="2049480" cy="151920"/>
           </a:xfrm>
           <a:prstGeom prst="rect">
             <a:avLst/>
@@ -15920,7 +17717,7 @@
               </a:rPr>
               <a:t>Page </a:t>
             </a:r>
-            <a:fld id="{66807982-43F8-4656-9A21-7E519F7623D7}" type="slidenum">
+            <a:fld id="{4C844DEB-FA1B-4A71-BB5C-94EB7604A877}" type="slidenum">
               <a:rPr b="0" lang="en-US" sz="1000" spc="-1" strike="noStrike">
                 <a:solidFill>
                   <a:srgbClr val="787878"/>
@@ -15948,7 +17745,7 @@
         <p:spPr>
           <a:xfrm>
             <a:off x="723600" y="1943640"/>
-            <a:ext cx="558360" cy="1800"/>
+            <a:ext cx="559080" cy="2520"/>
           </a:xfrm>
           <a:prstGeom prst="straightConnector1">
             <a:avLst/>
@@ -16251,6 +18048,467 @@
     <p:sldLayoutId id="2147483736" r:id="rId11"/>
     <p:sldLayoutId id="2147483737" r:id="rId12"/>
     <p:sldLayoutId id="2147483738" r:id="rId13"/>
+  </p:sldLayoutIdLst>
+</p:sldMaster>
+</file>
+
+<file path=ppt/slideMasters/slideMaster8.xml><?xml version="1.0" encoding="utf-8"?>
+<p:sldMaster xmlns:a="http://schemas.openxmlformats.org/drawingml/2006/main" xmlns:p="http://schemas.openxmlformats.org/presentationml/2006/main" xmlns:r="http://schemas.openxmlformats.org/officeDocument/2006/relationships" xmlns:p14="http://schemas.microsoft.com/office/powerpoint/2010/main" xmlns:p15="http://schemas.microsoft.com/office/powerpoint/2012/main" xmlns:mc="http://schemas.openxmlformats.org/markup-compatibility/2006">
+  <p:cSld>
+    <p:bg>
+      <p:bgPr>
+        <a:solidFill>
+          <a:srgbClr val="ffffff"/>
+        </a:solidFill>
+      </p:bgPr>
+    </p:bg>
+    <p:spTree>
+      <p:nvGrpSpPr>
+        <p:cNvPr id="1" name=""/>
+        <p:cNvGrpSpPr/>
+        <p:nvPr/>
+      </p:nvGrpSpPr>
+      <p:grpSpPr>
+        <a:xfrm>
+          <a:off x="0" y="0"/>
+          <a:ext cx="0" cy="0"/>
+          <a:chOff x="0" y="0"/>
+          <a:chExt cx="0" cy="0"/>
+        </a:xfrm>
+      </p:grpSpPr>
+      <p:sp>
+        <p:nvSpPr>
+          <p:cNvPr id="292" name="Footer"/>
+          <p:cNvSpPr/>
+          <p:nvPr/>
+        </p:nvSpPr>
+        <p:spPr>
+          <a:xfrm>
+            <a:off x="723600" y="6432480"/>
+            <a:ext cx="2049480" cy="151920"/>
+          </a:xfrm>
+          <a:prstGeom prst="rect">
+            <a:avLst/>
+          </a:prstGeom>
+          <a:noFill/>
+          <a:ln w="0">
+            <a:noFill/>
+          </a:ln>
+        </p:spPr>
+        <p:style>
+          <a:lnRef idx="0"/>
+          <a:fillRef idx="0"/>
+          <a:effectRef idx="0"/>
+          <a:fontRef idx="minor"/>
+        </p:style>
+        <p:txBody>
+          <a:bodyPr lIns="0" rIns="0" tIns="0" bIns="0" anchor="t">
+            <a:spAutoFit/>
+          </a:bodyPr>
+          <a:p>
+            <a:pPr>
+              <a:lnSpc>
+                <a:spcPct val="100000"/>
+              </a:lnSpc>
+              <a:tabLst>
+                <a:tab algn="l" pos="0"/>
+              </a:tabLst>
+            </a:pPr>
+            <a:r>
+              <a:rPr b="0" lang="en-US" sz="1000" spc="-1" strike="noStrike">
+                <a:solidFill>
+                  <a:srgbClr val="787878"/>
+                </a:solidFill>
+                <a:latin typeface="Arial"/>
+                <a:ea typeface="Verdana"/>
+              </a:rPr>
+              <a:t>University of Central Florida</a:t>
+            </a:r>
+            <a:endParaRPr b="0" lang="en-US" sz="1000" spc="-1" strike="noStrike">
+              <a:solidFill>
+                <a:srgbClr val="000000"/>
+              </a:solidFill>
+              <a:latin typeface="Arial"/>
+            </a:endParaRPr>
+          </a:p>
+        </p:txBody>
+      </p:sp>
+      <p:sp>
+        <p:nvSpPr>
+          <p:cNvPr id="293" name="Page Number"/>
+          <p:cNvSpPr/>
+          <p:nvPr/>
+        </p:nvSpPr>
+        <p:spPr>
+          <a:xfrm>
+            <a:off x="9412920" y="6432480"/>
+            <a:ext cx="2049480" cy="151920"/>
+          </a:xfrm>
+          <a:prstGeom prst="rect">
+            <a:avLst/>
+          </a:prstGeom>
+          <a:noFill/>
+          <a:ln w="0">
+            <a:noFill/>
+          </a:ln>
+        </p:spPr>
+        <p:style>
+          <a:lnRef idx="0"/>
+          <a:fillRef idx="0"/>
+          <a:effectRef idx="0"/>
+          <a:fontRef idx="minor"/>
+        </p:style>
+        <p:txBody>
+          <a:bodyPr lIns="0" rIns="0" tIns="0" bIns="0" anchor="t">
+            <a:spAutoFit/>
+          </a:bodyPr>
+          <a:p>
+            <a:pPr algn="r">
+              <a:lnSpc>
+                <a:spcPct val="100000"/>
+              </a:lnSpc>
+            </a:pPr>
+            <a:r>
+              <a:rPr b="0" lang="en-US" sz="1000" spc="-1" strike="noStrike">
+                <a:solidFill>
+                  <a:srgbClr val="787878"/>
+                </a:solidFill>
+                <a:latin typeface="Arial"/>
+                <a:ea typeface="Verdana"/>
+              </a:rPr>
+              <a:t>Page </a:t>
+            </a:r>
+            <a:fld id="{3D0B9E8D-9EA3-4604-A8F8-994CF16A3D71}" type="slidenum">
+              <a:rPr b="0" lang="en-US" sz="1000" spc="-1" strike="noStrike">
+                <a:solidFill>
+                  <a:srgbClr val="787878"/>
+                </a:solidFill>
+                <a:latin typeface="Arial"/>
+                <a:ea typeface="Verdana"/>
+              </a:rPr>
+              <a:t>&lt;number&gt;</a:t>
+            </a:fld>
+            <a:endParaRPr b="0" lang="en-US" sz="1000" spc="-1" strike="noStrike">
+              <a:solidFill>
+                <a:srgbClr val="000000"/>
+              </a:solidFill>
+              <a:latin typeface="Arial"/>
+            </a:endParaRPr>
+          </a:p>
+        </p:txBody>
+      </p:sp>
+      <p:cxnSp>
+        <p:nvCxnSpPr>
+          <p:cNvPr id="294" name="Straight Connector"/>
+          <p:cNvCxnSpPr/>
+          <p:nvPr/>
+        </p:nvCxnSpPr>
+        <p:spPr>
+          <a:xfrm>
+            <a:off x="723600" y="1943640"/>
+            <a:ext cx="559080" cy="2520"/>
+          </a:xfrm>
+          <a:prstGeom prst="straightConnector1">
+            <a:avLst/>
+          </a:prstGeom>
+          <a:ln w="50800">
+            <a:solidFill>
+              <a:srgbClr val="f9c423"/>
+            </a:solidFill>
+            <a:round/>
+          </a:ln>
+        </p:spPr>
+      </p:cxnSp>
+      <p:sp>
+        <p:nvSpPr>
+          <p:cNvPr id="295" name="PlaceHolder 1"/>
+          <p:cNvSpPr>
+            <a:spLocks noGrp="1"/>
+          </p:cNvSpPr>
+          <p:nvPr>
+            <p:ph type="title"/>
+          </p:nvPr>
+        </p:nvSpPr>
+        <p:spPr>
+          <a:xfrm>
+            <a:off x="609120" y="273600"/>
+            <a:ext cx="10969560" cy="1144800"/>
+          </a:xfrm>
+          <a:prstGeom prst="rect">
+            <a:avLst/>
+          </a:prstGeom>
+          <a:noFill/>
+          <a:ln w="0">
+            <a:noFill/>
+          </a:ln>
+        </p:spPr>
+        <p:txBody>
+          <a:bodyPr lIns="0" rIns="0" tIns="0" bIns="0" anchor="ctr">
+            <a:noAutofit/>
+          </a:bodyPr>
+          <a:p>
+            <a:pPr indent="0" algn="ctr">
+              <a:buNone/>
+            </a:pPr>
+            <a:r>
+              <a:rPr b="0" lang="en-US" sz="4400" spc="-1" strike="noStrike">
+                <a:solidFill>
+                  <a:srgbClr val="000000"/>
+                </a:solidFill>
+                <a:latin typeface="Arial"/>
+              </a:rPr>
+              <a:t>Click to edit the title text format</a:t>
+            </a:r>
+            <a:endParaRPr b="0" lang="en-US" sz="4400" spc="-1" strike="noStrike">
+              <a:solidFill>
+                <a:srgbClr val="000000"/>
+              </a:solidFill>
+              <a:latin typeface="Arial"/>
+            </a:endParaRPr>
+          </a:p>
+        </p:txBody>
+      </p:sp>
+      <p:sp>
+        <p:nvSpPr>
+          <p:cNvPr id="296" name="PlaceHolder 2"/>
+          <p:cNvSpPr>
+            <a:spLocks noGrp="1"/>
+          </p:cNvSpPr>
+          <p:nvPr>
+            <p:ph type="body"/>
+          </p:nvPr>
+        </p:nvSpPr>
+        <p:spPr>
+          <a:xfrm>
+            <a:off x="609120" y="1604520"/>
+            <a:ext cx="10969560" cy="3977280"/>
+          </a:xfrm>
+          <a:prstGeom prst="rect">
+            <a:avLst/>
+          </a:prstGeom>
+          <a:noFill/>
+          <a:ln w="0">
+            <a:noFill/>
+          </a:ln>
+        </p:spPr>
+        <p:txBody>
+          <a:bodyPr lIns="0" rIns="0" tIns="0" bIns="0" anchor="t">
+            <a:normAutofit/>
+          </a:bodyPr>
+          <a:p>
+            <a:pPr marL="432000" indent="-324000">
+              <a:spcBef>
+                <a:spcPts val="1417"/>
+              </a:spcBef>
+              <a:buClr>
+                <a:srgbClr val="000000"/>
+              </a:buClr>
+              <a:buSzPct val="45000"/>
+              <a:buFont typeface="Wingdings" charset="2"/>
+              <a:buChar char=""/>
+            </a:pPr>
+            <a:r>
+              <a:rPr b="0" lang="en-US" sz="3200" spc="-1" strike="noStrike">
+                <a:solidFill>
+                  <a:srgbClr val="000000"/>
+                </a:solidFill>
+                <a:latin typeface="Arial"/>
+              </a:rPr>
+              <a:t>Click to edit the outline text format</a:t>
+            </a:r>
+            <a:endParaRPr b="0" lang="en-US" sz="3200" spc="-1" strike="noStrike">
+              <a:solidFill>
+                <a:srgbClr val="000000"/>
+              </a:solidFill>
+              <a:latin typeface="Arial"/>
+            </a:endParaRPr>
+          </a:p>
+          <a:p>
+            <a:pPr lvl="1" marL="864000" indent="-324000">
+              <a:spcBef>
+                <a:spcPts val="1134"/>
+              </a:spcBef>
+              <a:buClr>
+                <a:srgbClr val="000000"/>
+              </a:buClr>
+              <a:buSzPct val="75000"/>
+              <a:buFont typeface="Symbol" charset="2"/>
+              <a:buChar char=""/>
+            </a:pPr>
+            <a:r>
+              <a:rPr b="0" lang="en-US" sz="2800" spc="-1" strike="noStrike">
+                <a:solidFill>
+                  <a:srgbClr val="000000"/>
+                </a:solidFill>
+                <a:latin typeface="Arial"/>
+              </a:rPr>
+              <a:t>Second Outline Level</a:t>
+            </a:r>
+            <a:endParaRPr b="0" lang="en-US" sz="2800" spc="-1" strike="noStrike">
+              <a:solidFill>
+                <a:srgbClr val="000000"/>
+              </a:solidFill>
+              <a:latin typeface="Arial"/>
+            </a:endParaRPr>
+          </a:p>
+          <a:p>
+            <a:pPr lvl="2" marL="1296000" indent="-288000">
+              <a:spcBef>
+                <a:spcPts val="850"/>
+              </a:spcBef>
+              <a:buClr>
+                <a:srgbClr val="000000"/>
+              </a:buClr>
+              <a:buSzPct val="45000"/>
+              <a:buFont typeface="Wingdings" charset="2"/>
+              <a:buChar char=""/>
+            </a:pPr>
+            <a:r>
+              <a:rPr b="0" lang="en-US" sz="2400" spc="-1" strike="noStrike">
+                <a:solidFill>
+                  <a:srgbClr val="000000"/>
+                </a:solidFill>
+                <a:latin typeface="Arial"/>
+              </a:rPr>
+              <a:t>Third Outline Level</a:t>
+            </a:r>
+            <a:endParaRPr b="0" lang="en-US" sz="2400" spc="-1" strike="noStrike">
+              <a:solidFill>
+                <a:srgbClr val="000000"/>
+              </a:solidFill>
+              <a:latin typeface="Arial"/>
+            </a:endParaRPr>
+          </a:p>
+          <a:p>
+            <a:pPr lvl="3" marL="1728000" indent="-216000">
+              <a:spcBef>
+                <a:spcPts val="567"/>
+              </a:spcBef>
+              <a:buClr>
+                <a:srgbClr val="000000"/>
+              </a:buClr>
+              <a:buSzPct val="75000"/>
+              <a:buFont typeface="Symbol" charset="2"/>
+              <a:buChar char=""/>
+            </a:pPr>
+            <a:r>
+              <a:rPr b="0" lang="en-US" sz="2000" spc="-1" strike="noStrike">
+                <a:solidFill>
+                  <a:srgbClr val="000000"/>
+                </a:solidFill>
+                <a:latin typeface="Arial"/>
+              </a:rPr>
+              <a:t>Fourth Outline Level</a:t>
+            </a:r>
+            <a:endParaRPr b="0" lang="en-US" sz="2000" spc="-1" strike="noStrike">
+              <a:solidFill>
+                <a:srgbClr val="000000"/>
+              </a:solidFill>
+              <a:latin typeface="Arial"/>
+            </a:endParaRPr>
+          </a:p>
+          <a:p>
+            <a:pPr lvl="4" marL="2160000" indent="-216000">
+              <a:spcBef>
+                <a:spcPts val="283"/>
+              </a:spcBef>
+              <a:buClr>
+                <a:srgbClr val="000000"/>
+              </a:buClr>
+              <a:buSzPct val="45000"/>
+              <a:buFont typeface="Wingdings" charset="2"/>
+              <a:buChar char=""/>
+            </a:pPr>
+            <a:r>
+              <a:rPr b="0" lang="en-US" sz="2000" spc="-1" strike="noStrike">
+                <a:solidFill>
+                  <a:srgbClr val="000000"/>
+                </a:solidFill>
+                <a:latin typeface="Arial"/>
+              </a:rPr>
+              <a:t>Fifth Outline Level</a:t>
+            </a:r>
+            <a:endParaRPr b="0" lang="en-US" sz="2000" spc="-1" strike="noStrike">
+              <a:solidFill>
+                <a:srgbClr val="000000"/>
+              </a:solidFill>
+              <a:latin typeface="Arial"/>
+            </a:endParaRPr>
+          </a:p>
+          <a:p>
+            <a:pPr lvl="5" marL="2592000" indent="-216000">
+              <a:spcBef>
+                <a:spcPts val="283"/>
+              </a:spcBef>
+              <a:buClr>
+                <a:srgbClr val="000000"/>
+              </a:buClr>
+              <a:buSzPct val="45000"/>
+              <a:buFont typeface="Wingdings" charset="2"/>
+              <a:buChar char=""/>
+            </a:pPr>
+            <a:r>
+              <a:rPr b="0" lang="en-US" sz="2000" spc="-1" strike="noStrike">
+                <a:solidFill>
+                  <a:srgbClr val="000000"/>
+                </a:solidFill>
+                <a:latin typeface="Arial"/>
+              </a:rPr>
+              <a:t>Sixth Outline Level</a:t>
+            </a:r>
+            <a:endParaRPr b="0" lang="en-US" sz="2000" spc="-1" strike="noStrike">
+              <a:solidFill>
+                <a:srgbClr val="000000"/>
+              </a:solidFill>
+              <a:latin typeface="Arial"/>
+            </a:endParaRPr>
+          </a:p>
+          <a:p>
+            <a:pPr lvl="6" marL="3024000" indent="-216000">
+              <a:spcBef>
+                <a:spcPts val="283"/>
+              </a:spcBef>
+              <a:buClr>
+                <a:srgbClr val="000000"/>
+              </a:buClr>
+              <a:buSzPct val="45000"/>
+              <a:buFont typeface="Wingdings" charset="2"/>
+              <a:buChar char=""/>
+            </a:pPr>
+            <a:r>
+              <a:rPr b="0" lang="en-US" sz="2000" spc="-1" strike="noStrike">
+                <a:solidFill>
+                  <a:srgbClr val="000000"/>
+                </a:solidFill>
+                <a:latin typeface="Arial"/>
+              </a:rPr>
+              <a:t>Seventh Outline Level</a:t>
+            </a:r>
+            <a:endParaRPr b="0" lang="en-US" sz="2000" spc="-1" strike="noStrike">
+              <a:solidFill>
+                <a:srgbClr val="000000"/>
+              </a:solidFill>
+              <a:latin typeface="Arial"/>
+            </a:endParaRPr>
+          </a:p>
+        </p:txBody>
+      </p:sp>
+    </p:spTree>
+  </p:cSld>
+  <p:clrMap bg1="lt1" bg2="lt2" tx1="dk1" tx2="dk2" accent1="accent1" accent2="accent2" accent3="accent3" accent4="accent4" accent5="accent5" accent6="accent6" hlink="hlink" folHlink="folHlink"/>
+  <p:sldLayoutIdLst>
+    <p:sldLayoutId id="2147483740" r:id="rId2"/>
+    <p:sldLayoutId id="2147483741" r:id="rId3"/>
+    <p:sldLayoutId id="2147483742" r:id="rId4"/>
+    <p:sldLayoutId id="2147483743" r:id="rId5"/>
+    <p:sldLayoutId id="2147483744" r:id="rId6"/>
+    <p:sldLayoutId id="2147483745" r:id="rId7"/>
+    <p:sldLayoutId id="2147483746" r:id="rId8"/>
+    <p:sldLayoutId id="2147483747" r:id="rId9"/>
+    <p:sldLayoutId id="2147483748" r:id="rId10"/>
+    <p:sldLayoutId id="2147483749" r:id="rId11"/>
+    <p:sldLayoutId id="2147483750" r:id="rId12"/>
+    <p:sldLayoutId id="2147483751" r:id="rId13"/>
   </p:sldLayoutIdLst>
 </p:sldMaster>
 </file>
@@ -16274,7 +18532,7 @@
       </p:grpSpPr>
       <p:sp>
         <p:nvSpPr>
-          <p:cNvPr id="292" name="PlaceHolder 1"/>
+          <p:cNvPr id="333" name="PlaceHolder 1"/>
           <p:cNvSpPr>
             <a:spLocks noGrp="1"/>
           </p:cNvSpPr>
@@ -16285,7 +18543,7 @@
         <p:spPr>
           <a:xfrm>
             <a:off x="1104480" y="1122480"/>
-            <a:ext cx="9977760" cy="2385720"/>
+            <a:ext cx="9977040" cy="2385000"/>
           </a:xfrm>
           <a:prstGeom prst="rect">
             <a:avLst/>
@@ -16329,7 +18587,7 @@
       </p:sp>
       <p:sp>
         <p:nvSpPr>
-          <p:cNvPr id="293" name="PlaceHolder 2"/>
+          <p:cNvPr id="334" name="PlaceHolder 2"/>
           <p:cNvSpPr>
             <a:spLocks noGrp="1"/>
           </p:cNvSpPr>
@@ -16340,7 +18598,7 @@
         <p:spPr>
           <a:xfrm>
             <a:off x="1104480" y="4020840"/>
-            <a:ext cx="9977760" cy="1730520"/>
+            <a:ext cx="9977040" cy="1729800"/>
           </a:xfrm>
           <a:prstGeom prst="rect">
             <a:avLst/>
@@ -16401,6 +18659,13 @@
 <file path=ppt/slides/slide10.xml><?xml version="1.0" encoding="utf-8"?>
 <p:sld xmlns:a="http://schemas.openxmlformats.org/drawingml/2006/main" xmlns:p="http://schemas.openxmlformats.org/presentationml/2006/main" xmlns:r="http://schemas.openxmlformats.org/officeDocument/2006/relationships" xmlns:p14="http://schemas.microsoft.com/office/powerpoint/2010/main" xmlns:p15="http://schemas.microsoft.com/office/powerpoint/2012/main" xmlns:mc="http://schemas.openxmlformats.org/markup-compatibility/2006">
   <p:cSld>
+    <p:bg>
+      <p:bgPr>
+        <a:solidFill>
+          <a:srgbClr val="000000"/>
+        </a:solidFill>
+      </p:bgPr>
+    </p:bg>
     <p:spTree>
       <p:nvGrpSpPr>
         <p:cNvPr id="1" name=""/>
@@ -16417,7 +18682,7 @@
       </p:grpSpPr>
       <p:sp>
         <p:nvSpPr>
-          <p:cNvPr id="313" name="PlaceHolder 1"/>
+          <p:cNvPr id="360" name="PlaceHolder 1"/>
           <p:cNvSpPr>
             <a:spLocks noGrp="1"/>
           </p:cNvSpPr>
@@ -16427,8 +18692,545 @@
         </p:nvSpPr>
         <p:spPr>
           <a:xfrm>
+            <a:off x="609120" y="273600"/>
+            <a:ext cx="10969560" cy="1144800"/>
+          </a:xfrm>
+          <a:prstGeom prst="rect">
+            <a:avLst/>
+          </a:prstGeom>
+          <a:noFill/>
+          <a:ln w="0">
+            <a:noFill/>
+          </a:ln>
+        </p:spPr>
+        <p:txBody>
+          <a:bodyPr lIns="0" rIns="0" tIns="0" bIns="0" anchor="ctr">
+            <a:noAutofit/>
+          </a:bodyPr>
+          <a:p>
+            <a:pPr indent="0" algn="ctr">
+              <a:lnSpc>
+                <a:spcPct val="100000"/>
+              </a:lnSpc>
+              <a:buNone/>
+              <a:tabLst>
+                <a:tab algn="l" pos="0"/>
+              </a:tabLst>
+            </a:pPr>
+            <a:r>
+              <a:rPr b="0" lang="en-US" sz="4400" spc="-1" strike="noStrike">
+                <a:solidFill>
+                  <a:srgbClr val="ffffff"/>
+                </a:solidFill>
+                <a:latin typeface="Arial"/>
+              </a:rPr>
+              <a:t>Hash Function Pseudocode</a:t>
+            </a:r>
+            <a:endParaRPr b="0" lang="en-US" sz="4400" spc="-1" strike="noStrike">
+              <a:solidFill>
+                <a:srgbClr val="ffffff"/>
+              </a:solidFill>
+              <a:latin typeface="Arial"/>
+            </a:endParaRPr>
+          </a:p>
+        </p:txBody>
+      </p:sp>
+      <p:pic>
+        <p:nvPicPr>
+          <p:cNvPr id="361" name="" descr=""/>
+          <p:cNvPicPr/>
+          <p:nvPr/>
+        </p:nvPicPr>
+        <p:blipFill>
+          <a:blip r:embed="rId1"/>
+          <a:stretch/>
+        </p:blipFill>
+        <p:spPr>
+          <a:xfrm>
+            <a:off x="2743200" y="1418400"/>
+            <a:ext cx="6614280" cy="4806360"/>
+          </a:xfrm>
+          <a:prstGeom prst="rect">
+            <a:avLst/>
+          </a:prstGeom>
+          <a:ln w="0">
+            <a:noFill/>
+          </a:ln>
+        </p:spPr>
+      </p:pic>
+    </p:spTree>
+  </p:cSld>
+  <mc:AlternateContent>
+    <mc:Choice Requires="p14">
+      <p:transition spd="slow" p14:dur="2000"/>
+    </mc:Choice>
+    <mc:Fallback>
+      <p:transition spd="slow"/>
+    </mc:Fallback>
+  </mc:AlternateContent>
+</p:sld>
+</file>
+
+<file path=ppt/slides/slide11.xml><?xml version="1.0" encoding="utf-8"?>
+<p:sld xmlns:a="http://schemas.openxmlformats.org/drawingml/2006/main" xmlns:p="http://schemas.openxmlformats.org/presentationml/2006/main" xmlns:r="http://schemas.openxmlformats.org/officeDocument/2006/relationships" xmlns:p14="http://schemas.microsoft.com/office/powerpoint/2010/main" xmlns:p15="http://schemas.microsoft.com/office/powerpoint/2012/main" xmlns:mc="http://schemas.openxmlformats.org/markup-compatibility/2006">
+  <p:cSld>
+    <p:bg>
+      <p:bgPr>
+        <a:solidFill>
+          <a:srgbClr val="000000"/>
+        </a:solidFill>
+      </p:bgPr>
+    </p:bg>
+    <p:spTree>
+      <p:nvGrpSpPr>
+        <p:cNvPr id="1" name=""/>
+        <p:cNvGrpSpPr/>
+        <p:nvPr/>
+      </p:nvGrpSpPr>
+      <p:grpSpPr>
+        <a:xfrm>
+          <a:off x="0" y="0"/>
+          <a:ext cx="0" cy="0"/>
+          <a:chOff x="0" y="0"/>
+          <a:chExt cx="0" cy="0"/>
+        </a:xfrm>
+      </p:grpSpPr>
+      <p:sp>
+        <p:nvSpPr>
+          <p:cNvPr id="362" name="PlaceHolder 1"/>
+          <p:cNvSpPr>
+            <a:spLocks noGrp="1"/>
+          </p:cNvSpPr>
+          <p:nvPr>
+            <p:ph type="title"/>
+          </p:nvPr>
+        </p:nvSpPr>
+        <p:spPr>
+          <a:xfrm>
+            <a:off x="609120" y="273600"/>
+            <a:ext cx="10969560" cy="1144800"/>
+          </a:xfrm>
+          <a:prstGeom prst="rect">
+            <a:avLst/>
+          </a:prstGeom>
+          <a:noFill/>
+          <a:ln w="0">
+            <a:noFill/>
+          </a:ln>
+        </p:spPr>
+        <p:txBody>
+          <a:bodyPr lIns="0" rIns="0" tIns="0" bIns="0" anchor="ctr">
+            <a:noAutofit/>
+          </a:bodyPr>
+          <a:p>
+            <a:pPr indent="0" algn="ctr">
+              <a:lnSpc>
+                <a:spcPct val="100000"/>
+              </a:lnSpc>
+              <a:buNone/>
+              <a:tabLst>
+                <a:tab algn="l" pos="0"/>
+              </a:tabLst>
+            </a:pPr>
+            <a:r>
+              <a:rPr b="0" lang="en-US" sz="4400" spc="-1" strike="noStrike">
+                <a:solidFill>
+                  <a:srgbClr val="ffffff"/>
+                </a:solidFill>
+                <a:latin typeface="Arial"/>
+              </a:rPr>
+              <a:t>Rabin-Karp Pseudocode</a:t>
+            </a:r>
+            <a:endParaRPr b="0" lang="en-US" sz="4400" spc="-1" strike="noStrike">
+              <a:solidFill>
+                <a:srgbClr val="ffffff"/>
+              </a:solidFill>
+              <a:latin typeface="Arial"/>
+            </a:endParaRPr>
+          </a:p>
+        </p:txBody>
+      </p:sp>
+      <p:pic>
+        <p:nvPicPr>
+          <p:cNvPr id="363" name="" descr=""/>
+          <p:cNvPicPr/>
+          <p:nvPr/>
+        </p:nvPicPr>
+        <p:blipFill>
+          <a:blip r:embed="rId1"/>
+          <a:stretch/>
+        </p:blipFill>
+        <p:spPr>
+          <a:xfrm>
+            <a:off x="2446560" y="1188720"/>
+            <a:ext cx="7062480" cy="5440680"/>
+          </a:xfrm>
+          <a:prstGeom prst="rect">
+            <a:avLst/>
+          </a:prstGeom>
+          <a:ln w="0">
+            <a:noFill/>
+          </a:ln>
+        </p:spPr>
+      </p:pic>
+    </p:spTree>
+  </p:cSld>
+  <mc:AlternateContent>
+    <mc:Choice Requires="p14">
+      <p:transition spd="slow" p14:dur="2000"/>
+    </mc:Choice>
+    <mc:Fallback>
+      <p:transition spd="slow"/>
+    </mc:Fallback>
+  </mc:AlternateContent>
+</p:sld>
+</file>
+
+<file path=ppt/slides/slide12.xml><?xml version="1.0" encoding="utf-8"?>
+<p:sld xmlns:a="http://schemas.openxmlformats.org/drawingml/2006/main" xmlns:p="http://schemas.openxmlformats.org/presentationml/2006/main" xmlns:r="http://schemas.openxmlformats.org/officeDocument/2006/relationships" xmlns:p14="http://schemas.microsoft.com/office/powerpoint/2010/main" xmlns:p15="http://schemas.microsoft.com/office/powerpoint/2012/main" xmlns:mc="http://schemas.openxmlformats.org/markup-compatibility/2006">
+  <p:cSld>
+    <p:bg>
+      <p:bgPr>
+        <a:solidFill>
+          <a:srgbClr val="000000"/>
+        </a:solidFill>
+      </p:bgPr>
+    </p:bg>
+    <p:spTree>
+      <p:nvGrpSpPr>
+        <p:cNvPr id="1" name=""/>
+        <p:cNvGrpSpPr/>
+        <p:nvPr/>
+      </p:nvGrpSpPr>
+      <p:grpSpPr>
+        <a:xfrm>
+          <a:off x="0" y="0"/>
+          <a:ext cx="0" cy="0"/>
+          <a:chOff x="0" y="0"/>
+          <a:chExt cx="0" cy="0"/>
+        </a:xfrm>
+      </p:grpSpPr>
+      <p:sp>
+        <p:nvSpPr>
+          <p:cNvPr id="364" name="PlaceHolder 1"/>
+          <p:cNvSpPr>
+            <a:spLocks noGrp="1"/>
+          </p:cNvSpPr>
+          <p:nvPr>
+            <p:ph type="title"/>
+          </p:nvPr>
+        </p:nvSpPr>
+        <p:spPr>
+          <a:xfrm>
+            <a:off x="609120" y="273600"/>
+            <a:ext cx="10967760" cy="1143000"/>
+          </a:xfrm>
+          <a:prstGeom prst="rect">
+            <a:avLst/>
+          </a:prstGeom>
+          <a:noFill/>
+          <a:ln w="0">
+            <a:noFill/>
+          </a:ln>
+        </p:spPr>
+        <p:txBody>
+          <a:bodyPr lIns="0" rIns="0" tIns="0" bIns="0" anchor="ctr">
+            <a:noAutofit/>
+          </a:bodyPr>
+          <a:p>
+            <a:pPr indent="0" algn="ctr">
+              <a:lnSpc>
+                <a:spcPct val="100000"/>
+              </a:lnSpc>
+              <a:buNone/>
+              <a:tabLst>
+                <a:tab algn="l" pos="0"/>
+              </a:tabLst>
+            </a:pPr>
+            <a:r>
+              <a:rPr b="0" lang="en-US" sz="4400" spc="-1" strike="noStrike">
+                <a:solidFill>
+                  <a:srgbClr val="ffffff"/>
+                </a:solidFill>
+                <a:latin typeface="Arial"/>
+              </a:rPr>
+              <a:t>Why this algorithm is at least a level 3</a:t>
+            </a:r>
+            <a:endParaRPr b="0" lang="en-US" sz="4400" spc="-1" strike="noStrike">
+              <a:solidFill>
+                <a:srgbClr val="ffffff"/>
+              </a:solidFill>
+              <a:latin typeface="Arial"/>
+            </a:endParaRPr>
+          </a:p>
+        </p:txBody>
+      </p:sp>
+      <p:sp>
+        <p:nvSpPr>
+          <p:cNvPr id="365" name="PlaceHolder 2"/>
+          <p:cNvSpPr>
+            <a:spLocks noGrp="1"/>
+          </p:cNvSpPr>
+          <p:nvPr>
+            <p:ph/>
+          </p:nvPr>
+        </p:nvSpPr>
+        <p:spPr>
+          <a:xfrm>
+            <a:off x="609120" y="1604520"/>
+            <a:ext cx="10967760" cy="3975480"/>
+          </a:xfrm>
+          <a:prstGeom prst="rect">
+            <a:avLst/>
+          </a:prstGeom>
+          <a:noFill/>
+          <a:ln w="0">
+            <a:noFill/>
+          </a:ln>
+        </p:spPr>
+        <p:txBody>
+          <a:bodyPr lIns="0" rIns="0" tIns="0" bIns="0" anchor="t">
+            <a:normAutofit/>
+          </a:bodyPr>
+          <a:p>
+            <a:pPr indent="0">
+              <a:spcBef>
+                <a:spcPts val="1417"/>
+              </a:spcBef>
+              <a:buNone/>
+            </a:pPr>
+            <a:endParaRPr b="0" lang="en-US" sz="1800" spc="-1" strike="noStrike">
+              <a:solidFill>
+                <a:srgbClr val="ffffff"/>
+              </a:solidFill>
+              <a:latin typeface="Arial"/>
+            </a:endParaRPr>
+          </a:p>
+        </p:txBody>
+      </p:sp>
+    </p:spTree>
+  </p:cSld>
+  <mc:AlternateContent>
+    <mc:Choice Requires="p14">
+      <p:transition spd="slow" p14:dur="2000"/>
+    </mc:Choice>
+    <mc:Fallback>
+      <p:transition spd="slow"/>
+    </mc:Fallback>
+  </mc:AlternateContent>
+</p:sld>
+</file>
+
+<file path=ppt/slides/slide13.xml><?xml version="1.0" encoding="utf-8"?>
+<p:sld xmlns:a="http://schemas.openxmlformats.org/drawingml/2006/main" xmlns:p="http://schemas.openxmlformats.org/presentationml/2006/main" xmlns:r="http://schemas.openxmlformats.org/officeDocument/2006/relationships" xmlns:p14="http://schemas.microsoft.com/office/powerpoint/2010/main" xmlns:p15="http://schemas.microsoft.com/office/powerpoint/2012/main" xmlns:mc="http://schemas.openxmlformats.org/markup-compatibility/2006">
+  <p:cSld>
+    <p:bg>
+      <p:bgPr>
+        <a:solidFill>
+          <a:srgbClr val="000000"/>
+        </a:solidFill>
+      </p:bgPr>
+    </p:bg>
+    <p:spTree>
+      <p:nvGrpSpPr>
+        <p:cNvPr id="1" name=""/>
+        <p:cNvGrpSpPr/>
+        <p:nvPr/>
+      </p:nvGrpSpPr>
+      <p:grpSpPr>
+        <a:xfrm>
+          <a:off x="0" y="0"/>
+          <a:ext cx="0" cy="0"/>
+          <a:chOff x="0" y="0"/>
+          <a:chExt cx="0" cy="0"/>
+        </a:xfrm>
+      </p:grpSpPr>
+      <p:sp>
+        <p:nvSpPr>
+          <p:cNvPr id="366" name="PlaceHolder 1"/>
+          <p:cNvSpPr>
+            <a:spLocks noGrp="1"/>
+          </p:cNvSpPr>
+          <p:nvPr>
+            <p:ph type="title"/>
+          </p:nvPr>
+        </p:nvSpPr>
+        <p:spPr>
+          <a:xfrm>
+            <a:off x="723600" y="723960"/>
+            <a:ext cx="10738800" cy="1101960"/>
+          </a:xfrm>
+          <a:prstGeom prst="rect">
+            <a:avLst/>
+          </a:prstGeom>
+          <a:noFill/>
+          <a:ln w="0">
+            <a:noFill/>
+          </a:ln>
+        </p:spPr>
+        <p:txBody>
+          <a:bodyPr lIns="0" rIns="0" tIns="0" bIns="0" anchor="b">
+            <a:noAutofit/>
+          </a:bodyPr>
+          <a:p>
+            <a:pPr indent="0" algn="ctr">
+              <a:lnSpc>
+                <a:spcPct val="100000"/>
+              </a:lnSpc>
+              <a:buNone/>
+              <a:tabLst>
+                <a:tab algn="l" pos="0"/>
+              </a:tabLst>
+            </a:pPr>
+            <a:r>
+              <a:rPr b="1" lang="en-US" sz="2400" spc="-1" strike="noStrike">
+                <a:solidFill>
+                  <a:srgbClr val="ffffff"/>
+                </a:solidFill>
+                <a:latin typeface="Arial Black"/>
+              </a:rPr>
+              <a:t>References</a:t>
+            </a:r>
+            <a:endParaRPr b="0" lang="en-US" sz="2400" spc="-1" strike="noStrike">
+              <a:solidFill>
+                <a:srgbClr val="ffffff"/>
+              </a:solidFill>
+              <a:latin typeface="Arial"/>
+            </a:endParaRPr>
+          </a:p>
+        </p:txBody>
+      </p:sp>
+      <p:sp>
+        <p:nvSpPr>
+          <p:cNvPr id="367" name="PlaceHolder 2"/>
+          <p:cNvSpPr>
+            <a:spLocks noGrp="1"/>
+          </p:cNvSpPr>
+          <p:nvPr>
+            <p:ph/>
+          </p:nvPr>
+        </p:nvSpPr>
+        <p:spPr>
+          <a:xfrm>
+            <a:off x="723600" y="2342520"/>
+            <a:ext cx="10738800" cy="3751200"/>
+          </a:xfrm>
+          <a:prstGeom prst="rect">
+            <a:avLst/>
+          </a:prstGeom>
+          <a:noFill/>
+          <a:ln w="0">
+            <a:noFill/>
+          </a:ln>
+        </p:spPr>
+        <p:txBody>
+          <a:bodyPr lIns="0" rIns="0" tIns="0" bIns="0" anchor="t">
+            <a:noAutofit/>
+          </a:bodyPr>
+          <a:p>
+            <a:pPr indent="0">
+              <a:lnSpc>
+                <a:spcPct val="150000"/>
+              </a:lnSpc>
+              <a:spcAft>
+                <a:spcPts val="1001"/>
+              </a:spcAft>
+              <a:buNone/>
+              <a:tabLst>
+                <a:tab algn="l" pos="0"/>
+              </a:tabLst>
+            </a:pPr>
+            <a:r>
+              <a:rPr b="0" lang="en-US" sz="1800" spc="-1" strike="noStrike">
+                <a:solidFill>
+                  <a:srgbClr val="ffffff"/>
+                </a:solidFill>
+                <a:latin typeface="Arial"/>
+              </a:rPr>
+              <a:t>- R. M. Karp and M. O. Rabin, "Efficient randomized pattern-matching algorithms," in IBM Journal of </a:t>
+            </a:r>
+            <a:r>
+              <a:rPr b="0" lang="en-US" sz="1800" spc="-1" strike="noStrike">
+                <a:solidFill>
+                  <a:srgbClr val="ffffff"/>
+                </a:solidFill>
+                <a:latin typeface="Arial"/>
+              </a:rPr>
+              <a:t>Research and Development, vol. 31, no. 2, pp. 249-260, March 1987, doi: 10.1147/rd.312.0249.</a:t>
+            </a:r>
+            <a:endParaRPr b="0" lang="en-US" sz="1800" spc="-1" strike="noStrike">
+              <a:solidFill>
+                <a:srgbClr val="ffffff"/>
+              </a:solidFill>
+              <a:latin typeface="Arial"/>
+            </a:endParaRPr>
+          </a:p>
+          <a:p>
+            <a:pPr indent="0">
+              <a:lnSpc>
+                <a:spcPct val="150000"/>
+              </a:lnSpc>
+              <a:spcAft>
+                <a:spcPts val="1001"/>
+              </a:spcAft>
+              <a:buNone/>
+              <a:tabLst>
+                <a:tab algn="l" pos="0"/>
+              </a:tabLst>
+            </a:pPr>
+            <a:endParaRPr b="0" lang="en-US" sz="1800" spc="-1" strike="noStrike">
+              <a:solidFill>
+                <a:srgbClr val="ffffff"/>
+              </a:solidFill>
+              <a:latin typeface="Arial"/>
+            </a:endParaRPr>
+          </a:p>
+        </p:txBody>
+      </p:sp>
+    </p:spTree>
+  </p:cSld>
+  <mc:AlternateContent>
+    <mc:Choice Requires="p14">
+      <p:transition spd="slow" p14:dur="2000"/>
+    </mc:Choice>
+    <mc:Fallback>
+      <p:transition spd="slow"/>
+    </mc:Fallback>
+  </mc:AlternateContent>
+</p:sld>
+</file>
+
+<file path=ppt/slides/slide14.xml><?xml version="1.0" encoding="utf-8"?>
+<p:sld xmlns:a="http://schemas.openxmlformats.org/drawingml/2006/main" xmlns:p="http://schemas.openxmlformats.org/presentationml/2006/main" xmlns:r="http://schemas.openxmlformats.org/officeDocument/2006/relationships" xmlns:p14="http://schemas.microsoft.com/office/powerpoint/2010/main" xmlns:p15="http://schemas.microsoft.com/office/powerpoint/2012/main" xmlns:mc="http://schemas.openxmlformats.org/markup-compatibility/2006">
+  <p:cSld>
+    <p:spTree>
+      <p:nvGrpSpPr>
+        <p:cNvPr id="1" name=""/>
+        <p:cNvGrpSpPr/>
+        <p:nvPr/>
+      </p:nvGrpSpPr>
+      <p:grpSpPr>
+        <a:xfrm>
+          <a:off x="0" y="0"/>
+          <a:ext cx="0" cy="0"/>
+          <a:chOff x="0" y="0"/>
+          <a:chExt cx="0" cy="0"/>
+        </a:xfrm>
+      </p:grpSpPr>
+      <p:sp>
+        <p:nvSpPr>
+          <p:cNvPr id="368" name="PlaceHolder 1"/>
+          <p:cNvSpPr>
+            <a:spLocks noGrp="1"/>
+          </p:cNvSpPr>
+          <p:nvPr>
+            <p:ph type="title"/>
+          </p:nvPr>
+        </p:nvSpPr>
+        <p:spPr>
+          <a:xfrm>
             <a:off x="1104480" y="1122480"/>
-            <a:ext cx="9977760" cy="2385720"/>
+            <a:ext cx="9977040" cy="2385000"/>
           </a:xfrm>
           <a:prstGeom prst="rect">
             <a:avLst/>
@@ -16509,7 +19311,7 @@
       </p:grpSpPr>
       <p:sp>
         <p:nvSpPr>
-          <p:cNvPr id="294" name="PlaceHolder 1"/>
+          <p:cNvPr id="335" name="PlaceHolder 1"/>
           <p:cNvSpPr>
             <a:spLocks noGrp="1"/>
           </p:cNvSpPr>
@@ -16520,7 +19322,7 @@
         <p:spPr>
           <a:xfrm>
             <a:off x="609120" y="273600"/>
-            <a:ext cx="10968480" cy="1143720"/>
+            <a:ext cx="10967760" cy="1143000"/>
           </a:xfrm>
           <a:prstGeom prst="rect">
             <a:avLst/>
@@ -16564,7 +19366,7 @@
       </p:sp>
       <p:sp>
         <p:nvSpPr>
-          <p:cNvPr id="295" name="PlaceHolder 2"/>
+          <p:cNvPr id="336" name="PlaceHolder 2"/>
           <p:cNvSpPr>
             <a:spLocks noGrp="1"/>
           </p:cNvSpPr>
@@ -16575,7 +19377,7 @@
         <p:spPr>
           <a:xfrm>
             <a:off x="609120" y="1604520"/>
-            <a:ext cx="5351760" cy="3976200"/>
+            <a:ext cx="5351040" cy="3975480"/>
           </a:xfrm>
           <a:prstGeom prst="rect">
             <a:avLst/>
@@ -16715,7 +19517,7 @@
       </p:sp>
       <p:sp>
         <p:nvSpPr>
-          <p:cNvPr id="296" name="PlaceHolder 3"/>
+          <p:cNvPr id="337" name="PlaceHolder 3"/>
           <p:cNvSpPr>
             <a:spLocks noGrp="1"/>
           </p:cNvSpPr>
@@ -16726,7 +19528,7 @@
         <p:spPr>
           <a:xfrm>
             <a:off x="6230160" y="1604520"/>
-            <a:ext cx="5351760" cy="3976200"/>
+            <a:ext cx="5351040" cy="3975480"/>
           </a:xfrm>
           <a:prstGeom prst="rect">
             <a:avLst/>
@@ -16819,7 +19621,7 @@
                 </a:solidFill>
                 <a:latin typeface="Arial"/>
               </a:rPr>
-              <a:t>Array of indices of the occurrences of the pattern</a:t>
+              <a:t>The index of the first occurrence of the pattern</a:t>
             </a:r>
             <a:endParaRPr b="0" lang="en-US" sz="3200" spc="-1" strike="noStrike">
               <a:solidFill>
@@ -16869,7 +19671,7 @@
       </p:grpSpPr>
       <p:sp>
         <p:nvSpPr>
-          <p:cNvPr id="297" name="PlaceHolder 1"/>
+          <p:cNvPr id="338" name="PlaceHolder 1"/>
           <p:cNvSpPr>
             <a:spLocks noGrp="1"/>
           </p:cNvSpPr>
@@ -16880,7 +19682,7 @@
         <p:spPr>
           <a:xfrm>
             <a:off x="723600" y="723960"/>
-            <a:ext cx="10739520" cy="1102680"/>
+            <a:ext cx="10738800" cy="1101960"/>
           </a:xfrm>
           <a:prstGeom prst="rect">
             <a:avLst/>
@@ -16924,7 +19726,7 @@
       </p:sp>
       <p:sp>
         <p:nvSpPr>
-          <p:cNvPr id="298" name="PlaceHolder 2"/>
+          <p:cNvPr id="339" name="PlaceHolder 2"/>
           <p:cNvSpPr>
             <a:spLocks noGrp="1"/>
           </p:cNvSpPr>
@@ -16935,7 +19737,7 @@
         <p:spPr>
           <a:xfrm>
             <a:off x="609120" y="1604520"/>
-            <a:ext cx="5352120" cy="3976560"/>
+            <a:ext cx="5351400" cy="3975840"/>
           </a:xfrm>
           <a:prstGeom prst="rect">
             <a:avLst/>
@@ -17028,7 +19830,7 @@
                 </a:solidFill>
                 <a:latin typeface="Arial"/>
               </a:rPr>
-              <a:t>Text t: abcdabcda</a:t>
+              <a:t>Text t: abcda</a:t>
             </a:r>
             <a:endParaRPr b="0" lang="en-US" sz="2800" spc="-1" strike="noStrike">
               <a:solidFill>
@@ -17143,7 +19945,7 @@
       </p:sp>
       <p:sp>
         <p:nvSpPr>
-          <p:cNvPr id="299" name="PlaceHolder 3"/>
+          <p:cNvPr id="340" name="PlaceHolder 3"/>
           <p:cNvSpPr>
             <a:spLocks noGrp="1"/>
           </p:cNvSpPr>
@@ -17154,7 +19956,7 @@
         <p:spPr>
           <a:xfrm>
             <a:off x="6230160" y="1604520"/>
-            <a:ext cx="5352120" cy="3976560"/>
+            <a:ext cx="5351400" cy="3975840"/>
           </a:xfrm>
           <a:prstGeom prst="rect">
             <a:avLst/>
@@ -17247,7 +20049,16 @@
                 </a:solidFill>
                 <a:latin typeface="Arial"/>
               </a:rPr>
-              <a:t>Let h(p) be the hash of the pattern</a:t>
+              <a:t>Let h(p) be the hash of the </a:t>
+            </a:r>
+            <a:r>
+              <a:rPr b="0" lang="en-US" sz="2800" spc="-1" strike="noStrike">
+                <a:solidFill>
+                  <a:srgbClr val="ffffff"/>
+                </a:solidFill>
+                <a:latin typeface="Arial"/>
+              </a:rPr>
+              <a:t>pattern</a:t>
             </a:r>
             <a:endParaRPr b="0" lang="en-US" sz="2800" spc="-1" strike="noStrike">
               <a:solidFill>
@@ -17281,7 +20092,25 @@
                 </a:solidFill>
                 <a:latin typeface="Arial"/>
               </a:rPr>
-              <a:t>Let h(i) be the rolling hash of each substring of t, which is t[i..i+m]</a:t>
+              <a:t>Let h(i) be the rolling hash of </a:t>
+            </a:r>
+            <a:r>
+              <a:rPr b="0" lang="en-US" sz="2800" spc="-1" strike="noStrike">
+                <a:solidFill>
+                  <a:srgbClr val="ffffff"/>
+                </a:solidFill>
+                <a:latin typeface="Arial"/>
+              </a:rPr>
+              <a:t>each substring of t, which is </a:t>
+            </a:r>
+            <a:r>
+              <a:rPr b="0" lang="en-US" sz="2800" spc="-1" strike="noStrike">
+                <a:solidFill>
+                  <a:srgbClr val="ffffff"/>
+                </a:solidFill>
+                <a:latin typeface="Arial"/>
+              </a:rPr>
+              <a:t>t[i..i+m]</a:t>
             </a:r>
             <a:endParaRPr b="0" lang="en-US" sz="2800" spc="-1" strike="noStrike">
               <a:solidFill>
@@ -17315,7 +20144,34 @@
                 </a:solidFill>
                 <a:latin typeface="Arial"/>
               </a:rPr>
-              <a:t>If h(p) == h(i), then compare the pattern p with t[i..i+m]. If they are the same then add i to the array of indices</a:t>
+              <a:t>If h(p) == h(i), then compare </a:t>
+            </a:r>
+            <a:r>
+              <a:rPr b="0" lang="en-US" sz="2800" spc="-1" strike="noStrike">
+                <a:solidFill>
+                  <a:srgbClr val="ffffff"/>
+                </a:solidFill>
+                <a:latin typeface="Arial"/>
+              </a:rPr>
+              <a:t>the pattern p with t[i..i+m]. If </a:t>
+            </a:r>
+            <a:r>
+              <a:rPr b="0" lang="en-US" sz="2800" spc="-1" strike="noStrike">
+                <a:solidFill>
+                  <a:srgbClr val="ffffff"/>
+                </a:solidFill>
+                <a:latin typeface="Arial"/>
+              </a:rPr>
+              <a:t>they are the same then add </a:t>
+            </a:r>
+            <a:r>
+              <a:rPr b="0" lang="en-US" sz="2800" spc="-1" strike="noStrike">
+                <a:solidFill>
+                  <a:srgbClr val="ffffff"/>
+                </a:solidFill>
+                <a:latin typeface="Arial"/>
+              </a:rPr>
+              <a:t>i to the array of indices</a:t>
             </a:r>
             <a:endParaRPr b="0" lang="en-US" sz="2800" spc="-1" strike="noStrike">
               <a:solidFill>
@@ -17349,7 +20205,25 @@
                 </a:solidFill>
                 <a:latin typeface="Arial"/>
               </a:rPr>
-              <a:t>Otherwise recalculate the hash and start the next phase</a:t>
+              <a:t>Otherwise recalculate the </a:t>
+            </a:r>
+            <a:r>
+              <a:rPr b="0" lang="en-US" sz="2800" spc="-1" strike="noStrike">
+                <a:solidFill>
+                  <a:srgbClr val="ffffff"/>
+                </a:solidFill>
+                <a:latin typeface="Arial"/>
+              </a:rPr>
+              <a:t>hash and start the next </a:t>
+            </a:r>
+            <a:r>
+              <a:rPr b="0" lang="en-US" sz="2800" spc="-1" strike="noStrike">
+                <a:solidFill>
+                  <a:srgbClr val="ffffff"/>
+                </a:solidFill>
+                <a:latin typeface="Arial"/>
+              </a:rPr>
+              <a:t>phase</a:t>
             </a:r>
             <a:endParaRPr b="0" lang="en-US" sz="2800" spc="-1" strike="noStrike">
               <a:solidFill>
@@ -17399,7 +20273,7 @@
       </p:grpSpPr>
       <p:sp>
         <p:nvSpPr>
-          <p:cNvPr id="300" name="PlaceHolder 1"/>
+          <p:cNvPr id="341" name="PlaceHolder 1"/>
           <p:cNvSpPr>
             <a:spLocks noGrp="1"/>
           </p:cNvSpPr>
@@ -17410,7 +20284,7 @@
         <p:spPr>
           <a:xfrm>
             <a:off x="723600" y="497160"/>
-            <a:ext cx="10739520" cy="1102680"/>
+            <a:ext cx="10738800" cy="1101960"/>
           </a:xfrm>
           <a:prstGeom prst="rect">
             <a:avLst/>
@@ -17428,7 +20302,16 @@
             <a:pPr indent="0" algn="ctr">
               <a:buNone/>
             </a:pPr>
-            <a:endParaRPr b="0" lang="en-US" sz="1800" spc="-1" strike="noStrike">
+            <a:r>
+              <a:rPr b="0" lang="en-US" sz="4400" spc="-1" strike="noStrike">
+                <a:solidFill>
+                  <a:srgbClr val="ffffff"/>
+                </a:solidFill>
+                <a:latin typeface="Arial"/>
+              </a:rPr>
+              <a:t>Example walkthrough</a:t>
+            </a:r>
+            <a:endParaRPr b="0" lang="en-US" sz="4400" spc="-1" strike="noStrike">
               <a:solidFill>
                 <a:srgbClr val="ffffff"/>
               </a:solidFill>
@@ -17439,7 +20322,7 @@
       </p:sp>
       <p:sp>
         <p:nvSpPr>
-          <p:cNvPr id="301" name="PlaceHolder 2"/>
+          <p:cNvPr id="342" name="PlaceHolder 2"/>
           <p:cNvSpPr>
             <a:spLocks noGrp="1"/>
           </p:cNvSpPr>
@@ -17450,7 +20333,7 @@
         <p:spPr>
           <a:xfrm>
             <a:off x="685800" y="1833120"/>
-            <a:ext cx="10820520" cy="4567320"/>
+            <a:ext cx="10819800" cy="4566600"/>
           </a:xfrm>
           <a:prstGeom prst="rect">
             <a:avLst/>
@@ -17464,37 +20347,6 @@
           <a:bodyPr lIns="0" rIns="0" tIns="0" bIns="0" anchor="t">
             <a:normAutofit/>
           </a:bodyPr>
-          <a:p>
-            <a:pPr marL="432000" indent="-324000">
-              <a:lnSpc>
-                <a:spcPct val="100000"/>
-              </a:lnSpc>
-              <a:spcBef>
-                <a:spcPts val="1417"/>
-              </a:spcBef>
-              <a:buClr>
-                <a:srgbClr val="ffffff"/>
-              </a:buClr>
-              <a:buSzPct val="45000"/>
-              <a:buFont typeface="Wingdings" charset="2"/>
-              <a:buChar char=""/>
-            </a:pPr>
-            <a:r>
-              <a:rPr b="0" lang="en-US" sz="3200" spc="-1" strike="noStrike">
-                <a:solidFill>
-                  <a:srgbClr val="ffffff"/>
-                </a:solidFill>
-                <a:latin typeface="Arial"/>
-              </a:rPr>
-              <a:t>a b c d a b c d a   |   cda</a:t>
-            </a:r>
-            <a:endParaRPr b="0" lang="en-US" sz="3200" spc="-1" strike="noStrike">
-              <a:solidFill>
-                <a:srgbClr val="ffffff"/>
-              </a:solidFill>
-              <a:latin typeface="Arial"/>
-            </a:endParaRPr>
-          </a:p>
           <a:p>
             <a:pPr marL="432000" indent="0">
               <a:lnSpc>
@@ -17504,9 +20356,23 @@
                 <a:spcPts val="1417"/>
               </a:spcBef>
               <a:buNone/>
-              <a:tabLst>
-                <a:tab algn="l" pos="0"/>
-              </a:tabLst>
+            </a:pPr>
+            <a:endParaRPr b="0" lang="en-US" sz="3200" spc="-1" strike="noStrike">
+              <a:solidFill>
+                <a:srgbClr val="ffffff"/>
+              </a:solidFill>
+              <a:latin typeface="Arial"/>
+            </a:endParaRPr>
+          </a:p>
+          <a:p>
+            <a:pPr indent="0">
+              <a:lnSpc>
+                <a:spcPct val="100000"/>
+              </a:lnSpc>
+              <a:spcBef>
+                <a:spcPts val="1417"/>
+              </a:spcBef>
+              <a:buNone/>
             </a:pPr>
             <a:r>
               <a:rPr b="0" lang="en-US" sz="3200" spc="-1" strike="noStrike">
@@ -17515,9 +20381,387 @@
                 </a:solidFill>
                 <a:latin typeface="Arial"/>
               </a:rPr>
-              <a:t> </a:t>
+              <a:t>t = </a:t>
             </a:r>
-            <a:endParaRPr b="0" lang="en-US" sz="3200" spc="-1" strike="noStrike">
+            <a:r>
+              <a:rPr b="0" lang="en-US" sz="3200" spc="-1" strike="noStrike">
+                <a:solidFill>
+                  <a:srgbClr val="ffffff"/>
+                </a:solidFill>
+                <a:highlight>
+                  <a:srgbClr val="5eb91e"/>
+                </a:highlight>
+                <a:latin typeface="Arial"/>
+              </a:rPr>
+              <a:t>a b c</a:t>
+            </a:r>
+            <a:r>
+              <a:rPr b="0" lang="en-US" sz="3200" spc="-1" strike="noStrike">
+                <a:solidFill>
+                  <a:srgbClr val="ffffff"/>
+                </a:solidFill>
+                <a:latin typeface="Arial"/>
+              </a:rPr>
+              <a:t> d a   |   p = cda</a:t>
+            </a:r>
+            <a:endParaRPr b="0" lang="en-US" sz="3200" spc="-1" strike="noStrike">
+              <a:solidFill>
+                <a:srgbClr val="ffffff"/>
+              </a:solidFill>
+              <a:latin typeface="Arial"/>
+            </a:endParaRPr>
+          </a:p>
+          <a:p>
+            <a:pPr indent="0">
+              <a:lnSpc>
+                <a:spcPct val="100000"/>
+              </a:lnSpc>
+              <a:spcBef>
+                <a:spcPts val="1417"/>
+              </a:spcBef>
+              <a:buNone/>
+            </a:pPr>
+            <a:r>
+              <a:rPr b="0" lang="en-US" sz="3200" spc="-1" strike="noStrike">
+                <a:solidFill>
+                  <a:srgbClr val="ffffff"/>
+                </a:solidFill>
+                <a:latin typeface="Arial"/>
+                <a:ea typeface="Source Han Sans CN"/>
+              </a:rPr>
+              <a:t>H(p) = 3 * 31</a:t>
+            </a:r>
+            <a:r>
+              <a:rPr b="0" lang="en-US" sz="3200" spc="-1" strike="noStrike" baseline="33000">
+                <a:solidFill>
+                  <a:srgbClr val="ffffff"/>
+                </a:solidFill>
+                <a:latin typeface="Arial"/>
+                <a:ea typeface="Source Han Sans CN"/>
+              </a:rPr>
+              <a:t>2</a:t>
+            </a:r>
+            <a:r>
+              <a:rPr b="0" lang="en-US" sz="3200" spc="-1" strike="noStrike">
+                <a:solidFill>
+                  <a:srgbClr val="ffffff"/>
+                </a:solidFill>
+                <a:latin typeface="Arial"/>
+                <a:ea typeface="Source Han Sans CN"/>
+              </a:rPr>
+              <a:t> + 4 * 31</a:t>
+            </a:r>
+            <a:r>
+              <a:rPr b="0" lang="en-US" sz="3200" spc="-1" strike="noStrike" baseline="33000">
+                <a:solidFill>
+                  <a:srgbClr val="ffffff"/>
+                </a:solidFill>
+                <a:latin typeface="Arial"/>
+                <a:ea typeface="Source Han Sans CN"/>
+              </a:rPr>
+              <a:t>1</a:t>
+            </a:r>
+            <a:r>
+              <a:rPr b="0" lang="en-US" sz="3200" spc="-1" strike="noStrike">
+                <a:solidFill>
+                  <a:srgbClr val="ffffff"/>
+                </a:solidFill>
+                <a:latin typeface="Arial"/>
+                <a:ea typeface="Source Han Sans CN"/>
+              </a:rPr>
+              <a:t> + 1</a:t>
+            </a:r>
+            <a:r>
+              <a:rPr b="0" lang="en-US" sz="3200" spc="-1" strike="noStrike">
+                <a:solidFill>
+                  <a:srgbClr val="ffffff"/>
+                </a:solidFill>
+                <a:latin typeface="Arial"/>
+              </a:rPr>
+              <a:t> * </a:t>
+            </a:r>
+            <a:r>
+              <a:rPr b="0" lang="en-US" sz="3200" spc="-1" strike="noStrike">
+                <a:solidFill>
+                  <a:srgbClr val="ffffff"/>
+                </a:solidFill>
+                <a:latin typeface="Arial"/>
+              </a:rPr>
+              <a:t>31</a:t>
+            </a:r>
+            <a:r>
+              <a:rPr b="0" lang="en-US" sz="3200" spc="-1" strike="noStrike" baseline="33000">
+                <a:solidFill>
+                  <a:srgbClr val="ffffff"/>
+                </a:solidFill>
+                <a:latin typeface="Arial"/>
+              </a:rPr>
+              <a:t>0</a:t>
+            </a:r>
+            <a:endParaRPr b="0" lang="en-US" sz="3200" spc="-1" strike="noStrike">
+              <a:solidFill>
+                <a:srgbClr val="ffffff"/>
+              </a:solidFill>
+              <a:latin typeface="Arial"/>
+            </a:endParaRPr>
+          </a:p>
+          <a:p>
+            <a:pPr indent="0">
+              <a:lnSpc>
+                <a:spcPct val="100000"/>
+              </a:lnSpc>
+              <a:spcBef>
+                <a:spcPts val="1417"/>
+              </a:spcBef>
+              <a:buNone/>
+            </a:pPr>
+            <a:r>
+              <a:rPr b="0" lang="en-US" sz="3200" spc="-1" strike="noStrike">
+                <a:solidFill>
+                  <a:srgbClr val="ffffff"/>
+                </a:solidFill>
+                <a:latin typeface="Arial"/>
+              </a:rPr>
+              <a:t>=  3008</a:t>
+            </a:r>
+            <a:endParaRPr b="0" lang="en-US" sz="3200" spc="-1" strike="noStrike">
+              <a:solidFill>
+                <a:srgbClr val="ffffff"/>
+              </a:solidFill>
+              <a:latin typeface="Arial"/>
+            </a:endParaRPr>
+          </a:p>
+          <a:p>
+            <a:pPr indent="0">
+              <a:lnSpc>
+                <a:spcPct val="100000"/>
+              </a:lnSpc>
+              <a:spcBef>
+                <a:spcPts val="1417"/>
+              </a:spcBef>
+              <a:buNone/>
+            </a:pPr>
+            <a:r>
+              <a:rPr b="0" lang="en-US" sz="3200" spc="-1" strike="noStrike">
+                <a:solidFill>
+                  <a:srgbClr val="ffffff"/>
+                </a:solidFill>
+                <a:latin typeface="Arial"/>
+              </a:rPr>
+              <a:t>H(t[0..2]) = (1 * 31</a:t>
+            </a:r>
+            <a:r>
+              <a:rPr b="0" lang="en-US" sz="3200" spc="-1" strike="noStrike" baseline="33000">
+                <a:solidFill>
+                  <a:srgbClr val="ffffff"/>
+                </a:solidFill>
+                <a:latin typeface="Arial"/>
+              </a:rPr>
+              <a:t>2</a:t>
+            </a:r>
+            <a:r>
+              <a:rPr b="0" lang="en-US" sz="3200" spc="-1" strike="noStrike">
+                <a:solidFill>
+                  <a:srgbClr val="ffffff"/>
+                </a:solidFill>
+                <a:latin typeface="Arial"/>
+              </a:rPr>
+              <a:t>) + (2 * </a:t>
+            </a:r>
+            <a:r>
+              <a:rPr b="0" lang="en-US" sz="3200" spc="-1" strike="noStrike">
+                <a:solidFill>
+                  <a:srgbClr val="ffffff"/>
+                </a:solidFill>
+                <a:latin typeface="Arial"/>
+              </a:rPr>
+              <a:t>31</a:t>
+            </a:r>
+            <a:r>
+              <a:rPr b="0" lang="en-US" sz="3200" spc="-1" strike="noStrike" baseline="33000">
+                <a:solidFill>
+                  <a:srgbClr val="ffffff"/>
+                </a:solidFill>
+                <a:latin typeface="Arial"/>
+              </a:rPr>
+              <a:t>1</a:t>
+            </a:r>
+            <a:r>
+              <a:rPr b="0" lang="en-US" sz="3200" spc="-1" strike="noStrike">
+                <a:solidFill>
+                  <a:srgbClr val="ffffff"/>
+                </a:solidFill>
+                <a:latin typeface="Arial"/>
+              </a:rPr>
+              <a:t>) + (3 * 31</a:t>
+            </a:r>
+            <a:r>
+              <a:rPr b="0" lang="en-US" sz="3200" spc="-1" strike="noStrike" baseline="33000">
+                <a:solidFill>
+                  <a:srgbClr val="ffffff"/>
+                </a:solidFill>
+                <a:latin typeface="Arial"/>
+              </a:rPr>
+              <a:t>0</a:t>
+            </a:r>
+            <a:r>
+              <a:rPr b="0" lang="en-US" sz="3200" spc="-1" strike="noStrike">
+                <a:solidFill>
+                  <a:srgbClr val="ffffff"/>
+                </a:solidFill>
+                <a:latin typeface="Arial"/>
+              </a:rPr>
+              <a:t>) = 1026</a:t>
+            </a:r>
+            <a:endParaRPr b="0" lang="en-US" sz="3200" spc="-1" strike="noStrike">
+              <a:solidFill>
+                <a:srgbClr val="ffffff"/>
+              </a:solidFill>
+              <a:latin typeface="Arial"/>
+            </a:endParaRPr>
+          </a:p>
+          <a:p>
+            <a:pPr indent="0">
+              <a:lnSpc>
+                <a:spcPct val="100000"/>
+              </a:lnSpc>
+              <a:spcBef>
+                <a:spcPts val="1417"/>
+              </a:spcBef>
+              <a:buNone/>
+            </a:pPr>
+            <a:r>
+              <a:rPr b="0" lang="en-US" sz="3200" spc="-1" strike="noStrike">
+                <a:solidFill>
+                  <a:srgbClr val="ffffff"/>
+                </a:solidFill>
+                <a:latin typeface="Arial"/>
+              </a:rPr>
+              <a:t>3008 </a:t>
+            </a:r>
+            <a:r>
+              <a:rPr b="0" lang="en-US" sz="3200" spc="-1" strike="noStrike">
+                <a:solidFill>
+                  <a:srgbClr val="ffffff"/>
+                </a:solidFill>
+                <a:latin typeface="DejaVu Sans"/>
+                <a:ea typeface="DejaVu Sans"/>
+              </a:rPr>
+              <a:t>≠ 1026</a:t>
+            </a:r>
+            <a:endParaRPr b="0" lang="en-US" sz="3200" spc="-1" strike="noStrike">
+              <a:solidFill>
+                <a:srgbClr val="ffffff"/>
+              </a:solidFill>
+              <a:latin typeface="Arial"/>
+            </a:endParaRPr>
+          </a:p>
+          <a:p>
+            <a:pPr indent="0">
+              <a:lnSpc>
+                <a:spcPct val="100000"/>
+              </a:lnSpc>
+              <a:spcBef>
+                <a:spcPts val="1417"/>
+              </a:spcBef>
+              <a:buNone/>
+            </a:pPr>
+            <a:r>
+              <a:rPr b="0" lang="en-US" sz="3200" spc="-1" strike="noStrike">
+                <a:solidFill>
+                  <a:srgbClr val="ffffff"/>
+                </a:solidFill>
+                <a:latin typeface="DejaVu Sans"/>
+                <a:ea typeface="DejaVu Sans"/>
+              </a:rPr>
+              <a:t>Therefore we slide to the </a:t>
+            </a:r>
+            <a:r>
+              <a:rPr b="0" lang="en-US" sz="3200" spc="-1" strike="noStrike">
+                <a:solidFill>
+                  <a:srgbClr val="ffffff"/>
+                </a:solidFill>
+                <a:latin typeface="DejaVu Sans"/>
+                <a:ea typeface="DejaVu Sans"/>
+              </a:rPr>
+              <a:t>next window of </a:t>
+            </a:r>
+            <a:r>
+              <a:rPr b="0" lang="en-US" sz="3200" spc="-1" strike="noStrike">
+                <a:solidFill>
+                  <a:srgbClr val="ffffff"/>
+                </a:solidFill>
+                <a:latin typeface="DejaVu Sans"/>
+                <a:ea typeface="DejaVu Sans"/>
+              </a:rPr>
+              <a:t>characters.</a:t>
+            </a:r>
+            <a:endParaRPr b="0" lang="en-US" sz="3200" spc="-1" strike="noStrike">
+              <a:solidFill>
+                <a:srgbClr val="ffffff"/>
+              </a:solidFill>
+              <a:latin typeface="Arial"/>
+            </a:endParaRPr>
+          </a:p>
+        </p:txBody>
+      </p:sp>
+      <p:pic>
+        <p:nvPicPr>
+          <p:cNvPr id="343" name="" descr=""/>
+          <p:cNvPicPr/>
+          <p:nvPr/>
+        </p:nvPicPr>
+        <p:blipFill>
+          <a:blip r:embed="rId1"/>
+          <a:stretch/>
+        </p:blipFill>
+        <p:spPr>
+          <a:xfrm>
+            <a:off x="7772400" y="2743200"/>
+            <a:ext cx="2256480" cy="789840"/>
+          </a:xfrm>
+          <a:prstGeom prst="rect">
+            <a:avLst/>
+          </a:prstGeom>
+          <a:ln w="0">
+            <a:noFill/>
+          </a:ln>
+        </p:spPr>
+      </p:pic>
+      <p:sp>
+        <p:nvSpPr>
+          <p:cNvPr id="344" name=""/>
+          <p:cNvSpPr txBox="1"/>
+          <p:nvPr/>
+        </p:nvSpPr>
+        <p:spPr>
+          <a:xfrm>
+            <a:off x="7772400" y="2057400"/>
+            <a:ext cx="2286000" cy="346320"/>
+          </a:xfrm>
+          <a:prstGeom prst="rect">
+            <a:avLst/>
+          </a:prstGeom>
+          <a:noFill/>
+          <a:ln w="0">
+            <a:noFill/>
+          </a:ln>
+        </p:spPr>
+        <p:txBody>
+          <a:bodyPr lIns="90000" rIns="90000" tIns="45000" bIns="45000" anchor="t">
+            <a:noAutofit/>
+          </a:bodyPr>
+          <a:p>
+            <a:r>
+              <a:rPr b="0" lang="en-US" sz="1800" spc="-1" strike="noStrike">
+                <a:solidFill>
+                  <a:srgbClr val="ffffff"/>
+                </a:solidFill>
+                <a:latin typeface="Arial"/>
+              </a:rPr>
+              <a:t>Fingerprint function</a:t>
+            </a:r>
+            <a:endParaRPr b="0" lang="en-US" sz="1800" spc="-1" strike="noStrike">
               <a:solidFill>
                 <a:srgbClr val="ffffff"/>
               </a:solidFill>
@@ -17565,7 +20809,7 @@
       </p:grpSpPr>
       <p:sp>
         <p:nvSpPr>
-          <p:cNvPr id="302" name="PlaceHolder 1"/>
+          <p:cNvPr id="345" name="PlaceHolder 1"/>
           <p:cNvSpPr>
             <a:spLocks noGrp="1"/>
           </p:cNvSpPr>
@@ -17575,8 +20819,8 @@
         </p:nvSpPr>
         <p:spPr>
           <a:xfrm>
-            <a:off x="609120" y="273600"/>
-            <a:ext cx="10968480" cy="1143720"/>
+            <a:off x="723600" y="497160"/>
+            <a:ext cx="10738800" cy="1101960"/>
           </a:xfrm>
           <a:prstGeom prst="rect">
             <a:avLst/>
@@ -17592,13 +20836,7 @@
           </a:bodyPr>
           <a:p>
             <a:pPr indent="0" algn="ctr">
-              <a:lnSpc>
-                <a:spcPct val="100000"/>
-              </a:lnSpc>
-              <a:buNone/>
-              <a:tabLst>
-                <a:tab algn="l" pos="0"/>
-              </a:tabLst>
+              <a:buNone/>
             </a:pPr>
             <a:r>
               <a:rPr b="0" lang="en-US" sz="4400" spc="-1" strike="noStrike">
@@ -17607,7 +20845,7 @@
                 </a:solidFill>
                 <a:latin typeface="Arial"/>
               </a:rPr>
-              <a:t>Rolling hash function</a:t>
+              <a:t>Example walkthrough</a:t>
             </a:r>
             <a:endParaRPr b="0" lang="en-US" sz="4400" spc="-1" strike="noStrike">
               <a:solidFill>
@@ -17620,7 +20858,7 @@
       </p:sp>
       <p:sp>
         <p:nvSpPr>
-          <p:cNvPr id="303" name="PlaceHolder 2"/>
+          <p:cNvPr id="346" name="PlaceHolder 2"/>
           <p:cNvSpPr>
             <a:spLocks noGrp="1"/>
           </p:cNvSpPr>
@@ -17630,8 +20868,8 @@
         </p:nvSpPr>
         <p:spPr>
           <a:xfrm>
-            <a:off x="609120" y="1604520"/>
-            <a:ext cx="5351760" cy="3976200"/>
+            <a:off x="700920" y="1600200"/>
+            <a:ext cx="10819800" cy="4566600"/>
           </a:xfrm>
           <a:prstGeom prst="rect">
             <a:avLst/>
@@ -17643,7 +20881,7 @@
         </p:spPr>
         <p:txBody>
           <a:bodyPr lIns="0" rIns="0" tIns="0" bIns="0" anchor="t">
-            <a:normAutofit/>
+            <a:normAutofit fontScale="88000"/>
           </a:bodyPr>
           <a:p>
             <a:pPr marL="432000" indent="0">
@@ -17654,9 +20892,6 @@
                 <a:spcPts val="1417"/>
               </a:spcBef>
               <a:buNone/>
-              <a:tabLst>
-                <a:tab algn="l" pos="0"/>
-              </a:tabLst>
             </a:pPr>
             <a:endParaRPr b="0" lang="en-US" sz="3200" spc="-1" strike="noStrike">
               <a:solidFill>
@@ -17666,22 +20901,14 @@
             </a:endParaRPr>
           </a:p>
           <a:p>
-            <a:pPr marL="432000" indent="-324000">
+            <a:pPr indent="0">
               <a:lnSpc>
                 <a:spcPct val="100000"/>
               </a:lnSpc>
               <a:spcBef>
                 <a:spcPts val="1417"/>
               </a:spcBef>
-              <a:buClr>
-                <a:srgbClr val="ffffff"/>
-              </a:buClr>
-              <a:buSzPct val="45000"/>
-              <a:buFont typeface="Wingdings" charset="2"/>
-              <a:buChar char=""/>
-              <a:tabLst>
-                <a:tab algn="l" pos="0"/>
-              </a:tabLst>
+              <a:buNone/>
             </a:pPr>
             <a:r>
               <a:rPr b="0" lang="en-US" sz="3200" spc="-1" strike="noStrike">
@@ -17690,8 +20917,29 @@
                 </a:solidFill>
                 <a:latin typeface="Arial"/>
               </a:rPr>
-              <a:t>Pros</a:t>
+              <a:t>t = a </a:t>
             </a:r>
+            <a:r>
+              <a:rPr b="0" lang="en-US" sz="3200" spc="-1" strike="noStrike">
+                <a:solidFill>
+                  <a:srgbClr val="ffffff"/>
+                </a:solidFill>
+                <a:highlight>
+                  <a:srgbClr val="81d41a"/>
+                </a:highlight>
+                <a:latin typeface="Arial"/>
+              </a:rPr>
+              <a:t>b c d</a:t>
+            </a:r>
+            <a:r>
+              <a:rPr b="0" lang="en-US" sz="3200" spc="-1" strike="noStrike">
+                <a:solidFill>
+                  <a:srgbClr val="ffffff"/>
+                </a:solidFill>
+                <a:latin typeface="Arial"/>
+              </a:rPr>
+              <a:t> a   |   p = cda</a:t>
+            </a:r>
             <a:endParaRPr b="0" lang="en-US" sz="3200" spc="-1" strike="noStrike">
               <a:solidFill>
                 <a:srgbClr val="ffffff"/>
@@ -17699,37 +20947,8 @@
               <a:latin typeface="Arial"/>
             </a:endParaRPr>
           </a:p>
-        </p:txBody>
-      </p:sp>
-      <p:sp>
-        <p:nvSpPr>
-          <p:cNvPr id="304" name="PlaceHolder 3"/>
-          <p:cNvSpPr>
-            <a:spLocks noGrp="1"/>
-          </p:cNvSpPr>
-          <p:nvPr>
-            <p:ph/>
-          </p:nvPr>
-        </p:nvSpPr>
-        <p:spPr>
-          <a:xfrm>
-            <a:off x="6230160" y="1604520"/>
-            <a:ext cx="5351760" cy="3976200"/>
-          </a:xfrm>
-          <a:prstGeom prst="rect">
-            <a:avLst/>
-          </a:prstGeom>
-          <a:noFill/>
-          <a:ln w="0">
-            <a:noFill/>
-          </a:ln>
-        </p:spPr>
-        <p:txBody>
-          <a:bodyPr lIns="0" rIns="0" tIns="0" bIns="0" anchor="t">
-            <a:normAutofit/>
-          </a:bodyPr>
-          <a:p>
-            <a:pPr marL="432000" indent="0">
+          <a:p>
+            <a:pPr indent="0">
               <a:lnSpc>
                 <a:spcPct val="100000"/>
               </a:lnSpc>
@@ -17737,10 +20956,84 @@
                 <a:spcPts val="1417"/>
               </a:spcBef>
               <a:buNone/>
-              <a:tabLst>
-                <a:tab algn="l" pos="0"/>
-              </a:tabLst>
-            </a:pPr>
+            </a:pPr>
+            <a:r>
+              <a:rPr b="0" lang="en-US" sz="3200" spc="-1" strike="noStrike">
+                <a:solidFill>
+                  <a:srgbClr val="ffffff"/>
+                </a:solidFill>
+                <a:latin typeface="Arial"/>
+                <a:ea typeface="Source Han Sans CN"/>
+              </a:rPr>
+              <a:t>H(p) = 3 * 31</a:t>
+            </a:r>
+            <a:r>
+              <a:rPr b="0" lang="en-US" sz="3200" spc="-1" strike="noStrike" baseline="33000">
+                <a:solidFill>
+                  <a:srgbClr val="ffffff"/>
+                </a:solidFill>
+                <a:latin typeface="Arial"/>
+                <a:ea typeface="Source Han Sans CN"/>
+              </a:rPr>
+              <a:t>2</a:t>
+            </a:r>
+            <a:r>
+              <a:rPr b="0" lang="en-US" sz="3200" spc="-1" strike="noStrike">
+                <a:solidFill>
+                  <a:srgbClr val="ffffff"/>
+                </a:solidFill>
+                <a:latin typeface="Arial"/>
+                <a:ea typeface="Source Han Sans CN"/>
+              </a:rPr>
+              <a:t> + 4 * 31</a:t>
+            </a:r>
+            <a:r>
+              <a:rPr b="0" lang="en-US" sz="3200" spc="-1" strike="noStrike" baseline="33000">
+                <a:solidFill>
+                  <a:srgbClr val="ffffff"/>
+                </a:solidFill>
+                <a:latin typeface="Arial"/>
+                <a:ea typeface="Source Han Sans CN"/>
+              </a:rPr>
+              <a:t>1</a:t>
+            </a:r>
+            <a:r>
+              <a:rPr b="0" lang="en-US" sz="3200" spc="-1" strike="noStrike">
+                <a:solidFill>
+                  <a:srgbClr val="ffffff"/>
+                </a:solidFill>
+                <a:latin typeface="Arial"/>
+                <a:ea typeface="Source Han Sans CN"/>
+              </a:rPr>
+              <a:t> + 1</a:t>
+            </a:r>
+            <a:r>
+              <a:rPr b="0" lang="en-US" sz="3200" spc="-1" strike="noStrike">
+                <a:solidFill>
+                  <a:srgbClr val="ffffff"/>
+                </a:solidFill>
+                <a:latin typeface="Arial"/>
+              </a:rPr>
+              <a:t> * </a:t>
+            </a:r>
+            <a:r>
+              <a:rPr b="0" lang="en-US" sz="3200" spc="-1" strike="noStrike">
+                <a:solidFill>
+                  <a:srgbClr val="ffffff"/>
+                </a:solidFill>
+                <a:latin typeface="Arial"/>
+              </a:rPr>
+              <a:t>31</a:t>
+            </a:r>
+            <a:r>
+              <a:rPr b="0" lang="en-US" sz="3200" spc="-1" strike="noStrike" baseline="33000">
+                <a:solidFill>
+                  <a:srgbClr val="ffffff"/>
+                </a:solidFill>
+                <a:latin typeface="Arial"/>
+              </a:rPr>
+              <a:t>0</a:t>
+            </a:r>
             <a:endParaRPr b="0" lang="en-US" sz="3200" spc="-1" strike="noStrike">
               <a:solidFill>
                 <a:srgbClr val="ffffff"/>
@@ -17749,22 +21042,14 @@
             </a:endParaRPr>
           </a:p>
           <a:p>
-            <a:pPr marL="432000" indent="-324000">
+            <a:pPr indent="0">
               <a:lnSpc>
                 <a:spcPct val="100000"/>
               </a:lnSpc>
               <a:spcBef>
                 <a:spcPts val="1417"/>
               </a:spcBef>
-              <a:buClr>
-                <a:srgbClr val="ffffff"/>
-              </a:buClr>
-              <a:buSzPct val="45000"/>
-              <a:buFont typeface="Wingdings" charset="2"/>
-              <a:buChar char=""/>
-              <a:tabLst>
-                <a:tab algn="l" pos="0"/>
-              </a:tabLst>
+              <a:buNone/>
             </a:pPr>
             <a:r>
               <a:rPr b="0" lang="en-US" sz="3200" spc="-1" strike="noStrike">
@@ -17773,9 +21058,395 @@
                 </a:solidFill>
                 <a:latin typeface="Arial"/>
               </a:rPr>
-              <a:t>Cons</a:t>
+              <a:t>=  3008</a:t>
             </a:r>
             <a:endParaRPr b="0" lang="en-US" sz="3200" spc="-1" strike="noStrike">
+              <a:solidFill>
+                <a:srgbClr val="ffffff"/>
+              </a:solidFill>
+              <a:latin typeface="Arial"/>
+            </a:endParaRPr>
+          </a:p>
+          <a:p>
+            <a:pPr indent="0">
+              <a:lnSpc>
+                <a:spcPct val="100000"/>
+              </a:lnSpc>
+              <a:spcBef>
+                <a:spcPts val="1417"/>
+              </a:spcBef>
+              <a:buNone/>
+            </a:pPr>
+            <a:r>
+              <a:rPr b="0" lang="en-US" sz="3200" spc="-1" strike="noStrike">
+                <a:solidFill>
+                  <a:srgbClr val="ffffff"/>
+                </a:solidFill>
+                <a:latin typeface="Arial"/>
+              </a:rPr>
+              <a:t>H(t[0..2]) = </a:t>
+            </a:r>
+            <a:r>
+              <a:rPr b="0" lang="en-US" sz="3200" spc="-1" strike="noStrike">
+                <a:solidFill>
+                  <a:srgbClr val="ffffff"/>
+                </a:solidFill>
+                <a:highlight>
+                  <a:srgbClr val="ffa6a6"/>
+                </a:highlight>
+                <a:latin typeface="Arial"/>
+              </a:rPr>
+              <a:t>(1 * 31</a:t>
+            </a:r>
+            <a:r>
+              <a:rPr b="0" lang="en-US" sz="3200" spc="-1" strike="noStrike" baseline="33000">
+                <a:solidFill>
+                  <a:srgbClr val="ffffff"/>
+                </a:solidFill>
+                <a:highlight>
+                  <a:srgbClr val="ffa6a6"/>
+                </a:highlight>
+                <a:latin typeface="Arial"/>
+              </a:rPr>
+              <a:t>2</a:t>
+            </a:r>
+            <a:r>
+              <a:rPr b="0" lang="en-US" sz="3200" spc="-1" strike="noStrike">
+                <a:solidFill>
+                  <a:srgbClr val="ffffff"/>
+                </a:solidFill>
+                <a:highlight>
+                  <a:srgbClr val="ffa6a6"/>
+                </a:highlight>
+                <a:latin typeface="Arial"/>
+              </a:rPr>
+              <a:t>)</a:t>
+            </a:r>
+            <a:r>
+              <a:rPr b="0" lang="en-US" sz="3200" spc="-1" strike="noStrike">
+                <a:solidFill>
+                  <a:srgbClr val="ffffff"/>
+                </a:solidFill>
+                <a:latin typeface="Arial"/>
+              </a:rPr>
+              <a:t> + (2 * </a:t>
+            </a:r>
+            <a:r>
+              <a:rPr b="0" lang="en-US" sz="3200" spc="-1" strike="noStrike">
+                <a:solidFill>
+                  <a:srgbClr val="ffffff"/>
+                </a:solidFill>
+                <a:latin typeface="Arial"/>
+              </a:rPr>
+              <a:t>31</a:t>
+            </a:r>
+            <a:r>
+              <a:rPr b="0" lang="en-US" sz="3200" spc="-1" strike="noStrike" baseline="33000">
+                <a:solidFill>
+                  <a:srgbClr val="ffffff"/>
+                </a:solidFill>
+                <a:latin typeface="Arial"/>
+              </a:rPr>
+              <a:t>1</a:t>
+            </a:r>
+            <a:r>
+              <a:rPr b="0" lang="en-US" sz="3200" spc="-1" strike="noStrike">
+                <a:solidFill>
+                  <a:srgbClr val="ffffff"/>
+                </a:solidFill>
+                <a:latin typeface="Arial"/>
+              </a:rPr>
+              <a:t>) + (3 * 31</a:t>
+            </a:r>
+            <a:r>
+              <a:rPr b="0" lang="en-US" sz="3200" spc="-1" strike="noStrike" baseline="33000">
+                <a:solidFill>
+                  <a:srgbClr val="ffffff"/>
+                </a:solidFill>
+                <a:latin typeface="Arial"/>
+              </a:rPr>
+              <a:t>0</a:t>
+            </a:r>
+            <a:r>
+              <a:rPr b="0" lang="en-US" sz="3200" spc="-1" strike="noStrike">
+                <a:solidFill>
+                  <a:srgbClr val="ffffff"/>
+                </a:solidFill>
+                <a:latin typeface="Arial"/>
+              </a:rPr>
+              <a:t>) = 1026</a:t>
+            </a:r>
+            <a:endParaRPr b="0" lang="en-US" sz="3200" spc="-1" strike="noStrike">
+              <a:solidFill>
+                <a:srgbClr val="ffffff"/>
+              </a:solidFill>
+              <a:latin typeface="Arial"/>
+            </a:endParaRPr>
+          </a:p>
+          <a:p>
+            <a:pPr indent="0">
+              <a:lnSpc>
+                <a:spcPct val="100000"/>
+              </a:lnSpc>
+              <a:spcBef>
+                <a:spcPts val="1417"/>
+              </a:spcBef>
+              <a:buNone/>
+            </a:pPr>
+            <a:r>
+              <a:rPr b="0" lang="en-US" sz="3200" spc="-1" strike="noStrike">
+                <a:solidFill>
+                  <a:srgbClr val="ffffff"/>
+                </a:solidFill>
+                <a:latin typeface="Arial"/>
+                <a:ea typeface="Source Han Sans CN"/>
+              </a:rPr>
+              <a:t>H(t[1..3]) = 31 [(2 * 31</a:t>
+            </a:r>
+            <a:r>
+              <a:rPr b="0" lang="en-US" sz="3200" spc="-1" strike="noStrike" baseline="33000">
+                <a:solidFill>
+                  <a:srgbClr val="ffffff"/>
+                </a:solidFill>
+                <a:latin typeface="Arial"/>
+                <a:ea typeface="Source Han Sans CN"/>
+              </a:rPr>
+              <a:t>1</a:t>
+            </a:r>
+            <a:r>
+              <a:rPr b="0" lang="en-US" sz="3200" spc="-1" strike="noStrike">
+                <a:solidFill>
+                  <a:srgbClr val="ffffff"/>
+                </a:solidFill>
+                <a:latin typeface="Arial"/>
+                <a:ea typeface="Source Han Sans CN"/>
+              </a:rPr>
+              <a:t>) + (3 * </a:t>
+            </a:r>
+            <a:r>
+              <a:rPr b="0" lang="en-US" sz="3200" spc="-1" strike="noStrike">
+                <a:solidFill>
+                  <a:srgbClr val="ffffff"/>
+                </a:solidFill>
+                <a:latin typeface="Arial"/>
+                <a:ea typeface="Source Han Sans CN"/>
+              </a:rPr>
+              <a:t>31</a:t>
+            </a:r>
+            <a:r>
+              <a:rPr b="0" lang="en-US" sz="3200" spc="-1" strike="noStrike" baseline="33000">
+                <a:solidFill>
+                  <a:srgbClr val="ffffff"/>
+                </a:solidFill>
+                <a:latin typeface="Arial"/>
+                <a:ea typeface="Source Han Sans CN"/>
+              </a:rPr>
+              <a:t>0</a:t>
+            </a:r>
+            <a:r>
+              <a:rPr b="0" lang="en-US" sz="3200" spc="-1" strike="noStrike">
+                <a:solidFill>
+                  <a:srgbClr val="ffffff"/>
+                </a:solidFill>
+                <a:latin typeface="Arial"/>
+                <a:ea typeface="Source Han Sans CN"/>
+              </a:rPr>
+              <a:t>)] + </a:t>
+            </a:r>
+            <a:r>
+              <a:rPr b="0" lang="en-US" sz="3200" spc="-1" strike="noStrike">
+                <a:solidFill>
+                  <a:srgbClr val="ffffff"/>
+                </a:solidFill>
+                <a:highlight>
+                  <a:srgbClr val="81d41a"/>
+                </a:highlight>
+                <a:latin typeface="Arial"/>
+              </a:rPr>
+              <a:t>(4 * 31</a:t>
+            </a:r>
+            <a:r>
+              <a:rPr b="0" lang="en-US" sz="3200" spc="-1" strike="noStrike" baseline="33000">
+                <a:solidFill>
+                  <a:srgbClr val="ffffff"/>
+                </a:solidFill>
+                <a:highlight>
+                  <a:srgbClr val="81d41a"/>
+                </a:highlight>
+                <a:latin typeface="Arial"/>
+              </a:rPr>
+              <a:t>0</a:t>
+            </a:r>
+            <a:r>
+              <a:rPr b="0" lang="en-US" sz="3200" spc="-1" strike="noStrike">
+                <a:solidFill>
+                  <a:srgbClr val="ffffff"/>
+                </a:solidFill>
+                <a:highlight>
+                  <a:srgbClr val="81d41a"/>
+                </a:highlight>
+                <a:latin typeface="Arial"/>
+              </a:rPr>
+              <a:t>)</a:t>
+            </a:r>
+            <a:r>
+              <a:rPr b="0" lang="en-US" sz="3200" spc="-1" strike="noStrike">
+                <a:solidFill>
+                  <a:srgbClr val="ffffff"/>
+                </a:solidFill>
+                <a:latin typeface="Arial"/>
+              </a:rPr>
+              <a:t> = 2019</a:t>
+            </a:r>
+            <a:endParaRPr b="0" lang="en-US" sz="3200" spc="-1" strike="noStrike">
+              <a:solidFill>
+                <a:srgbClr val="ffffff"/>
+              </a:solidFill>
+              <a:latin typeface="Arial"/>
+            </a:endParaRPr>
+          </a:p>
+          <a:p>
+            <a:pPr indent="0">
+              <a:lnSpc>
+                <a:spcPct val="100000"/>
+              </a:lnSpc>
+              <a:spcBef>
+                <a:spcPts val="1417"/>
+              </a:spcBef>
+              <a:buNone/>
+            </a:pPr>
+            <a:r>
+              <a:rPr b="0" lang="en-US" sz="3200" spc="-1" strike="noStrike">
+                <a:solidFill>
+                  <a:srgbClr val="ffffff"/>
+                </a:solidFill>
+                <a:latin typeface="Arial"/>
+              </a:rPr>
+              <a:t>2019 </a:t>
+            </a:r>
+            <a:r>
+              <a:rPr b="0" lang="en-US" sz="3200" spc="-1" strike="noStrike">
+                <a:solidFill>
+                  <a:srgbClr val="ffffff"/>
+                </a:solidFill>
+                <a:latin typeface="DejaVu Sans"/>
+                <a:ea typeface="DejaVu Sans"/>
+              </a:rPr>
+              <a:t>≠ 3008</a:t>
+            </a:r>
+            <a:endParaRPr b="0" lang="en-US" sz="3200" spc="-1" strike="noStrike">
+              <a:solidFill>
+                <a:srgbClr val="ffffff"/>
+              </a:solidFill>
+              <a:latin typeface="Arial"/>
+            </a:endParaRPr>
+          </a:p>
+          <a:p>
+            <a:pPr indent="0">
+              <a:lnSpc>
+                <a:spcPct val="100000"/>
+              </a:lnSpc>
+              <a:spcBef>
+                <a:spcPts val="1417"/>
+              </a:spcBef>
+              <a:buNone/>
+            </a:pPr>
+            <a:r>
+              <a:rPr b="0" lang="en-US" sz="3200" spc="-1" strike="noStrike">
+                <a:solidFill>
+                  <a:srgbClr val="ffffff"/>
+                </a:solidFill>
+                <a:latin typeface="DejaVu Sans"/>
+                <a:ea typeface="DejaVu Sans"/>
+              </a:rPr>
+              <a:t>Therefore we slide to the </a:t>
+            </a:r>
+            <a:r>
+              <a:rPr b="0" lang="en-US" sz="3200" spc="-1" strike="noStrike">
+                <a:solidFill>
+                  <a:srgbClr val="ffffff"/>
+                </a:solidFill>
+                <a:latin typeface="DejaVu Sans"/>
+                <a:ea typeface="DejaVu Sans"/>
+              </a:rPr>
+              <a:t>next window of </a:t>
+            </a:r>
+            <a:r>
+              <a:rPr b="0" lang="en-US" sz="3200" spc="-1" strike="noStrike">
+                <a:solidFill>
+                  <a:srgbClr val="ffffff"/>
+                </a:solidFill>
+                <a:latin typeface="DejaVu Sans"/>
+                <a:ea typeface="DejaVu Sans"/>
+              </a:rPr>
+              <a:t>characters.</a:t>
+            </a:r>
+            <a:endParaRPr b="0" lang="en-US" sz="3200" spc="-1" strike="noStrike">
+              <a:solidFill>
+                <a:srgbClr val="ffffff"/>
+              </a:solidFill>
+              <a:latin typeface="Arial"/>
+            </a:endParaRPr>
+          </a:p>
+        </p:txBody>
+      </p:sp>
+      <p:pic>
+        <p:nvPicPr>
+          <p:cNvPr id="347" name="" descr=""/>
+          <p:cNvPicPr/>
+          <p:nvPr/>
+        </p:nvPicPr>
+        <p:blipFill>
+          <a:blip r:embed="rId1"/>
+          <a:stretch/>
+        </p:blipFill>
+        <p:spPr>
+          <a:xfrm>
+            <a:off x="7772400" y="2743200"/>
+            <a:ext cx="2256480" cy="789840"/>
+          </a:xfrm>
+          <a:prstGeom prst="rect">
+            <a:avLst/>
+          </a:prstGeom>
+          <a:ln w="0">
+            <a:noFill/>
+          </a:ln>
+        </p:spPr>
+      </p:pic>
+      <p:sp>
+        <p:nvSpPr>
+          <p:cNvPr id="348" name=""/>
+          <p:cNvSpPr txBox="1"/>
+          <p:nvPr/>
+        </p:nvSpPr>
+        <p:spPr>
+          <a:xfrm>
+            <a:off x="7772400" y="2057400"/>
+            <a:ext cx="2286000" cy="346320"/>
+          </a:xfrm>
+          <a:prstGeom prst="rect">
+            <a:avLst/>
+          </a:prstGeom>
+          <a:noFill/>
+          <a:ln w="0">
+            <a:noFill/>
+          </a:ln>
+        </p:spPr>
+        <p:txBody>
+          <a:bodyPr lIns="90000" rIns="90000" tIns="45000" bIns="45000" anchor="t">
+            <a:noAutofit/>
+          </a:bodyPr>
+          <a:p>
+            <a:r>
+              <a:rPr b="0" lang="en-US" sz="1800" spc="-1" strike="noStrike">
+                <a:solidFill>
+                  <a:srgbClr val="ffffff"/>
+                </a:solidFill>
+                <a:latin typeface="Arial"/>
+              </a:rPr>
+              <a:t>Fingerprint function</a:t>
+            </a:r>
+            <a:endParaRPr b="0" lang="en-US" sz="1800" spc="-1" strike="noStrike">
               <a:solidFill>
                 <a:srgbClr val="ffffff"/>
               </a:solidFill>
@@ -17823,7 +21494,7 @@
       </p:grpSpPr>
       <p:sp>
         <p:nvSpPr>
-          <p:cNvPr id="305" name="PlaceHolder 1"/>
+          <p:cNvPr id="349" name="PlaceHolder 1"/>
           <p:cNvSpPr>
             <a:spLocks noGrp="1"/>
           </p:cNvSpPr>
@@ -17833,8 +21504,8 @@
         </p:nvSpPr>
         <p:spPr>
           <a:xfrm>
-            <a:off x="609120" y="273600"/>
-            <a:ext cx="10968480" cy="1143720"/>
+            <a:off x="723600" y="497160"/>
+            <a:ext cx="10738800" cy="1101960"/>
           </a:xfrm>
           <a:prstGeom prst="rect">
             <a:avLst/>
@@ -17850,63 +21521,594 @@
           </a:bodyPr>
           <a:p>
             <a:pPr indent="0" algn="ctr">
+              <a:buNone/>
+            </a:pPr>
+            <a:r>
+              <a:rPr b="0" lang="en-US" sz="4400" spc="-1" strike="noStrike">
+                <a:solidFill>
+                  <a:srgbClr val="ffffff"/>
+                </a:solidFill>
+                <a:latin typeface="Arial"/>
+              </a:rPr>
+              <a:t>Example walkthrough</a:t>
+            </a:r>
+            <a:endParaRPr b="0" lang="en-US" sz="4400" spc="-1" strike="noStrike">
+              <a:solidFill>
+                <a:srgbClr val="ffffff"/>
+              </a:solidFill>
+              <a:latin typeface="Arial"/>
+            </a:endParaRPr>
+          </a:p>
+        </p:txBody>
+      </p:sp>
+      <p:sp>
+        <p:nvSpPr>
+          <p:cNvPr id="350" name="PlaceHolder 2"/>
+          <p:cNvSpPr>
+            <a:spLocks noGrp="1"/>
+          </p:cNvSpPr>
+          <p:nvPr>
+            <p:ph/>
+          </p:nvPr>
+        </p:nvSpPr>
+        <p:spPr>
+          <a:xfrm>
+            <a:off x="700920" y="1600200"/>
+            <a:ext cx="10819800" cy="4566600"/>
+          </a:xfrm>
+          <a:prstGeom prst="rect">
+            <a:avLst/>
+          </a:prstGeom>
+          <a:noFill/>
+          <a:ln w="0">
+            <a:noFill/>
+          </a:ln>
+        </p:spPr>
+        <p:txBody>
+          <a:bodyPr lIns="0" rIns="0" tIns="0" bIns="0" anchor="t">
+            <a:normAutofit fontScale="80000"/>
+          </a:bodyPr>
+          <a:p>
+            <a:pPr marL="432000" indent="0">
               <a:lnSpc>
                 <a:spcPct val="100000"/>
               </a:lnSpc>
-              <a:buNone/>
-              <a:tabLst>
-                <a:tab algn="l" pos="0"/>
-              </a:tabLst>
+              <a:spcBef>
+                <a:spcPts val="1417"/>
+              </a:spcBef>
+              <a:buNone/>
+            </a:pPr>
+            <a:endParaRPr b="0" lang="en-US" sz="3200" spc="-1" strike="noStrike">
+              <a:solidFill>
+                <a:srgbClr val="ffffff"/>
+              </a:solidFill>
+              <a:latin typeface="Arial"/>
+            </a:endParaRPr>
+          </a:p>
+          <a:p>
+            <a:pPr indent="0">
+              <a:lnSpc>
+                <a:spcPct val="100000"/>
+              </a:lnSpc>
+              <a:spcBef>
+                <a:spcPts val="1417"/>
+              </a:spcBef>
+              <a:buNone/>
             </a:pPr>
             <a:r>
-              <a:rPr b="0" lang="en-US" sz="4400" spc="-1" strike="noStrike">
+              <a:rPr b="0" lang="en-US" sz="3200" spc="-1" strike="noStrike">
                 <a:solidFill>
                   <a:srgbClr val="ffffff"/>
                 </a:solidFill>
                 <a:latin typeface="Arial"/>
               </a:rPr>
-              <a:t>Time complexity</a:t>
+              <a:t>t = a b </a:t>
             </a:r>
-            <a:endParaRPr b="0" lang="en-US" sz="4400" spc="-1" strike="noStrike">
+            <a:r>
+              <a:rPr b="0" lang="en-US" sz="3200" spc="-1" strike="noStrike">
+                <a:solidFill>
+                  <a:srgbClr val="ffffff"/>
+                </a:solidFill>
+                <a:highlight>
+                  <a:srgbClr val="81d41a"/>
+                </a:highlight>
+                <a:latin typeface="Arial"/>
+              </a:rPr>
+              <a:t>c d a</a:t>
+            </a:r>
+            <a:r>
+              <a:rPr b="0" lang="en-US" sz="3200" spc="-1" strike="noStrike">
+                <a:solidFill>
+                  <a:srgbClr val="ffffff"/>
+                </a:solidFill>
+                <a:latin typeface="Arial"/>
+              </a:rPr>
+              <a:t>   |   p = cda</a:t>
+            </a:r>
+            <a:endParaRPr b="0" lang="en-US" sz="3200" spc="-1" strike="noStrike">
               <a:solidFill>
                 <a:srgbClr val="ffffff"/>
               </a:solidFill>
               <a:latin typeface="Arial"/>
             </a:endParaRPr>
           </a:p>
-        </p:txBody>
-      </p:sp>
-      <p:sp>
-        <p:nvSpPr>
-          <p:cNvPr id="306" name="PlaceHolder 2"/>
-          <p:cNvSpPr>
-            <a:spLocks noGrp="1"/>
-          </p:cNvSpPr>
-          <p:nvPr>
-            <p:ph type="subTitle"/>
-          </p:nvPr>
-        </p:nvSpPr>
-        <p:spPr>
-          <a:xfrm>
-            <a:off x="609120" y="1604520"/>
-            <a:ext cx="10968480" cy="3976200"/>
-          </a:xfrm>
-          <a:prstGeom prst="rect">
-            <a:avLst/>
-          </a:prstGeom>
-          <a:noFill/>
-          <a:ln w="0">
-            <a:noFill/>
-          </a:ln>
-        </p:spPr>
-        <p:txBody>
-          <a:bodyPr lIns="0" rIns="0" tIns="0" bIns="0" anchor="ctr">
+          <a:p>
+            <a:pPr indent="0">
+              <a:lnSpc>
+                <a:spcPct val="100000"/>
+              </a:lnSpc>
+              <a:spcBef>
+                <a:spcPts val="1417"/>
+              </a:spcBef>
+              <a:buNone/>
+            </a:pPr>
+            <a:r>
+              <a:rPr b="0" lang="en-US" sz="3200" spc="-1" strike="noStrike">
+                <a:solidFill>
+                  <a:srgbClr val="ffffff"/>
+                </a:solidFill>
+                <a:latin typeface="Arial"/>
+                <a:ea typeface="Source Han Sans CN"/>
+              </a:rPr>
+              <a:t>H(p) = 3 * 31</a:t>
+            </a:r>
+            <a:r>
+              <a:rPr b="0" lang="en-US" sz="3200" spc="-1" strike="noStrike" baseline="33000">
+                <a:solidFill>
+                  <a:srgbClr val="ffffff"/>
+                </a:solidFill>
+                <a:latin typeface="Arial"/>
+                <a:ea typeface="Source Han Sans CN"/>
+              </a:rPr>
+              <a:t>2</a:t>
+            </a:r>
+            <a:r>
+              <a:rPr b="0" lang="en-US" sz="3200" spc="-1" strike="noStrike">
+                <a:solidFill>
+                  <a:srgbClr val="ffffff"/>
+                </a:solidFill>
+                <a:latin typeface="Arial"/>
+                <a:ea typeface="Source Han Sans CN"/>
+              </a:rPr>
+              <a:t> + 4 * 31</a:t>
+            </a:r>
+            <a:r>
+              <a:rPr b="0" lang="en-US" sz="3200" spc="-1" strike="noStrike" baseline="33000">
+                <a:solidFill>
+                  <a:srgbClr val="ffffff"/>
+                </a:solidFill>
+                <a:latin typeface="Arial"/>
+                <a:ea typeface="Source Han Sans CN"/>
+              </a:rPr>
+              <a:t>1</a:t>
+            </a:r>
+            <a:r>
+              <a:rPr b="0" lang="en-US" sz="3200" spc="-1" strike="noStrike">
+                <a:solidFill>
+                  <a:srgbClr val="ffffff"/>
+                </a:solidFill>
+                <a:latin typeface="Arial"/>
+                <a:ea typeface="Source Han Sans CN"/>
+              </a:rPr>
+              <a:t> + 1</a:t>
+            </a:r>
+            <a:r>
+              <a:rPr b="0" lang="en-US" sz="3200" spc="-1" strike="noStrike">
+                <a:solidFill>
+                  <a:srgbClr val="ffffff"/>
+                </a:solidFill>
+                <a:latin typeface="Arial"/>
+              </a:rPr>
+              <a:t> * 31</a:t>
+            </a:r>
+            <a:r>
+              <a:rPr b="0" lang="en-US" sz="3200" spc="-1" strike="noStrike" baseline="33000">
+                <a:solidFill>
+                  <a:srgbClr val="ffffff"/>
+                </a:solidFill>
+                <a:latin typeface="Arial"/>
+              </a:rPr>
+              <a:t>0</a:t>
+            </a:r>
+            <a:endParaRPr b="0" lang="en-US" sz="3200" spc="-1" strike="noStrike">
+              <a:solidFill>
+                <a:srgbClr val="ffffff"/>
+              </a:solidFill>
+              <a:latin typeface="Arial"/>
+            </a:endParaRPr>
+          </a:p>
+          <a:p>
+            <a:pPr indent="0">
+              <a:lnSpc>
+                <a:spcPct val="100000"/>
+              </a:lnSpc>
+              <a:spcBef>
+                <a:spcPts val="1417"/>
+              </a:spcBef>
+              <a:buNone/>
+            </a:pPr>
+            <a:r>
+              <a:rPr b="0" lang="en-US" sz="3200" spc="-1" strike="noStrike">
+                <a:solidFill>
+                  <a:srgbClr val="ffffff"/>
+                </a:solidFill>
+                <a:latin typeface="Arial"/>
+              </a:rPr>
+              <a:t>=  3008</a:t>
+            </a:r>
+            <a:endParaRPr b="0" lang="en-US" sz="3200" spc="-1" strike="noStrike">
+              <a:solidFill>
+                <a:srgbClr val="ffffff"/>
+              </a:solidFill>
+              <a:latin typeface="Arial"/>
+            </a:endParaRPr>
+          </a:p>
+          <a:p>
+            <a:pPr indent="0">
+              <a:lnSpc>
+                <a:spcPct val="100000"/>
+              </a:lnSpc>
+              <a:spcBef>
+                <a:spcPts val="1417"/>
+              </a:spcBef>
+              <a:buNone/>
+            </a:pPr>
+            <a:r>
+              <a:rPr b="0" lang="en-US" sz="3200" spc="-1" strike="noStrike">
+                <a:solidFill>
+                  <a:srgbClr val="ffffff"/>
+                </a:solidFill>
+                <a:latin typeface="Arial"/>
+                <a:ea typeface="Source Han Sans CN"/>
+              </a:rPr>
+              <a:t>H(t[1..3]) = </a:t>
+            </a:r>
+            <a:r>
+              <a:rPr b="0" lang="en-US" sz="3200" spc="-1" strike="noStrike">
+                <a:solidFill>
+                  <a:srgbClr val="ffffff"/>
+                </a:solidFill>
+                <a:highlight>
+                  <a:srgbClr val="ffaa95"/>
+                </a:highlight>
+                <a:latin typeface="Arial"/>
+              </a:rPr>
+              <a:t>(2 * 31</a:t>
+            </a:r>
+            <a:r>
+              <a:rPr b="0" lang="en-US" sz="3200" spc="-1" strike="noStrike" baseline="33000">
+                <a:solidFill>
+                  <a:srgbClr val="ffffff"/>
+                </a:solidFill>
+                <a:highlight>
+                  <a:srgbClr val="ffaa95"/>
+                </a:highlight>
+                <a:latin typeface="Arial"/>
+              </a:rPr>
+              <a:t>2</a:t>
+            </a:r>
+            <a:r>
+              <a:rPr b="0" lang="en-US" sz="3200" spc="-1" strike="noStrike">
+                <a:solidFill>
+                  <a:srgbClr val="ffffff"/>
+                </a:solidFill>
+                <a:highlight>
+                  <a:srgbClr val="ffaa95"/>
+                </a:highlight>
+                <a:latin typeface="Arial"/>
+              </a:rPr>
+              <a:t>)</a:t>
+            </a:r>
+            <a:r>
+              <a:rPr b="0" lang="en-US" sz="3200" spc="-1" strike="noStrike">
+                <a:solidFill>
+                  <a:srgbClr val="ffffff"/>
+                </a:solidFill>
+                <a:latin typeface="Arial"/>
+              </a:rPr>
+              <a:t> + (3 * 31</a:t>
+            </a:r>
+            <a:r>
+              <a:rPr b="0" lang="en-US" sz="3200" spc="-1" strike="noStrike" baseline="33000">
+                <a:solidFill>
+                  <a:srgbClr val="ffffff"/>
+                </a:solidFill>
+                <a:latin typeface="Arial"/>
+              </a:rPr>
+              <a:t>1</a:t>
+            </a:r>
+            <a:r>
+              <a:rPr b="0" lang="en-US" sz="3200" spc="-1" strike="noStrike">
+                <a:solidFill>
+                  <a:srgbClr val="ffffff"/>
+                </a:solidFill>
+                <a:latin typeface="Arial"/>
+              </a:rPr>
+              <a:t>) + (4 * 31</a:t>
+            </a:r>
+            <a:r>
+              <a:rPr b="0" lang="en-US" sz="3200" spc="-1" strike="noStrike" baseline="33000">
+                <a:solidFill>
+                  <a:srgbClr val="ffffff"/>
+                </a:solidFill>
+                <a:latin typeface="Arial"/>
+              </a:rPr>
+              <a:t>0</a:t>
+            </a:r>
+            <a:r>
+              <a:rPr b="0" lang="en-US" sz="3200" spc="-1" strike="noStrike">
+                <a:solidFill>
+                  <a:srgbClr val="ffffff"/>
+                </a:solidFill>
+                <a:latin typeface="Arial"/>
+              </a:rPr>
+              <a:t>) = 2019</a:t>
+            </a:r>
+            <a:endParaRPr b="0" lang="en-US" sz="3200" spc="-1" strike="noStrike">
+              <a:solidFill>
+                <a:srgbClr val="ffffff"/>
+              </a:solidFill>
+              <a:latin typeface="Arial"/>
+            </a:endParaRPr>
+          </a:p>
+          <a:p>
+            <a:pPr indent="0">
+              <a:lnSpc>
+                <a:spcPct val="100000"/>
+              </a:lnSpc>
+              <a:spcBef>
+                <a:spcPts val="1417"/>
+              </a:spcBef>
+              <a:buNone/>
+            </a:pPr>
+            <a:r>
+              <a:rPr b="0" lang="en-US" sz="3200" spc="-1" strike="noStrike">
+                <a:solidFill>
+                  <a:srgbClr val="ffffff"/>
+                </a:solidFill>
+                <a:latin typeface="Arial"/>
+                <a:ea typeface="Source Han Sans CN"/>
+              </a:rPr>
+              <a:t>H(t[2..4]) = 31 [</a:t>
+            </a:r>
+            <a:r>
+              <a:rPr b="0" lang="en-US" sz="3200" spc="-1" strike="noStrike">
+                <a:solidFill>
+                  <a:srgbClr val="ffffff"/>
+                </a:solidFill>
+                <a:latin typeface="Arial"/>
+              </a:rPr>
+              <a:t>(3 * 31</a:t>
+            </a:r>
+            <a:r>
+              <a:rPr b="0" lang="en-US" sz="3200" spc="-1" strike="noStrike" baseline="33000">
+                <a:solidFill>
+                  <a:srgbClr val="ffffff"/>
+                </a:solidFill>
+                <a:latin typeface="Arial"/>
+              </a:rPr>
+              <a:t>1</a:t>
+            </a:r>
+            <a:r>
+              <a:rPr b="0" lang="en-US" sz="3200" spc="-1" strike="noStrike">
+                <a:solidFill>
+                  <a:srgbClr val="ffffff"/>
+                </a:solidFill>
+                <a:latin typeface="Arial"/>
+              </a:rPr>
+              <a:t>) + (4 * 31</a:t>
+            </a:r>
+            <a:r>
+              <a:rPr b="0" lang="en-US" sz="3200" spc="-1" strike="noStrike" baseline="33000">
+                <a:solidFill>
+                  <a:srgbClr val="ffffff"/>
+                </a:solidFill>
+                <a:latin typeface="Arial"/>
+              </a:rPr>
+              <a:t>0</a:t>
+            </a:r>
+            <a:r>
+              <a:rPr b="0" lang="en-US" sz="3200" spc="-1" strike="noStrike">
+                <a:solidFill>
+                  <a:srgbClr val="ffffff"/>
+                </a:solidFill>
+                <a:latin typeface="Arial"/>
+              </a:rPr>
+              <a:t>)] + </a:t>
+            </a:r>
+            <a:r>
+              <a:rPr b="0" lang="en-US" sz="3200" spc="-1" strike="noStrike">
+                <a:solidFill>
+                  <a:srgbClr val="ffffff"/>
+                </a:solidFill>
+                <a:highlight>
+                  <a:srgbClr val="81d41a"/>
+                </a:highlight>
+                <a:latin typeface="Arial"/>
+              </a:rPr>
+              <a:t>(1 * 31</a:t>
+            </a:r>
+            <a:r>
+              <a:rPr b="0" lang="en-US" sz="3200" spc="-1" strike="noStrike" baseline="33000">
+                <a:solidFill>
+                  <a:srgbClr val="ffffff"/>
+                </a:solidFill>
+                <a:highlight>
+                  <a:srgbClr val="81d41a"/>
+                </a:highlight>
+                <a:latin typeface="Arial"/>
+              </a:rPr>
+              <a:t>0</a:t>
+            </a:r>
+            <a:r>
+              <a:rPr b="0" lang="en-US" sz="3200" spc="-1" strike="noStrike">
+                <a:solidFill>
+                  <a:srgbClr val="ffffff"/>
+                </a:solidFill>
+                <a:highlight>
+                  <a:srgbClr val="81d41a"/>
+                </a:highlight>
+                <a:latin typeface="Arial"/>
+              </a:rPr>
+              <a:t>)</a:t>
+            </a:r>
+            <a:r>
+              <a:rPr b="0" lang="en-US" sz="3200" spc="-1" strike="noStrike">
+                <a:solidFill>
+                  <a:srgbClr val="ffffff"/>
+                </a:solidFill>
+                <a:latin typeface="Arial"/>
+              </a:rPr>
+              <a:t> = 2977</a:t>
+            </a:r>
+            <a:endParaRPr b="0" lang="en-US" sz="3200" spc="-1" strike="noStrike">
+              <a:solidFill>
+                <a:srgbClr val="ffffff"/>
+              </a:solidFill>
+              <a:latin typeface="Arial"/>
+            </a:endParaRPr>
+          </a:p>
+          <a:p>
+            <a:pPr indent="0">
+              <a:lnSpc>
+                <a:spcPct val="100000"/>
+              </a:lnSpc>
+              <a:spcBef>
+                <a:spcPts val="1417"/>
+              </a:spcBef>
+              <a:buNone/>
+            </a:pPr>
+            <a:r>
+              <a:rPr b="0" lang="en-US" sz="3200" spc="-1" strike="noStrike">
+                <a:solidFill>
+                  <a:srgbClr val="ffffff"/>
+                </a:solidFill>
+                <a:latin typeface="Arial"/>
+              </a:rPr>
+              <a:t>3008 =</a:t>
+            </a:r>
+            <a:r>
+              <a:rPr b="0" lang="en-US" sz="3200" spc="-1" strike="noStrike">
+                <a:solidFill>
+                  <a:srgbClr val="ffffff"/>
+                </a:solidFill>
+                <a:latin typeface="DejaVu Sans"/>
+                <a:ea typeface="DejaVu Sans"/>
+              </a:rPr>
+              <a:t> 3008 </a:t>
+            </a:r>
+            <a:r>
+              <a:rPr b="0" lang="en-US" sz="3200" spc="-1" strike="noStrike">
+                <a:solidFill>
+                  <a:srgbClr val="ffffff"/>
+                </a:solidFill>
+                <a:latin typeface="DejaVu Sans"/>
+                <a:ea typeface="DejaVu Sans"/>
+              </a:rPr>
+              <a:t>✓</a:t>
+            </a:r>
+            <a:endParaRPr b="0" lang="en-US" sz="3200" spc="-1" strike="noStrike">
+              <a:solidFill>
+                <a:srgbClr val="ffffff"/>
+              </a:solidFill>
+              <a:latin typeface="Arial"/>
+            </a:endParaRPr>
+          </a:p>
+          <a:p>
+            <a:pPr indent="0">
+              <a:lnSpc>
+                <a:spcPct val="100000"/>
+              </a:lnSpc>
+              <a:spcBef>
+                <a:spcPts val="1417"/>
+              </a:spcBef>
+              <a:buNone/>
+            </a:pPr>
+            <a:r>
+              <a:rPr b="0" lang="en-US" sz="3200" spc="-1" strike="noStrike">
+                <a:solidFill>
+                  <a:srgbClr val="ffffff"/>
+                </a:solidFill>
+                <a:latin typeface="DejaVu Sans"/>
+                <a:ea typeface="DejaVu Sans"/>
+              </a:rPr>
+              <a:t>Match! Therefore return the index of the occurrence, which </a:t>
+            </a:r>
+            <a:r>
+              <a:rPr b="0" lang="en-US" sz="3200" spc="-1" strike="noStrike">
+                <a:solidFill>
+                  <a:srgbClr val="ffffff"/>
+                </a:solidFill>
+                <a:latin typeface="DejaVu Sans"/>
+                <a:ea typeface="DejaVu Sans"/>
+              </a:rPr>
+              <a:t>is 2 in this case.</a:t>
+            </a:r>
+            <a:endParaRPr b="0" lang="en-US" sz="3200" spc="-1" strike="noStrike">
+              <a:solidFill>
+                <a:srgbClr val="ffffff"/>
+              </a:solidFill>
+              <a:latin typeface="Arial"/>
+            </a:endParaRPr>
+          </a:p>
+        </p:txBody>
+      </p:sp>
+      <p:pic>
+        <p:nvPicPr>
+          <p:cNvPr id="351" name="" descr=""/>
+          <p:cNvPicPr/>
+          <p:nvPr/>
+        </p:nvPicPr>
+        <p:blipFill>
+          <a:blip r:embed="rId1"/>
+          <a:stretch/>
+        </p:blipFill>
+        <p:spPr>
+          <a:xfrm>
+            <a:off x="7772400" y="2743200"/>
+            <a:ext cx="2256480" cy="789840"/>
+          </a:xfrm>
+          <a:prstGeom prst="rect">
+            <a:avLst/>
+          </a:prstGeom>
+          <a:ln w="0">
+            <a:noFill/>
+          </a:ln>
+        </p:spPr>
+      </p:pic>
+      <p:sp>
+        <p:nvSpPr>
+          <p:cNvPr id="352" name=""/>
+          <p:cNvSpPr txBox="1"/>
+          <p:nvPr/>
+        </p:nvSpPr>
+        <p:spPr>
+          <a:xfrm>
+            <a:off x="7772400" y="2057400"/>
+            <a:ext cx="2286000" cy="346320"/>
+          </a:xfrm>
+          <a:prstGeom prst="rect">
+            <a:avLst/>
+          </a:prstGeom>
+          <a:noFill/>
+          <a:ln w="0">
+            <a:noFill/>
+          </a:ln>
+        </p:spPr>
+        <p:txBody>
+          <a:bodyPr lIns="90000" rIns="90000" tIns="45000" bIns="45000" anchor="t">
             <a:noAutofit/>
           </a:bodyPr>
           <a:p>
-            <a:pPr indent="0" algn="ctr">
-              <a:buNone/>
-            </a:pPr>
+            <a:r>
+              <a:rPr b="0" lang="en-US" sz="1800" spc="-1" strike="noStrike">
+                <a:solidFill>
+                  <a:srgbClr val="ffffff"/>
+                </a:solidFill>
+                <a:latin typeface="Arial"/>
+              </a:rPr>
+              <a:t>Fingerprint function</a:t>
+            </a:r>
             <a:endParaRPr b="0" lang="en-US" sz="1800" spc="-1" strike="noStrike">
               <a:solidFill>
                 <a:srgbClr val="ffffff"/>
@@ -17955,7 +22157,7 @@
       </p:grpSpPr>
       <p:sp>
         <p:nvSpPr>
-          <p:cNvPr id="307" name="PlaceHolder 1"/>
+          <p:cNvPr id="353" name="PlaceHolder 1"/>
           <p:cNvSpPr>
             <a:spLocks noGrp="1"/>
           </p:cNvSpPr>
@@ -17966,7 +22168,7 @@
         <p:spPr>
           <a:xfrm>
             <a:off x="609120" y="273600"/>
-            <a:ext cx="10968480" cy="1143720"/>
+            <a:ext cx="10967760" cy="1143000"/>
           </a:xfrm>
           <a:prstGeom prst="rect">
             <a:avLst/>
@@ -17997,7 +22199,7 @@
                 </a:solidFill>
                 <a:latin typeface="Arial"/>
               </a:rPr>
-              <a:t>TODO</a:t>
+              <a:t>Rabin-Karp Algorithm</a:t>
             </a:r>
             <a:endParaRPr b="0" lang="en-US" sz="4400" spc="-1" strike="noStrike">
               <a:solidFill>
@@ -18010,7 +22212,7 @@
       </p:sp>
       <p:sp>
         <p:nvSpPr>
-          <p:cNvPr id="308" name="PlaceHolder 2"/>
+          <p:cNvPr id="354" name="PlaceHolder 2"/>
           <p:cNvSpPr>
             <a:spLocks noGrp="1"/>
           </p:cNvSpPr>
@@ -18021,7 +22223,7 @@
         <p:spPr>
           <a:xfrm>
             <a:off x="609120" y="1604520"/>
-            <a:ext cx="10968480" cy="3976200"/>
+            <a:ext cx="5351040" cy="3975480"/>
           </a:xfrm>
           <a:prstGeom prst="rect">
             <a:avLst/>
@@ -18080,8 +22282,91 @@
                 </a:solidFill>
                 <a:latin typeface="Arial"/>
               </a:rPr>
-              <a:t>Show some animations for the rolling hash sliding window</a:t>
+              <a:t>Pros</a:t>
             </a:r>
+            <a:endParaRPr b="0" lang="en-US" sz="3200" spc="-1" strike="noStrike">
+              <a:solidFill>
+                <a:srgbClr val="ffffff"/>
+              </a:solidFill>
+              <a:latin typeface="Arial"/>
+            </a:endParaRPr>
+          </a:p>
+          <a:p>
+            <a:pPr lvl="1" marL="864000" indent="-324000">
+              <a:lnSpc>
+                <a:spcPct val="100000"/>
+              </a:lnSpc>
+              <a:spcBef>
+                <a:spcPts val="1134"/>
+              </a:spcBef>
+              <a:buClr>
+                <a:srgbClr val="ffffff"/>
+              </a:buClr>
+              <a:buSzPct val="75000"/>
+              <a:buFont typeface="Symbol"/>
+              <a:buChar char=""/>
+              <a:tabLst>
+                <a:tab algn="l" pos="0"/>
+              </a:tabLst>
+            </a:pPr>
+            <a:r>
+              <a:rPr b="0" lang="en-US" sz="3200" spc="-1" strike="noStrike">
+                <a:solidFill>
+                  <a:srgbClr val="ffffff"/>
+                </a:solidFill>
+                <a:latin typeface="Arial"/>
+              </a:rPr>
+              <a:t>More space efficient than KMP</a:t>
+            </a:r>
+            <a:endParaRPr b="0" lang="en-US" sz="3200" spc="-1" strike="noStrike">
+              <a:solidFill>
+                <a:srgbClr val="ffffff"/>
+              </a:solidFill>
+              <a:latin typeface="Arial"/>
+            </a:endParaRPr>
+          </a:p>
+        </p:txBody>
+      </p:sp>
+      <p:sp>
+        <p:nvSpPr>
+          <p:cNvPr id="355" name="PlaceHolder 3"/>
+          <p:cNvSpPr>
+            <a:spLocks noGrp="1"/>
+          </p:cNvSpPr>
+          <p:nvPr>
+            <p:ph/>
+          </p:nvPr>
+        </p:nvSpPr>
+        <p:spPr>
+          <a:xfrm>
+            <a:off x="6230160" y="1604520"/>
+            <a:ext cx="5351040" cy="3975480"/>
+          </a:xfrm>
+          <a:prstGeom prst="rect">
+            <a:avLst/>
+          </a:prstGeom>
+          <a:noFill/>
+          <a:ln w="0">
+            <a:noFill/>
+          </a:ln>
+        </p:spPr>
+        <p:txBody>
+          <a:bodyPr lIns="0" rIns="0" tIns="0" bIns="0" anchor="t">
+            <a:normAutofit fontScale="94000"/>
+          </a:bodyPr>
+          <a:p>
+            <a:pPr marL="432000" indent="0">
+              <a:lnSpc>
+                <a:spcPct val="100000"/>
+              </a:lnSpc>
+              <a:spcBef>
+                <a:spcPts val="1417"/>
+              </a:spcBef>
+              <a:buNone/>
+              <a:tabLst>
+                <a:tab algn="l" pos="0"/>
+              </a:tabLst>
+            </a:pPr>
             <a:endParaRPr b="0" lang="en-US" sz="3200" spc="-1" strike="noStrike">
               <a:solidFill>
                 <a:srgbClr val="ffffff"/>
@@ -18114,7 +22399,41 @@
                 </a:solidFill>
                 <a:latin typeface="Arial"/>
               </a:rPr>
-              <a:t>Show pseudo-code</a:t>
+              <a:t>Cons</a:t>
+            </a:r>
+            <a:endParaRPr b="0" lang="en-US" sz="3200" spc="-1" strike="noStrike">
+              <a:solidFill>
+                <a:srgbClr val="ffffff"/>
+              </a:solidFill>
+              <a:latin typeface="Arial"/>
+            </a:endParaRPr>
+          </a:p>
+          <a:p>
+            <a:pPr lvl="1" marL="864000" indent="-324000">
+              <a:lnSpc>
+                <a:spcPct val="100000"/>
+              </a:lnSpc>
+              <a:spcBef>
+                <a:spcPts val="1134"/>
+              </a:spcBef>
+              <a:buClr>
+                <a:srgbClr val="ffffff"/>
+              </a:buClr>
+              <a:buSzPct val="75000"/>
+              <a:buFont typeface="Symbol"/>
+              <a:buChar char=""/>
+              <a:tabLst>
+                <a:tab algn="l" pos="0"/>
+              </a:tabLst>
+            </a:pPr>
+            <a:r>
+              <a:rPr b="0" lang="en-US" sz="3200" spc="-1" strike="noStrike">
+                <a:solidFill>
+                  <a:srgbClr val="ffffff"/>
+                </a:solidFill>
+                <a:latin typeface="Arial"/>
+              </a:rPr>
+              <a:t>If your hash function is not properly created for the problem to be solved, then there would be more spurious hits than necessary.</a:t>
             </a:r>
             <a:endParaRPr b="0" lang="en-US" sz="3200" spc="-1" strike="noStrike">
               <a:solidFill>
@@ -18164,7 +22483,7 @@
       </p:grpSpPr>
       <p:sp>
         <p:nvSpPr>
-          <p:cNvPr id="309" name="PlaceHolder 1"/>
+          <p:cNvPr id="356" name="PlaceHolder 1"/>
           <p:cNvSpPr>
             <a:spLocks noGrp="1"/>
           </p:cNvSpPr>
@@ -18175,7 +22494,7 @@
         <p:spPr>
           <a:xfrm>
             <a:off x="609120" y="273600"/>
-            <a:ext cx="10968480" cy="1143720"/>
+            <a:ext cx="10967760" cy="1143000"/>
           </a:xfrm>
           <a:prstGeom prst="rect">
             <a:avLst/>
@@ -18206,7 +22525,7 @@
                 </a:solidFill>
                 <a:latin typeface="Arial"/>
               </a:rPr>
-              <a:t>Why this algorithm is at least a level 3</a:t>
+              <a:t>Time complexity</a:t>
             </a:r>
             <a:endParaRPr b="0" lang="en-US" sz="4400" spc="-1" strike="noStrike">
               <a:solidFill>
@@ -18219,39 +22538,77 @@
       </p:sp>
       <p:sp>
         <p:nvSpPr>
-          <p:cNvPr id="310" name="PlaceHolder 2"/>
-          <p:cNvSpPr>
-            <a:spLocks noGrp="1"/>
-          </p:cNvSpPr>
-          <p:nvPr>
-            <p:ph/>
+          <p:cNvPr id="357" name="PlaceHolder 2"/>
+          <p:cNvSpPr>
+            <a:spLocks noGrp="1"/>
+          </p:cNvSpPr>
+          <p:nvPr>
+            <p:ph type="subTitle"/>
           </p:nvPr>
         </p:nvSpPr>
         <p:spPr>
           <a:xfrm>
             <a:off x="609120" y="1604520"/>
-            <a:ext cx="10968480" cy="3976200"/>
-          </a:xfrm>
-          <a:prstGeom prst="rect">
-            <a:avLst/>
-          </a:prstGeom>
-          <a:noFill/>
-          <a:ln w="0">
-            <a:noFill/>
-          </a:ln>
-        </p:spPr>
-        <p:txBody>
-          <a:bodyPr lIns="0" rIns="0" tIns="0" bIns="0" anchor="t">
-            <a:normAutofit/>
-          </a:bodyPr>
-          <a:p>
-            <a:pPr indent="0">
-              <a:spcBef>
-                <a:spcPts val="1417"/>
-              </a:spcBef>
-              <a:buNone/>
-            </a:pPr>
-            <a:endParaRPr b="0" lang="en-US" sz="1800" spc="-1" strike="noStrike">
+            <a:ext cx="10967760" cy="3975480"/>
+          </a:xfrm>
+          <a:prstGeom prst="rect">
+            <a:avLst/>
+          </a:prstGeom>
+          <a:noFill/>
+          <a:ln w="0">
+            <a:noFill/>
+          </a:ln>
+        </p:spPr>
+        <p:txBody>
+          <a:bodyPr lIns="0" rIns="0" tIns="0" bIns="0" anchor="ctr">
+            <a:noAutofit/>
+          </a:bodyPr>
+          <a:p>
+            <a:pPr indent="0" algn="ctr">
+              <a:lnSpc>
+                <a:spcPct val="100000"/>
+              </a:lnSpc>
+              <a:buNone/>
+              <a:tabLst>
+                <a:tab algn="l" pos="0"/>
+              </a:tabLst>
+            </a:pPr>
+            <a:r>
+              <a:rPr b="0" lang="en-US" sz="3200" spc="-1" strike="noStrike">
+                <a:solidFill>
+                  <a:srgbClr val="ffffff"/>
+                </a:solidFill>
+                <a:latin typeface="Arial"/>
+              </a:rPr>
+              <a:t>Average case: O(n-m+1)</a:t>
+            </a:r>
+            <a:endParaRPr b="0" lang="en-US" sz="3200" spc="-1" strike="noStrike">
+              <a:solidFill>
+                <a:srgbClr val="ffffff"/>
+              </a:solidFill>
+              <a:latin typeface="Arial"/>
+            </a:endParaRPr>
+          </a:p>
+          <a:p>
+            <a:pPr indent="0" algn="ctr">
+              <a:lnSpc>
+                <a:spcPct val="100000"/>
+              </a:lnSpc>
+              <a:buNone/>
+              <a:tabLst>
+                <a:tab algn="l" pos="0"/>
+              </a:tabLst>
+            </a:pPr>
+            <a:r>
+              <a:rPr b="0" lang="en-US" sz="3200" spc="-1" strike="noStrike">
+                <a:solidFill>
+                  <a:srgbClr val="ffffff"/>
+                </a:solidFill>
+                <a:latin typeface="Arial"/>
+              </a:rPr>
+              <a:t>Worst case: O(mn)</a:t>
+            </a:r>
+            <a:endParaRPr b="0" lang="en-US" sz="3200" spc="-1" strike="noStrike">
               <a:solidFill>
                 <a:srgbClr val="ffffff"/>
               </a:solidFill>
@@ -18299,7 +22656,7 @@
       </p:grpSpPr>
       <p:sp>
         <p:nvSpPr>
-          <p:cNvPr id="311" name="PlaceHolder 1"/>
+          <p:cNvPr id="358" name="PlaceHolder 1"/>
           <p:cNvSpPr>
             <a:spLocks noGrp="1"/>
           </p:cNvSpPr>
@@ -18309,19 +22666,19 @@
         </p:nvSpPr>
         <p:spPr>
           <a:xfrm>
-            <a:off x="723600" y="723960"/>
-            <a:ext cx="10739520" cy="1102680"/>
-          </a:xfrm>
-          <a:prstGeom prst="rect">
-            <a:avLst/>
-          </a:prstGeom>
-          <a:noFill/>
-          <a:ln w="0">
-            <a:noFill/>
-          </a:ln>
-        </p:spPr>
-        <p:txBody>
-          <a:bodyPr lIns="0" rIns="0" tIns="0" bIns="0" anchor="b">
+            <a:off x="609120" y="273600"/>
+            <a:ext cx="10969200" cy="1144440"/>
+          </a:xfrm>
+          <a:prstGeom prst="rect">
+            <a:avLst/>
+          </a:prstGeom>
+          <a:noFill/>
+          <a:ln w="0">
+            <a:noFill/>
+          </a:ln>
+        </p:spPr>
+        <p:txBody>
+          <a:bodyPr lIns="0" rIns="0" tIns="0" bIns="0" anchor="ctr">
             <a:noAutofit/>
           </a:bodyPr>
           <a:p>
@@ -18335,15 +22692,15 @@
               </a:tabLst>
             </a:pPr>
             <a:r>
-              <a:rPr b="1" lang="en-US" sz="2400" spc="-1" strike="noStrike">
+              <a:rPr b="0" lang="en-US" sz="4400" spc="-1" strike="noStrike">
                 <a:solidFill>
                   <a:srgbClr val="ffffff"/>
                 </a:solidFill>
-                <a:latin typeface="Arial Black"/>
-              </a:rPr>
-              <a:t>References</a:t>
+                <a:latin typeface="Arial"/>
+              </a:rPr>
+              <a:t>Worst Case Example</a:t>
             </a:r>
-            <a:endParaRPr b="0" lang="en-US" sz="2400" spc="-1" strike="noStrike">
+            <a:endParaRPr b="0" lang="en-US" sz="4400" spc="-1" strike="noStrike">
               <a:solidFill>
                 <a:srgbClr val="ffffff"/>
               </a:solidFill>
@@ -18354,7 +22711,7 @@
       </p:sp>
       <p:sp>
         <p:nvSpPr>
-          <p:cNvPr id="312" name="PlaceHolder 2"/>
+          <p:cNvPr id="359" name="PlaceHolder 2"/>
           <p:cNvSpPr>
             <a:spLocks noGrp="1"/>
           </p:cNvSpPr>
@@ -18364,8 +22721,8 @@
         </p:nvSpPr>
         <p:spPr>
           <a:xfrm>
-            <a:off x="723600" y="2342520"/>
-            <a:ext cx="10739520" cy="3751920"/>
+            <a:off x="609120" y="1604520"/>
+            <a:ext cx="10969200" cy="3976920"/>
           </a:xfrm>
           <a:prstGeom prst="rect">
             <a:avLst/>
@@ -18377,31 +22734,22 @@
         </p:spPr>
         <p:txBody>
           <a:bodyPr lIns="0" rIns="0" tIns="0" bIns="0" anchor="t">
-            <a:noAutofit/>
-          </a:bodyPr>
-          <a:p>
-            <a:pPr indent="0">
+            <a:normAutofit/>
+          </a:bodyPr>
+          <a:p>
+            <a:pPr marL="432000" indent="0">
               <a:lnSpc>
-                <a:spcPct val="150000"/>
+                <a:spcPct val="100000"/>
               </a:lnSpc>
-              <a:spcAft>
-                <a:spcPts val="1001"/>
-              </a:spcAft>
+              <a:spcBef>
+                <a:spcPts val="1417"/>
+              </a:spcBef>
               <a:buNone/>
               <a:tabLst>
                 <a:tab algn="l" pos="0"/>
               </a:tabLst>
             </a:pPr>
-            <a:r>
-              <a:rPr b="0" lang="en-US" sz="1800" spc="-1" strike="noStrike">
-                <a:solidFill>
-                  <a:srgbClr val="ffffff"/>
-                </a:solidFill>
-                <a:latin typeface="Arial"/>
-              </a:rPr>
-              <a:t>- R. M. Karp and M. O. Rabin, "Efficient randomized pattern-matching algorithms," in IBM Journal of Research and Development, vol. 31, no. 2, pp. 249-260, March 1987, doi: 10.1147/rd.312.0249.</a:t>
-            </a:r>
-            <a:endParaRPr b="0" lang="en-US" sz="1800" spc="-1" strike="noStrike">
+            <a:endParaRPr b="0" lang="en-US" sz="3200" spc="-1" strike="noStrike">
               <a:solidFill>
                 <a:srgbClr val="ffffff"/>
               </a:solidFill>
@@ -18409,19 +22757,67 @@
             </a:endParaRPr>
           </a:p>
           <a:p>
-            <a:pPr indent="0">
+            <a:pPr marL="432000" indent="-324000">
               <a:lnSpc>
-                <a:spcPct val="150000"/>
+                <a:spcPct val="100000"/>
               </a:lnSpc>
-              <a:spcAft>
-                <a:spcPts val="1001"/>
-              </a:spcAft>
-              <a:buNone/>
+              <a:spcBef>
+                <a:spcPts val="1417"/>
+              </a:spcBef>
+              <a:buClr>
+                <a:srgbClr val="ffffff"/>
+              </a:buClr>
+              <a:buSzPct val="45000"/>
+              <a:buFont typeface="Wingdings" charset="2"/>
+              <a:buChar char=""/>
               <a:tabLst>
                 <a:tab algn="l" pos="0"/>
               </a:tabLst>
             </a:pPr>
-            <a:endParaRPr b="0" lang="en-US" sz="1800" spc="-1" strike="noStrike">
+            <a:r>
+              <a:rPr b="0" lang="en-US" sz="3200" spc="-1" strike="noStrike">
+                <a:solidFill>
+                  <a:srgbClr val="ffffff"/>
+                </a:solidFill>
+                <a:latin typeface="Arial"/>
+              </a:rPr>
+              <a:t>T = c c a c c a a e d b a</a:t>
+            </a:r>
+            <a:endParaRPr b="0" lang="en-US" sz="3200" spc="-1" strike="noStrike">
+              <a:solidFill>
+                <a:srgbClr val="ffffff"/>
+              </a:solidFill>
+              <a:latin typeface="Arial"/>
+            </a:endParaRPr>
+          </a:p>
+          <a:p>
+            <a:pPr marL="432000" indent="-324000">
+              <a:lnSpc>
+                <a:spcPct val="100000"/>
+              </a:lnSpc>
+              <a:spcBef>
+                <a:spcPts val="1417"/>
+              </a:spcBef>
+              <a:buClr>
+                <a:srgbClr val="ffffff"/>
+              </a:buClr>
+              <a:buSzPct val="45000"/>
+              <a:buFont typeface="Wingdings" charset="2"/>
+              <a:buChar char=""/>
+              <a:tabLst>
+                <a:tab algn="l" pos="0"/>
+              </a:tabLst>
+            </a:pPr>
+            <a:r>
+              <a:rPr b="0" lang="en-US" sz="3200" spc="-1" strike="noStrike">
+                <a:solidFill>
+                  <a:srgbClr val="ffffff"/>
+                </a:solidFill>
+                <a:latin typeface="Arial"/>
+              </a:rPr>
+              <a:t>P = d b a</a:t>
+            </a:r>
+            <a:endParaRPr b="0" lang="en-US" sz="3200" spc="-1" strike="noStrike">
               <a:solidFill>
                 <a:srgbClr val="ffffff"/>
               </a:solidFill>
@@ -20023,4 +24419,230 @@
     </a:fmtScheme>
   </a:themeElements>
 </a:theme>
+</file>
+
+<file path=ppt/theme/theme8.xml><?xml version="1.0" encoding="utf-8"?>
+<a:theme xmlns:a="http://schemas.openxmlformats.org/drawingml/2006/main" name="UCF - Single Column Content Slides">
+  <a:themeElements>
+    <a:clrScheme name="UCF Brand PPT - Sept 2022">
+      <a:dk1>
+        <a:srgbClr val="000000"/>
+      </a:dk1>
+      <a:lt1>
+        <a:srgbClr val="ffffff"/>
+      </a:lt1>
+      <a:dk2>
+        <a:srgbClr val="505050"/>
+      </a:dk2>
+      <a:lt2>
+        <a:srgbClr val="f0f0f0"/>
+      </a:lt2>
+      <a:accent1>
+        <a:srgbClr val="f8c323"/>
+      </a:accent1>
+      <a:accent2>
+        <a:srgbClr val="fff1b7"/>
+      </a:accent2>
+      <a:accent3>
+        <a:srgbClr val="8d949b"/>
+      </a:accent3>
+      <a:accent4>
+        <a:srgbClr val="d6d6d6"/>
+      </a:accent4>
+      <a:accent5>
+        <a:srgbClr val="1a1918"/>
+      </a:accent5>
+      <a:accent6>
+        <a:srgbClr val="c5bba4"/>
+      </a:accent6>
+      <a:hlink>
+        <a:srgbClr val="00abf0"/>
+      </a:hlink>
+      <a:folHlink>
+        <a:srgbClr val="747fd0"/>
+      </a:folHlink>
+    </a:clrScheme>
+    <a:fontScheme name="Office">
+      <a:majorFont>
+        <a:latin typeface="Arial"/>
+        <a:ea typeface="DejaVu Sans"/>
+        <a:cs typeface="DejaVu Sans"/>
+      </a:majorFont>
+      <a:minorFont>
+        <a:latin typeface="Arial"/>
+        <a:ea typeface="DejaVu Sans"/>
+        <a:cs typeface="DejaVu Sans"/>
+      </a:minorFont>
+    </a:fontScheme>
+    <a:fmtScheme name="Office">
+      <a:fillStyleLst>
+        <a:solidFill>
+          <a:schemeClr val="phClr"/>
+        </a:solidFill>
+        <a:gradFill rotWithShape="1">
+          <a:gsLst>
+            <a:gs pos="0">
+              <a:schemeClr val="phClr">
+                <a:tint val="50000"/>
+                <a:satMod val="300000"/>
+              </a:schemeClr>
+            </a:gs>
+            <a:gs pos="35000">
+              <a:schemeClr val="phClr">
+                <a:tint val="37000"/>
+                <a:satMod val="300000"/>
+              </a:schemeClr>
+            </a:gs>
+            <a:gs pos="100000">
+              <a:schemeClr val="phClr">
+                <a:tint val="15000"/>
+                <a:satMod val="350000"/>
+              </a:schemeClr>
+            </a:gs>
+          </a:gsLst>
+          <a:lin ang="16200000" scaled="1"/>
+        </a:gradFill>
+        <a:gradFill rotWithShape="1">
+          <a:gsLst>
+            <a:gs pos="0">
+              <a:schemeClr val="phClr">
+                <a:shade val="51000"/>
+                <a:satMod val="130000"/>
+              </a:schemeClr>
+            </a:gs>
+            <a:gs pos="80000">
+              <a:schemeClr val="phClr">
+                <a:shade val="93000"/>
+                <a:satMod val="130000"/>
+              </a:schemeClr>
+            </a:gs>
+            <a:gs pos="100000">
+              <a:schemeClr val="phClr">
+                <a:shade val="94000"/>
+                <a:satMod val="135000"/>
+              </a:schemeClr>
+            </a:gs>
+          </a:gsLst>
+          <a:lin ang="16200000" scaled="0"/>
+        </a:gradFill>
+      </a:fillStyleLst>
+      <a:lnStyleLst>
+        <a:ln w="9525" cap="flat" cmpd="sng" algn="ctr">
+          <a:solidFill>
+            <a:schemeClr val="phClr">
+              <a:shade val="95000"/>
+              <a:satMod val="105000"/>
+            </a:schemeClr>
+          </a:solidFill>
+          <a:prstDash val="solid"/>
+          <a:miter/>
+        </a:ln>
+        <a:ln w="25400" cap="flat" cmpd="sng" algn="ctr">
+          <a:solidFill>
+            <a:schemeClr val="phClr"/>
+          </a:solidFill>
+          <a:prstDash val="solid"/>
+          <a:miter/>
+        </a:ln>
+        <a:ln w="38100" cap="flat" cmpd="sng" algn="ctr">
+          <a:solidFill>
+            <a:schemeClr val="phClr"/>
+          </a:solidFill>
+          <a:prstDash val="solid"/>
+          <a:miter/>
+        </a:ln>
+      </a:lnStyleLst>
+      <a:effectStyleLst>
+        <a:effectStyle>
+          <a:effectLst>
+            <a:outerShdw blurRad="40000" dist="20000" dir="5400000" rotWithShape="0">
+              <a:srgbClr val="000000">
+                <a:alpha val="38000"/>
+              </a:srgbClr>
+            </a:outerShdw>
+          </a:effectLst>
+        </a:effectStyle>
+        <a:effectStyle>
+          <a:effectLst>
+            <a:outerShdw blurRad="40000" dist="23000" dir="5400000" rotWithShape="0">
+              <a:srgbClr val="000000">
+                <a:alpha val="35000"/>
+              </a:srgbClr>
+            </a:outerShdw>
+          </a:effectLst>
+        </a:effectStyle>
+        <a:effectStyle>
+          <a:effectLst>
+            <a:outerShdw blurRad="40000" dist="23000" dir="5400000" rotWithShape="0">
+              <a:srgbClr val="000000">
+                <a:alpha val="35000"/>
+              </a:srgbClr>
+            </a:outerShdw>
+          </a:effectLst>
+          <a:scene3d>
+            <a:camera prst="orthographicFront">
+              <a:rot lat="0" lon="0" rev="0"/>
+            </a:camera>
+            <a:lightRig rig="threePt" dir="t">
+              <a:rot lat="0" lon="0" rev="1200000"/>
+            </a:lightRig>
+          </a:scene3d>
+          <a:sp3d>
+            <a:bevelT w="63500" h="25400"/>
+          </a:sp3d>
+        </a:effectStyle>
+      </a:effectStyleLst>
+      <a:bgFillStyleLst>
+        <a:solidFill>
+          <a:schemeClr val="phClr"/>
+        </a:solidFill>
+        <a:gradFill rotWithShape="1">
+          <a:gsLst>
+            <a:gs pos="0">
+              <a:schemeClr val="phClr">
+                <a:tint val="40000"/>
+                <a:satMod val="350000"/>
+              </a:schemeClr>
+            </a:gs>
+            <a:gs pos="40000">
+              <a:schemeClr val="phClr">
+                <a:tint val="45000"/>
+                <a:shade val="99000"/>
+                <a:satMod val="350000"/>
+              </a:schemeClr>
+            </a:gs>
+            <a:gs pos="100000">
+              <a:schemeClr val="phClr">
+                <a:shade val="20000"/>
+                <a:satMod val="255000"/>
+              </a:schemeClr>
+            </a:gs>
+          </a:gsLst>
+          <a:path path="circle">
+            <a:fillToRect l="50000" t="-80000" r="50000" b="180000"/>
+          </a:path>
+        </a:gradFill>
+        <a:gradFill rotWithShape="1">
+          <a:gsLst>
+            <a:gs pos="0">
+              <a:schemeClr val="phClr">
+                <a:tint val="80000"/>
+                <a:satMod val="300000"/>
+              </a:schemeClr>
+            </a:gs>
+            <a:gs pos="100000">
+              <a:schemeClr val="phClr">
+                <a:shade val="30000"/>
+                <a:satMod val="200000"/>
+              </a:schemeClr>
+            </a:gs>
+          </a:gsLst>
+          <a:path path="circle">
+            <a:fillToRect l="50000" t="50000" r="50000" b="50000"/>
+          </a:path>
+        </a:gradFill>
+      </a:bgFillStyleLst>
+    </a:fmtScheme>
+  </a:themeElements>
+</a:theme>
 </file>
--- a/CAP6515/paper_presentation_files/rabin-karp-presentation.pptx
+++ b/CAP6515/paper_presentation_files/rabin-karp-presentation.pptx
@@ -26,6 +26,11 @@
     <p:sldId id="267" r:id="rId21"/>
     <p:sldId id="268" r:id="rId22"/>
     <p:sldId id="269" r:id="rId23"/>
+    <p:sldId id="270" r:id="rId24"/>
+    <p:sldId id="271" r:id="rId25"/>
+    <p:sldId id="272" r:id="rId26"/>
+    <p:sldId id="273" r:id="rId27"/>
+    <p:sldId id="274" r:id="rId28"/>
   </p:sldIdLst>
   <p:sldSz cx="12188825" cy="6858000"/>
   <p:notesSz cx="7772400" cy="10058400"/>
@@ -14257,7 +14262,7 @@
         <p:spPr>
           <a:xfrm>
             <a:off x="723600" y="6432480"/>
-            <a:ext cx="2049480" cy="151920"/>
+            <a:ext cx="2049120" cy="151920"/>
           </a:xfrm>
           <a:prstGeom prst="rect">
             <a:avLst/>
@@ -14314,7 +14319,7 @@
         <p:spPr>
           <a:xfrm>
             <a:off x="9412920" y="6432480"/>
-            <a:ext cx="2049480" cy="151920"/>
+            <a:ext cx="2049120" cy="151920"/>
           </a:xfrm>
           <a:prstGeom prst="rect">
             <a:avLst/>
@@ -14350,7 +14355,7 @@
               </a:rPr>
               <a:t>Page </a:t>
             </a:r>
-            <a:fld id="{E7B9A7A9-7720-484A-BD04-1659798782A6}" type="slidenum">
+            <a:fld id="{F30F440D-9902-4D4C-B7F3-BF889F69EBF2}" type="slidenum">
               <a:rPr b="0" lang="en-US" sz="1000" spc="-1" strike="noStrike">
                 <a:solidFill>
                   <a:srgbClr val="787878"/>
@@ -14358,7 +14363,7 @@
                 <a:latin typeface="Arial"/>
                 <a:ea typeface="Verdana"/>
               </a:rPr>
-              <a:t>6</a:t>
+              <a:t>&lt;number&gt;</a:t>
             </a:fld>
             <a:endParaRPr b="0" lang="en-US" sz="1000" spc="-1" strike="noStrike">
               <a:solidFill>
@@ -14378,7 +14383,7 @@
         <p:spPr>
           <a:xfrm>
             <a:off x="360" y="0"/>
-            <a:ext cx="12186360" cy="6855480"/>
+            <a:ext cx="12186000" cy="6855120"/>
           </a:xfrm>
           <a:prstGeom prst="rect">
             <a:avLst/>
@@ -14433,7 +14438,7 @@
         <p:spPr>
           <a:xfrm>
             <a:off x="728640" y="729000"/>
-            <a:ext cx="10728360" cy="5380200"/>
+            <a:ext cx="10728000" cy="5379840"/>
           </a:xfrm>
           <a:prstGeom prst="rect">
             <a:avLst/>
@@ -14488,7 +14493,7 @@
         <p:spPr>
           <a:xfrm>
             <a:off x="4552920" y="3719880"/>
-            <a:ext cx="3088440" cy="2520"/>
+            <a:ext cx="3088800" cy="2880"/>
           </a:xfrm>
           <a:prstGeom prst="straightConnector1">
             <a:avLst/>
@@ -14514,7 +14519,7 @@
         <p:spPr>
           <a:xfrm>
             <a:off x="5827680" y="723960"/>
-            <a:ext cx="531000" cy="715320"/>
+            <a:ext cx="530640" cy="714960"/>
           </a:xfrm>
           <a:prstGeom prst="rect">
             <a:avLst/>
@@ -14851,7 +14856,7 @@
         <p:spPr>
           <a:xfrm>
             <a:off x="723600" y="6432480"/>
-            <a:ext cx="2049480" cy="151920"/>
+            <a:ext cx="2049120" cy="151920"/>
           </a:xfrm>
           <a:prstGeom prst="rect">
             <a:avLst/>
@@ -14908,7 +14913,7 @@
         <p:spPr>
           <a:xfrm>
             <a:off x="9412920" y="6432480"/>
-            <a:ext cx="2049480" cy="151920"/>
+            <a:ext cx="2049120" cy="151920"/>
           </a:xfrm>
           <a:prstGeom prst="rect">
             <a:avLst/>
@@ -14944,7 +14949,7 @@
               </a:rPr>
               <a:t>Page </a:t>
             </a:r>
-            <a:fld id="{355849A9-3244-4686-8D6B-74ACB1A3B210}" type="slidenum">
+            <a:fld id="{79687ED0-2FD4-45F2-B41D-BD3BA74617DD}" type="slidenum">
               <a:rPr b="0" lang="en-US" sz="1000" spc="-1" strike="noStrike">
                 <a:solidFill>
                   <a:srgbClr val="787878"/>
@@ -14972,7 +14977,7 @@
         <p:spPr>
           <a:xfrm>
             <a:off x="723600" y="1943640"/>
-            <a:ext cx="559080" cy="2520"/>
+            <a:ext cx="559440" cy="2880"/>
           </a:xfrm>
           <a:prstGeom prst="straightConnector1">
             <a:avLst/>
@@ -15537,7 +15542,7 @@
         <p:spPr>
           <a:xfrm>
             <a:off x="723600" y="6432480"/>
-            <a:ext cx="2049480" cy="151920"/>
+            <a:ext cx="2049120" cy="151920"/>
           </a:xfrm>
           <a:prstGeom prst="rect">
             <a:avLst/>
@@ -15594,7 +15599,7 @@
         <p:spPr>
           <a:xfrm>
             <a:off x="9412920" y="6432480"/>
-            <a:ext cx="2049480" cy="151920"/>
+            <a:ext cx="2049120" cy="151920"/>
           </a:xfrm>
           <a:prstGeom prst="rect">
             <a:avLst/>
@@ -15630,7 +15635,7 @@
               </a:rPr>
               <a:t>Page </a:t>
             </a:r>
-            <a:fld id="{41B092E6-F398-4055-A6A7-68871AD22CE7}" type="slidenum">
+            <a:fld id="{952E8EAD-EF47-42E5-9FBF-416EAB964C28}" type="slidenum">
               <a:rPr b="0" lang="en-US" sz="1000" spc="-1" strike="noStrike">
                 <a:solidFill>
                   <a:srgbClr val="787878"/>
@@ -15658,7 +15663,7 @@
         <p:spPr>
           <a:xfrm>
             <a:off x="723600" y="1943640"/>
-            <a:ext cx="559080" cy="2520"/>
+            <a:ext cx="559440" cy="2880"/>
           </a:xfrm>
           <a:prstGeom prst="straightConnector1">
             <a:avLst/>
@@ -16223,7 +16228,7 @@
         <p:spPr>
           <a:xfrm>
             <a:off x="723600" y="6432480"/>
-            <a:ext cx="2049480" cy="151920"/>
+            <a:ext cx="2049120" cy="151920"/>
           </a:xfrm>
           <a:prstGeom prst="rect">
             <a:avLst/>
@@ -16280,7 +16285,7 @@
         <p:spPr>
           <a:xfrm>
             <a:off x="9412920" y="6432480"/>
-            <a:ext cx="2049480" cy="151920"/>
+            <a:ext cx="2049120" cy="151920"/>
           </a:xfrm>
           <a:prstGeom prst="rect">
             <a:avLst/>
@@ -16316,7 +16321,7 @@
               </a:rPr>
               <a:t>Page </a:t>
             </a:r>
-            <a:fld id="{754CB6BC-A368-48BD-BA42-6360438230B0}" type="slidenum">
+            <a:fld id="{5891AA62-5229-4CF7-988F-F4B7F458E9B9}" type="slidenum">
               <a:rPr b="0" lang="en-US" sz="1000" spc="-1" strike="noStrike">
                 <a:solidFill>
                   <a:srgbClr val="787878"/>
@@ -16344,7 +16349,7 @@
         <p:spPr>
           <a:xfrm>
             <a:off x="723600" y="1943640"/>
-            <a:ext cx="559080" cy="2520"/>
+            <a:ext cx="559440" cy="2880"/>
           </a:xfrm>
           <a:prstGeom prst="straightConnector1">
             <a:avLst/>
@@ -16452,16 +16457,7 @@
                 </a:solidFill>
                 <a:latin typeface="Arial"/>
               </a:rPr>
-              <a:t>Click to edit the outline </a:t>
-            </a:r>
-            <a:r>
-              <a:rPr b="0" lang="en-US" sz="3200" spc="-1" strike="noStrike">
-                <a:solidFill>
-                  <a:srgbClr val="000000"/>
-                </a:solidFill>
-                <a:latin typeface="Arial"/>
-              </a:rPr>
-              <a:t>text format</a:t>
+              <a:t>Click to edit the outline text format</a:t>
             </a:r>
             <a:endParaRPr b="0" lang="en-US" sz="3200" spc="-1" strike="noStrike">
               <a:solidFill>
@@ -16629,16 +16625,7 @@
                 </a:solidFill>
                 <a:latin typeface="Arial"/>
               </a:rPr>
-              <a:t>Seventh Outline </a:t>
-            </a:r>
-            <a:r>
-              <a:rPr b="0" lang="en-US" sz="2000" spc="-1" strike="noStrike">
-                <a:solidFill>
-                  <a:srgbClr val="000000"/>
-                </a:solidFill>
-                <a:latin typeface="Arial"/>
-              </a:rPr>
-              <a:t>Level</a:t>
+              <a:t>Seventh Outline Level</a:t>
             </a:r>
             <a:endParaRPr b="0" lang="en-US" sz="2000" spc="-1" strike="noStrike">
               <a:solidFill>
@@ -16702,7 +16689,7 @@
         <p:spPr>
           <a:xfrm>
             <a:off x="723600" y="6432480"/>
-            <a:ext cx="2049480" cy="151920"/>
+            <a:ext cx="2049120" cy="151920"/>
           </a:xfrm>
           <a:prstGeom prst="rect">
             <a:avLst/>
@@ -16759,7 +16746,7 @@
         <p:spPr>
           <a:xfrm>
             <a:off x="9412920" y="6432480"/>
-            <a:ext cx="2049480" cy="151920"/>
+            <a:ext cx="2049120" cy="151920"/>
           </a:xfrm>
           <a:prstGeom prst="rect">
             <a:avLst/>
@@ -16795,7 +16782,7 @@
               </a:rPr>
               <a:t>Page </a:t>
             </a:r>
-            <a:fld id="{82B33B9E-FA24-4D4A-B2A6-933B8CAC59EE}" type="slidenum">
+            <a:fld id="{DCB4B4CA-62F4-4CC6-9453-7A1629910B2D}" type="slidenum">
               <a:rPr b="0" lang="en-US" sz="1000" spc="-1" strike="noStrike">
                 <a:solidFill>
                   <a:srgbClr val="787878"/>
@@ -16823,7 +16810,7 @@
         <p:spPr>
           <a:xfrm>
             <a:off x="723600" y="1943640"/>
-            <a:ext cx="559080" cy="2520"/>
+            <a:ext cx="559440" cy="2880"/>
           </a:xfrm>
           <a:prstGeom prst="straightConnector1">
             <a:avLst/>
@@ -17163,7 +17150,7 @@
         <p:spPr>
           <a:xfrm>
             <a:off x="723600" y="6432480"/>
-            <a:ext cx="2049480" cy="151920"/>
+            <a:ext cx="2049120" cy="151920"/>
           </a:xfrm>
           <a:prstGeom prst="rect">
             <a:avLst/>
@@ -17220,7 +17207,7 @@
         <p:spPr>
           <a:xfrm>
             <a:off x="9412920" y="6432480"/>
-            <a:ext cx="2049480" cy="151920"/>
+            <a:ext cx="2049120" cy="151920"/>
           </a:xfrm>
           <a:prstGeom prst="rect">
             <a:avLst/>
@@ -17256,7 +17243,7 @@
               </a:rPr>
               <a:t>Page </a:t>
             </a:r>
-            <a:fld id="{7BDE96B7-84EE-4CB5-ACAC-7CD6BF7C8271}" type="slidenum">
+            <a:fld id="{9323591E-D2ED-4D40-A23F-748A736BE593}" type="slidenum">
               <a:rPr b="0" lang="en-US" sz="1000" spc="-1" strike="noStrike">
                 <a:solidFill>
                   <a:srgbClr val="787878"/>
@@ -17284,7 +17271,7 @@
         <p:spPr>
           <a:xfrm>
             <a:off x="723600" y="1943640"/>
-            <a:ext cx="559080" cy="2520"/>
+            <a:ext cx="559440" cy="2880"/>
           </a:xfrm>
           <a:prstGeom prst="straightConnector1">
             <a:avLst/>
@@ -17310,7 +17297,7 @@
         <p:spPr>
           <a:xfrm>
             <a:off x="609120" y="273600"/>
-            <a:ext cx="10969200" cy="1144440"/>
+            <a:ext cx="10969560" cy="1144800"/>
           </a:xfrm>
           <a:prstGeom prst="rect">
             <a:avLst/>
@@ -17325,11 +17312,11 @@
             <a:noAutofit/>
           </a:bodyPr>
           <a:p>
-            <a:pPr indent="0">
-              <a:buNone/>
-            </a:pPr>
-            <a:r>
-              <a:rPr b="0" lang="en-US" sz="1800" spc="-1" strike="noStrike">
+            <a:pPr indent="0" algn="ctr">
+              <a:buNone/>
+            </a:pPr>
+            <a:r>
+              <a:rPr b="0" lang="en-US" sz="4400" spc="-1" strike="noStrike">
                 <a:solidFill>
                   <a:srgbClr val="000000"/>
                 </a:solidFill>
@@ -17337,7 +17324,7 @@
               </a:rPr>
               <a:t>Click to edit the title text format</a:t>
             </a:r>
-            <a:endParaRPr b="0" lang="en-US" sz="1800" spc="-1" strike="noStrike">
+            <a:endParaRPr b="0" lang="en-US" sz="4400" spc="-1" strike="noStrike">
               <a:solidFill>
                 <a:srgbClr val="000000"/>
               </a:solidFill>
@@ -17359,7 +17346,7 @@
         <p:spPr>
           <a:xfrm>
             <a:off x="609120" y="1604520"/>
-            <a:ext cx="10969200" cy="3976920"/>
+            <a:ext cx="10969560" cy="3977280"/>
           </a:xfrm>
           <a:prstGeom prst="rect">
             <a:avLst/>
@@ -17386,7 +17373,7 @@
               <a:buChar char=""/>
             </a:pPr>
             <a:r>
-              <a:rPr b="0" lang="en-US" sz="1800" spc="-1" strike="noStrike">
+              <a:rPr b="0" lang="en-US" sz="3200" spc="-1" strike="noStrike">
                 <a:solidFill>
                   <a:srgbClr val="000000"/>
                 </a:solidFill>
@@ -17394,7 +17381,7 @@
               </a:rPr>
               <a:t>Click to edit the outline text format</a:t>
             </a:r>
-            <a:endParaRPr b="0" lang="en-US" sz="1800" spc="-1" strike="noStrike">
+            <a:endParaRPr b="0" lang="en-US" sz="3200" spc="-1" strike="noStrike">
               <a:solidFill>
                 <a:srgbClr val="000000"/>
               </a:solidFill>
@@ -17414,7 +17401,7 @@
               <a:buChar char=""/>
             </a:pPr>
             <a:r>
-              <a:rPr b="0" lang="en-US" sz="1800" spc="-1" strike="noStrike">
+              <a:rPr b="0" lang="en-US" sz="2800" spc="-1" strike="noStrike">
                 <a:solidFill>
                   <a:srgbClr val="000000"/>
                 </a:solidFill>
@@ -17422,7 +17409,7 @@
               </a:rPr>
               <a:t>Second Outline Level</a:t>
             </a:r>
-            <a:endParaRPr b="0" lang="en-US" sz="1800" spc="-1" strike="noStrike">
+            <a:endParaRPr b="0" lang="en-US" sz="2800" spc="-1" strike="noStrike">
               <a:solidFill>
                 <a:srgbClr val="000000"/>
               </a:solidFill>
@@ -17442,7 +17429,7 @@
               <a:buChar char=""/>
             </a:pPr>
             <a:r>
-              <a:rPr b="0" lang="en-US" sz="1800" spc="-1" strike="noStrike">
+              <a:rPr b="0" lang="en-US" sz="2400" spc="-1" strike="noStrike">
                 <a:solidFill>
                   <a:srgbClr val="000000"/>
                 </a:solidFill>
@@ -17450,7 +17437,7 @@
               </a:rPr>
               <a:t>Third Outline Level</a:t>
             </a:r>
-            <a:endParaRPr b="0" lang="en-US" sz="1800" spc="-1" strike="noStrike">
+            <a:endParaRPr b="0" lang="en-US" sz="2400" spc="-1" strike="noStrike">
               <a:solidFill>
                 <a:srgbClr val="000000"/>
               </a:solidFill>
@@ -17470,7 +17457,7 @@
               <a:buChar char=""/>
             </a:pPr>
             <a:r>
-              <a:rPr b="0" lang="en-US" sz="1800" spc="-1" strike="noStrike">
+              <a:rPr b="0" lang="en-US" sz="2000" spc="-1" strike="noStrike">
                 <a:solidFill>
                   <a:srgbClr val="000000"/>
                 </a:solidFill>
@@ -17478,7 +17465,7 @@
               </a:rPr>
               <a:t>Fourth Outline Level</a:t>
             </a:r>
-            <a:endParaRPr b="0" lang="en-US" sz="1800" spc="-1" strike="noStrike">
+            <a:endParaRPr b="0" lang="en-US" sz="2000" spc="-1" strike="noStrike">
               <a:solidFill>
                 <a:srgbClr val="000000"/>
               </a:solidFill>
@@ -17498,7 +17485,7 @@
               <a:buChar char=""/>
             </a:pPr>
             <a:r>
-              <a:rPr b="0" lang="en-US" sz="1800" spc="-1" strike="noStrike">
+              <a:rPr b="0" lang="en-US" sz="2000" spc="-1" strike="noStrike">
                 <a:solidFill>
                   <a:srgbClr val="000000"/>
                 </a:solidFill>
@@ -17506,7 +17493,7 @@
               </a:rPr>
               <a:t>Fifth Outline Level</a:t>
             </a:r>
-            <a:endParaRPr b="0" lang="en-US" sz="1800" spc="-1" strike="noStrike">
+            <a:endParaRPr b="0" lang="en-US" sz="2000" spc="-1" strike="noStrike">
               <a:solidFill>
                 <a:srgbClr val="000000"/>
               </a:solidFill>
@@ -17526,7 +17513,7 @@
               <a:buChar char=""/>
             </a:pPr>
             <a:r>
-              <a:rPr b="0" lang="en-US" sz="1800" spc="-1" strike="noStrike">
+              <a:rPr b="0" lang="en-US" sz="2000" spc="-1" strike="noStrike">
                 <a:solidFill>
                   <a:srgbClr val="000000"/>
                 </a:solidFill>
@@ -17534,7 +17521,7 @@
               </a:rPr>
               <a:t>Sixth Outline Level</a:t>
             </a:r>
-            <a:endParaRPr b="0" lang="en-US" sz="1800" spc="-1" strike="noStrike">
+            <a:endParaRPr b="0" lang="en-US" sz="2000" spc="-1" strike="noStrike">
               <a:solidFill>
                 <a:srgbClr val="000000"/>
               </a:solidFill>
@@ -17554,7 +17541,7 @@
               <a:buChar char=""/>
             </a:pPr>
             <a:r>
-              <a:rPr b="0" lang="en-US" sz="1800" spc="-1" strike="noStrike">
+              <a:rPr b="0" lang="en-US" sz="2000" spc="-1" strike="noStrike">
                 <a:solidFill>
                   <a:srgbClr val="000000"/>
                 </a:solidFill>
@@ -17562,7 +17549,7 @@
               </a:rPr>
               <a:t>Seventh Outline Level</a:t>
             </a:r>
-            <a:endParaRPr b="0" lang="en-US" sz="1800" spc="-1" strike="noStrike">
+            <a:endParaRPr b="0" lang="en-US" sz="2000" spc="-1" strike="noStrike">
               <a:solidFill>
                 <a:srgbClr val="000000"/>
               </a:solidFill>
@@ -17624,7 +17611,7 @@
         <p:spPr>
           <a:xfrm>
             <a:off x="723600" y="6432480"/>
-            <a:ext cx="2049480" cy="151920"/>
+            <a:ext cx="2049120" cy="151920"/>
           </a:xfrm>
           <a:prstGeom prst="rect">
             <a:avLst/>
@@ -17681,7 +17668,7 @@
         <p:spPr>
           <a:xfrm>
             <a:off x="9412920" y="6432480"/>
-            <a:ext cx="2049480" cy="151920"/>
+            <a:ext cx="2049120" cy="151920"/>
           </a:xfrm>
           <a:prstGeom prst="rect">
             <a:avLst/>
@@ -17717,7 +17704,7 @@
               </a:rPr>
               <a:t>Page </a:t>
             </a:r>
-            <a:fld id="{4C844DEB-FA1B-4A71-BB5C-94EB7604A877}" type="slidenum">
+            <a:fld id="{F4D34D59-40C0-4CB6-BA47-35CC54172A85}" type="slidenum">
               <a:rPr b="0" lang="en-US" sz="1000" spc="-1" strike="noStrike">
                 <a:solidFill>
                   <a:srgbClr val="787878"/>
@@ -17745,7 +17732,7 @@
         <p:spPr>
           <a:xfrm>
             <a:off x="723600" y="1943640"/>
-            <a:ext cx="559080" cy="2520"/>
+            <a:ext cx="559440" cy="2880"/>
           </a:xfrm>
           <a:prstGeom prst="straightConnector1">
             <a:avLst/>
@@ -18085,7 +18072,7 @@
         <p:spPr>
           <a:xfrm>
             <a:off x="723600" y="6432480"/>
-            <a:ext cx="2049480" cy="151920"/>
+            <a:ext cx="2049120" cy="151920"/>
           </a:xfrm>
           <a:prstGeom prst="rect">
             <a:avLst/>
@@ -18142,7 +18129,7 @@
         <p:spPr>
           <a:xfrm>
             <a:off x="9412920" y="6432480"/>
-            <a:ext cx="2049480" cy="151920"/>
+            <a:ext cx="2049120" cy="151920"/>
           </a:xfrm>
           <a:prstGeom prst="rect">
             <a:avLst/>
@@ -18178,7 +18165,7 @@
               </a:rPr>
               <a:t>Page </a:t>
             </a:r>
-            <a:fld id="{3D0B9E8D-9EA3-4604-A8F8-994CF16A3D71}" type="slidenum">
+            <a:fld id="{441C44E1-5D14-4CC6-AAF2-154AB1BAFB22}" type="slidenum">
               <a:rPr b="0" lang="en-US" sz="1000" spc="-1" strike="noStrike">
                 <a:solidFill>
                   <a:srgbClr val="787878"/>
@@ -18206,7 +18193,7 @@
         <p:spPr>
           <a:xfrm>
             <a:off x="723600" y="1943640"/>
-            <a:ext cx="559080" cy="2520"/>
+            <a:ext cx="559440" cy="2880"/>
           </a:xfrm>
           <a:prstGeom prst="straightConnector1">
             <a:avLst/>
@@ -18543,7 +18530,7 @@
         <p:spPr>
           <a:xfrm>
             <a:off x="1104480" y="1122480"/>
-            <a:ext cx="9977040" cy="2385000"/>
+            <a:ext cx="9976680" cy="2384640"/>
           </a:xfrm>
           <a:prstGeom prst="rect">
             <a:avLst/>
@@ -18598,7 +18585,7 @@
         <p:spPr>
           <a:xfrm>
             <a:off x="1104480" y="4020840"/>
-            <a:ext cx="9977040" cy="1729800"/>
+            <a:ext cx="9976680" cy="1729440"/>
           </a:xfrm>
           <a:prstGeom prst="rect">
             <a:avLst/>
@@ -18682,7 +18669,7 @@
       </p:grpSpPr>
       <p:sp>
         <p:nvSpPr>
-          <p:cNvPr id="360" name="PlaceHolder 1"/>
+          <p:cNvPr id="363" name="PlaceHolder 1"/>
           <p:cNvSpPr>
             <a:spLocks noGrp="1"/>
           </p:cNvSpPr>
@@ -18692,8 +18679,8 @@
         </p:nvSpPr>
         <p:spPr>
           <a:xfrm>
-            <a:off x="609120" y="273600"/>
-            <a:ext cx="10969560" cy="1144800"/>
+            <a:off x="723600" y="497160"/>
+            <a:ext cx="10738440" cy="1101600"/>
           </a:xfrm>
           <a:prstGeom prst="rect">
             <a:avLst/>
@@ -18724,7 +18711,7 @@
                 </a:solidFill>
                 <a:latin typeface="Arial"/>
               </a:rPr>
-              <a:t>Hash Function Pseudocode</a:t>
+              <a:t>Example walkthrough</a:t>
             </a:r>
             <a:endParaRPr b="0" lang="en-US" sz="4400" spc="-1" strike="noStrike">
               <a:solidFill>
@@ -18735,29 +18722,286 @@
           </a:p>
         </p:txBody>
       </p:sp>
-      <p:pic>
-        <p:nvPicPr>
-          <p:cNvPr id="361" name="" descr=""/>
-          <p:cNvPicPr/>
-          <p:nvPr/>
-        </p:nvPicPr>
-        <p:blipFill>
-          <a:blip r:embed="rId1"/>
-          <a:stretch/>
-        </p:blipFill>
-        <p:spPr>
-          <a:xfrm>
-            <a:off x="2743200" y="1418400"/>
-            <a:ext cx="6614280" cy="4806360"/>
-          </a:xfrm>
-          <a:prstGeom prst="rect">
-            <a:avLst/>
-          </a:prstGeom>
-          <a:ln w="0">
-            <a:noFill/>
-          </a:ln>
-        </p:spPr>
-      </p:pic>
+      <p:sp>
+        <p:nvSpPr>
+          <p:cNvPr id="364" name="PlaceHolder 2"/>
+          <p:cNvSpPr>
+            <a:spLocks noGrp="1"/>
+          </p:cNvSpPr>
+          <p:nvPr>
+            <p:ph/>
+          </p:nvPr>
+        </p:nvSpPr>
+        <p:spPr>
+          <a:xfrm>
+            <a:off x="685800" y="1833120"/>
+            <a:ext cx="10819440" cy="4566240"/>
+          </a:xfrm>
+          <a:prstGeom prst="rect">
+            <a:avLst/>
+          </a:prstGeom>
+          <a:noFill/>
+          <a:ln w="0">
+            <a:noFill/>
+          </a:ln>
+        </p:spPr>
+        <p:txBody>
+          <a:bodyPr lIns="0" rIns="0" tIns="0" bIns="0" anchor="t">
+            <a:normAutofit fontScale="81000"/>
+          </a:bodyPr>
+          <a:p>
+            <a:pPr marL="432000" indent="0">
+              <a:lnSpc>
+                <a:spcPct val="100000"/>
+              </a:lnSpc>
+              <a:spcBef>
+                <a:spcPts val="1417"/>
+              </a:spcBef>
+              <a:buNone/>
+              <a:tabLst>
+                <a:tab algn="l" pos="0"/>
+              </a:tabLst>
+            </a:pPr>
+            <a:endParaRPr b="0" lang="en-US" sz="3200" spc="-1" strike="noStrike">
+              <a:solidFill>
+                <a:srgbClr val="ffffff"/>
+              </a:solidFill>
+              <a:latin typeface="Arial"/>
+            </a:endParaRPr>
+          </a:p>
+          <a:p>
+            <a:pPr indent="0">
+              <a:lnSpc>
+                <a:spcPct val="100000"/>
+              </a:lnSpc>
+              <a:spcBef>
+                <a:spcPts val="1417"/>
+              </a:spcBef>
+              <a:buNone/>
+              <a:tabLst>
+                <a:tab algn="l" pos="0"/>
+              </a:tabLst>
+            </a:pPr>
+            <a:r>
+              <a:rPr b="0" lang="en-US" sz="3200" spc="-1" strike="noStrike">
+                <a:solidFill>
+                  <a:srgbClr val="ffffff"/>
+                </a:solidFill>
+                <a:latin typeface="Arial"/>
+                <a:ea typeface="Source Han Sans CN"/>
+              </a:rPr>
+              <a:t>t = </a:t>
+            </a:r>
+            <a:r>
+              <a:rPr b="0" lang="en-US" sz="3200" spc="-1" strike="noStrike">
+                <a:solidFill>
+                  <a:srgbClr val="ffffff"/>
+                </a:solidFill>
+                <a:highlight>
+                  <a:srgbClr val="81d41a"/>
+                </a:highlight>
+                <a:latin typeface="Arial"/>
+                <a:ea typeface="Source Han Sans CN"/>
+              </a:rPr>
+              <a:t>d a b</a:t>
+            </a:r>
+            <a:r>
+              <a:rPr b="0" lang="en-US" sz="3200" spc="-1" strike="noStrike">
+                <a:solidFill>
+                  <a:srgbClr val="ffffff"/>
+                </a:solidFill>
+                <a:latin typeface="Arial"/>
+                <a:ea typeface="Source Han Sans CN"/>
+              </a:rPr>
+              <a:t> d a b a e d b a   |   p = </a:t>
+            </a:r>
+            <a:r>
+              <a:rPr b="0" lang="en-US" sz="3200" spc="-1" strike="noStrike">
+                <a:solidFill>
+                  <a:srgbClr val="ffffff"/>
+                </a:solidFill>
+                <a:latin typeface="Arial"/>
+              </a:rPr>
+              <a:t>d b a</a:t>
+            </a:r>
+            <a:endParaRPr b="0" lang="en-US" sz="3200" spc="-1" strike="noStrike">
+              <a:solidFill>
+                <a:srgbClr val="ffffff"/>
+              </a:solidFill>
+              <a:latin typeface="Arial"/>
+            </a:endParaRPr>
+          </a:p>
+          <a:p>
+            <a:pPr marL="432000" indent="0">
+              <a:lnSpc>
+                <a:spcPct val="100000"/>
+              </a:lnSpc>
+              <a:spcBef>
+                <a:spcPts val="1417"/>
+              </a:spcBef>
+              <a:buNone/>
+              <a:tabLst>
+                <a:tab algn="l" pos="0"/>
+              </a:tabLst>
+            </a:pPr>
+            <a:r>
+              <a:rPr b="0" lang="en-US" sz="3200" spc="-1" strike="noStrike">
+                <a:solidFill>
+                  <a:srgbClr val="ffffff"/>
+                </a:solidFill>
+                <a:latin typeface="Arial"/>
+                <a:ea typeface="Source Han Sans CN"/>
+              </a:rPr>
+              <a:t>H(p) = 4 + 2 + 1 = 7</a:t>
+            </a:r>
+            <a:endParaRPr b="0" lang="en-US" sz="3200" spc="-1" strike="noStrike">
+              <a:solidFill>
+                <a:srgbClr val="ffffff"/>
+              </a:solidFill>
+              <a:latin typeface="Arial"/>
+            </a:endParaRPr>
+          </a:p>
+          <a:p>
+            <a:pPr marL="432000" indent="0">
+              <a:lnSpc>
+                <a:spcPct val="100000"/>
+              </a:lnSpc>
+              <a:spcBef>
+                <a:spcPts val="1417"/>
+              </a:spcBef>
+              <a:buNone/>
+              <a:tabLst>
+                <a:tab algn="l" pos="0"/>
+              </a:tabLst>
+            </a:pPr>
+            <a:r>
+              <a:rPr b="0" lang="en-US" sz="3200" spc="-1" strike="noStrike">
+                <a:solidFill>
+                  <a:srgbClr val="ffffff"/>
+                </a:solidFill>
+                <a:latin typeface="Arial"/>
+                <a:ea typeface="Source Han Sans CN"/>
+              </a:rPr>
+              <a:t>H(t[0..2]) = </a:t>
+            </a:r>
+            <a:r>
+              <a:rPr b="0" lang="en-US" sz="3200" spc="-1" strike="noStrike">
+                <a:solidFill>
+                  <a:srgbClr val="ffffff"/>
+                </a:solidFill>
+                <a:latin typeface="Arial"/>
+                <a:ea typeface="Source Han Sans CN"/>
+              </a:rPr>
+              <a:t>4 + 1 + 2 = 7</a:t>
+            </a:r>
+            <a:endParaRPr b="0" lang="en-US" sz="3200" spc="-1" strike="noStrike">
+              <a:solidFill>
+                <a:srgbClr val="ffffff"/>
+              </a:solidFill>
+              <a:latin typeface="Arial"/>
+            </a:endParaRPr>
+          </a:p>
+          <a:p>
+            <a:pPr marL="432000" indent="0">
+              <a:lnSpc>
+                <a:spcPct val="100000"/>
+              </a:lnSpc>
+              <a:spcBef>
+                <a:spcPts val="1417"/>
+              </a:spcBef>
+              <a:buNone/>
+              <a:tabLst>
+                <a:tab algn="l" pos="0"/>
+              </a:tabLst>
+            </a:pPr>
+            <a:r>
+              <a:rPr b="0" lang="en-US" sz="3200" spc="-1" strike="noStrike">
+                <a:solidFill>
+                  <a:srgbClr val="ffffff"/>
+                </a:solidFill>
+                <a:latin typeface="Arial"/>
+              </a:rPr>
+              <a:t>7 = 7</a:t>
+            </a:r>
+            <a:endParaRPr b="0" lang="en-US" sz="3200" spc="-1" strike="noStrike">
+              <a:solidFill>
+                <a:srgbClr val="ffffff"/>
+              </a:solidFill>
+              <a:latin typeface="Arial"/>
+            </a:endParaRPr>
+          </a:p>
+          <a:p>
+            <a:pPr marL="432000" indent="0">
+              <a:lnSpc>
+                <a:spcPct val="100000"/>
+              </a:lnSpc>
+              <a:spcBef>
+                <a:spcPts val="1417"/>
+              </a:spcBef>
+              <a:buNone/>
+              <a:tabLst>
+                <a:tab algn="l" pos="0"/>
+              </a:tabLst>
+            </a:pPr>
+            <a:r>
+              <a:rPr b="0" lang="en-US" sz="3200" spc="-1" strike="noStrike">
+                <a:solidFill>
+                  <a:srgbClr val="ffffff"/>
+                </a:solidFill>
+                <a:latin typeface="DejaVu Sans"/>
+                <a:ea typeface="DejaVu Sans"/>
+              </a:rPr>
+              <a:t>Yet we can see the patterns are not the same. The </a:t>
+            </a:r>
+            <a:r>
+              <a:rPr b="0" lang="en-US" sz="3200" spc="-1" strike="noStrike">
+                <a:solidFill>
+                  <a:srgbClr val="ffffff"/>
+                </a:solidFill>
+                <a:latin typeface="DejaVu Sans"/>
+                <a:ea typeface="DejaVu Sans"/>
+              </a:rPr>
+              <a:t>algorithm would the proceed to comparing each </a:t>
+            </a:r>
+            <a:r>
+              <a:rPr b="0" lang="en-US" sz="3200" spc="-1" strike="noStrike">
+                <a:solidFill>
+                  <a:srgbClr val="ffffff"/>
+                </a:solidFill>
+                <a:latin typeface="DejaVu Sans"/>
+                <a:ea typeface="DejaVu Sans"/>
+              </a:rPr>
+              <a:t>character one by one to see if the strings is a </a:t>
+            </a:r>
+            <a:r>
+              <a:rPr b="0" lang="en-US" sz="3200" spc="-1" strike="noStrike">
+                <a:solidFill>
+                  <a:srgbClr val="ffffff"/>
+                </a:solidFill>
+                <a:latin typeface="DejaVu Sans"/>
+                <a:ea typeface="DejaVu Sans"/>
+              </a:rPr>
+              <a:t>match. These false positives, or spurious hits, are </a:t>
+            </a:r>
+            <a:r>
+              <a:rPr b="0" lang="en-US" sz="3200" spc="-1" strike="noStrike">
+                <a:solidFill>
+                  <a:srgbClr val="ffffff"/>
+                </a:solidFill>
+                <a:latin typeface="DejaVu Sans"/>
+                <a:ea typeface="DejaVu Sans"/>
+              </a:rPr>
+              <a:t>what induces the worst case runtime of O(mn)</a:t>
+            </a:r>
+            <a:endParaRPr b="0" lang="en-US" sz="3200" spc="-1" strike="noStrike">
+              <a:solidFill>
+                <a:srgbClr val="ffffff"/>
+              </a:solidFill>
+              <a:latin typeface="Arial"/>
+            </a:endParaRPr>
+          </a:p>
+        </p:txBody>
+      </p:sp>
     </p:spTree>
   </p:cSld>
   <mc:AlternateContent>
@@ -18797,7 +19041,7 @@
       </p:grpSpPr>
       <p:sp>
         <p:nvSpPr>
-          <p:cNvPr id="362" name="PlaceHolder 1"/>
+          <p:cNvPr id="365" name="PlaceHolder 1"/>
           <p:cNvSpPr>
             <a:spLocks noGrp="1"/>
           </p:cNvSpPr>
@@ -18807,8 +19051,8 @@
         </p:nvSpPr>
         <p:spPr>
           <a:xfrm>
-            <a:off x="609120" y="273600"/>
-            <a:ext cx="10969560" cy="1144800"/>
+            <a:off x="723600" y="497160"/>
+            <a:ext cx="10738440" cy="1101600"/>
           </a:xfrm>
           <a:prstGeom prst="rect">
             <a:avLst/>
@@ -18839,7 +19083,7 @@
                 </a:solidFill>
                 <a:latin typeface="Arial"/>
               </a:rPr>
-              <a:t>Rabin-Karp Pseudocode</a:t>
+              <a:t>Example walkthrough</a:t>
             </a:r>
             <a:endParaRPr b="0" lang="en-US" sz="4400" spc="-1" strike="noStrike">
               <a:solidFill>
@@ -18850,29 +19094,187 @@
           </a:p>
         </p:txBody>
       </p:sp>
-      <p:pic>
-        <p:nvPicPr>
-          <p:cNvPr id="363" name="" descr=""/>
-          <p:cNvPicPr/>
-          <p:nvPr/>
-        </p:nvPicPr>
-        <p:blipFill>
-          <a:blip r:embed="rId1"/>
-          <a:stretch/>
-        </p:blipFill>
-        <p:spPr>
-          <a:xfrm>
-            <a:off x="2446560" y="1188720"/>
-            <a:ext cx="7062480" cy="5440680"/>
-          </a:xfrm>
-          <a:prstGeom prst="rect">
-            <a:avLst/>
-          </a:prstGeom>
-          <a:ln w="0">
-            <a:noFill/>
-          </a:ln>
-        </p:spPr>
-      </p:pic>
+      <p:sp>
+        <p:nvSpPr>
+          <p:cNvPr id="366" name="PlaceHolder 2"/>
+          <p:cNvSpPr>
+            <a:spLocks noGrp="1"/>
+          </p:cNvSpPr>
+          <p:nvPr>
+            <p:ph/>
+          </p:nvPr>
+        </p:nvSpPr>
+        <p:spPr>
+          <a:xfrm>
+            <a:off x="685800" y="1833120"/>
+            <a:ext cx="10819440" cy="4566240"/>
+          </a:xfrm>
+          <a:prstGeom prst="rect">
+            <a:avLst/>
+          </a:prstGeom>
+          <a:noFill/>
+          <a:ln w="0">
+            <a:noFill/>
+          </a:ln>
+        </p:spPr>
+        <p:txBody>
+          <a:bodyPr lIns="0" rIns="0" tIns="0" bIns="0" anchor="t">
+            <a:normAutofit/>
+          </a:bodyPr>
+          <a:p>
+            <a:pPr marL="432000" indent="0">
+              <a:lnSpc>
+                <a:spcPct val="100000"/>
+              </a:lnSpc>
+              <a:spcBef>
+                <a:spcPts val="1417"/>
+              </a:spcBef>
+              <a:buNone/>
+              <a:tabLst>
+                <a:tab algn="l" pos="0"/>
+              </a:tabLst>
+            </a:pPr>
+            <a:endParaRPr b="0" lang="en-US" sz="3200" spc="-1" strike="noStrike">
+              <a:solidFill>
+                <a:srgbClr val="ffffff"/>
+              </a:solidFill>
+              <a:latin typeface="Arial"/>
+            </a:endParaRPr>
+          </a:p>
+          <a:p>
+            <a:pPr indent="0">
+              <a:lnSpc>
+                <a:spcPct val="100000"/>
+              </a:lnSpc>
+              <a:spcBef>
+                <a:spcPts val="1417"/>
+              </a:spcBef>
+              <a:buNone/>
+              <a:tabLst>
+                <a:tab algn="l" pos="0"/>
+              </a:tabLst>
+            </a:pPr>
+            <a:r>
+              <a:rPr b="0" lang="en-US" sz="3200" spc="-1" strike="noStrike">
+                <a:solidFill>
+                  <a:srgbClr val="ffffff"/>
+                </a:solidFill>
+                <a:latin typeface="Arial"/>
+                <a:ea typeface="Source Han Sans CN"/>
+              </a:rPr>
+              <a:t>t = d </a:t>
+            </a:r>
+            <a:r>
+              <a:rPr b="0" lang="en-US" sz="3200" spc="-1" strike="noStrike">
+                <a:solidFill>
+                  <a:srgbClr val="ffffff"/>
+                </a:solidFill>
+                <a:highlight>
+                  <a:srgbClr val="81d41a"/>
+                </a:highlight>
+                <a:latin typeface="Arial"/>
+                <a:ea typeface="Source Han Sans CN"/>
+              </a:rPr>
+              <a:t>a b d</a:t>
+            </a:r>
+            <a:r>
+              <a:rPr b="0" lang="en-US" sz="3200" spc="-1" strike="noStrike">
+                <a:solidFill>
+                  <a:srgbClr val="ffffff"/>
+                </a:solidFill>
+                <a:latin typeface="Arial"/>
+                <a:ea typeface="Source Han Sans CN"/>
+              </a:rPr>
+              <a:t> a b a e d b a   |   p = </a:t>
+            </a:r>
+            <a:r>
+              <a:rPr b="0" lang="en-US" sz="3200" spc="-1" strike="noStrike">
+                <a:solidFill>
+                  <a:srgbClr val="ffffff"/>
+                </a:solidFill>
+                <a:latin typeface="Arial"/>
+              </a:rPr>
+              <a:t>d b a</a:t>
+            </a:r>
+            <a:endParaRPr b="0" lang="en-US" sz="3200" spc="-1" strike="noStrike">
+              <a:solidFill>
+                <a:srgbClr val="ffffff"/>
+              </a:solidFill>
+              <a:latin typeface="Arial"/>
+            </a:endParaRPr>
+          </a:p>
+          <a:p>
+            <a:pPr marL="432000" indent="0">
+              <a:lnSpc>
+                <a:spcPct val="100000"/>
+              </a:lnSpc>
+              <a:spcBef>
+                <a:spcPts val="1417"/>
+              </a:spcBef>
+              <a:buNone/>
+              <a:tabLst>
+                <a:tab algn="l" pos="0"/>
+              </a:tabLst>
+            </a:pPr>
+            <a:r>
+              <a:rPr b="0" lang="en-US" sz="3200" spc="-1" strike="noStrike">
+                <a:solidFill>
+                  <a:srgbClr val="ffffff"/>
+                </a:solidFill>
+                <a:latin typeface="Arial"/>
+                <a:ea typeface="Source Han Sans CN"/>
+              </a:rPr>
+              <a:t>H(p) = 4 + 2 + 1 = 7</a:t>
+            </a:r>
+            <a:endParaRPr b="0" lang="en-US" sz="3200" spc="-1" strike="noStrike">
+              <a:solidFill>
+                <a:srgbClr val="ffffff"/>
+              </a:solidFill>
+              <a:latin typeface="Arial"/>
+            </a:endParaRPr>
+          </a:p>
+          <a:p>
+            <a:pPr marL="432000" indent="0">
+              <a:lnSpc>
+                <a:spcPct val="100000"/>
+              </a:lnSpc>
+              <a:spcBef>
+                <a:spcPts val="1417"/>
+              </a:spcBef>
+              <a:buNone/>
+              <a:tabLst>
+                <a:tab algn="l" pos="0"/>
+              </a:tabLst>
+            </a:pPr>
+            <a:r>
+              <a:rPr b="0" lang="en-US" sz="3200" spc="-1" strike="noStrike">
+                <a:solidFill>
+                  <a:srgbClr val="ffffff"/>
+                </a:solidFill>
+                <a:latin typeface="Arial"/>
+                <a:ea typeface="Source Han Sans CN"/>
+              </a:rPr>
+              <a:t>H(t[1..3]) = 1</a:t>
+            </a:r>
+            <a:r>
+              <a:rPr b="0" lang="en-US" sz="3200" spc="-1" strike="noStrike">
+                <a:solidFill>
+                  <a:srgbClr val="ffffff"/>
+                </a:solidFill>
+                <a:latin typeface="Arial"/>
+                <a:ea typeface="Source Han Sans CN"/>
+              </a:rPr>
+              <a:t> + 2 + 4 = 7</a:t>
+            </a:r>
+            <a:endParaRPr b="0" lang="en-US" sz="3200" spc="-1" strike="noStrike">
+              <a:solidFill>
+                <a:srgbClr val="ffffff"/>
+              </a:solidFill>
+              <a:latin typeface="Arial"/>
+            </a:endParaRPr>
+          </a:p>
+        </p:txBody>
+      </p:sp>
     </p:spTree>
   </p:cSld>
   <mc:AlternateContent>
@@ -18912,7 +19314,7 @@
       </p:grpSpPr>
       <p:sp>
         <p:nvSpPr>
-          <p:cNvPr id="364" name="PlaceHolder 1"/>
+          <p:cNvPr id="367" name="PlaceHolder 1"/>
           <p:cNvSpPr>
             <a:spLocks noGrp="1"/>
           </p:cNvSpPr>
@@ -18922,8 +19324,8 @@
         </p:nvSpPr>
         <p:spPr>
           <a:xfrm>
-            <a:off x="609120" y="273600"/>
-            <a:ext cx="10967760" cy="1143000"/>
+            <a:off x="723600" y="497160"/>
+            <a:ext cx="10738440" cy="1101600"/>
           </a:xfrm>
           <a:prstGeom prst="rect">
             <a:avLst/>
@@ -18954,7 +19356,7 @@
                 </a:solidFill>
                 <a:latin typeface="Arial"/>
               </a:rPr>
-              <a:t>Why this algorithm is at least a level 3</a:t>
+              <a:t>Example walkthrough</a:t>
             </a:r>
             <a:endParaRPr b="0" lang="en-US" sz="4400" spc="-1" strike="noStrike">
               <a:solidFill>
@@ -18967,7 +19369,7 @@
       </p:sp>
       <p:sp>
         <p:nvSpPr>
-          <p:cNvPr id="365" name="PlaceHolder 2"/>
+          <p:cNvPr id="368" name="PlaceHolder 2"/>
           <p:cNvSpPr>
             <a:spLocks noGrp="1"/>
           </p:cNvSpPr>
@@ -18977,8 +19379,8 @@
         </p:nvSpPr>
         <p:spPr>
           <a:xfrm>
-            <a:off x="609120" y="1604520"/>
-            <a:ext cx="10967760" cy="3975480"/>
+            <a:off x="685800" y="1834560"/>
+            <a:ext cx="10819440" cy="4566240"/>
           </a:xfrm>
           <a:prstGeom prst="rect">
             <a:avLst/>
@@ -18993,13 +19395,151 @@
             <a:normAutofit/>
           </a:bodyPr>
           <a:p>
+            <a:pPr marL="432000" indent="0">
+              <a:lnSpc>
+                <a:spcPct val="100000"/>
+              </a:lnSpc>
+              <a:spcBef>
+                <a:spcPts val="1417"/>
+              </a:spcBef>
+              <a:buNone/>
+              <a:tabLst>
+                <a:tab algn="l" pos="0"/>
+              </a:tabLst>
+            </a:pPr>
+            <a:endParaRPr b="0" lang="en-US" sz="3200" spc="-1" strike="noStrike">
+              <a:solidFill>
+                <a:srgbClr val="ffffff"/>
+              </a:solidFill>
+              <a:latin typeface="Arial"/>
+            </a:endParaRPr>
+          </a:p>
+          <a:p>
             <a:pPr indent="0">
-              <a:spcBef>
-                <a:spcPts val="1417"/>
-              </a:spcBef>
-              <a:buNone/>
-            </a:pPr>
-            <a:endParaRPr b="0" lang="en-US" sz="1800" spc="-1" strike="noStrike">
+              <a:lnSpc>
+                <a:spcPct val="100000"/>
+              </a:lnSpc>
+              <a:spcBef>
+                <a:spcPts val="1417"/>
+              </a:spcBef>
+              <a:buNone/>
+              <a:tabLst>
+                <a:tab algn="l" pos="0"/>
+              </a:tabLst>
+            </a:pPr>
+            <a:r>
+              <a:rPr b="0" lang="en-US" sz="3200" spc="-1" strike="noStrike">
+                <a:solidFill>
+                  <a:srgbClr val="ffffff"/>
+                </a:solidFill>
+                <a:latin typeface="Arial"/>
+                <a:ea typeface="Source Han Sans CN"/>
+              </a:rPr>
+              <a:t>t = d a </a:t>
+            </a:r>
+            <a:r>
+              <a:rPr b="0" lang="en-US" sz="3200" spc="-1" strike="noStrike">
+                <a:solidFill>
+                  <a:srgbClr val="ffffff"/>
+                </a:solidFill>
+                <a:highlight>
+                  <a:srgbClr val="81d41a"/>
+                </a:highlight>
+                <a:latin typeface="Arial"/>
+                <a:ea typeface="Source Han Sans CN"/>
+              </a:rPr>
+              <a:t>b d a</a:t>
+            </a:r>
+            <a:r>
+              <a:rPr b="0" lang="en-US" sz="3200" spc="-1" strike="noStrike">
+                <a:solidFill>
+                  <a:srgbClr val="ffffff"/>
+                </a:solidFill>
+                <a:latin typeface="Arial"/>
+                <a:ea typeface="Source Han Sans CN"/>
+              </a:rPr>
+              <a:t> b a e d b a   |   p = </a:t>
+            </a:r>
+            <a:r>
+              <a:rPr b="0" lang="en-US" sz="3200" spc="-1" strike="noStrike">
+                <a:solidFill>
+                  <a:srgbClr val="ffffff"/>
+                </a:solidFill>
+                <a:latin typeface="Arial"/>
+              </a:rPr>
+              <a:t>d b a</a:t>
+            </a:r>
+            <a:endParaRPr b="0" lang="en-US" sz="3200" spc="-1" strike="noStrike">
+              <a:solidFill>
+                <a:srgbClr val="ffffff"/>
+              </a:solidFill>
+              <a:latin typeface="Arial"/>
+            </a:endParaRPr>
+          </a:p>
+          <a:p>
+            <a:pPr marL="432000" indent="0">
+              <a:lnSpc>
+                <a:spcPct val="100000"/>
+              </a:lnSpc>
+              <a:spcBef>
+                <a:spcPts val="1417"/>
+              </a:spcBef>
+              <a:buNone/>
+              <a:tabLst>
+                <a:tab algn="l" pos="0"/>
+              </a:tabLst>
+            </a:pPr>
+            <a:r>
+              <a:rPr b="0" lang="en-US" sz="3200" spc="-1" strike="noStrike">
+                <a:solidFill>
+                  <a:srgbClr val="ffffff"/>
+                </a:solidFill>
+                <a:latin typeface="Arial"/>
+                <a:ea typeface="Source Han Sans CN"/>
+              </a:rPr>
+              <a:t>H(p) = 4 + 2 + 1 = 7</a:t>
+            </a:r>
+            <a:endParaRPr b="0" lang="en-US" sz="3200" spc="-1" strike="noStrike">
+              <a:solidFill>
+                <a:srgbClr val="ffffff"/>
+              </a:solidFill>
+              <a:latin typeface="Arial"/>
+            </a:endParaRPr>
+          </a:p>
+          <a:p>
+            <a:pPr marL="432000" indent="0">
+              <a:lnSpc>
+                <a:spcPct val="100000"/>
+              </a:lnSpc>
+              <a:spcBef>
+                <a:spcPts val="1417"/>
+              </a:spcBef>
+              <a:buNone/>
+              <a:tabLst>
+                <a:tab algn="l" pos="0"/>
+              </a:tabLst>
+            </a:pPr>
+            <a:r>
+              <a:rPr b="0" lang="en-US" sz="3200" spc="-1" strike="noStrike">
+                <a:solidFill>
+                  <a:srgbClr val="ffffff"/>
+                </a:solidFill>
+                <a:latin typeface="Arial"/>
+                <a:ea typeface="Source Han Sans CN"/>
+              </a:rPr>
+              <a:t>H(t[2..4]) = 2</a:t>
+            </a:r>
+            <a:r>
+              <a:rPr b="0" lang="en-US" sz="3200" spc="-1" strike="noStrike">
+                <a:solidFill>
+                  <a:srgbClr val="ffffff"/>
+                </a:solidFill>
+                <a:latin typeface="Arial"/>
+                <a:ea typeface="Source Han Sans CN"/>
+              </a:rPr>
+              <a:t> + 4 + 1 = 7</a:t>
+            </a:r>
+            <a:endParaRPr b="0" lang="en-US" sz="3200" spc="-1" strike="noStrike">
               <a:solidFill>
                 <a:srgbClr val="ffffff"/>
               </a:solidFill>
@@ -19047,7 +19587,7 @@
       </p:grpSpPr>
       <p:sp>
         <p:nvSpPr>
-          <p:cNvPr id="366" name="PlaceHolder 1"/>
+          <p:cNvPr id="369" name="PlaceHolder 1"/>
           <p:cNvSpPr>
             <a:spLocks noGrp="1"/>
           </p:cNvSpPr>
@@ -19057,19 +19597,19 @@
         </p:nvSpPr>
         <p:spPr>
           <a:xfrm>
-            <a:off x="723600" y="723960"/>
-            <a:ext cx="10738800" cy="1101960"/>
-          </a:xfrm>
-          <a:prstGeom prst="rect">
-            <a:avLst/>
-          </a:prstGeom>
-          <a:noFill/>
-          <a:ln w="0">
-            <a:noFill/>
-          </a:ln>
-        </p:spPr>
-        <p:txBody>
-          <a:bodyPr lIns="0" rIns="0" tIns="0" bIns="0" anchor="b">
+            <a:off x="723600" y="497160"/>
+            <a:ext cx="10738440" cy="1101600"/>
+          </a:xfrm>
+          <a:prstGeom prst="rect">
+            <a:avLst/>
+          </a:prstGeom>
+          <a:noFill/>
+          <a:ln w="0">
+            <a:noFill/>
+          </a:ln>
+        </p:spPr>
+        <p:txBody>
+          <a:bodyPr lIns="0" rIns="0" tIns="0" bIns="0" anchor="ctr">
             <a:noAutofit/>
           </a:bodyPr>
           <a:p>
@@ -19083,15 +19623,15 @@
               </a:tabLst>
             </a:pPr>
             <a:r>
-              <a:rPr b="1" lang="en-US" sz="2400" spc="-1" strike="noStrike">
+              <a:rPr b="0" lang="en-US" sz="4400" spc="-1" strike="noStrike">
                 <a:solidFill>
                   <a:srgbClr val="ffffff"/>
                 </a:solidFill>
-                <a:latin typeface="Arial Black"/>
-              </a:rPr>
-              <a:t>References</a:t>
-            </a:r>
-            <a:endParaRPr b="0" lang="en-US" sz="2400" spc="-1" strike="noStrike">
+                <a:latin typeface="Arial"/>
+              </a:rPr>
+              <a:t>Example walkthrough</a:t>
+            </a:r>
+            <a:endParaRPr b="0" lang="en-US" sz="4400" spc="-1" strike="noStrike">
               <a:solidFill>
                 <a:srgbClr val="ffffff"/>
               </a:solidFill>
@@ -19102,7 +19642,7 @@
       </p:sp>
       <p:sp>
         <p:nvSpPr>
-          <p:cNvPr id="367" name="PlaceHolder 2"/>
+          <p:cNvPr id="370" name="PlaceHolder 2"/>
           <p:cNvSpPr>
             <a:spLocks noGrp="1"/>
           </p:cNvSpPr>
@@ -19112,8 +19652,8 @@
         </p:nvSpPr>
         <p:spPr>
           <a:xfrm>
-            <a:off x="723600" y="2342520"/>
-            <a:ext cx="10738800" cy="3751200"/>
+            <a:off x="685800" y="1834560"/>
+            <a:ext cx="10819440" cy="4566240"/>
           </a:xfrm>
           <a:prstGeom prst="rect">
             <a:avLst/>
@@ -19125,40 +19665,22 @@
         </p:spPr>
         <p:txBody>
           <a:bodyPr lIns="0" rIns="0" tIns="0" bIns="0" anchor="t">
-            <a:noAutofit/>
-          </a:bodyPr>
-          <a:p>
-            <a:pPr indent="0">
+            <a:normAutofit/>
+          </a:bodyPr>
+          <a:p>
+            <a:pPr marL="432000" indent="0">
               <a:lnSpc>
-                <a:spcPct val="150000"/>
+                <a:spcPct val="100000"/>
               </a:lnSpc>
-              <a:spcAft>
-                <a:spcPts val="1001"/>
-              </a:spcAft>
+              <a:spcBef>
+                <a:spcPts val="1417"/>
+              </a:spcBef>
               <a:buNone/>
               <a:tabLst>
                 <a:tab algn="l" pos="0"/>
               </a:tabLst>
             </a:pPr>
-            <a:r>
-              <a:rPr b="0" lang="en-US" sz="1800" spc="-1" strike="noStrike">
-                <a:solidFill>
-                  <a:srgbClr val="ffffff"/>
-                </a:solidFill>
-                <a:latin typeface="Arial"/>
-              </a:rPr>
-              <a:t>- R. M. Karp and M. O. Rabin, "Efficient randomized pattern-matching algorithms," in IBM Journal of </a:t>
-            </a:r>
-            <a:r>
-              <a:rPr b="0" lang="en-US" sz="1800" spc="-1" strike="noStrike">
-                <a:solidFill>
-                  <a:srgbClr val="ffffff"/>
-                </a:solidFill>
-                <a:latin typeface="Arial"/>
-              </a:rPr>
-              <a:t>Research and Development, vol. 31, no. 2, pp. 249-260, March 1987, doi: 10.1147/rd.312.0249.</a:t>
-            </a:r>
-            <a:endParaRPr b="0" lang="en-US" sz="1800" spc="-1" strike="noStrike">
+            <a:endParaRPr b="0" lang="en-US" sz="3200" spc="-1" strike="noStrike">
               <a:solidFill>
                 <a:srgbClr val="ffffff"/>
               </a:solidFill>
@@ -19168,17 +19690,129 @@
           <a:p>
             <a:pPr indent="0">
               <a:lnSpc>
-                <a:spcPct val="150000"/>
+                <a:spcPct val="100000"/>
               </a:lnSpc>
-              <a:spcAft>
-                <a:spcPts val="1001"/>
-              </a:spcAft>
+              <a:spcBef>
+                <a:spcPts val="1417"/>
+              </a:spcBef>
               <a:buNone/>
               <a:tabLst>
                 <a:tab algn="l" pos="0"/>
               </a:tabLst>
             </a:pPr>
-            <a:endParaRPr b="0" lang="en-US" sz="1800" spc="-1" strike="noStrike">
+            <a:r>
+              <a:rPr b="0" lang="en-US" sz="3200" spc="-1" strike="noStrike">
+                <a:solidFill>
+                  <a:srgbClr val="ffffff"/>
+                </a:solidFill>
+                <a:latin typeface="Arial"/>
+                <a:ea typeface="Source Han Sans CN"/>
+              </a:rPr>
+              <a:t>t = d a b </a:t>
+            </a:r>
+            <a:r>
+              <a:rPr b="0" lang="en-US" sz="3200" spc="-1" strike="noStrike">
+                <a:solidFill>
+                  <a:srgbClr val="ffffff"/>
+                </a:solidFill>
+                <a:highlight>
+                  <a:srgbClr val="81d41a"/>
+                </a:highlight>
+                <a:latin typeface="Arial"/>
+                <a:ea typeface="Source Han Sans CN"/>
+              </a:rPr>
+              <a:t>d a b</a:t>
+            </a:r>
+            <a:r>
+              <a:rPr b="0" lang="en-US" sz="3200" spc="-1" strike="noStrike">
+                <a:solidFill>
+                  <a:srgbClr val="ffffff"/>
+                </a:solidFill>
+                <a:latin typeface="Arial"/>
+                <a:ea typeface="Source Han Sans CN"/>
+              </a:rPr>
+              <a:t> a e d b a   |   p = </a:t>
+            </a:r>
+            <a:r>
+              <a:rPr b="0" lang="en-US" sz="3200" spc="-1" strike="noStrike">
+                <a:solidFill>
+                  <a:srgbClr val="ffffff"/>
+                </a:solidFill>
+                <a:latin typeface="Arial"/>
+              </a:rPr>
+              <a:t>d b a</a:t>
+            </a:r>
+            <a:endParaRPr b="0" lang="en-US" sz="3200" spc="-1" strike="noStrike">
+              <a:solidFill>
+                <a:srgbClr val="ffffff"/>
+              </a:solidFill>
+              <a:latin typeface="Arial"/>
+            </a:endParaRPr>
+          </a:p>
+          <a:p>
+            <a:pPr marL="432000" indent="0">
+              <a:lnSpc>
+                <a:spcPct val="100000"/>
+              </a:lnSpc>
+              <a:spcBef>
+                <a:spcPts val="1417"/>
+              </a:spcBef>
+              <a:buNone/>
+              <a:tabLst>
+                <a:tab algn="l" pos="0"/>
+              </a:tabLst>
+            </a:pPr>
+            <a:r>
+              <a:rPr b="0" lang="en-US" sz="3200" spc="-1" strike="noStrike">
+                <a:solidFill>
+                  <a:srgbClr val="ffffff"/>
+                </a:solidFill>
+                <a:latin typeface="Arial"/>
+                <a:ea typeface="Source Han Sans CN"/>
+              </a:rPr>
+              <a:t>H(p) = 4 + 2 + 1 = 7</a:t>
+            </a:r>
+            <a:endParaRPr b="0" lang="en-US" sz="3200" spc="-1" strike="noStrike">
+              <a:solidFill>
+                <a:srgbClr val="ffffff"/>
+              </a:solidFill>
+              <a:latin typeface="Arial"/>
+            </a:endParaRPr>
+          </a:p>
+          <a:p>
+            <a:pPr marL="432000" indent="0">
+              <a:lnSpc>
+                <a:spcPct val="100000"/>
+              </a:lnSpc>
+              <a:spcBef>
+                <a:spcPts val="1417"/>
+              </a:spcBef>
+              <a:buNone/>
+              <a:tabLst>
+                <a:tab algn="l" pos="0"/>
+              </a:tabLst>
+            </a:pPr>
+            <a:r>
+              <a:rPr b="0" lang="en-US" sz="3200" spc="-1" strike="noStrike">
+                <a:solidFill>
+                  <a:srgbClr val="ffffff"/>
+                </a:solidFill>
+                <a:latin typeface="Arial"/>
+                <a:ea typeface="Source Han Sans CN"/>
+              </a:rPr>
+              <a:t>H(t[3..5]) = 4</a:t>
+            </a:r>
+            <a:r>
+              <a:rPr b="0" lang="en-US" sz="3200" spc="-1" strike="noStrike">
+                <a:solidFill>
+                  <a:srgbClr val="ffffff"/>
+                </a:solidFill>
+                <a:latin typeface="Arial"/>
+                <a:ea typeface="Source Han Sans CN"/>
+              </a:rPr>
+              <a:t> + 1 + 2 = 7</a:t>
+            </a:r>
+            <a:endParaRPr b="0" lang="en-US" sz="3200" spc="-1" strike="noStrike">
               <a:solidFill>
                 <a:srgbClr val="ffffff"/>
               </a:solidFill>
@@ -19203,6 +19837,13 @@
 <file path=ppt/slides/slide14.xml><?xml version="1.0" encoding="utf-8"?>
 <p:sld xmlns:a="http://schemas.openxmlformats.org/drawingml/2006/main" xmlns:p="http://schemas.openxmlformats.org/presentationml/2006/main" xmlns:r="http://schemas.openxmlformats.org/officeDocument/2006/relationships" xmlns:p14="http://schemas.microsoft.com/office/powerpoint/2010/main" xmlns:p15="http://schemas.microsoft.com/office/powerpoint/2012/main" xmlns:mc="http://schemas.openxmlformats.org/markup-compatibility/2006">
   <p:cSld>
+    <p:bg>
+      <p:bgPr>
+        <a:solidFill>
+          <a:srgbClr val="000000"/>
+        </a:solidFill>
+      </p:bgPr>
+    </p:bg>
     <p:spTree>
       <p:nvGrpSpPr>
         <p:cNvPr id="1" name=""/>
@@ -19219,7 +19860,7 @@
       </p:grpSpPr>
       <p:sp>
         <p:nvSpPr>
-          <p:cNvPr id="368" name="PlaceHolder 1"/>
+          <p:cNvPr id="371" name="PlaceHolder 1"/>
           <p:cNvSpPr>
             <a:spLocks noGrp="1"/>
           </p:cNvSpPr>
@@ -19229,8 +19870,904 @@
         </p:nvSpPr>
         <p:spPr>
           <a:xfrm>
+            <a:off x="723600" y="497160"/>
+            <a:ext cx="10738440" cy="1101600"/>
+          </a:xfrm>
+          <a:prstGeom prst="rect">
+            <a:avLst/>
+          </a:prstGeom>
+          <a:noFill/>
+          <a:ln w="0">
+            <a:noFill/>
+          </a:ln>
+        </p:spPr>
+        <p:txBody>
+          <a:bodyPr lIns="0" rIns="0" tIns="0" bIns="0" anchor="ctr">
+            <a:noAutofit/>
+          </a:bodyPr>
+          <a:p>
+            <a:pPr indent="0" algn="ctr">
+              <a:lnSpc>
+                <a:spcPct val="100000"/>
+              </a:lnSpc>
+              <a:buNone/>
+              <a:tabLst>
+                <a:tab algn="l" pos="0"/>
+              </a:tabLst>
+            </a:pPr>
+            <a:r>
+              <a:rPr b="0" lang="en-US" sz="4400" spc="-1" strike="noStrike">
+                <a:solidFill>
+                  <a:srgbClr val="ffffff"/>
+                </a:solidFill>
+                <a:latin typeface="Arial"/>
+              </a:rPr>
+              <a:t>Example walkthrough</a:t>
+            </a:r>
+            <a:endParaRPr b="0" lang="en-US" sz="4400" spc="-1" strike="noStrike">
+              <a:solidFill>
+                <a:srgbClr val="ffffff"/>
+              </a:solidFill>
+              <a:latin typeface="Arial"/>
+            </a:endParaRPr>
+          </a:p>
+        </p:txBody>
+      </p:sp>
+      <p:sp>
+        <p:nvSpPr>
+          <p:cNvPr id="372" name="PlaceHolder 2"/>
+          <p:cNvSpPr>
+            <a:spLocks noGrp="1"/>
+          </p:cNvSpPr>
+          <p:nvPr>
+            <p:ph/>
+          </p:nvPr>
+        </p:nvSpPr>
+        <p:spPr>
+          <a:xfrm>
+            <a:off x="685800" y="1834560"/>
+            <a:ext cx="10819440" cy="4566240"/>
+          </a:xfrm>
+          <a:prstGeom prst="rect">
+            <a:avLst/>
+          </a:prstGeom>
+          <a:noFill/>
+          <a:ln w="0">
+            <a:noFill/>
+          </a:ln>
+        </p:spPr>
+        <p:txBody>
+          <a:bodyPr lIns="0" rIns="0" tIns="0" bIns="0" anchor="t">
+            <a:normAutofit/>
+          </a:bodyPr>
+          <a:p>
+            <a:pPr marL="432000" indent="0">
+              <a:lnSpc>
+                <a:spcPct val="100000"/>
+              </a:lnSpc>
+              <a:spcBef>
+                <a:spcPts val="1417"/>
+              </a:spcBef>
+              <a:buNone/>
+              <a:tabLst>
+                <a:tab algn="l" pos="0"/>
+              </a:tabLst>
+            </a:pPr>
+            <a:endParaRPr b="0" lang="en-US" sz="3200" spc="-1" strike="noStrike">
+              <a:solidFill>
+                <a:srgbClr val="ffffff"/>
+              </a:solidFill>
+              <a:latin typeface="Arial"/>
+            </a:endParaRPr>
+          </a:p>
+          <a:p>
+            <a:pPr indent="0">
+              <a:lnSpc>
+                <a:spcPct val="100000"/>
+              </a:lnSpc>
+              <a:spcBef>
+                <a:spcPts val="1417"/>
+              </a:spcBef>
+              <a:buNone/>
+              <a:tabLst>
+                <a:tab algn="l" pos="0"/>
+              </a:tabLst>
+            </a:pPr>
+            <a:r>
+              <a:rPr b="0" lang="en-US" sz="3200" spc="-1" strike="noStrike">
+                <a:solidFill>
+                  <a:srgbClr val="ffffff"/>
+                </a:solidFill>
+                <a:latin typeface="Arial"/>
+                <a:ea typeface="Source Han Sans CN"/>
+              </a:rPr>
+              <a:t>t = d a b d a b a e </a:t>
+            </a:r>
+            <a:r>
+              <a:rPr b="0" lang="en-US" sz="3200" spc="-1" strike="noStrike">
+                <a:solidFill>
+                  <a:srgbClr val="ffffff"/>
+                </a:solidFill>
+                <a:highlight>
+                  <a:srgbClr val="81d41a"/>
+                </a:highlight>
+                <a:latin typeface="Arial"/>
+                <a:ea typeface="Source Han Sans CN"/>
+              </a:rPr>
+              <a:t>d b a</a:t>
+            </a:r>
+            <a:r>
+              <a:rPr b="0" lang="en-US" sz="3200" spc="-1" strike="noStrike">
+                <a:solidFill>
+                  <a:srgbClr val="ffffff"/>
+                </a:solidFill>
+                <a:latin typeface="Arial"/>
+                <a:ea typeface="Source Han Sans CN"/>
+              </a:rPr>
+              <a:t>   |   p = </a:t>
+            </a:r>
+            <a:r>
+              <a:rPr b="0" lang="en-US" sz="3200" spc="-1" strike="noStrike">
+                <a:solidFill>
+                  <a:srgbClr val="ffffff"/>
+                </a:solidFill>
+                <a:latin typeface="Arial"/>
+              </a:rPr>
+              <a:t>d b a</a:t>
+            </a:r>
+            <a:endParaRPr b="0" lang="en-US" sz="3200" spc="-1" strike="noStrike">
+              <a:solidFill>
+                <a:srgbClr val="ffffff"/>
+              </a:solidFill>
+              <a:latin typeface="Arial"/>
+            </a:endParaRPr>
+          </a:p>
+          <a:p>
+            <a:pPr marL="432000" indent="0">
+              <a:lnSpc>
+                <a:spcPct val="100000"/>
+              </a:lnSpc>
+              <a:spcBef>
+                <a:spcPts val="1417"/>
+              </a:spcBef>
+              <a:buNone/>
+              <a:tabLst>
+                <a:tab algn="l" pos="0"/>
+              </a:tabLst>
+            </a:pPr>
+            <a:r>
+              <a:rPr b="0" lang="en-US" sz="3200" spc="-1" strike="noStrike">
+                <a:solidFill>
+                  <a:srgbClr val="ffffff"/>
+                </a:solidFill>
+                <a:latin typeface="Arial"/>
+                <a:ea typeface="Source Han Sans CN"/>
+              </a:rPr>
+              <a:t>H(p) = 4 + 2 + 1 = 7</a:t>
+            </a:r>
+            <a:endParaRPr b="0" lang="en-US" sz="3200" spc="-1" strike="noStrike">
+              <a:solidFill>
+                <a:srgbClr val="ffffff"/>
+              </a:solidFill>
+              <a:latin typeface="Arial"/>
+            </a:endParaRPr>
+          </a:p>
+          <a:p>
+            <a:pPr marL="432000" indent="0">
+              <a:lnSpc>
+                <a:spcPct val="100000"/>
+              </a:lnSpc>
+              <a:spcBef>
+                <a:spcPts val="1417"/>
+              </a:spcBef>
+              <a:buNone/>
+              <a:tabLst>
+                <a:tab algn="l" pos="0"/>
+              </a:tabLst>
+            </a:pPr>
+            <a:r>
+              <a:rPr b="0" lang="en-US" sz="3200" spc="-1" strike="noStrike">
+                <a:solidFill>
+                  <a:srgbClr val="ffffff"/>
+                </a:solidFill>
+                <a:latin typeface="Arial"/>
+                <a:ea typeface="Source Han Sans CN"/>
+              </a:rPr>
+              <a:t>H(t[8..10]) = 4 + 2 + 1</a:t>
+            </a:r>
+            <a:r>
+              <a:rPr b="0" lang="en-US" sz="3200" spc="-1" strike="noStrike">
+                <a:solidFill>
+                  <a:srgbClr val="ffffff"/>
+                </a:solidFill>
+                <a:latin typeface="Arial"/>
+                <a:ea typeface="Source Han Sans CN"/>
+              </a:rPr>
+              <a:t> = 7</a:t>
+            </a:r>
+            <a:endParaRPr b="0" lang="en-US" sz="3200" spc="-1" strike="noStrike">
+              <a:solidFill>
+                <a:srgbClr val="ffffff"/>
+              </a:solidFill>
+              <a:latin typeface="Arial"/>
+            </a:endParaRPr>
+          </a:p>
+          <a:p>
+            <a:pPr marL="432000" indent="0">
+              <a:lnSpc>
+                <a:spcPct val="100000"/>
+              </a:lnSpc>
+              <a:spcBef>
+                <a:spcPts val="1417"/>
+              </a:spcBef>
+              <a:buNone/>
+              <a:tabLst>
+                <a:tab algn="l" pos="0"/>
+              </a:tabLst>
+            </a:pPr>
+            <a:r>
+              <a:rPr b="0" lang="en-US" sz="3200" spc="-1" strike="noStrike">
+                <a:solidFill>
+                  <a:srgbClr val="ffffff"/>
+                </a:solidFill>
+                <a:latin typeface="Arial"/>
+                <a:ea typeface="Source Han Sans CN"/>
+              </a:rPr>
+              <a:t>Finally an actual match</a:t>
+            </a:r>
+            <a:endParaRPr b="0" lang="en-US" sz="3200" spc="-1" strike="noStrike">
+              <a:solidFill>
+                <a:srgbClr val="ffffff"/>
+              </a:solidFill>
+              <a:latin typeface="Arial"/>
+            </a:endParaRPr>
+          </a:p>
+        </p:txBody>
+      </p:sp>
+    </p:spTree>
+  </p:cSld>
+  <mc:AlternateContent>
+    <mc:Choice Requires="p14">
+      <p:transition spd="slow" p14:dur="2000"/>
+    </mc:Choice>
+    <mc:Fallback>
+      <p:transition spd="slow"/>
+    </mc:Fallback>
+  </mc:AlternateContent>
+</p:sld>
+</file>
+
+<file path=ppt/slides/slide15.xml><?xml version="1.0" encoding="utf-8"?>
+<p:sld xmlns:a="http://schemas.openxmlformats.org/drawingml/2006/main" xmlns:p="http://schemas.openxmlformats.org/presentationml/2006/main" xmlns:r="http://schemas.openxmlformats.org/officeDocument/2006/relationships" xmlns:p14="http://schemas.microsoft.com/office/powerpoint/2010/main" xmlns:p15="http://schemas.microsoft.com/office/powerpoint/2012/main" xmlns:mc="http://schemas.openxmlformats.org/markup-compatibility/2006">
+  <p:cSld>
+    <p:bg>
+      <p:bgPr>
+        <a:solidFill>
+          <a:srgbClr val="000000"/>
+        </a:solidFill>
+      </p:bgPr>
+    </p:bg>
+    <p:spTree>
+      <p:nvGrpSpPr>
+        <p:cNvPr id="1" name=""/>
+        <p:cNvGrpSpPr/>
+        <p:nvPr/>
+      </p:nvGrpSpPr>
+      <p:grpSpPr>
+        <a:xfrm>
+          <a:off x="0" y="0"/>
+          <a:ext cx="0" cy="0"/>
+          <a:chOff x="0" y="0"/>
+          <a:chExt cx="0" cy="0"/>
+        </a:xfrm>
+      </p:grpSpPr>
+      <p:sp>
+        <p:nvSpPr>
+          <p:cNvPr id="373" name="PlaceHolder 1"/>
+          <p:cNvSpPr>
+            <a:spLocks noGrp="1"/>
+          </p:cNvSpPr>
+          <p:nvPr>
+            <p:ph type="title"/>
+          </p:nvPr>
+        </p:nvSpPr>
+        <p:spPr>
+          <a:xfrm>
+            <a:off x="609120" y="273600"/>
+            <a:ext cx="10969200" cy="1144440"/>
+          </a:xfrm>
+          <a:prstGeom prst="rect">
+            <a:avLst/>
+          </a:prstGeom>
+          <a:noFill/>
+          <a:ln w="0">
+            <a:noFill/>
+          </a:ln>
+        </p:spPr>
+        <p:txBody>
+          <a:bodyPr lIns="0" rIns="0" tIns="0" bIns="0" anchor="ctr">
+            <a:noAutofit/>
+          </a:bodyPr>
+          <a:p>
+            <a:pPr indent="0" algn="ctr">
+              <a:lnSpc>
+                <a:spcPct val="100000"/>
+              </a:lnSpc>
+              <a:buNone/>
+              <a:tabLst>
+                <a:tab algn="l" pos="0"/>
+              </a:tabLst>
+            </a:pPr>
+            <a:r>
+              <a:rPr b="0" lang="en-US" sz="4400" spc="-1" strike="noStrike">
+                <a:solidFill>
+                  <a:srgbClr val="ffffff"/>
+                </a:solidFill>
+                <a:latin typeface="Arial"/>
+              </a:rPr>
+              <a:t>Hash Function Pseudocode</a:t>
+            </a:r>
+            <a:endParaRPr b="0" lang="en-US" sz="4400" spc="-1" strike="noStrike">
+              <a:solidFill>
+                <a:srgbClr val="ffffff"/>
+              </a:solidFill>
+              <a:latin typeface="Arial"/>
+            </a:endParaRPr>
+          </a:p>
+        </p:txBody>
+      </p:sp>
+      <p:pic>
+        <p:nvPicPr>
+          <p:cNvPr id="374" name="" descr=""/>
+          <p:cNvPicPr/>
+          <p:nvPr/>
+        </p:nvPicPr>
+        <p:blipFill>
+          <a:blip r:embed="rId1"/>
+          <a:stretch/>
+        </p:blipFill>
+        <p:spPr>
+          <a:xfrm>
+            <a:off x="2743200" y="1418400"/>
+            <a:ext cx="6613920" cy="4806000"/>
+          </a:xfrm>
+          <a:prstGeom prst="rect">
+            <a:avLst/>
+          </a:prstGeom>
+          <a:ln w="0">
+            <a:noFill/>
+          </a:ln>
+        </p:spPr>
+      </p:pic>
+    </p:spTree>
+  </p:cSld>
+  <mc:AlternateContent>
+    <mc:Choice Requires="p14">
+      <p:transition spd="slow" p14:dur="2000"/>
+    </mc:Choice>
+    <mc:Fallback>
+      <p:transition spd="slow"/>
+    </mc:Fallback>
+  </mc:AlternateContent>
+</p:sld>
+</file>
+
+<file path=ppt/slides/slide16.xml><?xml version="1.0" encoding="utf-8"?>
+<p:sld xmlns:a="http://schemas.openxmlformats.org/drawingml/2006/main" xmlns:p="http://schemas.openxmlformats.org/presentationml/2006/main" xmlns:r="http://schemas.openxmlformats.org/officeDocument/2006/relationships" xmlns:p14="http://schemas.microsoft.com/office/powerpoint/2010/main" xmlns:p15="http://schemas.microsoft.com/office/powerpoint/2012/main" xmlns:mc="http://schemas.openxmlformats.org/markup-compatibility/2006">
+  <p:cSld>
+    <p:bg>
+      <p:bgPr>
+        <a:solidFill>
+          <a:srgbClr val="000000"/>
+        </a:solidFill>
+      </p:bgPr>
+    </p:bg>
+    <p:spTree>
+      <p:nvGrpSpPr>
+        <p:cNvPr id="1" name=""/>
+        <p:cNvGrpSpPr/>
+        <p:nvPr/>
+      </p:nvGrpSpPr>
+      <p:grpSpPr>
+        <a:xfrm>
+          <a:off x="0" y="0"/>
+          <a:ext cx="0" cy="0"/>
+          <a:chOff x="0" y="0"/>
+          <a:chExt cx="0" cy="0"/>
+        </a:xfrm>
+      </p:grpSpPr>
+      <p:sp>
+        <p:nvSpPr>
+          <p:cNvPr id="375" name="PlaceHolder 1"/>
+          <p:cNvSpPr>
+            <a:spLocks noGrp="1"/>
+          </p:cNvSpPr>
+          <p:nvPr>
+            <p:ph type="title"/>
+          </p:nvPr>
+        </p:nvSpPr>
+        <p:spPr>
+          <a:xfrm>
+            <a:off x="609120" y="273600"/>
+            <a:ext cx="10969200" cy="1144440"/>
+          </a:xfrm>
+          <a:prstGeom prst="rect">
+            <a:avLst/>
+          </a:prstGeom>
+          <a:noFill/>
+          <a:ln w="0">
+            <a:noFill/>
+          </a:ln>
+        </p:spPr>
+        <p:txBody>
+          <a:bodyPr lIns="0" rIns="0" tIns="0" bIns="0" anchor="ctr">
+            <a:noAutofit/>
+          </a:bodyPr>
+          <a:p>
+            <a:pPr indent="0" algn="ctr">
+              <a:lnSpc>
+                <a:spcPct val="100000"/>
+              </a:lnSpc>
+              <a:buNone/>
+              <a:tabLst>
+                <a:tab algn="l" pos="0"/>
+              </a:tabLst>
+            </a:pPr>
+            <a:r>
+              <a:rPr b="0" lang="en-US" sz="4400" spc="-1" strike="noStrike">
+                <a:solidFill>
+                  <a:srgbClr val="ffffff"/>
+                </a:solidFill>
+                <a:latin typeface="Arial"/>
+              </a:rPr>
+              <a:t>Rabin-Karp Pseudocode</a:t>
+            </a:r>
+            <a:endParaRPr b="0" lang="en-US" sz="4400" spc="-1" strike="noStrike">
+              <a:solidFill>
+                <a:srgbClr val="ffffff"/>
+              </a:solidFill>
+              <a:latin typeface="Arial"/>
+            </a:endParaRPr>
+          </a:p>
+        </p:txBody>
+      </p:sp>
+      <p:pic>
+        <p:nvPicPr>
+          <p:cNvPr id="376" name="" descr=""/>
+          <p:cNvPicPr/>
+          <p:nvPr/>
+        </p:nvPicPr>
+        <p:blipFill>
+          <a:blip r:embed="rId1"/>
+          <a:stretch/>
+        </p:blipFill>
+        <p:spPr>
+          <a:xfrm>
+            <a:off x="2446560" y="1188720"/>
+            <a:ext cx="7062120" cy="5440320"/>
+          </a:xfrm>
+          <a:prstGeom prst="rect">
+            <a:avLst/>
+          </a:prstGeom>
+          <a:ln w="0">
+            <a:noFill/>
+          </a:ln>
+        </p:spPr>
+      </p:pic>
+    </p:spTree>
+  </p:cSld>
+  <mc:AlternateContent>
+    <mc:Choice Requires="p14">
+      <p:transition spd="slow" p14:dur="2000"/>
+    </mc:Choice>
+    <mc:Fallback>
+      <p:transition spd="slow"/>
+    </mc:Fallback>
+  </mc:AlternateContent>
+</p:sld>
+</file>
+
+<file path=ppt/slides/slide17.xml><?xml version="1.0" encoding="utf-8"?>
+<p:sld xmlns:a="http://schemas.openxmlformats.org/drawingml/2006/main" xmlns:p="http://schemas.openxmlformats.org/presentationml/2006/main" xmlns:r="http://schemas.openxmlformats.org/officeDocument/2006/relationships" xmlns:p14="http://schemas.microsoft.com/office/powerpoint/2010/main" xmlns:p15="http://schemas.microsoft.com/office/powerpoint/2012/main" xmlns:mc="http://schemas.openxmlformats.org/markup-compatibility/2006">
+  <p:cSld>
+    <p:bg>
+      <p:bgPr>
+        <a:solidFill>
+          <a:srgbClr val="000000"/>
+        </a:solidFill>
+      </p:bgPr>
+    </p:bg>
+    <p:spTree>
+      <p:nvGrpSpPr>
+        <p:cNvPr id="1" name=""/>
+        <p:cNvGrpSpPr/>
+        <p:nvPr/>
+      </p:nvGrpSpPr>
+      <p:grpSpPr>
+        <a:xfrm>
+          <a:off x="0" y="0"/>
+          <a:ext cx="0" cy="0"/>
+          <a:chOff x="0" y="0"/>
+          <a:chExt cx="0" cy="0"/>
+        </a:xfrm>
+      </p:grpSpPr>
+      <p:sp>
+        <p:nvSpPr>
+          <p:cNvPr id="377" name="PlaceHolder 1"/>
+          <p:cNvSpPr>
+            <a:spLocks noGrp="1"/>
+          </p:cNvSpPr>
+          <p:nvPr>
+            <p:ph type="title"/>
+          </p:nvPr>
+        </p:nvSpPr>
+        <p:spPr>
+          <a:xfrm>
+            <a:off x="609120" y="273600"/>
+            <a:ext cx="10969560" cy="1144800"/>
+          </a:xfrm>
+          <a:prstGeom prst="rect">
+            <a:avLst/>
+          </a:prstGeom>
+          <a:noFill/>
+          <a:ln w="0">
+            <a:noFill/>
+          </a:ln>
+        </p:spPr>
+        <p:txBody>
+          <a:bodyPr lIns="0" rIns="0" tIns="0" bIns="0" anchor="ctr">
+            <a:noAutofit/>
+          </a:bodyPr>
+          <a:p>
+            <a:pPr indent="0" algn="ctr">
+              <a:lnSpc>
+                <a:spcPct val="100000"/>
+              </a:lnSpc>
+              <a:buNone/>
+              <a:tabLst>
+                <a:tab algn="l" pos="0"/>
+              </a:tabLst>
+            </a:pPr>
+            <a:r>
+              <a:rPr b="0" lang="en-US" sz="4400" spc="-1" strike="noStrike">
+                <a:solidFill>
+                  <a:srgbClr val="ffffff"/>
+                </a:solidFill>
+                <a:latin typeface="Arial"/>
+              </a:rPr>
+              <a:t>Why this algorithm is at least a level 3</a:t>
+            </a:r>
+            <a:endParaRPr b="0" lang="en-US" sz="4400" spc="-1" strike="noStrike">
+              <a:solidFill>
+                <a:srgbClr val="ffffff"/>
+              </a:solidFill>
+              <a:latin typeface="Arial"/>
+            </a:endParaRPr>
+          </a:p>
+        </p:txBody>
+      </p:sp>
+      <p:sp>
+        <p:nvSpPr>
+          <p:cNvPr id="378" name="PlaceHolder 2"/>
+          <p:cNvSpPr>
+            <a:spLocks noGrp="1"/>
+          </p:cNvSpPr>
+          <p:nvPr>
+            <p:ph/>
+          </p:nvPr>
+        </p:nvSpPr>
+        <p:spPr>
+          <a:xfrm>
+            <a:off x="609120" y="1604520"/>
+            <a:ext cx="10969560" cy="3977280"/>
+          </a:xfrm>
+          <a:prstGeom prst="rect">
+            <a:avLst/>
+          </a:prstGeom>
+          <a:noFill/>
+          <a:ln w="0">
+            <a:noFill/>
+          </a:ln>
+        </p:spPr>
+        <p:txBody>
+          <a:bodyPr lIns="0" rIns="0" tIns="0" bIns="0" anchor="t">
+            <a:normAutofit/>
+          </a:bodyPr>
+          <a:p>
+            <a:pPr marL="432000" indent="0">
+              <a:spcBef>
+                <a:spcPts val="1417"/>
+              </a:spcBef>
+              <a:buNone/>
+            </a:pPr>
+            <a:endParaRPr b="0" lang="en-US" sz="3200" spc="-1" strike="noStrike">
+              <a:solidFill>
+                <a:srgbClr val="ffffff"/>
+              </a:solidFill>
+              <a:latin typeface="Arial"/>
+            </a:endParaRPr>
+          </a:p>
+          <a:p>
+            <a:pPr marL="432000" indent="-324000">
+              <a:spcBef>
+                <a:spcPts val="1417"/>
+              </a:spcBef>
+              <a:buClr>
+                <a:srgbClr val="ffffff"/>
+              </a:buClr>
+              <a:buSzPct val="45000"/>
+              <a:buFont typeface="Wingdings" charset="2"/>
+              <a:buChar char=""/>
+            </a:pPr>
+            <a:r>
+              <a:rPr b="0" lang="en-US" sz="3200" spc="-1" strike="noStrike">
+                <a:solidFill>
+                  <a:srgbClr val="ffffff"/>
+                </a:solidFill>
+                <a:latin typeface="Arial"/>
+              </a:rPr>
+              <a:t>The algorithm is uses constant space while also having a linear runtime, on average</a:t>
+            </a:r>
+            <a:endParaRPr b="0" lang="en-US" sz="3200" spc="-1" strike="noStrike">
+              <a:solidFill>
+                <a:srgbClr val="ffffff"/>
+              </a:solidFill>
+              <a:latin typeface="Arial"/>
+            </a:endParaRPr>
+          </a:p>
+          <a:p>
+            <a:pPr marL="432000" indent="-324000">
+              <a:spcBef>
+                <a:spcPts val="1417"/>
+              </a:spcBef>
+              <a:buClr>
+                <a:srgbClr val="ffffff"/>
+              </a:buClr>
+              <a:buSzPct val="45000"/>
+              <a:buFont typeface="Wingdings" charset="2"/>
+              <a:buChar char=""/>
+            </a:pPr>
+            <a:r>
+              <a:rPr b="0" lang="en-US" sz="3200" spc="-1" strike="noStrike">
+                <a:solidFill>
+                  <a:srgbClr val="ffffff"/>
+                </a:solidFill>
+                <a:latin typeface="Arial"/>
+              </a:rPr>
+              <a:t>The algorithm is the most space efficient among KMP and Boyer-Moore string matching algorithms as it does not need a helper array.</a:t>
+            </a:r>
+            <a:endParaRPr b="0" lang="en-US" sz="3200" spc="-1" strike="noStrike">
+              <a:solidFill>
+                <a:srgbClr val="ffffff"/>
+              </a:solidFill>
+              <a:latin typeface="Arial"/>
+            </a:endParaRPr>
+          </a:p>
+        </p:txBody>
+      </p:sp>
+    </p:spTree>
+  </p:cSld>
+  <mc:AlternateContent>
+    <mc:Choice Requires="p14">
+      <p:transition spd="slow" p14:dur="2000"/>
+    </mc:Choice>
+    <mc:Fallback>
+      <p:transition spd="slow"/>
+    </mc:Fallback>
+  </mc:AlternateContent>
+</p:sld>
+</file>
+
+<file path=ppt/slides/slide18.xml><?xml version="1.0" encoding="utf-8"?>
+<p:sld xmlns:a="http://schemas.openxmlformats.org/drawingml/2006/main" xmlns:p="http://schemas.openxmlformats.org/presentationml/2006/main" xmlns:r="http://schemas.openxmlformats.org/officeDocument/2006/relationships" xmlns:p14="http://schemas.microsoft.com/office/powerpoint/2010/main" xmlns:p15="http://schemas.microsoft.com/office/powerpoint/2012/main" xmlns:mc="http://schemas.openxmlformats.org/markup-compatibility/2006">
+  <p:cSld>
+    <p:bg>
+      <p:bgPr>
+        <a:solidFill>
+          <a:srgbClr val="000000"/>
+        </a:solidFill>
+      </p:bgPr>
+    </p:bg>
+    <p:spTree>
+      <p:nvGrpSpPr>
+        <p:cNvPr id="1" name=""/>
+        <p:cNvGrpSpPr/>
+        <p:nvPr/>
+      </p:nvGrpSpPr>
+      <p:grpSpPr>
+        <a:xfrm>
+          <a:off x="0" y="0"/>
+          <a:ext cx="0" cy="0"/>
+          <a:chOff x="0" y="0"/>
+          <a:chExt cx="0" cy="0"/>
+        </a:xfrm>
+      </p:grpSpPr>
+      <p:sp>
+        <p:nvSpPr>
+          <p:cNvPr id="379" name="PlaceHolder 1"/>
+          <p:cNvSpPr>
+            <a:spLocks noGrp="1"/>
+          </p:cNvSpPr>
+          <p:nvPr>
+            <p:ph type="title"/>
+          </p:nvPr>
+        </p:nvSpPr>
+        <p:spPr>
+          <a:xfrm>
+            <a:off x="723600" y="723960"/>
+            <a:ext cx="10738440" cy="1101600"/>
+          </a:xfrm>
+          <a:prstGeom prst="rect">
+            <a:avLst/>
+          </a:prstGeom>
+          <a:noFill/>
+          <a:ln w="0">
+            <a:noFill/>
+          </a:ln>
+        </p:spPr>
+        <p:txBody>
+          <a:bodyPr lIns="0" rIns="0" tIns="0" bIns="0" anchor="b">
+            <a:noAutofit/>
+          </a:bodyPr>
+          <a:p>
+            <a:pPr indent="0" algn="ctr">
+              <a:lnSpc>
+                <a:spcPct val="100000"/>
+              </a:lnSpc>
+              <a:buNone/>
+              <a:tabLst>
+                <a:tab algn="l" pos="0"/>
+              </a:tabLst>
+            </a:pPr>
+            <a:r>
+              <a:rPr b="1" lang="en-US" sz="2400" spc="-1" strike="noStrike">
+                <a:solidFill>
+                  <a:srgbClr val="ffffff"/>
+                </a:solidFill>
+                <a:latin typeface="Arial Black"/>
+              </a:rPr>
+              <a:t>References</a:t>
+            </a:r>
+            <a:endParaRPr b="0" lang="en-US" sz="2400" spc="-1" strike="noStrike">
+              <a:solidFill>
+                <a:srgbClr val="ffffff"/>
+              </a:solidFill>
+              <a:latin typeface="Arial"/>
+            </a:endParaRPr>
+          </a:p>
+        </p:txBody>
+      </p:sp>
+      <p:sp>
+        <p:nvSpPr>
+          <p:cNvPr id="380" name="PlaceHolder 2"/>
+          <p:cNvSpPr>
+            <a:spLocks noGrp="1"/>
+          </p:cNvSpPr>
+          <p:nvPr>
+            <p:ph/>
+          </p:nvPr>
+        </p:nvSpPr>
+        <p:spPr>
+          <a:xfrm>
+            <a:off x="723600" y="2342520"/>
+            <a:ext cx="10738440" cy="3750840"/>
+          </a:xfrm>
+          <a:prstGeom prst="rect">
+            <a:avLst/>
+          </a:prstGeom>
+          <a:noFill/>
+          <a:ln w="0">
+            <a:noFill/>
+          </a:ln>
+        </p:spPr>
+        <p:txBody>
+          <a:bodyPr lIns="0" rIns="0" tIns="0" bIns="0" anchor="t">
+            <a:noAutofit/>
+          </a:bodyPr>
+          <a:p>
+            <a:pPr indent="0">
+              <a:lnSpc>
+                <a:spcPct val="150000"/>
+              </a:lnSpc>
+              <a:spcAft>
+                <a:spcPts val="1001"/>
+              </a:spcAft>
+              <a:buNone/>
+              <a:tabLst>
+                <a:tab algn="l" pos="0"/>
+              </a:tabLst>
+            </a:pPr>
+            <a:r>
+              <a:rPr b="0" lang="en-US" sz="1800" spc="-1" strike="noStrike">
+                <a:solidFill>
+                  <a:srgbClr val="ffffff"/>
+                </a:solidFill>
+                <a:latin typeface="Arial"/>
+              </a:rPr>
+              <a:t>- R. M. Karp and M. O. Rabin, "Efficient randomized pattern-matching algorithms," in IBM Journal of </a:t>
+            </a:r>
+            <a:r>
+              <a:rPr b="0" lang="en-US" sz="1800" spc="-1" strike="noStrike">
+                <a:solidFill>
+                  <a:srgbClr val="ffffff"/>
+                </a:solidFill>
+                <a:latin typeface="Arial"/>
+              </a:rPr>
+              <a:t>Research and Development, vol. 31, no. 2, pp. 249-260, March 1987, doi: 10.1147/rd.312.0249.</a:t>
+            </a:r>
+            <a:endParaRPr b="0" lang="en-US" sz="1800" spc="-1" strike="noStrike">
+              <a:solidFill>
+                <a:srgbClr val="ffffff"/>
+              </a:solidFill>
+              <a:latin typeface="Arial"/>
+            </a:endParaRPr>
+          </a:p>
+          <a:p>
+            <a:pPr indent="0">
+              <a:lnSpc>
+                <a:spcPct val="150000"/>
+              </a:lnSpc>
+              <a:spcAft>
+                <a:spcPts val="1001"/>
+              </a:spcAft>
+              <a:buNone/>
+              <a:tabLst>
+                <a:tab algn="l" pos="0"/>
+              </a:tabLst>
+            </a:pPr>
+            <a:endParaRPr b="0" lang="en-US" sz="1800" spc="-1" strike="noStrike">
+              <a:solidFill>
+                <a:srgbClr val="ffffff"/>
+              </a:solidFill>
+              <a:latin typeface="Arial"/>
+            </a:endParaRPr>
+          </a:p>
+        </p:txBody>
+      </p:sp>
+    </p:spTree>
+  </p:cSld>
+  <mc:AlternateContent>
+    <mc:Choice Requires="p14">
+      <p:transition spd="slow" p14:dur="2000"/>
+    </mc:Choice>
+    <mc:Fallback>
+      <p:transition spd="slow"/>
+    </mc:Fallback>
+  </mc:AlternateContent>
+</p:sld>
+</file>
+
+<file path=ppt/slides/slide19.xml><?xml version="1.0" encoding="utf-8"?>
+<p:sld xmlns:a="http://schemas.openxmlformats.org/drawingml/2006/main" xmlns:p="http://schemas.openxmlformats.org/presentationml/2006/main" xmlns:r="http://schemas.openxmlformats.org/officeDocument/2006/relationships" xmlns:p14="http://schemas.microsoft.com/office/powerpoint/2010/main" xmlns:p15="http://schemas.microsoft.com/office/powerpoint/2012/main" xmlns:mc="http://schemas.openxmlformats.org/markup-compatibility/2006">
+  <p:cSld>
+    <p:spTree>
+      <p:nvGrpSpPr>
+        <p:cNvPr id="1" name=""/>
+        <p:cNvGrpSpPr/>
+        <p:nvPr/>
+      </p:nvGrpSpPr>
+      <p:grpSpPr>
+        <a:xfrm>
+          <a:off x="0" y="0"/>
+          <a:ext cx="0" cy="0"/>
+          <a:chOff x="0" y="0"/>
+          <a:chExt cx="0" cy="0"/>
+        </a:xfrm>
+      </p:grpSpPr>
+      <p:sp>
+        <p:nvSpPr>
+          <p:cNvPr id="381" name="PlaceHolder 1"/>
+          <p:cNvSpPr>
+            <a:spLocks noGrp="1"/>
+          </p:cNvSpPr>
+          <p:nvPr>
+            <p:ph type="title"/>
+          </p:nvPr>
+        </p:nvSpPr>
+        <p:spPr>
+          <a:xfrm>
             <a:off x="1104480" y="1122480"/>
-            <a:ext cx="9977040" cy="2385000"/>
+            <a:ext cx="9976680" cy="2384640"/>
           </a:xfrm>
           <a:prstGeom prst="rect">
             <a:avLst/>
@@ -19322,7 +20859,7 @@
         <p:spPr>
           <a:xfrm>
             <a:off x="609120" y="273600"/>
-            <a:ext cx="10967760" cy="1143000"/>
+            <a:ext cx="10967400" cy="1142640"/>
           </a:xfrm>
           <a:prstGeom prst="rect">
             <a:avLst/>
@@ -19377,7 +20914,7 @@
         <p:spPr>
           <a:xfrm>
             <a:off x="609120" y="1604520"/>
-            <a:ext cx="5351040" cy="3975480"/>
+            <a:ext cx="5350680" cy="3975120"/>
           </a:xfrm>
           <a:prstGeom prst="rect">
             <a:avLst/>
@@ -19528,7 +21065,7 @@
         <p:spPr>
           <a:xfrm>
             <a:off x="6230160" y="1604520"/>
-            <a:ext cx="5351040" cy="3975480"/>
+            <a:ext cx="5350680" cy="3975120"/>
           </a:xfrm>
           <a:prstGeom prst="rect">
             <a:avLst/>
@@ -19682,7 +21219,7 @@
         <p:spPr>
           <a:xfrm>
             <a:off x="723600" y="723960"/>
-            <a:ext cx="10738800" cy="1101960"/>
+            <a:ext cx="10738440" cy="1101600"/>
           </a:xfrm>
           <a:prstGeom prst="rect">
             <a:avLst/>
@@ -19737,7 +21274,7 @@
         <p:spPr>
           <a:xfrm>
             <a:off x="609120" y="1604520"/>
-            <a:ext cx="5351400" cy="3975840"/>
+            <a:ext cx="5351040" cy="3975480"/>
           </a:xfrm>
           <a:prstGeom prst="rect">
             <a:avLst/>
@@ -19956,7 +21493,7 @@
         <p:spPr>
           <a:xfrm>
             <a:off x="6230160" y="1604520"/>
-            <a:ext cx="5351400" cy="3975840"/>
+            <a:ext cx="5351040" cy="3975480"/>
           </a:xfrm>
           <a:prstGeom prst="rect">
             <a:avLst/>
@@ -20049,16 +21586,7 @@
                 </a:solidFill>
                 <a:latin typeface="Arial"/>
               </a:rPr>
-              <a:t>Let h(p) be the hash of the </a:t>
-            </a:r>
-            <a:r>
-              <a:rPr b="0" lang="en-US" sz="2800" spc="-1" strike="noStrike">
-                <a:solidFill>
-                  <a:srgbClr val="ffffff"/>
-                </a:solidFill>
-                <a:latin typeface="Arial"/>
-              </a:rPr>
-              <a:t>pattern</a:t>
+              <a:t>Let h(p) be the hash of the pattern</a:t>
             </a:r>
             <a:endParaRPr b="0" lang="en-US" sz="2800" spc="-1" strike="noStrike">
               <a:solidFill>
@@ -20092,25 +21620,7 @@
                 </a:solidFill>
                 <a:latin typeface="Arial"/>
               </a:rPr>
-              <a:t>Let h(i) be the rolling hash of </a:t>
-            </a:r>
-            <a:r>
-              <a:rPr b="0" lang="en-US" sz="2800" spc="-1" strike="noStrike">
-                <a:solidFill>
-                  <a:srgbClr val="ffffff"/>
-                </a:solidFill>
-                <a:latin typeface="Arial"/>
-              </a:rPr>
-              <a:t>each substring of t, which is </a:t>
-            </a:r>
-            <a:r>
-              <a:rPr b="0" lang="en-US" sz="2800" spc="-1" strike="noStrike">
-                <a:solidFill>
-                  <a:srgbClr val="ffffff"/>
-                </a:solidFill>
-                <a:latin typeface="Arial"/>
-              </a:rPr>
-              <a:t>t[i..i+m]</a:t>
+              <a:t>Let h(i) be the rolling hash of each substring of t, which is t[i..i+m]</a:t>
             </a:r>
             <a:endParaRPr b="0" lang="en-US" sz="2800" spc="-1" strike="noStrike">
               <a:solidFill>
@@ -20144,34 +21654,7 @@
                 </a:solidFill>
                 <a:latin typeface="Arial"/>
               </a:rPr>
-              <a:t>If h(p) == h(i), then compare </a:t>
-            </a:r>
-            <a:r>
-              <a:rPr b="0" lang="en-US" sz="2800" spc="-1" strike="noStrike">
-                <a:solidFill>
-                  <a:srgbClr val="ffffff"/>
-                </a:solidFill>
-                <a:latin typeface="Arial"/>
-              </a:rPr>
-              <a:t>the pattern p with t[i..i+m]. If </a:t>
-            </a:r>
-            <a:r>
-              <a:rPr b="0" lang="en-US" sz="2800" spc="-1" strike="noStrike">
-                <a:solidFill>
-                  <a:srgbClr val="ffffff"/>
-                </a:solidFill>
-                <a:latin typeface="Arial"/>
-              </a:rPr>
-              <a:t>they are the same then add </a:t>
-            </a:r>
-            <a:r>
-              <a:rPr b="0" lang="en-US" sz="2800" spc="-1" strike="noStrike">
-                <a:solidFill>
-                  <a:srgbClr val="ffffff"/>
-                </a:solidFill>
-                <a:latin typeface="Arial"/>
-              </a:rPr>
-              <a:t>i to the array of indices</a:t>
+              <a:t>If h(p) == h(i), then compare the pattern p with t[i..i+m]. If they are the same then add i to the array of indices</a:t>
             </a:r>
             <a:endParaRPr b="0" lang="en-US" sz="2800" spc="-1" strike="noStrike">
               <a:solidFill>
@@ -20205,25 +21688,7 @@
                 </a:solidFill>
                 <a:latin typeface="Arial"/>
               </a:rPr>
-              <a:t>Otherwise recalculate the </a:t>
-            </a:r>
-            <a:r>
-              <a:rPr b="0" lang="en-US" sz="2800" spc="-1" strike="noStrike">
-                <a:solidFill>
-                  <a:srgbClr val="ffffff"/>
-                </a:solidFill>
-                <a:latin typeface="Arial"/>
-              </a:rPr>
-              <a:t>hash and start the next </a:t>
-            </a:r>
-            <a:r>
-              <a:rPr b="0" lang="en-US" sz="2800" spc="-1" strike="noStrike">
-                <a:solidFill>
-                  <a:srgbClr val="ffffff"/>
-                </a:solidFill>
-                <a:latin typeface="Arial"/>
-              </a:rPr>
-              <a:t>phase</a:t>
+              <a:t>Otherwise recalculate the hash and start the next phase</a:t>
             </a:r>
             <a:endParaRPr b="0" lang="en-US" sz="2800" spc="-1" strike="noStrike">
               <a:solidFill>
@@ -20284,7 +21749,7 @@
         <p:spPr>
           <a:xfrm>
             <a:off x="723600" y="497160"/>
-            <a:ext cx="10738800" cy="1101960"/>
+            <a:ext cx="10738440" cy="1101600"/>
           </a:xfrm>
           <a:prstGeom prst="rect">
             <a:avLst/>
@@ -20300,7 +21765,13 @@
           </a:bodyPr>
           <a:p>
             <a:pPr indent="0" algn="ctr">
-              <a:buNone/>
+              <a:lnSpc>
+                <a:spcPct val="100000"/>
+              </a:lnSpc>
+              <a:buNone/>
+              <a:tabLst>
+                <a:tab algn="l" pos="0"/>
+              </a:tabLst>
             </a:pPr>
             <a:r>
               <a:rPr b="0" lang="en-US" sz="4400" spc="-1" strike="noStrike">
@@ -20333,7 +21804,7 @@
         <p:spPr>
           <a:xfrm>
             <a:off x="685800" y="1833120"/>
-            <a:ext cx="10819800" cy="4566600"/>
+            <a:ext cx="10819440" cy="4566240"/>
           </a:xfrm>
           <a:prstGeom prst="rect">
             <a:avLst/>
@@ -20345,7 +21816,7 @@
         </p:spPr>
         <p:txBody>
           <a:bodyPr lIns="0" rIns="0" tIns="0" bIns="0" anchor="t">
-            <a:normAutofit/>
+            <a:normAutofit fontScale="95000"/>
           </a:bodyPr>
           <a:p>
             <a:pPr marL="432000" indent="0">
@@ -20356,6 +21827,9 @@
                 <a:spcPts val="1417"/>
               </a:spcBef>
               <a:buNone/>
+              <a:tabLst>
+                <a:tab algn="l" pos="0"/>
+              </a:tabLst>
             </a:pPr>
             <a:endParaRPr b="0" lang="en-US" sz="3200" spc="-1" strike="noStrike">
               <a:solidFill>
@@ -20365,7 +21839,7 @@
             </a:endParaRPr>
           </a:p>
           <a:p>
-            <a:pPr indent="0">
+            <a:pPr marL="432000" indent="0">
               <a:lnSpc>
                 <a:spcPct val="100000"/>
               </a:lnSpc>
@@ -20373,6 +21847,9 @@
                 <a:spcPts val="1417"/>
               </a:spcBef>
               <a:buNone/>
+              <a:tabLst>
+                <a:tab algn="l" pos="0"/>
+              </a:tabLst>
             </a:pPr>
             <a:r>
               <a:rPr b="0" lang="en-US" sz="3200" spc="-1" strike="noStrike">
@@ -20412,7 +21889,7 @@
             </a:endParaRPr>
           </a:p>
           <a:p>
-            <a:pPr indent="0">
+            <a:pPr marL="432000" indent="0">
               <a:lnSpc>
                 <a:spcPct val="100000"/>
               </a:lnSpc>
@@ -20420,6 +21897,9 @@
                 <a:spcPts val="1417"/>
               </a:spcBef>
               <a:buNone/>
+              <a:tabLst>
+                <a:tab algn="l" pos="0"/>
+              </a:tabLst>
             </a:pPr>
             <a:r>
               <a:rPr b="0" lang="en-US" sz="3200" spc="-1" strike="noStrike">
@@ -20469,32 +21949,15 @@
                 <a:latin typeface="Arial"/>
                 <a:ea typeface="Source Han Sans CN"/>
               </a:rPr>
-              <a:t> + 1</a:t>
-            </a:r>
-            <a:r>
-              <a:rPr b="0" lang="en-US" sz="3200" spc="-1" strike="noStrike">
+              <a:t> + 1 * 31</a:t>
+            </a:r>
+            <a:r>
+              <a:rPr b="0" lang="en-US" sz="3200" spc="-1" strike="noStrike" baseline="33000">
                 <a:solidFill>
                   <a:srgbClr val="ffffff"/>
                 </a:solidFill>
                 <a:latin typeface="Arial"/>
-              </a:rPr>
-              <a:t> * </a:t>
-            </a:r>
-            <a:r>
-              <a:rPr b="0" lang="en-US" sz="3200" spc="-1" strike="noStrike">
-                <a:solidFill>
-                  <a:srgbClr val="ffffff"/>
-                </a:solidFill>
-                <a:latin typeface="Arial"/>
-              </a:rPr>
-              <a:t>31</a:t>
-            </a:r>
-            <a:r>
-              <a:rPr b="0" lang="en-US" sz="3200" spc="-1" strike="noStrike" baseline="33000">
-                <a:solidFill>
-                  <a:srgbClr val="ffffff"/>
-                </a:solidFill>
-                <a:latin typeface="Arial"/>
+                <a:ea typeface="Source Han Sans CN"/>
               </a:rPr>
               <a:t>0</a:t>
             </a:r>
@@ -20506,7 +21969,7 @@
             </a:endParaRPr>
           </a:p>
           <a:p>
-            <a:pPr indent="0">
+            <a:pPr marL="432000" indent="0">
               <a:lnSpc>
                 <a:spcPct val="100000"/>
               </a:lnSpc>
@@ -20514,6 +21977,9 @@
                 <a:spcPts val="1417"/>
               </a:spcBef>
               <a:buNone/>
+              <a:tabLst>
+                <a:tab algn="l" pos="0"/>
+              </a:tabLst>
             </a:pPr>
             <a:r>
               <a:rPr b="0" lang="en-US" sz="3200" spc="-1" strike="noStrike">
@@ -20521,6 +21987,7 @@
                   <a:srgbClr val="ffffff"/>
                 </a:solidFill>
                 <a:latin typeface="Arial"/>
+                <a:ea typeface="Source Han Sans CN"/>
               </a:rPr>
               <a:t>=  3008</a:t>
             </a:r>
@@ -20532,7 +21999,7 @@
             </a:endParaRPr>
           </a:p>
           <a:p>
-            <a:pPr indent="0">
+            <a:pPr marL="432000" indent="0">
               <a:lnSpc>
                 <a:spcPct val="100000"/>
               </a:lnSpc>
@@ -20540,6 +22007,9 @@
                 <a:spcPts val="1417"/>
               </a:spcBef>
               <a:buNone/>
+              <a:tabLst>
+                <a:tab algn="l" pos="0"/>
+              </a:tabLst>
             </a:pPr>
             <a:r>
               <a:rPr b="0" lang="en-US" sz="3200" spc="-1" strike="noStrike">
@@ -20547,6 +22017,7 @@
                   <a:srgbClr val="ffffff"/>
                 </a:solidFill>
                 <a:latin typeface="Arial"/>
+                <a:ea typeface="Source Han Sans CN"/>
               </a:rPr>
               <a:t>H(t[0..2]) = (1 * 31</a:t>
             </a:r>
@@ -20556,6 +22027,7 @@
                   <a:srgbClr val="ffffff"/>
                 </a:solidFill>
                 <a:latin typeface="Arial"/>
+                <a:ea typeface="Source Han Sans CN"/>
               </a:rPr>
               <a:t>2</a:t>
             </a:r>
@@ -20565,8 +22037,19 @@
                   <a:srgbClr val="ffffff"/>
                 </a:solidFill>
                 <a:latin typeface="Arial"/>
-              </a:rPr>
-              <a:t>) + (2 * </a:t>
+                <a:ea typeface="Source Han Sans CN"/>
+              </a:rPr>
+              <a:t>) + (2 * 31</a:t>
+            </a:r>
+            <a:r>
+              <a:rPr b="0" lang="en-US" sz="3200" spc="-1" strike="noStrike" baseline="33000">
+                <a:solidFill>
+                  <a:srgbClr val="ffffff"/>
+                </a:solidFill>
+                <a:latin typeface="Arial"/>
+                <a:ea typeface="Source Han Sans CN"/>
+              </a:rPr>
+              <a:t>1</a:t>
             </a:r>
             <a:r>
               <a:rPr b="0" lang="en-US" sz="3200" spc="-1" strike="noStrike">
@@ -20574,8 +22057,9 @@
                   <a:srgbClr val="ffffff"/>
                 </a:solidFill>
                 <a:latin typeface="Arial"/>
-              </a:rPr>
-              <a:t>31</a:t>
+                <a:ea typeface="Source Han Sans CN"/>
+              </a:rPr>
+              <a:t>) + (3 * 31</a:t>
             </a:r>
             <a:r>
               <a:rPr b="0" lang="en-US" sz="3200" spc="-1" strike="noStrike" baseline="33000">
@@ -20583,8 +22067,9 @@
                   <a:srgbClr val="ffffff"/>
                 </a:solidFill>
                 <a:latin typeface="Arial"/>
-              </a:rPr>
-              <a:t>1</a:t>
+                <a:ea typeface="Source Han Sans CN"/>
+              </a:rPr>
+              <a:t>0</a:t>
             </a:r>
             <a:r>
               <a:rPr b="0" lang="en-US" sz="3200" spc="-1" strike="noStrike">
@@ -20592,24 +22077,7 @@
                   <a:srgbClr val="ffffff"/>
                 </a:solidFill>
                 <a:latin typeface="Arial"/>
-              </a:rPr>
-              <a:t>) + (3 * 31</a:t>
-            </a:r>
-            <a:r>
-              <a:rPr b="0" lang="en-US" sz="3200" spc="-1" strike="noStrike" baseline="33000">
-                <a:solidFill>
-                  <a:srgbClr val="ffffff"/>
-                </a:solidFill>
-                <a:latin typeface="Arial"/>
-              </a:rPr>
-              <a:t>0</a:t>
-            </a:r>
-            <a:r>
-              <a:rPr b="0" lang="en-US" sz="3200" spc="-1" strike="noStrike">
-                <a:solidFill>
-                  <a:srgbClr val="ffffff"/>
-                </a:solidFill>
-                <a:latin typeface="Arial"/>
+                <a:ea typeface="Source Han Sans CN"/>
               </a:rPr>
               <a:t>) = 1026</a:t>
             </a:r>
@@ -20621,7 +22089,7 @@
             </a:endParaRPr>
           </a:p>
           <a:p>
-            <a:pPr indent="0">
+            <a:pPr marL="432000" indent="0">
               <a:lnSpc>
                 <a:spcPct val="100000"/>
               </a:lnSpc>
@@ -20629,6 +22097,9 @@
                 <a:spcPts val="1417"/>
               </a:spcBef>
               <a:buNone/>
+              <a:tabLst>
+                <a:tab algn="l" pos="0"/>
+              </a:tabLst>
             </a:pPr>
             <a:r>
               <a:rPr b="0" lang="en-US" sz="3200" spc="-1" strike="noStrike">
@@ -20636,6 +22107,7 @@
                   <a:srgbClr val="ffffff"/>
                 </a:solidFill>
                 <a:latin typeface="Arial"/>
+                <a:ea typeface="Source Han Sans CN"/>
               </a:rPr>
               <a:t>3008 </a:t>
             </a:r>
@@ -20657,7 +22129,7 @@
             </a:endParaRPr>
           </a:p>
           <a:p>
-            <a:pPr indent="0">
+            <a:pPr marL="432000" indent="0">
               <a:lnSpc>
                 <a:spcPct val="100000"/>
               </a:lnSpc>
@@ -20665,6 +22137,9 @@
                 <a:spcPts val="1417"/>
               </a:spcBef>
               <a:buNone/>
+              <a:tabLst>
+                <a:tab algn="l" pos="0"/>
+              </a:tabLst>
             </a:pPr>
             <a:r>
               <a:rPr b="0" lang="en-US" sz="3200" spc="-1" strike="noStrike">
@@ -20674,27 +22149,7 @@
                 <a:latin typeface="DejaVu Sans"/>
                 <a:ea typeface="DejaVu Sans"/>
               </a:rPr>
-              <a:t>Therefore we slide to the </a:t>
-            </a:r>
-            <a:r>
-              <a:rPr b="0" lang="en-US" sz="3200" spc="-1" strike="noStrike">
-                <a:solidFill>
-                  <a:srgbClr val="ffffff"/>
-                </a:solidFill>
-                <a:latin typeface="DejaVu Sans"/>
-                <a:ea typeface="DejaVu Sans"/>
-              </a:rPr>
-              <a:t>next window of </a:t>
-            </a:r>
-            <a:r>
-              <a:rPr b="0" lang="en-US" sz="3200" spc="-1" strike="noStrike">
-                <a:solidFill>
-                  <a:srgbClr val="ffffff"/>
-                </a:solidFill>
-                <a:latin typeface="DejaVu Sans"/>
-                <a:ea typeface="DejaVu Sans"/>
-              </a:rPr>
-              <a:t>characters.</a:t>
+              <a:t>Therefore we slide to the next window of characters.</a:t>
             </a:r>
             <a:endParaRPr b="0" lang="en-US" sz="3200" spc="-1" strike="noStrike">
               <a:solidFill>
@@ -20718,7 +22173,7 @@
         <p:spPr>
           <a:xfrm>
             <a:off x="7772400" y="2743200"/>
-            <a:ext cx="2256480" cy="789840"/>
+            <a:ext cx="2256120" cy="789480"/>
           </a:xfrm>
           <a:prstGeom prst="rect">
             <a:avLst/>
@@ -20731,27 +22186,38 @@
       <p:sp>
         <p:nvSpPr>
           <p:cNvPr id="344" name=""/>
-          <p:cNvSpPr txBox="1"/>
+          <p:cNvSpPr/>
           <p:nvPr/>
         </p:nvSpPr>
         <p:spPr>
           <a:xfrm>
             <a:off x="7772400" y="2057400"/>
-            <a:ext cx="2286000" cy="346320"/>
-          </a:xfrm>
-          <a:prstGeom prst="rect">
-            <a:avLst/>
-          </a:prstGeom>
-          <a:noFill/>
-          <a:ln w="0">
-            <a:noFill/>
-          </a:ln>
-        </p:spPr>
+            <a:ext cx="2285640" cy="345960"/>
+          </a:xfrm>
+          <a:prstGeom prst="rect">
+            <a:avLst/>
+          </a:prstGeom>
+          <a:noFill/>
+          <a:ln w="0">
+            <a:noFill/>
+          </a:ln>
+        </p:spPr>
+        <p:style>
+          <a:lnRef idx="0"/>
+          <a:fillRef idx="0"/>
+          <a:effectRef idx="0"/>
+          <a:fontRef idx="minor"/>
+        </p:style>
         <p:txBody>
           <a:bodyPr lIns="90000" rIns="90000" tIns="45000" bIns="45000" anchor="t">
             <a:noAutofit/>
           </a:bodyPr>
           <a:p>
+            <a:pPr>
+              <a:lnSpc>
+                <a:spcPct val="100000"/>
+              </a:lnSpc>
+            </a:pPr>
             <a:r>
               <a:rPr b="0" lang="en-US" sz="1800" spc="-1" strike="noStrike">
                 <a:solidFill>
@@ -20820,7 +22286,7 @@
         <p:spPr>
           <a:xfrm>
             <a:off x="723600" y="497160"/>
-            <a:ext cx="10738800" cy="1101960"/>
+            <a:ext cx="10738440" cy="1101600"/>
           </a:xfrm>
           <a:prstGeom prst="rect">
             <a:avLst/>
@@ -20836,7 +22302,13 @@
           </a:bodyPr>
           <a:p>
             <a:pPr indent="0" algn="ctr">
-              <a:buNone/>
+              <a:lnSpc>
+                <a:spcPct val="100000"/>
+              </a:lnSpc>
+              <a:buNone/>
+              <a:tabLst>
+                <a:tab algn="l" pos="0"/>
+              </a:tabLst>
             </a:pPr>
             <a:r>
               <a:rPr b="0" lang="en-US" sz="4400" spc="-1" strike="noStrike">
@@ -20869,7 +22341,7 @@
         <p:spPr>
           <a:xfrm>
             <a:off x="700920" y="1600200"/>
-            <a:ext cx="10819800" cy="4566600"/>
+            <a:ext cx="10819440" cy="4566240"/>
           </a:xfrm>
           <a:prstGeom prst="rect">
             <a:avLst/>
@@ -20892,6 +22364,9 @@
                 <a:spcPts val="1417"/>
               </a:spcBef>
               <a:buNone/>
+              <a:tabLst>
+                <a:tab algn="l" pos="0"/>
+              </a:tabLst>
             </a:pPr>
             <a:endParaRPr b="0" lang="en-US" sz="3200" spc="-1" strike="noStrike">
               <a:solidFill>
@@ -20901,7 +22376,7 @@
             </a:endParaRPr>
           </a:p>
           <a:p>
-            <a:pPr indent="0">
+            <a:pPr marL="432000" indent="0">
               <a:lnSpc>
                 <a:spcPct val="100000"/>
               </a:lnSpc>
@@ -20909,6 +22384,9 @@
                 <a:spcPts val="1417"/>
               </a:spcBef>
               <a:buNone/>
+              <a:tabLst>
+                <a:tab algn="l" pos="0"/>
+              </a:tabLst>
             </a:pPr>
             <a:r>
               <a:rPr b="0" lang="en-US" sz="3200" spc="-1" strike="noStrike">
@@ -20948,7 +22426,7 @@
             </a:endParaRPr>
           </a:p>
           <a:p>
-            <a:pPr indent="0">
+            <a:pPr marL="432000" indent="0">
               <a:lnSpc>
                 <a:spcPct val="100000"/>
               </a:lnSpc>
@@ -20956,6 +22434,9 @@
                 <a:spcPts val="1417"/>
               </a:spcBef>
               <a:buNone/>
+              <a:tabLst>
+                <a:tab algn="l" pos="0"/>
+              </a:tabLst>
             </a:pPr>
             <a:r>
               <a:rPr b="0" lang="en-US" sz="3200" spc="-1" strike="noStrike">
@@ -21005,32 +22486,15 @@
                 <a:latin typeface="Arial"/>
                 <a:ea typeface="Source Han Sans CN"/>
               </a:rPr>
-              <a:t> + 1</a:t>
-            </a:r>
-            <a:r>
-              <a:rPr b="0" lang="en-US" sz="3200" spc="-1" strike="noStrike">
+              <a:t> + 1 * 31</a:t>
+            </a:r>
+            <a:r>
+              <a:rPr b="0" lang="en-US" sz="3200" spc="-1" strike="noStrike" baseline="33000">
                 <a:solidFill>
                   <a:srgbClr val="ffffff"/>
                 </a:solidFill>
                 <a:latin typeface="Arial"/>
-              </a:rPr>
-              <a:t> * </a:t>
-            </a:r>
-            <a:r>
-              <a:rPr b="0" lang="en-US" sz="3200" spc="-1" strike="noStrike">
-                <a:solidFill>
-                  <a:srgbClr val="ffffff"/>
-                </a:solidFill>
-                <a:latin typeface="Arial"/>
-              </a:rPr>
-              <a:t>31</a:t>
-            </a:r>
-            <a:r>
-              <a:rPr b="0" lang="en-US" sz="3200" spc="-1" strike="noStrike" baseline="33000">
-                <a:solidFill>
-                  <a:srgbClr val="ffffff"/>
-                </a:solidFill>
-                <a:latin typeface="Arial"/>
+                <a:ea typeface="Source Han Sans CN"/>
               </a:rPr>
               <a:t>0</a:t>
             </a:r>
@@ -21042,7 +22506,7 @@
             </a:endParaRPr>
           </a:p>
           <a:p>
-            <a:pPr indent="0">
+            <a:pPr marL="432000" indent="0">
               <a:lnSpc>
                 <a:spcPct val="100000"/>
               </a:lnSpc>
@@ -21050,6 +22514,9 @@
                 <a:spcPts val="1417"/>
               </a:spcBef>
               <a:buNone/>
+              <a:tabLst>
+                <a:tab algn="l" pos="0"/>
+              </a:tabLst>
             </a:pPr>
             <a:r>
               <a:rPr b="0" lang="en-US" sz="3200" spc="-1" strike="noStrike">
@@ -21057,6 +22524,7 @@
                   <a:srgbClr val="ffffff"/>
                 </a:solidFill>
                 <a:latin typeface="Arial"/>
+                <a:ea typeface="Source Han Sans CN"/>
               </a:rPr>
               <a:t>=  3008</a:t>
             </a:r>
@@ -21068,7 +22536,7 @@
             </a:endParaRPr>
           </a:p>
           <a:p>
-            <a:pPr indent="0">
+            <a:pPr marL="432000" indent="0">
               <a:lnSpc>
                 <a:spcPct val="100000"/>
               </a:lnSpc>
@@ -21076,6 +22544,9 @@
                 <a:spcPts val="1417"/>
               </a:spcBef>
               <a:buNone/>
+              <a:tabLst>
+                <a:tab algn="l" pos="0"/>
+              </a:tabLst>
             </a:pPr>
             <a:r>
               <a:rPr b="0" lang="en-US" sz="3200" spc="-1" strike="noStrike">
@@ -21083,6 +22554,7 @@
                   <a:srgbClr val="ffffff"/>
                 </a:solidFill>
                 <a:latin typeface="Arial"/>
+                <a:ea typeface="Source Han Sans CN"/>
               </a:rPr>
               <a:t>H(t[0..2]) = </a:t>
             </a:r>
@@ -21095,6 +22567,7 @@
                   <a:srgbClr val="ffa6a6"/>
                 </a:highlight>
                 <a:latin typeface="Arial"/>
+                <a:ea typeface="Source Han Sans CN"/>
               </a:rPr>
               <a:t>(1 * 31</a:t>
             </a:r>
@@ -21107,6 +22580,7 @@
                   <a:srgbClr val="ffa6a6"/>
                 </a:highlight>
                 <a:latin typeface="Arial"/>
+                <a:ea typeface="Source Han Sans CN"/>
               </a:rPr>
               <a:t>2</a:t>
             </a:r>
@@ -21119,6 +22593,7 @@
                   <a:srgbClr val="ffa6a6"/>
                 </a:highlight>
                 <a:latin typeface="Arial"/>
+                <a:ea typeface="Source Han Sans CN"/>
               </a:rPr>
               <a:t>)</a:t>
             </a:r>
@@ -21128,8 +22603,19 @@
                   <a:srgbClr val="ffffff"/>
                 </a:solidFill>
                 <a:latin typeface="Arial"/>
-              </a:rPr>
-              <a:t> + (2 * </a:t>
+                <a:ea typeface="Source Han Sans CN"/>
+              </a:rPr>
+              <a:t> + (2 * 31</a:t>
+            </a:r>
+            <a:r>
+              <a:rPr b="0" lang="en-US" sz="3200" spc="-1" strike="noStrike" baseline="33000">
+                <a:solidFill>
+                  <a:srgbClr val="ffffff"/>
+                </a:solidFill>
+                <a:latin typeface="Arial"/>
+                <a:ea typeface="Source Han Sans CN"/>
+              </a:rPr>
+              <a:t>1</a:t>
             </a:r>
             <a:r>
               <a:rPr b="0" lang="en-US" sz="3200" spc="-1" strike="noStrike">
@@ -21137,8 +22623,9 @@
                   <a:srgbClr val="ffffff"/>
                 </a:solidFill>
                 <a:latin typeface="Arial"/>
-              </a:rPr>
-              <a:t>31</a:t>
+                <a:ea typeface="Source Han Sans CN"/>
+              </a:rPr>
+              <a:t>) + (3 * 31</a:t>
             </a:r>
             <a:r>
               <a:rPr b="0" lang="en-US" sz="3200" spc="-1" strike="noStrike" baseline="33000">
@@ -21146,8 +22633,9 @@
                   <a:srgbClr val="ffffff"/>
                 </a:solidFill>
                 <a:latin typeface="Arial"/>
-              </a:rPr>
-              <a:t>1</a:t>
+                <a:ea typeface="Source Han Sans CN"/>
+              </a:rPr>
+              <a:t>0</a:t>
             </a:r>
             <a:r>
               <a:rPr b="0" lang="en-US" sz="3200" spc="-1" strike="noStrike">
@@ -21155,24 +22643,7 @@
                   <a:srgbClr val="ffffff"/>
                 </a:solidFill>
                 <a:latin typeface="Arial"/>
-              </a:rPr>
-              <a:t>) + (3 * 31</a:t>
-            </a:r>
-            <a:r>
-              <a:rPr b="0" lang="en-US" sz="3200" spc="-1" strike="noStrike" baseline="33000">
-                <a:solidFill>
-                  <a:srgbClr val="ffffff"/>
-                </a:solidFill>
-                <a:latin typeface="Arial"/>
-              </a:rPr>
-              <a:t>0</a:t>
-            </a:r>
-            <a:r>
-              <a:rPr b="0" lang="en-US" sz="3200" spc="-1" strike="noStrike">
-                <a:solidFill>
-                  <a:srgbClr val="ffffff"/>
-                </a:solidFill>
-                <a:latin typeface="Arial"/>
+                <a:ea typeface="Source Han Sans CN"/>
               </a:rPr>
               <a:t>) = 1026</a:t>
             </a:r>
@@ -21184,7 +22655,7 @@
             </a:endParaRPr>
           </a:p>
           <a:p>
-            <a:pPr indent="0">
+            <a:pPr marL="432000" indent="0">
               <a:lnSpc>
                 <a:spcPct val="100000"/>
               </a:lnSpc>
@@ -21192,6 +22663,9 @@
                 <a:spcPts val="1417"/>
               </a:spcBef>
               <a:buNone/>
+              <a:tabLst>
+                <a:tab algn="l" pos="0"/>
+              </a:tabLst>
             </a:pPr>
             <a:r>
               <a:rPr b="0" lang="en-US" sz="3200" spc="-1" strike="noStrike">
@@ -21221,17 +22695,7 @@
                 <a:latin typeface="Arial"/>
                 <a:ea typeface="Source Han Sans CN"/>
               </a:rPr>
-              <a:t>) + (3 * </a:t>
-            </a:r>
-            <a:r>
-              <a:rPr b="0" lang="en-US" sz="3200" spc="-1" strike="noStrike">
-                <a:solidFill>
-                  <a:srgbClr val="ffffff"/>
-                </a:solidFill>
-                <a:latin typeface="Arial"/>
-                <a:ea typeface="Source Han Sans CN"/>
-              </a:rPr>
-              <a:t>31</a:t>
+              <a:t>) + (3 * 31</a:t>
             </a:r>
             <a:r>
               <a:rPr b="0" lang="en-US" sz="3200" spc="-1" strike="noStrike" baseline="33000">
@@ -21262,6 +22726,7 @@
                   <a:srgbClr val="81d41a"/>
                 </a:highlight>
                 <a:latin typeface="Arial"/>
+                <a:ea typeface="Source Han Sans CN"/>
               </a:rPr>
               <a:t>(4 * 31</a:t>
             </a:r>
@@ -21274,6 +22739,7 @@
                   <a:srgbClr val="81d41a"/>
                 </a:highlight>
                 <a:latin typeface="Arial"/>
+                <a:ea typeface="Source Han Sans CN"/>
               </a:rPr>
               <a:t>0</a:t>
             </a:r>
@@ -21286,6 +22752,7 @@
                   <a:srgbClr val="81d41a"/>
                 </a:highlight>
                 <a:latin typeface="Arial"/>
+                <a:ea typeface="Source Han Sans CN"/>
               </a:rPr>
               <a:t>)</a:t>
             </a:r>
@@ -21295,6 +22762,7 @@
                   <a:srgbClr val="ffffff"/>
                 </a:solidFill>
                 <a:latin typeface="Arial"/>
+                <a:ea typeface="Source Han Sans CN"/>
               </a:rPr>
               <a:t> = 2019</a:t>
             </a:r>
@@ -21306,7 +22774,7 @@
             </a:endParaRPr>
           </a:p>
           <a:p>
-            <a:pPr indent="0">
+            <a:pPr marL="432000" indent="0">
               <a:lnSpc>
                 <a:spcPct val="100000"/>
               </a:lnSpc>
@@ -21314,6 +22782,9 @@
                 <a:spcPts val="1417"/>
               </a:spcBef>
               <a:buNone/>
+              <a:tabLst>
+                <a:tab algn="l" pos="0"/>
+              </a:tabLst>
             </a:pPr>
             <a:r>
               <a:rPr b="0" lang="en-US" sz="3200" spc="-1" strike="noStrike">
@@ -21321,6 +22792,7 @@
                   <a:srgbClr val="ffffff"/>
                 </a:solidFill>
                 <a:latin typeface="Arial"/>
+                <a:ea typeface="Source Han Sans CN"/>
               </a:rPr>
               <a:t>2019 </a:t>
             </a:r>
@@ -21342,7 +22814,7 @@
             </a:endParaRPr>
           </a:p>
           <a:p>
-            <a:pPr indent="0">
+            <a:pPr marL="432000" indent="0">
               <a:lnSpc>
                 <a:spcPct val="100000"/>
               </a:lnSpc>
@@ -21350,6 +22822,9 @@
                 <a:spcPts val="1417"/>
               </a:spcBef>
               <a:buNone/>
+              <a:tabLst>
+                <a:tab algn="l" pos="0"/>
+              </a:tabLst>
             </a:pPr>
             <a:r>
               <a:rPr b="0" lang="en-US" sz="3200" spc="-1" strike="noStrike">
@@ -21359,17 +22834,7 @@
                 <a:latin typeface="DejaVu Sans"/>
                 <a:ea typeface="DejaVu Sans"/>
               </a:rPr>
-              <a:t>Therefore we slide to the </a:t>
-            </a:r>
-            <a:r>
-              <a:rPr b="0" lang="en-US" sz="3200" spc="-1" strike="noStrike">
-                <a:solidFill>
-                  <a:srgbClr val="ffffff"/>
-                </a:solidFill>
-                <a:latin typeface="DejaVu Sans"/>
-                <a:ea typeface="DejaVu Sans"/>
-              </a:rPr>
-              <a:t>next window of </a:t>
+              <a:t>Therefore we slide to the next window of </a:t>
             </a:r>
             <a:r>
               <a:rPr b="0" lang="en-US" sz="3200" spc="-1" strike="noStrike">
@@ -21403,7 +22868,7 @@
         <p:spPr>
           <a:xfrm>
             <a:off x="7772400" y="2743200"/>
-            <a:ext cx="2256480" cy="789840"/>
+            <a:ext cx="2256120" cy="789480"/>
           </a:xfrm>
           <a:prstGeom prst="rect">
             <a:avLst/>
@@ -21416,27 +22881,38 @@
       <p:sp>
         <p:nvSpPr>
           <p:cNvPr id="348" name=""/>
-          <p:cNvSpPr txBox="1"/>
+          <p:cNvSpPr/>
           <p:nvPr/>
         </p:nvSpPr>
         <p:spPr>
           <a:xfrm>
             <a:off x="7772400" y="2057400"/>
-            <a:ext cx="2286000" cy="346320"/>
-          </a:xfrm>
-          <a:prstGeom prst="rect">
-            <a:avLst/>
-          </a:prstGeom>
-          <a:noFill/>
-          <a:ln w="0">
-            <a:noFill/>
-          </a:ln>
-        </p:spPr>
+            <a:ext cx="2285640" cy="345960"/>
+          </a:xfrm>
+          <a:prstGeom prst="rect">
+            <a:avLst/>
+          </a:prstGeom>
+          <a:noFill/>
+          <a:ln w="0">
+            <a:noFill/>
+          </a:ln>
+        </p:spPr>
+        <p:style>
+          <a:lnRef idx="0"/>
+          <a:fillRef idx="0"/>
+          <a:effectRef idx="0"/>
+          <a:fontRef idx="minor"/>
+        </p:style>
         <p:txBody>
           <a:bodyPr lIns="90000" rIns="90000" tIns="45000" bIns="45000" anchor="t">
             <a:noAutofit/>
           </a:bodyPr>
           <a:p>
+            <a:pPr>
+              <a:lnSpc>
+                <a:spcPct val="100000"/>
+              </a:lnSpc>
+            </a:pPr>
             <a:r>
               <a:rPr b="0" lang="en-US" sz="1800" spc="-1" strike="noStrike">
                 <a:solidFill>
@@ -21505,7 +22981,7 @@
         <p:spPr>
           <a:xfrm>
             <a:off x="723600" y="497160"/>
-            <a:ext cx="10738800" cy="1101960"/>
+            <a:ext cx="10738440" cy="1101600"/>
           </a:xfrm>
           <a:prstGeom prst="rect">
             <a:avLst/>
@@ -21521,7 +22997,13 @@
           </a:bodyPr>
           <a:p>
             <a:pPr indent="0" algn="ctr">
-              <a:buNone/>
+              <a:lnSpc>
+                <a:spcPct val="100000"/>
+              </a:lnSpc>
+              <a:buNone/>
+              <a:tabLst>
+                <a:tab algn="l" pos="0"/>
+              </a:tabLst>
             </a:pPr>
             <a:r>
               <a:rPr b="0" lang="en-US" sz="4400" spc="-1" strike="noStrike">
@@ -21554,7 +23036,7 @@
         <p:spPr>
           <a:xfrm>
             <a:off x="700920" y="1600200"/>
-            <a:ext cx="10819800" cy="4566600"/>
+            <a:ext cx="10819440" cy="4566240"/>
           </a:xfrm>
           <a:prstGeom prst="rect">
             <a:avLst/>
@@ -21577,6 +23059,9 @@
                 <a:spcPts val="1417"/>
               </a:spcBef>
               <a:buNone/>
+              <a:tabLst>
+                <a:tab algn="l" pos="0"/>
+              </a:tabLst>
             </a:pPr>
             <a:endParaRPr b="0" lang="en-US" sz="3200" spc="-1" strike="noStrike">
               <a:solidFill>
@@ -21586,7 +23071,7 @@
             </a:endParaRPr>
           </a:p>
           <a:p>
-            <a:pPr indent="0">
+            <a:pPr marL="432000" indent="0">
               <a:lnSpc>
                 <a:spcPct val="100000"/>
               </a:lnSpc>
@@ -21594,6 +23079,9 @@
                 <a:spcPts val="1417"/>
               </a:spcBef>
               <a:buNone/>
+              <a:tabLst>
+                <a:tab algn="l" pos="0"/>
+              </a:tabLst>
             </a:pPr>
             <a:r>
               <a:rPr b="0" lang="en-US" sz="3200" spc="-1" strike="noStrike">
@@ -21633,7 +23121,7 @@
             </a:endParaRPr>
           </a:p>
           <a:p>
-            <a:pPr indent="0">
+            <a:pPr marL="432000" indent="0">
               <a:lnSpc>
                 <a:spcPct val="100000"/>
               </a:lnSpc>
@@ -21641,6 +23129,9 @@
                 <a:spcPts val="1417"/>
               </a:spcBef>
               <a:buNone/>
+              <a:tabLst>
+                <a:tab algn="l" pos="0"/>
+              </a:tabLst>
             </a:pPr>
             <a:r>
               <a:rPr b="0" lang="en-US" sz="3200" spc="-1" strike="noStrike">
@@ -21690,23 +23181,15 @@
                 <a:latin typeface="Arial"/>
                 <a:ea typeface="Source Han Sans CN"/>
               </a:rPr>
-              <a:t> + 1</a:t>
-            </a:r>
-            <a:r>
-              <a:rPr b="0" lang="en-US" sz="3200" spc="-1" strike="noStrike">
+              <a:t> + 1 * 31</a:t>
+            </a:r>
+            <a:r>
+              <a:rPr b="0" lang="en-US" sz="3200" spc="-1" strike="noStrike" baseline="33000">
                 <a:solidFill>
                   <a:srgbClr val="ffffff"/>
                 </a:solidFill>
                 <a:latin typeface="Arial"/>
-              </a:rPr>
-              <a:t> * 31</a:t>
-            </a:r>
-            <a:r>
-              <a:rPr b="0" lang="en-US" sz="3200" spc="-1" strike="noStrike" baseline="33000">
-                <a:solidFill>
-                  <a:srgbClr val="ffffff"/>
-                </a:solidFill>
-                <a:latin typeface="Arial"/>
+                <a:ea typeface="Source Han Sans CN"/>
               </a:rPr>
               <a:t>0</a:t>
             </a:r>
@@ -21718,7 +23201,7 @@
             </a:endParaRPr>
           </a:p>
           <a:p>
-            <a:pPr indent="0">
+            <a:pPr marL="432000" indent="0">
               <a:lnSpc>
                 <a:spcPct val="100000"/>
               </a:lnSpc>
@@ -21726,6 +23209,9 @@
                 <a:spcPts val="1417"/>
               </a:spcBef>
               <a:buNone/>
+              <a:tabLst>
+                <a:tab algn="l" pos="0"/>
+              </a:tabLst>
             </a:pPr>
             <a:r>
               <a:rPr b="0" lang="en-US" sz="3200" spc="-1" strike="noStrike">
@@ -21733,6 +23219,7 @@
                   <a:srgbClr val="ffffff"/>
                 </a:solidFill>
                 <a:latin typeface="Arial"/>
+                <a:ea typeface="Source Han Sans CN"/>
               </a:rPr>
               <a:t>=  3008</a:t>
             </a:r>
@@ -21744,7 +23231,7 @@
             </a:endParaRPr>
           </a:p>
           <a:p>
-            <a:pPr indent="0">
+            <a:pPr marL="432000" indent="0">
               <a:lnSpc>
                 <a:spcPct val="100000"/>
               </a:lnSpc>
@@ -21752,6 +23239,9 @@
                 <a:spcPts val="1417"/>
               </a:spcBef>
               <a:buNone/>
+              <a:tabLst>
+                <a:tab algn="l" pos="0"/>
+              </a:tabLst>
             </a:pPr>
             <a:r>
               <a:rPr b="0" lang="en-US" sz="3200" spc="-1" strike="noStrike">
@@ -21772,6 +23262,7 @@
                   <a:srgbClr val="ffaa95"/>
                 </a:highlight>
                 <a:latin typeface="Arial"/>
+                <a:ea typeface="Source Han Sans CN"/>
               </a:rPr>
               <a:t>(2 * 31</a:t>
             </a:r>
@@ -21784,6 +23275,7 @@
                   <a:srgbClr val="ffaa95"/>
                 </a:highlight>
                 <a:latin typeface="Arial"/>
+                <a:ea typeface="Source Han Sans CN"/>
               </a:rPr>
               <a:t>2</a:t>
             </a:r>
@@ -21796,6 +23288,7 @@
                   <a:srgbClr val="ffaa95"/>
                 </a:highlight>
                 <a:latin typeface="Arial"/>
+                <a:ea typeface="Source Han Sans CN"/>
               </a:rPr>
               <a:t>)</a:t>
             </a:r>
@@ -21805,6 +23298,7 @@
                   <a:srgbClr val="ffffff"/>
                 </a:solidFill>
                 <a:latin typeface="Arial"/>
+                <a:ea typeface="Source Han Sans CN"/>
               </a:rPr>
               <a:t> + (3 * 31</a:t>
             </a:r>
@@ -21814,6 +23308,7 @@
                   <a:srgbClr val="ffffff"/>
                 </a:solidFill>
                 <a:latin typeface="Arial"/>
+                <a:ea typeface="Source Han Sans CN"/>
               </a:rPr>
               <a:t>1</a:t>
             </a:r>
@@ -21823,6 +23318,7 @@
                   <a:srgbClr val="ffffff"/>
                 </a:solidFill>
                 <a:latin typeface="Arial"/>
+                <a:ea typeface="Source Han Sans CN"/>
               </a:rPr>
               <a:t>) + (4 * 31</a:t>
             </a:r>
@@ -21832,6 +23328,7 @@
                   <a:srgbClr val="ffffff"/>
                 </a:solidFill>
                 <a:latin typeface="Arial"/>
+                <a:ea typeface="Source Han Sans CN"/>
               </a:rPr>
               <a:t>0</a:t>
             </a:r>
@@ -21841,6 +23338,7 @@
                   <a:srgbClr val="ffffff"/>
                 </a:solidFill>
                 <a:latin typeface="Arial"/>
+                <a:ea typeface="Source Han Sans CN"/>
               </a:rPr>
               <a:t>) = 2019</a:t>
             </a:r>
@@ -21852,7 +23350,7 @@
             </a:endParaRPr>
           </a:p>
           <a:p>
-            <a:pPr indent="0">
+            <a:pPr marL="432000" indent="0">
               <a:lnSpc>
                 <a:spcPct val="100000"/>
               </a:lnSpc>
@@ -21860,6 +23358,9 @@
                 <a:spcPts val="1417"/>
               </a:spcBef>
               <a:buNone/>
+              <a:tabLst>
+                <a:tab algn="l" pos="0"/>
+              </a:tabLst>
             </a:pPr>
             <a:r>
               <a:rPr b="0" lang="en-US" sz="3200" spc="-1" strike="noStrike">
@@ -21869,7 +23370,17 @@
                 <a:latin typeface="Arial"/>
                 <a:ea typeface="Source Han Sans CN"/>
               </a:rPr>
-              <a:t>H(t[2..4]) = 31 [</a:t>
+              <a:t>H(t[2..4]) = 31 [(3 * 31</a:t>
+            </a:r>
+            <a:r>
+              <a:rPr b="0" lang="en-US" sz="3200" spc="-1" strike="noStrike" baseline="33000">
+                <a:solidFill>
+                  <a:srgbClr val="ffffff"/>
+                </a:solidFill>
+                <a:latin typeface="Arial"/>
+                <a:ea typeface="Source Han Sans CN"/>
+              </a:rPr>
+              <a:t>1</a:t>
             </a:r>
             <a:r>
               <a:rPr b="0" lang="en-US" sz="3200" spc="-1" strike="noStrike">
@@ -21877,8 +23388,9 @@
                   <a:srgbClr val="ffffff"/>
                 </a:solidFill>
                 <a:latin typeface="Arial"/>
-              </a:rPr>
-              <a:t>(3 * 31</a:t>
+                <a:ea typeface="Source Han Sans CN"/>
+              </a:rPr>
+              <a:t>) + (4 * 31</a:t>
             </a:r>
             <a:r>
               <a:rPr b="0" lang="en-US" sz="3200" spc="-1" strike="noStrike" baseline="33000">
@@ -21886,8 +23398,9 @@
                   <a:srgbClr val="ffffff"/>
                 </a:solidFill>
                 <a:latin typeface="Arial"/>
-              </a:rPr>
-              <a:t>1</a:t>
+                <a:ea typeface="Source Han Sans CN"/>
+              </a:rPr>
+              <a:t>0</a:t>
             </a:r>
             <a:r>
               <a:rPr b="0" lang="en-US" sz="3200" spc="-1" strike="noStrike">
@@ -21895,24 +23408,7 @@
                   <a:srgbClr val="ffffff"/>
                 </a:solidFill>
                 <a:latin typeface="Arial"/>
-              </a:rPr>
-              <a:t>) + (4 * 31</a:t>
-            </a:r>
-            <a:r>
-              <a:rPr b="0" lang="en-US" sz="3200" spc="-1" strike="noStrike" baseline="33000">
-                <a:solidFill>
-                  <a:srgbClr val="ffffff"/>
-                </a:solidFill>
-                <a:latin typeface="Arial"/>
-              </a:rPr>
-              <a:t>0</a:t>
-            </a:r>
-            <a:r>
-              <a:rPr b="0" lang="en-US" sz="3200" spc="-1" strike="noStrike">
-                <a:solidFill>
-                  <a:srgbClr val="ffffff"/>
-                </a:solidFill>
-                <a:latin typeface="Arial"/>
+                <a:ea typeface="Source Han Sans CN"/>
               </a:rPr>
               <a:t>)] + </a:t>
             </a:r>
@@ -21925,6 +23421,7 @@
                   <a:srgbClr val="81d41a"/>
                 </a:highlight>
                 <a:latin typeface="Arial"/>
+                <a:ea typeface="Source Han Sans CN"/>
               </a:rPr>
               <a:t>(1 * 31</a:t>
             </a:r>
@@ -21937,6 +23434,7 @@
                   <a:srgbClr val="81d41a"/>
                 </a:highlight>
                 <a:latin typeface="Arial"/>
+                <a:ea typeface="Source Han Sans CN"/>
               </a:rPr>
               <a:t>0</a:t>
             </a:r>
@@ -21949,6 +23447,7 @@
                   <a:srgbClr val="81d41a"/>
                 </a:highlight>
                 <a:latin typeface="Arial"/>
+                <a:ea typeface="Source Han Sans CN"/>
               </a:rPr>
               <a:t>)</a:t>
             </a:r>
@@ -21958,6 +23457,7 @@
                   <a:srgbClr val="ffffff"/>
                 </a:solidFill>
                 <a:latin typeface="Arial"/>
+                <a:ea typeface="Source Han Sans CN"/>
               </a:rPr>
               <a:t> = 2977</a:t>
             </a:r>
@@ -21969,7 +23469,7 @@
             </a:endParaRPr>
           </a:p>
           <a:p>
-            <a:pPr indent="0">
+            <a:pPr marL="432000" indent="0">
               <a:lnSpc>
                 <a:spcPct val="100000"/>
               </a:lnSpc>
@@ -21977,6 +23477,9 @@
                 <a:spcPts val="1417"/>
               </a:spcBef>
               <a:buNone/>
+              <a:tabLst>
+                <a:tab algn="l" pos="0"/>
+              </a:tabLst>
             </a:pPr>
             <a:r>
               <a:rPr b="0" lang="en-US" sz="3200" spc="-1" strike="noStrike">
@@ -21984,6 +23487,7 @@
                   <a:srgbClr val="ffffff"/>
                 </a:solidFill>
                 <a:latin typeface="Arial"/>
+                <a:ea typeface="Source Han Sans CN"/>
               </a:rPr>
               <a:t>3008 =</a:t>
             </a:r>
@@ -21995,17 +23499,7 @@
                 <a:latin typeface="DejaVu Sans"/>
                 <a:ea typeface="DejaVu Sans"/>
               </a:rPr>
-              <a:t> 3008 </a:t>
-            </a:r>
-            <a:r>
-              <a:rPr b="0" lang="en-US" sz="3200" spc="-1" strike="noStrike">
-                <a:solidFill>
-                  <a:srgbClr val="ffffff"/>
-                </a:solidFill>
-                <a:latin typeface="DejaVu Sans"/>
-                <a:ea typeface="DejaVu Sans"/>
-              </a:rPr>
-              <a:t>✓</a:t>
+              <a:t> 3008 ✓</a:t>
             </a:r>
             <a:endParaRPr b="0" lang="en-US" sz="3200" spc="-1" strike="noStrike">
               <a:solidFill>
@@ -22015,7 +23509,7 @@
             </a:endParaRPr>
           </a:p>
           <a:p>
-            <a:pPr indent="0">
+            <a:pPr marL="432000" indent="0">
               <a:lnSpc>
                 <a:spcPct val="100000"/>
               </a:lnSpc>
@@ -22023,6 +23517,9 @@
                 <a:spcPts val="1417"/>
               </a:spcBef>
               <a:buNone/>
+              <a:tabLst>
+                <a:tab algn="l" pos="0"/>
+              </a:tabLst>
             </a:pPr>
             <a:r>
               <a:rPr b="0" lang="en-US" sz="3200" spc="-1" strike="noStrike">
@@ -22032,17 +23529,7 @@
                 <a:latin typeface="DejaVu Sans"/>
                 <a:ea typeface="DejaVu Sans"/>
               </a:rPr>
-              <a:t>Match! Therefore return the index of the occurrence, which </a:t>
-            </a:r>
-            <a:r>
-              <a:rPr b="0" lang="en-US" sz="3200" spc="-1" strike="noStrike">
-                <a:solidFill>
-                  <a:srgbClr val="ffffff"/>
-                </a:solidFill>
-                <a:latin typeface="DejaVu Sans"/>
-                <a:ea typeface="DejaVu Sans"/>
-              </a:rPr>
-              <a:t>is 2 in this case.</a:t>
+              <a:t>Match! Therefore return the index of the occurrence, which is 2 in this case.</a:t>
             </a:r>
             <a:endParaRPr b="0" lang="en-US" sz="3200" spc="-1" strike="noStrike">
               <a:solidFill>
@@ -22066,7 +23553,7 @@
         <p:spPr>
           <a:xfrm>
             <a:off x="7772400" y="2743200"/>
-            <a:ext cx="2256480" cy="789840"/>
+            <a:ext cx="2256120" cy="789480"/>
           </a:xfrm>
           <a:prstGeom prst="rect">
             <a:avLst/>
@@ -22079,27 +23566,38 @@
       <p:sp>
         <p:nvSpPr>
           <p:cNvPr id="352" name=""/>
-          <p:cNvSpPr txBox="1"/>
+          <p:cNvSpPr/>
           <p:nvPr/>
         </p:nvSpPr>
         <p:spPr>
           <a:xfrm>
             <a:off x="7772400" y="2057400"/>
-            <a:ext cx="2286000" cy="346320"/>
-          </a:xfrm>
-          <a:prstGeom prst="rect">
-            <a:avLst/>
-          </a:prstGeom>
-          <a:noFill/>
-          <a:ln w="0">
-            <a:noFill/>
-          </a:ln>
-        </p:spPr>
+            <a:ext cx="2285640" cy="345960"/>
+          </a:xfrm>
+          <a:prstGeom prst="rect">
+            <a:avLst/>
+          </a:prstGeom>
+          <a:noFill/>
+          <a:ln w="0">
+            <a:noFill/>
+          </a:ln>
+        </p:spPr>
+        <p:style>
+          <a:lnRef idx="0"/>
+          <a:fillRef idx="0"/>
+          <a:effectRef idx="0"/>
+          <a:fontRef idx="minor"/>
+        </p:style>
         <p:txBody>
           <a:bodyPr lIns="90000" rIns="90000" tIns="45000" bIns="45000" anchor="t">
             <a:noAutofit/>
           </a:bodyPr>
           <a:p>
+            <a:pPr>
+              <a:lnSpc>
+                <a:spcPct val="100000"/>
+              </a:lnSpc>
+            </a:pPr>
             <a:r>
               <a:rPr b="0" lang="en-US" sz="1800" spc="-1" strike="noStrike">
                 <a:solidFill>
@@ -22168,7 +23666,7 @@
         <p:spPr>
           <a:xfrm>
             <a:off x="609120" y="273600"/>
-            <a:ext cx="10967760" cy="1143000"/>
+            <a:ext cx="10967400" cy="1142640"/>
           </a:xfrm>
           <a:prstGeom prst="rect">
             <a:avLst/>
@@ -22223,7 +23721,7 @@
         <p:spPr>
           <a:xfrm>
             <a:off x="609120" y="1604520"/>
-            <a:ext cx="5351040" cy="3975480"/>
+            <a:ext cx="5350680" cy="3975120"/>
           </a:xfrm>
           <a:prstGeom prst="rect">
             <a:avLst/>
@@ -22340,7 +23838,7 @@
         <p:spPr>
           <a:xfrm>
             <a:off x="6230160" y="1604520"/>
-            <a:ext cx="5351040" cy="3975480"/>
+            <a:ext cx="5350680" cy="3975120"/>
           </a:xfrm>
           <a:prstGeom prst="rect">
             <a:avLst/>
@@ -22494,7 +23992,7 @@
         <p:spPr>
           <a:xfrm>
             <a:off x="609120" y="273600"/>
-            <a:ext cx="10967760" cy="1143000"/>
+            <a:ext cx="10967400" cy="1142640"/>
           </a:xfrm>
           <a:prstGeom prst="rect">
             <a:avLst/>
@@ -22549,7 +24047,7 @@
         <p:spPr>
           <a:xfrm>
             <a:off x="609120" y="1604520"/>
-            <a:ext cx="10967760" cy="3975480"/>
+            <a:ext cx="10967400" cy="3975120"/>
           </a:xfrm>
           <a:prstGeom prst="rect">
             <a:avLst/>
@@ -22667,7 +24165,7 @@
         <p:spPr>
           <a:xfrm>
             <a:off x="609120" y="273600"/>
-            <a:ext cx="10969200" cy="1144440"/>
+            <a:ext cx="10968840" cy="1144080"/>
           </a:xfrm>
           <a:prstGeom prst="rect">
             <a:avLst/>
@@ -22722,7 +24220,7 @@
         <p:spPr>
           <a:xfrm>
             <a:off x="609120" y="1604520"/>
-            <a:ext cx="10969200" cy="3976920"/>
+            <a:ext cx="10968840" cy="3976560"/>
           </a:xfrm>
           <a:prstGeom prst="rect">
             <a:avLst/>
@@ -22818,6 +24316,195 @@
               <a:t>P = d b a</a:t>
             </a:r>
             <a:endParaRPr b="0" lang="en-US" sz="3200" spc="-1" strike="noStrike">
+              <a:solidFill>
+                <a:srgbClr val="ffffff"/>
+              </a:solidFill>
+              <a:latin typeface="Arial"/>
+            </a:endParaRPr>
+          </a:p>
+          <a:p>
+            <a:pPr marL="432000" indent="-324000">
+              <a:lnSpc>
+                <a:spcPct val="100000"/>
+              </a:lnSpc>
+              <a:spcBef>
+                <a:spcPts val="1417"/>
+              </a:spcBef>
+              <a:buClr>
+                <a:srgbClr val="ffffff"/>
+              </a:buClr>
+              <a:buSzPct val="45000"/>
+              <a:buFont typeface="Wingdings" charset="2"/>
+              <a:buChar char=""/>
+              <a:tabLst>
+                <a:tab algn="l" pos="0"/>
+              </a:tabLst>
+            </a:pPr>
+            <a:r>
+              <a:rPr b="0" lang="en-US" sz="3200" spc="-1" strike="noStrike">
+                <a:solidFill>
+                  <a:srgbClr val="ffffff"/>
+                </a:solidFill>
+                <a:latin typeface="Arial"/>
+              </a:rPr>
+              <a:t>Let our fingerprint function be H(x) = </a:t>
+            </a:r>
+            <a:r>
+              <a:rPr b="0" lang="en-US" sz="3200" spc="-1" strike="noStrike">
+                <a:solidFill>
+                  <a:srgbClr val="ffffff"/>
+                </a:solidFill>
+                <a:latin typeface="DejaVu Sans"/>
+                <a:ea typeface="DejaVu Sans"/>
+              </a:rPr>
+              <a:t>∑</a:t>
+            </a:r>
+            <a:r>
+              <a:rPr b="0" lang="en-US" sz="3200" spc="-1" strike="noStrike">
+                <a:solidFill>
+                  <a:srgbClr val="ffffff"/>
+                </a:solidFill>
+                <a:latin typeface="Arial"/>
+              </a:rPr>
+              <a:t> </a:t>
+            </a:r>
+            <a:endParaRPr b="0" lang="en-US" sz="3200" spc="-1" strike="noStrike">
+              <a:solidFill>
+                <a:srgbClr val="ffffff"/>
+              </a:solidFill>
+              <a:latin typeface="Arial"/>
+            </a:endParaRPr>
+          </a:p>
+        </p:txBody>
+      </p:sp>
+      <p:sp>
+        <p:nvSpPr>
+          <p:cNvPr id="360" name=""/>
+          <p:cNvSpPr txBox="1"/>
+          <p:nvPr/>
+        </p:nvSpPr>
+        <p:spPr>
+          <a:xfrm>
+            <a:off x="7543800" y="4114800"/>
+            <a:ext cx="685800" cy="602280"/>
+          </a:xfrm>
+          <a:prstGeom prst="rect">
+            <a:avLst/>
+          </a:prstGeom>
+          <a:noFill/>
+          <a:ln w="0">
+            <a:noFill/>
+          </a:ln>
+        </p:spPr>
+        <p:txBody>
+          <a:bodyPr lIns="90000" rIns="90000" tIns="45000" bIns="45000" anchor="t">
+            <a:noAutofit/>
+          </a:bodyPr>
+          <a:p>
+            <a:r>
+              <a:rPr b="0" lang="en-US" sz="1800" spc="-1" strike="noStrike">
+                <a:solidFill>
+                  <a:srgbClr val="ffffff"/>
+                </a:solidFill>
+                <a:latin typeface="Arial"/>
+              </a:rPr>
+              <a:t>i = 1</a:t>
+            </a:r>
+            <a:endParaRPr b="0" lang="en-US" sz="1800" spc="-1" strike="noStrike">
+              <a:solidFill>
+                <a:srgbClr val="ffffff"/>
+              </a:solidFill>
+              <a:latin typeface="Arial"/>
+            </a:endParaRPr>
+          </a:p>
+        </p:txBody>
+      </p:sp>
+      <p:sp>
+        <p:nvSpPr>
+          <p:cNvPr id="361" name=""/>
+          <p:cNvSpPr txBox="1"/>
+          <p:nvPr/>
+        </p:nvSpPr>
+        <p:spPr>
+          <a:xfrm>
+            <a:off x="7543800" y="3311280"/>
+            <a:ext cx="457200" cy="346320"/>
+          </a:xfrm>
+          <a:prstGeom prst="rect">
+            <a:avLst/>
+          </a:prstGeom>
+          <a:noFill/>
+          <a:ln w="0">
+            <a:noFill/>
+          </a:ln>
+        </p:spPr>
+        <p:txBody>
+          <a:bodyPr lIns="90000" rIns="90000" tIns="45000" bIns="45000" anchor="t">
+            <a:noAutofit/>
+          </a:bodyPr>
+          <a:p>
+            <a:pPr algn="ctr"/>
+            <a:r>
+              <a:rPr b="0" lang="en-US" sz="1800" spc="-1" strike="noStrike">
+                <a:solidFill>
+                  <a:srgbClr val="ffffff"/>
+                </a:solidFill>
+                <a:latin typeface="Arial"/>
+              </a:rPr>
+              <a:t>n</a:t>
+            </a:r>
+            <a:endParaRPr b="0" lang="en-US" sz="1800" spc="-1" strike="noStrike">
+              <a:solidFill>
+                <a:srgbClr val="ffffff"/>
+              </a:solidFill>
+              <a:latin typeface="Arial"/>
+            </a:endParaRPr>
+          </a:p>
+        </p:txBody>
+      </p:sp>
+      <p:sp>
+        <p:nvSpPr>
+          <p:cNvPr id="362" name=""/>
+          <p:cNvSpPr txBox="1"/>
+          <p:nvPr/>
+        </p:nvSpPr>
+        <p:spPr>
+          <a:xfrm>
+            <a:off x="8001000" y="3657600"/>
+            <a:ext cx="685800" cy="402840"/>
+          </a:xfrm>
+          <a:prstGeom prst="rect">
+            <a:avLst/>
+          </a:prstGeom>
+          <a:noFill/>
+          <a:ln w="0">
+            <a:noFill/>
+          </a:ln>
+        </p:spPr>
+        <p:txBody>
+          <a:bodyPr lIns="90000" rIns="90000" tIns="45000" bIns="45000" anchor="t">
+            <a:noAutofit/>
+          </a:bodyPr>
+          <a:p>
+            <a:r>
+              <a:rPr b="0" lang="en-US" sz="2200" spc="-1" strike="noStrike">
+                <a:solidFill>
+                  <a:srgbClr val="ffffff"/>
+                </a:solidFill>
+                <a:latin typeface="Arial"/>
+              </a:rPr>
+              <a:t>X</a:t>
+            </a:r>
+            <a:r>
+              <a:rPr b="0" lang="en-US" sz="2200" spc="-1" strike="noStrike" baseline="-8000">
+                <a:solidFill>
+                  <a:srgbClr val="ffffff"/>
+                </a:solidFill>
+                <a:latin typeface="Arial"/>
+              </a:rPr>
+              <a:t>i</a:t>
+            </a:r>
+            <a:endParaRPr b="0" lang="en-US" sz="2200" spc="-1" strike="noStrike">
               <a:solidFill>
                 <a:srgbClr val="ffffff"/>
               </a:solidFill>

--- a/CAP6515/paper_presentation_files/rabin-karp-presentation.pptx
+++ b/CAP6515/paper_presentation_files/rabin-karp-presentation.pptx
@@ -10,27 +10,28 @@
     <p:sldMasterId id="2147483713" r:id="rId7"/>
     <p:sldMasterId id="2147483726" r:id="rId8"/>
     <p:sldMasterId id="2147483739" r:id="rId9"/>
+    <p:sldMasterId id="2147483752" r:id="rId10"/>
   </p:sldMasterIdLst>
   <p:sldIdLst>
-    <p:sldId id="256" r:id="rId10"/>
-    <p:sldId id="257" r:id="rId11"/>
-    <p:sldId id="258" r:id="rId12"/>
-    <p:sldId id="259" r:id="rId13"/>
-    <p:sldId id="260" r:id="rId14"/>
-    <p:sldId id="261" r:id="rId15"/>
-    <p:sldId id="262" r:id="rId16"/>
-    <p:sldId id="263" r:id="rId17"/>
-    <p:sldId id="264" r:id="rId18"/>
-    <p:sldId id="265" r:id="rId19"/>
-    <p:sldId id="266" r:id="rId20"/>
-    <p:sldId id="267" r:id="rId21"/>
-    <p:sldId id="268" r:id="rId22"/>
-    <p:sldId id="269" r:id="rId23"/>
-    <p:sldId id="270" r:id="rId24"/>
-    <p:sldId id="271" r:id="rId25"/>
-    <p:sldId id="272" r:id="rId26"/>
-    <p:sldId id="273" r:id="rId27"/>
-    <p:sldId id="274" r:id="rId28"/>
+    <p:sldId id="256" r:id="rId11"/>
+    <p:sldId id="257" r:id="rId12"/>
+    <p:sldId id="258" r:id="rId13"/>
+    <p:sldId id="259" r:id="rId14"/>
+    <p:sldId id="260" r:id="rId15"/>
+    <p:sldId id="261" r:id="rId16"/>
+    <p:sldId id="262" r:id="rId17"/>
+    <p:sldId id="263" r:id="rId18"/>
+    <p:sldId id="264" r:id="rId19"/>
+    <p:sldId id="265" r:id="rId20"/>
+    <p:sldId id="266" r:id="rId21"/>
+    <p:sldId id="267" r:id="rId22"/>
+    <p:sldId id="268" r:id="rId23"/>
+    <p:sldId id="269" r:id="rId24"/>
+    <p:sldId id="270" r:id="rId25"/>
+    <p:sldId id="271" r:id="rId26"/>
+    <p:sldId id="272" r:id="rId27"/>
+    <p:sldId id="273" r:id="rId28"/>
+    <p:sldId id="274" r:id="rId29"/>
   </p:sldIdLst>
   <p:sldSz cx="12188825" cy="6858000"/>
   <p:notesSz cx="7772400" cy="10058400"/>
@@ -207,6 +208,1551 @@
 </p:sldLayout>
 </file>
 
+<file path=ppt/slideLayouts/slideLayout100.xml><?xml version="1.0" encoding="utf-8"?>
+<p:sldLayout xmlns:a="http://schemas.openxmlformats.org/drawingml/2006/main" xmlns:p="http://schemas.openxmlformats.org/presentationml/2006/main" xmlns:r="http://schemas.openxmlformats.org/officeDocument/2006/relationships" xmlns:p14="http://schemas.microsoft.com/office/powerpoint/2010/main" xmlns:p15="http://schemas.microsoft.com/office/powerpoint/2012/main" xmlns:mc="http://schemas.openxmlformats.org/markup-compatibility/2006" type="twoObj" preserve="1">
+  <p:cSld name="Title, 2 Content">
+    <p:spTree>
+      <p:nvGrpSpPr>
+        <p:cNvPr id="1" name=""/>
+        <p:cNvGrpSpPr/>
+        <p:nvPr/>
+      </p:nvGrpSpPr>
+      <p:grpSpPr>
+        <a:xfrm>
+          <a:off x="0" y="0"/>
+          <a:ext cx="0" cy="0"/>
+          <a:chOff x="0" y="0"/>
+          <a:chExt cx="0" cy="0"/>
+        </a:xfrm>
+      </p:grpSpPr>
+      <p:sp>
+        <p:nvSpPr>
+          <p:cNvPr id="342" name="PlaceHolder 1"/>
+          <p:cNvSpPr>
+            <a:spLocks noGrp="1"/>
+          </p:cNvSpPr>
+          <p:nvPr>
+            <p:ph type="title"/>
+          </p:nvPr>
+        </p:nvSpPr>
+        <p:spPr>
+          <a:xfrm>
+            <a:off x="609120" y="273600"/>
+            <a:ext cx="10969560" cy="1144800"/>
+          </a:xfrm>
+          <a:prstGeom prst="rect">
+            <a:avLst/>
+          </a:prstGeom>
+          <a:noFill/>
+          <a:ln w="0">
+            <a:noFill/>
+          </a:ln>
+        </p:spPr>
+        <p:txBody>
+          <a:bodyPr lIns="0" rIns="0" tIns="0" bIns="0" anchor="ctr">
+            <a:noAutofit/>
+          </a:bodyPr>
+          <a:p>
+            <a:pPr indent="0" algn="ctr">
+              <a:buNone/>
+            </a:pPr>
+            <a:endParaRPr b="0" lang="en-US" sz="4400" spc="-1" strike="noStrike">
+              <a:solidFill>
+                <a:srgbClr val="000000"/>
+              </a:solidFill>
+              <a:latin typeface="Arial"/>
+            </a:endParaRPr>
+          </a:p>
+        </p:txBody>
+      </p:sp>
+      <p:sp>
+        <p:nvSpPr>
+          <p:cNvPr id="343" name="PlaceHolder 2"/>
+          <p:cNvSpPr>
+            <a:spLocks noGrp="1"/>
+          </p:cNvSpPr>
+          <p:nvPr>
+            <p:ph/>
+          </p:nvPr>
+        </p:nvSpPr>
+        <p:spPr>
+          <a:xfrm>
+            <a:off x="609120" y="1604520"/>
+            <a:ext cx="5352840" cy="3977280"/>
+          </a:xfrm>
+          <a:prstGeom prst="rect">
+            <a:avLst/>
+          </a:prstGeom>
+          <a:noFill/>
+          <a:ln w="0">
+            <a:noFill/>
+          </a:ln>
+        </p:spPr>
+        <p:txBody>
+          <a:bodyPr lIns="0" rIns="0" tIns="0" bIns="0" anchor="t">
+            <a:normAutofit/>
+          </a:bodyPr>
+          <a:p>
+            <a:pPr indent="0">
+              <a:spcBef>
+                <a:spcPts val="1417"/>
+              </a:spcBef>
+              <a:buNone/>
+            </a:pPr>
+            <a:endParaRPr b="0" lang="en-US" sz="3200" spc="-1" strike="noStrike">
+              <a:solidFill>
+                <a:srgbClr val="000000"/>
+              </a:solidFill>
+              <a:latin typeface="Arial"/>
+            </a:endParaRPr>
+          </a:p>
+        </p:txBody>
+      </p:sp>
+      <p:sp>
+        <p:nvSpPr>
+          <p:cNvPr id="344" name="PlaceHolder 3"/>
+          <p:cNvSpPr>
+            <a:spLocks noGrp="1"/>
+          </p:cNvSpPr>
+          <p:nvPr>
+            <p:ph/>
+          </p:nvPr>
+        </p:nvSpPr>
+        <p:spPr>
+          <a:xfrm>
+            <a:off x="6230160" y="1604520"/>
+            <a:ext cx="5352840" cy="3977280"/>
+          </a:xfrm>
+          <a:prstGeom prst="rect">
+            <a:avLst/>
+          </a:prstGeom>
+          <a:noFill/>
+          <a:ln w="0">
+            <a:noFill/>
+          </a:ln>
+        </p:spPr>
+        <p:txBody>
+          <a:bodyPr lIns="0" rIns="0" tIns="0" bIns="0" anchor="t">
+            <a:normAutofit/>
+          </a:bodyPr>
+          <a:p>
+            <a:pPr indent="0">
+              <a:spcBef>
+                <a:spcPts val="1417"/>
+              </a:spcBef>
+              <a:buNone/>
+            </a:pPr>
+            <a:endParaRPr b="0" lang="en-US" sz="3200" spc="-1" strike="noStrike">
+              <a:solidFill>
+                <a:srgbClr val="000000"/>
+              </a:solidFill>
+              <a:latin typeface="Arial"/>
+            </a:endParaRPr>
+          </a:p>
+        </p:txBody>
+      </p:sp>
+    </p:spTree>
+  </p:cSld>
+</p:sldLayout>
+</file>
+
+<file path=ppt/slideLayouts/slideLayout101.xml><?xml version="1.0" encoding="utf-8"?>
+<p:sldLayout xmlns:a="http://schemas.openxmlformats.org/drawingml/2006/main" xmlns:p="http://schemas.openxmlformats.org/presentationml/2006/main" xmlns:r="http://schemas.openxmlformats.org/officeDocument/2006/relationships" xmlns:p14="http://schemas.microsoft.com/office/powerpoint/2010/main" xmlns:p15="http://schemas.microsoft.com/office/powerpoint/2012/main" xmlns:mc="http://schemas.openxmlformats.org/markup-compatibility/2006" type="titleOnly" preserve="1">
+  <p:cSld name="Title Only">
+    <p:spTree>
+      <p:nvGrpSpPr>
+        <p:cNvPr id="1" name=""/>
+        <p:cNvGrpSpPr/>
+        <p:nvPr/>
+      </p:nvGrpSpPr>
+      <p:grpSpPr>
+        <a:xfrm>
+          <a:off x="0" y="0"/>
+          <a:ext cx="0" cy="0"/>
+          <a:chOff x="0" y="0"/>
+          <a:chExt cx="0" cy="0"/>
+        </a:xfrm>
+      </p:grpSpPr>
+      <p:sp>
+        <p:nvSpPr>
+          <p:cNvPr id="345" name="PlaceHolder 1"/>
+          <p:cNvSpPr>
+            <a:spLocks noGrp="1"/>
+          </p:cNvSpPr>
+          <p:nvPr>
+            <p:ph type="title"/>
+          </p:nvPr>
+        </p:nvSpPr>
+        <p:spPr>
+          <a:xfrm>
+            <a:off x="609120" y="273600"/>
+            <a:ext cx="10969560" cy="1144800"/>
+          </a:xfrm>
+          <a:prstGeom prst="rect">
+            <a:avLst/>
+          </a:prstGeom>
+          <a:noFill/>
+          <a:ln w="0">
+            <a:noFill/>
+          </a:ln>
+        </p:spPr>
+        <p:txBody>
+          <a:bodyPr lIns="0" rIns="0" tIns="0" bIns="0" anchor="ctr">
+            <a:noAutofit/>
+          </a:bodyPr>
+          <a:p>
+            <a:pPr indent="0" algn="ctr">
+              <a:buNone/>
+            </a:pPr>
+            <a:endParaRPr b="0" lang="en-US" sz="4400" spc="-1" strike="noStrike">
+              <a:solidFill>
+                <a:srgbClr val="000000"/>
+              </a:solidFill>
+              <a:latin typeface="Arial"/>
+            </a:endParaRPr>
+          </a:p>
+        </p:txBody>
+      </p:sp>
+    </p:spTree>
+  </p:cSld>
+</p:sldLayout>
+</file>
+
+<file path=ppt/slideLayouts/slideLayout102.xml><?xml version="1.0" encoding="utf-8"?>
+<p:sldLayout xmlns:a="http://schemas.openxmlformats.org/drawingml/2006/main" xmlns:p="http://schemas.openxmlformats.org/presentationml/2006/main" xmlns:r="http://schemas.openxmlformats.org/officeDocument/2006/relationships" xmlns:p14="http://schemas.microsoft.com/office/powerpoint/2010/main" xmlns:p15="http://schemas.microsoft.com/office/powerpoint/2012/main" xmlns:mc="http://schemas.openxmlformats.org/markup-compatibility/2006" type="objOnly" preserve="1">
+  <p:cSld name="Centered Text">
+    <p:spTree>
+      <p:nvGrpSpPr>
+        <p:cNvPr id="1" name=""/>
+        <p:cNvGrpSpPr/>
+        <p:nvPr/>
+      </p:nvGrpSpPr>
+      <p:grpSpPr>
+        <a:xfrm>
+          <a:off x="0" y="0"/>
+          <a:ext cx="0" cy="0"/>
+          <a:chOff x="0" y="0"/>
+          <a:chExt cx="0" cy="0"/>
+        </a:xfrm>
+      </p:grpSpPr>
+      <p:sp>
+        <p:nvSpPr>
+          <p:cNvPr id="346" name="PlaceHolder 1"/>
+          <p:cNvSpPr>
+            <a:spLocks noGrp="1"/>
+          </p:cNvSpPr>
+          <p:nvPr>
+            <p:ph type="subTitle"/>
+          </p:nvPr>
+        </p:nvSpPr>
+        <p:spPr>
+          <a:xfrm>
+            <a:off x="609120" y="273600"/>
+            <a:ext cx="10969560" cy="5307840"/>
+          </a:xfrm>
+          <a:prstGeom prst="rect">
+            <a:avLst/>
+          </a:prstGeom>
+          <a:noFill/>
+          <a:ln w="0">
+            <a:noFill/>
+          </a:ln>
+        </p:spPr>
+        <p:txBody>
+          <a:bodyPr lIns="0" rIns="0" tIns="0" bIns="0" anchor="ctr">
+            <a:noAutofit/>
+          </a:bodyPr>
+          <a:p>
+            <a:pPr algn="ctr"/>
+            <a:endParaRPr b="0" lang="en-US" sz="3200" spc="-1" strike="noStrike">
+              <a:solidFill>
+                <a:srgbClr val="000000"/>
+              </a:solidFill>
+              <a:latin typeface="Arial"/>
+            </a:endParaRPr>
+          </a:p>
+        </p:txBody>
+      </p:sp>
+    </p:spTree>
+  </p:cSld>
+</p:sldLayout>
+</file>
+
+<file path=ppt/slideLayouts/slideLayout103.xml><?xml version="1.0" encoding="utf-8"?>
+<p:sldLayout xmlns:a="http://schemas.openxmlformats.org/drawingml/2006/main" xmlns:p="http://schemas.openxmlformats.org/presentationml/2006/main" xmlns:r="http://schemas.openxmlformats.org/officeDocument/2006/relationships" xmlns:p14="http://schemas.microsoft.com/office/powerpoint/2010/main" xmlns:p15="http://schemas.microsoft.com/office/powerpoint/2012/main" xmlns:mc="http://schemas.openxmlformats.org/markup-compatibility/2006" type="twoObjAndObj" preserve="1">
+  <p:cSld name="Title, 2 Content and Content">
+    <p:spTree>
+      <p:nvGrpSpPr>
+        <p:cNvPr id="1" name=""/>
+        <p:cNvGrpSpPr/>
+        <p:nvPr/>
+      </p:nvGrpSpPr>
+      <p:grpSpPr>
+        <a:xfrm>
+          <a:off x="0" y="0"/>
+          <a:ext cx="0" cy="0"/>
+          <a:chOff x="0" y="0"/>
+          <a:chExt cx="0" cy="0"/>
+        </a:xfrm>
+      </p:grpSpPr>
+      <p:sp>
+        <p:nvSpPr>
+          <p:cNvPr id="347" name="PlaceHolder 1"/>
+          <p:cNvSpPr>
+            <a:spLocks noGrp="1"/>
+          </p:cNvSpPr>
+          <p:nvPr>
+            <p:ph type="title"/>
+          </p:nvPr>
+        </p:nvSpPr>
+        <p:spPr>
+          <a:xfrm>
+            <a:off x="609120" y="273600"/>
+            <a:ext cx="10969560" cy="1144800"/>
+          </a:xfrm>
+          <a:prstGeom prst="rect">
+            <a:avLst/>
+          </a:prstGeom>
+          <a:noFill/>
+          <a:ln w="0">
+            <a:noFill/>
+          </a:ln>
+        </p:spPr>
+        <p:txBody>
+          <a:bodyPr lIns="0" rIns="0" tIns="0" bIns="0" anchor="ctr">
+            <a:noAutofit/>
+          </a:bodyPr>
+          <a:p>
+            <a:pPr indent="0" algn="ctr">
+              <a:buNone/>
+            </a:pPr>
+            <a:endParaRPr b="0" lang="en-US" sz="4400" spc="-1" strike="noStrike">
+              <a:solidFill>
+                <a:srgbClr val="000000"/>
+              </a:solidFill>
+              <a:latin typeface="Arial"/>
+            </a:endParaRPr>
+          </a:p>
+        </p:txBody>
+      </p:sp>
+      <p:sp>
+        <p:nvSpPr>
+          <p:cNvPr id="348" name="PlaceHolder 2"/>
+          <p:cNvSpPr>
+            <a:spLocks noGrp="1"/>
+          </p:cNvSpPr>
+          <p:nvPr>
+            <p:ph/>
+          </p:nvPr>
+        </p:nvSpPr>
+        <p:spPr>
+          <a:xfrm>
+            <a:off x="609120" y="1604520"/>
+            <a:ext cx="5352840" cy="1896840"/>
+          </a:xfrm>
+          <a:prstGeom prst="rect">
+            <a:avLst/>
+          </a:prstGeom>
+          <a:noFill/>
+          <a:ln w="0">
+            <a:noFill/>
+          </a:ln>
+        </p:spPr>
+        <p:txBody>
+          <a:bodyPr lIns="0" rIns="0" tIns="0" bIns="0" anchor="t">
+            <a:normAutofit/>
+          </a:bodyPr>
+          <a:p>
+            <a:pPr indent="0">
+              <a:spcBef>
+                <a:spcPts val="1417"/>
+              </a:spcBef>
+              <a:buNone/>
+            </a:pPr>
+            <a:endParaRPr b="0" lang="en-US" sz="3200" spc="-1" strike="noStrike">
+              <a:solidFill>
+                <a:srgbClr val="000000"/>
+              </a:solidFill>
+              <a:latin typeface="Arial"/>
+            </a:endParaRPr>
+          </a:p>
+        </p:txBody>
+      </p:sp>
+      <p:sp>
+        <p:nvSpPr>
+          <p:cNvPr id="349" name="PlaceHolder 3"/>
+          <p:cNvSpPr>
+            <a:spLocks noGrp="1"/>
+          </p:cNvSpPr>
+          <p:nvPr>
+            <p:ph/>
+          </p:nvPr>
+        </p:nvSpPr>
+        <p:spPr>
+          <a:xfrm>
+            <a:off x="6230160" y="1604520"/>
+            <a:ext cx="5352840" cy="3977280"/>
+          </a:xfrm>
+          <a:prstGeom prst="rect">
+            <a:avLst/>
+          </a:prstGeom>
+          <a:noFill/>
+          <a:ln w="0">
+            <a:noFill/>
+          </a:ln>
+        </p:spPr>
+        <p:txBody>
+          <a:bodyPr lIns="0" rIns="0" tIns="0" bIns="0" anchor="t">
+            <a:normAutofit/>
+          </a:bodyPr>
+          <a:p>
+            <a:pPr indent="0">
+              <a:spcBef>
+                <a:spcPts val="1417"/>
+              </a:spcBef>
+              <a:buNone/>
+            </a:pPr>
+            <a:endParaRPr b="0" lang="en-US" sz="3200" spc="-1" strike="noStrike">
+              <a:solidFill>
+                <a:srgbClr val="000000"/>
+              </a:solidFill>
+              <a:latin typeface="Arial"/>
+            </a:endParaRPr>
+          </a:p>
+        </p:txBody>
+      </p:sp>
+      <p:sp>
+        <p:nvSpPr>
+          <p:cNvPr id="350" name="PlaceHolder 4"/>
+          <p:cNvSpPr>
+            <a:spLocks noGrp="1"/>
+          </p:cNvSpPr>
+          <p:nvPr>
+            <p:ph/>
+          </p:nvPr>
+        </p:nvSpPr>
+        <p:spPr>
+          <a:xfrm>
+            <a:off x="609120" y="3682080"/>
+            <a:ext cx="5352840" cy="1896840"/>
+          </a:xfrm>
+          <a:prstGeom prst="rect">
+            <a:avLst/>
+          </a:prstGeom>
+          <a:noFill/>
+          <a:ln w="0">
+            <a:noFill/>
+          </a:ln>
+        </p:spPr>
+        <p:txBody>
+          <a:bodyPr lIns="0" rIns="0" tIns="0" bIns="0" anchor="t">
+            <a:normAutofit/>
+          </a:bodyPr>
+          <a:p>
+            <a:pPr indent="0">
+              <a:spcBef>
+                <a:spcPts val="1417"/>
+              </a:spcBef>
+              <a:buNone/>
+            </a:pPr>
+            <a:endParaRPr b="0" lang="en-US" sz="3200" spc="-1" strike="noStrike">
+              <a:solidFill>
+                <a:srgbClr val="000000"/>
+              </a:solidFill>
+              <a:latin typeface="Arial"/>
+            </a:endParaRPr>
+          </a:p>
+        </p:txBody>
+      </p:sp>
+    </p:spTree>
+  </p:cSld>
+</p:sldLayout>
+</file>
+
+<file path=ppt/slideLayouts/slideLayout104.xml><?xml version="1.0" encoding="utf-8"?>
+<p:sldLayout xmlns:a="http://schemas.openxmlformats.org/drawingml/2006/main" xmlns:p="http://schemas.openxmlformats.org/presentationml/2006/main" xmlns:r="http://schemas.openxmlformats.org/officeDocument/2006/relationships" xmlns:p14="http://schemas.microsoft.com/office/powerpoint/2010/main" xmlns:p15="http://schemas.microsoft.com/office/powerpoint/2012/main" xmlns:mc="http://schemas.openxmlformats.org/markup-compatibility/2006" type="objAndTwoObj" preserve="1">
+  <p:cSld name="Title Content and 2 Content">
+    <p:spTree>
+      <p:nvGrpSpPr>
+        <p:cNvPr id="1" name=""/>
+        <p:cNvGrpSpPr/>
+        <p:nvPr/>
+      </p:nvGrpSpPr>
+      <p:grpSpPr>
+        <a:xfrm>
+          <a:off x="0" y="0"/>
+          <a:ext cx="0" cy="0"/>
+          <a:chOff x="0" y="0"/>
+          <a:chExt cx="0" cy="0"/>
+        </a:xfrm>
+      </p:grpSpPr>
+      <p:sp>
+        <p:nvSpPr>
+          <p:cNvPr id="351" name="PlaceHolder 1"/>
+          <p:cNvSpPr>
+            <a:spLocks noGrp="1"/>
+          </p:cNvSpPr>
+          <p:nvPr>
+            <p:ph type="title"/>
+          </p:nvPr>
+        </p:nvSpPr>
+        <p:spPr>
+          <a:xfrm>
+            <a:off x="609120" y="273600"/>
+            <a:ext cx="10969560" cy="1144800"/>
+          </a:xfrm>
+          <a:prstGeom prst="rect">
+            <a:avLst/>
+          </a:prstGeom>
+          <a:noFill/>
+          <a:ln w="0">
+            <a:noFill/>
+          </a:ln>
+        </p:spPr>
+        <p:txBody>
+          <a:bodyPr lIns="0" rIns="0" tIns="0" bIns="0" anchor="ctr">
+            <a:noAutofit/>
+          </a:bodyPr>
+          <a:p>
+            <a:pPr indent="0" algn="ctr">
+              <a:buNone/>
+            </a:pPr>
+            <a:endParaRPr b="0" lang="en-US" sz="4400" spc="-1" strike="noStrike">
+              <a:solidFill>
+                <a:srgbClr val="000000"/>
+              </a:solidFill>
+              <a:latin typeface="Arial"/>
+            </a:endParaRPr>
+          </a:p>
+        </p:txBody>
+      </p:sp>
+      <p:sp>
+        <p:nvSpPr>
+          <p:cNvPr id="352" name="PlaceHolder 2"/>
+          <p:cNvSpPr>
+            <a:spLocks noGrp="1"/>
+          </p:cNvSpPr>
+          <p:nvPr>
+            <p:ph/>
+          </p:nvPr>
+        </p:nvSpPr>
+        <p:spPr>
+          <a:xfrm>
+            <a:off x="609120" y="1604520"/>
+            <a:ext cx="5352840" cy="3977280"/>
+          </a:xfrm>
+          <a:prstGeom prst="rect">
+            <a:avLst/>
+          </a:prstGeom>
+          <a:noFill/>
+          <a:ln w="0">
+            <a:noFill/>
+          </a:ln>
+        </p:spPr>
+        <p:txBody>
+          <a:bodyPr lIns="0" rIns="0" tIns="0" bIns="0" anchor="t">
+            <a:normAutofit/>
+          </a:bodyPr>
+          <a:p>
+            <a:pPr indent="0">
+              <a:spcBef>
+                <a:spcPts val="1417"/>
+              </a:spcBef>
+              <a:buNone/>
+            </a:pPr>
+            <a:endParaRPr b="0" lang="en-US" sz="3200" spc="-1" strike="noStrike">
+              <a:solidFill>
+                <a:srgbClr val="000000"/>
+              </a:solidFill>
+              <a:latin typeface="Arial"/>
+            </a:endParaRPr>
+          </a:p>
+        </p:txBody>
+      </p:sp>
+      <p:sp>
+        <p:nvSpPr>
+          <p:cNvPr id="353" name="PlaceHolder 3"/>
+          <p:cNvSpPr>
+            <a:spLocks noGrp="1"/>
+          </p:cNvSpPr>
+          <p:nvPr>
+            <p:ph/>
+          </p:nvPr>
+        </p:nvSpPr>
+        <p:spPr>
+          <a:xfrm>
+            <a:off x="6230160" y="1604520"/>
+            <a:ext cx="5352840" cy="1896840"/>
+          </a:xfrm>
+          <a:prstGeom prst="rect">
+            <a:avLst/>
+          </a:prstGeom>
+          <a:noFill/>
+          <a:ln w="0">
+            <a:noFill/>
+          </a:ln>
+        </p:spPr>
+        <p:txBody>
+          <a:bodyPr lIns="0" rIns="0" tIns="0" bIns="0" anchor="t">
+            <a:normAutofit/>
+          </a:bodyPr>
+          <a:p>
+            <a:pPr indent="0">
+              <a:spcBef>
+                <a:spcPts val="1417"/>
+              </a:spcBef>
+              <a:buNone/>
+            </a:pPr>
+            <a:endParaRPr b="0" lang="en-US" sz="3200" spc="-1" strike="noStrike">
+              <a:solidFill>
+                <a:srgbClr val="000000"/>
+              </a:solidFill>
+              <a:latin typeface="Arial"/>
+            </a:endParaRPr>
+          </a:p>
+        </p:txBody>
+      </p:sp>
+      <p:sp>
+        <p:nvSpPr>
+          <p:cNvPr id="354" name="PlaceHolder 4"/>
+          <p:cNvSpPr>
+            <a:spLocks noGrp="1"/>
+          </p:cNvSpPr>
+          <p:nvPr>
+            <p:ph/>
+          </p:nvPr>
+        </p:nvSpPr>
+        <p:spPr>
+          <a:xfrm>
+            <a:off x="6230160" y="3682080"/>
+            <a:ext cx="5352840" cy="1896840"/>
+          </a:xfrm>
+          <a:prstGeom prst="rect">
+            <a:avLst/>
+          </a:prstGeom>
+          <a:noFill/>
+          <a:ln w="0">
+            <a:noFill/>
+          </a:ln>
+        </p:spPr>
+        <p:txBody>
+          <a:bodyPr lIns="0" rIns="0" tIns="0" bIns="0" anchor="t">
+            <a:normAutofit/>
+          </a:bodyPr>
+          <a:p>
+            <a:pPr indent="0">
+              <a:spcBef>
+                <a:spcPts val="1417"/>
+              </a:spcBef>
+              <a:buNone/>
+            </a:pPr>
+            <a:endParaRPr b="0" lang="en-US" sz="3200" spc="-1" strike="noStrike">
+              <a:solidFill>
+                <a:srgbClr val="000000"/>
+              </a:solidFill>
+              <a:latin typeface="Arial"/>
+            </a:endParaRPr>
+          </a:p>
+        </p:txBody>
+      </p:sp>
+    </p:spTree>
+  </p:cSld>
+</p:sldLayout>
+</file>
+
+<file path=ppt/slideLayouts/slideLayout105.xml><?xml version="1.0" encoding="utf-8"?>
+<p:sldLayout xmlns:a="http://schemas.openxmlformats.org/drawingml/2006/main" xmlns:p="http://schemas.openxmlformats.org/presentationml/2006/main" xmlns:r="http://schemas.openxmlformats.org/officeDocument/2006/relationships" xmlns:p14="http://schemas.microsoft.com/office/powerpoint/2010/main" xmlns:p15="http://schemas.microsoft.com/office/powerpoint/2012/main" xmlns:mc="http://schemas.openxmlformats.org/markup-compatibility/2006" type="twoObjOverTx" preserve="1">
+  <p:cSld name="Title, 2 Content over Content">
+    <p:spTree>
+      <p:nvGrpSpPr>
+        <p:cNvPr id="1" name=""/>
+        <p:cNvGrpSpPr/>
+        <p:nvPr/>
+      </p:nvGrpSpPr>
+      <p:grpSpPr>
+        <a:xfrm>
+          <a:off x="0" y="0"/>
+          <a:ext cx="0" cy="0"/>
+          <a:chOff x="0" y="0"/>
+          <a:chExt cx="0" cy="0"/>
+        </a:xfrm>
+      </p:grpSpPr>
+      <p:sp>
+        <p:nvSpPr>
+          <p:cNvPr id="355" name="PlaceHolder 1"/>
+          <p:cNvSpPr>
+            <a:spLocks noGrp="1"/>
+          </p:cNvSpPr>
+          <p:nvPr>
+            <p:ph type="title"/>
+          </p:nvPr>
+        </p:nvSpPr>
+        <p:spPr>
+          <a:xfrm>
+            <a:off x="609120" y="273600"/>
+            <a:ext cx="10969560" cy="1144800"/>
+          </a:xfrm>
+          <a:prstGeom prst="rect">
+            <a:avLst/>
+          </a:prstGeom>
+          <a:noFill/>
+          <a:ln w="0">
+            <a:noFill/>
+          </a:ln>
+        </p:spPr>
+        <p:txBody>
+          <a:bodyPr lIns="0" rIns="0" tIns="0" bIns="0" anchor="ctr">
+            <a:noAutofit/>
+          </a:bodyPr>
+          <a:p>
+            <a:pPr indent="0" algn="ctr">
+              <a:buNone/>
+            </a:pPr>
+            <a:endParaRPr b="0" lang="en-US" sz="4400" spc="-1" strike="noStrike">
+              <a:solidFill>
+                <a:srgbClr val="000000"/>
+              </a:solidFill>
+              <a:latin typeface="Arial"/>
+            </a:endParaRPr>
+          </a:p>
+        </p:txBody>
+      </p:sp>
+      <p:sp>
+        <p:nvSpPr>
+          <p:cNvPr id="356" name="PlaceHolder 2"/>
+          <p:cNvSpPr>
+            <a:spLocks noGrp="1"/>
+          </p:cNvSpPr>
+          <p:nvPr>
+            <p:ph/>
+          </p:nvPr>
+        </p:nvSpPr>
+        <p:spPr>
+          <a:xfrm>
+            <a:off x="609120" y="1604520"/>
+            <a:ext cx="5352840" cy="1896840"/>
+          </a:xfrm>
+          <a:prstGeom prst="rect">
+            <a:avLst/>
+          </a:prstGeom>
+          <a:noFill/>
+          <a:ln w="0">
+            <a:noFill/>
+          </a:ln>
+        </p:spPr>
+        <p:txBody>
+          <a:bodyPr lIns="0" rIns="0" tIns="0" bIns="0" anchor="t">
+            <a:normAutofit/>
+          </a:bodyPr>
+          <a:p>
+            <a:pPr indent="0">
+              <a:spcBef>
+                <a:spcPts val="1417"/>
+              </a:spcBef>
+              <a:buNone/>
+            </a:pPr>
+            <a:endParaRPr b="0" lang="en-US" sz="3200" spc="-1" strike="noStrike">
+              <a:solidFill>
+                <a:srgbClr val="000000"/>
+              </a:solidFill>
+              <a:latin typeface="Arial"/>
+            </a:endParaRPr>
+          </a:p>
+        </p:txBody>
+      </p:sp>
+      <p:sp>
+        <p:nvSpPr>
+          <p:cNvPr id="357" name="PlaceHolder 3"/>
+          <p:cNvSpPr>
+            <a:spLocks noGrp="1"/>
+          </p:cNvSpPr>
+          <p:nvPr>
+            <p:ph/>
+          </p:nvPr>
+        </p:nvSpPr>
+        <p:spPr>
+          <a:xfrm>
+            <a:off x="6230160" y="1604520"/>
+            <a:ext cx="5352840" cy="1896840"/>
+          </a:xfrm>
+          <a:prstGeom prst="rect">
+            <a:avLst/>
+          </a:prstGeom>
+          <a:noFill/>
+          <a:ln w="0">
+            <a:noFill/>
+          </a:ln>
+        </p:spPr>
+        <p:txBody>
+          <a:bodyPr lIns="0" rIns="0" tIns="0" bIns="0" anchor="t">
+            <a:normAutofit/>
+          </a:bodyPr>
+          <a:p>
+            <a:pPr indent="0">
+              <a:spcBef>
+                <a:spcPts val="1417"/>
+              </a:spcBef>
+              <a:buNone/>
+            </a:pPr>
+            <a:endParaRPr b="0" lang="en-US" sz="3200" spc="-1" strike="noStrike">
+              <a:solidFill>
+                <a:srgbClr val="000000"/>
+              </a:solidFill>
+              <a:latin typeface="Arial"/>
+            </a:endParaRPr>
+          </a:p>
+        </p:txBody>
+      </p:sp>
+      <p:sp>
+        <p:nvSpPr>
+          <p:cNvPr id="358" name="PlaceHolder 4"/>
+          <p:cNvSpPr>
+            <a:spLocks noGrp="1"/>
+          </p:cNvSpPr>
+          <p:nvPr>
+            <p:ph/>
+          </p:nvPr>
+        </p:nvSpPr>
+        <p:spPr>
+          <a:xfrm>
+            <a:off x="609120" y="3682080"/>
+            <a:ext cx="10969560" cy="1896840"/>
+          </a:xfrm>
+          <a:prstGeom prst="rect">
+            <a:avLst/>
+          </a:prstGeom>
+          <a:noFill/>
+          <a:ln w="0">
+            <a:noFill/>
+          </a:ln>
+        </p:spPr>
+        <p:txBody>
+          <a:bodyPr lIns="0" rIns="0" tIns="0" bIns="0" anchor="t">
+            <a:normAutofit/>
+          </a:bodyPr>
+          <a:p>
+            <a:pPr indent="0">
+              <a:spcBef>
+                <a:spcPts val="1417"/>
+              </a:spcBef>
+              <a:buNone/>
+            </a:pPr>
+            <a:endParaRPr b="0" lang="en-US" sz="3200" spc="-1" strike="noStrike">
+              <a:solidFill>
+                <a:srgbClr val="000000"/>
+              </a:solidFill>
+              <a:latin typeface="Arial"/>
+            </a:endParaRPr>
+          </a:p>
+        </p:txBody>
+      </p:sp>
+    </p:spTree>
+  </p:cSld>
+</p:sldLayout>
+</file>
+
+<file path=ppt/slideLayouts/slideLayout106.xml><?xml version="1.0" encoding="utf-8"?>
+<p:sldLayout xmlns:a="http://schemas.openxmlformats.org/drawingml/2006/main" xmlns:p="http://schemas.openxmlformats.org/presentationml/2006/main" xmlns:r="http://schemas.openxmlformats.org/officeDocument/2006/relationships" xmlns:p14="http://schemas.microsoft.com/office/powerpoint/2010/main" xmlns:p15="http://schemas.microsoft.com/office/powerpoint/2012/main" xmlns:mc="http://schemas.openxmlformats.org/markup-compatibility/2006" type="objOverTx" preserve="1">
+  <p:cSld name="Title, Content over Content">
+    <p:spTree>
+      <p:nvGrpSpPr>
+        <p:cNvPr id="1" name=""/>
+        <p:cNvGrpSpPr/>
+        <p:nvPr/>
+      </p:nvGrpSpPr>
+      <p:grpSpPr>
+        <a:xfrm>
+          <a:off x="0" y="0"/>
+          <a:ext cx="0" cy="0"/>
+          <a:chOff x="0" y="0"/>
+          <a:chExt cx="0" cy="0"/>
+        </a:xfrm>
+      </p:grpSpPr>
+      <p:sp>
+        <p:nvSpPr>
+          <p:cNvPr id="359" name="PlaceHolder 1"/>
+          <p:cNvSpPr>
+            <a:spLocks noGrp="1"/>
+          </p:cNvSpPr>
+          <p:nvPr>
+            <p:ph type="title"/>
+          </p:nvPr>
+        </p:nvSpPr>
+        <p:spPr>
+          <a:xfrm>
+            <a:off x="609120" y="273600"/>
+            <a:ext cx="10969560" cy="1144800"/>
+          </a:xfrm>
+          <a:prstGeom prst="rect">
+            <a:avLst/>
+          </a:prstGeom>
+          <a:noFill/>
+          <a:ln w="0">
+            <a:noFill/>
+          </a:ln>
+        </p:spPr>
+        <p:txBody>
+          <a:bodyPr lIns="0" rIns="0" tIns="0" bIns="0" anchor="ctr">
+            <a:noAutofit/>
+          </a:bodyPr>
+          <a:p>
+            <a:pPr indent="0" algn="ctr">
+              <a:buNone/>
+            </a:pPr>
+            <a:endParaRPr b="0" lang="en-US" sz="4400" spc="-1" strike="noStrike">
+              <a:solidFill>
+                <a:srgbClr val="000000"/>
+              </a:solidFill>
+              <a:latin typeface="Arial"/>
+            </a:endParaRPr>
+          </a:p>
+        </p:txBody>
+      </p:sp>
+      <p:sp>
+        <p:nvSpPr>
+          <p:cNvPr id="360" name="PlaceHolder 2"/>
+          <p:cNvSpPr>
+            <a:spLocks noGrp="1"/>
+          </p:cNvSpPr>
+          <p:nvPr>
+            <p:ph/>
+          </p:nvPr>
+        </p:nvSpPr>
+        <p:spPr>
+          <a:xfrm>
+            <a:off x="609120" y="1604520"/>
+            <a:ext cx="10969560" cy="1896840"/>
+          </a:xfrm>
+          <a:prstGeom prst="rect">
+            <a:avLst/>
+          </a:prstGeom>
+          <a:noFill/>
+          <a:ln w="0">
+            <a:noFill/>
+          </a:ln>
+        </p:spPr>
+        <p:txBody>
+          <a:bodyPr lIns="0" rIns="0" tIns="0" bIns="0" anchor="t">
+            <a:normAutofit/>
+          </a:bodyPr>
+          <a:p>
+            <a:pPr indent="0">
+              <a:spcBef>
+                <a:spcPts val="1417"/>
+              </a:spcBef>
+              <a:buNone/>
+            </a:pPr>
+            <a:endParaRPr b="0" lang="en-US" sz="3200" spc="-1" strike="noStrike">
+              <a:solidFill>
+                <a:srgbClr val="000000"/>
+              </a:solidFill>
+              <a:latin typeface="Arial"/>
+            </a:endParaRPr>
+          </a:p>
+        </p:txBody>
+      </p:sp>
+      <p:sp>
+        <p:nvSpPr>
+          <p:cNvPr id="361" name="PlaceHolder 3"/>
+          <p:cNvSpPr>
+            <a:spLocks noGrp="1"/>
+          </p:cNvSpPr>
+          <p:nvPr>
+            <p:ph/>
+          </p:nvPr>
+        </p:nvSpPr>
+        <p:spPr>
+          <a:xfrm>
+            <a:off x="609120" y="3682080"/>
+            <a:ext cx="10969560" cy="1896840"/>
+          </a:xfrm>
+          <a:prstGeom prst="rect">
+            <a:avLst/>
+          </a:prstGeom>
+          <a:noFill/>
+          <a:ln w="0">
+            <a:noFill/>
+          </a:ln>
+        </p:spPr>
+        <p:txBody>
+          <a:bodyPr lIns="0" rIns="0" tIns="0" bIns="0" anchor="t">
+            <a:normAutofit/>
+          </a:bodyPr>
+          <a:p>
+            <a:pPr indent="0">
+              <a:spcBef>
+                <a:spcPts val="1417"/>
+              </a:spcBef>
+              <a:buNone/>
+            </a:pPr>
+            <a:endParaRPr b="0" lang="en-US" sz="3200" spc="-1" strike="noStrike">
+              <a:solidFill>
+                <a:srgbClr val="000000"/>
+              </a:solidFill>
+              <a:latin typeface="Arial"/>
+            </a:endParaRPr>
+          </a:p>
+        </p:txBody>
+      </p:sp>
+    </p:spTree>
+  </p:cSld>
+</p:sldLayout>
+</file>
+
+<file path=ppt/slideLayouts/slideLayout107.xml><?xml version="1.0" encoding="utf-8"?>
+<p:sldLayout xmlns:a="http://schemas.openxmlformats.org/drawingml/2006/main" xmlns:p="http://schemas.openxmlformats.org/presentationml/2006/main" xmlns:r="http://schemas.openxmlformats.org/officeDocument/2006/relationships" xmlns:p14="http://schemas.microsoft.com/office/powerpoint/2010/main" xmlns:p15="http://schemas.microsoft.com/office/powerpoint/2012/main" xmlns:mc="http://schemas.openxmlformats.org/markup-compatibility/2006" type="fourObj" preserve="1">
+  <p:cSld name="Title, 4 Content">
+    <p:spTree>
+      <p:nvGrpSpPr>
+        <p:cNvPr id="1" name=""/>
+        <p:cNvGrpSpPr/>
+        <p:nvPr/>
+      </p:nvGrpSpPr>
+      <p:grpSpPr>
+        <a:xfrm>
+          <a:off x="0" y="0"/>
+          <a:ext cx="0" cy="0"/>
+          <a:chOff x="0" y="0"/>
+          <a:chExt cx="0" cy="0"/>
+        </a:xfrm>
+      </p:grpSpPr>
+      <p:sp>
+        <p:nvSpPr>
+          <p:cNvPr id="362" name="PlaceHolder 1"/>
+          <p:cNvSpPr>
+            <a:spLocks noGrp="1"/>
+          </p:cNvSpPr>
+          <p:nvPr>
+            <p:ph type="title"/>
+          </p:nvPr>
+        </p:nvSpPr>
+        <p:spPr>
+          <a:xfrm>
+            <a:off x="609120" y="273600"/>
+            <a:ext cx="10969560" cy="1144800"/>
+          </a:xfrm>
+          <a:prstGeom prst="rect">
+            <a:avLst/>
+          </a:prstGeom>
+          <a:noFill/>
+          <a:ln w="0">
+            <a:noFill/>
+          </a:ln>
+        </p:spPr>
+        <p:txBody>
+          <a:bodyPr lIns="0" rIns="0" tIns="0" bIns="0" anchor="ctr">
+            <a:noAutofit/>
+          </a:bodyPr>
+          <a:p>
+            <a:pPr indent="0" algn="ctr">
+              <a:buNone/>
+            </a:pPr>
+            <a:endParaRPr b="0" lang="en-US" sz="4400" spc="-1" strike="noStrike">
+              <a:solidFill>
+                <a:srgbClr val="000000"/>
+              </a:solidFill>
+              <a:latin typeface="Arial"/>
+            </a:endParaRPr>
+          </a:p>
+        </p:txBody>
+      </p:sp>
+      <p:sp>
+        <p:nvSpPr>
+          <p:cNvPr id="363" name="PlaceHolder 2"/>
+          <p:cNvSpPr>
+            <a:spLocks noGrp="1"/>
+          </p:cNvSpPr>
+          <p:nvPr>
+            <p:ph/>
+          </p:nvPr>
+        </p:nvSpPr>
+        <p:spPr>
+          <a:xfrm>
+            <a:off x="609120" y="1604520"/>
+            <a:ext cx="5352840" cy="1896840"/>
+          </a:xfrm>
+          <a:prstGeom prst="rect">
+            <a:avLst/>
+          </a:prstGeom>
+          <a:noFill/>
+          <a:ln w="0">
+            <a:noFill/>
+          </a:ln>
+        </p:spPr>
+        <p:txBody>
+          <a:bodyPr lIns="0" rIns="0" tIns="0" bIns="0" anchor="t">
+            <a:normAutofit/>
+          </a:bodyPr>
+          <a:p>
+            <a:pPr indent="0">
+              <a:spcBef>
+                <a:spcPts val="1417"/>
+              </a:spcBef>
+              <a:buNone/>
+            </a:pPr>
+            <a:endParaRPr b="0" lang="en-US" sz="3200" spc="-1" strike="noStrike">
+              <a:solidFill>
+                <a:srgbClr val="000000"/>
+              </a:solidFill>
+              <a:latin typeface="Arial"/>
+            </a:endParaRPr>
+          </a:p>
+        </p:txBody>
+      </p:sp>
+      <p:sp>
+        <p:nvSpPr>
+          <p:cNvPr id="364" name="PlaceHolder 3"/>
+          <p:cNvSpPr>
+            <a:spLocks noGrp="1"/>
+          </p:cNvSpPr>
+          <p:nvPr>
+            <p:ph/>
+          </p:nvPr>
+        </p:nvSpPr>
+        <p:spPr>
+          <a:xfrm>
+            <a:off x="6230160" y="1604520"/>
+            <a:ext cx="5352840" cy="1896840"/>
+          </a:xfrm>
+          <a:prstGeom prst="rect">
+            <a:avLst/>
+          </a:prstGeom>
+          <a:noFill/>
+          <a:ln w="0">
+            <a:noFill/>
+          </a:ln>
+        </p:spPr>
+        <p:txBody>
+          <a:bodyPr lIns="0" rIns="0" tIns="0" bIns="0" anchor="t">
+            <a:normAutofit/>
+          </a:bodyPr>
+          <a:p>
+            <a:pPr indent="0">
+              <a:spcBef>
+                <a:spcPts val="1417"/>
+              </a:spcBef>
+              <a:buNone/>
+            </a:pPr>
+            <a:endParaRPr b="0" lang="en-US" sz="3200" spc="-1" strike="noStrike">
+              <a:solidFill>
+                <a:srgbClr val="000000"/>
+              </a:solidFill>
+              <a:latin typeface="Arial"/>
+            </a:endParaRPr>
+          </a:p>
+        </p:txBody>
+      </p:sp>
+      <p:sp>
+        <p:nvSpPr>
+          <p:cNvPr id="365" name="PlaceHolder 4"/>
+          <p:cNvSpPr>
+            <a:spLocks noGrp="1"/>
+          </p:cNvSpPr>
+          <p:nvPr>
+            <p:ph/>
+          </p:nvPr>
+        </p:nvSpPr>
+        <p:spPr>
+          <a:xfrm>
+            <a:off x="609120" y="3682080"/>
+            <a:ext cx="5352840" cy="1896840"/>
+          </a:xfrm>
+          <a:prstGeom prst="rect">
+            <a:avLst/>
+          </a:prstGeom>
+          <a:noFill/>
+          <a:ln w="0">
+            <a:noFill/>
+          </a:ln>
+        </p:spPr>
+        <p:txBody>
+          <a:bodyPr lIns="0" rIns="0" tIns="0" bIns="0" anchor="t">
+            <a:normAutofit/>
+          </a:bodyPr>
+          <a:p>
+            <a:pPr indent="0">
+              <a:spcBef>
+                <a:spcPts val="1417"/>
+              </a:spcBef>
+              <a:buNone/>
+            </a:pPr>
+            <a:endParaRPr b="0" lang="en-US" sz="3200" spc="-1" strike="noStrike">
+              <a:solidFill>
+                <a:srgbClr val="000000"/>
+              </a:solidFill>
+              <a:latin typeface="Arial"/>
+            </a:endParaRPr>
+          </a:p>
+        </p:txBody>
+      </p:sp>
+      <p:sp>
+        <p:nvSpPr>
+          <p:cNvPr id="366" name="PlaceHolder 5"/>
+          <p:cNvSpPr>
+            <a:spLocks noGrp="1"/>
+          </p:cNvSpPr>
+          <p:nvPr>
+            <p:ph/>
+          </p:nvPr>
+        </p:nvSpPr>
+        <p:spPr>
+          <a:xfrm>
+            <a:off x="6230160" y="3682080"/>
+            <a:ext cx="5352840" cy="1896840"/>
+          </a:xfrm>
+          <a:prstGeom prst="rect">
+            <a:avLst/>
+          </a:prstGeom>
+          <a:noFill/>
+          <a:ln w="0">
+            <a:noFill/>
+          </a:ln>
+        </p:spPr>
+        <p:txBody>
+          <a:bodyPr lIns="0" rIns="0" tIns="0" bIns="0" anchor="t">
+            <a:normAutofit/>
+          </a:bodyPr>
+          <a:p>
+            <a:pPr indent="0">
+              <a:spcBef>
+                <a:spcPts val="1417"/>
+              </a:spcBef>
+              <a:buNone/>
+            </a:pPr>
+            <a:endParaRPr b="0" lang="en-US" sz="3200" spc="-1" strike="noStrike">
+              <a:solidFill>
+                <a:srgbClr val="000000"/>
+              </a:solidFill>
+              <a:latin typeface="Arial"/>
+            </a:endParaRPr>
+          </a:p>
+        </p:txBody>
+      </p:sp>
+    </p:spTree>
+  </p:cSld>
+</p:sldLayout>
+</file>
+
+<file path=ppt/slideLayouts/slideLayout108.xml><?xml version="1.0" encoding="utf-8"?>
+<p:sldLayout xmlns:a="http://schemas.openxmlformats.org/drawingml/2006/main" xmlns:p="http://schemas.openxmlformats.org/presentationml/2006/main" xmlns:r="http://schemas.openxmlformats.org/officeDocument/2006/relationships" xmlns:p14="http://schemas.microsoft.com/office/powerpoint/2010/main" xmlns:p15="http://schemas.microsoft.com/office/powerpoint/2012/main" xmlns:mc="http://schemas.openxmlformats.org/markup-compatibility/2006" type="blank" preserve="1">
+  <p:cSld name="Title, 6 Content">
+    <p:spTree>
+      <p:nvGrpSpPr>
+        <p:cNvPr id="1" name=""/>
+        <p:cNvGrpSpPr/>
+        <p:nvPr/>
+      </p:nvGrpSpPr>
+      <p:grpSpPr>
+        <a:xfrm>
+          <a:off x="0" y="0"/>
+          <a:ext cx="0" cy="0"/>
+          <a:chOff x="0" y="0"/>
+          <a:chExt cx="0" cy="0"/>
+        </a:xfrm>
+      </p:grpSpPr>
+      <p:sp>
+        <p:nvSpPr>
+          <p:cNvPr id="367" name="PlaceHolder 1"/>
+          <p:cNvSpPr>
+            <a:spLocks noGrp="1"/>
+          </p:cNvSpPr>
+          <p:nvPr>
+            <p:ph type="title"/>
+          </p:nvPr>
+        </p:nvSpPr>
+        <p:spPr>
+          <a:xfrm>
+            <a:off x="609120" y="273600"/>
+            <a:ext cx="10969560" cy="1144800"/>
+          </a:xfrm>
+          <a:prstGeom prst="rect">
+            <a:avLst/>
+          </a:prstGeom>
+          <a:noFill/>
+          <a:ln w="0">
+            <a:noFill/>
+          </a:ln>
+        </p:spPr>
+        <p:txBody>
+          <a:bodyPr lIns="0" rIns="0" tIns="0" bIns="0" anchor="ctr">
+            <a:noAutofit/>
+          </a:bodyPr>
+          <a:p>
+            <a:pPr indent="0" algn="ctr">
+              <a:buNone/>
+            </a:pPr>
+            <a:endParaRPr b="0" lang="en-US" sz="4400" spc="-1" strike="noStrike">
+              <a:solidFill>
+                <a:srgbClr val="000000"/>
+              </a:solidFill>
+              <a:latin typeface="Arial"/>
+            </a:endParaRPr>
+          </a:p>
+        </p:txBody>
+      </p:sp>
+      <p:sp>
+        <p:nvSpPr>
+          <p:cNvPr id="368" name="PlaceHolder 2"/>
+          <p:cNvSpPr>
+            <a:spLocks noGrp="1"/>
+          </p:cNvSpPr>
+          <p:nvPr>
+            <p:ph/>
+          </p:nvPr>
+        </p:nvSpPr>
+        <p:spPr>
+          <a:xfrm>
+            <a:off x="609120" y="1604520"/>
+            <a:ext cx="3531960" cy="1896840"/>
+          </a:xfrm>
+          <a:prstGeom prst="rect">
+            <a:avLst/>
+          </a:prstGeom>
+          <a:noFill/>
+          <a:ln w="0">
+            <a:noFill/>
+          </a:ln>
+        </p:spPr>
+        <p:txBody>
+          <a:bodyPr lIns="0" rIns="0" tIns="0" bIns="0" anchor="t">
+            <a:normAutofit/>
+          </a:bodyPr>
+          <a:p>
+            <a:pPr indent="0">
+              <a:spcBef>
+                <a:spcPts val="1417"/>
+              </a:spcBef>
+              <a:buNone/>
+            </a:pPr>
+            <a:endParaRPr b="0" lang="en-US" sz="3200" spc="-1" strike="noStrike">
+              <a:solidFill>
+                <a:srgbClr val="000000"/>
+              </a:solidFill>
+              <a:latin typeface="Arial"/>
+            </a:endParaRPr>
+          </a:p>
+        </p:txBody>
+      </p:sp>
+      <p:sp>
+        <p:nvSpPr>
+          <p:cNvPr id="369" name="PlaceHolder 3"/>
+          <p:cNvSpPr>
+            <a:spLocks noGrp="1"/>
+          </p:cNvSpPr>
+          <p:nvPr>
+            <p:ph/>
+          </p:nvPr>
+        </p:nvSpPr>
+        <p:spPr>
+          <a:xfrm>
+            <a:off x="4318200" y="1604520"/>
+            <a:ext cx="3531960" cy="1896840"/>
+          </a:xfrm>
+          <a:prstGeom prst="rect">
+            <a:avLst/>
+          </a:prstGeom>
+          <a:noFill/>
+          <a:ln w="0">
+            <a:noFill/>
+          </a:ln>
+        </p:spPr>
+        <p:txBody>
+          <a:bodyPr lIns="0" rIns="0" tIns="0" bIns="0" anchor="t">
+            <a:normAutofit/>
+          </a:bodyPr>
+          <a:p>
+            <a:pPr indent="0">
+              <a:spcBef>
+                <a:spcPts val="1417"/>
+              </a:spcBef>
+              <a:buNone/>
+            </a:pPr>
+            <a:endParaRPr b="0" lang="en-US" sz="3200" spc="-1" strike="noStrike">
+              <a:solidFill>
+                <a:srgbClr val="000000"/>
+              </a:solidFill>
+              <a:latin typeface="Arial"/>
+            </a:endParaRPr>
+          </a:p>
+        </p:txBody>
+      </p:sp>
+      <p:sp>
+        <p:nvSpPr>
+          <p:cNvPr id="370" name="PlaceHolder 4"/>
+          <p:cNvSpPr>
+            <a:spLocks noGrp="1"/>
+          </p:cNvSpPr>
+          <p:nvPr>
+            <p:ph/>
+          </p:nvPr>
+        </p:nvSpPr>
+        <p:spPr>
+          <a:xfrm>
+            <a:off x="8026920" y="1604520"/>
+            <a:ext cx="3531960" cy="1896840"/>
+          </a:xfrm>
+          <a:prstGeom prst="rect">
+            <a:avLst/>
+          </a:prstGeom>
+          <a:noFill/>
+          <a:ln w="0">
+            <a:noFill/>
+          </a:ln>
+        </p:spPr>
+        <p:txBody>
+          <a:bodyPr lIns="0" rIns="0" tIns="0" bIns="0" anchor="t">
+            <a:normAutofit/>
+          </a:bodyPr>
+          <a:p>
+            <a:pPr indent="0">
+              <a:spcBef>
+                <a:spcPts val="1417"/>
+              </a:spcBef>
+              <a:buNone/>
+            </a:pPr>
+            <a:endParaRPr b="0" lang="en-US" sz="3200" spc="-1" strike="noStrike">
+              <a:solidFill>
+                <a:srgbClr val="000000"/>
+              </a:solidFill>
+              <a:latin typeface="Arial"/>
+            </a:endParaRPr>
+          </a:p>
+        </p:txBody>
+      </p:sp>
+      <p:sp>
+        <p:nvSpPr>
+          <p:cNvPr id="371" name="PlaceHolder 5"/>
+          <p:cNvSpPr>
+            <a:spLocks noGrp="1"/>
+          </p:cNvSpPr>
+          <p:nvPr>
+            <p:ph/>
+          </p:nvPr>
+        </p:nvSpPr>
+        <p:spPr>
+          <a:xfrm>
+            <a:off x="609120" y="3682080"/>
+            <a:ext cx="3531960" cy="1896840"/>
+          </a:xfrm>
+          <a:prstGeom prst="rect">
+            <a:avLst/>
+          </a:prstGeom>
+          <a:noFill/>
+          <a:ln w="0">
+            <a:noFill/>
+          </a:ln>
+        </p:spPr>
+        <p:txBody>
+          <a:bodyPr lIns="0" rIns="0" tIns="0" bIns="0" anchor="t">
+            <a:normAutofit/>
+          </a:bodyPr>
+          <a:p>
+            <a:pPr indent="0">
+              <a:spcBef>
+                <a:spcPts val="1417"/>
+              </a:spcBef>
+              <a:buNone/>
+            </a:pPr>
+            <a:endParaRPr b="0" lang="en-US" sz="3200" spc="-1" strike="noStrike">
+              <a:solidFill>
+                <a:srgbClr val="000000"/>
+              </a:solidFill>
+              <a:latin typeface="Arial"/>
+            </a:endParaRPr>
+          </a:p>
+        </p:txBody>
+      </p:sp>
+      <p:sp>
+        <p:nvSpPr>
+          <p:cNvPr id="372" name="PlaceHolder 6"/>
+          <p:cNvSpPr>
+            <a:spLocks noGrp="1"/>
+          </p:cNvSpPr>
+          <p:nvPr>
+            <p:ph/>
+          </p:nvPr>
+        </p:nvSpPr>
+        <p:spPr>
+          <a:xfrm>
+            <a:off x="4318200" y="3682080"/>
+            <a:ext cx="3531960" cy="1896840"/>
+          </a:xfrm>
+          <a:prstGeom prst="rect">
+            <a:avLst/>
+          </a:prstGeom>
+          <a:noFill/>
+          <a:ln w="0">
+            <a:noFill/>
+          </a:ln>
+        </p:spPr>
+        <p:txBody>
+          <a:bodyPr lIns="0" rIns="0" tIns="0" bIns="0" anchor="t">
+            <a:normAutofit/>
+          </a:bodyPr>
+          <a:p>
+            <a:pPr indent="0">
+              <a:spcBef>
+                <a:spcPts val="1417"/>
+              </a:spcBef>
+              <a:buNone/>
+            </a:pPr>
+            <a:endParaRPr b="0" lang="en-US" sz="3200" spc="-1" strike="noStrike">
+              <a:solidFill>
+                <a:srgbClr val="000000"/>
+              </a:solidFill>
+              <a:latin typeface="Arial"/>
+            </a:endParaRPr>
+          </a:p>
+        </p:txBody>
+      </p:sp>
+      <p:sp>
+        <p:nvSpPr>
+          <p:cNvPr id="373" name="PlaceHolder 7"/>
+          <p:cNvSpPr>
+            <a:spLocks noGrp="1"/>
+          </p:cNvSpPr>
+          <p:nvPr>
+            <p:ph/>
+          </p:nvPr>
+        </p:nvSpPr>
+        <p:spPr>
+          <a:xfrm>
+            <a:off x="8026920" y="3682080"/>
+            <a:ext cx="3531960" cy="1896840"/>
+          </a:xfrm>
+          <a:prstGeom prst="rect">
+            <a:avLst/>
+          </a:prstGeom>
+          <a:noFill/>
+          <a:ln w="0">
+            <a:noFill/>
+          </a:ln>
+        </p:spPr>
+        <p:txBody>
+          <a:bodyPr lIns="0" rIns="0" tIns="0" bIns="0" anchor="t">
+            <a:normAutofit/>
+          </a:bodyPr>
+          <a:p>
+            <a:pPr indent="0">
+              <a:spcBef>
+                <a:spcPts val="1417"/>
+              </a:spcBef>
+              <a:buNone/>
+            </a:pPr>
+            <a:endParaRPr b="0" lang="en-US" sz="3200" spc="-1" strike="noStrike">
+              <a:solidFill>
+                <a:srgbClr val="000000"/>
+              </a:solidFill>
+              <a:latin typeface="Arial"/>
+            </a:endParaRPr>
+          </a:p>
+        </p:txBody>
+      </p:sp>
+    </p:spTree>
+  </p:cSld>
+</p:sldLayout>
+</file>
+
 <file path=ppt/slideLayouts/slideLayout11.xml><?xml version="1.0" encoding="utf-8"?>
 <p:sldLayout xmlns:a="http://schemas.openxmlformats.org/drawingml/2006/main" xmlns:p="http://schemas.openxmlformats.org/presentationml/2006/main" xmlns:r="http://schemas.openxmlformats.org/officeDocument/2006/relationships" xmlns:p14="http://schemas.microsoft.com/office/powerpoint/2010/main" xmlns:p15="http://schemas.microsoft.com/office/powerpoint/2012/main" xmlns:mc="http://schemas.openxmlformats.org/markup-compatibility/2006" type="fourObj" preserve="1">
   <p:cSld name="Title, 4 Content">
@@ -14229,6 +15775,235 @@
 </p:sldLayout>
 </file>
 
+<file path=ppt/slideLayouts/slideLayout97.xml><?xml version="1.0" encoding="utf-8"?>
+<p:sldLayout xmlns:a="http://schemas.openxmlformats.org/drawingml/2006/main" xmlns:p="http://schemas.openxmlformats.org/presentationml/2006/main" xmlns:r="http://schemas.openxmlformats.org/officeDocument/2006/relationships" xmlns:p14="http://schemas.microsoft.com/office/powerpoint/2010/main" xmlns:p15="http://schemas.microsoft.com/office/powerpoint/2012/main" xmlns:mc="http://schemas.openxmlformats.org/markup-compatibility/2006" type="blank" preserve="1">
+  <p:cSld name="Blank Slide">
+    <p:spTree>
+      <p:nvGrpSpPr>
+        <p:cNvPr id="1" name=""/>
+        <p:cNvGrpSpPr/>
+        <p:nvPr/>
+      </p:nvGrpSpPr>
+      <p:grpSpPr>
+        <a:xfrm>
+          <a:off x="0" y="0"/>
+          <a:ext cx="0" cy="0"/>
+          <a:chOff x="0" y="0"/>
+          <a:chExt cx="0" cy="0"/>
+        </a:xfrm>
+      </p:grpSpPr>
+    </p:spTree>
+  </p:cSld>
+</p:sldLayout>
+</file>
+
+<file path=ppt/slideLayouts/slideLayout98.xml><?xml version="1.0" encoding="utf-8"?>
+<p:sldLayout xmlns:a="http://schemas.openxmlformats.org/drawingml/2006/main" xmlns:p="http://schemas.openxmlformats.org/presentationml/2006/main" xmlns:r="http://schemas.openxmlformats.org/officeDocument/2006/relationships" xmlns:p14="http://schemas.microsoft.com/office/powerpoint/2010/main" xmlns:p15="http://schemas.microsoft.com/office/powerpoint/2012/main" xmlns:mc="http://schemas.openxmlformats.org/markup-compatibility/2006" type="tx" preserve="1">
+  <p:cSld name="Title Slide">
+    <p:spTree>
+      <p:nvGrpSpPr>
+        <p:cNvPr id="1" name=""/>
+        <p:cNvGrpSpPr/>
+        <p:nvPr/>
+      </p:nvGrpSpPr>
+      <p:grpSpPr>
+        <a:xfrm>
+          <a:off x="0" y="0"/>
+          <a:ext cx="0" cy="0"/>
+          <a:chOff x="0" y="0"/>
+          <a:chExt cx="0" cy="0"/>
+        </a:xfrm>
+      </p:grpSpPr>
+      <p:sp>
+        <p:nvSpPr>
+          <p:cNvPr id="338" name="PlaceHolder 1"/>
+          <p:cNvSpPr>
+            <a:spLocks noGrp="1"/>
+          </p:cNvSpPr>
+          <p:nvPr>
+            <p:ph type="title"/>
+          </p:nvPr>
+        </p:nvSpPr>
+        <p:spPr>
+          <a:xfrm>
+            <a:off x="609120" y="273600"/>
+            <a:ext cx="10969560" cy="1144800"/>
+          </a:xfrm>
+          <a:prstGeom prst="rect">
+            <a:avLst/>
+          </a:prstGeom>
+          <a:noFill/>
+          <a:ln w="0">
+            <a:noFill/>
+          </a:ln>
+        </p:spPr>
+        <p:txBody>
+          <a:bodyPr lIns="0" rIns="0" tIns="0" bIns="0" anchor="ctr">
+            <a:noAutofit/>
+          </a:bodyPr>
+          <a:p>
+            <a:pPr indent="0" algn="ctr">
+              <a:buNone/>
+            </a:pPr>
+            <a:endParaRPr b="0" lang="en-US" sz="4400" spc="-1" strike="noStrike">
+              <a:solidFill>
+                <a:srgbClr val="000000"/>
+              </a:solidFill>
+              <a:latin typeface="Arial"/>
+            </a:endParaRPr>
+          </a:p>
+        </p:txBody>
+      </p:sp>
+      <p:sp>
+        <p:nvSpPr>
+          <p:cNvPr id="339" name="PlaceHolder 2"/>
+          <p:cNvSpPr>
+            <a:spLocks noGrp="1"/>
+          </p:cNvSpPr>
+          <p:nvPr>
+            <p:ph type="subTitle"/>
+          </p:nvPr>
+        </p:nvSpPr>
+        <p:spPr>
+          <a:xfrm>
+            <a:off x="609120" y="1604520"/>
+            <a:ext cx="10969560" cy="3977280"/>
+          </a:xfrm>
+          <a:prstGeom prst="rect">
+            <a:avLst/>
+          </a:prstGeom>
+          <a:noFill/>
+          <a:ln w="0">
+            <a:noFill/>
+          </a:ln>
+        </p:spPr>
+        <p:txBody>
+          <a:bodyPr lIns="0" rIns="0" tIns="0" bIns="0" anchor="ctr">
+            <a:noAutofit/>
+          </a:bodyPr>
+          <a:p>
+            <a:pPr indent="0" algn="ctr">
+              <a:buNone/>
+            </a:pPr>
+            <a:endParaRPr b="0" lang="en-US" sz="3200" spc="-1" strike="noStrike">
+              <a:solidFill>
+                <a:srgbClr val="000000"/>
+              </a:solidFill>
+              <a:latin typeface="Arial"/>
+            </a:endParaRPr>
+          </a:p>
+        </p:txBody>
+      </p:sp>
+    </p:spTree>
+  </p:cSld>
+</p:sldLayout>
+</file>
+
+<file path=ppt/slideLayouts/slideLayout99.xml><?xml version="1.0" encoding="utf-8"?>
+<p:sldLayout xmlns:a="http://schemas.openxmlformats.org/drawingml/2006/main" xmlns:p="http://schemas.openxmlformats.org/presentationml/2006/main" xmlns:r="http://schemas.openxmlformats.org/officeDocument/2006/relationships" xmlns:p14="http://schemas.microsoft.com/office/powerpoint/2010/main" xmlns:p15="http://schemas.microsoft.com/office/powerpoint/2012/main" xmlns:mc="http://schemas.openxmlformats.org/markup-compatibility/2006" type="obj" preserve="1">
+  <p:cSld name="Title, Content">
+    <p:spTree>
+      <p:nvGrpSpPr>
+        <p:cNvPr id="1" name=""/>
+        <p:cNvGrpSpPr/>
+        <p:nvPr/>
+      </p:nvGrpSpPr>
+      <p:grpSpPr>
+        <a:xfrm>
+          <a:off x="0" y="0"/>
+          <a:ext cx="0" cy="0"/>
+          <a:chOff x="0" y="0"/>
+          <a:chExt cx="0" cy="0"/>
+        </a:xfrm>
+      </p:grpSpPr>
+      <p:sp>
+        <p:nvSpPr>
+          <p:cNvPr id="340" name="PlaceHolder 1"/>
+          <p:cNvSpPr>
+            <a:spLocks noGrp="1"/>
+          </p:cNvSpPr>
+          <p:nvPr>
+            <p:ph type="title"/>
+          </p:nvPr>
+        </p:nvSpPr>
+        <p:spPr>
+          <a:xfrm>
+            <a:off x="609120" y="273600"/>
+            <a:ext cx="10969560" cy="1144800"/>
+          </a:xfrm>
+          <a:prstGeom prst="rect">
+            <a:avLst/>
+          </a:prstGeom>
+          <a:noFill/>
+          <a:ln w="0">
+            <a:noFill/>
+          </a:ln>
+        </p:spPr>
+        <p:txBody>
+          <a:bodyPr lIns="0" rIns="0" tIns="0" bIns="0" anchor="ctr">
+            <a:noAutofit/>
+          </a:bodyPr>
+          <a:p>
+            <a:pPr indent="0" algn="ctr">
+              <a:buNone/>
+            </a:pPr>
+            <a:endParaRPr b="0" lang="en-US" sz="4400" spc="-1" strike="noStrike">
+              <a:solidFill>
+                <a:srgbClr val="000000"/>
+              </a:solidFill>
+              <a:latin typeface="Arial"/>
+            </a:endParaRPr>
+          </a:p>
+        </p:txBody>
+      </p:sp>
+      <p:sp>
+        <p:nvSpPr>
+          <p:cNvPr id="341" name="PlaceHolder 2"/>
+          <p:cNvSpPr>
+            <a:spLocks noGrp="1"/>
+          </p:cNvSpPr>
+          <p:nvPr>
+            <p:ph/>
+          </p:nvPr>
+        </p:nvSpPr>
+        <p:spPr>
+          <a:xfrm>
+            <a:off x="609120" y="1604520"/>
+            <a:ext cx="10969560" cy="3977280"/>
+          </a:xfrm>
+          <a:prstGeom prst="rect">
+            <a:avLst/>
+          </a:prstGeom>
+          <a:noFill/>
+          <a:ln w="0">
+            <a:noFill/>
+          </a:ln>
+        </p:spPr>
+        <p:txBody>
+          <a:bodyPr lIns="0" rIns="0" tIns="0" bIns="0" anchor="t">
+            <a:normAutofit/>
+          </a:bodyPr>
+          <a:p>
+            <a:pPr indent="0">
+              <a:spcBef>
+                <a:spcPts val="1417"/>
+              </a:spcBef>
+              <a:buNone/>
+            </a:pPr>
+            <a:endParaRPr b="0" lang="en-US" sz="3200" spc="-1" strike="noStrike">
+              <a:solidFill>
+                <a:srgbClr val="000000"/>
+              </a:solidFill>
+              <a:latin typeface="Arial"/>
+            </a:endParaRPr>
+          </a:p>
+        </p:txBody>
+      </p:sp>
+    </p:spTree>
+  </p:cSld>
+</p:sldLayout>
+</file>
+
 <file path=ppt/slideMasters/slideMaster1.xml><?xml version="1.0" encoding="utf-8"?>
 <p:sldMaster xmlns:a="http://schemas.openxmlformats.org/drawingml/2006/main" xmlns:p="http://schemas.openxmlformats.org/presentationml/2006/main" xmlns:r="http://schemas.openxmlformats.org/officeDocument/2006/relationships" xmlns:p14="http://schemas.microsoft.com/office/powerpoint/2010/main" xmlns:p15="http://schemas.microsoft.com/office/powerpoint/2012/main" xmlns:mc="http://schemas.openxmlformats.org/markup-compatibility/2006">
   <p:cSld>
@@ -14262,7 +16037,7 @@
         <p:spPr>
           <a:xfrm>
             <a:off x="723600" y="6432480"/>
-            <a:ext cx="2049120" cy="151920"/>
+            <a:ext cx="2048760" cy="151920"/>
           </a:xfrm>
           <a:prstGeom prst="rect">
             <a:avLst/>
@@ -14319,7 +16094,7 @@
         <p:spPr>
           <a:xfrm>
             <a:off x="9412920" y="6432480"/>
-            <a:ext cx="2049120" cy="151920"/>
+            <a:ext cx="2048760" cy="151920"/>
           </a:xfrm>
           <a:prstGeom prst="rect">
             <a:avLst/>
@@ -14355,7 +16130,7 @@
               </a:rPr>
               <a:t>Page </a:t>
             </a:r>
-            <a:fld id="{F30F440D-9902-4D4C-B7F3-BF889F69EBF2}" type="slidenum">
+            <a:fld id="{33902B78-98D5-4B45-B77D-6E57BAD4734B}" type="slidenum">
               <a:rPr b="0" lang="en-US" sz="1000" spc="-1" strike="noStrike">
                 <a:solidFill>
                   <a:srgbClr val="787878"/>
@@ -14383,7 +16158,7 @@
         <p:spPr>
           <a:xfrm>
             <a:off x="360" y="0"/>
-            <a:ext cx="12186000" cy="6855120"/>
+            <a:ext cx="12185640" cy="6854760"/>
           </a:xfrm>
           <a:prstGeom prst="rect">
             <a:avLst/>
@@ -14438,7 +16213,7 @@
         <p:spPr>
           <a:xfrm>
             <a:off x="728640" y="729000"/>
-            <a:ext cx="10728000" cy="5379840"/>
+            <a:ext cx="10727640" cy="5379480"/>
           </a:xfrm>
           <a:prstGeom prst="rect">
             <a:avLst/>
@@ -14493,7 +16268,7 @@
         <p:spPr>
           <a:xfrm>
             <a:off x="4552920" y="3719880"/>
-            <a:ext cx="3088800" cy="2880"/>
+            <a:ext cx="3089160" cy="3240"/>
           </a:xfrm>
           <a:prstGeom prst="straightConnector1">
             <a:avLst/>
@@ -14519,7 +16294,7 @@
         <p:spPr>
           <a:xfrm>
             <a:off x="5827680" y="723960"/>
-            <a:ext cx="530640" cy="714960"/>
+            <a:ext cx="530280" cy="714600"/>
           </a:xfrm>
           <a:prstGeom prst="rect">
             <a:avLst/>
@@ -14856,7 +16631,7 @@
         <p:spPr>
           <a:xfrm>
             <a:off x="723600" y="6432480"/>
-            <a:ext cx="2049120" cy="151920"/>
+            <a:ext cx="2048760" cy="151920"/>
           </a:xfrm>
           <a:prstGeom prst="rect">
             <a:avLst/>
@@ -14913,7 +16688,7 @@
         <p:spPr>
           <a:xfrm>
             <a:off x="9412920" y="6432480"/>
-            <a:ext cx="2049120" cy="151920"/>
+            <a:ext cx="2048760" cy="151920"/>
           </a:xfrm>
           <a:prstGeom prst="rect">
             <a:avLst/>
@@ -14949,7 +16724,7 @@
               </a:rPr>
               <a:t>Page </a:t>
             </a:r>
-            <a:fld id="{79687ED0-2FD4-45F2-B41D-BD3BA74617DD}" type="slidenum">
+            <a:fld id="{FE58581C-EA02-4F2B-B9EA-8931393FF273}" type="slidenum">
               <a:rPr b="0" lang="en-US" sz="1000" spc="-1" strike="noStrike">
                 <a:solidFill>
                   <a:srgbClr val="787878"/>
@@ -14977,7 +16752,7 @@
         <p:spPr>
           <a:xfrm>
             <a:off x="723600" y="1943640"/>
-            <a:ext cx="559440" cy="2880"/>
+            <a:ext cx="559800" cy="3240"/>
           </a:xfrm>
           <a:prstGeom prst="straightConnector1">
             <a:avLst/>
@@ -15542,7 +17317,7 @@
         <p:spPr>
           <a:xfrm>
             <a:off x="723600" y="6432480"/>
-            <a:ext cx="2049120" cy="151920"/>
+            <a:ext cx="2048760" cy="151920"/>
           </a:xfrm>
           <a:prstGeom prst="rect">
             <a:avLst/>
@@ -15599,7 +17374,7 @@
         <p:spPr>
           <a:xfrm>
             <a:off x="9412920" y="6432480"/>
-            <a:ext cx="2049120" cy="151920"/>
+            <a:ext cx="2048760" cy="151920"/>
           </a:xfrm>
           <a:prstGeom prst="rect">
             <a:avLst/>
@@ -15635,7 +17410,7 @@
               </a:rPr>
               <a:t>Page </a:t>
             </a:r>
-            <a:fld id="{952E8EAD-EF47-42E5-9FBF-416EAB964C28}" type="slidenum">
+            <a:fld id="{2E408A86-E50B-4046-B40D-A840003C7EAF}" type="slidenum">
               <a:rPr b="0" lang="en-US" sz="1000" spc="-1" strike="noStrike">
                 <a:solidFill>
                   <a:srgbClr val="787878"/>
@@ -15663,7 +17438,7 @@
         <p:spPr>
           <a:xfrm>
             <a:off x="723600" y="1943640"/>
-            <a:ext cx="559440" cy="2880"/>
+            <a:ext cx="559800" cy="3240"/>
           </a:xfrm>
           <a:prstGeom prst="straightConnector1">
             <a:avLst/>
@@ -16228,7 +18003,7 @@
         <p:spPr>
           <a:xfrm>
             <a:off x="723600" y="6432480"/>
-            <a:ext cx="2049120" cy="151920"/>
+            <a:ext cx="2048760" cy="151920"/>
           </a:xfrm>
           <a:prstGeom prst="rect">
             <a:avLst/>
@@ -16285,7 +18060,7 @@
         <p:spPr>
           <a:xfrm>
             <a:off x="9412920" y="6432480"/>
-            <a:ext cx="2049120" cy="151920"/>
+            <a:ext cx="2048760" cy="151920"/>
           </a:xfrm>
           <a:prstGeom prst="rect">
             <a:avLst/>
@@ -16321,7 +18096,7 @@
               </a:rPr>
               <a:t>Page </a:t>
             </a:r>
-            <a:fld id="{5891AA62-5229-4CF7-988F-F4B7F458E9B9}" type="slidenum">
+            <a:fld id="{8322F771-3BA6-4523-BB1B-708E2C94B42A}" type="slidenum">
               <a:rPr b="0" lang="en-US" sz="1000" spc="-1" strike="noStrike">
                 <a:solidFill>
                   <a:srgbClr val="787878"/>
@@ -16349,7 +18124,7 @@
         <p:spPr>
           <a:xfrm>
             <a:off x="723600" y="1943640"/>
-            <a:ext cx="559440" cy="2880"/>
+            <a:ext cx="559800" cy="3240"/>
           </a:xfrm>
           <a:prstGeom prst="straightConnector1">
             <a:avLst/>
@@ -16689,7 +18464,7 @@
         <p:spPr>
           <a:xfrm>
             <a:off x="723600" y="6432480"/>
-            <a:ext cx="2049120" cy="151920"/>
+            <a:ext cx="2048760" cy="151920"/>
           </a:xfrm>
           <a:prstGeom prst="rect">
             <a:avLst/>
@@ -16746,7 +18521,7 @@
         <p:spPr>
           <a:xfrm>
             <a:off x="9412920" y="6432480"/>
-            <a:ext cx="2049120" cy="151920"/>
+            <a:ext cx="2048760" cy="151920"/>
           </a:xfrm>
           <a:prstGeom prst="rect">
             <a:avLst/>
@@ -16782,7 +18557,7 @@
               </a:rPr>
               <a:t>Page </a:t>
             </a:r>
-            <a:fld id="{DCB4B4CA-62F4-4CC6-9453-7A1629910B2D}" type="slidenum">
+            <a:fld id="{68E3DAF4-1BAD-44B2-8795-BE2CDA760CAC}" type="slidenum">
               <a:rPr b="0" lang="en-US" sz="1000" spc="-1" strike="noStrike">
                 <a:solidFill>
                   <a:srgbClr val="787878"/>
@@ -16810,7 +18585,7 @@
         <p:spPr>
           <a:xfrm>
             <a:off x="723600" y="1943640"/>
-            <a:ext cx="559440" cy="2880"/>
+            <a:ext cx="559800" cy="3240"/>
           </a:xfrm>
           <a:prstGeom prst="straightConnector1">
             <a:avLst/>
@@ -17150,7 +18925,7 @@
         <p:spPr>
           <a:xfrm>
             <a:off x="723600" y="6432480"/>
-            <a:ext cx="2049120" cy="151920"/>
+            <a:ext cx="2048760" cy="151920"/>
           </a:xfrm>
           <a:prstGeom prst="rect">
             <a:avLst/>
@@ -17207,7 +18982,7 @@
         <p:spPr>
           <a:xfrm>
             <a:off x="9412920" y="6432480"/>
-            <a:ext cx="2049120" cy="151920"/>
+            <a:ext cx="2048760" cy="151920"/>
           </a:xfrm>
           <a:prstGeom prst="rect">
             <a:avLst/>
@@ -17243,7 +19018,7 @@
               </a:rPr>
               <a:t>Page </a:t>
             </a:r>
-            <a:fld id="{9323591E-D2ED-4D40-A23F-748A736BE593}" type="slidenum">
+            <a:fld id="{B8E27289-F1B4-4C81-8F83-A97DAA1CA187}" type="slidenum">
               <a:rPr b="0" lang="en-US" sz="1000" spc="-1" strike="noStrike">
                 <a:solidFill>
                   <a:srgbClr val="787878"/>
@@ -17271,7 +19046,7 @@
         <p:spPr>
           <a:xfrm>
             <a:off x="723600" y="1943640"/>
-            <a:ext cx="559440" cy="2880"/>
+            <a:ext cx="559800" cy="3240"/>
           </a:xfrm>
           <a:prstGeom prst="straightConnector1">
             <a:avLst/>
@@ -17611,7 +19386,7 @@
         <p:spPr>
           <a:xfrm>
             <a:off x="723600" y="6432480"/>
-            <a:ext cx="2049120" cy="151920"/>
+            <a:ext cx="2048760" cy="151920"/>
           </a:xfrm>
           <a:prstGeom prst="rect">
             <a:avLst/>
@@ -17668,7 +19443,7 @@
         <p:spPr>
           <a:xfrm>
             <a:off x="9412920" y="6432480"/>
-            <a:ext cx="2049120" cy="151920"/>
+            <a:ext cx="2048760" cy="151920"/>
           </a:xfrm>
           <a:prstGeom prst="rect">
             <a:avLst/>
@@ -17704,7 +19479,7 @@
               </a:rPr>
               <a:t>Page </a:t>
             </a:r>
-            <a:fld id="{F4D34D59-40C0-4CB6-BA47-35CC54172A85}" type="slidenum">
+            <a:fld id="{1D25411C-D1B3-42D2-A3F3-70B6CCDC0D39}" type="slidenum">
               <a:rPr b="0" lang="en-US" sz="1000" spc="-1" strike="noStrike">
                 <a:solidFill>
                   <a:srgbClr val="787878"/>
@@ -17732,7 +19507,7 @@
         <p:spPr>
           <a:xfrm>
             <a:off x="723600" y="1943640"/>
-            <a:ext cx="559440" cy="2880"/>
+            <a:ext cx="559800" cy="3240"/>
           </a:xfrm>
           <a:prstGeom prst="straightConnector1">
             <a:avLst/>
@@ -18072,7 +19847,7 @@
         <p:spPr>
           <a:xfrm>
             <a:off x="723600" y="6432480"/>
-            <a:ext cx="2049120" cy="151920"/>
+            <a:ext cx="2048760" cy="151920"/>
           </a:xfrm>
           <a:prstGeom prst="rect">
             <a:avLst/>
@@ -18129,7 +19904,7 @@
         <p:spPr>
           <a:xfrm>
             <a:off x="9412920" y="6432480"/>
-            <a:ext cx="2049120" cy="151920"/>
+            <a:ext cx="2048760" cy="151920"/>
           </a:xfrm>
           <a:prstGeom prst="rect">
             <a:avLst/>
@@ -18165,7 +19940,7 @@
               </a:rPr>
               <a:t>Page </a:t>
             </a:r>
-            <a:fld id="{441C44E1-5D14-4CC6-AAF2-154AB1BAFB22}" type="slidenum">
+            <a:fld id="{514ABABC-7112-40F9-878D-139ECE2B6BD2}" type="slidenum">
               <a:rPr b="0" lang="en-US" sz="1000" spc="-1" strike="noStrike">
                 <a:solidFill>
                   <a:srgbClr val="787878"/>
@@ -18193,7 +19968,7 @@
         <p:spPr>
           <a:xfrm>
             <a:off x="723600" y="1943640"/>
-            <a:ext cx="559440" cy="2880"/>
+            <a:ext cx="559800" cy="3240"/>
           </a:xfrm>
           <a:prstGeom prst="straightConnector1">
             <a:avLst/>
@@ -18219,7 +19994,7 @@
         <p:spPr>
           <a:xfrm>
             <a:off x="609120" y="273600"/>
-            <a:ext cx="10969560" cy="1144800"/>
+            <a:ext cx="10969200" cy="1144440"/>
           </a:xfrm>
           <a:prstGeom prst="rect">
             <a:avLst/>
@@ -18234,11 +20009,11 @@
             <a:noAutofit/>
           </a:bodyPr>
           <a:p>
-            <a:pPr indent="0" algn="ctr">
+            <a:pPr indent="0">
               <a:buNone/>
             </a:pPr>
             <a:r>
-              <a:rPr b="0" lang="en-US" sz="4400" spc="-1" strike="noStrike">
+              <a:rPr b="0" lang="en-US" sz="1800" spc="-1" strike="noStrike">
                 <a:solidFill>
                   <a:srgbClr val="000000"/>
                 </a:solidFill>
@@ -18246,7 +20021,7 @@
               </a:rPr>
               <a:t>Click to edit the title text format</a:t>
             </a:r>
-            <a:endParaRPr b="0" lang="en-US" sz="4400" spc="-1" strike="noStrike">
+            <a:endParaRPr b="0" lang="en-US" sz="1800" spc="-1" strike="noStrike">
               <a:solidFill>
                 <a:srgbClr val="000000"/>
               </a:solidFill>
@@ -18268,7 +20043,7 @@
         <p:spPr>
           <a:xfrm>
             <a:off x="609120" y="1604520"/>
-            <a:ext cx="10969560" cy="3977280"/>
+            <a:ext cx="10969200" cy="3976920"/>
           </a:xfrm>
           <a:prstGeom prst="rect">
             <a:avLst/>
@@ -18295,7 +20070,7 @@
               <a:buChar char=""/>
             </a:pPr>
             <a:r>
-              <a:rPr b="0" lang="en-US" sz="3200" spc="-1" strike="noStrike">
+              <a:rPr b="0" lang="en-US" sz="1800" spc="-1" strike="noStrike">
                 <a:solidFill>
                   <a:srgbClr val="000000"/>
                 </a:solidFill>
@@ -18303,7 +20078,7 @@
               </a:rPr>
               <a:t>Click to edit the outline text format</a:t>
             </a:r>
-            <a:endParaRPr b="0" lang="en-US" sz="3200" spc="-1" strike="noStrike">
+            <a:endParaRPr b="0" lang="en-US" sz="1800" spc="-1" strike="noStrike">
               <a:solidFill>
                 <a:srgbClr val="000000"/>
               </a:solidFill>
@@ -18323,7 +20098,7 @@
               <a:buChar char=""/>
             </a:pPr>
             <a:r>
-              <a:rPr b="0" lang="en-US" sz="2800" spc="-1" strike="noStrike">
+              <a:rPr b="0" lang="en-US" sz="1800" spc="-1" strike="noStrike">
                 <a:solidFill>
                   <a:srgbClr val="000000"/>
                 </a:solidFill>
@@ -18331,7 +20106,7 @@
               </a:rPr>
               <a:t>Second Outline Level</a:t>
             </a:r>
-            <a:endParaRPr b="0" lang="en-US" sz="2800" spc="-1" strike="noStrike">
+            <a:endParaRPr b="0" lang="en-US" sz="1800" spc="-1" strike="noStrike">
               <a:solidFill>
                 <a:srgbClr val="000000"/>
               </a:solidFill>
@@ -18351,7 +20126,7 @@
               <a:buChar char=""/>
             </a:pPr>
             <a:r>
-              <a:rPr b="0" lang="en-US" sz="2400" spc="-1" strike="noStrike">
+              <a:rPr b="0" lang="en-US" sz="1800" spc="-1" strike="noStrike">
                 <a:solidFill>
                   <a:srgbClr val="000000"/>
                 </a:solidFill>
@@ -18359,7 +20134,7 @@
               </a:rPr>
               <a:t>Third Outline Level</a:t>
             </a:r>
-            <a:endParaRPr b="0" lang="en-US" sz="2400" spc="-1" strike="noStrike">
+            <a:endParaRPr b="0" lang="en-US" sz="1800" spc="-1" strike="noStrike">
               <a:solidFill>
                 <a:srgbClr val="000000"/>
               </a:solidFill>
@@ -18379,7 +20154,7 @@
               <a:buChar char=""/>
             </a:pPr>
             <a:r>
-              <a:rPr b="0" lang="en-US" sz="2000" spc="-1" strike="noStrike">
+              <a:rPr b="0" lang="en-US" sz="1800" spc="-1" strike="noStrike">
                 <a:solidFill>
                   <a:srgbClr val="000000"/>
                 </a:solidFill>
@@ -18387,7 +20162,7 @@
               </a:rPr>
               <a:t>Fourth Outline Level</a:t>
             </a:r>
-            <a:endParaRPr b="0" lang="en-US" sz="2000" spc="-1" strike="noStrike">
+            <a:endParaRPr b="0" lang="en-US" sz="1800" spc="-1" strike="noStrike">
               <a:solidFill>
                 <a:srgbClr val="000000"/>
               </a:solidFill>
@@ -18407,7 +20182,7 @@
               <a:buChar char=""/>
             </a:pPr>
             <a:r>
-              <a:rPr b="0" lang="en-US" sz="2000" spc="-1" strike="noStrike">
+              <a:rPr b="0" lang="en-US" sz="1800" spc="-1" strike="noStrike">
                 <a:solidFill>
                   <a:srgbClr val="000000"/>
                 </a:solidFill>
@@ -18415,7 +20190,7 @@
               </a:rPr>
               <a:t>Fifth Outline Level</a:t>
             </a:r>
-            <a:endParaRPr b="0" lang="en-US" sz="2000" spc="-1" strike="noStrike">
+            <a:endParaRPr b="0" lang="en-US" sz="1800" spc="-1" strike="noStrike">
               <a:solidFill>
                 <a:srgbClr val="000000"/>
               </a:solidFill>
@@ -18435,7 +20210,7 @@
               <a:buChar char=""/>
             </a:pPr>
             <a:r>
-              <a:rPr b="0" lang="en-US" sz="2000" spc="-1" strike="noStrike">
+              <a:rPr b="0" lang="en-US" sz="1800" spc="-1" strike="noStrike">
                 <a:solidFill>
                   <a:srgbClr val="000000"/>
                 </a:solidFill>
@@ -18443,7 +20218,7 @@
               </a:rPr>
               <a:t>Sixth Outline Level</a:t>
             </a:r>
-            <a:endParaRPr b="0" lang="en-US" sz="2000" spc="-1" strike="noStrike">
+            <a:endParaRPr b="0" lang="en-US" sz="1800" spc="-1" strike="noStrike">
               <a:solidFill>
                 <a:srgbClr val="000000"/>
               </a:solidFill>
@@ -18463,7 +20238,7 @@
               <a:buChar char=""/>
             </a:pPr>
             <a:r>
-              <a:rPr b="0" lang="en-US" sz="2000" spc="-1" strike="noStrike">
+              <a:rPr b="0" lang="en-US" sz="1800" spc="-1" strike="noStrike">
                 <a:solidFill>
                   <a:srgbClr val="000000"/>
                 </a:solidFill>
@@ -18471,7 +20246,7 @@
               </a:rPr>
               <a:t>Seventh Outline Level</a:t>
             </a:r>
-            <a:endParaRPr b="0" lang="en-US" sz="2000" spc="-1" strike="noStrike">
+            <a:endParaRPr b="0" lang="en-US" sz="1800" spc="-1" strike="noStrike">
               <a:solidFill>
                 <a:srgbClr val="000000"/>
               </a:solidFill>
@@ -18496,6 +20271,467 @@
     <p:sldLayoutId id="2147483749" r:id="rId11"/>
     <p:sldLayoutId id="2147483750" r:id="rId12"/>
     <p:sldLayoutId id="2147483751" r:id="rId13"/>
+  </p:sldLayoutIdLst>
+</p:sldMaster>
+</file>
+
+<file path=ppt/slideMasters/slideMaster9.xml><?xml version="1.0" encoding="utf-8"?>
+<p:sldMaster xmlns:a="http://schemas.openxmlformats.org/drawingml/2006/main" xmlns:p="http://schemas.openxmlformats.org/presentationml/2006/main" xmlns:r="http://schemas.openxmlformats.org/officeDocument/2006/relationships" xmlns:p14="http://schemas.microsoft.com/office/powerpoint/2010/main" xmlns:p15="http://schemas.microsoft.com/office/powerpoint/2012/main" xmlns:mc="http://schemas.openxmlformats.org/markup-compatibility/2006">
+  <p:cSld>
+    <p:bg>
+      <p:bgPr>
+        <a:solidFill>
+          <a:srgbClr val="ffffff"/>
+        </a:solidFill>
+      </p:bgPr>
+    </p:bg>
+    <p:spTree>
+      <p:nvGrpSpPr>
+        <p:cNvPr id="1" name=""/>
+        <p:cNvGrpSpPr/>
+        <p:nvPr/>
+      </p:nvGrpSpPr>
+      <p:grpSpPr>
+        <a:xfrm>
+          <a:off x="0" y="0"/>
+          <a:ext cx="0" cy="0"/>
+          <a:chOff x="0" y="0"/>
+          <a:chExt cx="0" cy="0"/>
+        </a:xfrm>
+      </p:grpSpPr>
+      <p:sp>
+        <p:nvSpPr>
+          <p:cNvPr id="333" name="Footer"/>
+          <p:cNvSpPr/>
+          <p:nvPr/>
+        </p:nvSpPr>
+        <p:spPr>
+          <a:xfrm>
+            <a:off x="723600" y="6432480"/>
+            <a:ext cx="2048760" cy="151920"/>
+          </a:xfrm>
+          <a:prstGeom prst="rect">
+            <a:avLst/>
+          </a:prstGeom>
+          <a:noFill/>
+          <a:ln w="0">
+            <a:noFill/>
+          </a:ln>
+        </p:spPr>
+        <p:style>
+          <a:lnRef idx="0"/>
+          <a:fillRef idx="0"/>
+          <a:effectRef idx="0"/>
+          <a:fontRef idx="minor"/>
+        </p:style>
+        <p:txBody>
+          <a:bodyPr lIns="0" rIns="0" tIns="0" bIns="0" anchor="t">
+            <a:spAutoFit/>
+          </a:bodyPr>
+          <a:p>
+            <a:pPr>
+              <a:lnSpc>
+                <a:spcPct val="100000"/>
+              </a:lnSpc>
+              <a:tabLst>
+                <a:tab algn="l" pos="0"/>
+              </a:tabLst>
+            </a:pPr>
+            <a:r>
+              <a:rPr b="0" lang="en-US" sz="1000" spc="-1" strike="noStrike">
+                <a:solidFill>
+                  <a:srgbClr val="787878"/>
+                </a:solidFill>
+                <a:latin typeface="Arial"/>
+                <a:ea typeface="Verdana"/>
+              </a:rPr>
+              <a:t>University of Central Florida</a:t>
+            </a:r>
+            <a:endParaRPr b="0" lang="en-US" sz="1000" spc="-1" strike="noStrike">
+              <a:solidFill>
+                <a:srgbClr val="000000"/>
+              </a:solidFill>
+              <a:latin typeface="Arial"/>
+            </a:endParaRPr>
+          </a:p>
+        </p:txBody>
+      </p:sp>
+      <p:sp>
+        <p:nvSpPr>
+          <p:cNvPr id="334" name="Page Number"/>
+          <p:cNvSpPr/>
+          <p:nvPr/>
+        </p:nvSpPr>
+        <p:spPr>
+          <a:xfrm>
+            <a:off x="9412920" y="6432480"/>
+            <a:ext cx="2048760" cy="151920"/>
+          </a:xfrm>
+          <a:prstGeom prst="rect">
+            <a:avLst/>
+          </a:prstGeom>
+          <a:noFill/>
+          <a:ln w="0">
+            <a:noFill/>
+          </a:ln>
+        </p:spPr>
+        <p:style>
+          <a:lnRef idx="0"/>
+          <a:fillRef idx="0"/>
+          <a:effectRef idx="0"/>
+          <a:fontRef idx="minor"/>
+        </p:style>
+        <p:txBody>
+          <a:bodyPr lIns="0" rIns="0" tIns="0" bIns="0" anchor="t">
+            <a:spAutoFit/>
+          </a:bodyPr>
+          <a:p>
+            <a:pPr algn="r">
+              <a:lnSpc>
+                <a:spcPct val="100000"/>
+              </a:lnSpc>
+            </a:pPr>
+            <a:r>
+              <a:rPr b="0" lang="en-US" sz="1000" spc="-1" strike="noStrike">
+                <a:solidFill>
+                  <a:srgbClr val="787878"/>
+                </a:solidFill>
+                <a:latin typeface="Arial"/>
+                <a:ea typeface="Verdana"/>
+              </a:rPr>
+              <a:t>Page </a:t>
+            </a:r>
+            <a:fld id="{684E6576-B488-4C90-A913-E95A38CF0624}" type="slidenum">
+              <a:rPr b="0" lang="en-US" sz="1000" spc="-1" strike="noStrike">
+                <a:solidFill>
+                  <a:srgbClr val="787878"/>
+                </a:solidFill>
+                <a:latin typeface="Arial"/>
+                <a:ea typeface="Verdana"/>
+              </a:rPr>
+              <a:t>&lt;number&gt;</a:t>
+            </a:fld>
+            <a:endParaRPr b="0" lang="en-US" sz="1000" spc="-1" strike="noStrike">
+              <a:solidFill>
+                <a:srgbClr val="000000"/>
+              </a:solidFill>
+              <a:latin typeface="Arial"/>
+            </a:endParaRPr>
+          </a:p>
+        </p:txBody>
+      </p:sp>
+      <p:cxnSp>
+        <p:nvCxnSpPr>
+          <p:cNvPr id="335" name="Straight Connector"/>
+          <p:cNvCxnSpPr/>
+          <p:nvPr/>
+        </p:nvCxnSpPr>
+        <p:spPr>
+          <a:xfrm>
+            <a:off x="723600" y="1943640"/>
+            <a:ext cx="559800" cy="3240"/>
+          </a:xfrm>
+          <a:prstGeom prst="straightConnector1">
+            <a:avLst/>
+          </a:prstGeom>
+          <a:ln w="50800">
+            <a:solidFill>
+              <a:srgbClr val="f9c423"/>
+            </a:solidFill>
+            <a:round/>
+          </a:ln>
+        </p:spPr>
+      </p:cxnSp>
+      <p:sp>
+        <p:nvSpPr>
+          <p:cNvPr id="336" name="PlaceHolder 1"/>
+          <p:cNvSpPr>
+            <a:spLocks noGrp="1"/>
+          </p:cNvSpPr>
+          <p:nvPr>
+            <p:ph type="title"/>
+          </p:nvPr>
+        </p:nvSpPr>
+        <p:spPr>
+          <a:xfrm>
+            <a:off x="609120" y="273600"/>
+            <a:ext cx="10969560" cy="1144800"/>
+          </a:xfrm>
+          <a:prstGeom prst="rect">
+            <a:avLst/>
+          </a:prstGeom>
+          <a:noFill/>
+          <a:ln w="0">
+            <a:noFill/>
+          </a:ln>
+        </p:spPr>
+        <p:txBody>
+          <a:bodyPr lIns="0" rIns="0" tIns="0" bIns="0" anchor="ctr">
+            <a:noAutofit/>
+          </a:bodyPr>
+          <a:p>
+            <a:pPr indent="0" algn="ctr">
+              <a:buNone/>
+            </a:pPr>
+            <a:r>
+              <a:rPr b="0" lang="en-US" sz="4400" spc="-1" strike="noStrike">
+                <a:solidFill>
+                  <a:srgbClr val="000000"/>
+                </a:solidFill>
+                <a:latin typeface="Arial"/>
+              </a:rPr>
+              <a:t>Click to edit the title text format</a:t>
+            </a:r>
+            <a:endParaRPr b="0" lang="en-US" sz="4400" spc="-1" strike="noStrike">
+              <a:solidFill>
+                <a:srgbClr val="000000"/>
+              </a:solidFill>
+              <a:latin typeface="Arial"/>
+            </a:endParaRPr>
+          </a:p>
+        </p:txBody>
+      </p:sp>
+      <p:sp>
+        <p:nvSpPr>
+          <p:cNvPr id="337" name="PlaceHolder 2"/>
+          <p:cNvSpPr>
+            <a:spLocks noGrp="1"/>
+          </p:cNvSpPr>
+          <p:nvPr>
+            <p:ph type="body"/>
+          </p:nvPr>
+        </p:nvSpPr>
+        <p:spPr>
+          <a:xfrm>
+            <a:off x="609120" y="1604520"/>
+            <a:ext cx="10969560" cy="3977280"/>
+          </a:xfrm>
+          <a:prstGeom prst="rect">
+            <a:avLst/>
+          </a:prstGeom>
+          <a:noFill/>
+          <a:ln w="0">
+            <a:noFill/>
+          </a:ln>
+        </p:spPr>
+        <p:txBody>
+          <a:bodyPr lIns="0" rIns="0" tIns="0" bIns="0" anchor="t">
+            <a:normAutofit/>
+          </a:bodyPr>
+          <a:p>
+            <a:pPr marL="432000" indent="-324000">
+              <a:spcBef>
+                <a:spcPts val="1417"/>
+              </a:spcBef>
+              <a:buClr>
+                <a:srgbClr val="000000"/>
+              </a:buClr>
+              <a:buSzPct val="45000"/>
+              <a:buFont typeface="Wingdings" charset="2"/>
+              <a:buChar char=""/>
+            </a:pPr>
+            <a:r>
+              <a:rPr b="0" lang="en-US" sz="3200" spc="-1" strike="noStrike">
+                <a:solidFill>
+                  <a:srgbClr val="000000"/>
+                </a:solidFill>
+                <a:latin typeface="Arial"/>
+              </a:rPr>
+              <a:t>Click to edit the outline text format</a:t>
+            </a:r>
+            <a:endParaRPr b="0" lang="en-US" sz="3200" spc="-1" strike="noStrike">
+              <a:solidFill>
+                <a:srgbClr val="000000"/>
+              </a:solidFill>
+              <a:latin typeface="Arial"/>
+            </a:endParaRPr>
+          </a:p>
+          <a:p>
+            <a:pPr lvl="1" marL="864000" indent="-324000">
+              <a:spcBef>
+                <a:spcPts val="1134"/>
+              </a:spcBef>
+              <a:buClr>
+                <a:srgbClr val="000000"/>
+              </a:buClr>
+              <a:buSzPct val="75000"/>
+              <a:buFont typeface="Symbol" charset="2"/>
+              <a:buChar char=""/>
+            </a:pPr>
+            <a:r>
+              <a:rPr b="0" lang="en-US" sz="2800" spc="-1" strike="noStrike">
+                <a:solidFill>
+                  <a:srgbClr val="000000"/>
+                </a:solidFill>
+                <a:latin typeface="Arial"/>
+              </a:rPr>
+              <a:t>Second Outline Level</a:t>
+            </a:r>
+            <a:endParaRPr b="0" lang="en-US" sz="2800" spc="-1" strike="noStrike">
+              <a:solidFill>
+                <a:srgbClr val="000000"/>
+              </a:solidFill>
+              <a:latin typeface="Arial"/>
+            </a:endParaRPr>
+          </a:p>
+          <a:p>
+            <a:pPr lvl="2" marL="1296000" indent="-288000">
+              <a:spcBef>
+                <a:spcPts val="850"/>
+              </a:spcBef>
+              <a:buClr>
+                <a:srgbClr val="000000"/>
+              </a:buClr>
+              <a:buSzPct val="45000"/>
+              <a:buFont typeface="Wingdings" charset="2"/>
+              <a:buChar char=""/>
+            </a:pPr>
+            <a:r>
+              <a:rPr b="0" lang="en-US" sz="2400" spc="-1" strike="noStrike">
+                <a:solidFill>
+                  <a:srgbClr val="000000"/>
+                </a:solidFill>
+                <a:latin typeface="Arial"/>
+              </a:rPr>
+              <a:t>Third Outline Level</a:t>
+            </a:r>
+            <a:endParaRPr b="0" lang="en-US" sz="2400" spc="-1" strike="noStrike">
+              <a:solidFill>
+                <a:srgbClr val="000000"/>
+              </a:solidFill>
+              <a:latin typeface="Arial"/>
+            </a:endParaRPr>
+          </a:p>
+          <a:p>
+            <a:pPr lvl="3" marL="1728000" indent="-216000">
+              <a:spcBef>
+                <a:spcPts val="567"/>
+              </a:spcBef>
+              <a:buClr>
+                <a:srgbClr val="000000"/>
+              </a:buClr>
+              <a:buSzPct val="75000"/>
+              <a:buFont typeface="Symbol" charset="2"/>
+              <a:buChar char=""/>
+            </a:pPr>
+            <a:r>
+              <a:rPr b="0" lang="en-US" sz="2000" spc="-1" strike="noStrike">
+                <a:solidFill>
+                  <a:srgbClr val="000000"/>
+                </a:solidFill>
+                <a:latin typeface="Arial"/>
+              </a:rPr>
+              <a:t>Fourth Outline Level</a:t>
+            </a:r>
+            <a:endParaRPr b="0" lang="en-US" sz="2000" spc="-1" strike="noStrike">
+              <a:solidFill>
+                <a:srgbClr val="000000"/>
+              </a:solidFill>
+              <a:latin typeface="Arial"/>
+            </a:endParaRPr>
+          </a:p>
+          <a:p>
+            <a:pPr lvl="4" marL="2160000" indent="-216000">
+              <a:spcBef>
+                <a:spcPts val="283"/>
+              </a:spcBef>
+              <a:buClr>
+                <a:srgbClr val="000000"/>
+              </a:buClr>
+              <a:buSzPct val="45000"/>
+              <a:buFont typeface="Wingdings" charset="2"/>
+              <a:buChar char=""/>
+            </a:pPr>
+            <a:r>
+              <a:rPr b="0" lang="en-US" sz="2000" spc="-1" strike="noStrike">
+                <a:solidFill>
+                  <a:srgbClr val="000000"/>
+                </a:solidFill>
+                <a:latin typeface="Arial"/>
+              </a:rPr>
+              <a:t>Fifth Outline Level</a:t>
+            </a:r>
+            <a:endParaRPr b="0" lang="en-US" sz="2000" spc="-1" strike="noStrike">
+              <a:solidFill>
+                <a:srgbClr val="000000"/>
+              </a:solidFill>
+              <a:latin typeface="Arial"/>
+            </a:endParaRPr>
+          </a:p>
+          <a:p>
+            <a:pPr lvl="5" marL="2592000" indent="-216000">
+              <a:spcBef>
+                <a:spcPts val="283"/>
+              </a:spcBef>
+              <a:buClr>
+                <a:srgbClr val="000000"/>
+              </a:buClr>
+              <a:buSzPct val="45000"/>
+              <a:buFont typeface="Wingdings" charset="2"/>
+              <a:buChar char=""/>
+            </a:pPr>
+            <a:r>
+              <a:rPr b="0" lang="en-US" sz="2000" spc="-1" strike="noStrike">
+                <a:solidFill>
+                  <a:srgbClr val="000000"/>
+                </a:solidFill>
+                <a:latin typeface="Arial"/>
+              </a:rPr>
+              <a:t>Sixth Outline Level</a:t>
+            </a:r>
+            <a:endParaRPr b="0" lang="en-US" sz="2000" spc="-1" strike="noStrike">
+              <a:solidFill>
+                <a:srgbClr val="000000"/>
+              </a:solidFill>
+              <a:latin typeface="Arial"/>
+            </a:endParaRPr>
+          </a:p>
+          <a:p>
+            <a:pPr lvl="6" marL="3024000" indent="-216000">
+              <a:spcBef>
+                <a:spcPts val="283"/>
+              </a:spcBef>
+              <a:buClr>
+                <a:srgbClr val="000000"/>
+              </a:buClr>
+              <a:buSzPct val="45000"/>
+              <a:buFont typeface="Wingdings" charset="2"/>
+              <a:buChar char=""/>
+            </a:pPr>
+            <a:r>
+              <a:rPr b="0" lang="en-US" sz="2000" spc="-1" strike="noStrike">
+                <a:solidFill>
+                  <a:srgbClr val="000000"/>
+                </a:solidFill>
+                <a:latin typeface="Arial"/>
+              </a:rPr>
+              <a:t>Seventh Outline Level</a:t>
+            </a:r>
+            <a:endParaRPr b="0" lang="en-US" sz="2000" spc="-1" strike="noStrike">
+              <a:solidFill>
+                <a:srgbClr val="000000"/>
+              </a:solidFill>
+              <a:latin typeface="Arial"/>
+            </a:endParaRPr>
+          </a:p>
+        </p:txBody>
+      </p:sp>
+    </p:spTree>
+  </p:cSld>
+  <p:clrMap bg1="lt1" bg2="lt2" tx1="dk1" tx2="dk2" accent1="accent1" accent2="accent2" accent3="accent3" accent4="accent4" accent5="accent5" accent6="accent6" hlink="hlink" folHlink="folHlink"/>
+  <p:sldLayoutIdLst>
+    <p:sldLayoutId id="2147483753" r:id="rId2"/>
+    <p:sldLayoutId id="2147483754" r:id="rId3"/>
+    <p:sldLayoutId id="2147483755" r:id="rId4"/>
+    <p:sldLayoutId id="2147483756" r:id="rId5"/>
+    <p:sldLayoutId id="2147483757" r:id="rId6"/>
+    <p:sldLayoutId id="2147483758" r:id="rId7"/>
+    <p:sldLayoutId id="2147483759" r:id="rId8"/>
+    <p:sldLayoutId id="2147483760" r:id="rId9"/>
+    <p:sldLayoutId id="2147483761" r:id="rId10"/>
+    <p:sldLayoutId id="2147483762" r:id="rId11"/>
+    <p:sldLayoutId id="2147483763" r:id="rId12"/>
+    <p:sldLayoutId id="2147483764" r:id="rId13"/>
   </p:sldLayoutIdLst>
 </p:sldMaster>
 </file>
@@ -18519,7 +20755,7 @@
       </p:grpSpPr>
       <p:sp>
         <p:nvSpPr>
-          <p:cNvPr id="333" name="PlaceHolder 1"/>
+          <p:cNvPr id="374" name="PlaceHolder 1"/>
           <p:cNvSpPr>
             <a:spLocks noGrp="1"/>
           </p:cNvSpPr>
@@ -18530,7 +20766,7 @@
         <p:spPr>
           <a:xfrm>
             <a:off x="1104480" y="1122480"/>
-            <a:ext cx="9976680" cy="2384640"/>
+            <a:ext cx="9976320" cy="2384280"/>
           </a:xfrm>
           <a:prstGeom prst="rect">
             <a:avLst/>
@@ -18574,7 +20810,7 @@
       </p:sp>
       <p:sp>
         <p:nvSpPr>
-          <p:cNvPr id="334" name="PlaceHolder 2"/>
+          <p:cNvPr id="375" name="PlaceHolder 2"/>
           <p:cNvSpPr>
             <a:spLocks noGrp="1"/>
           </p:cNvSpPr>
@@ -18585,7 +20821,7 @@
         <p:spPr>
           <a:xfrm>
             <a:off x="1104480" y="4020840"/>
-            <a:ext cx="9976680" cy="1729440"/>
+            <a:ext cx="9976320" cy="1729080"/>
           </a:xfrm>
           <a:prstGeom prst="rect">
             <a:avLst/>
@@ -18669,7 +20905,7 @@
       </p:grpSpPr>
       <p:sp>
         <p:nvSpPr>
-          <p:cNvPr id="363" name="PlaceHolder 1"/>
+          <p:cNvPr id="404" name="PlaceHolder 1"/>
           <p:cNvSpPr>
             <a:spLocks noGrp="1"/>
           </p:cNvSpPr>
@@ -18680,7 +20916,7 @@
         <p:spPr>
           <a:xfrm>
             <a:off x="723600" y="497160"/>
-            <a:ext cx="10738440" cy="1101600"/>
+            <a:ext cx="10738080" cy="1101240"/>
           </a:xfrm>
           <a:prstGeom prst="rect">
             <a:avLst/>
@@ -18724,7 +20960,7 @@
       </p:sp>
       <p:sp>
         <p:nvSpPr>
-          <p:cNvPr id="364" name="PlaceHolder 2"/>
+          <p:cNvPr id="405" name="PlaceHolder 2"/>
           <p:cNvSpPr>
             <a:spLocks noGrp="1"/>
           </p:cNvSpPr>
@@ -18735,7 +20971,7 @@
         <p:spPr>
           <a:xfrm>
             <a:off x="685800" y="1833120"/>
-            <a:ext cx="10819440" cy="4566240"/>
+            <a:ext cx="10819080" cy="4565880"/>
           </a:xfrm>
           <a:prstGeom prst="rect">
             <a:avLst/>
@@ -18770,7 +21006,7 @@
             </a:endParaRPr>
           </a:p>
           <a:p>
-            <a:pPr indent="0">
+            <a:pPr marL="432000" indent="0">
               <a:lnSpc>
                 <a:spcPct val="100000"/>
               </a:lnSpc>
@@ -18813,16 +21049,7 @@
                 <a:latin typeface="Arial"/>
                 <a:ea typeface="Source Han Sans CN"/>
               </a:rPr>
-              <a:t> d a b a e d b a   |   p = </a:t>
-            </a:r>
-            <a:r>
-              <a:rPr b="0" lang="en-US" sz="3200" spc="-1" strike="noStrike">
-                <a:solidFill>
-                  <a:srgbClr val="ffffff"/>
-                </a:solidFill>
-                <a:latin typeface="Arial"/>
-              </a:rPr>
-              <a:t>d b a</a:t>
+              <a:t> d a b a e d b a   |   p = d b a</a:t>
             </a:r>
             <a:endParaRPr b="0" lang="en-US" sz="3200" spc="-1" strike="noStrike">
               <a:solidFill>
@@ -18882,8 +21109,28 @@
                 <a:latin typeface="Arial"/>
                 <a:ea typeface="Source Han Sans CN"/>
               </a:rPr>
-              <a:t>H(t[0..2]) = </a:t>
+              <a:t>H(t[0..2]) = 4 + 1 + 2 = 7</a:t>
             </a:r>
+            <a:endParaRPr b="0" lang="en-US" sz="3200" spc="-1" strike="noStrike">
+              <a:solidFill>
+                <a:srgbClr val="ffffff"/>
+              </a:solidFill>
+              <a:latin typeface="Arial"/>
+            </a:endParaRPr>
+          </a:p>
+          <a:p>
+            <a:pPr marL="432000" indent="0">
+              <a:lnSpc>
+                <a:spcPct val="100000"/>
+              </a:lnSpc>
+              <a:spcBef>
+                <a:spcPts val="1417"/>
+              </a:spcBef>
+              <a:buNone/>
+              <a:tabLst>
+                <a:tab algn="l" pos="0"/>
+              </a:tabLst>
+            </a:pPr>
             <a:r>
               <a:rPr b="0" lang="en-US" sz="3200" spc="-1" strike="noStrike">
                 <a:solidFill>
@@ -18892,35 +21139,6 @@
                 <a:latin typeface="Arial"/>
                 <a:ea typeface="Source Han Sans CN"/>
               </a:rPr>
-              <a:t>4 + 1 + 2 = 7</a:t>
-            </a:r>
-            <a:endParaRPr b="0" lang="en-US" sz="3200" spc="-1" strike="noStrike">
-              <a:solidFill>
-                <a:srgbClr val="ffffff"/>
-              </a:solidFill>
-              <a:latin typeface="Arial"/>
-            </a:endParaRPr>
-          </a:p>
-          <a:p>
-            <a:pPr marL="432000" indent="0">
-              <a:lnSpc>
-                <a:spcPct val="100000"/>
-              </a:lnSpc>
-              <a:spcBef>
-                <a:spcPts val="1417"/>
-              </a:spcBef>
-              <a:buNone/>
-              <a:tabLst>
-                <a:tab algn="l" pos="0"/>
-              </a:tabLst>
-            </a:pPr>
-            <a:r>
-              <a:rPr b="0" lang="en-US" sz="3200" spc="-1" strike="noStrike">
-                <a:solidFill>
-                  <a:srgbClr val="ffffff"/>
-                </a:solidFill>
-                <a:latin typeface="Arial"/>
-              </a:rPr>
               <a:t>7 = 7</a:t>
             </a:r>
             <a:endParaRPr b="0" lang="en-US" sz="3200" spc="-1" strike="noStrike">
@@ -18951,47 +21169,7 @@
                 <a:latin typeface="DejaVu Sans"/>
                 <a:ea typeface="DejaVu Sans"/>
               </a:rPr>
-              <a:t>Yet we can see the patterns are not the same. The </a:t>
-            </a:r>
-            <a:r>
-              <a:rPr b="0" lang="en-US" sz="3200" spc="-1" strike="noStrike">
-                <a:solidFill>
-                  <a:srgbClr val="ffffff"/>
-                </a:solidFill>
-                <a:latin typeface="DejaVu Sans"/>
-                <a:ea typeface="DejaVu Sans"/>
-              </a:rPr>
-              <a:t>algorithm would the proceed to comparing each </a:t>
-            </a:r>
-            <a:r>
-              <a:rPr b="0" lang="en-US" sz="3200" spc="-1" strike="noStrike">
-                <a:solidFill>
-                  <a:srgbClr val="ffffff"/>
-                </a:solidFill>
-                <a:latin typeface="DejaVu Sans"/>
-                <a:ea typeface="DejaVu Sans"/>
-              </a:rPr>
-              <a:t>character one by one to see if the strings is a </a:t>
-            </a:r>
-            <a:r>
-              <a:rPr b="0" lang="en-US" sz="3200" spc="-1" strike="noStrike">
-                <a:solidFill>
-                  <a:srgbClr val="ffffff"/>
-                </a:solidFill>
-                <a:latin typeface="DejaVu Sans"/>
-                <a:ea typeface="DejaVu Sans"/>
-              </a:rPr>
-              <a:t>match. These false positives, or spurious hits, are </a:t>
-            </a:r>
-            <a:r>
-              <a:rPr b="0" lang="en-US" sz="3200" spc="-1" strike="noStrike">
-                <a:solidFill>
-                  <a:srgbClr val="ffffff"/>
-                </a:solidFill>
-                <a:latin typeface="DejaVu Sans"/>
-                <a:ea typeface="DejaVu Sans"/>
-              </a:rPr>
-              <a:t>what induces the worst case runtime of O(mn)</a:t>
+              <a:t>Yet we can see the patterns are not the same. The algorithm would the proceed to comparing each character one by one to see if the strings is a match. These false positives, or spurious hits, are what induces the worst case runtime of O(mn)</a:t>
             </a:r>
             <a:endParaRPr b="0" lang="en-US" sz="3200" spc="-1" strike="noStrike">
               <a:solidFill>
@@ -19041,7 +21219,7 @@
       </p:grpSpPr>
       <p:sp>
         <p:nvSpPr>
-          <p:cNvPr id="365" name="PlaceHolder 1"/>
+          <p:cNvPr id="406" name="PlaceHolder 1"/>
           <p:cNvSpPr>
             <a:spLocks noGrp="1"/>
           </p:cNvSpPr>
@@ -19052,7 +21230,7 @@
         <p:spPr>
           <a:xfrm>
             <a:off x="723600" y="497160"/>
-            <a:ext cx="10738440" cy="1101600"/>
+            <a:ext cx="10738080" cy="1101240"/>
           </a:xfrm>
           <a:prstGeom prst="rect">
             <a:avLst/>
@@ -19096,7 +21274,7 @@
       </p:sp>
       <p:sp>
         <p:nvSpPr>
-          <p:cNvPr id="366" name="PlaceHolder 2"/>
+          <p:cNvPr id="407" name="PlaceHolder 2"/>
           <p:cNvSpPr>
             <a:spLocks noGrp="1"/>
           </p:cNvSpPr>
@@ -19107,7 +21285,7 @@
         <p:spPr>
           <a:xfrm>
             <a:off x="685800" y="1833120"/>
-            <a:ext cx="10819440" cy="4566240"/>
+            <a:ext cx="10819080" cy="4565880"/>
           </a:xfrm>
           <a:prstGeom prst="rect">
             <a:avLst/>
@@ -19142,7 +21320,7 @@
             </a:endParaRPr>
           </a:p>
           <a:p>
-            <a:pPr indent="0">
+            <a:pPr marL="432000" indent="0">
               <a:lnSpc>
                 <a:spcPct val="100000"/>
               </a:lnSpc>
@@ -19185,16 +21363,7 @@
                 <a:latin typeface="Arial"/>
                 <a:ea typeface="Source Han Sans CN"/>
               </a:rPr>
-              <a:t> a b a e d b a   |   p = </a:t>
-            </a:r>
-            <a:r>
-              <a:rPr b="0" lang="en-US" sz="3200" spc="-1" strike="noStrike">
-                <a:solidFill>
-                  <a:srgbClr val="ffffff"/>
-                </a:solidFill>
-                <a:latin typeface="Arial"/>
-              </a:rPr>
-              <a:t>d b a</a:t>
+              <a:t> a b a e d b a   |   p = d b a</a:t>
             </a:r>
             <a:endParaRPr b="0" lang="en-US" sz="3200" spc="-1" strike="noStrike">
               <a:solidFill>
@@ -19254,17 +21423,7 @@
                 <a:latin typeface="Arial"/>
                 <a:ea typeface="Source Han Sans CN"/>
               </a:rPr>
-              <a:t>H(t[1..3]) = 1</a:t>
-            </a:r>
-            <a:r>
-              <a:rPr b="0" lang="en-US" sz="3200" spc="-1" strike="noStrike">
-                <a:solidFill>
-                  <a:srgbClr val="ffffff"/>
-                </a:solidFill>
-                <a:latin typeface="Arial"/>
-                <a:ea typeface="Source Han Sans CN"/>
-              </a:rPr>
-              <a:t> + 2 + 4 = 7</a:t>
+              <a:t>H(t[1..3]) = 1 + 2 + 4 = 7</a:t>
             </a:r>
             <a:endParaRPr b="0" lang="en-US" sz="3200" spc="-1" strike="noStrike">
               <a:solidFill>
@@ -19314,7 +21473,7 @@
       </p:grpSpPr>
       <p:sp>
         <p:nvSpPr>
-          <p:cNvPr id="367" name="PlaceHolder 1"/>
+          <p:cNvPr id="408" name="PlaceHolder 1"/>
           <p:cNvSpPr>
             <a:spLocks noGrp="1"/>
           </p:cNvSpPr>
@@ -19325,7 +21484,7 @@
         <p:spPr>
           <a:xfrm>
             <a:off x="723600" y="497160"/>
-            <a:ext cx="10738440" cy="1101600"/>
+            <a:ext cx="10738080" cy="1101240"/>
           </a:xfrm>
           <a:prstGeom prst="rect">
             <a:avLst/>
@@ -19369,7 +21528,7 @@
       </p:sp>
       <p:sp>
         <p:nvSpPr>
-          <p:cNvPr id="368" name="PlaceHolder 2"/>
+          <p:cNvPr id="409" name="PlaceHolder 2"/>
           <p:cNvSpPr>
             <a:spLocks noGrp="1"/>
           </p:cNvSpPr>
@@ -19380,7 +21539,7 @@
         <p:spPr>
           <a:xfrm>
             <a:off x="685800" y="1834560"/>
-            <a:ext cx="10819440" cy="4566240"/>
+            <a:ext cx="10819080" cy="4565880"/>
           </a:xfrm>
           <a:prstGeom prst="rect">
             <a:avLst/>
@@ -19415,7 +21574,7 @@
             </a:endParaRPr>
           </a:p>
           <a:p>
-            <a:pPr indent="0">
+            <a:pPr marL="432000" indent="0">
               <a:lnSpc>
                 <a:spcPct val="100000"/>
               </a:lnSpc>
@@ -19458,16 +21617,7 @@
                 <a:latin typeface="Arial"/>
                 <a:ea typeface="Source Han Sans CN"/>
               </a:rPr>
-              <a:t> b a e d b a   |   p = </a:t>
-            </a:r>
-            <a:r>
-              <a:rPr b="0" lang="en-US" sz="3200" spc="-1" strike="noStrike">
-                <a:solidFill>
-                  <a:srgbClr val="ffffff"/>
-                </a:solidFill>
-                <a:latin typeface="Arial"/>
-              </a:rPr>
-              <a:t>d b a</a:t>
+              <a:t> b a e d b a   |   p = d b a</a:t>
             </a:r>
             <a:endParaRPr b="0" lang="en-US" sz="3200" spc="-1" strike="noStrike">
               <a:solidFill>
@@ -19527,17 +21677,7 @@
                 <a:latin typeface="Arial"/>
                 <a:ea typeface="Source Han Sans CN"/>
               </a:rPr>
-              <a:t>H(t[2..4]) = 2</a:t>
-            </a:r>
-            <a:r>
-              <a:rPr b="0" lang="en-US" sz="3200" spc="-1" strike="noStrike">
-                <a:solidFill>
-                  <a:srgbClr val="ffffff"/>
-                </a:solidFill>
-                <a:latin typeface="Arial"/>
-                <a:ea typeface="Source Han Sans CN"/>
-              </a:rPr>
-              <a:t> + 4 + 1 = 7</a:t>
+              <a:t>H(t[2..4]) = 2 + 4 + 1 = 7</a:t>
             </a:r>
             <a:endParaRPr b="0" lang="en-US" sz="3200" spc="-1" strike="noStrike">
               <a:solidFill>
@@ -19587,7 +21727,7 @@
       </p:grpSpPr>
       <p:sp>
         <p:nvSpPr>
-          <p:cNvPr id="369" name="PlaceHolder 1"/>
+          <p:cNvPr id="410" name="PlaceHolder 1"/>
           <p:cNvSpPr>
             <a:spLocks noGrp="1"/>
           </p:cNvSpPr>
@@ -19598,7 +21738,7 @@
         <p:spPr>
           <a:xfrm>
             <a:off x="723600" y="497160"/>
-            <a:ext cx="10738440" cy="1101600"/>
+            <a:ext cx="10738080" cy="1101240"/>
           </a:xfrm>
           <a:prstGeom prst="rect">
             <a:avLst/>
@@ -19642,7 +21782,7 @@
       </p:sp>
       <p:sp>
         <p:nvSpPr>
-          <p:cNvPr id="370" name="PlaceHolder 2"/>
+          <p:cNvPr id="411" name="PlaceHolder 2"/>
           <p:cNvSpPr>
             <a:spLocks noGrp="1"/>
           </p:cNvSpPr>
@@ -19653,7 +21793,7 @@
         <p:spPr>
           <a:xfrm>
             <a:off x="685800" y="1834560"/>
-            <a:ext cx="10819440" cy="4566240"/>
+            <a:ext cx="10819080" cy="4565880"/>
           </a:xfrm>
           <a:prstGeom prst="rect">
             <a:avLst/>
@@ -19688,7 +21828,7 @@
             </a:endParaRPr>
           </a:p>
           <a:p>
-            <a:pPr indent="0">
+            <a:pPr marL="432000" indent="0">
               <a:lnSpc>
                 <a:spcPct val="100000"/>
               </a:lnSpc>
@@ -19731,16 +21871,7 @@
                 <a:latin typeface="Arial"/>
                 <a:ea typeface="Source Han Sans CN"/>
               </a:rPr>
-              <a:t> a e d b a   |   p = </a:t>
-            </a:r>
-            <a:r>
-              <a:rPr b="0" lang="en-US" sz="3200" spc="-1" strike="noStrike">
-                <a:solidFill>
-                  <a:srgbClr val="ffffff"/>
-                </a:solidFill>
-                <a:latin typeface="Arial"/>
-              </a:rPr>
-              <a:t>d b a</a:t>
+              <a:t> a e d b a   |   p = d b a</a:t>
             </a:r>
             <a:endParaRPr b="0" lang="en-US" sz="3200" spc="-1" strike="noStrike">
               <a:solidFill>
@@ -19800,17 +21931,7 @@
                 <a:latin typeface="Arial"/>
                 <a:ea typeface="Source Han Sans CN"/>
               </a:rPr>
-              <a:t>H(t[3..5]) = 4</a:t>
-            </a:r>
-            <a:r>
-              <a:rPr b="0" lang="en-US" sz="3200" spc="-1" strike="noStrike">
-                <a:solidFill>
-                  <a:srgbClr val="ffffff"/>
-                </a:solidFill>
-                <a:latin typeface="Arial"/>
-                <a:ea typeface="Source Han Sans CN"/>
-              </a:rPr>
-              <a:t> + 1 + 2 = 7</a:t>
+              <a:t>H(t[3..5]) = 4 + 1 + 2 = 7</a:t>
             </a:r>
             <a:endParaRPr b="0" lang="en-US" sz="3200" spc="-1" strike="noStrike">
               <a:solidFill>
@@ -19860,7 +21981,7 @@
       </p:grpSpPr>
       <p:sp>
         <p:nvSpPr>
-          <p:cNvPr id="371" name="PlaceHolder 1"/>
+          <p:cNvPr id="412" name="PlaceHolder 1"/>
           <p:cNvSpPr>
             <a:spLocks noGrp="1"/>
           </p:cNvSpPr>
@@ -19871,7 +21992,7 @@
         <p:spPr>
           <a:xfrm>
             <a:off x="723600" y="497160"/>
-            <a:ext cx="10738440" cy="1101600"/>
+            <a:ext cx="10738080" cy="1101240"/>
           </a:xfrm>
           <a:prstGeom prst="rect">
             <a:avLst/>
@@ -19915,7 +22036,7 @@
       </p:sp>
       <p:sp>
         <p:nvSpPr>
-          <p:cNvPr id="372" name="PlaceHolder 2"/>
+          <p:cNvPr id="413" name="PlaceHolder 2"/>
           <p:cNvSpPr>
             <a:spLocks noGrp="1"/>
           </p:cNvSpPr>
@@ -19926,7 +22047,7 @@
         <p:spPr>
           <a:xfrm>
             <a:off x="685800" y="1834560"/>
-            <a:ext cx="10819440" cy="4566240"/>
+            <a:ext cx="10819080" cy="4565880"/>
           </a:xfrm>
           <a:prstGeom prst="rect">
             <a:avLst/>
@@ -19961,7 +22082,7 @@
             </a:endParaRPr>
           </a:p>
           <a:p>
-            <a:pPr indent="0">
+            <a:pPr marL="432000" indent="0">
               <a:lnSpc>
                 <a:spcPct val="100000"/>
               </a:lnSpc>
@@ -20004,16 +22125,7 @@
                 <a:latin typeface="Arial"/>
                 <a:ea typeface="Source Han Sans CN"/>
               </a:rPr>
-              <a:t>   |   p = </a:t>
-            </a:r>
-            <a:r>
-              <a:rPr b="0" lang="en-US" sz="3200" spc="-1" strike="noStrike">
-                <a:solidFill>
-                  <a:srgbClr val="ffffff"/>
-                </a:solidFill>
-                <a:latin typeface="Arial"/>
-              </a:rPr>
-              <a:t>d b a</a:t>
+              <a:t>   |   p = d b a</a:t>
             </a:r>
             <a:endParaRPr b="0" lang="en-US" sz="3200" spc="-1" strike="noStrike">
               <a:solidFill>
@@ -20073,17 +22185,7 @@
                 <a:latin typeface="Arial"/>
                 <a:ea typeface="Source Han Sans CN"/>
               </a:rPr>
-              <a:t>H(t[8..10]) = 4 + 2 + 1</a:t>
-            </a:r>
-            <a:r>
-              <a:rPr b="0" lang="en-US" sz="3200" spc="-1" strike="noStrike">
-                <a:solidFill>
-                  <a:srgbClr val="ffffff"/>
-                </a:solidFill>
-                <a:latin typeface="Arial"/>
-                <a:ea typeface="Source Han Sans CN"/>
-              </a:rPr>
-              <a:t> = 7</a:t>
+              <a:t>H(t[8..10]) = 4 + 2 + 1 = 7</a:t>
             </a:r>
             <a:endParaRPr b="0" lang="en-US" sz="3200" spc="-1" strike="noStrike">
               <a:solidFill>
@@ -20163,7 +22265,7 @@
       </p:grpSpPr>
       <p:sp>
         <p:nvSpPr>
-          <p:cNvPr id="373" name="PlaceHolder 1"/>
+          <p:cNvPr id="414" name="PlaceHolder 1"/>
           <p:cNvSpPr>
             <a:spLocks noGrp="1"/>
           </p:cNvSpPr>
@@ -20174,7 +22276,7 @@
         <p:spPr>
           <a:xfrm>
             <a:off x="609120" y="273600"/>
-            <a:ext cx="10969200" cy="1144440"/>
+            <a:ext cx="10968840" cy="1144080"/>
           </a:xfrm>
           <a:prstGeom prst="rect">
             <a:avLst/>
@@ -20218,7 +22320,7 @@
       </p:sp>
       <p:pic>
         <p:nvPicPr>
-          <p:cNvPr id="374" name="" descr=""/>
+          <p:cNvPr id="415" name="" descr=""/>
           <p:cNvPicPr/>
           <p:nvPr/>
         </p:nvPicPr>
@@ -20229,7 +22331,7 @@
         <p:spPr>
           <a:xfrm>
             <a:off x="2743200" y="1418400"/>
-            <a:ext cx="6613920" cy="4806000"/>
+            <a:ext cx="6613560" cy="4805640"/>
           </a:xfrm>
           <a:prstGeom prst="rect">
             <a:avLst/>
@@ -20278,7 +22380,7 @@
       </p:grpSpPr>
       <p:sp>
         <p:nvSpPr>
-          <p:cNvPr id="375" name="PlaceHolder 1"/>
+          <p:cNvPr id="416" name="PlaceHolder 1"/>
           <p:cNvSpPr>
             <a:spLocks noGrp="1"/>
           </p:cNvSpPr>
@@ -20289,7 +22391,7 @@
         <p:spPr>
           <a:xfrm>
             <a:off x="609120" y="273600"/>
-            <a:ext cx="10969200" cy="1144440"/>
+            <a:ext cx="10968840" cy="1144080"/>
           </a:xfrm>
           <a:prstGeom prst="rect">
             <a:avLst/>
@@ -20333,7 +22435,7 @@
       </p:sp>
       <p:pic>
         <p:nvPicPr>
-          <p:cNvPr id="376" name="" descr=""/>
+          <p:cNvPr id="417" name="" descr=""/>
           <p:cNvPicPr/>
           <p:nvPr/>
         </p:nvPicPr>
@@ -20344,7 +22446,7 @@
         <p:spPr>
           <a:xfrm>
             <a:off x="2446560" y="1188720"/>
-            <a:ext cx="7062120" cy="5440320"/>
+            <a:ext cx="7061760" cy="5439960"/>
           </a:xfrm>
           <a:prstGeom prst="rect">
             <a:avLst/>
@@ -20393,7 +22495,7 @@
       </p:grpSpPr>
       <p:sp>
         <p:nvSpPr>
-          <p:cNvPr id="377" name="PlaceHolder 1"/>
+          <p:cNvPr id="418" name="PlaceHolder 1"/>
           <p:cNvSpPr>
             <a:spLocks noGrp="1"/>
           </p:cNvSpPr>
@@ -20404,7 +22506,7 @@
         <p:spPr>
           <a:xfrm>
             <a:off x="609120" y="273600"/>
-            <a:ext cx="10969560" cy="1144800"/>
+            <a:ext cx="10969200" cy="1144440"/>
           </a:xfrm>
           <a:prstGeom prst="rect">
             <a:avLst/>
@@ -20448,7 +22550,7 @@
       </p:sp>
       <p:sp>
         <p:nvSpPr>
-          <p:cNvPr id="378" name="PlaceHolder 2"/>
+          <p:cNvPr id="419" name="PlaceHolder 2"/>
           <p:cNvSpPr>
             <a:spLocks noGrp="1"/>
           </p:cNvSpPr>
@@ -20459,7 +22561,7 @@
         <p:spPr>
           <a:xfrm>
             <a:off x="609120" y="1604520"/>
-            <a:ext cx="10969560" cy="3977280"/>
+            <a:ext cx="10969200" cy="3976920"/>
           </a:xfrm>
           <a:prstGeom prst="rect">
             <a:avLst/>
@@ -20475,10 +22577,16 @@
           </a:bodyPr>
           <a:p>
             <a:pPr marL="432000" indent="0">
-              <a:spcBef>
-                <a:spcPts val="1417"/>
-              </a:spcBef>
-              <a:buNone/>
+              <a:lnSpc>
+                <a:spcPct val="100000"/>
+              </a:lnSpc>
+              <a:spcBef>
+                <a:spcPts val="1417"/>
+              </a:spcBef>
+              <a:buNone/>
+              <a:tabLst>
+                <a:tab algn="l" pos="0"/>
+              </a:tabLst>
             </a:pPr>
             <a:endParaRPr b="0" lang="en-US" sz="3200" spc="-1" strike="noStrike">
               <a:solidFill>
@@ -20489,6 +22597,9 @@
           </a:p>
           <a:p>
             <a:pPr marL="432000" indent="-324000">
+              <a:lnSpc>
+                <a:spcPct val="100000"/>
+              </a:lnSpc>
               <a:spcBef>
                 <a:spcPts val="1417"/>
               </a:spcBef>
@@ -20498,6 +22609,9 @@
               <a:buSzPct val="45000"/>
               <a:buFont typeface="Wingdings" charset="2"/>
               <a:buChar char=""/>
+              <a:tabLst>
+                <a:tab algn="l" pos="0"/>
+              </a:tabLst>
             </a:pPr>
             <a:r>
               <a:rPr b="0" lang="en-US" sz="3200" spc="-1" strike="noStrike">
@@ -20517,6 +22631,9 @@
           </a:p>
           <a:p>
             <a:pPr marL="432000" indent="-324000">
+              <a:lnSpc>
+                <a:spcPct val="100000"/>
+              </a:lnSpc>
               <a:spcBef>
                 <a:spcPts val="1417"/>
               </a:spcBef>
@@ -20526,6 +22643,9 @@
               <a:buSzPct val="45000"/>
               <a:buFont typeface="Wingdings" charset="2"/>
               <a:buChar char=""/>
+              <a:tabLst>
+                <a:tab algn="l" pos="0"/>
+              </a:tabLst>
             </a:pPr>
             <a:r>
               <a:rPr b="0" lang="en-US" sz="3200" spc="-1" strike="noStrike">
@@ -20584,7 +22704,7 @@
       </p:grpSpPr>
       <p:sp>
         <p:nvSpPr>
-          <p:cNvPr id="379" name="PlaceHolder 1"/>
+          <p:cNvPr id="420" name="PlaceHolder 1"/>
           <p:cNvSpPr>
             <a:spLocks noGrp="1"/>
           </p:cNvSpPr>
@@ -20595,7 +22715,7 @@
         <p:spPr>
           <a:xfrm>
             <a:off x="723600" y="723960"/>
-            <a:ext cx="10738440" cy="1101600"/>
+            <a:ext cx="10738080" cy="1101240"/>
           </a:xfrm>
           <a:prstGeom prst="rect">
             <a:avLst/>
@@ -20639,7 +22759,7 @@
       </p:sp>
       <p:sp>
         <p:nvSpPr>
-          <p:cNvPr id="380" name="PlaceHolder 2"/>
+          <p:cNvPr id="421" name="PlaceHolder 2"/>
           <p:cNvSpPr>
             <a:spLocks noGrp="1"/>
           </p:cNvSpPr>
@@ -20650,7 +22770,7 @@
         <p:spPr>
           <a:xfrm>
             <a:off x="723600" y="2342520"/>
-            <a:ext cx="10738440" cy="3750840"/>
+            <a:ext cx="10738080" cy="3750480"/>
           </a:xfrm>
           <a:prstGeom prst="rect">
             <a:avLst/>
@@ -20684,16 +22804,7 @@
                 </a:solidFill>
                 <a:latin typeface="Arial"/>
               </a:rPr>
-              <a:t>- R. M. Karp and M. O. Rabin, "Efficient randomized pattern-matching algorithms," in IBM Journal of </a:t>
-            </a:r>
-            <a:r>
-              <a:rPr b="0" lang="en-US" sz="1800" spc="-1" strike="noStrike">
-                <a:solidFill>
-                  <a:srgbClr val="ffffff"/>
-                </a:solidFill>
-                <a:latin typeface="Arial"/>
-              </a:rPr>
-              <a:t>Research and Development, vol. 31, no. 2, pp. 249-260, March 1987, doi: 10.1147/rd.312.0249.</a:t>
+              <a:t>- R. M. Karp and M. O. Rabin, "Efficient randomized pattern-matching algorithms," in IBM Journal of Research and Development, vol. 31, no. 2, pp. 249-260, March 1987, doi: 10.1147/rd.312.0249.</a:t>
             </a:r>
             <a:endParaRPr b="0" lang="en-US" sz="1800" spc="-1" strike="noStrike">
               <a:solidFill>
@@ -20756,7 +22867,7 @@
       </p:grpSpPr>
       <p:sp>
         <p:nvSpPr>
-          <p:cNvPr id="381" name="PlaceHolder 1"/>
+          <p:cNvPr id="422" name="PlaceHolder 1"/>
           <p:cNvSpPr>
             <a:spLocks noGrp="1"/>
           </p:cNvSpPr>
@@ -20767,7 +22878,7 @@
         <p:spPr>
           <a:xfrm>
             <a:off x="1104480" y="1122480"/>
-            <a:ext cx="9976680" cy="2384640"/>
+            <a:ext cx="9976320" cy="2384280"/>
           </a:xfrm>
           <a:prstGeom prst="rect">
             <a:avLst/>
@@ -20848,7 +22959,7 @@
       </p:grpSpPr>
       <p:sp>
         <p:nvSpPr>
-          <p:cNvPr id="335" name="PlaceHolder 1"/>
+          <p:cNvPr id="376" name="PlaceHolder 1"/>
           <p:cNvSpPr>
             <a:spLocks noGrp="1"/>
           </p:cNvSpPr>
@@ -20859,7 +22970,7 @@
         <p:spPr>
           <a:xfrm>
             <a:off x="609120" y="273600"/>
-            <a:ext cx="10967400" cy="1142640"/>
+            <a:ext cx="10967040" cy="1142280"/>
           </a:xfrm>
           <a:prstGeom prst="rect">
             <a:avLst/>
@@ -20903,7 +23014,7 @@
       </p:sp>
       <p:sp>
         <p:nvSpPr>
-          <p:cNvPr id="336" name="PlaceHolder 2"/>
+          <p:cNvPr id="377" name="PlaceHolder 2"/>
           <p:cNvSpPr>
             <a:spLocks noGrp="1"/>
           </p:cNvSpPr>
@@ -20914,7 +23025,7 @@
         <p:spPr>
           <a:xfrm>
             <a:off x="609120" y="1604520"/>
-            <a:ext cx="5350680" cy="3975120"/>
+            <a:ext cx="5350320" cy="3974760"/>
           </a:xfrm>
           <a:prstGeom prst="rect">
             <a:avLst/>
@@ -21054,7 +23165,7 @@
       </p:sp>
       <p:sp>
         <p:nvSpPr>
-          <p:cNvPr id="337" name="PlaceHolder 3"/>
+          <p:cNvPr id="378" name="PlaceHolder 3"/>
           <p:cNvSpPr>
             <a:spLocks noGrp="1"/>
           </p:cNvSpPr>
@@ -21065,7 +23176,7 @@
         <p:spPr>
           <a:xfrm>
             <a:off x="6230160" y="1604520"/>
-            <a:ext cx="5350680" cy="3975120"/>
+            <a:ext cx="5350320" cy="3974760"/>
           </a:xfrm>
           <a:prstGeom prst="rect">
             <a:avLst/>
@@ -21208,7 +23319,7 @@
       </p:grpSpPr>
       <p:sp>
         <p:nvSpPr>
-          <p:cNvPr id="338" name="PlaceHolder 1"/>
+          <p:cNvPr id="379" name="PlaceHolder 1"/>
           <p:cNvSpPr>
             <a:spLocks noGrp="1"/>
           </p:cNvSpPr>
@@ -21219,7 +23330,7 @@
         <p:spPr>
           <a:xfrm>
             <a:off x="723600" y="723960"/>
-            <a:ext cx="10738440" cy="1101600"/>
+            <a:ext cx="10738080" cy="1101240"/>
           </a:xfrm>
           <a:prstGeom prst="rect">
             <a:avLst/>
@@ -21263,7 +23374,7 @@
       </p:sp>
       <p:sp>
         <p:nvSpPr>
-          <p:cNvPr id="339" name="PlaceHolder 2"/>
+          <p:cNvPr id="380" name="PlaceHolder 2"/>
           <p:cNvSpPr>
             <a:spLocks noGrp="1"/>
           </p:cNvSpPr>
@@ -21274,7 +23385,7 @@
         <p:spPr>
           <a:xfrm>
             <a:off x="609120" y="1604520"/>
-            <a:ext cx="5351040" cy="3975480"/>
+            <a:ext cx="5350680" cy="3975120"/>
           </a:xfrm>
           <a:prstGeom prst="rect">
             <a:avLst/>
@@ -21482,7 +23593,7 @@
       </p:sp>
       <p:sp>
         <p:nvSpPr>
-          <p:cNvPr id="340" name="PlaceHolder 3"/>
+          <p:cNvPr id="381" name="PlaceHolder 3"/>
           <p:cNvSpPr>
             <a:spLocks noGrp="1"/>
           </p:cNvSpPr>
@@ -21493,7 +23604,7 @@
         <p:spPr>
           <a:xfrm>
             <a:off x="6230160" y="1604520"/>
-            <a:ext cx="5351040" cy="3975480"/>
+            <a:ext cx="5350680" cy="3975120"/>
           </a:xfrm>
           <a:prstGeom prst="rect">
             <a:avLst/>
@@ -21738,7 +23849,7 @@
       </p:grpSpPr>
       <p:sp>
         <p:nvSpPr>
-          <p:cNvPr id="341" name="PlaceHolder 1"/>
+          <p:cNvPr id="382" name="PlaceHolder 1"/>
           <p:cNvSpPr>
             <a:spLocks noGrp="1"/>
           </p:cNvSpPr>
@@ -21749,7 +23860,7 @@
         <p:spPr>
           <a:xfrm>
             <a:off x="723600" y="497160"/>
-            <a:ext cx="10738440" cy="1101600"/>
+            <a:ext cx="10738080" cy="1101240"/>
           </a:xfrm>
           <a:prstGeom prst="rect">
             <a:avLst/>
@@ -21793,7 +23904,7 @@
       </p:sp>
       <p:sp>
         <p:nvSpPr>
-          <p:cNvPr id="342" name="PlaceHolder 2"/>
+          <p:cNvPr id="383" name="PlaceHolder 2"/>
           <p:cNvSpPr>
             <a:spLocks noGrp="1"/>
           </p:cNvSpPr>
@@ -21804,7 +23915,7 @@
         <p:spPr>
           <a:xfrm>
             <a:off x="685800" y="1833120"/>
-            <a:ext cx="10819440" cy="4566240"/>
+            <a:ext cx="10819080" cy="4565880"/>
           </a:xfrm>
           <a:prstGeom prst="rect">
             <a:avLst/>
@@ -22162,7 +24273,7 @@
       </p:sp>
       <p:pic>
         <p:nvPicPr>
-          <p:cNvPr id="343" name="" descr=""/>
+          <p:cNvPr id="384" name="" descr=""/>
           <p:cNvPicPr/>
           <p:nvPr/>
         </p:nvPicPr>
@@ -22173,7 +24284,7 @@
         <p:spPr>
           <a:xfrm>
             <a:off x="7772400" y="2743200"/>
-            <a:ext cx="2256120" cy="789480"/>
+            <a:ext cx="2255760" cy="789120"/>
           </a:xfrm>
           <a:prstGeom prst="rect">
             <a:avLst/>
@@ -22185,14 +24296,14 @@
       </p:pic>
       <p:sp>
         <p:nvSpPr>
-          <p:cNvPr id="344" name=""/>
+          <p:cNvPr id="385" name=""/>
           <p:cNvSpPr/>
           <p:nvPr/>
         </p:nvSpPr>
         <p:spPr>
           <a:xfrm>
             <a:off x="7772400" y="2057400"/>
-            <a:ext cx="2285640" cy="345960"/>
+            <a:ext cx="2285280" cy="345600"/>
           </a:xfrm>
           <a:prstGeom prst="rect">
             <a:avLst/>
@@ -22224,6 +24335,7 @@
                   <a:srgbClr val="ffffff"/>
                 </a:solidFill>
                 <a:latin typeface="Arial"/>
+                <a:ea typeface="DejaVu Sans"/>
               </a:rPr>
               <a:t>Fingerprint function</a:t>
             </a:r>
@@ -22275,7 +24387,7 @@
       </p:grpSpPr>
       <p:sp>
         <p:nvSpPr>
-          <p:cNvPr id="345" name="PlaceHolder 1"/>
+          <p:cNvPr id="386" name="PlaceHolder 1"/>
           <p:cNvSpPr>
             <a:spLocks noGrp="1"/>
           </p:cNvSpPr>
@@ -22286,7 +24398,7 @@
         <p:spPr>
           <a:xfrm>
             <a:off x="723600" y="497160"/>
-            <a:ext cx="10738440" cy="1101600"/>
+            <a:ext cx="10738080" cy="1101240"/>
           </a:xfrm>
           <a:prstGeom prst="rect">
             <a:avLst/>
@@ -22330,7 +24442,7 @@
       </p:sp>
       <p:sp>
         <p:nvSpPr>
-          <p:cNvPr id="346" name="PlaceHolder 2"/>
+          <p:cNvPr id="387" name="PlaceHolder 2"/>
           <p:cNvSpPr>
             <a:spLocks noGrp="1"/>
           </p:cNvSpPr>
@@ -22341,7 +24453,7 @@
         <p:spPr>
           <a:xfrm>
             <a:off x="700920" y="1600200"/>
-            <a:ext cx="10819440" cy="4566240"/>
+            <a:ext cx="10819080" cy="4565880"/>
           </a:xfrm>
           <a:prstGeom prst="rect">
             <a:avLst/>
@@ -22834,17 +24946,7 @@
                 <a:latin typeface="DejaVu Sans"/>
                 <a:ea typeface="DejaVu Sans"/>
               </a:rPr>
-              <a:t>Therefore we slide to the next window of </a:t>
-            </a:r>
-            <a:r>
-              <a:rPr b="0" lang="en-US" sz="3200" spc="-1" strike="noStrike">
-                <a:solidFill>
-                  <a:srgbClr val="ffffff"/>
-                </a:solidFill>
-                <a:latin typeface="DejaVu Sans"/>
-                <a:ea typeface="DejaVu Sans"/>
-              </a:rPr>
-              <a:t>characters.</a:t>
+              <a:t>Therefore we slide to the next window of characters.</a:t>
             </a:r>
             <a:endParaRPr b="0" lang="en-US" sz="3200" spc="-1" strike="noStrike">
               <a:solidFill>
@@ -22857,7 +24959,7 @@
       </p:sp>
       <p:pic>
         <p:nvPicPr>
-          <p:cNvPr id="347" name="" descr=""/>
+          <p:cNvPr id="388" name="" descr=""/>
           <p:cNvPicPr/>
           <p:nvPr/>
         </p:nvPicPr>
@@ -22868,7 +24970,7 @@
         <p:spPr>
           <a:xfrm>
             <a:off x="7772400" y="2743200"/>
-            <a:ext cx="2256120" cy="789480"/>
+            <a:ext cx="2255760" cy="789120"/>
           </a:xfrm>
           <a:prstGeom prst="rect">
             <a:avLst/>
@@ -22880,14 +24982,14 @@
       </p:pic>
       <p:sp>
         <p:nvSpPr>
-          <p:cNvPr id="348" name=""/>
+          <p:cNvPr id="389" name=""/>
           <p:cNvSpPr/>
           <p:nvPr/>
         </p:nvSpPr>
         <p:spPr>
           <a:xfrm>
             <a:off x="7772400" y="2057400"/>
-            <a:ext cx="2285640" cy="345960"/>
+            <a:ext cx="2285280" cy="345600"/>
           </a:xfrm>
           <a:prstGeom prst="rect">
             <a:avLst/>
@@ -22919,6 +25021,7 @@
                   <a:srgbClr val="ffffff"/>
                 </a:solidFill>
                 <a:latin typeface="Arial"/>
+                <a:ea typeface="DejaVu Sans"/>
               </a:rPr>
               <a:t>Fingerprint function</a:t>
             </a:r>
@@ -22970,7 +25073,7 @@
       </p:grpSpPr>
       <p:sp>
         <p:nvSpPr>
-          <p:cNvPr id="349" name="PlaceHolder 1"/>
+          <p:cNvPr id="390" name="PlaceHolder 1"/>
           <p:cNvSpPr>
             <a:spLocks noGrp="1"/>
           </p:cNvSpPr>
@@ -22981,7 +25084,7 @@
         <p:spPr>
           <a:xfrm>
             <a:off x="723600" y="497160"/>
-            <a:ext cx="10738440" cy="1101600"/>
+            <a:ext cx="10738080" cy="1101240"/>
           </a:xfrm>
           <a:prstGeom prst="rect">
             <a:avLst/>
@@ -23025,7 +25128,7 @@
       </p:sp>
       <p:sp>
         <p:nvSpPr>
-          <p:cNvPr id="350" name="PlaceHolder 2"/>
+          <p:cNvPr id="391" name="PlaceHolder 2"/>
           <p:cNvSpPr>
             <a:spLocks noGrp="1"/>
           </p:cNvSpPr>
@@ -23036,7 +25139,7 @@
         <p:spPr>
           <a:xfrm>
             <a:off x="700920" y="1600200"/>
-            <a:ext cx="10819440" cy="4566240"/>
+            <a:ext cx="10819080" cy="4565880"/>
           </a:xfrm>
           <a:prstGeom prst="rect">
             <a:avLst/>
@@ -23542,7 +25645,7 @@
       </p:sp>
       <p:pic>
         <p:nvPicPr>
-          <p:cNvPr id="351" name="" descr=""/>
+          <p:cNvPr id="392" name="" descr=""/>
           <p:cNvPicPr/>
           <p:nvPr/>
         </p:nvPicPr>
@@ -23553,7 +25656,7 @@
         <p:spPr>
           <a:xfrm>
             <a:off x="7772400" y="2743200"/>
-            <a:ext cx="2256120" cy="789480"/>
+            <a:ext cx="2255760" cy="789120"/>
           </a:xfrm>
           <a:prstGeom prst="rect">
             <a:avLst/>
@@ -23565,14 +25668,14 @@
       </p:pic>
       <p:sp>
         <p:nvSpPr>
-          <p:cNvPr id="352" name=""/>
+          <p:cNvPr id="393" name=""/>
           <p:cNvSpPr/>
           <p:nvPr/>
         </p:nvSpPr>
         <p:spPr>
           <a:xfrm>
             <a:off x="7772400" y="2057400"/>
-            <a:ext cx="2285640" cy="345960"/>
+            <a:ext cx="2285280" cy="345600"/>
           </a:xfrm>
           <a:prstGeom prst="rect">
             <a:avLst/>
@@ -23604,6 +25707,7 @@
                   <a:srgbClr val="ffffff"/>
                 </a:solidFill>
                 <a:latin typeface="Arial"/>
+                <a:ea typeface="DejaVu Sans"/>
               </a:rPr>
               <a:t>Fingerprint function</a:t>
             </a:r>
@@ -23655,7 +25759,7 @@
       </p:grpSpPr>
       <p:sp>
         <p:nvSpPr>
-          <p:cNvPr id="353" name="PlaceHolder 1"/>
+          <p:cNvPr id="394" name="PlaceHolder 1"/>
           <p:cNvSpPr>
             <a:spLocks noGrp="1"/>
           </p:cNvSpPr>
@@ -23666,7 +25770,7 @@
         <p:spPr>
           <a:xfrm>
             <a:off x="609120" y="273600"/>
-            <a:ext cx="10967400" cy="1142640"/>
+            <a:ext cx="10967040" cy="1142280"/>
           </a:xfrm>
           <a:prstGeom prst="rect">
             <a:avLst/>
@@ -23710,7 +25814,7 @@
       </p:sp>
       <p:sp>
         <p:nvSpPr>
-          <p:cNvPr id="354" name="PlaceHolder 2"/>
+          <p:cNvPr id="395" name="PlaceHolder 2"/>
           <p:cNvSpPr>
             <a:spLocks noGrp="1"/>
           </p:cNvSpPr>
@@ -23721,7 +25825,7 @@
         <p:spPr>
           <a:xfrm>
             <a:off x="609120" y="1604520"/>
-            <a:ext cx="5350680" cy="3975120"/>
+            <a:ext cx="5350320" cy="3974760"/>
           </a:xfrm>
           <a:prstGeom prst="rect">
             <a:avLst/>
@@ -23827,7 +25931,7 @@
       </p:sp>
       <p:sp>
         <p:nvSpPr>
-          <p:cNvPr id="355" name="PlaceHolder 3"/>
+          <p:cNvPr id="396" name="PlaceHolder 3"/>
           <p:cNvSpPr>
             <a:spLocks noGrp="1"/>
           </p:cNvSpPr>
@@ -23838,7 +25942,7 @@
         <p:spPr>
           <a:xfrm>
             <a:off x="6230160" y="1604520"/>
-            <a:ext cx="5350680" cy="3975120"/>
+            <a:ext cx="5350320" cy="3974760"/>
           </a:xfrm>
           <a:prstGeom prst="rect">
             <a:avLst/>
@@ -23981,7 +26085,7 @@
       </p:grpSpPr>
       <p:sp>
         <p:nvSpPr>
-          <p:cNvPr id="356" name="PlaceHolder 1"/>
+          <p:cNvPr id="397" name="PlaceHolder 1"/>
           <p:cNvSpPr>
             <a:spLocks noGrp="1"/>
           </p:cNvSpPr>
@@ -23992,7 +26096,7 @@
         <p:spPr>
           <a:xfrm>
             <a:off x="609120" y="273600"/>
-            <a:ext cx="10967400" cy="1142640"/>
+            <a:ext cx="10967040" cy="1142280"/>
           </a:xfrm>
           <a:prstGeom prst="rect">
             <a:avLst/>
@@ -24036,7 +26140,7 @@
       </p:sp>
       <p:sp>
         <p:nvSpPr>
-          <p:cNvPr id="357" name="PlaceHolder 2"/>
+          <p:cNvPr id="398" name="PlaceHolder 2"/>
           <p:cNvSpPr>
             <a:spLocks noGrp="1"/>
           </p:cNvSpPr>
@@ -24047,7 +26151,7 @@
         <p:spPr>
           <a:xfrm>
             <a:off x="609120" y="1604520"/>
-            <a:ext cx="10967400" cy="3975120"/>
+            <a:ext cx="10967040" cy="3974760"/>
           </a:xfrm>
           <a:prstGeom prst="rect">
             <a:avLst/>
@@ -24154,7 +26258,7 @@
       </p:grpSpPr>
       <p:sp>
         <p:nvSpPr>
-          <p:cNvPr id="358" name="PlaceHolder 1"/>
+          <p:cNvPr id="399" name="PlaceHolder 1"/>
           <p:cNvSpPr>
             <a:spLocks noGrp="1"/>
           </p:cNvSpPr>
@@ -24165,7 +26269,7 @@
         <p:spPr>
           <a:xfrm>
             <a:off x="609120" y="273600"/>
-            <a:ext cx="10968840" cy="1144080"/>
+            <a:ext cx="10968480" cy="1143720"/>
           </a:xfrm>
           <a:prstGeom prst="rect">
             <a:avLst/>
@@ -24209,7 +26313,7 @@
       </p:sp>
       <p:sp>
         <p:nvSpPr>
-          <p:cNvPr id="359" name="PlaceHolder 2"/>
+          <p:cNvPr id="400" name="PlaceHolder 2"/>
           <p:cNvSpPr>
             <a:spLocks noGrp="1"/>
           </p:cNvSpPr>
@@ -24220,7 +26324,7 @@
         <p:spPr>
           <a:xfrm>
             <a:off x="609120" y="1604520"/>
-            <a:ext cx="10968840" cy="3976560"/>
+            <a:ext cx="10968480" cy="3976200"/>
           </a:xfrm>
           <a:prstGeom prst="rect">
             <a:avLst/>
@@ -24365,6 +26469,7 @@
                   <a:srgbClr val="ffffff"/>
                 </a:solidFill>
                 <a:latin typeface="Arial"/>
+                <a:ea typeface="DejaVu Sans"/>
               </a:rPr>
               <a:t> </a:t>
             </a:r>
@@ -24379,28 +26484,39 @@
       </p:sp>
       <p:sp>
         <p:nvSpPr>
-          <p:cNvPr id="360" name=""/>
-          <p:cNvSpPr txBox="1"/>
+          <p:cNvPr id="401" name=""/>
+          <p:cNvSpPr/>
           <p:nvPr/>
         </p:nvSpPr>
         <p:spPr>
           <a:xfrm>
             <a:off x="7543800" y="4114800"/>
-            <a:ext cx="685800" cy="602280"/>
-          </a:xfrm>
-          <a:prstGeom prst="rect">
-            <a:avLst/>
-          </a:prstGeom>
-          <a:noFill/>
-          <a:ln w="0">
-            <a:noFill/>
-          </a:ln>
-        </p:spPr>
+            <a:ext cx="685440" cy="601920"/>
+          </a:xfrm>
+          <a:prstGeom prst="rect">
+            <a:avLst/>
+          </a:prstGeom>
+          <a:noFill/>
+          <a:ln w="0">
+            <a:noFill/>
+          </a:ln>
+        </p:spPr>
+        <p:style>
+          <a:lnRef idx="0"/>
+          <a:fillRef idx="0"/>
+          <a:effectRef idx="0"/>
+          <a:fontRef idx="minor"/>
+        </p:style>
         <p:txBody>
           <a:bodyPr lIns="90000" rIns="90000" tIns="45000" bIns="45000" anchor="t">
             <a:noAutofit/>
           </a:bodyPr>
           <a:p>
+            <a:pPr>
+              <a:lnSpc>
+                <a:spcPct val="100000"/>
+              </a:lnSpc>
+            </a:pPr>
             <a:r>
               <a:rPr b="0" lang="en-US" sz="1800" spc="-1" strike="noStrike">
                 <a:solidFill>
@@ -24421,29 +26537,39 @@
       </p:sp>
       <p:sp>
         <p:nvSpPr>
-          <p:cNvPr id="361" name=""/>
-          <p:cNvSpPr txBox="1"/>
+          <p:cNvPr id="402" name=""/>
+          <p:cNvSpPr/>
           <p:nvPr/>
         </p:nvSpPr>
         <p:spPr>
           <a:xfrm>
             <a:off x="7543800" y="3311280"/>
-            <a:ext cx="457200" cy="346320"/>
-          </a:xfrm>
-          <a:prstGeom prst="rect">
-            <a:avLst/>
-          </a:prstGeom>
-          <a:noFill/>
-          <a:ln w="0">
-            <a:noFill/>
-          </a:ln>
-        </p:spPr>
+            <a:ext cx="456840" cy="345960"/>
+          </a:xfrm>
+          <a:prstGeom prst="rect">
+            <a:avLst/>
+          </a:prstGeom>
+          <a:noFill/>
+          <a:ln w="0">
+            <a:noFill/>
+          </a:ln>
+        </p:spPr>
+        <p:style>
+          <a:lnRef idx="0"/>
+          <a:fillRef idx="0"/>
+          <a:effectRef idx="0"/>
+          <a:fontRef idx="minor"/>
+        </p:style>
         <p:txBody>
           <a:bodyPr lIns="90000" rIns="90000" tIns="45000" bIns="45000" anchor="t">
             <a:noAutofit/>
           </a:bodyPr>
           <a:p>
-            <a:pPr algn="ctr"/>
+            <a:pPr algn="ctr">
+              <a:lnSpc>
+                <a:spcPct val="100000"/>
+              </a:lnSpc>
+            </a:pPr>
             <a:r>
               <a:rPr b="0" lang="en-US" sz="1800" spc="-1" strike="noStrike">
                 <a:solidFill>
@@ -24464,28 +26590,39 @@
       </p:sp>
       <p:sp>
         <p:nvSpPr>
-          <p:cNvPr id="362" name=""/>
-          <p:cNvSpPr txBox="1"/>
+          <p:cNvPr id="403" name=""/>
+          <p:cNvSpPr/>
           <p:nvPr/>
         </p:nvSpPr>
         <p:spPr>
           <a:xfrm>
             <a:off x="8001000" y="3657600"/>
-            <a:ext cx="685800" cy="402840"/>
-          </a:xfrm>
-          <a:prstGeom prst="rect">
-            <a:avLst/>
-          </a:prstGeom>
-          <a:noFill/>
-          <a:ln w="0">
-            <a:noFill/>
-          </a:ln>
-        </p:spPr>
+            <a:ext cx="685440" cy="402480"/>
+          </a:xfrm>
+          <a:prstGeom prst="rect">
+            <a:avLst/>
+          </a:prstGeom>
+          <a:noFill/>
+          <a:ln w="0">
+            <a:noFill/>
+          </a:ln>
+        </p:spPr>
+        <p:style>
+          <a:lnRef idx="0"/>
+          <a:fillRef idx="0"/>
+          <a:effectRef idx="0"/>
+          <a:fontRef idx="minor"/>
+        </p:style>
         <p:txBody>
           <a:bodyPr lIns="90000" rIns="90000" tIns="45000" bIns="45000" anchor="t">
             <a:noAutofit/>
           </a:bodyPr>
           <a:p>
+            <a:pPr>
+              <a:lnSpc>
+                <a:spcPct val="100000"/>
+              </a:lnSpc>
+            </a:pPr>
             <a:r>
               <a:rPr b="0" lang="en-US" sz="2200" spc="-1" strike="noStrike">
                 <a:solidFill>
@@ -26332,4 +28469,230 @@
     </a:fmtScheme>
   </a:themeElements>
 </a:theme>
+</file>
+
+<file path=ppt/theme/theme9.xml><?xml version="1.0" encoding="utf-8"?>
+<a:theme xmlns:a="http://schemas.openxmlformats.org/drawingml/2006/main" name="UCF - Single Column Content Slides">
+  <a:themeElements>
+    <a:clrScheme name="UCF Brand PPT - Sept 2022">
+      <a:dk1>
+        <a:srgbClr val="000000"/>
+      </a:dk1>
+      <a:lt1>
+        <a:srgbClr val="ffffff"/>
+      </a:lt1>
+      <a:dk2>
+        <a:srgbClr val="505050"/>
+      </a:dk2>
+      <a:lt2>
+        <a:srgbClr val="f0f0f0"/>
+      </a:lt2>
+      <a:accent1>
+        <a:srgbClr val="f8c323"/>
+      </a:accent1>
+      <a:accent2>
+        <a:srgbClr val="fff1b7"/>
+      </a:accent2>
+      <a:accent3>
+        <a:srgbClr val="8d949b"/>
+      </a:accent3>
+      <a:accent4>
+        <a:srgbClr val="d6d6d6"/>
+      </a:accent4>
+      <a:accent5>
+        <a:srgbClr val="1a1918"/>
+      </a:accent5>
+      <a:accent6>
+        <a:srgbClr val="c5bba4"/>
+      </a:accent6>
+      <a:hlink>
+        <a:srgbClr val="00abf0"/>
+      </a:hlink>
+      <a:folHlink>
+        <a:srgbClr val="747fd0"/>
+      </a:folHlink>
+    </a:clrScheme>
+    <a:fontScheme name="Office">
+      <a:majorFont>
+        <a:latin typeface="Arial"/>
+        <a:ea typeface="DejaVu Sans"/>
+        <a:cs typeface="DejaVu Sans"/>
+      </a:majorFont>
+      <a:minorFont>
+        <a:latin typeface="Arial"/>
+        <a:ea typeface="DejaVu Sans"/>
+        <a:cs typeface="DejaVu Sans"/>
+      </a:minorFont>
+    </a:fontScheme>
+    <a:fmtScheme name="Office">
+      <a:fillStyleLst>
+        <a:solidFill>
+          <a:schemeClr val="phClr"/>
+        </a:solidFill>
+        <a:gradFill rotWithShape="1">
+          <a:gsLst>
+            <a:gs pos="0">
+              <a:schemeClr val="phClr">
+                <a:tint val="50000"/>
+                <a:satMod val="300000"/>
+              </a:schemeClr>
+            </a:gs>
+            <a:gs pos="35000">
+              <a:schemeClr val="phClr">
+                <a:tint val="37000"/>
+                <a:satMod val="300000"/>
+              </a:schemeClr>
+            </a:gs>
+            <a:gs pos="100000">
+              <a:schemeClr val="phClr">
+                <a:tint val="15000"/>
+                <a:satMod val="350000"/>
+              </a:schemeClr>
+            </a:gs>
+          </a:gsLst>
+          <a:lin ang="16200000" scaled="1"/>
+        </a:gradFill>
+        <a:gradFill rotWithShape="1">
+          <a:gsLst>
+            <a:gs pos="0">
+              <a:schemeClr val="phClr">
+                <a:shade val="51000"/>
+                <a:satMod val="130000"/>
+              </a:schemeClr>
+            </a:gs>
+            <a:gs pos="80000">
+              <a:schemeClr val="phClr">
+                <a:shade val="93000"/>
+                <a:satMod val="130000"/>
+              </a:schemeClr>
+            </a:gs>
+            <a:gs pos="100000">
+              <a:schemeClr val="phClr">
+                <a:shade val="94000"/>
+                <a:satMod val="135000"/>
+              </a:schemeClr>
+            </a:gs>
+          </a:gsLst>
+          <a:lin ang="16200000" scaled="0"/>
+        </a:gradFill>
+      </a:fillStyleLst>
+      <a:lnStyleLst>
+        <a:ln w="9525" cap="flat" cmpd="sng" algn="ctr">
+          <a:solidFill>
+            <a:schemeClr val="phClr">
+              <a:shade val="95000"/>
+              <a:satMod val="105000"/>
+            </a:schemeClr>
+          </a:solidFill>
+          <a:prstDash val="solid"/>
+          <a:miter/>
+        </a:ln>
+        <a:ln w="25400" cap="flat" cmpd="sng" algn="ctr">
+          <a:solidFill>
+            <a:schemeClr val="phClr"/>
+          </a:solidFill>
+          <a:prstDash val="solid"/>
+          <a:miter/>
+        </a:ln>
+        <a:ln w="38100" cap="flat" cmpd="sng" algn="ctr">
+          <a:solidFill>
+            <a:schemeClr val="phClr"/>
+          </a:solidFill>
+          <a:prstDash val="solid"/>
+          <a:miter/>
+        </a:ln>
+      </a:lnStyleLst>
+      <a:effectStyleLst>
+        <a:effectStyle>
+          <a:effectLst>
+            <a:outerShdw blurRad="40000" dist="20000" dir="5400000" rotWithShape="0">
+              <a:srgbClr val="000000">
+                <a:alpha val="38000"/>
+              </a:srgbClr>
+            </a:outerShdw>
+          </a:effectLst>
+        </a:effectStyle>
+        <a:effectStyle>
+          <a:effectLst>
+            <a:outerShdw blurRad="40000" dist="23000" dir="5400000" rotWithShape="0">
+              <a:srgbClr val="000000">
+                <a:alpha val="35000"/>
+              </a:srgbClr>
+            </a:outerShdw>
+          </a:effectLst>
+        </a:effectStyle>
+        <a:effectStyle>
+          <a:effectLst>
+            <a:outerShdw blurRad="40000" dist="23000" dir="5400000" rotWithShape="0">
+              <a:srgbClr val="000000">
+                <a:alpha val="35000"/>
+              </a:srgbClr>
+            </a:outerShdw>
+          </a:effectLst>
+          <a:scene3d>
+            <a:camera prst="orthographicFront">
+              <a:rot lat="0" lon="0" rev="0"/>
+            </a:camera>
+            <a:lightRig rig="threePt" dir="t">
+              <a:rot lat="0" lon="0" rev="1200000"/>
+            </a:lightRig>
+          </a:scene3d>
+          <a:sp3d>
+            <a:bevelT w="63500" h="25400"/>
+          </a:sp3d>
+        </a:effectStyle>
+      </a:effectStyleLst>
+      <a:bgFillStyleLst>
+        <a:solidFill>
+          <a:schemeClr val="phClr"/>
+        </a:solidFill>
+        <a:gradFill rotWithShape="1">
+          <a:gsLst>
+            <a:gs pos="0">
+              <a:schemeClr val="phClr">
+                <a:tint val="40000"/>
+                <a:satMod val="350000"/>
+              </a:schemeClr>
+            </a:gs>
+            <a:gs pos="40000">
+              <a:schemeClr val="phClr">
+                <a:tint val="45000"/>
+                <a:shade val="99000"/>
+                <a:satMod val="350000"/>
+              </a:schemeClr>
+            </a:gs>
+            <a:gs pos="100000">
+              <a:schemeClr val="phClr">
+                <a:shade val="20000"/>
+                <a:satMod val="255000"/>
+              </a:schemeClr>
+            </a:gs>
+          </a:gsLst>
+          <a:path path="circle">
+            <a:fillToRect l="50000" t="-80000" r="50000" b="180000"/>
+          </a:path>
+        </a:gradFill>
+        <a:gradFill rotWithShape="1">
+          <a:gsLst>
+            <a:gs pos="0">
+              <a:schemeClr val="phClr">
+                <a:tint val="80000"/>
+                <a:satMod val="300000"/>
+              </a:schemeClr>
+            </a:gs>
+            <a:gs pos="100000">
+              <a:schemeClr val="phClr">
+                <a:shade val="30000"/>
+                <a:satMod val="200000"/>
+              </a:schemeClr>
+            </a:gs>
+          </a:gsLst>
+          <a:path path="circle">
+            <a:fillToRect l="50000" t="50000" r="50000" b="50000"/>
+          </a:path>
+        </a:gradFill>
+      </a:bgFillStyleLst>
+    </a:fmtScheme>
+  </a:themeElements>
+</a:theme>
 </file>
--- a/CAP6515/paper_presentation_files/rabin-karp-presentation.pptx
+++ b/CAP6515/paper_presentation_files/rabin-karp-presentation.pptx
@@ -32,6 +32,7 @@
     <p:sldId id="272" r:id="rId27"/>
     <p:sldId id="273" r:id="rId28"/>
     <p:sldId id="274" r:id="rId29"/>
+    <p:sldId id="275" r:id="rId30"/>
   </p:sldIdLst>
   <p:sldSz cx="12188825" cy="6858000"/>
   <p:notesSz cx="7772400" cy="10058400"/>
@@ -16037,7 +16038,7 @@
         <p:spPr>
           <a:xfrm>
             <a:off x="723600" y="6432480"/>
-            <a:ext cx="2048760" cy="151920"/>
+            <a:ext cx="2048400" cy="151920"/>
           </a:xfrm>
           <a:prstGeom prst="rect">
             <a:avLst/>
@@ -16094,7 +16095,7 @@
         <p:spPr>
           <a:xfrm>
             <a:off x="9412920" y="6432480"/>
-            <a:ext cx="2048760" cy="151920"/>
+            <a:ext cx="2048400" cy="151920"/>
           </a:xfrm>
           <a:prstGeom prst="rect">
             <a:avLst/>
@@ -16130,7 +16131,7 @@
               </a:rPr>
               <a:t>Page </a:t>
             </a:r>
-            <a:fld id="{33902B78-98D5-4B45-B77D-6E57BAD4734B}" type="slidenum">
+            <a:fld id="{BED5EE23-5007-40D0-A2C9-E1AD26C8FD1D}" type="slidenum">
               <a:rPr b="0" lang="en-US" sz="1000" spc="-1" strike="noStrike">
                 <a:solidFill>
                   <a:srgbClr val="787878"/>
@@ -16158,7 +16159,7 @@
         <p:spPr>
           <a:xfrm>
             <a:off x="360" y="0"/>
-            <a:ext cx="12185640" cy="6854760"/>
+            <a:ext cx="12185280" cy="6854400"/>
           </a:xfrm>
           <a:prstGeom prst="rect">
             <a:avLst/>
@@ -16213,7 +16214,7 @@
         <p:spPr>
           <a:xfrm>
             <a:off x="728640" y="729000"/>
-            <a:ext cx="10727640" cy="5379480"/>
+            <a:ext cx="10727280" cy="5379120"/>
           </a:xfrm>
           <a:prstGeom prst="rect">
             <a:avLst/>
@@ -16268,7 +16269,7 @@
         <p:spPr>
           <a:xfrm>
             <a:off x="4552920" y="3719880"/>
-            <a:ext cx="3089160" cy="3240"/>
+            <a:ext cx="3089520" cy="3600"/>
           </a:xfrm>
           <a:prstGeom prst="straightConnector1">
             <a:avLst/>
@@ -16294,7 +16295,7 @@
         <p:spPr>
           <a:xfrm>
             <a:off x="5827680" y="723960"/>
-            <a:ext cx="530280" cy="714600"/>
+            <a:ext cx="529920" cy="714240"/>
           </a:xfrm>
           <a:prstGeom prst="rect">
             <a:avLst/>
@@ -16631,7 +16632,7 @@
         <p:spPr>
           <a:xfrm>
             <a:off x="723600" y="6432480"/>
-            <a:ext cx="2048760" cy="151920"/>
+            <a:ext cx="2048400" cy="151920"/>
           </a:xfrm>
           <a:prstGeom prst="rect">
             <a:avLst/>
@@ -16688,7 +16689,7 @@
         <p:spPr>
           <a:xfrm>
             <a:off x="9412920" y="6432480"/>
-            <a:ext cx="2048760" cy="151920"/>
+            <a:ext cx="2048400" cy="151920"/>
           </a:xfrm>
           <a:prstGeom prst="rect">
             <a:avLst/>
@@ -16724,7 +16725,7 @@
               </a:rPr>
               <a:t>Page </a:t>
             </a:r>
-            <a:fld id="{FE58581C-EA02-4F2B-B9EA-8931393FF273}" type="slidenum">
+            <a:fld id="{D9E3BA8D-DAFF-4887-9957-108DBB4A954E}" type="slidenum">
               <a:rPr b="0" lang="en-US" sz="1000" spc="-1" strike="noStrike">
                 <a:solidFill>
                   <a:srgbClr val="787878"/>
@@ -16752,7 +16753,7 @@
         <p:spPr>
           <a:xfrm>
             <a:off x="723600" y="1943640"/>
-            <a:ext cx="559800" cy="3240"/>
+            <a:ext cx="560160" cy="3600"/>
           </a:xfrm>
           <a:prstGeom prst="straightConnector1">
             <a:avLst/>
@@ -17317,7 +17318,7 @@
         <p:spPr>
           <a:xfrm>
             <a:off x="723600" y="6432480"/>
-            <a:ext cx="2048760" cy="151920"/>
+            <a:ext cx="2048400" cy="151920"/>
           </a:xfrm>
           <a:prstGeom prst="rect">
             <a:avLst/>
@@ -17374,7 +17375,7 @@
         <p:spPr>
           <a:xfrm>
             <a:off x="9412920" y="6432480"/>
-            <a:ext cx="2048760" cy="151920"/>
+            <a:ext cx="2048400" cy="151920"/>
           </a:xfrm>
           <a:prstGeom prst="rect">
             <a:avLst/>
@@ -17410,7 +17411,7 @@
               </a:rPr>
               <a:t>Page </a:t>
             </a:r>
-            <a:fld id="{2E408A86-E50B-4046-B40D-A840003C7EAF}" type="slidenum">
+            <a:fld id="{3FE8E670-6B42-4540-826F-B95E91580856}" type="slidenum">
               <a:rPr b="0" lang="en-US" sz="1000" spc="-1" strike="noStrike">
                 <a:solidFill>
                   <a:srgbClr val="787878"/>
@@ -17438,7 +17439,7 @@
         <p:spPr>
           <a:xfrm>
             <a:off x="723600" y="1943640"/>
-            <a:ext cx="559800" cy="3240"/>
+            <a:ext cx="560160" cy="3600"/>
           </a:xfrm>
           <a:prstGeom prst="straightConnector1">
             <a:avLst/>
@@ -18003,7 +18004,7 @@
         <p:spPr>
           <a:xfrm>
             <a:off x="723600" y="6432480"/>
-            <a:ext cx="2048760" cy="151920"/>
+            <a:ext cx="2048400" cy="151920"/>
           </a:xfrm>
           <a:prstGeom prst="rect">
             <a:avLst/>
@@ -18060,7 +18061,7 @@
         <p:spPr>
           <a:xfrm>
             <a:off x="9412920" y="6432480"/>
-            <a:ext cx="2048760" cy="151920"/>
+            <a:ext cx="2048400" cy="151920"/>
           </a:xfrm>
           <a:prstGeom prst="rect">
             <a:avLst/>
@@ -18096,7 +18097,7 @@
               </a:rPr>
               <a:t>Page </a:t>
             </a:r>
-            <a:fld id="{8322F771-3BA6-4523-BB1B-708E2C94B42A}" type="slidenum">
+            <a:fld id="{4436DBC3-626E-4A9C-B2FD-5C18B692C333}" type="slidenum">
               <a:rPr b="0" lang="en-US" sz="1000" spc="-1" strike="noStrike">
                 <a:solidFill>
                   <a:srgbClr val="787878"/>
@@ -18124,7 +18125,7 @@
         <p:spPr>
           <a:xfrm>
             <a:off x="723600" y="1943640"/>
-            <a:ext cx="559800" cy="3240"/>
+            <a:ext cx="560160" cy="3600"/>
           </a:xfrm>
           <a:prstGeom prst="straightConnector1">
             <a:avLst/>
@@ -18232,7 +18233,16 @@
                 </a:solidFill>
                 <a:latin typeface="Arial"/>
               </a:rPr>
-              <a:t>Click to edit the outline text format</a:t>
+              <a:t>Click to edit the outline </a:t>
+            </a:r>
+            <a:r>
+              <a:rPr b="0" lang="en-US" sz="3200" spc="-1" strike="noStrike">
+                <a:solidFill>
+                  <a:srgbClr val="000000"/>
+                </a:solidFill>
+                <a:latin typeface="Arial"/>
+              </a:rPr>
+              <a:t>text format</a:t>
             </a:r>
             <a:endParaRPr b="0" lang="en-US" sz="3200" spc="-1" strike="noStrike">
               <a:solidFill>
@@ -18400,7 +18410,16 @@
                 </a:solidFill>
                 <a:latin typeface="Arial"/>
               </a:rPr>
-              <a:t>Seventh Outline Level</a:t>
+              <a:t>Seventh Outline </a:t>
+            </a:r>
+            <a:r>
+              <a:rPr b="0" lang="en-US" sz="2000" spc="-1" strike="noStrike">
+                <a:solidFill>
+                  <a:srgbClr val="000000"/>
+                </a:solidFill>
+                <a:latin typeface="Arial"/>
+              </a:rPr>
+              <a:t>Level</a:t>
             </a:r>
             <a:endParaRPr b="0" lang="en-US" sz="2000" spc="-1" strike="noStrike">
               <a:solidFill>
@@ -18464,7 +18483,7 @@
         <p:spPr>
           <a:xfrm>
             <a:off x="723600" y="6432480"/>
-            <a:ext cx="2048760" cy="151920"/>
+            <a:ext cx="2048400" cy="151920"/>
           </a:xfrm>
           <a:prstGeom prst="rect">
             <a:avLst/>
@@ -18521,7 +18540,7 @@
         <p:spPr>
           <a:xfrm>
             <a:off x="9412920" y="6432480"/>
-            <a:ext cx="2048760" cy="151920"/>
+            <a:ext cx="2048400" cy="151920"/>
           </a:xfrm>
           <a:prstGeom prst="rect">
             <a:avLst/>
@@ -18557,7 +18576,7 @@
               </a:rPr>
               <a:t>Page </a:t>
             </a:r>
-            <a:fld id="{68E3DAF4-1BAD-44B2-8795-BE2CDA760CAC}" type="slidenum">
+            <a:fld id="{E2D4B765-8565-42F8-AC26-EC49FC235F01}" type="slidenum">
               <a:rPr b="0" lang="en-US" sz="1000" spc="-1" strike="noStrike">
                 <a:solidFill>
                   <a:srgbClr val="787878"/>
@@ -18585,7 +18604,7 @@
         <p:spPr>
           <a:xfrm>
             <a:off x="723600" y="1943640"/>
-            <a:ext cx="559800" cy="3240"/>
+            <a:ext cx="560160" cy="3600"/>
           </a:xfrm>
           <a:prstGeom prst="straightConnector1">
             <a:avLst/>
@@ -18925,7 +18944,7 @@
         <p:spPr>
           <a:xfrm>
             <a:off x="723600" y="6432480"/>
-            <a:ext cx="2048760" cy="151920"/>
+            <a:ext cx="2048400" cy="151920"/>
           </a:xfrm>
           <a:prstGeom prst="rect">
             <a:avLst/>
@@ -18982,7 +19001,7 @@
         <p:spPr>
           <a:xfrm>
             <a:off x="9412920" y="6432480"/>
-            <a:ext cx="2048760" cy="151920"/>
+            <a:ext cx="2048400" cy="151920"/>
           </a:xfrm>
           <a:prstGeom prst="rect">
             <a:avLst/>
@@ -19018,7 +19037,7 @@
               </a:rPr>
               <a:t>Page </a:t>
             </a:r>
-            <a:fld id="{B8E27289-F1B4-4C81-8F83-A97DAA1CA187}" type="slidenum">
+            <a:fld id="{F60ACD2F-85FC-4C6A-88D7-FCAF83556C82}" type="slidenum">
               <a:rPr b="0" lang="en-US" sz="1000" spc="-1" strike="noStrike">
                 <a:solidFill>
                   <a:srgbClr val="787878"/>
@@ -19046,7 +19065,7 @@
         <p:spPr>
           <a:xfrm>
             <a:off x="723600" y="1943640"/>
-            <a:ext cx="559800" cy="3240"/>
+            <a:ext cx="560160" cy="3600"/>
           </a:xfrm>
           <a:prstGeom prst="straightConnector1">
             <a:avLst/>
@@ -19386,7 +19405,7 @@
         <p:spPr>
           <a:xfrm>
             <a:off x="723600" y="6432480"/>
-            <a:ext cx="2048760" cy="151920"/>
+            <a:ext cx="2048400" cy="151920"/>
           </a:xfrm>
           <a:prstGeom prst="rect">
             <a:avLst/>
@@ -19443,7 +19462,7 @@
         <p:spPr>
           <a:xfrm>
             <a:off x="9412920" y="6432480"/>
-            <a:ext cx="2048760" cy="151920"/>
+            <a:ext cx="2048400" cy="151920"/>
           </a:xfrm>
           <a:prstGeom prst="rect">
             <a:avLst/>
@@ -19479,7 +19498,7 @@
               </a:rPr>
               <a:t>Page </a:t>
             </a:r>
-            <a:fld id="{1D25411C-D1B3-42D2-A3F3-70B6CCDC0D39}" type="slidenum">
+            <a:fld id="{1DF60434-1856-4370-9799-A770E11DD778}" type="slidenum">
               <a:rPr b="0" lang="en-US" sz="1000" spc="-1" strike="noStrike">
                 <a:solidFill>
                   <a:srgbClr val="787878"/>
@@ -19507,7 +19526,7 @@
         <p:spPr>
           <a:xfrm>
             <a:off x="723600" y="1943640"/>
-            <a:ext cx="559800" cy="3240"/>
+            <a:ext cx="560160" cy="3600"/>
           </a:xfrm>
           <a:prstGeom prst="straightConnector1">
             <a:avLst/>
@@ -19847,7 +19866,7 @@
         <p:spPr>
           <a:xfrm>
             <a:off x="723600" y="6432480"/>
-            <a:ext cx="2048760" cy="151920"/>
+            <a:ext cx="2048400" cy="151920"/>
           </a:xfrm>
           <a:prstGeom prst="rect">
             <a:avLst/>
@@ -19904,7 +19923,7 @@
         <p:spPr>
           <a:xfrm>
             <a:off x="9412920" y="6432480"/>
-            <a:ext cx="2048760" cy="151920"/>
+            <a:ext cx="2048400" cy="151920"/>
           </a:xfrm>
           <a:prstGeom prst="rect">
             <a:avLst/>
@@ -19940,7 +19959,7 @@
               </a:rPr>
               <a:t>Page </a:t>
             </a:r>
-            <a:fld id="{514ABABC-7112-40F9-878D-139ECE2B6BD2}" type="slidenum">
+            <a:fld id="{38E0F811-A794-4FF4-ABF9-5ED8F739D5BD}" type="slidenum">
               <a:rPr b="0" lang="en-US" sz="1000" spc="-1" strike="noStrike">
                 <a:solidFill>
                   <a:srgbClr val="787878"/>
@@ -19968,7 +19987,7 @@
         <p:spPr>
           <a:xfrm>
             <a:off x="723600" y="1943640"/>
-            <a:ext cx="559800" cy="3240"/>
+            <a:ext cx="560160" cy="3600"/>
           </a:xfrm>
           <a:prstGeom prst="straightConnector1">
             <a:avLst/>
@@ -19994,7 +20013,7 @@
         <p:spPr>
           <a:xfrm>
             <a:off x="609120" y="273600"/>
-            <a:ext cx="10969200" cy="1144440"/>
+            <a:ext cx="10969560" cy="1144800"/>
           </a:xfrm>
           <a:prstGeom prst="rect">
             <a:avLst/>
@@ -20009,11 +20028,11 @@
             <a:noAutofit/>
           </a:bodyPr>
           <a:p>
-            <a:pPr indent="0">
+            <a:pPr indent="0" algn="ctr">
               <a:buNone/>
             </a:pPr>
             <a:r>
-              <a:rPr b="0" lang="en-US" sz="1800" spc="-1" strike="noStrike">
+              <a:rPr b="0" lang="en-US" sz="4400" spc="-1" strike="noStrike">
                 <a:solidFill>
                   <a:srgbClr val="000000"/>
                 </a:solidFill>
@@ -20021,7 +20040,7 @@
               </a:rPr>
               <a:t>Click to edit the title text format</a:t>
             </a:r>
-            <a:endParaRPr b="0" lang="en-US" sz="1800" spc="-1" strike="noStrike">
+            <a:endParaRPr b="0" lang="en-US" sz="4400" spc="-1" strike="noStrike">
               <a:solidFill>
                 <a:srgbClr val="000000"/>
               </a:solidFill>
@@ -20043,7 +20062,7 @@
         <p:spPr>
           <a:xfrm>
             <a:off x="609120" y="1604520"/>
-            <a:ext cx="10969200" cy="3976920"/>
+            <a:ext cx="10969560" cy="3977280"/>
           </a:xfrm>
           <a:prstGeom prst="rect">
             <a:avLst/>
@@ -20070,7 +20089,7 @@
               <a:buChar char=""/>
             </a:pPr>
             <a:r>
-              <a:rPr b="0" lang="en-US" sz="1800" spc="-1" strike="noStrike">
+              <a:rPr b="0" lang="en-US" sz="3200" spc="-1" strike="noStrike">
                 <a:solidFill>
                   <a:srgbClr val="000000"/>
                 </a:solidFill>
@@ -20078,7 +20097,7 @@
               </a:rPr>
               <a:t>Click to edit the outline text format</a:t>
             </a:r>
-            <a:endParaRPr b="0" lang="en-US" sz="1800" spc="-1" strike="noStrike">
+            <a:endParaRPr b="0" lang="en-US" sz="3200" spc="-1" strike="noStrike">
               <a:solidFill>
                 <a:srgbClr val="000000"/>
               </a:solidFill>
@@ -20098,7 +20117,7 @@
               <a:buChar char=""/>
             </a:pPr>
             <a:r>
-              <a:rPr b="0" lang="en-US" sz="1800" spc="-1" strike="noStrike">
+              <a:rPr b="0" lang="en-US" sz="2800" spc="-1" strike="noStrike">
                 <a:solidFill>
                   <a:srgbClr val="000000"/>
                 </a:solidFill>
@@ -20106,7 +20125,7 @@
               </a:rPr>
               <a:t>Second Outline Level</a:t>
             </a:r>
-            <a:endParaRPr b="0" lang="en-US" sz="1800" spc="-1" strike="noStrike">
+            <a:endParaRPr b="0" lang="en-US" sz="2800" spc="-1" strike="noStrike">
               <a:solidFill>
                 <a:srgbClr val="000000"/>
               </a:solidFill>
@@ -20126,7 +20145,7 @@
               <a:buChar char=""/>
             </a:pPr>
             <a:r>
-              <a:rPr b="0" lang="en-US" sz="1800" spc="-1" strike="noStrike">
+              <a:rPr b="0" lang="en-US" sz="2400" spc="-1" strike="noStrike">
                 <a:solidFill>
                   <a:srgbClr val="000000"/>
                 </a:solidFill>
@@ -20134,7 +20153,7 @@
               </a:rPr>
               <a:t>Third Outline Level</a:t>
             </a:r>
-            <a:endParaRPr b="0" lang="en-US" sz="1800" spc="-1" strike="noStrike">
+            <a:endParaRPr b="0" lang="en-US" sz="2400" spc="-1" strike="noStrike">
               <a:solidFill>
                 <a:srgbClr val="000000"/>
               </a:solidFill>
@@ -20154,7 +20173,7 @@
               <a:buChar char=""/>
             </a:pPr>
             <a:r>
-              <a:rPr b="0" lang="en-US" sz="1800" spc="-1" strike="noStrike">
+              <a:rPr b="0" lang="en-US" sz="2000" spc="-1" strike="noStrike">
                 <a:solidFill>
                   <a:srgbClr val="000000"/>
                 </a:solidFill>
@@ -20162,7 +20181,7 @@
               </a:rPr>
               <a:t>Fourth Outline Level</a:t>
             </a:r>
-            <a:endParaRPr b="0" lang="en-US" sz="1800" spc="-1" strike="noStrike">
+            <a:endParaRPr b="0" lang="en-US" sz="2000" spc="-1" strike="noStrike">
               <a:solidFill>
                 <a:srgbClr val="000000"/>
               </a:solidFill>
@@ -20182,7 +20201,7 @@
               <a:buChar char=""/>
             </a:pPr>
             <a:r>
-              <a:rPr b="0" lang="en-US" sz="1800" spc="-1" strike="noStrike">
+              <a:rPr b="0" lang="en-US" sz="2000" spc="-1" strike="noStrike">
                 <a:solidFill>
                   <a:srgbClr val="000000"/>
                 </a:solidFill>
@@ -20190,7 +20209,7 @@
               </a:rPr>
               <a:t>Fifth Outline Level</a:t>
             </a:r>
-            <a:endParaRPr b="0" lang="en-US" sz="1800" spc="-1" strike="noStrike">
+            <a:endParaRPr b="0" lang="en-US" sz="2000" spc="-1" strike="noStrike">
               <a:solidFill>
                 <a:srgbClr val="000000"/>
               </a:solidFill>
@@ -20210,7 +20229,7 @@
               <a:buChar char=""/>
             </a:pPr>
             <a:r>
-              <a:rPr b="0" lang="en-US" sz="1800" spc="-1" strike="noStrike">
+              <a:rPr b="0" lang="en-US" sz="2000" spc="-1" strike="noStrike">
                 <a:solidFill>
                   <a:srgbClr val="000000"/>
                 </a:solidFill>
@@ -20218,7 +20237,7 @@
               </a:rPr>
               <a:t>Sixth Outline Level</a:t>
             </a:r>
-            <a:endParaRPr b="0" lang="en-US" sz="1800" spc="-1" strike="noStrike">
+            <a:endParaRPr b="0" lang="en-US" sz="2000" spc="-1" strike="noStrike">
               <a:solidFill>
                 <a:srgbClr val="000000"/>
               </a:solidFill>
@@ -20238,7 +20257,7 @@
               <a:buChar char=""/>
             </a:pPr>
             <a:r>
-              <a:rPr b="0" lang="en-US" sz="1800" spc="-1" strike="noStrike">
+              <a:rPr b="0" lang="en-US" sz="2000" spc="-1" strike="noStrike">
                 <a:solidFill>
                   <a:srgbClr val="000000"/>
                 </a:solidFill>
@@ -20246,7 +20265,7 @@
               </a:rPr>
               <a:t>Seventh Outline Level</a:t>
             </a:r>
-            <a:endParaRPr b="0" lang="en-US" sz="1800" spc="-1" strike="noStrike">
+            <a:endParaRPr b="0" lang="en-US" sz="2000" spc="-1" strike="noStrike">
               <a:solidFill>
                 <a:srgbClr val="000000"/>
               </a:solidFill>
@@ -20308,7 +20327,7 @@
         <p:spPr>
           <a:xfrm>
             <a:off x="723600" y="6432480"/>
-            <a:ext cx="2048760" cy="151920"/>
+            <a:ext cx="2048400" cy="151920"/>
           </a:xfrm>
           <a:prstGeom prst="rect">
             <a:avLst/>
@@ -20365,7 +20384,7 @@
         <p:spPr>
           <a:xfrm>
             <a:off x="9412920" y="6432480"/>
-            <a:ext cx="2048760" cy="151920"/>
+            <a:ext cx="2048400" cy="151920"/>
           </a:xfrm>
           <a:prstGeom prst="rect">
             <a:avLst/>
@@ -20401,7 +20420,7 @@
               </a:rPr>
               <a:t>Page </a:t>
             </a:r>
-            <a:fld id="{684E6576-B488-4C90-A913-E95A38CF0624}" type="slidenum">
+            <a:fld id="{E2900131-BC3B-4C3B-B108-FDE5BF07FA0A}" type="slidenum">
               <a:rPr b="0" lang="en-US" sz="1000" spc="-1" strike="noStrike">
                 <a:solidFill>
                   <a:srgbClr val="787878"/>
@@ -20429,7 +20448,7 @@
         <p:spPr>
           <a:xfrm>
             <a:off x="723600" y="1943640"/>
-            <a:ext cx="559800" cy="3240"/>
+            <a:ext cx="560160" cy="3600"/>
           </a:xfrm>
           <a:prstGeom prst="straightConnector1">
             <a:avLst/>
@@ -20766,7 +20785,7 @@
         <p:spPr>
           <a:xfrm>
             <a:off x="1104480" y="1122480"/>
-            <a:ext cx="9976320" cy="2384280"/>
+            <a:ext cx="9975960" cy="2383920"/>
           </a:xfrm>
           <a:prstGeom prst="rect">
             <a:avLst/>
@@ -20821,7 +20840,7 @@
         <p:spPr>
           <a:xfrm>
             <a:off x="1104480" y="4020840"/>
-            <a:ext cx="9976320" cy="1729080"/>
+            <a:ext cx="9975960" cy="1728720"/>
           </a:xfrm>
           <a:prstGeom prst="rect">
             <a:avLst/>
@@ -20856,6 +20875,35 @@
                 <a:latin typeface="Arial"/>
               </a:rPr>
               <a:t>Presented by Leo Zhang</a:t>
+            </a:r>
+            <a:endParaRPr b="0" lang="en-US" sz="1800" spc="-1" strike="noStrike">
+              <a:solidFill>
+                <a:srgbClr val="000000"/>
+              </a:solidFill>
+              <a:latin typeface="Arial"/>
+            </a:endParaRPr>
+          </a:p>
+          <a:p>
+            <a:pPr indent="0" algn="ctr">
+              <a:lnSpc>
+                <a:spcPct val="150000"/>
+              </a:lnSpc>
+              <a:spcAft>
+                <a:spcPts val="1001"/>
+              </a:spcAft>
+              <a:buNone/>
+              <a:tabLst>
+                <a:tab algn="l" pos="0"/>
+              </a:tabLst>
+            </a:pPr>
+            <a:r>
+              <a:rPr b="0" lang="en-US" sz="1800" spc="-1" strike="noStrike">
+                <a:solidFill>
+                  <a:srgbClr val="000000"/>
+                </a:solidFill>
+                <a:latin typeface="Arial"/>
+              </a:rPr>
+              <a:t>*write citation*</a:t>
             </a:r>
             <a:endParaRPr b="0" lang="en-US" sz="1800" spc="-1" strike="noStrike">
               <a:solidFill>
@@ -20905,7 +20953,7 @@
       </p:grpSpPr>
       <p:sp>
         <p:nvSpPr>
-          <p:cNvPr id="404" name="PlaceHolder 1"/>
+          <p:cNvPr id="401" name="PlaceHolder 1"/>
           <p:cNvSpPr>
             <a:spLocks noGrp="1"/>
           </p:cNvSpPr>
@@ -20915,8 +20963,8 @@
         </p:nvSpPr>
         <p:spPr>
           <a:xfrm>
-            <a:off x="723600" y="497160"/>
-            <a:ext cx="10738080" cy="1101240"/>
+            <a:off x="609120" y="273600"/>
+            <a:ext cx="10968120" cy="1143360"/>
           </a:xfrm>
           <a:prstGeom prst="rect">
             <a:avLst/>
@@ -20947,7 +20995,7 @@
                 </a:solidFill>
                 <a:latin typeface="Arial"/>
               </a:rPr>
-              <a:t>Example walkthrough</a:t>
+              <a:t>Worst Case Example</a:t>
             </a:r>
             <a:endParaRPr b="0" lang="en-US" sz="4400" spc="-1" strike="noStrike">
               <a:solidFill>
@@ -20960,7 +21008,7 @@
       </p:sp>
       <p:sp>
         <p:nvSpPr>
-          <p:cNvPr id="405" name="PlaceHolder 2"/>
+          <p:cNvPr id="402" name="PlaceHolder 2"/>
           <p:cNvSpPr>
             <a:spLocks noGrp="1"/>
           </p:cNvSpPr>
@@ -20970,8 +21018,8 @@
         </p:nvSpPr>
         <p:spPr>
           <a:xfrm>
-            <a:off x="685800" y="1833120"/>
-            <a:ext cx="10819080" cy="4565880"/>
+            <a:off x="609120" y="1604520"/>
+            <a:ext cx="10968120" cy="3975840"/>
           </a:xfrm>
           <a:prstGeom prst="rect">
             <a:avLst/>
@@ -20983,7 +21031,7 @@
         </p:spPr>
         <p:txBody>
           <a:bodyPr lIns="0" rIns="0" tIns="0" bIns="0" anchor="t">
-            <a:normAutofit fontScale="81000"/>
+            <a:normAutofit/>
           </a:bodyPr>
           <a:p>
             <a:pPr marL="432000" indent="0">
@@ -21006,14 +21054,19 @@
             </a:endParaRPr>
           </a:p>
           <a:p>
-            <a:pPr marL="432000" indent="0">
+            <a:pPr marL="432000" indent="-324000">
               <a:lnSpc>
                 <a:spcPct val="100000"/>
               </a:lnSpc>
               <a:spcBef>
                 <a:spcPts val="1417"/>
               </a:spcBef>
-              <a:buNone/>
+              <a:buClr>
+                <a:srgbClr val="ffffff"/>
+              </a:buClr>
+              <a:buSzPct val="45000"/>
+              <a:buFont typeface="Wingdings" charset="2"/>
+              <a:buChar char=""/>
               <a:tabLst>
                 <a:tab algn="l" pos="0"/>
               </a:tabLst>
@@ -21024,22 +21077,86 @@
                   <a:srgbClr val="ffffff"/>
                 </a:solidFill>
                 <a:latin typeface="Arial"/>
-                <a:ea typeface="Source Han Sans CN"/>
-              </a:rPr>
-              <a:t>t = </a:t>
+              </a:rPr>
+              <a:t>T = c c a c c a a e d b a</a:t>
+            </a:r>
+            <a:endParaRPr b="0" lang="en-US" sz="3200" spc="-1" strike="noStrike">
+              <a:solidFill>
+                <a:srgbClr val="ffffff"/>
+              </a:solidFill>
+              <a:latin typeface="Arial"/>
+            </a:endParaRPr>
+          </a:p>
+          <a:p>
+            <a:pPr marL="432000" indent="-324000">
+              <a:lnSpc>
+                <a:spcPct val="100000"/>
+              </a:lnSpc>
+              <a:spcBef>
+                <a:spcPts val="1417"/>
+              </a:spcBef>
+              <a:buClr>
+                <a:srgbClr val="ffffff"/>
+              </a:buClr>
+              <a:buSzPct val="45000"/>
+              <a:buFont typeface="Wingdings" charset="2"/>
+              <a:buChar char=""/>
+              <a:tabLst>
+                <a:tab algn="l" pos="0"/>
+              </a:tabLst>
+            </a:pPr>
+            <a:r>
+              <a:rPr b="0" lang="en-US" sz="3200" spc="-1" strike="noStrike">
+                <a:solidFill>
+                  <a:srgbClr val="ffffff"/>
+                </a:solidFill>
+                <a:latin typeface="Arial"/>
+              </a:rPr>
+              <a:t>P = d b a</a:t>
+            </a:r>
+            <a:endParaRPr b="0" lang="en-US" sz="3200" spc="-1" strike="noStrike">
+              <a:solidFill>
+                <a:srgbClr val="ffffff"/>
+              </a:solidFill>
+              <a:latin typeface="Arial"/>
+            </a:endParaRPr>
+          </a:p>
+          <a:p>
+            <a:pPr marL="432000" indent="-324000">
+              <a:lnSpc>
+                <a:spcPct val="100000"/>
+              </a:lnSpc>
+              <a:spcBef>
+                <a:spcPts val="1417"/>
+              </a:spcBef>
+              <a:buClr>
+                <a:srgbClr val="ffffff"/>
+              </a:buClr>
+              <a:buSzPct val="45000"/>
+              <a:buFont typeface="Wingdings" charset="2"/>
+              <a:buChar char=""/>
+              <a:tabLst>
+                <a:tab algn="l" pos="0"/>
+              </a:tabLst>
+            </a:pPr>
+            <a:r>
+              <a:rPr b="0" lang="en-US" sz="3200" spc="-1" strike="noStrike">
+                <a:solidFill>
+                  <a:srgbClr val="ffffff"/>
+                </a:solidFill>
+                <a:latin typeface="Arial"/>
+              </a:rPr>
+              <a:t>Let our fingerprint function be H(x) = </a:t>
             </a:r>
             <a:r>
               <a:rPr b="0" lang="en-US" sz="3200" spc="-1" strike="noStrike">
                 <a:solidFill>
                   <a:srgbClr val="ffffff"/>
                 </a:solidFill>
-                <a:highlight>
-                  <a:srgbClr val="81d41a"/>
-                </a:highlight>
-                <a:latin typeface="Arial"/>
-                <a:ea typeface="Source Han Sans CN"/>
-              </a:rPr>
-              <a:t>d a b</a:t>
+                <a:latin typeface="DejaVu Sans"/>
+                <a:ea typeface="DejaVu Sans"/>
+              </a:rPr>
+              <a:t>∑</a:t>
             </a:r>
             <a:r>
               <a:rPr b="0" lang="en-US" sz="3200" spc="-1" strike="noStrike">
@@ -21047,9 +21164,9 @@
                   <a:srgbClr val="ffffff"/>
                 </a:solidFill>
                 <a:latin typeface="Arial"/>
-                <a:ea typeface="Source Han Sans CN"/>
-              </a:rPr>
-              <a:t> d a b a e d b a   |   p = d b a</a:t>
+                <a:ea typeface="DejaVu Sans"/>
+              </a:rPr>
+              <a:t> </a:t>
             </a:r>
             <a:endParaRPr b="0" lang="en-US" sz="3200" spc="-1" strike="noStrike">
               <a:solidFill>
@@ -21058,120 +21175,172 @@
               <a:latin typeface="Arial"/>
             </a:endParaRPr>
           </a:p>
-          <a:p>
-            <a:pPr marL="432000" indent="0">
+        </p:txBody>
+      </p:sp>
+      <p:sp>
+        <p:nvSpPr>
+          <p:cNvPr id="403" name=""/>
+          <p:cNvSpPr/>
+          <p:nvPr/>
+        </p:nvSpPr>
+        <p:spPr>
+          <a:xfrm>
+            <a:off x="7543800" y="4114800"/>
+            <a:ext cx="685080" cy="601560"/>
+          </a:xfrm>
+          <a:prstGeom prst="rect">
+            <a:avLst/>
+          </a:prstGeom>
+          <a:noFill/>
+          <a:ln w="0">
+            <a:noFill/>
+          </a:ln>
+        </p:spPr>
+        <p:style>
+          <a:lnRef idx="0"/>
+          <a:fillRef idx="0"/>
+          <a:effectRef idx="0"/>
+          <a:fontRef idx="minor"/>
+        </p:style>
+        <p:txBody>
+          <a:bodyPr lIns="90000" rIns="90000" tIns="45000" bIns="45000" anchor="t">
+            <a:noAutofit/>
+          </a:bodyPr>
+          <a:p>
+            <a:pPr>
               <a:lnSpc>
                 <a:spcPct val="100000"/>
               </a:lnSpc>
-              <a:spcBef>
-                <a:spcPts val="1417"/>
-              </a:spcBef>
-              <a:buNone/>
-              <a:tabLst>
-                <a:tab algn="l" pos="0"/>
-              </a:tabLst>
             </a:pPr>
             <a:r>
-              <a:rPr b="0" lang="en-US" sz="3200" spc="-1" strike="noStrike">
+              <a:rPr b="0" lang="en-US" sz="1800" spc="-1" strike="noStrike">
                 <a:solidFill>
                   <a:srgbClr val="ffffff"/>
                 </a:solidFill>
                 <a:latin typeface="Arial"/>
-                <a:ea typeface="Source Han Sans CN"/>
-              </a:rPr>
-              <a:t>H(p) = 4 + 2 + 1 = 7</a:t>
+                <a:ea typeface="DejaVu Sans"/>
+              </a:rPr>
+              <a:t>i = 1</a:t>
             </a:r>
-            <a:endParaRPr b="0" lang="en-US" sz="3200" spc="-1" strike="noStrike">
+            <a:endParaRPr b="0" lang="en-US" sz="1800" spc="-1" strike="noStrike">
               <a:solidFill>
                 <a:srgbClr val="ffffff"/>
               </a:solidFill>
               <a:latin typeface="Arial"/>
             </a:endParaRPr>
           </a:p>
-          <a:p>
-            <a:pPr marL="432000" indent="0">
+        </p:txBody>
+      </p:sp>
+      <p:sp>
+        <p:nvSpPr>
+          <p:cNvPr id="404" name=""/>
+          <p:cNvSpPr/>
+          <p:nvPr/>
+        </p:nvSpPr>
+        <p:spPr>
+          <a:xfrm>
+            <a:off x="7543800" y="3311280"/>
+            <a:ext cx="456480" cy="345600"/>
+          </a:xfrm>
+          <a:prstGeom prst="rect">
+            <a:avLst/>
+          </a:prstGeom>
+          <a:noFill/>
+          <a:ln w="0">
+            <a:noFill/>
+          </a:ln>
+        </p:spPr>
+        <p:style>
+          <a:lnRef idx="0"/>
+          <a:fillRef idx="0"/>
+          <a:effectRef idx="0"/>
+          <a:fontRef idx="minor"/>
+        </p:style>
+        <p:txBody>
+          <a:bodyPr lIns="90000" rIns="90000" tIns="45000" bIns="45000" anchor="t">
+            <a:noAutofit/>
+          </a:bodyPr>
+          <a:p>
+            <a:pPr algn="ctr">
               <a:lnSpc>
                 <a:spcPct val="100000"/>
               </a:lnSpc>
-              <a:spcBef>
-                <a:spcPts val="1417"/>
-              </a:spcBef>
-              <a:buNone/>
-              <a:tabLst>
-                <a:tab algn="l" pos="0"/>
-              </a:tabLst>
             </a:pPr>
             <a:r>
-              <a:rPr b="0" lang="en-US" sz="3200" spc="-1" strike="noStrike">
+              <a:rPr b="0" lang="en-US" sz="1800" spc="-1" strike="noStrike">
                 <a:solidFill>
                   <a:srgbClr val="ffffff"/>
                 </a:solidFill>
                 <a:latin typeface="Arial"/>
-                <a:ea typeface="Source Han Sans CN"/>
-              </a:rPr>
-              <a:t>H(t[0..2]) = 4 + 1 + 2 = 7</a:t>
+                <a:ea typeface="DejaVu Sans"/>
+              </a:rPr>
+              <a:t>n</a:t>
             </a:r>
-            <a:endParaRPr b="0" lang="en-US" sz="3200" spc="-1" strike="noStrike">
+            <a:endParaRPr b="0" lang="en-US" sz="1800" spc="-1" strike="noStrike">
               <a:solidFill>
                 <a:srgbClr val="ffffff"/>
               </a:solidFill>
               <a:latin typeface="Arial"/>
             </a:endParaRPr>
           </a:p>
-          <a:p>
-            <a:pPr marL="432000" indent="0">
+        </p:txBody>
+      </p:sp>
+      <p:sp>
+        <p:nvSpPr>
+          <p:cNvPr id="405" name=""/>
+          <p:cNvSpPr/>
+          <p:nvPr/>
+        </p:nvSpPr>
+        <p:spPr>
+          <a:xfrm>
+            <a:off x="8001000" y="3657600"/>
+            <a:ext cx="685080" cy="402120"/>
+          </a:xfrm>
+          <a:prstGeom prst="rect">
+            <a:avLst/>
+          </a:prstGeom>
+          <a:noFill/>
+          <a:ln w="0">
+            <a:noFill/>
+          </a:ln>
+        </p:spPr>
+        <p:style>
+          <a:lnRef idx="0"/>
+          <a:fillRef idx="0"/>
+          <a:effectRef idx="0"/>
+          <a:fontRef idx="minor"/>
+        </p:style>
+        <p:txBody>
+          <a:bodyPr lIns="90000" rIns="90000" tIns="45000" bIns="45000" anchor="t">
+            <a:noAutofit/>
+          </a:bodyPr>
+          <a:p>
+            <a:pPr>
               <a:lnSpc>
                 <a:spcPct val="100000"/>
               </a:lnSpc>
-              <a:spcBef>
-                <a:spcPts val="1417"/>
-              </a:spcBef>
-              <a:buNone/>
-              <a:tabLst>
-                <a:tab algn="l" pos="0"/>
-              </a:tabLst>
             </a:pPr>
             <a:r>
-              <a:rPr b="0" lang="en-US" sz="3200" spc="-1" strike="noStrike">
+              <a:rPr b="0" lang="en-US" sz="2200" spc="-1" strike="noStrike">
                 <a:solidFill>
                   <a:srgbClr val="ffffff"/>
                 </a:solidFill>
                 <a:latin typeface="Arial"/>
-                <a:ea typeface="Source Han Sans CN"/>
-              </a:rPr>
-              <a:t>7 = 7</a:t>
+                <a:ea typeface="DejaVu Sans"/>
+              </a:rPr>
+              <a:t>X</a:t>
             </a:r>
-            <a:endParaRPr b="0" lang="en-US" sz="3200" spc="-1" strike="noStrike">
-              <a:solidFill>
-                <a:srgbClr val="ffffff"/>
-              </a:solidFill>
-              <a:latin typeface="Arial"/>
-            </a:endParaRPr>
-          </a:p>
-          <a:p>
-            <a:pPr marL="432000" indent="0">
-              <a:lnSpc>
-                <a:spcPct val="100000"/>
-              </a:lnSpc>
-              <a:spcBef>
-                <a:spcPts val="1417"/>
-              </a:spcBef>
-              <a:buNone/>
-              <a:tabLst>
-                <a:tab algn="l" pos="0"/>
-              </a:tabLst>
-            </a:pPr>
             <a:r>
-              <a:rPr b="0" lang="en-US" sz="3200" spc="-1" strike="noStrike">
+              <a:rPr b="0" lang="en-US" sz="2200" spc="-1" strike="noStrike" baseline="-8000">
                 <a:solidFill>
                   <a:srgbClr val="ffffff"/>
                 </a:solidFill>
-                <a:latin typeface="DejaVu Sans"/>
+                <a:latin typeface="Arial"/>
                 <a:ea typeface="DejaVu Sans"/>
               </a:rPr>
-              <a:t>Yet we can see the patterns are not the same. The algorithm would the proceed to comparing each character one by one to see if the strings is a match. These false positives, or spurious hits, are what induces the worst case runtime of O(mn)</a:t>
+              <a:t>i</a:t>
             </a:r>
-            <a:endParaRPr b="0" lang="en-US" sz="3200" spc="-1" strike="noStrike">
+            <a:endParaRPr b="0" lang="en-US" sz="2200" spc="-1" strike="noStrike">
               <a:solidFill>
                 <a:srgbClr val="ffffff"/>
               </a:solidFill>
@@ -21230,7 +21399,7 @@
         <p:spPr>
           <a:xfrm>
             <a:off x="723600" y="497160"/>
-            <a:ext cx="10738080" cy="1101240"/>
+            <a:ext cx="10737720" cy="1100880"/>
           </a:xfrm>
           <a:prstGeom prst="rect">
             <a:avLst/>
@@ -21285,7 +21454,7 @@
         <p:spPr>
           <a:xfrm>
             <a:off x="685800" y="1833120"/>
-            <a:ext cx="10819080" cy="4565880"/>
+            <a:ext cx="10818720" cy="4565520"/>
           </a:xfrm>
           <a:prstGeom prst="rect">
             <a:avLst/>
@@ -21297,7 +21466,7 @@
         </p:spPr>
         <p:txBody>
           <a:bodyPr lIns="0" rIns="0" tIns="0" bIns="0" anchor="t">
-            <a:normAutofit/>
+            <a:normAutofit fontScale="81000"/>
           </a:bodyPr>
           <a:p>
             <a:pPr marL="432000" indent="0">
@@ -21340,7 +21509,7 @@
                 <a:latin typeface="Arial"/>
                 <a:ea typeface="Source Han Sans CN"/>
               </a:rPr>
-              <a:t>t = d </a:t>
+              <a:t>t = </a:t>
             </a:r>
             <a:r>
               <a:rPr b="0" lang="en-US" sz="3200" spc="-1" strike="noStrike">
@@ -21353,7 +21522,7 @@
                 <a:latin typeface="Arial"/>
                 <a:ea typeface="Source Han Sans CN"/>
               </a:rPr>
-              <a:t>a b d</a:t>
+              <a:t>d a b</a:t>
             </a:r>
             <a:r>
               <a:rPr b="0" lang="en-US" sz="3200" spc="-1" strike="noStrike">
@@ -21363,7 +21532,17 @@
                 <a:latin typeface="Arial"/>
                 <a:ea typeface="Source Han Sans CN"/>
               </a:rPr>
-              <a:t> a b a e d b a   |   p = d b a</a:t>
+              <a:t> d a b a e d b a   |   </a:t>
+            </a:r>
+            <a:r>
+              <a:rPr b="0" lang="en-US" sz="3200" spc="-1" strike="noStrike">
+                <a:solidFill>
+                  <a:srgbClr val="ffffff"/>
+                </a:solidFill>
+                <a:latin typeface="Arial"/>
+                <a:ea typeface="Source Han Sans CN"/>
+              </a:rPr>
+              <a:t>p = d b a</a:t>
             </a:r>
             <a:endParaRPr b="0" lang="en-US" sz="3200" spc="-1" strike="noStrike">
               <a:solidFill>
@@ -21423,7 +21602,177 @@
                 <a:latin typeface="Arial"/>
                 <a:ea typeface="Source Han Sans CN"/>
               </a:rPr>
-              <a:t>H(t[1..3]) = 1 + 2 + 4 = 7</a:t>
+              <a:t>H(t[0..2]) = 4 + 1 + 2 = 7</a:t>
+            </a:r>
+            <a:endParaRPr b="0" lang="en-US" sz="3200" spc="-1" strike="noStrike">
+              <a:solidFill>
+                <a:srgbClr val="ffffff"/>
+              </a:solidFill>
+              <a:latin typeface="Arial"/>
+            </a:endParaRPr>
+          </a:p>
+          <a:p>
+            <a:pPr marL="432000" indent="0">
+              <a:lnSpc>
+                <a:spcPct val="100000"/>
+              </a:lnSpc>
+              <a:spcBef>
+                <a:spcPts val="1417"/>
+              </a:spcBef>
+              <a:buNone/>
+              <a:tabLst>
+                <a:tab algn="l" pos="0"/>
+              </a:tabLst>
+            </a:pPr>
+            <a:r>
+              <a:rPr b="0" lang="en-US" sz="3200" spc="-1" strike="noStrike">
+                <a:solidFill>
+                  <a:srgbClr val="ffffff"/>
+                </a:solidFill>
+                <a:latin typeface="Arial"/>
+                <a:ea typeface="Source Han Sans CN"/>
+              </a:rPr>
+              <a:t>7 = 7</a:t>
+            </a:r>
+            <a:endParaRPr b="0" lang="en-US" sz="3200" spc="-1" strike="noStrike">
+              <a:solidFill>
+                <a:srgbClr val="ffffff"/>
+              </a:solidFill>
+              <a:latin typeface="Arial"/>
+            </a:endParaRPr>
+          </a:p>
+          <a:p>
+            <a:pPr marL="432000" indent="0">
+              <a:lnSpc>
+                <a:spcPct val="100000"/>
+              </a:lnSpc>
+              <a:spcBef>
+                <a:spcPts val="1417"/>
+              </a:spcBef>
+              <a:buNone/>
+              <a:tabLst>
+                <a:tab algn="l" pos="0"/>
+              </a:tabLst>
+            </a:pPr>
+            <a:r>
+              <a:rPr b="0" lang="en-US" sz="3200" spc="-1" strike="noStrike">
+                <a:solidFill>
+                  <a:srgbClr val="ffffff"/>
+                </a:solidFill>
+                <a:latin typeface="DejaVu Sans"/>
+                <a:ea typeface="DejaVu Sans"/>
+              </a:rPr>
+              <a:t>Yet we can see the </a:t>
+            </a:r>
+            <a:r>
+              <a:rPr b="0" lang="en-US" sz="3200" spc="-1" strike="noStrike">
+                <a:solidFill>
+                  <a:srgbClr val="ffffff"/>
+                </a:solidFill>
+                <a:latin typeface="DejaVu Sans"/>
+                <a:ea typeface="DejaVu Sans"/>
+              </a:rPr>
+              <a:t>patterns are not the </a:t>
+            </a:r>
+            <a:r>
+              <a:rPr b="0" lang="en-US" sz="3200" spc="-1" strike="noStrike">
+                <a:solidFill>
+                  <a:srgbClr val="ffffff"/>
+                </a:solidFill>
+                <a:latin typeface="DejaVu Sans"/>
+                <a:ea typeface="DejaVu Sans"/>
+              </a:rPr>
+              <a:t>same. The algorithm </a:t>
+            </a:r>
+            <a:r>
+              <a:rPr b="0" lang="en-US" sz="3200" spc="-1" strike="noStrike">
+                <a:solidFill>
+                  <a:srgbClr val="ffffff"/>
+                </a:solidFill>
+                <a:latin typeface="DejaVu Sans"/>
+                <a:ea typeface="DejaVu Sans"/>
+              </a:rPr>
+              <a:t>would the proceed to </a:t>
+            </a:r>
+            <a:r>
+              <a:rPr b="0" lang="en-US" sz="3200" spc="-1" strike="noStrike">
+                <a:solidFill>
+                  <a:srgbClr val="ffffff"/>
+                </a:solidFill>
+                <a:latin typeface="DejaVu Sans"/>
+                <a:ea typeface="DejaVu Sans"/>
+              </a:rPr>
+              <a:t>comparing each </a:t>
+            </a:r>
+            <a:r>
+              <a:rPr b="0" lang="en-US" sz="3200" spc="-1" strike="noStrike">
+                <a:solidFill>
+                  <a:srgbClr val="ffffff"/>
+                </a:solidFill>
+                <a:latin typeface="DejaVu Sans"/>
+                <a:ea typeface="DejaVu Sans"/>
+              </a:rPr>
+              <a:t>character one by one to </a:t>
+            </a:r>
+            <a:r>
+              <a:rPr b="0" lang="en-US" sz="3200" spc="-1" strike="noStrike">
+                <a:solidFill>
+                  <a:srgbClr val="ffffff"/>
+                </a:solidFill>
+                <a:latin typeface="DejaVu Sans"/>
+                <a:ea typeface="DejaVu Sans"/>
+              </a:rPr>
+              <a:t>see if the strings is a </a:t>
+            </a:r>
+            <a:r>
+              <a:rPr b="0" lang="en-US" sz="3200" spc="-1" strike="noStrike">
+                <a:solidFill>
+                  <a:srgbClr val="ffffff"/>
+                </a:solidFill>
+                <a:latin typeface="DejaVu Sans"/>
+                <a:ea typeface="DejaVu Sans"/>
+              </a:rPr>
+              <a:t>match. These false </a:t>
+            </a:r>
+            <a:r>
+              <a:rPr b="0" lang="en-US" sz="3200" spc="-1" strike="noStrike">
+                <a:solidFill>
+                  <a:srgbClr val="ffffff"/>
+                </a:solidFill>
+                <a:latin typeface="DejaVu Sans"/>
+                <a:ea typeface="DejaVu Sans"/>
+              </a:rPr>
+              <a:t>positives, or spurious </a:t>
+            </a:r>
+            <a:r>
+              <a:rPr b="0" lang="en-US" sz="3200" spc="-1" strike="noStrike">
+                <a:solidFill>
+                  <a:srgbClr val="ffffff"/>
+                </a:solidFill>
+                <a:latin typeface="DejaVu Sans"/>
+                <a:ea typeface="DejaVu Sans"/>
+              </a:rPr>
+              <a:t>hits, are what induces </a:t>
+            </a:r>
+            <a:r>
+              <a:rPr b="0" lang="en-US" sz="3200" spc="-1" strike="noStrike">
+                <a:solidFill>
+                  <a:srgbClr val="ffffff"/>
+                </a:solidFill>
+                <a:latin typeface="DejaVu Sans"/>
+                <a:ea typeface="DejaVu Sans"/>
+              </a:rPr>
+              <a:t>the worst case runtime </a:t>
+            </a:r>
+            <a:r>
+              <a:rPr b="0" lang="en-US" sz="3200" spc="-1" strike="noStrike">
+                <a:solidFill>
+                  <a:srgbClr val="ffffff"/>
+                </a:solidFill>
+                <a:latin typeface="DejaVu Sans"/>
+                <a:ea typeface="DejaVu Sans"/>
+              </a:rPr>
+              <a:t>of O(mn)</a:t>
             </a:r>
             <a:endParaRPr b="0" lang="en-US" sz="3200" spc="-1" strike="noStrike">
               <a:solidFill>
@@ -21484,7 +21833,7 @@
         <p:spPr>
           <a:xfrm>
             <a:off x="723600" y="497160"/>
-            <a:ext cx="10738080" cy="1101240"/>
+            <a:ext cx="10737720" cy="1100880"/>
           </a:xfrm>
           <a:prstGeom prst="rect">
             <a:avLst/>
@@ -21538,8 +21887,8 @@
         </p:nvSpPr>
         <p:spPr>
           <a:xfrm>
-            <a:off x="685800" y="1834560"/>
-            <a:ext cx="10819080" cy="4565880"/>
+            <a:off x="685800" y="1833120"/>
+            <a:ext cx="10818720" cy="4565520"/>
           </a:xfrm>
           <a:prstGeom prst="rect">
             <a:avLst/>
@@ -21594,7 +21943,7 @@
                 <a:latin typeface="Arial"/>
                 <a:ea typeface="Source Han Sans CN"/>
               </a:rPr>
-              <a:t>t = d a </a:t>
+              <a:t>t = d </a:t>
             </a:r>
             <a:r>
               <a:rPr b="0" lang="en-US" sz="3200" spc="-1" strike="noStrike">
@@ -21607,7 +21956,7 @@
                 <a:latin typeface="Arial"/>
                 <a:ea typeface="Source Han Sans CN"/>
               </a:rPr>
-              <a:t>b d a</a:t>
+              <a:t>a b d</a:t>
             </a:r>
             <a:r>
               <a:rPr b="0" lang="en-US" sz="3200" spc="-1" strike="noStrike">
@@ -21617,7 +21966,7 @@
                 <a:latin typeface="Arial"/>
                 <a:ea typeface="Source Han Sans CN"/>
               </a:rPr>
-              <a:t> b a e d b a   |   p = d b a</a:t>
+              <a:t> a b a e d b a   |   p = d b a</a:t>
             </a:r>
             <a:endParaRPr b="0" lang="en-US" sz="3200" spc="-1" strike="noStrike">
               <a:solidFill>
@@ -21677,7 +22026,7 @@
                 <a:latin typeface="Arial"/>
                 <a:ea typeface="Source Han Sans CN"/>
               </a:rPr>
-              <a:t>H(t[2..4]) = 2 + 4 + 1 = 7</a:t>
+              <a:t>H(t[1..3]) = 1 + 2 + 4 = 7</a:t>
             </a:r>
             <a:endParaRPr b="0" lang="en-US" sz="3200" spc="-1" strike="noStrike">
               <a:solidFill>
@@ -21738,7 +22087,7 @@
         <p:spPr>
           <a:xfrm>
             <a:off x="723600" y="497160"/>
-            <a:ext cx="10738080" cy="1101240"/>
+            <a:ext cx="10737720" cy="1100880"/>
           </a:xfrm>
           <a:prstGeom prst="rect">
             <a:avLst/>
@@ -21793,7 +22142,7 @@
         <p:spPr>
           <a:xfrm>
             <a:off x="685800" y="1834560"/>
-            <a:ext cx="10819080" cy="4565880"/>
+            <a:ext cx="10818720" cy="4565520"/>
           </a:xfrm>
           <a:prstGeom prst="rect">
             <a:avLst/>
@@ -21848,7 +22197,7 @@
                 <a:latin typeface="Arial"/>
                 <a:ea typeface="Source Han Sans CN"/>
               </a:rPr>
-              <a:t>t = d a b </a:t>
+              <a:t>t = d a </a:t>
             </a:r>
             <a:r>
               <a:rPr b="0" lang="en-US" sz="3200" spc="-1" strike="noStrike">
@@ -21861,7 +22210,7 @@
                 <a:latin typeface="Arial"/>
                 <a:ea typeface="Source Han Sans CN"/>
               </a:rPr>
-              <a:t>d a b</a:t>
+              <a:t>b d a</a:t>
             </a:r>
             <a:r>
               <a:rPr b="0" lang="en-US" sz="3200" spc="-1" strike="noStrike">
@@ -21871,7 +22220,7 @@
                 <a:latin typeface="Arial"/>
                 <a:ea typeface="Source Han Sans CN"/>
               </a:rPr>
-              <a:t> a e d b a   |   p = d b a</a:t>
+              <a:t> b a e d b a   |   p = d b a</a:t>
             </a:r>
             <a:endParaRPr b="0" lang="en-US" sz="3200" spc="-1" strike="noStrike">
               <a:solidFill>
@@ -21931,7 +22280,7 @@
                 <a:latin typeface="Arial"/>
                 <a:ea typeface="Source Han Sans CN"/>
               </a:rPr>
-              <a:t>H(t[3..5]) = 4 + 1 + 2 = 7</a:t>
+              <a:t>H(t[2..4]) = 2 + 4 + 1 = 7</a:t>
             </a:r>
             <a:endParaRPr b="0" lang="en-US" sz="3200" spc="-1" strike="noStrike">
               <a:solidFill>
@@ -21992,7 +22341,7 @@
         <p:spPr>
           <a:xfrm>
             <a:off x="723600" y="497160"/>
-            <a:ext cx="10738080" cy="1101240"/>
+            <a:ext cx="10737720" cy="1100880"/>
           </a:xfrm>
           <a:prstGeom prst="rect">
             <a:avLst/>
@@ -22047,7 +22396,7 @@
         <p:spPr>
           <a:xfrm>
             <a:off x="685800" y="1834560"/>
-            <a:ext cx="10819080" cy="4565880"/>
+            <a:ext cx="10818720" cy="4565520"/>
           </a:xfrm>
           <a:prstGeom prst="rect">
             <a:avLst/>
@@ -22102,7 +22451,7 @@
                 <a:latin typeface="Arial"/>
                 <a:ea typeface="Source Han Sans CN"/>
               </a:rPr>
-              <a:t>t = d a b d a b a e </a:t>
+              <a:t>t = d a b </a:t>
             </a:r>
             <a:r>
               <a:rPr b="0" lang="en-US" sz="3200" spc="-1" strike="noStrike">
@@ -22115,7 +22464,7 @@
                 <a:latin typeface="Arial"/>
                 <a:ea typeface="Source Han Sans CN"/>
               </a:rPr>
-              <a:t>d b a</a:t>
+              <a:t>d a b</a:t>
             </a:r>
             <a:r>
               <a:rPr b="0" lang="en-US" sz="3200" spc="-1" strike="noStrike">
@@ -22125,7 +22474,7 @@
                 <a:latin typeface="Arial"/>
                 <a:ea typeface="Source Han Sans CN"/>
               </a:rPr>
-              <a:t>   |   p = d b a</a:t>
+              <a:t> a e d b a   |   p = d b a</a:t>
             </a:r>
             <a:endParaRPr b="0" lang="en-US" sz="3200" spc="-1" strike="noStrike">
               <a:solidFill>
@@ -22185,37 +22534,7 @@
                 <a:latin typeface="Arial"/>
                 <a:ea typeface="Source Han Sans CN"/>
               </a:rPr>
-              <a:t>H(t[8..10]) = 4 + 2 + 1 = 7</a:t>
-            </a:r>
-            <a:endParaRPr b="0" lang="en-US" sz="3200" spc="-1" strike="noStrike">
-              <a:solidFill>
-                <a:srgbClr val="ffffff"/>
-              </a:solidFill>
-              <a:latin typeface="Arial"/>
-            </a:endParaRPr>
-          </a:p>
-          <a:p>
-            <a:pPr marL="432000" indent="0">
-              <a:lnSpc>
-                <a:spcPct val="100000"/>
-              </a:lnSpc>
-              <a:spcBef>
-                <a:spcPts val="1417"/>
-              </a:spcBef>
-              <a:buNone/>
-              <a:tabLst>
-                <a:tab algn="l" pos="0"/>
-              </a:tabLst>
-            </a:pPr>
-            <a:r>
-              <a:rPr b="0" lang="en-US" sz="3200" spc="-1" strike="noStrike">
-                <a:solidFill>
-                  <a:srgbClr val="ffffff"/>
-                </a:solidFill>
-                <a:latin typeface="Arial"/>
-                <a:ea typeface="Source Han Sans CN"/>
-              </a:rPr>
-              <a:t>Finally an actual match</a:t>
+              <a:t>H(t[3..5]) = 4 + 1 + 2 = 7</a:t>
             </a:r>
             <a:endParaRPr b="0" lang="en-US" sz="3200" spc="-1" strike="noStrike">
               <a:solidFill>
@@ -22275,8 +22594,8 @@
         </p:nvSpPr>
         <p:spPr>
           <a:xfrm>
-            <a:off x="609120" y="273600"/>
-            <a:ext cx="10968840" cy="1144080"/>
+            <a:off x="723600" y="497160"/>
+            <a:ext cx="10737720" cy="1100880"/>
           </a:xfrm>
           <a:prstGeom prst="rect">
             <a:avLst/>
@@ -22307,7 +22626,7 @@
                 </a:solidFill>
                 <a:latin typeface="Arial"/>
               </a:rPr>
-              <a:t>Hash Function Pseudocode</a:t>
+              <a:t>Example walkthrough</a:t>
             </a:r>
             <a:endParaRPr b="0" lang="en-US" sz="4400" spc="-1" strike="noStrike">
               <a:solidFill>
@@ -22318,29 +22637,198 @@
           </a:p>
         </p:txBody>
       </p:sp>
-      <p:pic>
-        <p:nvPicPr>
-          <p:cNvPr id="415" name="" descr=""/>
-          <p:cNvPicPr/>
-          <p:nvPr/>
-        </p:nvPicPr>
-        <p:blipFill>
-          <a:blip r:embed="rId1"/>
-          <a:stretch/>
-        </p:blipFill>
-        <p:spPr>
-          <a:xfrm>
-            <a:off x="2743200" y="1418400"/>
-            <a:ext cx="6613560" cy="4805640"/>
-          </a:xfrm>
-          <a:prstGeom prst="rect">
-            <a:avLst/>
-          </a:prstGeom>
-          <a:ln w="0">
-            <a:noFill/>
-          </a:ln>
-        </p:spPr>
-      </p:pic>
+      <p:sp>
+        <p:nvSpPr>
+          <p:cNvPr id="415" name="PlaceHolder 2"/>
+          <p:cNvSpPr>
+            <a:spLocks noGrp="1"/>
+          </p:cNvSpPr>
+          <p:nvPr>
+            <p:ph/>
+          </p:nvPr>
+        </p:nvSpPr>
+        <p:spPr>
+          <a:xfrm>
+            <a:off x="685800" y="1834560"/>
+            <a:ext cx="10818720" cy="4565520"/>
+          </a:xfrm>
+          <a:prstGeom prst="rect">
+            <a:avLst/>
+          </a:prstGeom>
+          <a:noFill/>
+          <a:ln w="0">
+            <a:noFill/>
+          </a:ln>
+        </p:spPr>
+        <p:txBody>
+          <a:bodyPr lIns="0" rIns="0" tIns="0" bIns="0" anchor="t">
+            <a:normAutofit/>
+          </a:bodyPr>
+          <a:p>
+            <a:pPr marL="432000" indent="0">
+              <a:lnSpc>
+                <a:spcPct val="100000"/>
+              </a:lnSpc>
+              <a:spcBef>
+                <a:spcPts val="1417"/>
+              </a:spcBef>
+              <a:buNone/>
+              <a:tabLst>
+                <a:tab algn="l" pos="0"/>
+              </a:tabLst>
+            </a:pPr>
+            <a:endParaRPr b="0" lang="en-US" sz="3200" spc="-1" strike="noStrike">
+              <a:solidFill>
+                <a:srgbClr val="ffffff"/>
+              </a:solidFill>
+              <a:latin typeface="Arial"/>
+            </a:endParaRPr>
+          </a:p>
+          <a:p>
+            <a:pPr marL="432000" indent="0">
+              <a:lnSpc>
+                <a:spcPct val="100000"/>
+              </a:lnSpc>
+              <a:spcBef>
+                <a:spcPts val="1417"/>
+              </a:spcBef>
+              <a:buNone/>
+              <a:tabLst>
+                <a:tab algn="l" pos="0"/>
+              </a:tabLst>
+            </a:pPr>
+            <a:r>
+              <a:rPr b="0" lang="en-US" sz="3200" spc="-1" strike="noStrike">
+                <a:solidFill>
+                  <a:srgbClr val="ffffff"/>
+                </a:solidFill>
+                <a:latin typeface="Arial"/>
+                <a:ea typeface="Source Han Sans CN"/>
+              </a:rPr>
+              <a:t>t = d a b d a b a e </a:t>
+            </a:r>
+            <a:r>
+              <a:rPr b="0" lang="en-US" sz="3200" spc="-1" strike="noStrike">
+                <a:solidFill>
+                  <a:srgbClr val="ffffff"/>
+                </a:solidFill>
+                <a:highlight>
+                  <a:srgbClr val="81d41a"/>
+                </a:highlight>
+                <a:latin typeface="Arial"/>
+                <a:ea typeface="Source Han Sans CN"/>
+              </a:rPr>
+              <a:t>d b a</a:t>
+            </a:r>
+            <a:r>
+              <a:rPr b="0" lang="en-US" sz="3200" spc="-1" strike="noStrike">
+                <a:solidFill>
+                  <a:srgbClr val="ffffff"/>
+                </a:solidFill>
+                <a:latin typeface="Arial"/>
+                <a:ea typeface="Source Han Sans CN"/>
+              </a:rPr>
+              <a:t>   |   p = d b a</a:t>
+            </a:r>
+            <a:endParaRPr b="0" lang="en-US" sz="3200" spc="-1" strike="noStrike">
+              <a:solidFill>
+                <a:srgbClr val="ffffff"/>
+              </a:solidFill>
+              <a:latin typeface="Arial"/>
+            </a:endParaRPr>
+          </a:p>
+          <a:p>
+            <a:pPr marL="432000" indent="0">
+              <a:lnSpc>
+                <a:spcPct val="100000"/>
+              </a:lnSpc>
+              <a:spcBef>
+                <a:spcPts val="1417"/>
+              </a:spcBef>
+              <a:buNone/>
+              <a:tabLst>
+                <a:tab algn="l" pos="0"/>
+              </a:tabLst>
+            </a:pPr>
+            <a:r>
+              <a:rPr b="0" lang="en-US" sz="3200" spc="-1" strike="noStrike">
+                <a:solidFill>
+                  <a:srgbClr val="ffffff"/>
+                </a:solidFill>
+                <a:latin typeface="Arial"/>
+                <a:ea typeface="Source Han Sans CN"/>
+              </a:rPr>
+              <a:t>H(p) = 4 + 2 + 1 = 7</a:t>
+            </a:r>
+            <a:endParaRPr b="0" lang="en-US" sz="3200" spc="-1" strike="noStrike">
+              <a:solidFill>
+                <a:srgbClr val="ffffff"/>
+              </a:solidFill>
+              <a:latin typeface="Arial"/>
+            </a:endParaRPr>
+          </a:p>
+          <a:p>
+            <a:pPr marL="432000" indent="0">
+              <a:lnSpc>
+                <a:spcPct val="100000"/>
+              </a:lnSpc>
+              <a:spcBef>
+                <a:spcPts val="1417"/>
+              </a:spcBef>
+              <a:buNone/>
+              <a:tabLst>
+                <a:tab algn="l" pos="0"/>
+              </a:tabLst>
+            </a:pPr>
+            <a:r>
+              <a:rPr b="0" lang="en-US" sz="3200" spc="-1" strike="noStrike">
+                <a:solidFill>
+                  <a:srgbClr val="ffffff"/>
+                </a:solidFill>
+                <a:latin typeface="Arial"/>
+                <a:ea typeface="Source Han Sans CN"/>
+              </a:rPr>
+              <a:t>H(t[8..10]) = 4 + 2 + 1 = 7</a:t>
+            </a:r>
+            <a:endParaRPr b="0" lang="en-US" sz="3200" spc="-1" strike="noStrike">
+              <a:solidFill>
+                <a:srgbClr val="ffffff"/>
+              </a:solidFill>
+              <a:latin typeface="Arial"/>
+            </a:endParaRPr>
+          </a:p>
+          <a:p>
+            <a:pPr marL="432000" indent="0">
+              <a:lnSpc>
+                <a:spcPct val="100000"/>
+              </a:lnSpc>
+              <a:spcBef>
+                <a:spcPts val="1417"/>
+              </a:spcBef>
+              <a:buNone/>
+              <a:tabLst>
+                <a:tab algn="l" pos="0"/>
+              </a:tabLst>
+            </a:pPr>
+            <a:r>
+              <a:rPr b="0" lang="en-US" sz="3200" spc="-1" strike="noStrike">
+                <a:solidFill>
+                  <a:srgbClr val="ffffff"/>
+                </a:solidFill>
+                <a:latin typeface="Arial"/>
+                <a:ea typeface="Source Han Sans CN"/>
+              </a:rPr>
+              <a:t>Finally an actual match</a:t>
+            </a:r>
+            <a:endParaRPr b="0" lang="en-US" sz="3200" spc="-1" strike="noStrike">
+              <a:solidFill>
+                <a:srgbClr val="ffffff"/>
+              </a:solidFill>
+              <a:latin typeface="Arial"/>
+            </a:endParaRPr>
+          </a:p>
+        </p:txBody>
+      </p:sp>
     </p:spTree>
   </p:cSld>
   <mc:AlternateContent>
@@ -22391,7 +22879,7 @@
         <p:spPr>
           <a:xfrm>
             <a:off x="609120" y="273600"/>
-            <a:ext cx="10968840" cy="1144080"/>
+            <a:ext cx="10968480" cy="1143720"/>
           </a:xfrm>
           <a:prstGeom prst="rect">
             <a:avLst/>
@@ -22422,7 +22910,7 @@
                 </a:solidFill>
                 <a:latin typeface="Arial"/>
               </a:rPr>
-              <a:t>Rabin-Karp Pseudocode</a:t>
+              <a:t>Hash Function Pseudocode</a:t>
             </a:r>
             <a:endParaRPr b="0" lang="en-US" sz="4400" spc="-1" strike="noStrike">
               <a:solidFill>
@@ -22445,8 +22933,8 @@
         </p:blipFill>
         <p:spPr>
           <a:xfrm>
-            <a:off x="2446560" y="1188720"/>
-            <a:ext cx="7061760" cy="5439960"/>
+            <a:off x="2743200" y="1418400"/>
+            <a:ext cx="6613200" cy="4805280"/>
           </a:xfrm>
           <a:prstGeom prst="rect">
             <a:avLst/>
@@ -22506,7 +22994,7 @@
         <p:spPr>
           <a:xfrm>
             <a:off x="609120" y="273600"/>
-            <a:ext cx="10969200" cy="1144440"/>
+            <a:ext cx="10968480" cy="1143720"/>
           </a:xfrm>
           <a:prstGeom prst="rect">
             <a:avLst/>
@@ -22537,7 +23025,7 @@
                 </a:solidFill>
                 <a:latin typeface="Arial"/>
               </a:rPr>
-              <a:t>Why this algorithm is at least a level 3</a:t>
+              <a:t>Rabin-Karp Pseudocode</a:t>
             </a:r>
             <a:endParaRPr b="0" lang="en-US" sz="4400" spc="-1" strike="noStrike">
               <a:solidFill>
@@ -22548,123 +23036,29 @@
           </a:p>
         </p:txBody>
       </p:sp>
-      <p:sp>
-        <p:nvSpPr>
-          <p:cNvPr id="419" name="PlaceHolder 2"/>
-          <p:cNvSpPr>
-            <a:spLocks noGrp="1"/>
-          </p:cNvSpPr>
-          <p:nvPr>
-            <p:ph/>
-          </p:nvPr>
-        </p:nvSpPr>
-        <p:spPr>
-          <a:xfrm>
-            <a:off x="609120" y="1604520"/>
-            <a:ext cx="10969200" cy="3976920"/>
-          </a:xfrm>
-          <a:prstGeom prst="rect">
-            <a:avLst/>
-          </a:prstGeom>
-          <a:noFill/>
-          <a:ln w="0">
-            <a:noFill/>
-          </a:ln>
-        </p:spPr>
-        <p:txBody>
-          <a:bodyPr lIns="0" rIns="0" tIns="0" bIns="0" anchor="t">
-            <a:normAutofit/>
-          </a:bodyPr>
-          <a:p>
-            <a:pPr marL="432000" indent="0">
-              <a:lnSpc>
-                <a:spcPct val="100000"/>
-              </a:lnSpc>
-              <a:spcBef>
-                <a:spcPts val="1417"/>
-              </a:spcBef>
-              <a:buNone/>
-              <a:tabLst>
-                <a:tab algn="l" pos="0"/>
-              </a:tabLst>
-            </a:pPr>
-            <a:endParaRPr b="0" lang="en-US" sz="3200" spc="-1" strike="noStrike">
-              <a:solidFill>
-                <a:srgbClr val="ffffff"/>
-              </a:solidFill>
-              <a:latin typeface="Arial"/>
-            </a:endParaRPr>
-          </a:p>
-          <a:p>
-            <a:pPr marL="432000" indent="-324000">
-              <a:lnSpc>
-                <a:spcPct val="100000"/>
-              </a:lnSpc>
-              <a:spcBef>
-                <a:spcPts val="1417"/>
-              </a:spcBef>
-              <a:buClr>
-                <a:srgbClr val="ffffff"/>
-              </a:buClr>
-              <a:buSzPct val="45000"/>
-              <a:buFont typeface="Wingdings" charset="2"/>
-              <a:buChar char=""/>
-              <a:tabLst>
-                <a:tab algn="l" pos="0"/>
-              </a:tabLst>
-            </a:pPr>
-            <a:r>
-              <a:rPr b="0" lang="en-US" sz="3200" spc="-1" strike="noStrike">
-                <a:solidFill>
-                  <a:srgbClr val="ffffff"/>
-                </a:solidFill>
-                <a:latin typeface="Arial"/>
-              </a:rPr>
-              <a:t>The algorithm is uses constant space while also having a linear runtime, on average</a:t>
-            </a:r>
-            <a:endParaRPr b="0" lang="en-US" sz="3200" spc="-1" strike="noStrike">
-              <a:solidFill>
-                <a:srgbClr val="ffffff"/>
-              </a:solidFill>
-              <a:latin typeface="Arial"/>
-            </a:endParaRPr>
-          </a:p>
-          <a:p>
-            <a:pPr marL="432000" indent="-324000">
-              <a:lnSpc>
-                <a:spcPct val="100000"/>
-              </a:lnSpc>
-              <a:spcBef>
-                <a:spcPts val="1417"/>
-              </a:spcBef>
-              <a:buClr>
-                <a:srgbClr val="ffffff"/>
-              </a:buClr>
-              <a:buSzPct val="45000"/>
-              <a:buFont typeface="Wingdings" charset="2"/>
-              <a:buChar char=""/>
-              <a:tabLst>
-                <a:tab algn="l" pos="0"/>
-              </a:tabLst>
-            </a:pPr>
-            <a:r>
-              <a:rPr b="0" lang="en-US" sz="3200" spc="-1" strike="noStrike">
-                <a:solidFill>
-                  <a:srgbClr val="ffffff"/>
-                </a:solidFill>
-                <a:latin typeface="Arial"/>
-              </a:rPr>
-              <a:t>The algorithm is the most space efficient among KMP and Boyer-Moore string matching algorithms as it does not need a helper array.</a:t>
-            </a:r>
-            <a:endParaRPr b="0" lang="en-US" sz="3200" spc="-1" strike="noStrike">
-              <a:solidFill>
-                <a:srgbClr val="ffffff"/>
-              </a:solidFill>
-              <a:latin typeface="Arial"/>
-            </a:endParaRPr>
-          </a:p>
-        </p:txBody>
-      </p:sp>
+      <p:pic>
+        <p:nvPicPr>
+          <p:cNvPr id="419" name="" descr=""/>
+          <p:cNvPicPr/>
+          <p:nvPr/>
+        </p:nvPicPr>
+        <p:blipFill>
+          <a:blip r:embed="rId1"/>
+          <a:stretch/>
+        </p:blipFill>
+        <p:spPr>
+          <a:xfrm>
+            <a:off x="2446560" y="1188720"/>
+            <a:ext cx="7061400" cy="5439600"/>
+          </a:xfrm>
+          <a:prstGeom prst="rect">
+            <a:avLst/>
+          </a:prstGeom>
+          <a:ln w="0">
+            <a:noFill/>
+          </a:ln>
+        </p:spPr>
+      </p:pic>
     </p:spTree>
   </p:cSld>
   <mc:AlternateContent>
@@ -22714,19 +23108,19 @@
         </p:nvSpPr>
         <p:spPr>
           <a:xfrm>
-            <a:off x="723600" y="723960"/>
-            <a:ext cx="10738080" cy="1101240"/>
-          </a:xfrm>
-          <a:prstGeom prst="rect">
-            <a:avLst/>
-          </a:prstGeom>
-          <a:noFill/>
-          <a:ln w="0">
-            <a:noFill/>
-          </a:ln>
-        </p:spPr>
-        <p:txBody>
-          <a:bodyPr lIns="0" rIns="0" tIns="0" bIns="0" anchor="b">
+            <a:off x="609120" y="273600"/>
+            <a:ext cx="10968840" cy="1144080"/>
+          </a:xfrm>
+          <a:prstGeom prst="rect">
+            <a:avLst/>
+          </a:prstGeom>
+          <a:noFill/>
+          <a:ln w="0">
+            <a:noFill/>
+          </a:ln>
+        </p:spPr>
+        <p:txBody>
+          <a:bodyPr lIns="0" rIns="0" tIns="0" bIns="0" anchor="ctr">
             <a:noAutofit/>
           </a:bodyPr>
           <a:p>
@@ -22740,15 +23134,15 @@
               </a:tabLst>
             </a:pPr>
             <a:r>
-              <a:rPr b="1" lang="en-US" sz="2400" spc="-1" strike="noStrike">
+              <a:rPr b="0" lang="en-US" sz="4400" spc="-1" strike="noStrike">
                 <a:solidFill>
                   <a:srgbClr val="ffffff"/>
                 </a:solidFill>
-                <a:latin typeface="Arial Black"/>
-              </a:rPr>
-              <a:t>References</a:t>
+                <a:latin typeface="Arial"/>
+              </a:rPr>
+              <a:t>Why this algorithm is at least a level 3</a:t>
             </a:r>
-            <a:endParaRPr b="0" lang="en-US" sz="2400" spc="-1" strike="noStrike">
+            <a:endParaRPr b="0" lang="en-US" sz="4400" spc="-1" strike="noStrike">
               <a:solidFill>
                 <a:srgbClr val="ffffff"/>
               </a:solidFill>
@@ -22769,8 +23163,8 @@
         </p:nvSpPr>
         <p:spPr>
           <a:xfrm>
-            <a:off x="723600" y="2342520"/>
-            <a:ext cx="10738080" cy="3750480"/>
+            <a:off x="609120" y="1604520"/>
+            <a:ext cx="10968840" cy="3976560"/>
           </a:xfrm>
           <a:prstGeom prst="rect">
             <a:avLst/>
@@ -22782,31 +23176,22 @@
         </p:spPr>
         <p:txBody>
           <a:bodyPr lIns="0" rIns="0" tIns="0" bIns="0" anchor="t">
-            <a:noAutofit/>
-          </a:bodyPr>
-          <a:p>
-            <a:pPr indent="0">
+            <a:normAutofit/>
+          </a:bodyPr>
+          <a:p>
+            <a:pPr marL="432000" indent="0">
               <a:lnSpc>
-                <a:spcPct val="150000"/>
+                <a:spcPct val="100000"/>
               </a:lnSpc>
-              <a:spcAft>
-                <a:spcPts val="1001"/>
-              </a:spcAft>
+              <a:spcBef>
+                <a:spcPts val="1417"/>
+              </a:spcBef>
               <a:buNone/>
               <a:tabLst>
                 <a:tab algn="l" pos="0"/>
               </a:tabLst>
             </a:pPr>
-            <a:r>
-              <a:rPr b="0" lang="en-US" sz="1800" spc="-1" strike="noStrike">
-                <a:solidFill>
-                  <a:srgbClr val="ffffff"/>
-                </a:solidFill>
-                <a:latin typeface="Arial"/>
-              </a:rPr>
-              <a:t>- R. M. Karp and M. O. Rabin, "Efficient randomized pattern-matching algorithms," in IBM Journal of Research and Development, vol. 31, no. 2, pp. 249-260, March 1987, doi: 10.1147/rd.312.0249.</a:t>
-            </a:r>
-            <a:endParaRPr b="0" lang="en-US" sz="1800" spc="-1" strike="noStrike">
+            <a:endParaRPr b="0" lang="en-US" sz="3200" spc="-1" strike="noStrike">
               <a:solidFill>
                 <a:srgbClr val="ffffff"/>
               </a:solidFill>
@@ -22814,19 +23199,67 @@
             </a:endParaRPr>
           </a:p>
           <a:p>
-            <a:pPr indent="0">
+            <a:pPr marL="432000" indent="-324000">
               <a:lnSpc>
-                <a:spcPct val="150000"/>
+                <a:spcPct val="100000"/>
               </a:lnSpc>
-              <a:spcAft>
-                <a:spcPts val="1001"/>
-              </a:spcAft>
-              <a:buNone/>
+              <a:spcBef>
+                <a:spcPts val="1417"/>
+              </a:spcBef>
+              <a:buClr>
+                <a:srgbClr val="ffffff"/>
+              </a:buClr>
+              <a:buSzPct val="45000"/>
+              <a:buFont typeface="Wingdings" charset="2"/>
+              <a:buChar char=""/>
               <a:tabLst>
                 <a:tab algn="l" pos="0"/>
               </a:tabLst>
             </a:pPr>
-            <a:endParaRPr b="0" lang="en-US" sz="1800" spc="-1" strike="noStrike">
+            <a:r>
+              <a:rPr b="0" lang="en-US" sz="3200" spc="-1" strike="noStrike">
+                <a:solidFill>
+                  <a:srgbClr val="ffffff"/>
+                </a:solidFill>
+                <a:latin typeface="Arial"/>
+              </a:rPr>
+              <a:t>The algorithm is uses constant space while also having a linear runtime, on average</a:t>
+            </a:r>
+            <a:endParaRPr b="0" lang="en-US" sz="3200" spc="-1" strike="noStrike">
+              <a:solidFill>
+                <a:srgbClr val="ffffff"/>
+              </a:solidFill>
+              <a:latin typeface="Arial"/>
+            </a:endParaRPr>
+          </a:p>
+          <a:p>
+            <a:pPr marL="432000" indent="-324000">
+              <a:lnSpc>
+                <a:spcPct val="100000"/>
+              </a:lnSpc>
+              <a:spcBef>
+                <a:spcPts val="1417"/>
+              </a:spcBef>
+              <a:buClr>
+                <a:srgbClr val="ffffff"/>
+              </a:buClr>
+              <a:buSzPct val="45000"/>
+              <a:buFont typeface="Wingdings" charset="2"/>
+              <a:buChar char=""/>
+              <a:tabLst>
+                <a:tab algn="l" pos="0"/>
+              </a:tabLst>
+            </a:pPr>
+            <a:r>
+              <a:rPr b="0" lang="en-US" sz="3200" spc="-1" strike="noStrike">
+                <a:solidFill>
+                  <a:srgbClr val="ffffff"/>
+                </a:solidFill>
+                <a:latin typeface="Arial"/>
+              </a:rPr>
+              <a:t>The algorithm is the most space efficient among KMP and Boyer-Moore string matching algorithms as it does not need a helper array.</a:t>
+            </a:r>
+            <a:endParaRPr b="0" lang="en-US" sz="3200" spc="-1" strike="noStrike">
               <a:solidFill>
                 <a:srgbClr val="ffffff"/>
               </a:solidFill>
@@ -22851,6 +23284,13 @@
 <file path=ppt/slides/slide19.xml><?xml version="1.0" encoding="utf-8"?>
 <p:sld xmlns:a="http://schemas.openxmlformats.org/drawingml/2006/main" xmlns:p="http://schemas.openxmlformats.org/presentationml/2006/main" xmlns:r="http://schemas.openxmlformats.org/officeDocument/2006/relationships" xmlns:p14="http://schemas.microsoft.com/office/powerpoint/2010/main" xmlns:p15="http://schemas.microsoft.com/office/powerpoint/2012/main" xmlns:mc="http://schemas.openxmlformats.org/markup-compatibility/2006">
   <p:cSld>
+    <p:bg>
+      <p:bgPr>
+        <a:solidFill>
+          <a:srgbClr val="000000"/>
+        </a:solidFill>
+      </p:bgPr>
+    </p:bg>
     <p:spTree>
       <p:nvGrpSpPr>
         <p:cNvPr id="1" name=""/>
@@ -22877,8 +23317,8 @@
         </p:nvSpPr>
         <p:spPr>
           <a:xfrm>
-            <a:off x="1104480" y="1122480"/>
-            <a:ext cx="9976320" cy="2384280"/>
+            <a:off x="723600" y="723960"/>
+            <a:ext cx="10737720" cy="1100880"/>
           </a:xfrm>
           <a:prstGeom prst="rect">
             <a:avLst/>
@@ -22890,7 +23330,7 @@
         </p:spPr>
         <p:txBody>
           <a:bodyPr lIns="0" rIns="0" tIns="0" bIns="0" anchor="b">
-            <a:normAutofit/>
+            <a:noAutofit/>
           </a:bodyPr>
           <a:p>
             <a:pPr indent="0" algn="ctr">
@@ -22903,17 +23343,95 @@
               </a:tabLst>
             </a:pPr>
             <a:r>
-              <a:rPr b="1" lang="en-US" sz="3200" spc="-1" strike="noStrike">
-                <a:solidFill>
-                  <a:srgbClr val="000000"/>
+              <a:rPr b="1" lang="en-US" sz="2400" spc="-1" strike="noStrike">
+                <a:solidFill>
+                  <a:srgbClr val="ffffff"/>
                 </a:solidFill>
                 <a:latin typeface="Arial Black"/>
               </a:rPr>
-              <a:t>Thank you for reading</a:t>
+              <a:t>References</a:t>
             </a:r>
-            <a:endParaRPr b="0" lang="en-US" sz="3200" spc="-1" strike="noStrike">
-              <a:solidFill>
-                <a:srgbClr val="000000"/>
+            <a:endParaRPr b="0" lang="en-US" sz="2400" spc="-1" strike="noStrike">
+              <a:solidFill>
+                <a:srgbClr val="ffffff"/>
+              </a:solidFill>
+              <a:latin typeface="Arial"/>
+            </a:endParaRPr>
+          </a:p>
+        </p:txBody>
+      </p:sp>
+      <p:sp>
+        <p:nvSpPr>
+          <p:cNvPr id="423" name="PlaceHolder 2"/>
+          <p:cNvSpPr>
+            <a:spLocks noGrp="1"/>
+          </p:cNvSpPr>
+          <p:nvPr>
+            <p:ph/>
+          </p:nvPr>
+        </p:nvSpPr>
+        <p:spPr>
+          <a:xfrm>
+            <a:off x="723600" y="2342520"/>
+            <a:ext cx="10737720" cy="3750120"/>
+          </a:xfrm>
+          <a:prstGeom prst="rect">
+            <a:avLst/>
+          </a:prstGeom>
+          <a:noFill/>
+          <a:ln w="0">
+            <a:noFill/>
+          </a:ln>
+        </p:spPr>
+        <p:txBody>
+          <a:bodyPr lIns="0" rIns="0" tIns="0" bIns="0" anchor="t">
+            <a:noAutofit/>
+          </a:bodyPr>
+          <a:p>
+            <a:pPr indent="0">
+              <a:lnSpc>
+                <a:spcPct val="150000"/>
+              </a:lnSpc>
+              <a:spcAft>
+                <a:spcPts val="1001"/>
+              </a:spcAft>
+              <a:buNone/>
+              <a:tabLst>
+                <a:tab algn="l" pos="0"/>
+              </a:tabLst>
+            </a:pPr>
+            <a:r>
+              <a:rPr b="0" lang="en-US" sz="1800" spc="-1" strike="noStrike">
+                <a:solidFill>
+                  <a:srgbClr val="ffffff"/>
+                </a:solidFill>
+                <a:latin typeface="Arial"/>
+              </a:rPr>
+              <a:t>- R. M. Karp and M. O. Rabin, "Efficient randomized pattern-matching algorithms," in IBM Journal of Research and Development, vol. 31, no. 2, pp. 249-260, March 1987, doi: 10.1147/rd.312.0249.</a:t>
+            </a:r>
+            <a:endParaRPr b="0" lang="en-US" sz="1800" spc="-1" strike="noStrike">
+              <a:solidFill>
+                <a:srgbClr val="ffffff"/>
+              </a:solidFill>
+              <a:latin typeface="Arial"/>
+            </a:endParaRPr>
+          </a:p>
+          <a:p>
+            <a:pPr indent="0">
+              <a:lnSpc>
+                <a:spcPct val="150000"/>
+              </a:lnSpc>
+              <a:spcAft>
+                <a:spcPts val="1001"/>
+              </a:spcAft>
+              <a:buNone/>
+              <a:tabLst>
+                <a:tab algn="l" pos="0"/>
+              </a:tabLst>
+            </a:pPr>
+            <a:endParaRPr b="0" lang="en-US" sz="1800" spc="-1" strike="noStrike">
+              <a:solidFill>
+                <a:srgbClr val="ffffff"/>
               </a:solidFill>
               <a:latin typeface="Arial"/>
             </a:endParaRPr>
@@ -22970,7 +23488,7 @@
         <p:spPr>
           <a:xfrm>
             <a:off x="609120" y="273600"/>
-            <a:ext cx="10967040" cy="1142280"/>
+            <a:ext cx="10966680" cy="1141920"/>
           </a:xfrm>
           <a:prstGeom prst="rect">
             <a:avLst/>
@@ -23025,7 +23543,7 @@
         <p:spPr>
           <a:xfrm>
             <a:off x="609120" y="1604520"/>
-            <a:ext cx="5350320" cy="3974760"/>
+            <a:ext cx="5349960" cy="3974400"/>
           </a:xfrm>
           <a:prstGeom prst="rect">
             <a:avLst/>
@@ -23176,7 +23694,7 @@
         <p:spPr>
           <a:xfrm>
             <a:off x="6230160" y="1604520"/>
-            <a:ext cx="5350320" cy="3974760"/>
+            <a:ext cx="5349960" cy="3974400"/>
           </a:xfrm>
           <a:prstGeom prst="rect">
             <a:avLst/>
@@ -23274,6 +23792,91 @@
             <a:endParaRPr b="0" lang="en-US" sz="3200" spc="-1" strike="noStrike">
               <a:solidFill>
                 <a:srgbClr val="ffffff"/>
+              </a:solidFill>
+              <a:latin typeface="Arial"/>
+            </a:endParaRPr>
+          </a:p>
+        </p:txBody>
+      </p:sp>
+    </p:spTree>
+  </p:cSld>
+  <mc:AlternateContent>
+    <mc:Choice Requires="p14">
+      <p:transition spd="slow" p14:dur="2000"/>
+    </mc:Choice>
+    <mc:Fallback>
+      <p:transition spd="slow"/>
+    </mc:Fallback>
+  </mc:AlternateContent>
+</p:sld>
+</file>
+
+<file path=ppt/slides/slide20.xml><?xml version="1.0" encoding="utf-8"?>
+<p:sld xmlns:a="http://schemas.openxmlformats.org/drawingml/2006/main" xmlns:p="http://schemas.openxmlformats.org/presentationml/2006/main" xmlns:r="http://schemas.openxmlformats.org/officeDocument/2006/relationships" xmlns:p14="http://schemas.microsoft.com/office/powerpoint/2010/main" xmlns:p15="http://schemas.microsoft.com/office/powerpoint/2012/main" xmlns:mc="http://schemas.openxmlformats.org/markup-compatibility/2006">
+  <p:cSld>
+    <p:spTree>
+      <p:nvGrpSpPr>
+        <p:cNvPr id="1" name=""/>
+        <p:cNvGrpSpPr/>
+        <p:nvPr/>
+      </p:nvGrpSpPr>
+      <p:grpSpPr>
+        <a:xfrm>
+          <a:off x="0" y="0"/>
+          <a:ext cx="0" cy="0"/>
+          <a:chOff x="0" y="0"/>
+          <a:chExt cx="0" cy="0"/>
+        </a:xfrm>
+      </p:grpSpPr>
+      <p:sp>
+        <p:nvSpPr>
+          <p:cNvPr id="424" name="PlaceHolder 1"/>
+          <p:cNvSpPr>
+            <a:spLocks noGrp="1"/>
+          </p:cNvSpPr>
+          <p:nvPr>
+            <p:ph type="title"/>
+          </p:nvPr>
+        </p:nvSpPr>
+        <p:spPr>
+          <a:xfrm>
+            <a:off x="1104480" y="1122480"/>
+            <a:ext cx="9975960" cy="2383920"/>
+          </a:xfrm>
+          <a:prstGeom prst="rect">
+            <a:avLst/>
+          </a:prstGeom>
+          <a:noFill/>
+          <a:ln w="0">
+            <a:noFill/>
+          </a:ln>
+        </p:spPr>
+        <p:txBody>
+          <a:bodyPr lIns="0" rIns="0" tIns="0" bIns="0" anchor="b">
+            <a:normAutofit/>
+          </a:bodyPr>
+          <a:p>
+            <a:pPr indent="0" algn="ctr">
+              <a:lnSpc>
+                <a:spcPct val="100000"/>
+              </a:lnSpc>
+              <a:buNone/>
+              <a:tabLst>
+                <a:tab algn="l" pos="0"/>
+              </a:tabLst>
+            </a:pPr>
+            <a:r>
+              <a:rPr b="1" lang="en-US" sz="3200" spc="-1" strike="noStrike">
+                <a:solidFill>
+                  <a:srgbClr val="000000"/>
+                </a:solidFill>
+                <a:latin typeface="Arial Black"/>
+              </a:rPr>
+              <a:t>Thank you for reading</a:t>
+            </a:r>
+            <a:endParaRPr b="0" lang="en-US" sz="3200" spc="-1" strike="noStrike">
+              <a:solidFill>
+                <a:srgbClr val="000000"/>
               </a:solidFill>
               <a:latin typeface="Arial"/>
             </a:endParaRPr>
@@ -23329,8 +23932,8 @@
         </p:nvSpPr>
         <p:spPr>
           <a:xfrm>
-            <a:off x="723600" y="723960"/>
-            <a:ext cx="10738080" cy="1101240"/>
+            <a:off x="609120" y="273600"/>
+            <a:ext cx="10966680" cy="1141920"/>
           </a:xfrm>
           <a:prstGeom prst="rect">
             <a:avLst/>
@@ -23361,7 +23964,7 @@
                 </a:solidFill>
                 <a:latin typeface="Arial"/>
               </a:rPr>
-              <a:t>Algorithm</a:t>
+              <a:t>Purpose</a:t>
             </a:r>
             <a:endParaRPr b="0" lang="en-US" sz="4400" spc="-1" strike="noStrike">
               <a:solidFill>
@@ -23385,7 +23988,7 @@
         <p:spPr>
           <a:xfrm>
             <a:off x="609120" y="1604520"/>
-            <a:ext cx="5350680" cy="3975120"/>
+            <a:ext cx="5349960" cy="3974400"/>
           </a:xfrm>
           <a:prstGeom prst="rect">
             <a:avLst/>
@@ -23444,364 +24047,9 @@
                 </a:solidFill>
                 <a:latin typeface="Arial"/>
               </a:rPr>
-              <a:t>Example:</a:t>
+              <a:t>Most memory-efficient</a:t>
             </a:r>
             <a:endParaRPr b="0" lang="en-US" sz="3200" spc="-1" strike="noStrike">
-              <a:solidFill>
-                <a:srgbClr val="ffffff"/>
-              </a:solidFill>
-              <a:latin typeface="Arial"/>
-            </a:endParaRPr>
-          </a:p>
-          <a:p>
-            <a:pPr lvl="1" marL="864000" indent="-324000">
-              <a:lnSpc>
-                <a:spcPct val="100000"/>
-              </a:lnSpc>
-              <a:spcBef>
-                <a:spcPts val="1134"/>
-              </a:spcBef>
-              <a:buClr>
-                <a:srgbClr val="ffffff"/>
-              </a:buClr>
-              <a:buSzPct val="75000"/>
-              <a:buFont typeface="Symbol"/>
-              <a:buChar char=""/>
-              <a:tabLst>
-                <a:tab algn="l" pos="0"/>
-              </a:tabLst>
-            </a:pPr>
-            <a:r>
-              <a:rPr b="0" lang="en-US" sz="2800" spc="-1" strike="noStrike">
-                <a:solidFill>
-                  <a:srgbClr val="ffffff"/>
-                </a:solidFill>
-                <a:latin typeface="Arial"/>
-              </a:rPr>
-              <a:t>Text t: abcda</a:t>
-            </a:r>
-            <a:endParaRPr b="0" lang="en-US" sz="2800" spc="-1" strike="noStrike">
-              <a:solidFill>
-                <a:srgbClr val="ffffff"/>
-              </a:solidFill>
-              <a:latin typeface="Arial"/>
-            </a:endParaRPr>
-          </a:p>
-          <a:p>
-            <a:pPr lvl="1" marL="864000" indent="-324000">
-              <a:lnSpc>
-                <a:spcPct val="100000"/>
-              </a:lnSpc>
-              <a:spcBef>
-                <a:spcPts val="1134"/>
-              </a:spcBef>
-              <a:buClr>
-                <a:srgbClr val="ffffff"/>
-              </a:buClr>
-              <a:buSzPct val="75000"/>
-              <a:buFont typeface="Symbol"/>
-              <a:buChar char=""/>
-              <a:tabLst>
-                <a:tab algn="l" pos="0"/>
-              </a:tabLst>
-            </a:pPr>
-            <a:r>
-              <a:rPr b="0" lang="en-US" sz="2800" spc="-1" strike="noStrike">
-                <a:solidFill>
-                  <a:srgbClr val="ffffff"/>
-                </a:solidFill>
-                <a:latin typeface="Arial"/>
-              </a:rPr>
-              <a:t>Pattern p: cda</a:t>
-            </a:r>
-            <a:endParaRPr b="0" lang="en-US" sz="2800" spc="-1" strike="noStrike">
-              <a:solidFill>
-                <a:srgbClr val="ffffff"/>
-              </a:solidFill>
-              <a:latin typeface="Arial"/>
-            </a:endParaRPr>
-          </a:p>
-          <a:p>
-            <a:pPr lvl="1" marL="864000" indent="-324000">
-              <a:lnSpc>
-                <a:spcPct val="100000"/>
-              </a:lnSpc>
-              <a:spcBef>
-                <a:spcPts val="1134"/>
-              </a:spcBef>
-              <a:buClr>
-                <a:srgbClr val="ffffff"/>
-              </a:buClr>
-              <a:buSzPct val="75000"/>
-              <a:buFont typeface="Symbol"/>
-              <a:buChar char=""/>
-              <a:tabLst>
-                <a:tab algn="l" pos="0"/>
-              </a:tabLst>
-            </a:pPr>
-            <a:r>
-              <a:rPr b="0" lang="en-US" sz="2800" spc="-1" strike="noStrike">
-                <a:solidFill>
-                  <a:srgbClr val="ffffff"/>
-                </a:solidFill>
-                <a:latin typeface="Arial"/>
-              </a:rPr>
-              <a:t>Let n be the length of t</a:t>
-            </a:r>
-            <a:endParaRPr b="0" lang="en-US" sz="2800" spc="-1" strike="noStrike">
-              <a:solidFill>
-                <a:srgbClr val="ffffff"/>
-              </a:solidFill>
-              <a:latin typeface="Arial"/>
-            </a:endParaRPr>
-          </a:p>
-          <a:p>
-            <a:pPr lvl="1" marL="864000" indent="-324000">
-              <a:lnSpc>
-                <a:spcPct val="100000"/>
-              </a:lnSpc>
-              <a:spcBef>
-                <a:spcPts val="1134"/>
-              </a:spcBef>
-              <a:buClr>
-                <a:srgbClr val="ffffff"/>
-              </a:buClr>
-              <a:buSzPct val="75000"/>
-              <a:buFont typeface="Symbol"/>
-              <a:buChar char=""/>
-              <a:tabLst>
-                <a:tab algn="l" pos="0"/>
-              </a:tabLst>
-            </a:pPr>
-            <a:r>
-              <a:rPr b="0" lang="en-US" sz="2800" spc="-1" strike="noStrike">
-                <a:solidFill>
-                  <a:srgbClr val="ffffff"/>
-                </a:solidFill>
-                <a:latin typeface="Arial"/>
-              </a:rPr>
-              <a:t>Let m be the length of p</a:t>
-            </a:r>
-            <a:endParaRPr b="0" lang="en-US" sz="2800" spc="-1" strike="noStrike">
-              <a:solidFill>
-                <a:srgbClr val="ffffff"/>
-              </a:solidFill>
-              <a:latin typeface="Arial"/>
-            </a:endParaRPr>
-          </a:p>
-        </p:txBody>
-      </p:sp>
-      <p:sp>
-        <p:nvSpPr>
-          <p:cNvPr id="381" name="PlaceHolder 3"/>
-          <p:cNvSpPr>
-            <a:spLocks noGrp="1"/>
-          </p:cNvSpPr>
-          <p:nvPr>
-            <p:ph/>
-          </p:nvPr>
-        </p:nvSpPr>
-        <p:spPr>
-          <a:xfrm>
-            <a:off x="6230160" y="1604520"/>
-            <a:ext cx="5350680" cy="3975120"/>
-          </a:xfrm>
-          <a:prstGeom prst="rect">
-            <a:avLst/>
-          </a:prstGeom>
-          <a:noFill/>
-          <a:ln w="0">
-            <a:noFill/>
-          </a:ln>
-        </p:spPr>
-        <p:txBody>
-          <a:bodyPr lIns="0" rIns="0" tIns="0" bIns="0" anchor="t">
-            <a:normAutofit fontScale="76000"/>
-          </a:bodyPr>
-          <a:p>
-            <a:pPr marL="432000" indent="0">
-              <a:lnSpc>
-                <a:spcPct val="100000"/>
-              </a:lnSpc>
-              <a:spcBef>
-                <a:spcPts val="1417"/>
-              </a:spcBef>
-              <a:buNone/>
-              <a:tabLst>
-                <a:tab algn="l" pos="0"/>
-              </a:tabLst>
-            </a:pPr>
-            <a:endParaRPr b="0" lang="en-US" sz="3200" spc="-1" strike="noStrike">
-              <a:solidFill>
-                <a:srgbClr val="ffffff"/>
-              </a:solidFill>
-              <a:latin typeface="Arial"/>
-            </a:endParaRPr>
-          </a:p>
-          <a:p>
-            <a:pPr marL="432000" indent="-324000">
-              <a:lnSpc>
-                <a:spcPct val="100000"/>
-              </a:lnSpc>
-              <a:spcBef>
-                <a:spcPts val="1417"/>
-              </a:spcBef>
-              <a:buClr>
-                <a:srgbClr val="ffffff"/>
-              </a:buClr>
-              <a:buSzPct val="45000"/>
-              <a:buFont typeface="Wingdings" charset="2"/>
-              <a:buChar char=""/>
-              <a:tabLst>
-                <a:tab algn="l" pos="0"/>
-              </a:tabLst>
-            </a:pPr>
-            <a:r>
-              <a:rPr b="0" lang="en-US" sz="3200" spc="-1" strike="noStrike">
-                <a:solidFill>
-                  <a:srgbClr val="ffffff"/>
-                </a:solidFill>
-                <a:latin typeface="Arial"/>
-              </a:rPr>
-              <a:t>Steps:</a:t>
-            </a:r>
-            <a:endParaRPr b="0" lang="en-US" sz="3200" spc="-1" strike="noStrike">
-              <a:solidFill>
-                <a:srgbClr val="ffffff"/>
-              </a:solidFill>
-              <a:latin typeface="Arial"/>
-            </a:endParaRPr>
-          </a:p>
-          <a:p>
-            <a:pPr lvl="1" marL="864000" indent="-324000">
-              <a:lnSpc>
-                <a:spcPct val="100000"/>
-              </a:lnSpc>
-              <a:spcBef>
-                <a:spcPts val="1134"/>
-              </a:spcBef>
-              <a:buClr>
-                <a:srgbClr val="ffffff"/>
-              </a:buClr>
-              <a:buSzPct val="75000"/>
-              <a:buFont typeface="Symbol"/>
-              <a:buChar char=""/>
-              <a:tabLst>
-                <a:tab algn="l" pos="0"/>
-              </a:tabLst>
-            </a:pPr>
-            <a:r>
-              <a:rPr b="0" lang="en-US" sz="2800" spc="-1" strike="noStrike">
-                <a:solidFill>
-                  <a:srgbClr val="ffffff"/>
-                </a:solidFill>
-                <a:latin typeface="Arial"/>
-              </a:rPr>
-              <a:t>Let h(p) be the hash of the pattern</a:t>
-            </a:r>
-            <a:endParaRPr b="0" lang="en-US" sz="2800" spc="-1" strike="noStrike">
-              <a:solidFill>
-                <a:srgbClr val="ffffff"/>
-              </a:solidFill>
-              <a:latin typeface="Arial"/>
-            </a:endParaRPr>
-          </a:p>
-          <a:p>
-            <a:pPr lvl="1" marL="864000" indent="-324000">
-              <a:lnSpc>
-                <a:spcPct val="100000"/>
-              </a:lnSpc>
-              <a:spcBef>
-                <a:spcPts val="1134"/>
-              </a:spcBef>
-              <a:buClr>
-                <a:srgbClr val="ffffff"/>
-              </a:buClr>
-              <a:buSzPct val="75000"/>
-              <a:buFont typeface="Symbol"/>
-              <a:buChar char=""/>
-              <a:tabLst>
-                <a:tab algn="l" pos="0"/>
-              </a:tabLst>
-            </a:pPr>
-            <a:r>
-              <a:rPr b="0" lang="en-US" sz="2800" spc="-1" strike="noStrike">
-                <a:solidFill>
-                  <a:srgbClr val="ffffff"/>
-                </a:solidFill>
-                <a:latin typeface="Arial"/>
-              </a:rPr>
-              <a:t>Let h(i) be the rolling hash of each substring of t, which is t[i..i+m]</a:t>
-            </a:r>
-            <a:endParaRPr b="0" lang="en-US" sz="2800" spc="-1" strike="noStrike">
-              <a:solidFill>
-                <a:srgbClr val="ffffff"/>
-              </a:solidFill>
-              <a:latin typeface="Arial"/>
-            </a:endParaRPr>
-          </a:p>
-          <a:p>
-            <a:pPr lvl="1" marL="864000" indent="-324000">
-              <a:lnSpc>
-                <a:spcPct val="100000"/>
-              </a:lnSpc>
-              <a:spcBef>
-                <a:spcPts val="1134"/>
-              </a:spcBef>
-              <a:buClr>
-                <a:srgbClr val="ffffff"/>
-              </a:buClr>
-              <a:buSzPct val="75000"/>
-              <a:buFont typeface="Symbol"/>
-              <a:buChar char=""/>
-              <a:tabLst>
-                <a:tab algn="l" pos="0"/>
-              </a:tabLst>
-            </a:pPr>
-            <a:r>
-              <a:rPr b="0" lang="en-US" sz="2800" spc="-1" strike="noStrike">
-                <a:solidFill>
-                  <a:srgbClr val="ffffff"/>
-                </a:solidFill>
-                <a:latin typeface="Arial"/>
-              </a:rPr>
-              <a:t>If h(p) == h(i), then compare the pattern p with t[i..i+m]. If they are the same then add i to the array of indices</a:t>
-            </a:r>
-            <a:endParaRPr b="0" lang="en-US" sz="2800" spc="-1" strike="noStrike">
-              <a:solidFill>
-                <a:srgbClr val="ffffff"/>
-              </a:solidFill>
-              <a:latin typeface="Arial"/>
-            </a:endParaRPr>
-          </a:p>
-          <a:p>
-            <a:pPr lvl="1" marL="864000" indent="-324000">
-              <a:lnSpc>
-                <a:spcPct val="100000"/>
-              </a:lnSpc>
-              <a:spcBef>
-                <a:spcPts val="1134"/>
-              </a:spcBef>
-              <a:buClr>
-                <a:srgbClr val="ffffff"/>
-              </a:buClr>
-              <a:buSzPct val="75000"/>
-              <a:buFont typeface="Symbol"/>
-              <a:buChar char=""/>
-              <a:tabLst>
-                <a:tab algn="l" pos="0"/>
-              </a:tabLst>
-            </a:pPr>
-            <a:r>
-              <a:rPr b="0" lang="en-US" sz="2800" spc="-1" strike="noStrike">
-                <a:solidFill>
-                  <a:srgbClr val="ffffff"/>
-                </a:solidFill>
-                <a:latin typeface="Arial"/>
-              </a:rPr>
-              <a:t>Otherwise recalculate the hash and start the next phase</a:t>
-            </a:r>
-            <a:endParaRPr b="0" lang="en-US" sz="2800" spc="-1" strike="noStrike">
               <a:solidFill>
                 <a:srgbClr val="ffffff"/>
               </a:solidFill>
@@ -23849,7 +24097,7 @@
       </p:grpSpPr>
       <p:sp>
         <p:nvSpPr>
-          <p:cNvPr id="382" name="PlaceHolder 1"/>
+          <p:cNvPr id="381" name="PlaceHolder 1"/>
           <p:cNvSpPr>
             <a:spLocks noGrp="1"/>
           </p:cNvSpPr>
@@ -23859,8 +24107,8 @@
         </p:nvSpPr>
         <p:spPr>
           <a:xfrm>
-            <a:off x="723600" y="497160"/>
-            <a:ext cx="10738080" cy="1101240"/>
+            <a:off x="723600" y="723960"/>
+            <a:ext cx="10737720" cy="1100880"/>
           </a:xfrm>
           <a:prstGeom prst="rect">
             <a:avLst/>
@@ -23891,7 +24139,7 @@
                 </a:solidFill>
                 <a:latin typeface="Arial"/>
               </a:rPr>
-              <a:t>Example walkthrough</a:t>
+              <a:t>Algorithm</a:t>
             </a:r>
             <a:endParaRPr b="0" lang="en-US" sz="4400" spc="-1" strike="noStrike">
               <a:solidFill>
@@ -23904,7 +24152,7 @@
       </p:sp>
       <p:sp>
         <p:nvSpPr>
-          <p:cNvPr id="383" name="PlaceHolder 2"/>
+          <p:cNvPr id="382" name="PlaceHolder 2"/>
           <p:cNvSpPr>
             <a:spLocks noGrp="1"/>
           </p:cNvSpPr>
@@ -23914,8 +24162,8 @@
         </p:nvSpPr>
         <p:spPr>
           <a:xfrm>
-            <a:off x="685800" y="1833120"/>
-            <a:ext cx="10819080" cy="4565880"/>
+            <a:off x="609120" y="1604520"/>
+            <a:ext cx="5350320" cy="3974760"/>
           </a:xfrm>
           <a:prstGeom prst="rect">
             <a:avLst/>
@@ -23927,7 +24175,7 @@
         </p:spPr>
         <p:txBody>
           <a:bodyPr lIns="0" rIns="0" tIns="0" bIns="0" anchor="t">
-            <a:normAutofit fontScale="95000"/>
+            <a:normAutofit/>
           </a:bodyPr>
           <a:p>
             <a:pPr marL="432000" indent="0">
@@ -23950,6 +24198,205 @@
             </a:endParaRPr>
           </a:p>
           <a:p>
+            <a:pPr marL="432000" indent="-324000">
+              <a:lnSpc>
+                <a:spcPct val="100000"/>
+              </a:lnSpc>
+              <a:spcBef>
+                <a:spcPts val="1417"/>
+              </a:spcBef>
+              <a:buClr>
+                <a:srgbClr val="ffffff"/>
+              </a:buClr>
+              <a:buSzPct val="45000"/>
+              <a:buFont typeface="Wingdings" charset="2"/>
+              <a:buChar char=""/>
+              <a:tabLst>
+                <a:tab algn="l" pos="0"/>
+              </a:tabLst>
+            </a:pPr>
+            <a:r>
+              <a:rPr b="0" lang="en-US" sz="3200" spc="-1" strike="noStrike">
+                <a:solidFill>
+                  <a:srgbClr val="ffffff"/>
+                </a:solidFill>
+                <a:latin typeface="Arial"/>
+              </a:rPr>
+              <a:t>Example:</a:t>
+            </a:r>
+            <a:endParaRPr b="0" lang="en-US" sz="3200" spc="-1" strike="noStrike">
+              <a:solidFill>
+                <a:srgbClr val="ffffff"/>
+              </a:solidFill>
+              <a:latin typeface="Arial"/>
+            </a:endParaRPr>
+          </a:p>
+          <a:p>
+            <a:pPr lvl="1" marL="864000" indent="-324000">
+              <a:lnSpc>
+                <a:spcPct val="100000"/>
+              </a:lnSpc>
+              <a:spcBef>
+                <a:spcPts val="1134"/>
+              </a:spcBef>
+              <a:buClr>
+                <a:srgbClr val="ffffff"/>
+              </a:buClr>
+              <a:buSzPct val="75000"/>
+              <a:buFont typeface="Symbol"/>
+              <a:buChar char=""/>
+              <a:tabLst>
+                <a:tab algn="l" pos="0"/>
+              </a:tabLst>
+            </a:pPr>
+            <a:r>
+              <a:rPr b="0" lang="en-US" sz="2800" spc="-1" strike="noStrike">
+                <a:solidFill>
+                  <a:srgbClr val="ffffff"/>
+                </a:solidFill>
+                <a:latin typeface="Arial"/>
+              </a:rPr>
+              <a:t>Text t: abcda</a:t>
+            </a:r>
+            <a:endParaRPr b="0" lang="en-US" sz="2800" spc="-1" strike="noStrike">
+              <a:solidFill>
+                <a:srgbClr val="ffffff"/>
+              </a:solidFill>
+              <a:latin typeface="Arial"/>
+            </a:endParaRPr>
+          </a:p>
+          <a:p>
+            <a:pPr lvl="1" marL="864000" indent="-324000">
+              <a:lnSpc>
+                <a:spcPct val="100000"/>
+              </a:lnSpc>
+              <a:spcBef>
+                <a:spcPts val="1134"/>
+              </a:spcBef>
+              <a:buClr>
+                <a:srgbClr val="ffffff"/>
+              </a:buClr>
+              <a:buSzPct val="75000"/>
+              <a:buFont typeface="Symbol"/>
+              <a:buChar char=""/>
+              <a:tabLst>
+                <a:tab algn="l" pos="0"/>
+              </a:tabLst>
+            </a:pPr>
+            <a:r>
+              <a:rPr b="0" lang="en-US" sz="2800" spc="-1" strike="noStrike">
+                <a:solidFill>
+                  <a:srgbClr val="ffffff"/>
+                </a:solidFill>
+                <a:latin typeface="Arial"/>
+              </a:rPr>
+              <a:t>Pattern p: cda</a:t>
+            </a:r>
+            <a:endParaRPr b="0" lang="en-US" sz="2800" spc="-1" strike="noStrike">
+              <a:solidFill>
+                <a:srgbClr val="ffffff"/>
+              </a:solidFill>
+              <a:latin typeface="Arial"/>
+            </a:endParaRPr>
+          </a:p>
+          <a:p>
+            <a:pPr lvl="1" marL="864000" indent="-324000">
+              <a:lnSpc>
+                <a:spcPct val="100000"/>
+              </a:lnSpc>
+              <a:spcBef>
+                <a:spcPts val="1134"/>
+              </a:spcBef>
+              <a:buClr>
+                <a:srgbClr val="ffffff"/>
+              </a:buClr>
+              <a:buSzPct val="75000"/>
+              <a:buFont typeface="Symbol"/>
+              <a:buChar char=""/>
+              <a:tabLst>
+                <a:tab algn="l" pos="0"/>
+              </a:tabLst>
+            </a:pPr>
+            <a:r>
+              <a:rPr b="0" lang="en-US" sz="2800" spc="-1" strike="noStrike">
+                <a:solidFill>
+                  <a:srgbClr val="ffffff"/>
+                </a:solidFill>
+                <a:latin typeface="Arial"/>
+              </a:rPr>
+              <a:t>Let n be the length of t</a:t>
+            </a:r>
+            <a:endParaRPr b="0" lang="en-US" sz="2800" spc="-1" strike="noStrike">
+              <a:solidFill>
+                <a:srgbClr val="ffffff"/>
+              </a:solidFill>
+              <a:latin typeface="Arial"/>
+            </a:endParaRPr>
+          </a:p>
+          <a:p>
+            <a:pPr lvl="1" marL="864000" indent="-324000">
+              <a:lnSpc>
+                <a:spcPct val="100000"/>
+              </a:lnSpc>
+              <a:spcBef>
+                <a:spcPts val="1134"/>
+              </a:spcBef>
+              <a:buClr>
+                <a:srgbClr val="ffffff"/>
+              </a:buClr>
+              <a:buSzPct val="75000"/>
+              <a:buFont typeface="Symbol"/>
+              <a:buChar char=""/>
+              <a:tabLst>
+                <a:tab algn="l" pos="0"/>
+              </a:tabLst>
+            </a:pPr>
+            <a:r>
+              <a:rPr b="0" lang="en-US" sz="2800" spc="-1" strike="noStrike">
+                <a:solidFill>
+                  <a:srgbClr val="ffffff"/>
+                </a:solidFill>
+                <a:latin typeface="Arial"/>
+              </a:rPr>
+              <a:t>Let m be the length of p</a:t>
+            </a:r>
+            <a:endParaRPr b="0" lang="en-US" sz="2800" spc="-1" strike="noStrike">
+              <a:solidFill>
+                <a:srgbClr val="ffffff"/>
+              </a:solidFill>
+              <a:latin typeface="Arial"/>
+            </a:endParaRPr>
+          </a:p>
+        </p:txBody>
+      </p:sp>
+      <p:sp>
+        <p:nvSpPr>
+          <p:cNvPr id="383" name="PlaceHolder 3"/>
+          <p:cNvSpPr>
+            <a:spLocks noGrp="1"/>
+          </p:cNvSpPr>
+          <p:nvPr>
+            <p:ph/>
+          </p:nvPr>
+        </p:nvSpPr>
+        <p:spPr>
+          <a:xfrm>
+            <a:off x="6230160" y="1604520"/>
+            <a:ext cx="5350320" cy="3974760"/>
+          </a:xfrm>
+          <a:prstGeom prst="rect">
+            <a:avLst/>
+          </a:prstGeom>
+          <a:noFill/>
+          <a:ln w="0">
+            <a:noFill/>
+          </a:ln>
+        </p:spPr>
+        <p:txBody>
+          <a:bodyPr lIns="0" rIns="0" tIns="0" bIns="0" anchor="t">
+            <a:normAutofit fontScale="76000"/>
+          </a:bodyPr>
+          <a:p>
             <a:pPr marL="432000" indent="0">
               <a:lnSpc>
                 <a:spcPct val="100000"/>
@@ -23962,36 +24409,6 @@
                 <a:tab algn="l" pos="0"/>
               </a:tabLst>
             </a:pPr>
-            <a:r>
-              <a:rPr b="0" lang="en-US" sz="3200" spc="-1" strike="noStrike">
-                <a:solidFill>
-                  <a:srgbClr val="ffffff"/>
-                </a:solidFill>
-                <a:latin typeface="Arial"/>
-              </a:rPr>
-              <a:t>t = </a:t>
-            </a:r>
-            <a:r>
-              <a:rPr b="0" lang="en-US" sz="3200" spc="-1" strike="noStrike">
-                <a:solidFill>
-                  <a:srgbClr val="ffffff"/>
-                </a:solidFill>
-                <a:highlight>
-                  <a:srgbClr val="5eb91e"/>
-                </a:highlight>
-                <a:latin typeface="Arial"/>
-              </a:rPr>
-              <a:t>a b c</a:t>
-            </a:r>
-            <a:r>
-              <a:rPr b="0" lang="en-US" sz="3200" spc="-1" strike="noStrike">
-                <a:solidFill>
-                  <a:srgbClr val="ffffff"/>
-                </a:solidFill>
-                <a:latin typeface="Arial"/>
-              </a:rPr>
-              <a:t> d a   |   p = cda</a:t>
-            </a:r>
             <a:endParaRPr b="0" lang="en-US" sz="3200" spc="-1" strike="noStrike">
               <a:solidFill>
                 <a:srgbClr val="ffffff"/>
@@ -24000,14 +24417,19 @@
             </a:endParaRPr>
           </a:p>
           <a:p>
-            <a:pPr marL="432000" indent="0">
+            <a:pPr marL="432000" indent="-324000">
               <a:lnSpc>
                 <a:spcPct val="100000"/>
               </a:lnSpc>
               <a:spcBef>
                 <a:spcPts val="1417"/>
               </a:spcBef>
-              <a:buNone/>
+              <a:buClr>
+                <a:srgbClr val="ffffff"/>
+              </a:buClr>
+              <a:buSzPct val="45000"/>
+              <a:buFont typeface="Wingdings" charset="2"/>
+              <a:buChar char=""/>
               <a:tabLst>
                 <a:tab algn="l" pos="0"/>
               </a:tabLst>
@@ -24018,60 +24440,9 @@
                   <a:srgbClr val="ffffff"/>
                 </a:solidFill>
                 <a:latin typeface="Arial"/>
-                <a:ea typeface="Source Han Sans CN"/>
-              </a:rPr>
-              <a:t>H(p) = 3 * 31</a:t>
+              </a:rPr>
+              <a:t>Steps:</a:t>
             </a:r>
-            <a:r>
-              <a:rPr b="0" lang="en-US" sz="3200" spc="-1" strike="noStrike" baseline="33000">
-                <a:solidFill>
-                  <a:srgbClr val="ffffff"/>
-                </a:solidFill>
-                <a:latin typeface="Arial"/>
-                <a:ea typeface="Source Han Sans CN"/>
-              </a:rPr>
-              <a:t>2</a:t>
-            </a:r>
-            <a:r>
-              <a:rPr b="0" lang="en-US" sz="3200" spc="-1" strike="noStrike">
-                <a:solidFill>
-                  <a:srgbClr val="ffffff"/>
-                </a:solidFill>
-                <a:latin typeface="Arial"/>
-                <a:ea typeface="Source Han Sans CN"/>
-              </a:rPr>
-              <a:t> + 4 * 31</a:t>
-            </a:r>
-            <a:r>
-              <a:rPr b="0" lang="en-US" sz="3200" spc="-1" strike="noStrike" baseline="33000">
-                <a:solidFill>
-                  <a:srgbClr val="ffffff"/>
-                </a:solidFill>
-                <a:latin typeface="Arial"/>
-                <a:ea typeface="Source Han Sans CN"/>
-              </a:rPr>
-              <a:t>1</a:t>
-            </a:r>
-            <a:r>
-              <a:rPr b="0" lang="en-US" sz="3200" spc="-1" strike="noStrike">
-                <a:solidFill>
-                  <a:srgbClr val="ffffff"/>
-                </a:solidFill>
-                <a:latin typeface="Arial"/>
-                <a:ea typeface="Source Han Sans CN"/>
-              </a:rPr>
-              <a:t> + 1 * 31</a:t>
-            </a:r>
-            <a:r>
-              <a:rPr b="0" lang="en-US" sz="3200" spc="-1" strike="noStrike" baseline="33000">
-                <a:solidFill>
-                  <a:srgbClr val="ffffff"/>
-                </a:solidFill>
-                <a:latin typeface="Arial"/>
-                <a:ea typeface="Source Han Sans CN"/>
-              </a:rPr>
-              <a:t>0</a:t>
-            </a:r>
             <a:endParaRPr b="0" lang="en-US" sz="3200" spc="-1" strike="noStrike">
               <a:solidFill>
                 <a:srgbClr val="ffffff"/>
@@ -24080,29 +24451,33 @@
             </a:endParaRPr>
           </a:p>
           <a:p>
-            <a:pPr marL="432000" indent="0">
+            <a:pPr lvl="1" marL="864000" indent="-324000">
               <a:lnSpc>
                 <a:spcPct val="100000"/>
               </a:lnSpc>
               <a:spcBef>
-                <a:spcPts val="1417"/>
-              </a:spcBef>
-              <a:buNone/>
+                <a:spcPts val="1134"/>
+              </a:spcBef>
+              <a:buClr>
+                <a:srgbClr val="ffffff"/>
+              </a:buClr>
+              <a:buSzPct val="75000"/>
+              <a:buFont typeface="Symbol"/>
+              <a:buChar char=""/>
               <a:tabLst>
                 <a:tab algn="l" pos="0"/>
               </a:tabLst>
             </a:pPr>
             <a:r>
-              <a:rPr b="0" lang="en-US" sz="3200" spc="-1" strike="noStrike">
+              <a:rPr b="0" lang="en-US" sz="2800" spc="-1" strike="noStrike">
                 <a:solidFill>
                   <a:srgbClr val="ffffff"/>
                 </a:solidFill>
                 <a:latin typeface="Arial"/>
-                <a:ea typeface="Source Han Sans CN"/>
-              </a:rPr>
-              <a:t>=  3008</a:t>
+              </a:rPr>
+              <a:t>Let h(p) be the hash of the pattern</a:t>
             </a:r>
-            <a:endParaRPr b="0" lang="en-US" sz="3200" spc="-1" strike="noStrike">
+            <a:endParaRPr b="0" lang="en-US" sz="2800" spc="-1" strike="noStrike">
               <a:solidFill>
                 <a:srgbClr val="ffffff"/>
               </a:solidFill>
@@ -24110,89 +24485,33 @@
             </a:endParaRPr>
           </a:p>
           <a:p>
-            <a:pPr marL="432000" indent="0">
+            <a:pPr lvl="1" marL="864000" indent="-324000">
               <a:lnSpc>
                 <a:spcPct val="100000"/>
               </a:lnSpc>
               <a:spcBef>
-                <a:spcPts val="1417"/>
-              </a:spcBef>
-              <a:buNone/>
+                <a:spcPts val="1134"/>
+              </a:spcBef>
+              <a:buClr>
+                <a:srgbClr val="ffffff"/>
+              </a:buClr>
+              <a:buSzPct val="75000"/>
+              <a:buFont typeface="Symbol"/>
+              <a:buChar char=""/>
               <a:tabLst>
                 <a:tab algn="l" pos="0"/>
               </a:tabLst>
             </a:pPr>
             <a:r>
-              <a:rPr b="0" lang="en-US" sz="3200" spc="-1" strike="noStrike">
+              <a:rPr b="0" lang="en-US" sz="2800" spc="-1" strike="noStrike">
                 <a:solidFill>
                   <a:srgbClr val="ffffff"/>
                 </a:solidFill>
                 <a:latin typeface="Arial"/>
-                <a:ea typeface="Source Han Sans CN"/>
-              </a:rPr>
-              <a:t>H(t[0..2]) = (1 * 31</a:t>
+              </a:rPr>
+              <a:t>Let h(i) be the rolling hash of each substring of t, which is t[i..i+m]</a:t>
             </a:r>
-            <a:r>
-              <a:rPr b="0" lang="en-US" sz="3200" spc="-1" strike="noStrike" baseline="33000">
-                <a:solidFill>
-                  <a:srgbClr val="ffffff"/>
-                </a:solidFill>
-                <a:latin typeface="Arial"/>
-                <a:ea typeface="Source Han Sans CN"/>
-              </a:rPr>
-              <a:t>2</a:t>
-            </a:r>
-            <a:r>
-              <a:rPr b="0" lang="en-US" sz="3200" spc="-1" strike="noStrike">
-                <a:solidFill>
-                  <a:srgbClr val="ffffff"/>
-                </a:solidFill>
-                <a:latin typeface="Arial"/>
-                <a:ea typeface="Source Han Sans CN"/>
-              </a:rPr>
-              <a:t>) + (2 * 31</a:t>
-            </a:r>
-            <a:r>
-              <a:rPr b="0" lang="en-US" sz="3200" spc="-1" strike="noStrike" baseline="33000">
-                <a:solidFill>
-                  <a:srgbClr val="ffffff"/>
-                </a:solidFill>
-                <a:latin typeface="Arial"/>
-                <a:ea typeface="Source Han Sans CN"/>
-              </a:rPr>
-              <a:t>1</a:t>
-            </a:r>
-            <a:r>
-              <a:rPr b="0" lang="en-US" sz="3200" spc="-1" strike="noStrike">
-                <a:solidFill>
-                  <a:srgbClr val="ffffff"/>
-                </a:solidFill>
-                <a:latin typeface="Arial"/>
-                <a:ea typeface="Source Han Sans CN"/>
-              </a:rPr>
-              <a:t>) + (3 * 31</a:t>
-            </a:r>
-            <a:r>
-              <a:rPr b="0" lang="en-US" sz="3200" spc="-1" strike="noStrike" baseline="33000">
-                <a:solidFill>
-                  <a:srgbClr val="ffffff"/>
-                </a:solidFill>
-                <a:latin typeface="Arial"/>
-                <a:ea typeface="Source Han Sans CN"/>
-              </a:rPr>
-              <a:t>0</a:t>
-            </a:r>
-            <a:r>
-              <a:rPr b="0" lang="en-US" sz="3200" spc="-1" strike="noStrike">
-                <a:solidFill>
-                  <a:srgbClr val="ffffff"/>
-                </a:solidFill>
-                <a:latin typeface="Arial"/>
-                <a:ea typeface="Source Han Sans CN"/>
-              </a:rPr>
-              <a:t>) = 1026</a:t>
-            </a:r>
-            <a:endParaRPr b="0" lang="en-US" sz="3200" spc="-1" strike="noStrike">
+            <a:endParaRPr b="0" lang="en-US" sz="2800" spc="-1" strike="noStrike">
               <a:solidFill>
                 <a:srgbClr val="ffffff"/>
               </a:solidFill>
@@ -24200,39 +24519,33 @@
             </a:endParaRPr>
           </a:p>
           <a:p>
-            <a:pPr marL="432000" indent="0">
+            <a:pPr lvl="1" marL="864000" indent="-324000">
               <a:lnSpc>
                 <a:spcPct val="100000"/>
               </a:lnSpc>
               <a:spcBef>
-                <a:spcPts val="1417"/>
-              </a:spcBef>
-              <a:buNone/>
+                <a:spcPts val="1134"/>
+              </a:spcBef>
+              <a:buClr>
+                <a:srgbClr val="ffffff"/>
+              </a:buClr>
+              <a:buSzPct val="75000"/>
+              <a:buFont typeface="Symbol"/>
+              <a:buChar char=""/>
               <a:tabLst>
                 <a:tab algn="l" pos="0"/>
               </a:tabLst>
             </a:pPr>
             <a:r>
-              <a:rPr b="0" lang="en-US" sz="3200" spc="-1" strike="noStrike">
+              <a:rPr b="0" lang="en-US" sz="2800" spc="-1" strike="noStrike">
                 <a:solidFill>
                   <a:srgbClr val="ffffff"/>
                 </a:solidFill>
                 <a:latin typeface="Arial"/>
-                <a:ea typeface="Source Han Sans CN"/>
-              </a:rPr>
-              <a:t>3008 </a:t>
+              </a:rPr>
+              <a:t>If h(p) == h(i), then compare the pattern p with t[i..i+m]. If they are the same then add i to the array of indices</a:t>
             </a:r>
-            <a:r>
-              <a:rPr b="0" lang="en-US" sz="3200" spc="-1" strike="noStrike">
-                <a:solidFill>
-                  <a:srgbClr val="ffffff"/>
-                </a:solidFill>
-                <a:latin typeface="DejaVu Sans"/>
-                <a:ea typeface="DejaVu Sans"/>
-              </a:rPr>
-              <a:t>≠ 1026</a:t>
-            </a:r>
-            <a:endParaRPr b="0" lang="en-US" sz="3200" spc="-1" strike="noStrike">
+            <a:endParaRPr b="0" lang="en-US" sz="2800" spc="-1" strike="noStrike">
               <a:solidFill>
                 <a:srgbClr val="ffffff"/>
               </a:solidFill>
@@ -24240,106 +24553,33 @@
             </a:endParaRPr>
           </a:p>
           <a:p>
-            <a:pPr marL="432000" indent="0">
+            <a:pPr lvl="1" marL="864000" indent="-324000">
               <a:lnSpc>
                 <a:spcPct val="100000"/>
               </a:lnSpc>
               <a:spcBef>
-                <a:spcPts val="1417"/>
-              </a:spcBef>
-              <a:buNone/>
+                <a:spcPts val="1134"/>
+              </a:spcBef>
+              <a:buClr>
+                <a:srgbClr val="ffffff"/>
+              </a:buClr>
+              <a:buSzPct val="75000"/>
+              <a:buFont typeface="Symbol"/>
+              <a:buChar char=""/>
               <a:tabLst>
                 <a:tab algn="l" pos="0"/>
               </a:tabLst>
             </a:pPr>
             <a:r>
-              <a:rPr b="0" lang="en-US" sz="3200" spc="-1" strike="noStrike">
+              <a:rPr b="0" lang="en-US" sz="2800" spc="-1" strike="noStrike">
                 <a:solidFill>
                   <a:srgbClr val="ffffff"/>
                 </a:solidFill>
-                <a:latin typeface="DejaVu Sans"/>
-                <a:ea typeface="DejaVu Sans"/>
-              </a:rPr>
-              <a:t>Therefore we slide to the next window of characters.</a:t>
+                <a:latin typeface="Arial"/>
+              </a:rPr>
+              <a:t>Otherwise recalculate the hash and start the next phase</a:t>
             </a:r>
-            <a:endParaRPr b="0" lang="en-US" sz="3200" spc="-1" strike="noStrike">
-              <a:solidFill>
-                <a:srgbClr val="ffffff"/>
-              </a:solidFill>
-              <a:latin typeface="Arial"/>
-            </a:endParaRPr>
-          </a:p>
-        </p:txBody>
-      </p:sp>
-      <p:pic>
-        <p:nvPicPr>
-          <p:cNvPr id="384" name="" descr=""/>
-          <p:cNvPicPr/>
-          <p:nvPr/>
-        </p:nvPicPr>
-        <p:blipFill>
-          <a:blip r:embed="rId1"/>
-          <a:stretch/>
-        </p:blipFill>
-        <p:spPr>
-          <a:xfrm>
-            <a:off x="7772400" y="2743200"/>
-            <a:ext cx="2255760" cy="789120"/>
-          </a:xfrm>
-          <a:prstGeom prst="rect">
-            <a:avLst/>
-          </a:prstGeom>
-          <a:ln w="0">
-            <a:noFill/>
-          </a:ln>
-        </p:spPr>
-      </p:pic>
-      <p:sp>
-        <p:nvSpPr>
-          <p:cNvPr id="385" name=""/>
-          <p:cNvSpPr/>
-          <p:nvPr/>
-        </p:nvSpPr>
-        <p:spPr>
-          <a:xfrm>
-            <a:off x="7772400" y="2057400"/>
-            <a:ext cx="2285280" cy="345600"/>
-          </a:xfrm>
-          <a:prstGeom prst="rect">
-            <a:avLst/>
-          </a:prstGeom>
-          <a:noFill/>
-          <a:ln w="0">
-            <a:noFill/>
-          </a:ln>
-        </p:spPr>
-        <p:style>
-          <a:lnRef idx="0"/>
-          <a:fillRef idx="0"/>
-          <a:effectRef idx="0"/>
-          <a:fontRef idx="minor"/>
-        </p:style>
-        <p:txBody>
-          <a:bodyPr lIns="90000" rIns="90000" tIns="45000" bIns="45000" anchor="t">
-            <a:noAutofit/>
-          </a:bodyPr>
-          <a:p>
-            <a:pPr>
-              <a:lnSpc>
-                <a:spcPct val="100000"/>
-              </a:lnSpc>
-            </a:pPr>
-            <a:r>
-              <a:rPr b="0" lang="en-US" sz="1800" spc="-1" strike="noStrike">
-                <a:solidFill>
-                  <a:srgbClr val="ffffff"/>
-                </a:solidFill>
-                <a:latin typeface="Arial"/>
-                <a:ea typeface="DejaVu Sans"/>
-              </a:rPr>
-              <a:t>Fingerprint function</a:t>
-            </a:r>
-            <a:endParaRPr b="0" lang="en-US" sz="1800" spc="-1" strike="noStrike">
+            <a:endParaRPr b="0" lang="en-US" sz="2800" spc="-1" strike="noStrike">
               <a:solidFill>
                 <a:srgbClr val="ffffff"/>
               </a:solidFill>
@@ -24387,7 +24627,7 @@
       </p:grpSpPr>
       <p:sp>
         <p:nvSpPr>
-          <p:cNvPr id="386" name="PlaceHolder 1"/>
+          <p:cNvPr id="384" name="PlaceHolder 1"/>
           <p:cNvSpPr>
             <a:spLocks noGrp="1"/>
           </p:cNvSpPr>
@@ -24398,7 +24638,7 @@
         <p:spPr>
           <a:xfrm>
             <a:off x="723600" y="497160"/>
-            <a:ext cx="10738080" cy="1101240"/>
+            <a:ext cx="10737720" cy="1100880"/>
           </a:xfrm>
           <a:prstGeom prst="rect">
             <a:avLst/>
@@ -24442,7 +24682,7 @@
       </p:sp>
       <p:sp>
         <p:nvSpPr>
-          <p:cNvPr id="387" name="PlaceHolder 2"/>
+          <p:cNvPr id="385" name="PlaceHolder 2"/>
           <p:cNvSpPr>
             <a:spLocks noGrp="1"/>
           </p:cNvSpPr>
@@ -24452,8 +24692,8 @@
         </p:nvSpPr>
         <p:spPr>
           <a:xfrm>
-            <a:off x="700920" y="1600200"/>
-            <a:ext cx="10819080" cy="4565880"/>
+            <a:off x="685800" y="1833120"/>
+            <a:ext cx="10818720" cy="4565520"/>
           </a:xfrm>
           <a:prstGeom prst="rect">
             <a:avLst/>
@@ -24465,7 +24705,7 @@
         </p:spPr>
         <p:txBody>
           <a:bodyPr lIns="0" rIns="0" tIns="0" bIns="0" anchor="t">
-            <a:normAutofit fontScale="88000"/>
+            <a:normAutofit fontScale="95000"/>
           </a:bodyPr>
           <a:p>
             <a:pPr marL="432000" indent="0">
@@ -24507,7 +24747,7 @@
                 </a:solidFill>
                 <a:latin typeface="Arial"/>
               </a:rPr>
-              <a:t>t = a </a:t>
+              <a:t>t = </a:t>
             </a:r>
             <a:r>
               <a:rPr b="0" lang="en-US" sz="3200" spc="-1" strike="noStrike">
@@ -24515,11 +24755,11 @@
                   <a:srgbClr val="ffffff"/>
                 </a:solidFill>
                 <a:highlight>
-                  <a:srgbClr val="81d41a"/>
+                  <a:srgbClr val="5eb91e"/>
                 </a:highlight>
                 <a:latin typeface="Arial"/>
               </a:rPr>
-              <a:t>b c d</a:t>
+              <a:t>a b c</a:t>
             </a:r>
             <a:r>
               <a:rPr b="0" lang="en-US" sz="3200" spc="-1" strike="noStrike">
@@ -24528,7 +24768,7 @@
                 </a:solidFill>
                 <a:latin typeface="Arial"/>
               </a:rPr>
-              <a:t> a   |   p = cda</a:t>
+              <a:t> d a   |   p = cda</a:t>
             </a:r>
             <a:endParaRPr b="0" lang="en-US" sz="3200" spc="-1" strike="noStrike">
               <a:solidFill>
@@ -24668,29 +24908,13 @@
                 <a:latin typeface="Arial"/>
                 <a:ea typeface="Source Han Sans CN"/>
               </a:rPr>
-              <a:t>H(t[0..2]) = </a:t>
-            </a:r>
-            <a:r>
-              <a:rPr b="0" lang="en-US" sz="3200" spc="-1" strike="noStrike">
-                <a:solidFill>
-                  <a:srgbClr val="ffffff"/>
-                </a:solidFill>
-                <a:highlight>
-                  <a:srgbClr val="ffa6a6"/>
-                </a:highlight>
-                <a:latin typeface="Arial"/>
-                <a:ea typeface="Source Han Sans CN"/>
-              </a:rPr>
-              <a:t>(1 * 31</a:t>
+              <a:t>H(t[0..2]) = (1 * 31</a:t>
             </a:r>
             <a:r>
               <a:rPr b="0" lang="en-US" sz="3200" spc="-1" strike="noStrike" baseline="33000">
                 <a:solidFill>
                   <a:srgbClr val="ffffff"/>
                 </a:solidFill>
-                <a:highlight>
-                  <a:srgbClr val="ffa6a6"/>
-                </a:highlight>
                 <a:latin typeface="Arial"/>
                 <a:ea typeface="Source Han Sans CN"/>
               </a:rPr>
@@ -24701,23 +24925,10 @@
                 <a:solidFill>
                   <a:srgbClr val="ffffff"/>
                 </a:solidFill>
-                <a:highlight>
-                  <a:srgbClr val="ffa6a6"/>
-                </a:highlight>
                 <a:latin typeface="Arial"/>
                 <a:ea typeface="Source Han Sans CN"/>
               </a:rPr>
-              <a:t>)</a:t>
-            </a:r>
-            <a:r>
-              <a:rPr b="0" lang="en-US" sz="3200" spc="-1" strike="noStrike">
-                <a:solidFill>
-                  <a:srgbClr val="ffffff"/>
-                </a:solidFill>
-                <a:latin typeface="Arial"/>
-                <a:ea typeface="Source Han Sans CN"/>
-              </a:rPr>
-              <a:t> + (2 * 31</a:t>
+              <a:t>) + (2 * 31</a:t>
             </a:r>
             <a:r>
               <a:rPr b="0" lang="en-US" sz="3200" spc="-1" strike="noStrike" baseline="33000">
@@ -24787,96 +24998,17 @@
                 <a:latin typeface="Arial"/>
                 <a:ea typeface="Source Han Sans CN"/>
               </a:rPr>
-              <a:t>H(t[1..3]) = 31 [(2 * 31</a:t>
-            </a:r>
-            <a:r>
-              <a:rPr b="0" lang="en-US" sz="3200" spc="-1" strike="noStrike" baseline="33000">
-                <a:solidFill>
-                  <a:srgbClr val="ffffff"/>
-                </a:solidFill>
-                <a:latin typeface="Arial"/>
-                <a:ea typeface="Source Han Sans CN"/>
-              </a:rPr>
-              <a:t>1</a:t>
+              <a:t>3008 </a:t>
             </a:r>
             <a:r>
               <a:rPr b="0" lang="en-US" sz="3200" spc="-1" strike="noStrike">
                 <a:solidFill>
                   <a:srgbClr val="ffffff"/>
                 </a:solidFill>
-                <a:latin typeface="Arial"/>
-                <a:ea typeface="Source Han Sans CN"/>
-              </a:rPr>
-              <a:t>) + (3 * 31</a:t>
-            </a:r>
-            <a:r>
-              <a:rPr b="0" lang="en-US" sz="3200" spc="-1" strike="noStrike" baseline="33000">
-                <a:solidFill>
-                  <a:srgbClr val="ffffff"/>
-                </a:solidFill>
-                <a:latin typeface="Arial"/>
-                <a:ea typeface="Source Han Sans CN"/>
-              </a:rPr>
-              <a:t>0</a:t>
-            </a:r>
-            <a:r>
-              <a:rPr b="0" lang="en-US" sz="3200" spc="-1" strike="noStrike">
-                <a:solidFill>
-                  <a:srgbClr val="ffffff"/>
-                </a:solidFill>
-                <a:latin typeface="Arial"/>
-                <a:ea typeface="Source Han Sans CN"/>
-              </a:rPr>
-              <a:t>)] + </a:t>
-            </a:r>
-            <a:r>
-              <a:rPr b="0" lang="en-US" sz="3200" spc="-1" strike="noStrike">
-                <a:solidFill>
-                  <a:srgbClr val="ffffff"/>
-                </a:solidFill>
-                <a:highlight>
-                  <a:srgbClr val="81d41a"/>
-                </a:highlight>
-                <a:latin typeface="Arial"/>
-                <a:ea typeface="Source Han Sans CN"/>
-              </a:rPr>
-              <a:t>(4 * 31</a:t>
-            </a:r>
-            <a:r>
-              <a:rPr b="0" lang="en-US" sz="3200" spc="-1" strike="noStrike" baseline="33000">
-                <a:solidFill>
-                  <a:srgbClr val="ffffff"/>
-                </a:solidFill>
-                <a:highlight>
-                  <a:srgbClr val="81d41a"/>
-                </a:highlight>
-                <a:latin typeface="Arial"/>
-                <a:ea typeface="Source Han Sans CN"/>
-              </a:rPr>
-              <a:t>0</a:t>
-            </a:r>
-            <a:r>
-              <a:rPr b="0" lang="en-US" sz="3200" spc="-1" strike="noStrike">
-                <a:solidFill>
-                  <a:srgbClr val="ffffff"/>
-                </a:solidFill>
-                <a:highlight>
-                  <a:srgbClr val="81d41a"/>
-                </a:highlight>
-                <a:latin typeface="Arial"/>
-                <a:ea typeface="Source Han Sans CN"/>
-              </a:rPr>
-              <a:t>)</a:t>
-            </a:r>
-            <a:r>
-              <a:rPr b="0" lang="en-US" sz="3200" spc="-1" strike="noStrike">
-                <a:solidFill>
-                  <a:srgbClr val="ffffff"/>
-                </a:solidFill>
-                <a:latin typeface="Arial"/>
-                <a:ea typeface="Source Han Sans CN"/>
-              </a:rPr>
-              <a:t> = 2019</a:t>
+                <a:latin typeface="DejaVu Sans"/>
+                <a:ea typeface="DejaVu Sans"/>
+              </a:rPr>
+              <a:t>≠ 1026</a:t>
             </a:r>
             <a:endParaRPr b="0" lang="en-US" sz="3200" spc="-1" strike="noStrike">
               <a:solidFill>
@@ -24903,49 +25035,9 @@
                 <a:solidFill>
                   <a:srgbClr val="ffffff"/>
                 </a:solidFill>
-                <a:latin typeface="Arial"/>
-                <a:ea typeface="Source Han Sans CN"/>
-              </a:rPr>
-              <a:t>2019 </a:t>
-            </a:r>
-            <a:r>
-              <a:rPr b="0" lang="en-US" sz="3200" spc="-1" strike="noStrike">
-                <a:solidFill>
-                  <a:srgbClr val="ffffff"/>
-                </a:solidFill>
                 <a:latin typeface="DejaVu Sans"/>
                 <a:ea typeface="DejaVu Sans"/>
               </a:rPr>
-              <a:t>≠ 3008</a:t>
-            </a:r>
-            <a:endParaRPr b="0" lang="en-US" sz="3200" spc="-1" strike="noStrike">
-              <a:solidFill>
-                <a:srgbClr val="ffffff"/>
-              </a:solidFill>
-              <a:latin typeface="Arial"/>
-            </a:endParaRPr>
-          </a:p>
-          <a:p>
-            <a:pPr marL="432000" indent="0">
-              <a:lnSpc>
-                <a:spcPct val="100000"/>
-              </a:lnSpc>
-              <a:spcBef>
-                <a:spcPts val="1417"/>
-              </a:spcBef>
-              <a:buNone/>
-              <a:tabLst>
-                <a:tab algn="l" pos="0"/>
-              </a:tabLst>
-            </a:pPr>
-            <a:r>
-              <a:rPr b="0" lang="en-US" sz="3200" spc="-1" strike="noStrike">
-                <a:solidFill>
-                  <a:srgbClr val="ffffff"/>
-                </a:solidFill>
-                <a:latin typeface="DejaVu Sans"/>
-                <a:ea typeface="DejaVu Sans"/>
-              </a:rPr>
               <a:t>Therefore we slide to the next window of characters.</a:t>
             </a:r>
             <a:endParaRPr b="0" lang="en-US" sz="3200" spc="-1" strike="noStrike">
@@ -24959,7 +25051,7 @@
       </p:sp>
       <p:pic>
         <p:nvPicPr>
-          <p:cNvPr id="388" name="" descr=""/>
+          <p:cNvPr id="386" name="" descr=""/>
           <p:cNvPicPr/>
           <p:nvPr/>
         </p:nvPicPr>
@@ -24970,7 +25062,7 @@
         <p:spPr>
           <a:xfrm>
             <a:off x="7772400" y="2743200"/>
-            <a:ext cx="2255760" cy="789120"/>
+            <a:ext cx="2255400" cy="788760"/>
           </a:xfrm>
           <a:prstGeom prst="rect">
             <a:avLst/>
@@ -24982,14 +25074,14 @@
       </p:pic>
       <p:sp>
         <p:nvSpPr>
-          <p:cNvPr id="389" name=""/>
+          <p:cNvPr id="387" name=""/>
           <p:cNvSpPr/>
           <p:nvPr/>
         </p:nvSpPr>
         <p:spPr>
           <a:xfrm>
             <a:off x="7772400" y="2057400"/>
-            <a:ext cx="2285280" cy="345600"/>
+            <a:ext cx="2284920" cy="345240"/>
           </a:xfrm>
           <a:prstGeom prst="rect">
             <a:avLst/>
@@ -25073,7 +25165,7 @@
       </p:grpSpPr>
       <p:sp>
         <p:nvSpPr>
-          <p:cNvPr id="390" name="PlaceHolder 1"/>
+          <p:cNvPr id="388" name="PlaceHolder 1"/>
           <p:cNvSpPr>
             <a:spLocks noGrp="1"/>
           </p:cNvSpPr>
@@ -25084,7 +25176,7 @@
         <p:spPr>
           <a:xfrm>
             <a:off x="723600" y="497160"/>
-            <a:ext cx="10738080" cy="1101240"/>
+            <a:ext cx="10737720" cy="1100880"/>
           </a:xfrm>
           <a:prstGeom prst="rect">
             <a:avLst/>
@@ -25128,7 +25220,7 @@
       </p:sp>
       <p:sp>
         <p:nvSpPr>
-          <p:cNvPr id="391" name="PlaceHolder 2"/>
+          <p:cNvPr id="389" name="PlaceHolder 2"/>
           <p:cNvSpPr>
             <a:spLocks noGrp="1"/>
           </p:cNvSpPr>
@@ -25139,7 +25231,7 @@
         <p:spPr>
           <a:xfrm>
             <a:off x="700920" y="1600200"/>
-            <a:ext cx="10819080" cy="4565880"/>
+            <a:ext cx="10818720" cy="4565520"/>
           </a:xfrm>
           <a:prstGeom prst="rect">
             <a:avLst/>
@@ -25151,7 +25243,7 @@
         </p:spPr>
         <p:txBody>
           <a:bodyPr lIns="0" rIns="0" tIns="0" bIns="0" anchor="t">
-            <a:normAutofit fontScale="80000"/>
+            <a:normAutofit fontScale="88000"/>
           </a:bodyPr>
           <a:p>
             <a:pPr marL="432000" indent="0">
@@ -25193,7 +25285,7 @@
                 </a:solidFill>
                 <a:latin typeface="Arial"/>
               </a:rPr>
-              <a:t>t = a b </a:t>
+              <a:t>t = a </a:t>
             </a:r>
             <a:r>
               <a:rPr b="0" lang="en-US" sz="3200" spc="-1" strike="noStrike">
@@ -25205,7 +25297,7 @@
                 </a:highlight>
                 <a:latin typeface="Arial"/>
               </a:rPr>
-              <a:t>c d a</a:t>
+              <a:t>b c d</a:t>
             </a:r>
             <a:r>
               <a:rPr b="0" lang="en-US" sz="3200" spc="-1" strike="noStrike">
@@ -25214,7 +25306,7 @@
                 </a:solidFill>
                 <a:latin typeface="Arial"/>
               </a:rPr>
-              <a:t>   |   p = cda</a:t>
+              <a:t> a   |   p = cda</a:t>
             </a:r>
             <a:endParaRPr b="0" lang="en-US" sz="3200" spc="-1" strike="noStrike">
               <a:solidFill>
@@ -25354,7 +25446,7 @@
                 <a:latin typeface="Arial"/>
                 <a:ea typeface="Source Han Sans CN"/>
               </a:rPr>
-              <a:t>H(t[1..3]) = </a:t>
+              <a:t>H(t[0..2]) = </a:t>
             </a:r>
             <a:r>
               <a:rPr b="0" lang="en-US" sz="3200" spc="-1" strike="noStrike">
@@ -25362,12 +25454,12 @@
                   <a:srgbClr val="ffffff"/>
                 </a:solidFill>
                 <a:highlight>
-                  <a:srgbClr val="ffaa95"/>
+                  <a:srgbClr val="ffa6a6"/>
                 </a:highlight>
                 <a:latin typeface="Arial"/>
                 <a:ea typeface="Source Han Sans CN"/>
               </a:rPr>
-              <a:t>(2 * 31</a:t>
+              <a:t>(1 * 31</a:t>
             </a:r>
             <a:r>
               <a:rPr b="0" lang="en-US" sz="3200" spc="-1" strike="noStrike" baseline="33000">
@@ -25375,7 +25467,7 @@
                   <a:srgbClr val="ffffff"/>
                 </a:solidFill>
                 <a:highlight>
-                  <a:srgbClr val="ffaa95"/>
+                  <a:srgbClr val="ffa6a6"/>
                 </a:highlight>
                 <a:latin typeface="Arial"/>
                 <a:ea typeface="Source Han Sans CN"/>
@@ -25388,7 +25480,7 @@
                   <a:srgbClr val="ffffff"/>
                 </a:solidFill>
                 <a:highlight>
-                  <a:srgbClr val="ffaa95"/>
+                  <a:srgbClr val="ffa6a6"/>
                 </a:highlight>
                 <a:latin typeface="Arial"/>
                 <a:ea typeface="Source Han Sans CN"/>
@@ -25403,7 +25495,7 @@
                 <a:latin typeface="Arial"/>
                 <a:ea typeface="Source Han Sans CN"/>
               </a:rPr>
-              <a:t> + (3 * 31</a:t>
+              <a:t> + (2 * 31</a:t>
             </a:r>
             <a:r>
               <a:rPr b="0" lang="en-US" sz="3200" spc="-1" strike="noStrike" baseline="33000">
@@ -25423,7 +25515,7 @@
                 <a:latin typeface="Arial"/>
                 <a:ea typeface="Source Han Sans CN"/>
               </a:rPr>
-              <a:t>) + (4 * 31</a:t>
+              <a:t>) + (3 * 31</a:t>
             </a:r>
             <a:r>
               <a:rPr b="0" lang="en-US" sz="3200" spc="-1" strike="noStrike" baseline="33000">
@@ -25443,7 +25535,7 @@
                 <a:latin typeface="Arial"/>
                 <a:ea typeface="Source Han Sans CN"/>
               </a:rPr>
-              <a:t>) = 2019</a:t>
+              <a:t>) = 1026</a:t>
             </a:r>
             <a:endParaRPr b="0" lang="en-US" sz="3200" spc="-1" strike="noStrike">
               <a:solidFill>
@@ -25473,7 +25565,7 @@
                 <a:latin typeface="Arial"/>
                 <a:ea typeface="Source Han Sans CN"/>
               </a:rPr>
-              <a:t>H(t[2..4]) = 31 [(3 * 31</a:t>
+              <a:t>H(t[1..3]) = 31 [(2 * 31</a:t>
             </a:r>
             <a:r>
               <a:rPr b="0" lang="en-US" sz="3200" spc="-1" strike="noStrike" baseline="33000">
@@ -25493,7 +25585,7 @@
                 <a:latin typeface="Arial"/>
                 <a:ea typeface="Source Han Sans CN"/>
               </a:rPr>
-              <a:t>) + (4 * 31</a:t>
+              <a:t>) + (3 * 31</a:t>
             </a:r>
             <a:r>
               <a:rPr b="0" lang="en-US" sz="3200" spc="-1" strike="noStrike" baseline="33000">
@@ -25526,7 +25618,7 @@
                 <a:latin typeface="Arial"/>
                 <a:ea typeface="Source Han Sans CN"/>
               </a:rPr>
-              <a:t>(1 * 31</a:t>
+              <a:t>(4 * 31</a:t>
             </a:r>
             <a:r>
               <a:rPr b="0" lang="en-US" sz="3200" spc="-1" strike="noStrike" baseline="33000">
@@ -25562,7 +25654,7 @@
                 <a:latin typeface="Arial"/>
                 <a:ea typeface="Source Han Sans CN"/>
               </a:rPr>
-              <a:t> = 2977</a:t>
+              <a:t> = 2019</a:t>
             </a:r>
             <a:endParaRPr b="0" lang="en-US" sz="3200" spc="-1" strike="noStrike">
               <a:solidFill>
@@ -25592,7 +25684,7 @@
                 <a:latin typeface="Arial"/>
                 <a:ea typeface="Source Han Sans CN"/>
               </a:rPr>
-              <a:t>3008 =</a:t>
+              <a:t>2019 </a:t>
             </a:r>
             <a:r>
               <a:rPr b="0" lang="en-US" sz="3200" spc="-1" strike="noStrike">
@@ -25602,7 +25694,7 @@
                 <a:latin typeface="DejaVu Sans"/>
                 <a:ea typeface="DejaVu Sans"/>
               </a:rPr>
-              <a:t> 3008 ✓</a:t>
+              <a:t>≠ 3008</a:t>
             </a:r>
             <a:endParaRPr b="0" lang="en-US" sz="3200" spc="-1" strike="noStrike">
               <a:solidFill>
@@ -25632,7 +25724,7 @@
                 <a:latin typeface="DejaVu Sans"/>
                 <a:ea typeface="DejaVu Sans"/>
               </a:rPr>
-              <a:t>Match! Therefore return the index of the occurrence, which is 2 in this case.</a:t>
+              <a:t>Therefore we slide to the next window of characters.</a:t>
             </a:r>
             <a:endParaRPr b="0" lang="en-US" sz="3200" spc="-1" strike="noStrike">
               <a:solidFill>
@@ -25645,7 +25737,7 @@
       </p:sp>
       <p:pic>
         <p:nvPicPr>
-          <p:cNvPr id="392" name="" descr=""/>
+          <p:cNvPr id="390" name="" descr=""/>
           <p:cNvPicPr/>
           <p:nvPr/>
         </p:nvPicPr>
@@ -25656,7 +25748,7 @@
         <p:spPr>
           <a:xfrm>
             <a:off x="7772400" y="2743200"/>
-            <a:ext cx="2255760" cy="789120"/>
+            <a:ext cx="2255400" cy="788760"/>
           </a:xfrm>
           <a:prstGeom prst="rect">
             <a:avLst/>
@@ -25668,14 +25760,14 @@
       </p:pic>
       <p:sp>
         <p:nvSpPr>
-          <p:cNvPr id="393" name=""/>
+          <p:cNvPr id="391" name=""/>
           <p:cNvSpPr/>
           <p:nvPr/>
         </p:nvSpPr>
         <p:spPr>
           <a:xfrm>
             <a:off x="7772400" y="2057400"/>
-            <a:ext cx="2285280" cy="345600"/>
+            <a:ext cx="2284920" cy="345240"/>
           </a:xfrm>
           <a:prstGeom prst="rect">
             <a:avLst/>
@@ -25759,7 +25851,7 @@
       </p:grpSpPr>
       <p:sp>
         <p:nvSpPr>
-          <p:cNvPr id="394" name="PlaceHolder 1"/>
+          <p:cNvPr id="392" name="PlaceHolder 1"/>
           <p:cNvSpPr>
             <a:spLocks noGrp="1"/>
           </p:cNvSpPr>
@@ -25769,8 +25861,8 @@
         </p:nvSpPr>
         <p:spPr>
           <a:xfrm>
-            <a:off x="609120" y="273600"/>
-            <a:ext cx="10967040" cy="1142280"/>
+            <a:off x="723600" y="497160"/>
+            <a:ext cx="10737720" cy="1100880"/>
           </a:xfrm>
           <a:prstGeom prst="rect">
             <a:avLst/>
@@ -25801,7 +25893,7 @@
                 </a:solidFill>
                 <a:latin typeface="Arial"/>
               </a:rPr>
-              <a:t>Rabin-Karp Algorithm</a:t>
+              <a:t>Example walkthrough</a:t>
             </a:r>
             <a:endParaRPr b="0" lang="en-US" sz="4400" spc="-1" strike="noStrike">
               <a:solidFill>
@@ -25814,7 +25906,7 @@
       </p:sp>
       <p:sp>
         <p:nvSpPr>
-          <p:cNvPr id="395" name="PlaceHolder 2"/>
+          <p:cNvPr id="393" name="PlaceHolder 2"/>
           <p:cNvSpPr>
             <a:spLocks noGrp="1"/>
           </p:cNvSpPr>
@@ -25824,8 +25916,8 @@
         </p:nvSpPr>
         <p:spPr>
           <a:xfrm>
-            <a:off x="609120" y="1604520"/>
-            <a:ext cx="5350320" cy="3974760"/>
+            <a:off x="700920" y="1600200"/>
+            <a:ext cx="10818720" cy="4565520"/>
           </a:xfrm>
           <a:prstGeom prst="rect">
             <a:avLst/>
@@ -25837,7 +25929,7 @@
         </p:spPr>
         <p:txBody>
           <a:bodyPr lIns="0" rIns="0" tIns="0" bIns="0" anchor="t">
-            <a:normAutofit/>
+            <a:normAutofit fontScale="80000"/>
           </a:bodyPr>
           <a:p>
             <a:pPr marL="432000" indent="0">
@@ -25860,103 +25952,6 @@
             </a:endParaRPr>
           </a:p>
           <a:p>
-            <a:pPr marL="432000" indent="-324000">
-              <a:lnSpc>
-                <a:spcPct val="100000"/>
-              </a:lnSpc>
-              <a:spcBef>
-                <a:spcPts val="1417"/>
-              </a:spcBef>
-              <a:buClr>
-                <a:srgbClr val="ffffff"/>
-              </a:buClr>
-              <a:buSzPct val="45000"/>
-              <a:buFont typeface="Wingdings" charset="2"/>
-              <a:buChar char=""/>
-              <a:tabLst>
-                <a:tab algn="l" pos="0"/>
-              </a:tabLst>
-            </a:pPr>
-            <a:r>
-              <a:rPr b="0" lang="en-US" sz="3200" spc="-1" strike="noStrike">
-                <a:solidFill>
-                  <a:srgbClr val="ffffff"/>
-                </a:solidFill>
-                <a:latin typeface="Arial"/>
-              </a:rPr>
-              <a:t>Pros</a:t>
-            </a:r>
-            <a:endParaRPr b="0" lang="en-US" sz="3200" spc="-1" strike="noStrike">
-              <a:solidFill>
-                <a:srgbClr val="ffffff"/>
-              </a:solidFill>
-              <a:latin typeface="Arial"/>
-            </a:endParaRPr>
-          </a:p>
-          <a:p>
-            <a:pPr lvl="1" marL="864000" indent="-324000">
-              <a:lnSpc>
-                <a:spcPct val="100000"/>
-              </a:lnSpc>
-              <a:spcBef>
-                <a:spcPts val="1134"/>
-              </a:spcBef>
-              <a:buClr>
-                <a:srgbClr val="ffffff"/>
-              </a:buClr>
-              <a:buSzPct val="75000"/>
-              <a:buFont typeface="Symbol"/>
-              <a:buChar char=""/>
-              <a:tabLst>
-                <a:tab algn="l" pos="0"/>
-              </a:tabLst>
-            </a:pPr>
-            <a:r>
-              <a:rPr b="0" lang="en-US" sz="3200" spc="-1" strike="noStrike">
-                <a:solidFill>
-                  <a:srgbClr val="ffffff"/>
-                </a:solidFill>
-                <a:latin typeface="Arial"/>
-              </a:rPr>
-              <a:t>More space efficient than KMP</a:t>
-            </a:r>
-            <a:endParaRPr b="0" lang="en-US" sz="3200" spc="-1" strike="noStrike">
-              <a:solidFill>
-                <a:srgbClr val="ffffff"/>
-              </a:solidFill>
-              <a:latin typeface="Arial"/>
-            </a:endParaRPr>
-          </a:p>
-        </p:txBody>
-      </p:sp>
-      <p:sp>
-        <p:nvSpPr>
-          <p:cNvPr id="396" name="PlaceHolder 3"/>
-          <p:cNvSpPr>
-            <a:spLocks noGrp="1"/>
-          </p:cNvSpPr>
-          <p:nvPr>
-            <p:ph/>
-          </p:nvPr>
-        </p:nvSpPr>
-        <p:spPr>
-          <a:xfrm>
-            <a:off x="6230160" y="1604520"/>
-            <a:ext cx="5350320" cy="3974760"/>
-          </a:xfrm>
-          <a:prstGeom prst="rect">
-            <a:avLst/>
-          </a:prstGeom>
-          <a:noFill/>
-          <a:ln w="0">
-            <a:noFill/>
-          </a:ln>
-        </p:spPr>
-        <p:txBody>
-          <a:bodyPr lIns="0" rIns="0" tIns="0" bIns="0" anchor="t">
-            <a:normAutofit fontScale="94000"/>
-          </a:bodyPr>
-          <a:p>
             <a:pPr marL="432000" indent="0">
               <a:lnSpc>
                 <a:spcPct val="100000"/>
@@ -25969,6 +25964,36 @@
                 <a:tab algn="l" pos="0"/>
               </a:tabLst>
             </a:pPr>
+            <a:r>
+              <a:rPr b="0" lang="en-US" sz="3200" spc="-1" strike="noStrike">
+                <a:solidFill>
+                  <a:srgbClr val="ffffff"/>
+                </a:solidFill>
+                <a:latin typeface="Arial"/>
+              </a:rPr>
+              <a:t>t = a b </a:t>
+            </a:r>
+            <a:r>
+              <a:rPr b="0" lang="en-US" sz="3200" spc="-1" strike="noStrike">
+                <a:solidFill>
+                  <a:srgbClr val="ffffff"/>
+                </a:solidFill>
+                <a:highlight>
+                  <a:srgbClr val="81d41a"/>
+                </a:highlight>
+                <a:latin typeface="Arial"/>
+              </a:rPr>
+              <a:t>c d a</a:t>
+            </a:r>
+            <a:r>
+              <a:rPr b="0" lang="en-US" sz="3200" spc="-1" strike="noStrike">
+                <a:solidFill>
+                  <a:srgbClr val="ffffff"/>
+                </a:solidFill>
+                <a:latin typeface="Arial"/>
+              </a:rPr>
+              <a:t>   |   p = cda</a:t>
+            </a:r>
             <a:endParaRPr b="0" lang="en-US" sz="3200" spc="-1" strike="noStrike">
               <a:solidFill>
                 <a:srgbClr val="ffffff"/>
@@ -25977,19 +26002,14 @@
             </a:endParaRPr>
           </a:p>
           <a:p>
-            <a:pPr marL="432000" indent="-324000">
+            <a:pPr marL="432000" indent="0">
               <a:lnSpc>
                 <a:spcPct val="100000"/>
               </a:lnSpc>
               <a:spcBef>
                 <a:spcPts val="1417"/>
               </a:spcBef>
-              <a:buClr>
-                <a:srgbClr val="ffffff"/>
-              </a:buClr>
-              <a:buSzPct val="45000"/>
-              <a:buFont typeface="Wingdings" charset="2"/>
-              <a:buChar char=""/>
+              <a:buNone/>
               <a:tabLst>
                 <a:tab algn="l" pos="0"/>
               </a:tabLst>
@@ -26000,9 +26020,60 @@
                   <a:srgbClr val="ffffff"/>
                 </a:solidFill>
                 <a:latin typeface="Arial"/>
-              </a:rPr>
-              <a:t>Cons</a:t>
+                <a:ea typeface="Source Han Sans CN"/>
+              </a:rPr>
+              <a:t>H(p) = 3 * 31</a:t>
             </a:r>
+            <a:r>
+              <a:rPr b="0" lang="en-US" sz="3200" spc="-1" strike="noStrike" baseline="33000">
+                <a:solidFill>
+                  <a:srgbClr val="ffffff"/>
+                </a:solidFill>
+                <a:latin typeface="Arial"/>
+                <a:ea typeface="Source Han Sans CN"/>
+              </a:rPr>
+              <a:t>2</a:t>
+            </a:r>
+            <a:r>
+              <a:rPr b="0" lang="en-US" sz="3200" spc="-1" strike="noStrike">
+                <a:solidFill>
+                  <a:srgbClr val="ffffff"/>
+                </a:solidFill>
+                <a:latin typeface="Arial"/>
+                <a:ea typeface="Source Han Sans CN"/>
+              </a:rPr>
+              <a:t> + 4 * 31</a:t>
+            </a:r>
+            <a:r>
+              <a:rPr b="0" lang="en-US" sz="3200" spc="-1" strike="noStrike" baseline="33000">
+                <a:solidFill>
+                  <a:srgbClr val="ffffff"/>
+                </a:solidFill>
+                <a:latin typeface="Arial"/>
+                <a:ea typeface="Source Han Sans CN"/>
+              </a:rPr>
+              <a:t>1</a:t>
+            </a:r>
+            <a:r>
+              <a:rPr b="0" lang="en-US" sz="3200" spc="-1" strike="noStrike">
+                <a:solidFill>
+                  <a:srgbClr val="ffffff"/>
+                </a:solidFill>
+                <a:latin typeface="Arial"/>
+                <a:ea typeface="Source Han Sans CN"/>
+              </a:rPr>
+              <a:t> + 1 * 31</a:t>
+            </a:r>
+            <a:r>
+              <a:rPr b="0" lang="en-US" sz="3200" spc="-1" strike="noStrike" baseline="33000">
+                <a:solidFill>
+                  <a:srgbClr val="ffffff"/>
+                </a:solidFill>
+                <a:latin typeface="Arial"/>
+                <a:ea typeface="Source Han Sans CN"/>
+              </a:rPr>
+              <a:t>0</a:t>
+            </a:r>
             <a:endParaRPr b="0" lang="en-US" sz="3200" spc="-1" strike="noStrike">
               <a:solidFill>
                 <a:srgbClr val="ffffff"/>
@@ -26011,19 +26082,14 @@
             </a:endParaRPr>
           </a:p>
           <a:p>
-            <a:pPr lvl="1" marL="864000" indent="-324000">
+            <a:pPr marL="432000" indent="0">
               <a:lnSpc>
                 <a:spcPct val="100000"/>
               </a:lnSpc>
               <a:spcBef>
-                <a:spcPts val="1134"/>
-              </a:spcBef>
-              <a:buClr>
-                <a:srgbClr val="ffffff"/>
-              </a:buClr>
-              <a:buSzPct val="75000"/>
-              <a:buFont typeface="Symbol"/>
-              <a:buChar char=""/>
+                <a:spcPts val="1417"/>
+              </a:spcBef>
+              <a:buNone/>
               <a:tabLst>
                 <a:tab algn="l" pos="0"/>
               </a:tabLst>
@@ -26034,10 +26100,396 @@
                   <a:srgbClr val="ffffff"/>
                 </a:solidFill>
                 <a:latin typeface="Arial"/>
-              </a:rPr>
-              <a:t>If your hash function is not properly created for the problem to be solved, then there would be more spurious hits than necessary.</a:t>
+                <a:ea typeface="Source Han Sans CN"/>
+              </a:rPr>
+              <a:t>=  3008</a:t>
             </a:r>
             <a:endParaRPr b="0" lang="en-US" sz="3200" spc="-1" strike="noStrike">
+              <a:solidFill>
+                <a:srgbClr val="ffffff"/>
+              </a:solidFill>
+              <a:latin typeface="Arial"/>
+            </a:endParaRPr>
+          </a:p>
+          <a:p>
+            <a:pPr marL="432000" indent="0">
+              <a:lnSpc>
+                <a:spcPct val="100000"/>
+              </a:lnSpc>
+              <a:spcBef>
+                <a:spcPts val="1417"/>
+              </a:spcBef>
+              <a:buNone/>
+              <a:tabLst>
+                <a:tab algn="l" pos="0"/>
+              </a:tabLst>
+            </a:pPr>
+            <a:r>
+              <a:rPr b="0" lang="en-US" sz="3200" spc="-1" strike="noStrike">
+                <a:solidFill>
+                  <a:srgbClr val="ffffff"/>
+                </a:solidFill>
+                <a:latin typeface="Arial"/>
+                <a:ea typeface="Source Han Sans CN"/>
+              </a:rPr>
+              <a:t>H(t[1..3]) = </a:t>
+            </a:r>
+            <a:r>
+              <a:rPr b="0" lang="en-US" sz="3200" spc="-1" strike="noStrike">
+                <a:solidFill>
+                  <a:srgbClr val="ffffff"/>
+                </a:solidFill>
+                <a:highlight>
+                  <a:srgbClr val="ffaa95"/>
+                </a:highlight>
+                <a:latin typeface="Arial"/>
+                <a:ea typeface="Source Han Sans CN"/>
+              </a:rPr>
+              <a:t>(2 * 31</a:t>
+            </a:r>
+            <a:r>
+              <a:rPr b="0" lang="en-US" sz="3200" spc="-1" strike="noStrike" baseline="33000">
+                <a:solidFill>
+                  <a:srgbClr val="ffffff"/>
+                </a:solidFill>
+                <a:highlight>
+                  <a:srgbClr val="ffaa95"/>
+                </a:highlight>
+                <a:latin typeface="Arial"/>
+                <a:ea typeface="Source Han Sans CN"/>
+              </a:rPr>
+              <a:t>2</a:t>
+            </a:r>
+            <a:r>
+              <a:rPr b="0" lang="en-US" sz="3200" spc="-1" strike="noStrike">
+                <a:solidFill>
+                  <a:srgbClr val="ffffff"/>
+                </a:solidFill>
+                <a:highlight>
+                  <a:srgbClr val="ffaa95"/>
+                </a:highlight>
+                <a:latin typeface="Arial"/>
+                <a:ea typeface="Source Han Sans CN"/>
+              </a:rPr>
+              <a:t>)</a:t>
+            </a:r>
+            <a:r>
+              <a:rPr b="0" lang="en-US" sz="3200" spc="-1" strike="noStrike">
+                <a:solidFill>
+                  <a:srgbClr val="ffffff"/>
+                </a:solidFill>
+                <a:latin typeface="Arial"/>
+                <a:ea typeface="Source Han Sans CN"/>
+              </a:rPr>
+              <a:t> + (3 * 31</a:t>
+            </a:r>
+            <a:r>
+              <a:rPr b="0" lang="en-US" sz="3200" spc="-1" strike="noStrike" baseline="33000">
+                <a:solidFill>
+                  <a:srgbClr val="ffffff"/>
+                </a:solidFill>
+                <a:latin typeface="Arial"/>
+                <a:ea typeface="Source Han Sans CN"/>
+              </a:rPr>
+              <a:t>1</a:t>
+            </a:r>
+            <a:r>
+              <a:rPr b="0" lang="en-US" sz="3200" spc="-1" strike="noStrike">
+                <a:solidFill>
+                  <a:srgbClr val="ffffff"/>
+                </a:solidFill>
+                <a:latin typeface="Arial"/>
+                <a:ea typeface="Source Han Sans CN"/>
+              </a:rPr>
+              <a:t>) + (4 * 31</a:t>
+            </a:r>
+            <a:r>
+              <a:rPr b="0" lang="en-US" sz="3200" spc="-1" strike="noStrike" baseline="33000">
+                <a:solidFill>
+                  <a:srgbClr val="ffffff"/>
+                </a:solidFill>
+                <a:latin typeface="Arial"/>
+                <a:ea typeface="Source Han Sans CN"/>
+              </a:rPr>
+              <a:t>0</a:t>
+            </a:r>
+            <a:r>
+              <a:rPr b="0" lang="en-US" sz="3200" spc="-1" strike="noStrike">
+                <a:solidFill>
+                  <a:srgbClr val="ffffff"/>
+                </a:solidFill>
+                <a:latin typeface="Arial"/>
+                <a:ea typeface="Source Han Sans CN"/>
+              </a:rPr>
+              <a:t>) = 2019</a:t>
+            </a:r>
+            <a:endParaRPr b="0" lang="en-US" sz="3200" spc="-1" strike="noStrike">
+              <a:solidFill>
+                <a:srgbClr val="ffffff"/>
+              </a:solidFill>
+              <a:latin typeface="Arial"/>
+            </a:endParaRPr>
+          </a:p>
+          <a:p>
+            <a:pPr marL="432000" indent="0">
+              <a:lnSpc>
+                <a:spcPct val="100000"/>
+              </a:lnSpc>
+              <a:spcBef>
+                <a:spcPts val="1417"/>
+              </a:spcBef>
+              <a:buNone/>
+              <a:tabLst>
+                <a:tab algn="l" pos="0"/>
+              </a:tabLst>
+            </a:pPr>
+            <a:r>
+              <a:rPr b="0" lang="en-US" sz="3200" spc="-1" strike="noStrike">
+                <a:solidFill>
+                  <a:srgbClr val="ffffff"/>
+                </a:solidFill>
+                <a:latin typeface="Arial"/>
+                <a:ea typeface="Source Han Sans CN"/>
+              </a:rPr>
+              <a:t>H(t[2..4]) = 31 [(3 * 31</a:t>
+            </a:r>
+            <a:r>
+              <a:rPr b="0" lang="en-US" sz="3200" spc="-1" strike="noStrike" baseline="33000">
+                <a:solidFill>
+                  <a:srgbClr val="ffffff"/>
+                </a:solidFill>
+                <a:latin typeface="Arial"/>
+                <a:ea typeface="Source Han Sans CN"/>
+              </a:rPr>
+              <a:t>1</a:t>
+            </a:r>
+            <a:r>
+              <a:rPr b="0" lang="en-US" sz="3200" spc="-1" strike="noStrike">
+                <a:solidFill>
+                  <a:srgbClr val="ffffff"/>
+                </a:solidFill>
+                <a:latin typeface="Arial"/>
+                <a:ea typeface="Source Han Sans CN"/>
+              </a:rPr>
+              <a:t>) + (4 * 31</a:t>
+            </a:r>
+            <a:r>
+              <a:rPr b="0" lang="en-US" sz="3200" spc="-1" strike="noStrike" baseline="33000">
+                <a:solidFill>
+                  <a:srgbClr val="ffffff"/>
+                </a:solidFill>
+                <a:latin typeface="Arial"/>
+                <a:ea typeface="Source Han Sans CN"/>
+              </a:rPr>
+              <a:t>0</a:t>
+            </a:r>
+            <a:r>
+              <a:rPr b="0" lang="en-US" sz="3200" spc="-1" strike="noStrike">
+                <a:solidFill>
+                  <a:srgbClr val="ffffff"/>
+                </a:solidFill>
+                <a:latin typeface="Arial"/>
+                <a:ea typeface="Source Han Sans CN"/>
+              </a:rPr>
+              <a:t>)] + </a:t>
+            </a:r>
+            <a:r>
+              <a:rPr b="0" lang="en-US" sz="3200" spc="-1" strike="noStrike">
+                <a:solidFill>
+                  <a:srgbClr val="ffffff"/>
+                </a:solidFill>
+                <a:highlight>
+                  <a:srgbClr val="81d41a"/>
+                </a:highlight>
+                <a:latin typeface="Arial"/>
+                <a:ea typeface="Source Han Sans CN"/>
+              </a:rPr>
+              <a:t>(1 * 31</a:t>
+            </a:r>
+            <a:r>
+              <a:rPr b="0" lang="en-US" sz="3200" spc="-1" strike="noStrike" baseline="33000">
+                <a:solidFill>
+                  <a:srgbClr val="ffffff"/>
+                </a:solidFill>
+                <a:highlight>
+                  <a:srgbClr val="81d41a"/>
+                </a:highlight>
+                <a:latin typeface="Arial"/>
+                <a:ea typeface="Source Han Sans CN"/>
+              </a:rPr>
+              <a:t>0</a:t>
+            </a:r>
+            <a:r>
+              <a:rPr b="0" lang="en-US" sz="3200" spc="-1" strike="noStrike">
+                <a:solidFill>
+                  <a:srgbClr val="ffffff"/>
+                </a:solidFill>
+                <a:highlight>
+                  <a:srgbClr val="81d41a"/>
+                </a:highlight>
+                <a:latin typeface="Arial"/>
+                <a:ea typeface="Source Han Sans CN"/>
+              </a:rPr>
+              <a:t>)</a:t>
+            </a:r>
+            <a:r>
+              <a:rPr b="0" lang="en-US" sz="3200" spc="-1" strike="noStrike">
+                <a:solidFill>
+                  <a:srgbClr val="ffffff"/>
+                </a:solidFill>
+                <a:latin typeface="Arial"/>
+                <a:ea typeface="Source Han Sans CN"/>
+              </a:rPr>
+              <a:t> = 2977</a:t>
+            </a:r>
+            <a:endParaRPr b="0" lang="en-US" sz="3200" spc="-1" strike="noStrike">
+              <a:solidFill>
+                <a:srgbClr val="ffffff"/>
+              </a:solidFill>
+              <a:latin typeface="Arial"/>
+            </a:endParaRPr>
+          </a:p>
+          <a:p>
+            <a:pPr marL="432000" indent="0">
+              <a:lnSpc>
+                <a:spcPct val="100000"/>
+              </a:lnSpc>
+              <a:spcBef>
+                <a:spcPts val="1417"/>
+              </a:spcBef>
+              <a:buNone/>
+              <a:tabLst>
+                <a:tab algn="l" pos="0"/>
+              </a:tabLst>
+            </a:pPr>
+            <a:r>
+              <a:rPr b="0" lang="en-US" sz="3200" spc="-1" strike="noStrike">
+                <a:solidFill>
+                  <a:srgbClr val="ffffff"/>
+                </a:solidFill>
+                <a:latin typeface="Arial"/>
+                <a:ea typeface="Source Han Sans CN"/>
+              </a:rPr>
+              <a:t>3008 =</a:t>
+            </a:r>
+            <a:r>
+              <a:rPr b="0" lang="en-US" sz="3200" spc="-1" strike="noStrike">
+                <a:solidFill>
+                  <a:srgbClr val="ffffff"/>
+                </a:solidFill>
+                <a:latin typeface="DejaVu Sans"/>
+                <a:ea typeface="DejaVu Sans"/>
+              </a:rPr>
+              <a:t> 3008 ✓</a:t>
+            </a:r>
+            <a:endParaRPr b="0" lang="en-US" sz="3200" spc="-1" strike="noStrike">
+              <a:solidFill>
+                <a:srgbClr val="ffffff"/>
+              </a:solidFill>
+              <a:latin typeface="Arial"/>
+            </a:endParaRPr>
+          </a:p>
+          <a:p>
+            <a:pPr marL="432000" indent="0">
+              <a:lnSpc>
+                <a:spcPct val="100000"/>
+              </a:lnSpc>
+              <a:spcBef>
+                <a:spcPts val="1417"/>
+              </a:spcBef>
+              <a:buNone/>
+              <a:tabLst>
+                <a:tab algn="l" pos="0"/>
+              </a:tabLst>
+            </a:pPr>
+            <a:r>
+              <a:rPr b="0" lang="en-US" sz="3200" spc="-1" strike="noStrike">
+                <a:solidFill>
+                  <a:srgbClr val="ffffff"/>
+                </a:solidFill>
+                <a:latin typeface="DejaVu Sans"/>
+                <a:ea typeface="DejaVu Sans"/>
+              </a:rPr>
+              <a:t>Match! Therefore return the index of the occurrence, which is 2 in this case.</a:t>
+            </a:r>
+            <a:endParaRPr b="0" lang="en-US" sz="3200" spc="-1" strike="noStrike">
+              <a:solidFill>
+                <a:srgbClr val="ffffff"/>
+              </a:solidFill>
+              <a:latin typeface="Arial"/>
+            </a:endParaRPr>
+          </a:p>
+        </p:txBody>
+      </p:sp>
+      <p:pic>
+        <p:nvPicPr>
+          <p:cNvPr id="394" name="" descr=""/>
+          <p:cNvPicPr/>
+          <p:nvPr/>
+        </p:nvPicPr>
+        <p:blipFill>
+          <a:blip r:embed="rId1"/>
+          <a:stretch/>
+        </p:blipFill>
+        <p:spPr>
+          <a:xfrm>
+            <a:off x="7772400" y="2743200"/>
+            <a:ext cx="2255400" cy="788760"/>
+          </a:xfrm>
+          <a:prstGeom prst="rect">
+            <a:avLst/>
+          </a:prstGeom>
+          <a:ln w="0">
+            <a:noFill/>
+          </a:ln>
+        </p:spPr>
+      </p:pic>
+      <p:sp>
+        <p:nvSpPr>
+          <p:cNvPr id="395" name=""/>
+          <p:cNvSpPr/>
+          <p:nvPr/>
+        </p:nvSpPr>
+        <p:spPr>
+          <a:xfrm>
+            <a:off x="7772400" y="2057400"/>
+            <a:ext cx="2284920" cy="345240"/>
+          </a:xfrm>
+          <a:prstGeom prst="rect">
+            <a:avLst/>
+          </a:prstGeom>
+          <a:noFill/>
+          <a:ln w="0">
+            <a:noFill/>
+          </a:ln>
+        </p:spPr>
+        <p:style>
+          <a:lnRef idx="0"/>
+          <a:fillRef idx="0"/>
+          <a:effectRef idx="0"/>
+          <a:fontRef idx="minor"/>
+        </p:style>
+        <p:txBody>
+          <a:bodyPr lIns="90000" rIns="90000" tIns="45000" bIns="45000" anchor="t">
+            <a:noAutofit/>
+          </a:bodyPr>
+          <a:p>
+            <a:pPr>
+              <a:lnSpc>
+                <a:spcPct val="100000"/>
+              </a:lnSpc>
+            </a:pPr>
+            <a:r>
+              <a:rPr b="0" lang="en-US" sz="1800" spc="-1" strike="noStrike">
+                <a:solidFill>
+                  <a:srgbClr val="ffffff"/>
+                </a:solidFill>
+                <a:latin typeface="Arial"/>
+                <a:ea typeface="DejaVu Sans"/>
+              </a:rPr>
+              <a:t>Fingerprint function</a:t>
+            </a:r>
+            <a:endParaRPr b="0" lang="en-US" sz="1800" spc="-1" strike="noStrike">
               <a:solidFill>
                 <a:srgbClr val="ffffff"/>
               </a:solidFill>
@@ -26085,7 +26537,7 @@
       </p:grpSpPr>
       <p:sp>
         <p:nvSpPr>
-          <p:cNvPr id="397" name="PlaceHolder 1"/>
+          <p:cNvPr id="396" name="PlaceHolder 1"/>
           <p:cNvSpPr>
             <a:spLocks noGrp="1"/>
           </p:cNvSpPr>
@@ -26096,7 +26548,7 @@
         <p:spPr>
           <a:xfrm>
             <a:off x="609120" y="273600"/>
-            <a:ext cx="10967040" cy="1142280"/>
+            <a:ext cx="10966680" cy="1141920"/>
           </a:xfrm>
           <a:prstGeom prst="rect">
             <a:avLst/>
@@ -26127,7 +26579,7 @@
                 </a:solidFill>
                 <a:latin typeface="Arial"/>
               </a:rPr>
-              <a:t>Time complexity</a:t>
+              <a:t>Rabin-Karp Algorithm</a:t>
             </a:r>
             <a:endParaRPr b="0" lang="en-US" sz="4400" spc="-1" strike="noStrike">
               <a:solidFill>
@@ -26140,50 +26592,44 @@
       </p:sp>
       <p:sp>
         <p:nvSpPr>
-          <p:cNvPr id="398" name="PlaceHolder 2"/>
-          <p:cNvSpPr>
-            <a:spLocks noGrp="1"/>
-          </p:cNvSpPr>
-          <p:nvPr>
-            <p:ph type="subTitle"/>
+          <p:cNvPr id="397" name="PlaceHolder 2"/>
+          <p:cNvSpPr>
+            <a:spLocks noGrp="1"/>
+          </p:cNvSpPr>
+          <p:nvPr>
+            <p:ph/>
           </p:nvPr>
         </p:nvSpPr>
         <p:spPr>
           <a:xfrm>
             <a:off x="609120" y="1604520"/>
-            <a:ext cx="10967040" cy="3974760"/>
-          </a:xfrm>
-          <a:prstGeom prst="rect">
-            <a:avLst/>
-          </a:prstGeom>
-          <a:noFill/>
-          <a:ln w="0">
-            <a:noFill/>
-          </a:ln>
-        </p:spPr>
-        <p:txBody>
-          <a:bodyPr lIns="0" rIns="0" tIns="0" bIns="0" anchor="ctr">
-            <a:noAutofit/>
-          </a:bodyPr>
-          <a:p>
-            <a:pPr indent="0" algn="ctr">
+            <a:ext cx="5349960" cy="3974400"/>
+          </a:xfrm>
+          <a:prstGeom prst="rect">
+            <a:avLst/>
+          </a:prstGeom>
+          <a:noFill/>
+          <a:ln w="0">
+            <a:noFill/>
+          </a:ln>
+        </p:spPr>
+        <p:txBody>
+          <a:bodyPr lIns="0" rIns="0" tIns="0" bIns="0" anchor="t">
+            <a:normAutofit/>
+          </a:bodyPr>
+          <a:p>
+            <a:pPr marL="432000" indent="0">
               <a:lnSpc>
                 <a:spcPct val="100000"/>
               </a:lnSpc>
+              <a:spcBef>
+                <a:spcPts val="1417"/>
+              </a:spcBef>
               <a:buNone/>
               <a:tabLst>
                 <a:tab algn="l" pos="0"/>
               </a:tabLst>
             </a:pPr>
-            <a:r>
-              <a:rPr b="0" lang="en-US" sz="3200" spc="-1" strike="noStrike">
-                <a:solidFill>
-                  <a:srgbClr val="ffffff"/>
-                </a:solidFill>
-                <a:latin typeface="Arial"/>
-              </a:rPr>
-              <a:t>Average case: O(n-m+1)</a:t>
-            </a:r>
             <a:endParaRPr b="0" lang="en-US" sz="3200" spc="-1" strike="noStrike">
               <a:solidFill>
                 <a:srgbClr val="ffffff"/>
@@ -26192,11 +26638,19 @@
             </a:endParaRPr>
           </a:p>
           <a:p>
-            <a:pPr indent="0" algn="ctr">
+            <a:pPr marL="432000" indent="-324000">
               <a:lnSpc>
                 <a:spcPct val="100000"/>
               </a:lnSpc>
-              <a:buNone/>
+              <a:spcBef>
+                <a:spcPts val="1417"/>
+              </a:spcBef>
+              <a:buClr>
+                <a:srgbClr val="ffffff"/>
+              </a:buClr>
+              <a:buSzPct val="45000"/>
+              <a:buFont typeface="Wingdings" charset="2"/>
+              <a:buChar char=""/>
               <a:tabLst>
                 <a:tab algn="l" pos="0"/>
               </a:tabLst>
@@ -26208,7 +26662,158 @@
                 </a:solidFill>
                 <a:latin typeface="Arial"/>
               </a:rPr>
-              <a:t>Worst case: O(mn)</a:t>
+              <a:t>Pros</a:t>
+            </a:r>
+            <a:endParaRPr b="0" lang="en-US" sz="3200" spc="-1" strike="noStrike">
+              <a:solidFill>
+                <a:srgbClr val="ffffff"/>
+              </a:solidFill>
+              <a:latin typeface="Arial"/>
+            </a:endParaRPr>
+          </a:p>
+          <a:p>
+            <a:pPr lvl="1" marL="864000" indent="-324000">
+              <a:lnSpc>
+                <a:spcPct val="100000"/>
+              </a:lnSpc>
+              <a:spcBef>
+                <a:spcPts val="1134"/>
+              </a:spcBef>
+              <a:buClr>
+                <a:srgbClr val="ffffff"/>
+              </a:buClr>
+              <a:buSzPct val="75000"/>
+              <a:buFont typeface="Symbol"/>
+              <a:buChar char=""/>
+              <a:tabLst>
+                <a:tab algn="l" pos="0"/>
+              </a:tabLst>
+            </a:pPr>
+            <a:r>
+              <a:rPr b="0" lang="en-US" sz="3200" spc="-1" strike="noStrike">
+                <a:solidFill>
+                  <a:srgbClr val="ffffff"/>
+                </a:solidFill>
+                <a:latin typeface="Arial"/>
+              </a:rPr>
+              <a:t>More space efficient than KMP</a:t>
+            </a:r>
+            <a:endParaRPr b="0" lang="en-US" sz="3200" spc="-1" strike="noStrike">
+              <a:solidFill>
+                <a:srgbClr val="ffffff"/>
+              </a:solidFill>
+              <a:latin typeface="Arial"/>
+            </a:endParaRPr>
+          </a:p>
+        </p:txBody>
+      </p:sp>
+      <p:sp>
+        <p:nvSpPr>
+          <p:cNvPr id="398" name="PlaceHolder 3"/>
+          <p:cNvSpPr>
+            <a:spLocks noGrp="1"/>
+          </p:cNvSpPr>
+          <p:nvPr>
+            <p:ph/>
+          </p:nvPr>
+        </p:nvSpPr>
+        <p:spPr>
+          <a:xfrm>
+            <a:off x="6230160" y="1604520"/>
+            <a:ext cx="5349960" cy="3974400"/>
+          </a:xfrm>
+          <a:prstGeom prst="rect">
+            <a:avLst/>
+          </a:prstGeom>
+          <a:noFill/>
+          <a:ln w="0">
+            <a:noFill/>
+          </a:ln>
+        </p:spPr>
+        <p:txBody>
+          <a:bodyPr lIns="0" rIns="0" tIns="0" bIns="0" anchor="t">
+            <a:normAutofit fontScale="94000"/>
+          </a:bodyPr>
+          <a:p>
+            <a:pPr marL="432000" indent="0">
+              <a:lnSpc>
+                <a:spcPct val="100000"/>
+              </a:lnSpc>
+              <a:spcBef>
+                <a:spcPts val="1417"/>
+              </a:spcBef>
+              <a:buNone/>
+              <a:tabLst>
+                <a:tab algn="l" pos="0"/>
+              </a:tabLst>
+            </a:pPr>
+            <a:endParaRPr b="0" lang="en-US" sz="3200" spc="-1" strike="noStrike">
+              <a:solidFill>
+                <a:srgbClr val="ffffff"/>
+              </a:solidFill>
+              <a:latin typeface="Arial"/>
+            </a:endParaRPr>
+          </a:p>
+          <a:p>
+            <a:pPr marL="432000" indent="-324000">
+              <a:lnSpc>
+                <a:spcPct val="100000"/>
+              </a:lnSpc>
+              <a:spcBef>
+                <a:spcPts val="1417"/>
+              </a:spcBef>
+              <a:buClr>
+                <a:srgbClr val="ffffff"/>
+              </a:buClr>
+              <a:buSzPct val="45000"/>
+              <a:buFont typeface="Wingdings" charset="2"/>
+              <a:buChar char=""/>
+              <a:tabLst>
+                <a:tab algn="l" pos="0"/>
+              </a:tabLst>
+            </a:pPr>
+            <a:r>
+              <a:rPr b="0" lang="en-US" sz="3200" spc="-1" strike="noStrike">
+                <a:solidFill>
+                  <a:srgbClr val="ffffff"/>
+                </a:solidFill>
+                <a:latin typeface="Arial"/>
+              </a:rPr>
+              <a:t>Cons</a:t>
+            </a:r>
+            <a:endParaRPr b="0" lang="en-US" sz="3200" spc="-1" strike="noStrike">
+              <a:solidFill>
+                <a:srgbClr val="ffffff"/>
+              </a:solidFill>
+              <a:latin typeface="Arial"/>
+            </a:endParaRPr>
+          </a:p>
+          <a:p>
+            <a:pPr lvl="1" marL="864000" indent="-324000">
+              <a:lnSpc>
+                <a:spcPct val="100000"/>
+              </a:lnSpc>
+              <a:spcBef>
+                <a:spcPts val="1134"/>
+              </a:spcBef>
+              <a:buClr>
+                <a:srgbClr val="ffffff"/>
+              </a:buClr>
+              <a:buSzPct val="75000"/>
+              <a:buFont typeface="Symbol"/>
+              <a:buChar char=""/>
+              <a:tabLst>
+                <a:tab algn="l" pos="0"/>
+              </a:tabLst>
+            </a:pPr>
+            <a:r>
+              <a:rPr b="0" lang="en-US" sz="3200" spc="-1" strike="noStrike">
+                <a:solidFill>
+                  <a:srgbClr val="ffffff"/>
+                </a:solidFill>
+                <a:latin typeface="Arial"/>
+              </a:rPr>
+              <a:t>If your hash function is not properly created for the problem to be solved, then there would be more spurious hits than necessary.</a:t>
             </a:r>
             <a:endParaRPr b="0" lang="en-US" sz="3200" spc="-1" strike="noStrike">
               <a:solidFill>
@@ -26269,7 +26874,7 @@
         <p:spPr>
           <a:xfrm>
             <a:off x="609120" y="273600"/>
-            <a:ext cx="10968480" cy="1143720"/>
+            <a:ext cx="10966680" cy="1141920"/>
           </a:xfrm>
           <a:prstGeom prst="rect">
             <a:avLst/>
@@ -26300,7 +26905,7 @@
                 </a:solidFill>
                 <a:latin typeface="Arial"/>
               </a:rPr>
-              <a:t>Worst Case Example</a:t>
+              <a:t>Time complexity</a:t>
             </a:r>
             <a:endParaRPr b="0" lang="en-US" sz="4400" spc="-1" strike="noStrike">
               <a:solidFill>
@@ -26318,39 +26923,45 @@
             <a:spLocks noGrp="1"/>
           </p:cNvSpPr>
           <p:nvPr>
-            <p:ph/>
+            <p:ph type="subTitle"/>
           </p:nvPr>
         </p:nvSpPr>
         <p:spPr>
           <a:xfrm>
             <a:off x="609120" y="1604520"/>
-            <a:ext cx="10968480" cy="3976200"/>
-          </a:xfrm>
-          <a:prstGeom prst="rect">
-            <a:avLst/>
-          </a:prstGeom>
-          <a:noFill/>
-          <a:ln w="0">
-            <a:noFill/>
-          </a:ln>
-        </p:spPr>
-        <p:txBody>
-          <a:bodyPr lIns="0" rIns="0" tIns="0" bIns="0" anchor="t">
-            <a:normAutofit/>
-          </a:bodyPr>
-          <a:p>
-            <a:pPr marL="432000" indent="0">
+            <a:ext cx="10966680" cy="3974400"/>
+          </a:xfrm>
+          <a:prstGeom prst="rect">
+            <a:avLst/>
+          </a:prstGeom>
+          <a:noFill/>
+          <a:ln w="0">
+            <a:noFill/>
+          </a:ln>
+        </p:spPr>
+        <p:txBody>
+          <a:bodyPr lIns="0" rIns="0" tIns="0" bIns="0" anchor="ctr">
+            <a:noAutofit/>
+          </a:bodyPr>
+          <a:p>
+            <a:pPr indent="0" algn="ctr">
               <a:lnSpc>
                 <a:spcPct val="100000"/>
               </a:lnSpc>
-              <a:spcBef>
-                <a:spcPts val="1417"/>
-              </a:spcBef>
               <a:buNone/>
               <a:tabLst>
                 <a:tab algn="l" pos="0"/>
               </a:tabLst>
             </a:pPr>
+            <a:r>
+              <a:rPr b="0" lang="en-US" sz="3200" spc="-1" strike="noStrike">
+                <a:solidFill>
+                  <a:srgbClr val="ffffff"/>
+                </a:solidFill>
+                <a:latin typeface="Arial"/>
+              </a:rPr>
+              <a:t>Average case: O(n-m+1)</a:t>
+            </a:r>
             <a:endParaRPr b="0" lang="en-US" sz="3200" spc="-1" strike="noStrike">
               <a:solidFill>
                 <a:srgbClr val="ffffff"/>
@@ -26359,19 +26970,11 @@
             </a:endParaRPr>
           </a:p>
           <a:p>
-            <a:pPr marL="432000" indent="-324000">
+            <a:pPr indent="0" algn="ctr">
               <a:lnSpc>
                 <a:spcPct val="100000"/>
               </a:lnSpc>
-              <a:spcBef>
-                <a:spcPts val="1417"/>
-              </a:spcBef>
-              <a:buClr>
-                <a:srgbClr val="ffffff"/>
-              </a:buClr>
-              <a:buSzPct val="45000"/>
-              <a:buFont typeface="Wingdings" charset="2"/>
-              <a:buChar char=""/>
+              <a:buNone/>
               <a:tabLst>
                 <a:tab algn="l" pos="0"/>
               </a:tabLst>
@@ -26383,265 +26986,9 @@
                 </a:solidFill>
                 <a:latin typeface="Arial"/>
               </a:rPr>
-              <a:t>T = c c a c c a a e d b a</a:t>
+              <a:t>Worst case: O(mn)</a:t>
             </a:r>
             <a:endParaRPr b="0" lang="en-US" sz="3200" spc="-1" strike="noStrike">
-              <a:solidFill>
-                <a:srgbClr val="ffffff"/>
-              </a:solidFill>
-              <a:latin typeface="Arial"/>
-            </a:endParaRPr>
-          </a:p>
-          <a:p>
-            <a:pPr marL="432000" indent="-324000">
-              <a:lnSpc>
-                <a:spcPct val="100000"/>
-              </a:lnSpc>
-              <a:spcBef>
-                <a:spcPts val="1417"/>
-              </a:spcBef>
-              <a:buClr>
-                <a:srgbClr val="ffffff"/>
-              </a:buClr>
-              <a:buSzPct val="45000"/>
-              <a:buFont typeface="Wingdings" charset="2"/>
-              <a:buChar char=""/>
-              <a:tabLst>
-                <a:tab algn="l" pos="0"/>
-              </a:tabLst>
-            </a:pPr>
-            <a:r>
-              <a:rPr b="0" lang="en-US" sz="3200" spc="-1" strike="noStrike">
-                <a:solidFill>
-                  <a:srgbClr val="ffffff"/>
-                </a:solidFill>
-                <a:latin typeface="Arial"/>
-              </a:rPr>
-              <a:t>P = d b a</a:t>
-            </a:r>
-            <a:endParaRPr b="0" lang="en-US" sz="3200" spc="-1" strike="noStrike">
-              <a:solidFill>
-                <a:srgbClr val="ffffff"/>
-              </a:solidFill>
-              <a:latin typeface="Arial"/>
-            </a:endParaRPr>
-          </a:p>
-          <a:p>
-            <a:pPr marL="432000" indent="-324000">
-              <a:lnSpc>
-                <a:spcPct val="100000"/>
-              </a:lnSpc>
-              <a:spcBef>
-                <a:spcPts val="1417"/>
-              </a:spcBef>
-              <a:buClr>
-                <a:srgbClr val="ffffff"/>
-              </a:buClr>
-              <a:buSzPct val="45000"/>
-              <a:buFont typeface="Wingdings" charset="2"/>
-              <a:buChar char=""/>
-              <a:tabLst>
-                <a:tab algn="l" pos="0"/>
-              </a:tabLst>
-            </a:pPr>
-            <a:r>
-              <a:rPr b="0" lang="en-US" sz="3200" spc="-1" strike="noStrike">
-                <a:solidFill>
-                  <a:srgbClr val="ffffff"/>
-                </a:solidFill>
-                <a:latin typeface="Arial"/>
-              </a:rPr>
-              <a:t>Let our fingerprint function be H(x) = </a:t>
-            </a:r>
-            <a:r>
-              <a:rPr b="0" lang="en-US" sz="3200" spc="-1" strike="noStrike">
-                <a:solidFill>
-                  <a:srgbClr val="ffffff"/>
-                </a:solidFill>
-                <a:latin typeface="DejaVu Sans"/>
-                <a:ea typeface="DejaVu Sans"/>
-              </a:rPr>
-              <a:t>∑</a:t>
-            </a:r>
-            <a:r>
-              <a:rPr b="0" lang="en-US" sz="3200" spc="-1" strike="noStrike">
-                <a:solidFill>
-                  <a:srgbClr val="ffffff"/>
-                </a:solidFill>
-                <a:latin typeface="Arial"/>
-                <a:ea typeface="DejaVu Sans"/>
-              </a:rPr>
-              <a:t> </a:t>
-            </a:r>
-            <a:endParaRPr b="0" lang="en-US" sz="3200" spc="-1" strike="noStrike">
-              <a:solidFill>
-                <a:srgbClr val="ffffff"/>
-              </a:solidFill>
-              <a:latin typeface="Arial"/>
-            </a:endParaRPr>
-          </a:p>
-        </p:txBody>
-      </p:sp>
-      <p:sp>
-        <p:nvSpPr>
-          <p:cNvPr id="401" name=""/>
-          <p:cNvSpPr/>
-          <p:nvPr/>
-        </p:nvSpPr>
-        <p:spPr>
-          <a:xfrm>
-            <a:off x="7543800" y="4114800"/>
-            <a:ext cx="685440" cy="601920"/>
-          </a:xfrm>
-          <a:prstGeom prst="rect">
-            <a:avLst/>
-          </a:prstGeom>
-          <a:noFill/>
-          <a:ln w="0">
-            <a:noFill/>
-          </a:ln>
-        </p:spPr>
-        <p:style>
-          <a:lnRef idx="0"/>
-          <a:fillRef idx="0"/>
-          <a:effectRef idx="0"/>
-          <a:fontRef idx="minor"/>
-        </p:style>
-        <p:txBody>
-          <a:bodyPr lIns="90000" rIns="90000" tIns="45000" bIns="45000" anchor="t">
-            <a:noAutofit/>
-          </a:bodyPr>
-          <a:p>
-            <a:pPr>
-              <a:lnSpc>
-                <a:spcPct val="100000"/>
-              </a:lnSpc>
-            </a:pPr>
-            <a:r>
-              <a:rPr b="0" lang="en-US" sz="1800" spc="-1" strike="noStrike">
-                <a:solidFill>
-                  <a:srgbClr val="ffffff"/>
-                </a:solidFill>
-                <a:latin typeface="Arial"/>
-              </a:rPr>
-              <a:t>i = 1</a:t>
-            </a:r>
-            <a:endParaRPr b="0" lang="en-US" sz="1800" spc="-1" strike="noStrike">
-              <a:solidFill>
-                <a:srgbClr val="ffffff"/>
-              </a:solidFill>
-              <a:latin typeface="Arial"/>
-            </a:endParaRPr>
-          </a:p>
-        </p:txBody>
-      </p:sp>
-      <p:sp>
-        <p:nvSpPr>
-          <p:cNvPr id="402" name=""/>
-          <p:cNvSpPr/>
-          <p:nvPr/>
-        </p:nvSpPr>
-        <p:spPr>
-          <a:xfrm>
-            <a:off x="7543800" y="3311280"/>
-            <a:ext cx="456840" cy="345960"/>
-          </a:xfrm>
-          <a:prstGeom prst="rect">
-            <a:avLst/>
-          </a:prstGeom>
-          <a:noFill/>
-          <a:ln w="0">
-            <a:noFill/>
-          </a:ln>
-        </p:spPr>
-        <p:style>
-          <a:lnRef idx="0"/>
-          <a:fillRef idx="0"/>
-          <a:effectRef idx="0"/>
-          <a:fontRef idx="minor"/>
-        </p:style>
-        <p:txBody>
-          <a:bodyPr lIns="90000" rIns="90000" tIns="45000" bIns="45000" anchor="t">
-            <a:noAutofit/>
-          </a:bodyPr>
-          <a:p>
-            <a:pPr algn="ctr">
-              <a:lnSpc>
-                <a:spcPct val="100000"/>
-              </a:lnSpc>
-            </a:pPr>
-            <a:r>
-              <a:rPr b="0" lang="en-US" sz="1800" spc="-1" strike="noStrike">
-                <a:solidFill>
-                  <a:srgbClr val="ffffff"/>
-                </a:solidFill>
-                <a:latin typeface="Arial"/>
-              </a:rPr>
-              <a:t>n</a:t>
-            </a:r>
-            <a:endParaRPr b="0" lang="en-US" sz="1800" spc="-1" strike="noStrike">
-              <a:solidFill>
-                <a:srgbClr val="ffffff"/>
-              </a:solidFill>
-              <a:latin typeface="Arial"/>
-            </a:endParaRPr>
-          </a:p>
-        </p:txBody>
-      </p:sp>
-      <p:sp>
-        <p:nvSpPr>
-          <p:cNvPr id="403" name=""/>
-          <p:cNvSpPr/>
-          <p:nvPr/>
-        </p:nvSpPr>
-        <p:spPr>
-          <a:xfrm>
-            <a:off x="8001000" y="3657600"/>
-            <a:ext cx="685440" cy="402480"/>
-          </a:xfrm>
-          <a:prstGeom prst="rect">
-            <a:avLst/>
-          </a:prstGeom>
-          <a:noFill/>
-          <a:ln w="0">
-            <a:noFill/>
-          </a:ln>
-        </p:spPr>
-        <p:style>
-          <a:lnRef idx="0"/>
-          <a:fillRef idx="0"/>
-          <a:effectRef idx="0"/>
-          <a:fontRef idx="minor"/>
-        </p:style>
-        <p:txBody>
-          <a:bodyPr lIns="90000" rIns="90000" tIns="45000" bIns="45000" anchor="t">
-            <a:noAutofit/>
-          </a:bodyPr>
-          <a:p>
-            <a:pPr>
-              <a:lnSpc>
-                <a:spcPct val="100000"/>
-              </a:lnSpc>
-            </a:pPr>
-            <a:r>
-              <a:rPr b="0" lang="en-US" sz="2200" spc="-1" strike="noStrike">
-                <a:solidFill>
-                  <a:srgbClr val="ffffff"/>
-                </a:solidFill>
-                <a:latin typeface="Arial"/>
-              </a:rPr>
-              <a:t>X</a:t>
-            </a:r>
-            <a:r>
-              <a:rPr b="0" lang="en-US" sz="2200" spc="-1" strike="noStrike" baseline="-8000">
-                <a:solidFill>
-                  <a:srgbClr val="ffffff"/>
-                </a:solidFill>
-                <a:latin typeface="Arial"/>
-              </a:rPr>
-              <a:t>i</a:t>
-            </a:r>
-            <a:endParaRPr b="0" lang="en-US" sz="2200" spc="-1" strike="noStrike">
               <a:solidFill>
                 <a:srgbClr val="ffffff"/>
               </a:solidFill>

--- a/CAP6515/paper_presentation_files/rabin-karp-presentation.pptx
+++ b/CAP6515/paper_presentation_files/rabin-karp-presentation.pptx
@@ -11,22 +11,24 @@
     <p:sldMasterId id="2147483726" r:id="rId8"/>
     <p:sldMasterId id="2147483739" r:id="rId9"/>
     <p:sldMasterId id="2147483752" r:id="rId10"/>
+    <p:sldMasterId id="2147483765" r:id="rId11"/>
   </p:sldMasterIdLst>
   <p:sldIdLst>
-    <p:sldId id="256" r:id="rId11"/>
-    <p:sldId id="257" r:id="rId12"/>
-    <p:sldId id="258" r:id="rId13"/>
-    <p:sldId id="259" r:id="rId14"/>
-    <p:sldId id="260" r:id="rId15"/>
-    <p:sldId id="261" r:id="rId16"/>
-    <p:sldId id="262" r:id="rId17"/>
-    <p:sldId id="263" r:id="rId18"/>
-    <p:sldId id="264" r:id="rId19"/>
-    <p:sldId id="265" r:id="rId20"/>
-    <p:sldId id="266" r:id="rId21"/>
-    <p:sldId id="267" r:id="rId22"/>
-    <p:sldId id="268" r:id="rId23"/>
-    <p:sldId id="269" r:id="rId24"/>
+    <p:sldId id="256" r:id="rId12"/>
+    <p:sldId id="257" r:id="rId13"/>
+    <p:sldId id="258" r:id="rId14"/>
+    <p:sldId id="259" r:id="rId15"/>
+    <p:sldId id="260" r:id="rId16"/>
+    <p:sldId id="261" r:id="rId17"/>
+    <p:sldId id="262" r:id="rId18"/>
+    <p:sldId id="263" r:id="rId19"/>
+    <p:sldId id="264" r:id="rId20"/>
+    <p:sldId id="265" r:id="rId21"/>
+    <p:sldId id="266" r:id="rId22"/>
+    <p:sldId id="267" r:id="rId23"/>
+    <p:sldId id="268" r:id="rId24"/>
+    <p:sldId id="269" r:id="rId25"/>
+    <p:sldId id="270" r:id="rId26"/>
   </p:sldIdLst>
   <p:sldSz cx="12188825" cy="6858000"/>
   <p:notesSz cx="7772400" cy="10058400"/>
@@ -1748,6 +1750,28 @@
 </p:sldLayout>
 </file>
 
+<file path=ppt/slideLayouts/slideLayout109.xml><?xml version="1.0" encoding="utf-8"?>
+<p:sldLayout xmlns:a="http://schemas.openxmlformats.org/drawingml/2006/main" xmlns:p="http://schemas.openxmlformats.org/presentationml/2006/main" xmlns:r="http://schemas.openxmlformats.org/officeDocument/2006/relationships" xmlns:p14="http://schemas.microsoft.com/office/powerpoint/2010/main" xmlns:p15="http://schemas.microsoft.com/office/powerpoint/2012/main" xmlns:mc="http://schemas.openxmlformats.org/markup-compatibility/2006" type="blank" preserve="1">
+  <p:cSld name="Blank Slide">
+    <p:spTree>
+      <p:nvGrpSpPr>
+        <p:cNvPr id="1" name=""/>
+        <p:cNvGrpSpPr/>
+        <p:nvPr/>
+      </p:nvGrpSpPr>
+      <p:grpSpPr>
+        <a:xfrm>
+          <a:off x="0" y="0"/>
+          <a:ext cx="0" cy="0"/>
+          <a:chOff x="0" y="0"/>
+          <a:chExt cx="0" cy="0"/>
+        </a:xfrm>
+      </p:grpSpPr>
+    </p:spTree>
+  </p:cSld>
+</p:sldLayout>
+</file>
+
 <file path=ppt/slideLayouts/slideLayout11.xml><?xml version="1.0" encoding="utf-8"?>
 <p:sldLayout xmlns:a="http://schemas.openxmlformats.org/drawingml/2006/main" xmlns:p="http://schemas.openxmlformats.org/presentationml/2006/main" xmlns:r="http://schemas.openxmlformats.org/officeDocument/2006/relationships" xmlns:p14="http://schemas.microsoft.com/office/powerpoint/2010/main" xmlns:p15="http://schemas.microsoft.com/office/powerpoint/2012/main" xmlns:mc="http://schemas.openxmlformats.org/markup-compatibility/2006" type="fourObj" preserve="1">
   <p:cSld name="Title, 4 Content">
@@ -1937,6 +1961,1438 @@
       <p:sp>
         <p:nvSpPr>
           <p:cNvPr id="36" name="PlaceHolder 5"/>
+          <p:cNvSpPr>
+            <a:spLocks noGrp="1"/>
+          </p:cNvSpPr>
+          <p:nvPr>
+            <p:ph/>
+          </p:nvPr>
+        </p:nvSpPr>
+        <p:spPr>
+          <a:xfrm>
+            <a:off x="6230160" y="3682080"/>
+            <a:ext cx="5352840" cy="1896840"/>
+          </a:xfrm>
+          <a:prstGeom prst="rect">
+            <a:avLst/>
+          </a:prstGeom>
+          <a:noFill/>
+          <a:ln w="0">
+            <a:noFill/>
+          </a:ln>
+        </p:spPr>
+        <p:txBody>
+          <a:bodyPr lIns="0" rIns="0" tIns="0" bIns="0" anchor="t">
+            <a:normAutofit/>
+          </a:bodyPr>
+          <a:p>
+            <a:pPr indent="0">
+              <a:spcBef>
+                <a:spcPts val="1417"/>
+              </a:spcBef>
+              <a:buNone/>
+            </a:pPr>
+            <a:endParaRPr b="0" lang="en-US" sz="3200" spc="-1" strike="noStrike">
+              <a:solidFill>
+                <a:srgbClr val="000000"/>
+              </a:solidFill>
+              <a:latin typeface="Arial"/>
+            </a:endParaRPr>
+          </a:p>
+        </p:txBody>
+      </p:sp>
+    </p:spTree>
+  </p:cSld>
+</p:sldLayout>
+</file>
+
+<file path=ppt/slideLayouts/slideLayout110.xml><?xml version="1.0" encoding="utf-8"?>
+<p:sldLayout xmlns:a="http://schemas.openxmlformats.org/drawingml/2006/main" xmlns:p="http://schemas.openxmlformats.org/presentationml/2006/main" xmlns:r="http://schemas.openxmlformats.org/officeDocument/2006/relationships" xmlns:p14="http://schemas.microsoft.com/office/powerpoint/2010/main" xmlns:p15="http://schemas.microsoft.com/office/powerpoint/2012/main" xmlns:mc="http://schemas.openxmlformats.org/markup-compatibility/2006" type="tx" preserve="1">
+  <p:cSld name="Title Slide">
+    <p:spTree>
+      <p:nvGrpSpPr>
+        <p:cNvPr id="1" name=""/>
+        <p:cNvGrpSpPr/>
+        <p:nvPr/>
+      </p:nvGrpSpPr>
+      <p:grpSpPr>
+        <a:xfrm>
+          <a:off x="0" y="0"/>
+          <a:ext cx="0" cy="0"/>
+          <a:chOff x="0" y="0"/>
+          <a:chExt cx="0" cy="0"/>
+        </a:xfrm>
+      </p:grpSpPr>
+      <p:sp>
+        <p:nvSpPr>
+          <p:cNvPr id="380" name="PlaceHolder 1"/>
+          <p:cNvSpPr>
+            <a:spLocks noGrp="1"/>
+          </p:cNvSpPr>
+          <p:nvPr>
+            <p:ph type="title"/>
+          </p:nvPr>
+        </p:nvSpPr>
+        <p:spPr>
+          <a:xfrm>
+            <a:off x="609120" y="273600"/>
+            <a:ext cx="10969560" cy="1144800"/>
+          </a:xfrm>
+          <a:prstGeom prst="rect">
+            <a:avLst/>
+          </a:prstGeom>
+          <a:noFill/>
+          <a:ln w="0">
+            <a:noFill/>
+          </a:ln>
+        </p:spPr>
+        <p:txBody>
+          <a:bodyPr lIns="0" rIns="0" tIns="0" bIns="0" anchor="ctr">
+            <a:noAutofit/>
+          </a:bodyPr>
+          <a:p>
+            <a:pPr indent="0" algn="ctr">
+              <a:buNone/>
+            </a:pPr>
+            <a:endParaRPr b="0" lang="en-US" sz="4400" spc="-1" strike="noStrike">
+              <a:solidFill>
+                <a:srgbClr val="000000"/>
+              </a:solidFill>
+              <a:latin typeface="Arial"/>
+            </a:endParaRPr>
+          </a:p>
+        </p:txBody>
+      </p:sp>
+      <p:sp>
+        <p:nvSpPr>
+          <p:cNvPr id="381" name="PlaceHolder 2"/>
+          <p:cNvSpPr>
+            <a:spLocks noGrp="1"/>
+          </p:cNvSpPr>
+          <p:nvPr>
+            <p:ph type="subTitle"/>
+          </p:nvPr>
+        </p:nvSpPr>
+        <p:spPr>
+          <a:xfrm>
+            <a:off x="609120" y="1604520"/>
+            <a:ext cx="10969560" cy="3977280"/>
+          </a:xfrm>
+          <a:prstGeom prst="rect">
+            <a:avLst/>
+          </a:prstGeom>
+          <a:noFill/>
+          <a:ln w="0">
+            <a:noFill/>
+          </a:ln>
+        </p:spPr>
+        <p:txBody>
+          <a:bodyPr lIns="0" rIns="0" tIns="0" bIns="0" anchor="ctr">
+            <a:noAutofit/>
+          </a:bodyPr>
+          <a:p>
+            <a:pPr indent="0" algn="ctr">
+              <a:buNone/>
+            </a:pPr>
+            <a:endParaRPr b="0" lang="en-US" sz="3200" spc="-1" strike="noStrike">
+              <a:solidFill>
+                <a:srgbClr val="000000"/>
+              </a:solidFill>
+              <a:latin typeface="Arial"/>
+            </a:endParaRPr>
+          </a:p>
+        </p:txBody>
+      </p:sp>
+    </p:spTree>
+  </p:cSld>
+</p:sldLayout>
+</file>
+
+<file path=ppt/slideLayouts/slideLayout111.xml><?xml version="1.0" encoding="utf-8"?>
+<p:sldLayout xmlns:a="http://schemas.openxmlformats.org/drawingml/2006/main" xmlns:p="http://schemas.openxmlformats.org/presentationml/2006/main" xmlns:r="http://schemas.openxmlformats.org/officeDocument/2006/relationships" xmlns:p14="http://schemas.microsoft.com/office/powerpoint/2010/main" xmlns:p15="http://schemas.microsoft.com/office/powerpoint/2012/main" xmlns:mc="http://schemas.openxmlformats.org/markup-compatibility/2006" type="obj" preserve="1">
+  <p:cSld name="Title, Content">
+    <p:spTree>
+      <p:nvGrpSpPr>
+        <p:cNvPr id="1" name=""/>
+        <p:cNvGrpSpPr/>
+        <p:nvPr/>
+      </p:nvGrpSpPr>
+      <p:grpSpPr>
+        <a:xfrm>
+          <a:off x="0" y="0"/>
+          <a:ext cx="0" cy="0"/>
+          <a:chOff x="0" y="0"/>
+          <a:chExt cx="0" cy="0"/>
+        </a:xfrm>
+      </p:grpSpPr>
+      <p:sp>
+        <p:nvSpPr>
+          <p:cNvPr id="382" name="PlaceHolder 1"/>
+          <p:cNvSpPr>
+            <a:spLocks noGrp="1"/>
+          </p:cNvSpPr>
+          <p:nvPr>
+            <p:ph type="title"/>
+          </p:nvPr>
+        </p:nvSpPr>
+        <p:spPr>
+          <a:xfrm>
+            <a:off x="609120" y="273600"/>
+            <a:ext cx="10969560" cy="1144800"/>
+          </a:xfrm>
+          <a:prstGeom prst="rect">
+            <a:avLst/>
+          </a:prstGeom>
+          <a:noFill/>
+          <a:ln w="0">
+            <a:noFill/>
+          </a:ln>
+        </p:spPr>
+        <p:txBody>
+          <a:bodyPr lIns="0" rIns="0" tIns="0" bIns="0" anchor="ctr">
+            <a:noAutofit/>
+          </a:bodyPr>
+          <a:p>
+            <a:pPr indent="0" algn="ctr">
+              <a:buNone/>
+            </a:pPr>
+            <a:endParaRPr b="0" lang="en-US" sz="4400" spc="-1" strike="noStrike">
+              <a:solidFill>
+                <a:srgbClr val="000000"/>
+              </a:solidFill>
+              <a:latin typeface="Arial"/>
+            </a:endParaRPr>
+          </a:p>
+        </p:txBody>
+      </p:sp>
+      <p:sp>
+        <p:nvSpPr>
+          <p:cNvPr id="383" name="PlaceHolder 2"/>
+          <p:cNvSpPr>
+            <a:spLocks noGrp="1"/>
+          </p:cNvSpPr>
+          <p:nvPr>
+            <p:ph/>
+          </p:nvPr>
+        </p:nvSpPr>
+        <p:spPr>
+          <a:xfrm>
+            <a:off x="609120" y="1604520"/>
+            <a:ext cx="10969560" cy="3977280"/>
+          </a:xfrm>
+          <a:prstGeom prst="rect">
+            <a:avLst/>
+          </a:prstGeom>
+          <a:noFill/>
+          <a:ln w="0">
+            <a:noFill/>
+          </a:ln>
+        </p:spPr>
+        <p:txBody>
+          <a:bodyPr lIns="0" rIns="0" tIns="0" bIns="0" anchor="t">
+            <a:normAutofit/>
+          </a:bodyPr>
+          <a:p>
+            <a:pPr indent="0">
+              <a:spcBef>
+                <a:spcPts val="1417"/>
+              </a:spcBef>
+              <a:buNone/>
+            </a:pPr>
+            <a:endParaRPr b="0" lang="en-US" sz="3200" spc="-1" strike="noStrike">
+              <a:solidFill>
+                <a:srgbClr val="000000"/>
+              </a:solidFill>
+              <a:latin typeface="Arial"/>
+            </a:endParaRPr>
+          </a:p>
+        </p:txBody>
+      </p:sp>
+    </p:spTree>
+  </p:cSld>
+</p:sldLayout>
+</file>
+
+<file path=ppt/slideLayouts/slideLayout112.xml><?xml version="1.0" encoding="utf-8"?>
+<p:sldLayout xmlns:a="http://schemas.openxmlformats.org/drawingml/2006/main" xmlns:p="http://schemas.openxmlformats.org/presentationml/2006/main" xmlns:r="http://schemas.openxmlformats.org/officeDocument/2006/relationships" xmlns:p14="http://schemas.microsoft.com/office/powerpoint/2010/main" xmlns:p15="http://schemas.microsoft.com/office/powerpoint/2012/main" xmlns:mc="http://schemas.openxmlformats.org/markup-compatibility/2006" type="twoObj" preserve="1">
+  <p:cSld name="Title, 2 Content">
+    <p:spTree>
+      <p:nvGrpSpPr>
+        <p:cNvPr id="1" name=""/>
+        <p:cNvGrpSpPr/>
+        <p:nvPr/>
+      </p:nvGrpSpPr>
+      <p:grpSpPr>
+        <a:xfrm>
+          <a:off x="0" y="0"/>
+          <a:ext cx="0" cy="0"/>
+          <a:chOff x="0" y="0"/>
+          <a:chExt cx="0" cy="0"/>
+        </a:xfrm>
+      </p:grpSpPr>
+      <p:sp>
+        <p:nvSpPr>
+          <p:cNvPr id="384" name="PlaceHolder 1"/>
+          <p:cNvSpPr>
+            <a:spLocks noGrp="1"/>
+          </p:cNvSpPr>
+          <p:nvPr>
+            <p:ph type="title"/>
+          </p:nvPr>
+        </p:nvSpPr>
+        <p:spPr>
+          <a:xfrm>
+            <a:off x="609120" y="273600"/>
+            <a:ext cx="10969560" cy="1144800"/>
+          </a:xfrm>
+          <a:prstGeom prst="rect">
+            <a:avLst/>
+          </a:prstGeom>
+          <a:noFill/>
+          <a:ln w="0">
+            <a:noFill/>
+          </a:ln>
+        </p:spPr>
+        <p:txBody>
+          <a:bodyPr lIns="0" rIns="0" tIns="0" bIns="0" anchor="ctr">
+            <a:noAutofit/>
+          </a:bodyPr>
+          <a:p>
+            <a:pPr indent="0" algn="ctr">
+              <a:buNone/>
+            </a:pPr>
+            <a:endParaRPr b="0" lang="en-US" sz="4400" spc="-1" strike="noStrike">
+              <a:solidFill>
+                <a:srgbClr val="000000"/>
+              </a:solidFill>
+              <a:latin typeface="Arial"/>
+            </a:endParaRPr>
+          </a:p>
+        </p:txBody>
+      </p:sp>
+      <p:sp>
+        <p:nvSpPr>
+          <p:cNvPr id="385" name="PlaceHolder 2"/>
+          <p:cNvSpPr>
+            <a:spLocks noGrp="1"/>
+          </p:cNvSpPr>
+          <p:nvPr>
+            <p:ph/>
+          </p:nvPr>
+        </p:nvSpPr>
+        <p:spPr>
+          <a:xfrm>
+            <a:off x="609120" y="1604520"/>
+            <a:ext cx="5352840" cy="3977280"/>
+          </a:xfrm>
+          <a:prstGeom prst="rect">
+            <a:avLst/>
+          </a:prstGeom>
+          <a:noFill/>
+          <a:ln w="0">
+            <a:noFill/>
+          </a:ln>
+        </p:spPr>
+        <p:txBody>
+          <a:bodyPr lIns="0" rIns="0" tIns="0" bIns="0" anchor="t">
+            <a:normAutofit/>
+          </a:bodyPr>
+          <a:p>
+            <a:pPr indent="0">
+              <a:spcBef>
+                <a:spcPts val="1417"/>
+              </a:spcBef>
+              <a:buNone/>
+            </a:pPr>
+            <a:endParaRPr b="0" lang="en-US" sz="3200" spc="-1" strike="noStrike">
+              <a:solidFill>
+                <a:srgbClr val="000000"/>
+              </a:solidFill>
+              <a:latin typeface="Arial"/>
+            </a:endParaRPr>
+          </a:p>
+        </p:txBody>
+      </p:sp>
+      <p:sp>
+        <p:nvSpPr>
+          <p:cNvPr id="386" name="PlaceHolder 3"/>
+          <p:cNvSpPr>
+            <a:spLocks noGrp="1"/>
+          </p:cNvSpPr>
+          <p:nvPr>
+            <p:ph/>
+          </p:nvPr>
+        </p:nvSpPr>
+        <p:spPr>
+          <a:xfrm>
+            <a:off x="6230160" y="1604520"/>
+            <a:ext cx="5352840" cy="3977280"/>
+          </a:xfrm>
+          <a:prstGeom prst="rect">
+            <a:avLst/>
+          </a:prstGeom>
+          <a:noFill/>
+          <a:ln w="0">
+            <a:noFill/>
+          </a:ln>
+        </p:spPr>
+        <p:txBody>
+          <a:bodyPr lIns="0" rIns="0" tIns="0" bIns="0" anchor="t">
+            <a:normAutofit/>
+          </a:bodyPr>
+          <a:p>
+            <a:pPr indent="0">
+              <a:spcBef>
+                <a:spcPts val="1417"/>
+              </a:spcBef>
+              <a:buNone/>
+            </a:pPr>
+            <a:endParaRPr b="0" lang="en-US" sz="3200" spc="-1" strike="noStrike">
+              <a:solidFill>
+                <a:srgbClr val="000000"/>
+              </a:solidFill>
+              <a:latin typeface="Arial"/>
+            </a:endParaRPr>
+          </a:p>
+        </p:txBody>
+      </p:sp>
+    </p:spTree>
+  </p:cSld>
+</p:sldLayout>
+</file>
+
+<file path=ppt/slideLayouts/slideLayout113.xml><?xml version="1.0" encoding="utf-8"?>
+<p:sldLayout xmlns:a="http://schemas.openxmlformats.org/drawingml/2006/main" xmlns:p="http://schemas.openxmlformats.org/presentationml/2006/main" xmlns:r="http://schemas.openxmlformats.org/officeDocument/2006/relationships" xmlns:p14="http://schemas.microsoft.com/office/powerpoint/2010/main" xmlns:p15="http://schemas.microsoft.com/office/powerpoint/2012/main" xmlns:mc="http://schemas.openxmlformats.org/markup-compatibility/2006" type="titleOnly" preserve="1">
+  <p:cSld name="Title Only">
+    <p:spTree>
+      <p:nvGrpSpPr>
+        <p:cNvPr id="1" name=""/>
+        <p:cNvGrpSpPr/>
+        <p:nvPr/>
+      </p:nvGrpSpPr>
+      <p:grpSpPr>
+        <a:xfrm>
+          <a:off x="0" y="0"/>
+          <a:ext cx="0" cy="0"/>
+          <a:chOff x="0" y="0"/>
+          <a:chExt cx="0" cy="0"/>
+        </a:xfrm>
+      </p:grpSpPr>
+      <p:sp>
+        <p:nvSpPr>
+          <p:cNvPr id="387" name="PlaceHolder 1"/>
+          <p:cNvSpPr>
+            <a:spLocks noGrp="1"/>
+          </p:cNvSpPr>
+          <p:nvPr>
+            <p:ph type="title"/>
+          </p:nvPr>
+        </p:nvSpPr>
+        <p:spPr>
+          <a:xfrm>
+            <a:off x="609120" y="273600"/>
+            <a:ext cx="10969560" cy="1144800"/>
+          </a:xfrm>
+          <a:prstGeom prst="rect">
+            <a:avLst/>
+          </a:prstGeom>
+          <a:noFill/>
+          <a:ln w="0">
+            <a:noFill/>
+          </a:ln>
+        </p:spPr>
+        <p:txBody>
+          <a:bodyPr lIns="0" rIns="0" tIns="0" bIns="0" anchor="ctr">
+            <a:noAutofit/>
+          </a:bodyPr>
+          <a:p>
+            <a:pPr indent="0" algn="ctr">
+              <a:buNone/>
+            </a:pPr>
+            <a:endParaRPr b="0" lang="en-US" sz="4400" spc="-1" strike="noStrike">
+              <a:solidFill>
+                <a:srgbClr val="000000"/>
+              </a:solidFill>
+              <a:latin typeface="Arial"/>
+            </a:endParaRPr>
+          </a:p>
+        </p:txBody>
+      </p:sp>
+    </p:spTree>
+  </p:cSld>
+</p:sldLayout>
+</file>
+
+<file path=ppt/slideLayouts/slideLayout114.xml><?xml version="1.0" encoding="utf-8"?>
+<p:sldLayout xmlns:a="http://schemas.openxmlformats.org/drawingml/2006/main" xmlns:p="http://schemas.openxmlformats.org/presentationml/2006/main" xmlns:r="http://schemas.openxmlformats.org/officeDocument/2006/relationships" xmlns:p14="http://schemas.microsoft.com/office/powerpoint/2010/main" xmlns:p15="http://schemas.microsoft.com/office/powerpoint/2012/main" xmlns:mc="http://schemas.openxmlformats.org/markup-compatibility/2006" type="objOnly" preserve="1">
+  <p:cSld name="Centered Text">
+    <p:spTree>
+      <p:nvGrpSpPr>
+        <p:cNvPr id="1" name=""/>
+        <p:cNvGrpSpPr/>
+        <p:nvPr/>
+      </p:nvGrpSpPr>
+      <p:grpSpPr>
+        <a:xfrm>
+          <a:off x="0" y="0"/>
+          <a:ext cx="0" cy="0"/>
+          <a:chOff x="0" y="0"/>
+          <a:chExt cx="0" cy="0"/>
+        </a:xfrm>
+      </p:grpSpPr>
+      <p:sp>
+        <p:nvSpPr>
+          <p:cNvPr id="388" name="PlaceHolder 1"/>
+          <p:cNvSpPr>
+            <a:spLocks noGrp="1"/>
+          </p:cNvSpPr>
+          <p:nvPr>
+            <p:ph type="subTitle"/>
+          </p:nvPr>
+        </p:nvSpPr>
+        <p:spPr>
+          <a:xfrm>
+            <a:off x="609120" y="273600"/>
+            <a:ext cx="10969560" cy="5307840"/>
+          </a:xfrm>
+          <a:prstGeom prst="rect">
+            <a:avLst/>
+          </a:prstGeom>
+          <a:noFill/>
+          <a:ln w="0">
+            <a:noFill/>
+          </a:ln>
+        </p:spPr>
+        <p:txBody>
+          <a:bodyPr lIns="0" rIns="0" tIns="0" bIns="0" anchor="ctr">
+            <a:noAutofit/>
+          </a:bodyPr>
+          <a:p>
+            <a:pPr algn="ctr"/>
+            <a:endParaRPr b="0" lang="en-US" sz="3200" spc="-1" strike="noStrike">
+              <a:solidFill>
+                <a:srgbClr val="000000"/>
+              </a:solidFill>
+              <a:latin typeface="Arial"/>
+            </a:endParaRPr>
+          </a:p>
+        </p:txBody>
+      </p:sp>
+    </p:spTree>
+  </p:cSld>
+</p:sldLayout>
+</file>
+
+<file path=ppt/slideLayouts/slideLayout115.xml><?xml version="1.0" encoding="utf-8"?>
+<p:sldLayout xmlns:a="http://schemas.openxmlformats.org/drawingml/2006/main" xmlns:p="http://schemas.openxmlformats.org/presentationml/2006/main" xmlns:r="http://schemas.openxmlformats.org/officeDocument/2006/relationships" xmlns:p14="http://schemas.microsoft.com/office/powerpoint/2010/main" xmlns:p15="http://schemas.microsoft.com/office/powerpoint/2012/main" xmlns:mc="http://schemas.openxmlformats.org/markup-compatibility/2006" type="twoObjAndObj" preserve="1">
+  <p:cSld name="Title, 2 Content and Content">
+    <p:spTree>
+      <p:nvGrpSpPr>
+        <p:cNvPr id="1" name=""/>
+        <p:cNvGrpSpPr/>
+        <p:nvPr/>
+      </p:nvGrpSpPr>
+      <p:grpSpPr>
+        <a:xfrm>
+          <a:off x="0" y="0"/>
+          <a:ext cx="0" cy="0"/>
+          <a:chOff x="0" y="0"/>
+          <a:chExt cx="0" cy="0"/>
+        </a:xfrm>
+      </p:grpSpPr>
+      <p:sp>
+        <p:nvSpPr>
+          <p:cNvPr id="389" name="PlaceHolder 1"/>
+          <p:cNvSpPr>
+            <a:spLocks noGrp="1"/>
+          </p:cNvSpPr>
+          <p:nvPr>
+            <p:ph type="title"/>
+          </p:nvPr>
+        </p:nvSpPr>
+        <p:spPr>
+          <a:xfrm>
+            <a:off x="609120" y="273600"/>
+            <a:ext cx="10969560" cy="1144800"/>
+          </a:xfrm>
+          <a:prstGeom prst="rect">
+            <a:avLst/>
+          </a:prstGeom>
+          <a:noFill/>
+          <a:ln w="0">
+            <a:noFill/>
+          </a:ln>
+        </p:spPr>
+        <p:txBody>
+          <a:bodyPr lIns="0" rIns="0" tIns="0" bIns="0" anchor="ctr">
+            <a:noAutofit/>
+          </a:bodyPr>
+          <a:p>
+            <a:pPr indent="0" algn="ctr">
+              <a:buNone/>
+            </a:pPr>
+            <a:endParaRPr b="0" lang="en-US" sz="4400" spc="-1" strike="noStrike">
+              <a:solidFill>
+                <a:srgbClr val="000000"/>
+              </a:solidFill>
+              <a:latin typeface="Arial"/>
+            </a:endParaRPr>
+          </a:p>
+        </p:txBody>
+      </p:sp>
+      <p:sp>
+        <p:nvSpPr>
+          <p:cNvPr id="390" name="PlaceHolder 2"/>
+          <p:cNvSpPr>
+            <a:spLocks noGrp="1"/>
+          </p:cNvSpPr>
+          <p:nvPr>
+            <p:ph/>
+          </p:nvPr>
+        </p:nvSpPr>
+        <p:spPr>
+          <a:xfrm>
+            <a:off x="609120" y="1604520"/>
+            <a:ext cx="5352840" cy="1896840"/>
+          </a:xfrm>
+          <a:prstGeom prst="rect">
+            <a:avLst/>
+          </a:prstGeom>
+          <a:noFill/>
+          <a:ln w="0">
+            <a:noFill/>
+          </a:ln>
+        </p:spPr>
+        <p:txBody>
+          <a:bodyPr lIns="0" rIns="0" tIns="0" bIns="0" anchor="t">
+            <a:normAutofit/>
+          </a:bodyPr>
+          <a:p>
+            <a:pPr indent="0">
+              <a:spcBef>
+                <a:spcPts val="1417"/>
+              </a:spcBef>
+              <a:buNone/>
+            </a:pPr>
+            <a:endParaRPr b="0" lang="en-US" sz="3200" spc="-1" strike="noStrike">
+              <a:solidFill>
+                <a:srgbClr val="000000"/>
+              </a:solidFill>
+              <a:latin typeface="Arial"/>
+            </a:endParaRPr>
+          </a:p>
+        </p:txBody>
+      </p:sp>
+      <p:sp>
+        <p:nvSpPr>
+          <p:cNvPr id="391" name="PlaceHolder 3"/>
+          <p:cNvSpPr>
+            <a:spLocks noGrp="1"/>
+          </p:cNvSpPr>
+          <p:nvPr>
+            <p:ph/>
+          </p:nvPr>
+        </p:nvSpPr>
+        <p:spPr>
+          <a:xfrm>
+            <a:off x="6230160" y="1604520"/>
+            <a:ext cx="5352840" cy="3977280"/>
+          </a:xfrm>
+          <a:prstGeom prst="rect">
+            <a:avLst/>
+          </a:prstGeom>
+          <a:noFill/>
+          <a:ln w="0">
+            <a:noFill/>
+          </a:ln>
+        </p:spPr>
+        <p:txBody>
+          <a:bodyPr lIns="0" rIns="0" tIns="0" bIns="0" anchor="t">
+            <a:normAutofit/>
+          </a:bodyPr>
+          <a:p>
+            <a:pPr indent="0">
+              <a:spcBef>
+                <a:spcPts val="1417"/>
+              </a:spcBef>
+              <a:buNone/>
+            </a:pPr>
+            <a:endParaRPr b="0" lang="en-US" sz="3200" spc="-1" strike="noStrike">
+              <a:solidFill>
+                <a:srgbClr val="000000"/>
+              </a:solidFill>
+              <a:latin typeface="Arial"/>
+            </a:endParaRPr>
+          </a:p>
+        </p:txBody>
+      </p:sp>
+      <p:sp>
+        <p:nvSpPr>
+          <p:cNvPr id="392" name="PlaceHolder 4"/>
+          <p:cNvSpPr>
+            <a:spLocks noGrp="1"/>
+          </p:cNvSpPr>
+          <p:nvPr>
+            <p:ph/>
+          </p:nvPr>
+        </p:nvSpPr>
+        <p:spPr>
+          <a:xfrm>
+            <a:off x="609120" y="3682080"/>
+            <a:ext cx="5352840" cy="1896840"/>
+          </a:xfrm>
+          <a:prstGeom prst="rect">
+            <a:avLst/>
+          </a:prstGeom>
+          <a:noFill/>
+          <a:ln w="0">
+            <a:noFill/>
+          </a:ln>
+        </p:spPr>
+        <p:txBody>
+          <a:bodyPr lIns="0" rIns="0" tIns="0" bIns="0" anchor="t">
+            <a:normAutofit/>
+          </a:bodyPr>
+          <a:p>
+            <a:pPr indent="0">
+              <a:spcBef>
+                <a:spcPts val="1417"/>
+              </a:spcBef>
+              <a:buNone/>
+            </a:pPr>
+            <a:endParaRPr b="0" lang="en-US" sz="3200" spc="-1" strike="noStrike">
+              <a:solidFill>
+                <a:srgbClr val="000000"/>
+              </a:solidFill>
+              <a:latin typeface="Arial"/>
+            </a:endParaRPr>
+          </a:p>
+        </p:txBody>
+      </p:sp>
+    </p:spTree>
+  </p:cSld>
+</p:sldLayout>
+</file>
+
+<file path=ppt/slideLayouts/slideLayout116.xml><?xml version="1.0" encoding="utf-8"?>
+<p:sldLayout xmlns:a="http://schemas.openxmlformats.org/drawingml/2006/main" xmlns:p="http://schemas.openxmlformats.org/presentationml/2006/main" xmlns:r="http://schemas.openxmlformats.org/officeDocument/2006/relationships" xmlns:p14="http://schemas.microsoft.com/office/powerpoint/2010/main" xmlns:p15="http://schemas.microsoft.com/office/powerpoint/2012/main" xmlns:mc="http://schemas.openxmlformats.org/markup-compatibility/2006" type="objAndTwoObj" preserve="1">
+  <p:cSld name="Title Content and 2 Content">
+    <p:spTree>
+      <p:nvGrpSpPr>
+        <p:cNvPr id="1" name=""/>
+        <p:cNvGrpSpPr/>
+        <p:nvPr/>
+      </p:nvGrpSpPr>
+      <p:grpSpPr>
+        <a:xfrm>
+          <a:off x="0" y="0"/>
+          <a:ext cx="0" cy="0"/>
+          <a:chOff x="0" y="0"/>
+          <a:chExt cx="0" cy="0"/>
+        </a:xfrm>
+      </p:grpSpPr>
+      <p:sp>
+        <p:nvSpPr>
+          <p:cNvPr id="393" name="PlaceHolder 1"/>
+          <p:cNvSpPr>
+            <a:spLocks noGrp="1"/>
+          </p:cNvSpPr>
+          <p:nvPr>
+            <p:ph type="title"/>
+          </p:nvPr>
+        </p:nvSpPr>
+        <p:spPr>
+          <a:xfrm>
+            <a:off x="609120" y="273600"/>
+            <a:ext cx="10969560" cy="1144800"/>
+          </a:xfrm>
+          <a:prstGeom prst="rect">
+            <a:avLst/>
+          </a:prstGeom>
+          <a:noFill/>
+          <a:ln w="0">
+            <a:noFill/>
+          </a:ln>
+        </p:spPr>
+        <p:txBody>
+          <a:bodyPr lIns="0" rIns="0" tIns="0" bIns="0" anchor="ctr">
+            <a:noAutofit/>
+          </a:bodyPr>
+          <a:p>
+            <a:pPr indent="0" algn="ctr">
+              <a:buNone/>
+            </a:pPr>
+            <a:endParaRPr b="0" lang="en-US" sz="4400" spc="-1" strike="noStrike">
+              <a:solidFill>
+                <a:srgbClr val="000000"/>
+              </a:solidFill>
+              <a:latin typeface="Arial"/>
+            </a:endParaRPr>
+          </a:p>
+        </p:txBody>
+      </p:sp>
+      <p:sp>
+        <p:nvSpPr>
+          <p:cNvPr id="394" name="PlaceHolder 2"/>
+          <p:cNvSpPr>
+            <a:spLocks noGrp="1"/>
+          </p:cNvSpPr>
+          <p:nvPr>
+            <p:ph/>
+          </p:nvPr>
+        </p:nvSpPr>
+        <p:spPr>
+          <a:xfrm>
+            <a:off x="609120" y="1604520"/>
+            <a:ext cx="5352840" cy="3977280"/>
+          </a:xfrm>
+          <a:prstGeom prst="rect">
+            <a:avLst/>
+          </a:prstGeom>
+          <a:noFill/>
+          <a:ln w="0">
+            <a:noFill/>
+          </a:ln>
+        </p:spPr>
+        <p:txBody>
+          <a:bodyPr lIns="0" rIns="0" tIns="0" bIns="0" anchor="t">
+            <a:normAutofit/>
+          </a:bodyPr>
+          <a:p>
+            <a:pPr indent="0">
+              <a:spcBef>
+                <a:spcPts val="1417"/>
+              </a:spcBef>
+              <a:buNone/>
+            </a:pPr>
+            <a:endParaRPr b="0" lang="en-US" sz="3200" spc="-1" strike="noStrike">
+              <a:solidFill>
+                <a:srgbClr val="000000"/>
+              </a:solidFill>
+              <a:latin typeface="Arial"/>
+            </a:endParaRPr>
+          </a:p>
+        </p:txBody>
+      </p:sp>
+      <p:sp>
+        <p:nvSpPr>
+          <p:cNvPr id="395" name="PlaceHolder 3"/>
+          <p:cNvSpPr>
+            <a:spLocks noGrp="1"/>
+          </p:cNvSpPr>
+          <p:nvPr>
+            <p:ph/>
+          </p:nvPr>
+        </p:nvSpPr>
+        <p:spPr>
+          <a:xfrm>
+            <a:off x="6230160" y="1604520"/>
+            <a:ext cx="5352840" cy="1896840"/>
+          </a:xfrm>
+          <a:prstGeom prst="rect">
+            <a:avLst/>
+          </a:prstGeom>
+          <a:noFill/>
+          <a:ln w="0">
+            <a:noFill/>
+          </a:ln>
+        </p:spPr>
+        <p:txBody>
+          <a:bodyPr lIns="0" rIns="0" tIns="0" bIns="0" anchor="t">
+            <a:normAutofit/>
+          </a:bodyPr>
+          <a:p>
+            <a:pPr indent="0">
+              <a:spcBef>
+                <a:spcPts val="1417"/>
+              </a:spcBef>
+              <a:buNone/>
+            </a:pPr>
+            <a:endParaRPr b="0" lang="en-US" sz="3200" spc="-1" strike="noStrike">
+              <a:solidFill>
+                <a:srgbClr val="000000"/>
+              </a:solidFill>
+              <a:latin typeface="Arial"/>
+            </a:endParaRPr>
+          </a:p>
+        </p:txBody>
+      </p:sp>
+      <p:sp>
+        <p:nvSpPr>
+          <p:cNvPr id="396" name="PlaceHolder 4"/>
+          <p:cNvSpPr>
+            <a:spLocks noGrp="1"/>
+          </p:cNvSpPr>
+          <p:nvPr>
+            <p:ph/>
+          </p:nvPr>
+        </p:nvSpPr>
+        <p:spPr>
+          <a:xfrm>
+            <a:off x="6230160" y="3682080"/>
+            <a:ext cx="5352840" cy="1896840"/>
+          </a:xfrm>
+          <a:prstGeom prst="rect">
+            <a:avLst/>
+          </a:prstGeom>
+          <a:noFill/>
+          <a:ln w="0">
+            <a:noFill/>
+          </a:ln>
+        </p:spPr>
+        <p:txBody>
+          <a:bodyPr lIns="0" rIns="0" tIns="0" bIns="0" anchor="t">
+            <a:normAutofit/>
+          </a:bodyPr>
+          <a:p>
+            <a:pPr indent="0">
+              <a:spcBef>
+                <a:spcPts val="1417"/>
+              </a:spcBef>
+              <a:buNone/>
+            </a:pPr>
+            <a:endParaRPr b="0" lang="en-US" sz="3200" spc="-1" strike="noStrike">
+              <a:solidFill>
+                <a:srgbClr val="000000"/>
+              </a:solidFill>
+              <a:latin typeface="Arial"/>
+            </a:endParaRPr>
+          </a:p>
+        </p:txBody>
+      </p:sp>
+    </p:spTree>
+  </p:cSld>
+</p:sldLayout>
+</file>
+
+<file path=ppt/slideLayouts/slideLayout117.xml><?xml version="1.0" encoding="utf-8"?>
+<p:sldLayout xmlns:a="http://schemas.openxmlformats.org/drawingml/2006/main" xmlns:p="http://schemas.openxmlformats.org/presentationml/2006/main" xmlns:r="http://schemas.openxmlformats.org/officeDocument/2006/relationships" xmlns:p14="http://schemas.microsoft.com/office/powerpoint/2010/main" xmlns:p15="http://schemas.microsoft.com/office/powerpoint/2012/main" xmlns:mc="http://schemas.openxmlformats.org/markup-compatibility/2006" type="twoObjOverTx" preserve="1">
+  <p:cSld name="Title, 2 Content over Content">
+    <p:spTree>
+      <p:nvGrpSpPr>
+        <p:cNvPr id="1" name=""/>
+        <p:cNvGrpSpPr/>
+        <p:nvPr/>
+      </p:nvGrpSpPr>
+      <p:grpSpPr>
+        <a:xfrm>
+          <a:off x="0" y="0"/>
+          <a:ext cx="0" cy="0"/>
+          <a:chOff x="0" y="0"/>
+          <a:chExt cx="0" cy="0"/>
+        </a:xfrm>
+      </p:grpSpPr>
+      <p:sp>
+        <p:nvSpPr>
+          <p:cNvPr id="397" name="PlaceHolder 1"/>
+          <p:cNvSpPr>
+            <a:spLocks noGrp="1"/>
+          </p:cNvSpPr>
+          <p:nvPr>
+            <p:ph type="title"/>
+          </p:nvPr>
+        </p:nvSpPr>
+        <p:spPr>
+          <a:xfrm>
+            <a:off x="609120" y="273600"/>
+            <a:ext cx="10969560" cy="1144800"/>
+          </a:xfrm>
+          <a:prstGeom prst="rect">
+            <a:avLst/>
+          </a:prstGeom>
+          <a:noFill/>
+          <a:ln w="0">
+            <a:noFill/>
+          </a:ln>
+        </p:spPr>
+        <p:txBody>
+          <a:bodyPr lIns="0" rIns="0" tIns="0" bIns="0" anchor="ctr">
+            <a:noAutofit/>
+          </a:bodyPr>
+          <a:p>
+            <a:pPr indent="0" algn="ctr">
+              <a:buNone/>
+            </a:pPr>
+            <a:endParaRPr b="0" lang="en-US" sz="4400" spc="-1" strike="noStrike">
+              <a:solidFill>
+                <a:srgbClr val="000000"/>
+              </a:solidFill>
+              <a:latin typeface="Arial"/>
+            </a:endParaRPr>
+          </a:p>
+        </p:txBody>
+      </p:sp>
+      <p:sp>
+        <p:nvSpPr>
+          <p:cNvPr id="398" name="PlaceHolder 2"/>
+          <p:cNvSpPr>
+            <a:spLocks noGrp="1"/>
+          </p:cNvSpPr>
+          <p:nvPr>
+            <p:ph/>
+          </p:nvPr>
+        </p:nvSpPr>
+        <p:spPr>
+          <a:xfrm>
+            <a:off x="609120" y="1604520"/>
+            <a:ext cx="5352840" cy="1896840"/>
+          </a:xfrm>
+          <a:prstGeom prst="rect">
+            <a:avLst/>
+          </a:prstGeom>
+          <a:noFill/>
+          <a:ln w="0">
+            <a:noFill/>
+          </a:ln>
+        </p:spPr>
+        <p:txBody>
+          <a:bodyPr lIns="0" rIns="0" tIns="0" bIns="0" anchor="t">
+            <a:normAutofit/>
+          </a:bodyPr>
+          <a:p>
+            <a:pPr indent="0">
+              <a:spcBef>
+                <a:spcPts val="1417"/>
+              </a:spcBef>
+              <a:buNone/>
+            </a:pPr>
+            <a:endParaRPr b="0" lang="en-US" sz="3200" spc="-1" strike="noStrike">
+              <a:solidFill>
+                <a:srgbClr val="000000"/>
+              </a:solidFill>
+              <a:latin typeface="Arial"/>
+            </a:endParaRPr>
+          </a:p>
+        </p:txBody>
+      </p:sp>
+      <p:sp>
+        <p:nvSpPr>
+          <p:cNvPr id="399" name="PlaceHolder 3"/>
+          <p:cNvSpPr>
+            <a:spLocks noGrp="1"/>
+          </p:cNvSpPr>
+          <p:nvPr>
+            <p:ph/>
+          </p:nvPr>
+        </p:nvSpPr>
+        <p:spPr>
+          <a:xfrm>
+            <a:off x="6230160" y="1604520"/>
+            <a:ext cx="5352840" cy="1896840"/>
+          </a:xfrm>
+          <a:prstGeom prst="rect">
+            <a:avLst/>
+          </a:prstGeom>
+          <a:noFill/>
+          <a:ln w="0">
+            <a:noFill/>
+          </a:ln>
+        </p:spPr>
+        <p:txBody>
+          <a:bodyPr lIns="0" rIns="0" tIns="0" bIns="0" anchor="t">
+            <a:normAutofit/>
+          </a:bodyPr>
+          <a:p>
+            <a:pPr indent="0">
+              <a:spcBef>
+                <a:spcPts val="1417"/>
+              </a:spcBef>
+              <a:buNone/>
+            </a:pPr>
+            <a:endParaRPr b="0" lang="en-US" sz="3200" spc="-1" strike="noStrike">
+              <a:solidFill>
+                <a:srgbClr val="000000"/>
+              </a:solidFill>
+              <a:latin typeface="Arial"/>
+            </a:endParaRPr>
+          </a:p>
+        </p:txBody>
+      </p:sp>
+      <p:sp>
+        <p:nvSpPr>
+          <p:cNvPr id="400" name="PlaceHolder 4"/>
+          <p:cNvSpPr>
+            <a:spLocks noGrp="1"/>
+          </p:cNvSpPr>
+          <p:nvPr>
+            <p:ph/>
+          </p:nvPr>
+        </p:nvSpPr>
+        <p:spPr>
+          <a:xfrm>
+            <a:off x="609120" y="3682080"/>
+            <a:ext cx="10969560" cy="1896840"/>
+          </a:xfrm>
+          <a:prstGeom prst="rect">
+            <a:avLst/>
+          </a:prstGeom>
+          <a:noFill/>
+          <a:ln w="0">
+            <a:noFill/>
+          </a:ln>
+        </p:spPr>
+        <p:txBody>
+          <a:bodyPr lIns="0" rIns="0" tIns="0" bIns="0" anchor="t">
+            <a:normAutofit/>
+          </a:bodyPr>
+          <a:p>
+            <a:pPr indent="0">
+              <a:spcBef>
+                <a:spcPts val="1417"/>
+              </a:spcBef>
+              <a:buNone/>
+            </a:pPr>
+            <a:endParaRPr b="0" lang="en-US" sz="3200" spc="-1" strike="noStrike">
+              <a:solidFill>
+                <a:srgbClr val="000000"/>
+              </a:solidFill>
+              <a:latin typeface="Arial"/>
+            </a:endParaRPr>
+          </a:p>
+        </p:txBody>
+      </p:sp>
+    </p:spTree>
+  </p:cSld>
+</p:sldLayout>
+</file>
+
+<file path=ppt/slideLayouts/slideLayout118.xml><?xml version="1.0" encoding="utf-8"?>
+<p:sldLayout xmlns:a="http://schemas.openxmlformats.org/drawingml/2006/main" xmlns:p="http://schemas.openxmlformats.org/presentationml/2006/main" xmlns:r="http://schemas.openxmlformats.org/officeDocument/2006/relationships" xmlns:p14="http://schemas.microsoft.com/office/powerpoint/2010/main" xmlns:p15="http://schemas.microsoft.com/office/powerpoint/2012/main" xmlns:mc="http://schemas.openxmlformats.org/markup-compatibility/2006" type="objOverTx" preserve="1">
+  <p:cSld name="Title, Content over Content">
+    <p:spTree>
+      <p:nvGrpSpPr>
+        <p:cNvPr id="1" name=""/>
+        <p:cNvGrpSpPr/>
+        <p:nvPr/>
+      </p:nvGrpSpPr>
+      <p:grpSpPr>
+        <a:xfrm>
+          <a:off x="0" y="0"/>
+          <a:ext cx="0" cy="0"/>
+          <a:chOff x="0" y="0"/>
+          <a:chExt cx="0" cy="0"/>
+        </a:xfrm>
+      </p:grpSpPr>
+      <p:sp>
+        <p:nvSpPr>
+          <p:cNvPr id="401" name="PlaceHolder 1"/>
+          <p:cNvSpPr>
+            <a:spLocks noGrp="1"/>
+          </p:cNvSpPr>
+          <p:nvPr>
+            <p:ph type="title"/>
+          </p:nvPr>
+        </p:nvSpPr>
+        <p:spPr>
+          <a:xfrm>
+            <a:off x="609120" y="273600"/>
+            <a:ext cx="10969560" cy="1144800"/>
+          </a:xfrm>
+          <a:prstGeom prst="rect">
+            <a:avLst/>
+          </a:prstGeom>
+          <a:noFill/>
+          <a:ln w="0">
+            <a:noFill/>
+          </a:ln>
+        </p:spPr>
+        <p:txBody>
+          <a:bodyPr lIns="0" rIns="0" tIns="0" bIns="0" anchor="ctr">
+            <a:noAutofit/>
+          </a:bodyPr>
+          <a:p>
+            <a:pPr indent="0" algn="ctr">
+              <a:buNone/>
+            </a:pPr>
+            <a:endParaRPr b="0" lang="en-US" sz="4400" spc="-1" strike="noStrike">
+              <a:solidFill>
+                <a:srgbClr val="000000"/>
+              </a:solidFill>
+              <a:latin typeface="Arial"/>
+            </a:endParaRPr>
+          </a:p>
+        </p:txBody>
+      </p:sp>
+      <p:sp>
+        <p:nvSpPr>
+          <p:cNvPr id="402" name="PlaceHolder 2"/>
+          <p:cNvSpPr>
+            <a:spLocks noGrp="1"/>
+          </p:cNvSpPr>
+          <p:nvPr>
+            <p:ph/>
+          </p:nvPr>
+        </p:nvSpPr>
+        <p:spPr>
+          <a:xfrm>
+            <a:off x="609120" y="1604520"/>
+            <a:ext cx="10969560" cy="1896840"/>
+          </a:xfrm>
+          <a:prstGeom prst="rect">
+            <a:avLst/>
+          </a:prstGeom>
+          <a:noFill/>
+          <a:ln w="0">
+            <a:noFill/>
+          </a:ln>
+        </p:spPr>
+        <p:txBody>
+          <a:bodyPr lIns="0" rIns="0" tIns="0" bIns="0" anchor="t">
+            <a:normAutofit/>
+          </a:bodyPr>
+          <a:p>
+            <a:pPr indent="0">
+              <a:spcBef>
+                <a:spcPts val="1417"/>
+              </a:spcBef>
+              <a:buNone/>
+            </a:pPr>
+            <a:endParaRPr b="0" lang="en-US" sz="3200" spc="-1" strike="noStrike">
+              <a:solidFill>
+                <a:srgbClr val="000000"/>
+              </a:solidFill>
+              <a:latin typeface="Arial"/>
+            </a:endParaRPr>
+          </a:p>
+        </p:txBody>
+      </p:sp>
+      <p:sp>
+        <p:nvSpPr>
+          <p:cNvPr id="403" name="PlaceHolder 3"/>
+          <p:cNvSpPr>
+            <a:spLocks noGrp="1"/>
+          </p:cNvSpPr>
+          <p:nvPr>
+            <p:ph/>
+          </p:nvPr>
+        </p:nvSpPr>
+        <p:spPr>
+          <a:xfrm>
+            <a:off x="609120" y="3682080"/>
+            <a:ext cx="10969560" cy="1896840"/>
+          </a:xfrm>
+          <a:prstGeom prst="rect">
+            <a:avLst/>
+          </a:prstGeom>
+          <a:noFill/>
+          <a:ln w="0">
+            <a:noFill/>
+          </a:ln>
+        </p:spPr>
+        <p:txBody>
+          <a:bodyPr lIns="0" rIns="0" tIns="0" bIns="0" anchor="t">
+            <a:normAutofit/>
+          </a:bodyPr>
+          <a:p>
+            <a:pPr indent="0">
+              <a:spcBef>
+                <a:spcPts val="1417"/>
+              </a:spcBef>
+              <a:buNone/>
+            </a:pPr>
+            <a:endParaRPr b="0" lang="en-US" sz="3200" spc="-1" strike="noStrike">
+              <a:solidFill>
+                <a:srgbClr val="000000"/>
+              </a:solidFill>
+              <a:latin typeface="Arial"/>
+            </a:endParaRPr>
+          </a:p>
+        </p:txBody>
+      </p:sp>
+    </p:spTree>
+  </p:cSld>
+</p:sldLayout>
+</file>
+
+<file path=ppt/slideLayouts/slideLayout119.xml><?xml version="1.0" encoding="utf-8"?>
+<p:sldLayout xmlns:a="http://schemas.openxmlformats.org/drawingml/2006/main" xmlns:p="http://schemas.openxmlformats.org/presentationml/2006/main" xmlns:r="http://schemas.openxmlformats.org/officeDocument/2006/relationships" xmlns:p14="http://schemas.microsoft.com/office/powerpoint/2010/main" xmlns:p15="http://schemas.microsoft.com/office/powerpoint/2012/main" xmlns:mc="http://schemas.openxmlformats.org/markup-compatibility/2006" type="fourObj" preserve="1">
+  <p:cSld name="Title, 4 Content">
+    <p:spTree>
+      <p:nvGrpSpPr>
+        <p:cNvPr id="1" name=""/>
+        <p:cNvGrpSpPr/>
+        <p:nvPr/>
+      </p:nvGrpSpPr>
+      <p:grpSpPr>
+        <a:xfrm>
+          <a:off x="0" y="0"/>
+          <a:ext cx="0" cy="0"/>
+          <a:chOff x="0" y="0"/>
+          <a:chExt cx="0" cy="0"/>
+        </a:xfrm>
+      </p:grpSpPr>
+      <p:sp>
+        <p:nvSpPr>
+          <p:cNvPr id="404" name="PlaceHolder 1"/>
+          <p:cNvSpPr>
+            <a:spLocks noGrp="1"/>
+          </p:cNvSpPr>
+          <p:nvPr>
+            <p:ph type="title"/>
+          </p:nvPr>
+        </p:nvSpPr>
+        <p:spPr>
+          <a:xfrm>
+            <a:off x="609120" y="273600"/>
+            <a:ext cx="10969560" cy="1144800"/>
+          </a:xfrm>
+          <a:prstGeom prst="rect">
+            <a:avLst/>
+          </a:prstGeom>
+          <a:noFill/>
+          <a:ln w="0">
+            <a:noFill/>
+          </a:ln>
+        </p:spPr>
+        <p:txBody>
+          <a:bodyPr lIns="0" rIns="0" tIns="0" bIns="0" anchor="ctr">
+            <a:noAutofit/>
+          </a:bodyPr>
+          <a:p>
+            <a:pPr indent="0" algn="ctr">
+              <a:buNone/>
+            </a:pPr>
+            <a:endParaRPr b="0" lang="en-US" sz="4400" spc="-1" strike="noStrike">
+              <a:solidFill>
+                <a:srgbClr val="000000"/>
+              </a:solidFill>
+              <a:latin typeface="Arial"/>
+            </a:endParaRPr>
+          </a:p>
+        </p:txBody>
+      </p:sp>
+      <p:sp>
+        <p:nvSpPr>
+          <p:cNvPr id="405" name="PlaceHolder 2"/>
+          <p:cNvSpPr>
+            <a:spLocks noGrp="1"/>
+          </p:cNvSpPr>
+          <p:nvPr>
+            <p:ph/>
+          </p:nvPr>
+        </p:nvSpPr>
+        <p:spPr>
+          <a:xfrm>
+            <a:off x="609120" y="1604520"/>
+            <a:ext cx="5352840" cy="1896840"/>
+          </a:xfrm>
+          <a:prstGeom prst="rect">
+            <a:avLst/>
+          </a:prstGeom>
+          <a:noFill/>
+          <a:ln w="0">
+            <a:noFill/>
+          </a:ln>
+        </p:spPr>
+        <p:txBody>
+          <a:bodyPr lIns="0" rIns="0" tIns="0" bIns="0" anchor="t">
+            <a:normAutofit/>
+          </a:bodyPr>
+          <a:p>
+            <a:pPr indent="0">
+              <a:spcBef>
+                <a:spcPts val="1417"/>
+              </a:spcBef>
+              <a:buNone/>
+            </a:pPr>
+            <a:endParaRPr b="0" lang="en-US" sz="3200" spc="-1" strike="noStrike">
+              <a:solidFill>
+                <a:srgbClr val="000000"/>
+              </a:solidFill>
+              <a:latin typeface="Arial"/>
+            </a:endParaRPr>
+          </a:p>
+        </p:txBody>
+      </p:sp>
+      <p:sp>
+        <p:nvSpPr>
+          <p:cNvPr id="406" name="PlaceHolder 3"/>
+          <p:cNvSpPr>
+            <a:spLocks noGrp="1"/>
+          </p:cNvSpPr>
+          <p:nvPr>
+            <p:ph/>
+          </p:nvPr>
+        </p:nvSpPr>
+        <p:spPr>
+          <a:xfrm>
+            <a:off x="6230160" y="1604520"/>
+            <a:ext cx="5352840" cy="1896840"/>
+          </a:xfrm>
+          <a:prstGeom prst="rect">
+            <a:avLst/>
+          </a:prstGeom>
+          <a:noFill/>
+          <a:ln w="0">
+            <a:noFill/>
+          </a:ln>
+        </p:spPr>
+        <p:txBody>
+          <a:bodyPr lIns="0" rIns="0" tIns="0" bIns="0" anchor="t">
+            <a:normAutofit/>
+          </a:bodyPr>
+          <a:p>
+            <a:pPr indent="0">
+              <a:spcBef>
+                <a:spcPts val="1417"/>
+              </a:spcBef>
+              <a:buNone/>
+            </a:pPr>
+            <a:endParaRPr b="0" lang="en-US" sz="3200" spc="-1" strike="noStrike">
+              <a:solidFill>
+                <a:srgbClr val="000000"/>
+              </a:solidFill>
+              <a:latin typeface="Arial"/>
+            </a:endParaRPr>
+          </a:p>
+        </p:txBody>
+      </p:sp>
+      <p:sp>
+        <p:nvSpPr>
+          <p:cNvPr id="407" name="PlaceHolder 4"/>
+          <p:cNvSpPr>
+            <a:spLocks noGrp="1"/>
+          </p:cNvSpPr>
+          <p:nvPr>
+            <p:ph/>
+          </p:nvPr>
+        </p:nvSpPr>
+        <p:spPr>
+          <a:xfrm>
+            <a:off x="609120" y="3682080"/>
+            <a:ext cx="5352840" cy="1896840"/>
+          </a:xfrm>
+          <a:prstGeom prst="rect">
+            <a:avLst/>
+          </a:prstGeom>
+          <a:noFill/>
+          <a:ln w="0">
+            <a:noFill/>
+          </a:ln>
+        </p:spPr>
+        <p:txBody>
+          <a:bodyPr lIns="0" rIns="0" tIns="0" bIns="0" anchor="t">
+            <a:normAutofit/>
+          </a:bodyPr>
+          <a:p>
+            <a:pPr indent="0">
+              <a:spcBef>
+                <a:spcPts val="1417"/>
+              </a:spcBef>
+              <a:buNone/>
+            </a:pPr>
+            <a:endParaRPr b="0" lang="en-US" sz="3200" spc="-1" strike="noStrike">
+              <a:solidFill>
+                <a:srgbClr val="000000"/>
+              </a:solidFill>
+              <a:latin typeface="Arial"/>
+            </a:endParaRPr>
+          </a:p>
+        </p:txBody>
+      </p:sp>
+      <p:sp>
+        <p:nvSpPr>
+          <p:cNvPr id="408" name="PlaceHolder 5"/>
           <p:cNvSpPr>
             <a:spLocks noGrp="1"/>
           </p:cNvSpPr>
@@ -2257,6 +3713,326 @@
       <p:sp>
         <p:nvSpPr>
           <p:cNvPr id="43" name="PlaceHolder 7"/>
+          <p:cNvSpPr>
+            <a:spLocks noGrp="1"/>
+          </p:cNvSpPr>
+          <p:nvPr>
+            <p:ph/>
+          </p:nvPr>
+        </p:nvSpPr>
+        <p:spPr>
+          <a:xfrm>
+            <a:off x="8026920" y="3682080"/>
+            <a:ext cx="3531960" cy="1896840"/>
+          </a:xfrm>
+          <a:prstGeom prst="rect">
+            <a:avLst/>
+          </a:prstGeom>
+          <a:noFill/>
+          <a:ln w="0">
+            <a:noFill/>
+          </a:ln>
+        </p:spPr>
+        <p:txBody>
+          <a:bodyPr lIns="0" rIns="0" tIns="0" bIns="0" anchor="t">
+            <a:normAutofit/>
+          </a:bodyPr>
+          <a:p>
+            <a:pPr indent="0">
+              <a:spcBef>
+                <a:spcPts val="1417"/>
+              </a:spcBef>
+              <a:buNone/>
+            </a:pPr>
+            <a:endParaRPr b="0" lang="en-US" sz="3200" spc="-1" strike="noStrike">
+              <a:solidFill>
+                <a:srgbClr val="000000"/>
+              </a:solidFill>
+              <a:latin typeface="Arial"/>
+            </a:endParaRPr>
+          </a:p>
+        </p:txBody>
+      </p:sp>
+    </p:spTree>
+  </p:cSld>
+</p:sldLayout>
+</file>
+
+<file path=ppt/slideLayouts/slideLayout120.xml><?xml version="1.0" encoding="utf-8"?>
+<p:sldLayout xmlns:a="http://schemas.openxmlformats.org/drawingml/2006/main" xmlns:p="http://schemas.openxmlformats.org/presentationml/2006/main" xmlns:r="http://schemas.openxmlformats.org/officeDocument/2006/relationships" xmlns:p14="http://schemas.microsoft.com/office/powerpoint/2010/main" xmlns:p15="http://schemas.microsoft.com/office/powerpoint/2012/main" xmlns:mc="http://schemas.openxmlformats.org/markup-compatibility/2006" type="blank" preserve="1">
+  <p:cSld name="Title, 6 Content">
+    <p:spTree>
+      <p:nvGrpSpPr>
+        <p:cNvPr id="1" name=""/>
+        <p:cNvGrpSpPr/>
+        <p:nvPr/>
+      </p:nvGrpSpPr>
+      <p:grpSpPr>
+        <a:xfrm>
+          <a:off x="0" y="0"/>
+          <a:ext cx="0" cy="0"/>
+          <a:chOff x="0" y="0"/>
+          <a:chExt cx="0" cy="0"/>
+        </a:xfrm>
+      </p:grpSpPr>
+      <p:sp>
+        <p:nvSpPr>
+          <p:cNvPr id="409" name="PlaceHolder 1"/>
+          <p:cNvSpPr>
+            <a:spLocks noGrp="1"/>
+          </p:cNvSpPr>
+          <p:nvPr>
+            <p:ph type="title"/>
+          </p:nvPr>
+        </p:nvSpPr>
+        <p:spPr>
+          <a:xfrm>
+            <a:off x="609120" y="273600"/>
+            <a:ext cx="10969560" cy="1144800"/>
+          </a:xfrm>
+          <a:prstGeom prst="rect">
+            <a:avLst/>
+          </a:prstGeom>
+          <a:noFill/>
+          <a:ln w="0">
+            <a:noFill/>
+          </a:ln>
+        </p:spPr>
+        <p:txBody>
+          <a:bodyPr lIns="0" rIns="0" tIns="0" bIns="0" anchor="ctr">
+            <a:noAutofit/>
+          </a:bodyPr>
+          <a:p>
+            <a:pPr indent="0" algn="ctr">
+              <a:buNone/>
+            </a:pPr>
+            <a:endParaRPr b="0" lang="en-US" sz="4400" spc="-1" strike="noStrike">
+              <a:solidFill>
+                <a:srgbClr val="000000"/>
+              </a:solidFill>
+              <a:latin typeface="Arial"/>
+            </a:endParaRPr>
+          </a:p>
+        </p:txBody>
+      </p:sp>
+      <p:sp>
+        <p:nvSpPr>
+          <p:cNvPr id="410" name="PlaceHolder 2"/>
+          <p:cNvSpPr>
+            <a:spLocks noGrp="1"/>
+          </p:cNvSpPr>
+          <p:nvPr>
+            <p:ph/>
+          </p:nvPr>
+        </p:nvSpPr>
+        <p:spPr>
+          <a:xfrm>
+            <a:off x="609120" y="1604520"/>
+            <a:ext cx="3531960" cy="1896840"/>
+          </a:xfrm>
+          <a:prstGeom prst="rect">
+            <a:avLst/>
+          </a:prstGeom>
+          <a:noFill/>
+          <a:ln w="0">
+            <a:noFill/>
+          </a:ln>
+        </p:spPr>
+        <p:txBody>
+          <a:bodyPr lIns="0" rIns="0" tIns="0" bIns="0" anchor="t">
+            <a:normAutofit/>
+          </a:bodyPr>
+          <a:p>
+            <a:pPr indent="0">
+              <a:spcBef>
+                <a:spcPts val="1417"/>
+              </a:spcBef>
+              <a:buNone/>
+            </a:pPr>
+            <a:endParaRPr b="0" lang="en-US" sz="3200" spc="-1" strike="noStrike">
+              <a:solidFill>
+                <a:srgbClr val="000000"/>
+              </a:solidFill>
+              <a:latin typeface="Arial"/>
+            </a:endParaRPr>
+          </a:p>
+        </p:txBody>
+      </p:sp>
+      <p:sp>
+        <p:nvSpPr>
+          <p:cNvPr id="411" name="PlaceHolder 3"/>
+          <p:cNvSpPr>
+            <a:spLocks noGrp="1"/>
+          </p:cNvSpPr>
+          <p:nvPr>
+            <p:ph/>
+          </p:nvPr>
+        </p:nvSpPr>
+        <p:spPr>
+          <a:xfrm>
+            <a:off x="4318200" y="1604520"/>
+            <a:ext cx="3531960" cy="1896840"/>
+          </a:xfrm>
+          <a:prstGeom prst="rect">
+            <a:avLst/>
+          </a:prstGeom>
+          <a:noFill/>
+          <a:ln w="0">
+            <a:noFill/>
+          </a:ln>
+        </p:spPr>
+        <p:txBody>
+          <a:bodyPr lIns="0" rIns="0" tIns="0" bIns="0" anchor="t">
+            <a:normAutofit/>
+          </a:bodyPr>
+          <a:p>
+            <a:pPr indent="0">
+              <a:spcBef>
+                <a:spcPts val="1417"/>
+              </a:spcBef>
+              <a:buNone/>
+            </a:pPr>
+            <a:endParaRPr b="0" lang="en-US" sz="3200" spc="-1" strike="noStrike">
+              <a:solidFill>
+                <a:srgbClr val="000000"/>
+              </a:solidFill>
+              <a:latin typeface="Arial"/>
+            </a:endParaRPr>
+          </a:p>
+        </p:txBody>
+      </p:sp>
+      <p:sp>
+        <p:nvSpPr>
+          <p:cNvPr id="412" name="PlaceHolder 4"/>
+          <p:cNvSpPr>
+            <a:spLocks noGrp="1"/>
+          </p:cNvSpPr>
+          <p:nvPr>
+            <p:ph/>
+          </p:nvPr>
+        </p:nvSpPr>
+        <p:spPr>
+          <a:xfrm>
+            <a:off x="8026920" y="1604520"/>
+            <a:ext cx="3531960" cy="1896840"/>
+          </a:xfrm>
+          <a:prstGeom prst="rect">
+            <a:avLst/>
+          </a:prstGeom>
+          <a:noFill/>
+          <a:ln w="0">
+            <a:noFill/>
+          </a:ln>
+        </p:spPr>
+        <p:txBody>
+          <a:bodyPr lIns="0" rIns="0" tIns="0" bIns="0" anchor="t">
+            <a:normAutofit/>
+          </a:bodyPr>
+          <a:p>
+            <a:pPr indent="0">
+              <a:spcBef>
+                <a:spcPts val="1417"/>
+              </a:spcBef>
+              <a:buNone/>
+            </a:pPr>
+            <a:endParaRPr b="0" lang="en-US" sz="3200" spc="-1" strike="noStrike">
+              <a:solidFill>
+                <a:srgbClr val="000000"/>
+              </a:solidFill>
+              <a:latin typeface="Arial"/>
+            </a:endParaRPr>
+          </a:p>
+        </p:txBody>
+      </p:sp>
+      <p:sp>
+        <p:nvSpPr>
+          <p:cNvPr id="413" name="PlaceHolder 5"/>
+          <p:cNvSpPr>
+            <a:spLocks noGrp="1"/>
+          </p:cNvSpPr>
+          <p:nvPr>
+            <p:ph/>
+          </p:nvPr>
+        </p:nvSpPr>
+        <p:spPr>
+          <a:xfrm>
+            <a:off x="609120" y="3682080"/>
+            <a:ext cx="3531960" cy="1896840"/>
+          </a:xfrm>
+          <a:prstGeom prst="rect">
+            <a:avLst/>
+          </a:prstGeom>
+          <a:noFill/>
+          <a:ln w="0">
+            <a:noFill/>
+          </a:ln>
+        </p:spPr>
+        <p:txBody>
+          <a:bodyPr lIns="0" rIns="0" tIns="0" bIns="0" anchor="t">
+            <a:normAutofit/>
+          </a:bodyPr>
+          <a:p>
+            <a:pPr indent="0">
+              <a:spcBef>
+                <a:spcPts val="1417"/>
+              </a:spcBef>
+              <a:buNone/>
+            </a:pPr>
+            <a:endParaRPr b="0" lang="en-US" sz="3200" spc="-1" strike="noStrike">
+              <a:solidFill>
+                <a:srgbClr val="000000"/>
+              </a:solidFill>
+              <a:latin typeface="Arial"/>
+            </a:endParaRPr>
+          </a:p>
+        </p:txBody>
+      </p:sp>
+      <p:sp>
+        <p:nvSpPr>
+          <p:cNvPr id="414" name="PlaceHolder 6"/>
+          <p:cNvSpPr>
+            <a:spLocks noGrp="1"/>
+          </p:cNvSpPr>
+          <p:nvPr>
+            <p:ph/>
+          </p:nvPr>
+        </p:nvSpPr>
+        <p:spPr>
+          <a:xfrm>
+            <a:off x="4318200" y="3682080"/>
+            <a:ext cx="3531960" cy="1896840"/>
+          </a:xfrm>
+          <a:prstGeom prst="rect">
+            <a:avLst/>
+          </a:prstGeom>
+          <a:noFill/>
+          <a:ln w="0">
+            <a:noFill/>
+          </a:ln>
+        </p:spPr>
+        <p:txBody>
+          <a:bodyPr lIns="0" rIns="0" tIns="0" bIns="0" anchor="t">
+            <a:normAutofit/>
+          </a:bodyPr>
+          <a:p>
+            <a:pPr indent="0">
+              <a:spcBef>
+                <a:spcPts val="1417"/>
+              </a:spcBef>
+              <a:buNone/>
+            </a:pPr>
+            <a:endParaRPr b="0" lang="en-US" sz="3200" spc="-1" strike="noStrike">
+              <a:solidFill>
+                <a:srgbClr val="000000"/>
+              </a:solidFill>
+              <a:latin typeface="Arial"/>
+            </a:endParaRPr>
+          </a:p>
+        </p:txBody>
+      </p:sp>
+      <p:sp>
+        <p:nvSpPr>
+          <p:cNvPr id="415" name="PlaceHolder 7"/>
           <p:cNvSpPr>
             <a:spLocks noGrp="1"/>
           </p:cNvSpPr>
@@ -9916,7 +11692,7 @@
       </p:grpSpPr>
       <p:sp>
         <p:nvSpPr>
-          <p:cNvPr id="216" name="PlaceHolder 1"/>
+          <p:cNvPr id="215" name="PlaceHolder 1"/>
           <p:cNvSpPr>
             <a:spLocks noGrp="1"/>
           </p:cNvSpPr>
@@ -9956,7 +11732,7 @@
       </p:sp>
       <p:sp>
         <p:nvSpPr>
-          <p:cNvPr id="217" name="PlaceHolder 2"/>
+          <p:cNvPr id="216" name="PlaceHolder 2"/>
           <p:cNvSpPr>
             <a:spLocks noGrp="1"/>
           </p:cNvSpPr>
@@ -10018,7 +11794,7 @@
       </p:grpSpPr>
       <p:sp>
         <p:nvSpPr>
-          <p:cNvPr id="218" name="PlaceHolder 1"/>
+          <p:cNvPr id="217" name="PlaceHolder 1"/>
           <p:cNvSpPr>
             <a:spLocks noGrp="1"/>
           </p:cNvSpPr>
@@ -10058,7 +11834,7 @@
       </p:sp>
       <p:sp>
         <p:nvSpPr>
-          <p:cNvPr id="219" name="PlaceHolder 2"/>
+          <p:cNvPr id="218" name="PlaceHolder 2"/>
           <p:cNvSpPr>
             <a:spLocks noGrp="1"/>
           </p:cNvSpPr>
@@ -10123,7 +11899,7 @@
       </p:grpSpPr>
       <p:sp>
         <p:nvSpPr>
-          <p:cNvPr id="220" name="PlaceHolder 1"/>
+          <p:cNvPr id="219" name="PlaceHolder 1"/>
           <p:cNvSpPr>
             <a:spLocks noGrp="1"/>
           </p:cNvSpPr>
@@ -10163,7 +11939,7 @@
       </p:sp>
       <p:sp>
         <p:nvSpPr>
-          <p:cNvPr id="221" name="PlaceHolder 2"/>
+          <p:cNvPr id="220" name="PlaceHolder 2"/>
           <p:cNvSpPr>
             <a:spLocks noGrp="1"/>
           </p:cNvSpPr>
@@ -10206,7 +11982,7 @@
       </p:sp>
       <p:sp>
         <p:nvSpPr>
-          <p:cNvPr id="222" name="PlaceHolder 3"/>
+          <p:cNvPr id="221" name="PlaceHolder 3"/>
           <p:cNvSpPr>
             <a:spLocks noGrp="1"/>
           </p:cNvSpPr>
@@ -10271,7 +12047,7 @@
       </p:grpSpPr>
       <p:sp>
         <p:nvSpPr>
-          <p:cNvPr id="223" name="PlaceHolder 1"/>
+          <p:cNvPr id="222" name="PlaceHolder 1"/>
           <p:cNvSpPr>
             <a:spLocks noGrp="1"/>
           </p:cNvSpPr>
@@ -10333,7 +12109,7 @@
       </p:grpSpPr>
       <p:sp>
         <p:nvSpPr>
-          <p:cNvPr id="224" name="PlaceHolder 1"/>
+          <p:cNvPr id="223" name="PlaceHolder 1"/>
           <p:cNvSpPr>
             <a:spLocks noGrp="1"/>
           </p:cNvSpPr>
@@ -10393,7 +12169,7 @@
       </p:grpSpPr>
       <p:sp>
         <p:nvSpPr>
-          <p:cNvPr id="225" name="PlaceHolder 1"/>
+          <p:cNvPr id="224" name="PlaceHolder 1"/>
           <p:cNvSpPr>
             <a:spLocks noGrp="1"/>
           </p:cNvSpPr>
@@ -10433,7 +12209,7 @@
       </p:sp>
       <p:sp>
         <p:nvSpPr>
-          <p:cNvPr id="226" name="PlaceHolder 2"/>
+          <p:cNvPr id="225" name="PlaceHolder 2"/>
           <p:cNvSpPr>
             <a:spLocks noGrp="1"/>
           </p:cNvSpPr>
@@ -10476,7 +12252,7 @@
       </p:sp>
       <p:sp>
         <p:nvSpPr>
-          <p:cNvPr id="227" name="PlaceHolder 3"/>
+          <p:cNvPr id="226" name="PlaceHolder 3"/>
           <p:cNvSpPr>
             <a:spLocks noGrp="1"/>
           </p:cNvSpPr>
@@ -10519,7 +12295,7 @@
       </p:sp>
       <p:sp>
         <p:nvSpPr>
-          <p:cNvPr id="228" name="PlaceHolder 4"/>
+          <p:cNvPr id="227" name="PlaceHolder 4"/>
           <p:cNvSpPr>
             <a:spLocks noGrp="1"/>
           </p:cNvSpPr>
@@ -10584,7 +12360,7 @@
       </p:grpSpPr>
       <p:sp>
         <p:nvSpPr>
-          <p:cNvPr id="229" name="PlaceHolder 1"/>
+          <p:cNvPr id="228" name="PlaceHolder 1"/>
           <p:cNvSpPr>
             <a:spLocks noGrp="1"/>
           </p:cNvSpPr>
@@ -10624,7 +12400,7 @@
       </p:sp>
       <p:sp>
         <p:nvSpPr>
-          <p:cNvPr id="230" name="PlaceHolder 2"/>
+          <p:cNvPr id="229" name="PlaceHolder 2"/>
           <p:cNvSpPr>
             <a:spLocks noGrp="1"/>
           </p:cNvSpPr>
@@ -10667,7 +12443,7 @@
       </p:sp>
       <p:sp>
         <p:nvSpPr>
-          <p:cNvPr id="231" name="PlaceHolder 3"/>
+          <p:cNvPr id="230" name="PlaceHolder 3"/>
           <p:cNvSpPr>
             <a:spLocks noGrp="1"/>
           </p:cNvSpPr>
@@ -10710,7 +12486,7 @@
       </p:sp>
       <p:sp>
         <p:nvSpPr>
-          <p:cNvPr id="232" name="PlaceHolder 4"/>
+          <p:cNvPr id="231" name="PlaceHolder 4"/>
           <p:cNvSpPr>
             <a:spLocks noGrp="1"/>
           </p:cNvSpPr>
@@ -10775,7 +12551,7 @@
       </p:grpSpPr>
       <p:sp>
         <p:nvSpPr>
-          <p:cNvPr id="233" name="PlaceHolder 1"/>
+          <p:cNvPr id="232" name="PlaceHolder 1"/>
           <p:cNvSpPr>
             <a:spLocks noGrp="1"/>
           </p:cNvSpPr>
@@ -10815,7 +12591,7 @@
       </p:sp>
       <p:sp>
         <p:nvSpPr>
-          <p:cNvPr id="234" name="PlaceHolder 2"/>
+          <p:cNvPr id="233" name="PlaceHolder 2"/>
           <p:cNvSpPr>
             <a:spLocks noGrp="1"/>
           </p:cNvSpPr>
@@ -10858,7 +12634,7 @@
       </p:sp>
       <p:sp>
         <p:nvSpPr>
-          <p:cNvPr id="235" name="PlaceHolder 3"/>
+          <p:cNvPr id="234" name="PlaceHolder 3"/>
           <p:cNvSpPr>
             <a:spLocks noGrp="1"/>
           </p:cNvSpPr>
@@ -10901,7 +12677,7 @@
       </p:sp>
       <p:sp>
         <p:nvSpPr>
-          <p:cNvPr id="236" name="PlaceHolder 4"/>
+          <p:cNvPr id="235" name="PlaceHolder 4"/>
           <p:cNvSpPr>
             <a:spLocks noGrp="1"/>
           </p:cNvSpPr>
@@ -11157,7 +12933,7 @@
       </p:grpSpPr>
       <p:sp>
         <p:nvSpPr>
-          <p:cNvPr id="237" name="PlaceHolder 1"/>
+          <p:cNvPr id="236" name="PlaceHolder 1"/>
           <p:cNvSpPr>
             <a:spLocks noGrp="1"/>
           </p:cNvSpPr>
@@ -11197,7 +12973,7 @@
       </p:sp>
       <p:sp>
         <p:nvSpPr>
-          <p:cNvPr id="238" name="PlaceHolder 2"/>
+          <p:cNvPr id="237" name="PlaceHolder 2"/>
           <p:cNvSpPr>
             <a:spLocks noGrp="1"/>
           </p:cNvSpPr>
@@ -11240,7 +13016,7 @@
       </p:sp>
       <p:sp>
         <p:nvSpPr>
-          <p:cNvPr id="239" name="PlaceHolder 3"/>
+          <p:cNvPr id="238" name="PlaceHolder 3"/>
           <p:cNvSpPr>
             <a:spLocks noGrp="1"/>
           </p:cNvSpPr>
@@ -11305,7 +13081,7 @@
       </p:grpSpPr>
       <p:sp>
         <p:nvSpPr>
-          <p:cNvPr id="240" name="PlaceHolder 1"/>
+          <p:cNvPr id="239" name="PlaceHolder 1"/>
           <p:cNvSpPr>
             <a:spLocks noGrp="1"/>
           </p:cNvSpPr>
@@ -11345,7 +13121,7 @@
       </p:sp>
       <p:sp>
         <p:nvSpPr>
-          <p:cNvPr id="241" name="PlaceHolder 2"/>
+          <p:cNvPr id="240" name="PlaceHolder 2"/>
           <p:cNvSpPr>
             <a:spLocks noGrp="1"/>
           </p:cNvSpPr>
@@ -11388,7 +13164,7 @@
       </p:sp>
       <p:sp>
         <p:nvSpPr>
-          <p:cNvPr id="242" name="PlaceHolder 3"/>
+          <p:cNvPr id="241" name="PlaceHolder 3"/>
           <p:cNvSpPr>
             <a:spLocks noGrp="1"/>
           </p:cNvSpPr>
@@ -11431,7 +13207,7 @@
       </p:sp>
       <p:sp>
         <p:nvSpPr>
-          <p:cNvPr id="243" name="PlaceHolder 4"/>
+          <p:cNvPr id="242" name="PlaceHolder 4"/>
           <p:cNvSpPr>
             <a:spLocks noGrp="1"/>
           </p:cNvSpPr>
@@ -11474,7 +13250,7 @@
       </p:sp>
       <p:sp>
         <p:nvSpPr>
-          <p:cNvPr id="244" name="PlaceHolder 5"/>
+          <p:cNvPr id="243" name="PlaceHolder 5"/>
           <p:cNvSpPr>
             <a:spLocks noGrp="1"/>
           </p:cNvSpPr>
@@ -11539,7 +13315,7 @@
       </p:grpSpPr>
       <p:sp>
         <p:nvSpPr>
-          <p:cNvPr id="245" name="PlaceHolder 1"/>
+          <p:cNvPr id="244" name="PlaceHolder 1"/>
           <p:cNvSpPr>
             <a:spLocks noGrp="1"/>
           </p:cNvSpPr>
@@ -11579,7 +13355,7 @@
       </p:sp>
       <p:sp>
         <p:nvSpPr>
-          <p:cNvPr id="246" name="PlaceHolder 2"/>
+          <p:cNvPr id="245" name="PlaceHolder 2"/>
           <p:cNvSpPr>
             <a:spLocks noGrp="1"/>
           </p:cNvSpPr>
@@ -11622,7 +13398,7 @@
       </p:sp>
       <p:sp>
         <p:nvSpPr>
-          <p:cNvPr id="247" name="PlaceHolder 3"/>
+          <p:cNvPr id="246" name="PlaceHolder 3"/>
           <p:cNvSpPr>
             <a:spLocks noGrp="1"/>
           </p:cNvSpPr>
@@ -11665,7 +13441,7 @@
       </p:sp>
       <p:sp>
         <p:nvSpPr>
-          <p:cNvPr id="248" name="PlaceHolder 4"/>
+          <p:cNvPr id="247" name="PlaceHolder 4"/>
           <p:cNvSpPr>
             <a:spLocks noGrp="1"/>
           </p:cNvSpPr>
@@ -11708,7 +13484,7 @@
       </p:sp>
       <p:sp>
         <p:nvSpPr>
-          <p:cNvPr id="249" name="PlaceHolder 5"/>
+          <p:cNvPr id="248" name="PlaceHolder 5"/>
           <p:cNvSpPr>
             <a:spLocks noGrp="1"/>
           </p:cNvSpPr>
@@ -11751,7 +13527,7 @@
       </p:sp>
       <p:sp>
         <p:nvSpPr>
-          <p:cNvPr id="250" name="PlaceHolder 6"/>
+          <p:cNvPr id="249" name="PlaceHolder 6"/>
           <p:cNvSpPr>
             <a:spLocks noGrp="1"/>
           </p:cNvSpPr>
@@ -11794,7 +13570,7 @@
       </p:sp>
       <p:sp>
         <p:nvSpPr>
-          <p:cNvPr id="251" name="PlaceHolder 7"/>
+          <p:cNvPr id="250" name="PlaceHolder 7"/>
           <p:cNvSpPr>
             <a:spLocks noGrp="1"/>
           </p:cNvSpPr>
@@ -16032,7 +17808,7 @@
         <p:spPr>
           <a:xfrm>
             <a:off x="723600" y="6432480"/>
-            <a:ext cx="2047320" cy="151920"/>
+            <a:ext cx="2046240" cy="151920"/>
           </a:xfrm>
           <a:prstGeom prst="rect">
             <a:avLst/>
@@ -16089,7 +17865,7 @@
         <p:spPr>
           <a:xfrm>
             <a:off x="9412920" y="6432480"/>
-            <a:ext cx="2047320" cy="151920"/>
+            <a:ext cx="2046240" cy="151920"/>
           </a:xfrm>
           <a:prstGeom prst="rect">
             <a:avLst/>
@@ -16125,7 +17901,7 @@
               </a:rPr>
               <a:t>Page </a:t>
             </a:r>
-            <a:fld id="{FE4AEA0F-0282-482A-97CB-4A56AAD0A4D5}" type="slidenum">
+            <a:fld id="{FBCB830B-9B3A-4EEC-8223-B0BD78808F68}" type="slidenum">
               <a:rPr b="0" lang="en-US" sz="1000" spc="-1" strike="noStrike">
                 <a:solidFill>
                   <a:srgbClr val="787878"/>
@@ -16153,7 +17929,7 @@
         <p:spPr>
           <a:xfrm>
             <a:off x="360" y="0"/>
-            <a:ext cx="12184200" cy="6853320"/>
+            <a:ext cx="12183120" cy="6852240"/>
           </a:xfrm>
           <a:prstGeom prst="rect">
             <a:avLst/>
@@ -16208,7 +17984,7 @@
         <p:spPr>
           <a:xfrm>
             <a:off x="728640" y="729000"/>
-            <a:ext cx="10726200" cy="5378040"/>
+            <a:ext cx="10725120" cy="5376960"/>
           </a:xfrm>
           <a:prstGeom prst="rect">
             <a:avLst/>
@@ -16263,7 +18039,7 @@
         <p:spPr>
           <a:xfrm>
             <a:off x="4552920" y="3719880"/>
-            <a:ext cx="3090600" cy="4680"/>
+            <a:ext cx="3091680" cy="5760"/>
           </a:xfrm>
           <a:prstGeom prst="straightConnector1">
             <a:avLst/>
@@ -16289,7 +18065,7 @@
         <p:spPr>
           <a:xfrm>
             <a:off x="5827680" y="723960"/>
-            <a:ext cx="528840" cy="713160"/>
+            <a:ext cx="527760" cy="712080"/>
           </a:xfrm>
           <a:prstGeom prst="rect">
             <a:avLst/>
@@ -16589,6 +18365,485 @@
     <p:sldLayoutId id="2147483658" r:id="rId12"/>
     <p:sldLayoutId id="2147483659" r:id="rId13"/>
     <p:sldLayoutId id="2147483660" r:id="rId14"/>
+  </p:sldLayoutIdLst>
+</p:sldMaster>
+</file>
+
+<file path=ppt/slideMasters/slideMaster10.xml><?xml version="1.0" encoding="utf-8"?>
+<p:sldMaster xmlns:a="http://schemas.openxmlformats.org/drawingml/2006/main" xmlns:p="http://schemas.openxmlformats.org/presentationml/2006/main" xmlns:r="http://schemas.openxmlformats.org/officeDocument/2006/relationships" xmlns:p14="http://schemas.microsoft.com/office/powerpoint/2010/main" xmlns:p15="http://schemas.microsoft.com/office/powerpoint/2012/main" xmlns:mc="http://schemas.openxmlformats.org/markup-compatibility/2006">
+  <p:cSld>
+    <p:bg>
+      <p:bgPr>
+        <a:solidFill>
+          <a:srgbClr val="ffffff"/>
+        </a:solidFill>
+      </p:bgPr>
+    </p:bg>
+    <p:spTree>
+      <p:nvGrpSpPr>
+        <p:cNvPr id="1" name=""/>
+        <p:cNvGrpSpPr/>
+        <p:nvPr/>
+      </p:nvGrpSpPr>
+      <p:grpSpPr>
+        <a:xfrm>
+          <a:off x="0" y="0"/>
+          <a:ext cx="0" cy="0"/>
+          <a:chOff x="0" y="0"/>
+          <a:chExt cx="0" cy="0"/>
+        </a:xfrm>
+      </p:grpSpPr>
+      <p:sp>
+        <p:nvSpPr>
+          <p:cNvPr id="375" name="Footer"/>
+          <p:cNvSpPr/>
+          <p:nvPr/>
+        </p:nvSpPr>
+        <p:spPr>
+          <a:xfrm>
+            <a:off x="723600" y="6432480"/>
+            <a:ext cx="2046240" cy="151920"/>
+          </a:xfrm>
+          <a:prstGeom prst="rect">
+            <a:avLst/>
+          </a:prstGeom>
+          <a:noFill/>
+          <a:ln w="0">
+            <a:noFill/>
+          </a:ln>
+        </p:spPr>
+        <p:style>
+          <a:lnRef idx="0"/>
+          <a:fillRef idx="0"/>
+          <a:effectRef idx="0"/>
+          <a:fontRef idx="minor"/>
+        </p:style>
+        <p:txBody>
+          <a:bodyPr lIns="0" rIns="0" tIns="0" bIns="0" anchor="t">
+            <a:spAutoFit/>
+          </a:bodyPr>
+          <a:p>
+            <a:pPr>
+              <a:lnSpc>
+                <a:spcPct val="100000"/>
+              </a:lnSpc>
+              <a:tabLst>
+                <a:tab algn="l" pos="0"/>
+              </a:tabLst>
+            </a:pPr>
+            <a:r>
+              <a:rPr b="0" lang="en-US" sz="1000" spc="-1" strike="noStrike">
+                <a:solidFill>
+                  <a:srgbClr val="787878"/>
+                </a:solidFill>
+                <a:latin typeface="Arial"/>
+                <a:ea typeface="Verdana"/>
+              </a:rPr>
+              <a:t>University of Central Florida</a:t>
+            </a:r>
+            <a:endParaRPr b="0" lang="en-US" sz="1000" spc="-1" strike="noStrike">
+              <a:solidFill>
+                <a:srgbClr val="000000"/>
+              </a:solidFill>
+              <a:latin typeface="Arial"/>
+            </a:endParaRPr>
+          </a:p>
+        </p:txBody>
+      </p:sp>
+      <p:sp>
+        <p:nvSpPr>
+          <p:cNvPr id="376" name="Page Number"/>
+          <p:cNvSpPr/>
+          <p:nvPr/>
+        </p:nvSpPr>
+        <p:spPr>
+          <a:xfrm>
+            <a:off x="9412920" y="6432480"/>
+            <a:ext cx="2046240" cy="151920"/>
+          </a:xfrm>
+          <a:prstGeom prst="rect">
+            <a:avLst/>
+          </a:prstGeom>
+          <a:noFill/>
+          <a:ln w="0">
+            <a:noFill/>
+          </a:ln>
+        </p:spPr>
+        <p:style>
+          <a:lnRef idx="0"/>
+          <a:fillRef idx="0"/>
+          <a:effectRef idx="0"/>
+          <a:fontRef idx="minor"/>
+        </p:style>
+        <p:txBody>
+          <a:bodyPr lIns="0" rIns="0" tIns="0" bIns="0" anchor="t">
+            <a:spAutoFit/>
+          </a:bodyPr>
+          <a:p>
+            <a:pPr algn="r">
+              <a:lnSpc>
+                <a:spcPct val="100000"/>
+              </a:lnSpc>
+            </a:pPr>
+            <a:r>
+              <a:rPr b="0" lang="en-US" sz="1000" spc="-1" strike="noStrike">
+                <a:solidFill>
+                  <a:srgbClr val="787878"/>
+                </a:solidFill>
+                <a:latin typeface="Arial"/>
+                <a:ea typeface="Verdana"/>
+              </a:rPr>
+              <a:t>Page </a:t>
+            </a:r>
+            <a:fld id="{99357301-60F8-4E87-901C-34A723E598C0}" type="slidenum">
+              <a:rPr b="0" lang="en-US" sz="1000" spc="-1" strike="noStrike">
+                <a:solidFill>
+                  <a:srgbClr val="787878"/>
+                </a:solidFill>
+                <a:latin typeface="Arial"/>
+                <a:ea typeface="Verdana"/>
+              </a:rPr>
+              <a:t>&lt;number&gt;</a:t>
+            </a:fld>
+            <a:endParaRPr b="0" lang="en-US" sz="1000" spc="-1" strike="noStrike">
+              <a:solidFill>
+                <a:srgbClr val="000000"/>
+              </a:solidFill>
+              <a:latin typeface="Arial"/>
+            </a:endParaRPr>
+          </a:p>
+        </p:txBody>
+      </p:sp>
+      <p:cxnSp>
+        <p:nvCxnSpPr>
+          <p:cNvPr id="377" name="Straight Connector"/>
+          <p:cNvCxnSpPr/>
+          <p:nvPr/>
+        </p:nvCxnSpPr>
+        <p:spPr>
+          <a:xfrm>
+            <a:off x="723600" y="1943640"/>
+            <a:ext cx="562320" cy="5760"/>
+          </a:xfrm>
+          <a:prstGeom prst="straightConnector1">
+            <a:avLst/>
+          </a:prstGeom>
+          <a:ln w="50800">
+            <a:solidFill>
+              <a:srgbClr val="f9c423"/>
+            </a:solidFill>
+            <a:round/>
+          </a:ln>
+        </p:spPr>
+      </p:cxnSp>
+      <p:sp>
+        <p:nvSpPr>
+          <p:cNvPr id="378" name="PlaceHolder 1"/>
+          <p:cNvSpPr>
+            <a:spLocks noGrp="1"/>
+          </p:cNvSpPr>
+          <p:nvPr>
+            <p:ph type="title"/>
+          </p:nvPr>
+        </p:nvSpPr>
+        <p:spPr>
+          <a:xfrm>
+            <a:off x="609120" y="273600"/>
+            <a:ext cx="10969560" cy="1144800"/>
+          </a:xfrm>
+          <a:prstGeom prst="rect">
+            <a:avLst/>
+          </a:prstGeom>
+          <a:noFill/>
+          <a:ln w="0">
+            <a:noFill/>
+          </a:ln>
+        </p:spPr>
+        <p:txBody>
+          <a:bodyPr lIns="0" rIns="0" tIns="0" bIns="0" anchor="ctr">
+            <a:noAutofit/>
+          </a:bodyPr>
+          <a:p>
+            <a:pPr indent="0" algn="ctr">
+              <a:buNone/>
+            </a:pPr>
+            <a:r>
+              <a:rPr b="0" lang="en-US" sz="4400" spc="-1" strike="noStrike">
+                <a:solidFill>
+                  <a:srgbClr val="000000"/>
+                </a:solidFill>
+                <a:latin typeface="Arial"/>
+              </a:rPr>
+              <a:t>Click to edit the title text format</a:t>
+            </a:r>
+            <a:endParaRPr b="0" lang="en-US" sz="4400" spc="-1" strike="noStrike">
+              <a:solidFill>
+                <a:srgbClr val="000000"/>
+              </a:solidFill>
+              <a:latin typeface="Arial"/>
+            </a:endParaRPr>
+          </a:p>
+        </p:txBody>
+      </p:sp>
+      <p:sp>
+        <p:nvSpPr>
+          <p:cNvPr id="379" name="PlaceHolder 2"/>
+          <p:cNvSpPr>
+            <a:spLocks noGrp="1"/>
+          </p:cNvSpPr>
+          <p:nvPr>
+            <p:ph type="body"/>
+          </p:nvPr>
+        </p:nvSpPr>
+        <p:spPr>
+          <a:xfrm>
+            <a:off x="609120" y="1604520"/>
+            <a:ext cx="10969560" cy="3977280"/>
+          </a:xfrm>
+          <a:prstGeom prst="rect">
+            <a:avLst/>
+          </a:prstGeom>
+          <a:noFill/>
+          <a:ln w="0">
+            <a:noFill/>
+          </a:ln>
+        </p:spPr>
+        <p:txBody>
+          <a:bodyPr lIns="0" rIns="0" tIns="0" bIns="0" anchor="t">
+            <a:normAutofit/>
+          </a:bodyPr>
+          <a:p>
+            <a:pPr marL="432000" indent="-324000">
+              <a:spcBef>
+                <a:spcPts val="1417"/>
+              </a:spcBef>
+              <a:buClr>
+                <a:srgbClr val="000000"/>
+              </a:buClr>
+              <a:buSzPct val="45000"/>
+              <a:buFont typeface="Wingdings" charset="2"/>
+              <a:buChar char=""/>
+            </a:pPr>
+            <a:r>
+              <a:rPr b="0" lang="en-US" sz="3200" spc="-1" strike="noStrike">
+                <a:solidFill>
+                  <a:srgbClr val="000000"/>
+                </a:solidFill>
+                <a:latin typeface="Arial"/>
+              </a:rPr>
+              <a:t>Click to edit the outline </a:t>
+            </a:r>
+            <a:r>
+              <a:rPr b="0" lang="en-US" sz="3200" spc="-1" strike="noStrike">
+                <a:solidFill>
+                  <a:srgbClr val="000000"/>
+                </a:solidFill>
+                <a:latin typeface="Arial"/>
+              </a:rPr>
+              <a:t>text format</a:t>
+            </a:r>
+            <a:endParaRPr b="0" lang="en-US" sz="3200" spc="-1" strike="noStrike">
+              <a:solidFill>
+                <a:srgbClr val="000000"/>
+              </a:solidFill>
+              <a:latin typeface="Arial"/>
+            </a:endParaRPr>
+          </a:p>
+          <a:p>
+            <a:pPr lvl="1" marL="864000" indent="-324000">
+              <a:spcBef>
+                <a:spcPts val="1134"/>
+              </a:spcBef>
+              <a:buClr>
+                <a:srgbClr val="000000"/>
+              </a:buClr>
+              <a:buSzPct val="75000"/>
+              <a:buFont typeface="Symbol" charset="2"/>
+              <a:buChar char=""/>
+            </a:pPr>
+            <a:r>
+              <a:rPr b="0" lang="en-US" sz="2800" spc="-1" strike="noStrike">
+                <a:solidFill>
+                  <a:srgbClr val="000000"/>
+                </a:solidFill>
+                <a:latin typeface="Arial"/>
+              </a:rPr>
+              <a:t>Second Outline Level</a:t>
+            </a:r>
+            <a:endParaRPr b="0" lang="en-US" sz="2800" spc="-1" strike="noStrike">
+              <a:solidFill>
+                <a:srgbClr val="000000"/>
+              </a:solidFill>
+              <a:latin typeface="Arial"/>
+            </a:endParaRPr>
+          </a:p>
+          <a:p>
+            <a:pPr lvl="2" marL="1296000" indent="-288000">
+              <a:spcBef>
+                <a:spcPts val="850"/>
+              </a:spcBef>
+              <a:buClr>
+                <a:srgbClr val="000000"/>
+              </a:buClr>
+              <a:buSzPct val="45000"/>
+              <a:buFont typeface="Wingdings" charset="2"/>
+              <a:buChar char=""/>
+            </a:pPr>
+            <a:r>
+              <a:rPr b="0" lang="en-US" sz="2400" spc="-1" strike="noStrike">
+                <a:solidFill>
+                  <a:srgbClr val="000000"/>
+                </a:solidFill>
+                <a:latin typeface="Arial"/>
+              </a:rPr>
+              <a:t>Third Outline Level</a:t>
+            </a:r>
+            <a:endParaRPr b="0" lang="en-US" sz="2400" spc="-1" strike="noStrike">
+              <a:solidFill>
+                <a:srgbClr val="000000"/>
+              </a:solidFill>
+              <a:latin typeface="Arial"/>
+            </a:endParaRPr>
+          </a:p>
+          <a:p>
+            <a:pPr lvl="3" marL="1728000" indent="-216000">
+              <a:spcBef>
+                <a:spcPts val="567"/>
+              </a:spcBef>
+              <a:buClr>
+                <a:srgbClr val="000000"/>
+              </a:buClr>
+              <a:buSzPct val="75000"/>
+              <a:buFont typeface="Symbol" charset="2"/>
+              <a:buChar char=""/>
+            </a:pPr>
+            <a:r>
+              <a:rPr b="0" lang="en-US" sz="2000" spc="-1" strike="noStrike">
+                <a:solidFill>
+                  <a:srgbClr val="000000"/>
+                </a:solidFill>
+                <a:latin typeface="Arial"/>
+              </a:rPr>
+              <a:t>Fourth Outline Level</a:t>
+            </a:r>
+            <a:endParaRPr b="0" lang="en-US" sz="2000" spc="-1" strike="noStrike">
+              <a:solidFill>
+                <a:srgbClr val="000000"/>
+              </a:solidFill>
+              <a:latin typeface="Arial"/>
+            </a:endParaRPr>
+          </a:p>
+          <a:p>
+            <a:pPr lvl="4" marL="2160000" indent="-216000">
+              <a:spcBef>
+                <a:spcPts val="283"/>
+              </a:spcBef>
+              <a:buClr>
+                <a:srgbClr val="000000"/>
+              </a:buClr>
+              <a:buSzPct val="45000"/>
+              <a:buFont typeface="Wingdings" charset="2"/>
+              <a:buChar char=""/>
+            </a:pPr>
+            <a:r>
+              <a:rPr b="0" lang="en-US" sz="2000" spc="-1" strike="noStrike">
+                <a:solidFill>
+                  <a:srgbClr val="000000"/>
+                </a:solidFill>
+                <a:latin typeface="Arial"/>
+              </a:rPr>
+              <a:t>Fifth Outline Level</a:t>
+            </a:r>
+            <a:endParaRPr b="0" lang="en-US" sz="2000" spc="-1" strike="noStrike">
+              <a:solidFill>
+                <a:srgbClr val="000000"/>
+              </a:solidFill>
+              <a:latin typeface="Arial"/>
+            </a:endParaRPr>
+          </a:p>
+          <a:p>
+            <a:pPr lvl="5" marL="2592000" indent="-216000">
+              <a:spcBef>
+                <a:spcPts val="283"/>
+              </a:spcBef>
+              <a:buClr>
+                <a:srgbClr val="000000"/>
+              </a:buClr>
+              <a:buSzPct val="45000"/>
+              <a:buFont typeface="Wingdings" charset="2"/>
+              <a:buChar char=""/>
+            </a:pPr>
+            <a:r>
+              <a:rPr b="0" lang="en-US" sz="2000" spc="-1" strike="noStrike">
+                <a:solidFill>
+                  <a:srgbClr val="000000"/>
+                </a:solidFill>
+                <a:latin typeface="Arial"/>
+              </a:rPr>
+              <a:t>Sixth Outline Level</a:t>
+            </a:r>
+            <a:endParaRPr b="0" lang="en-US" sz="2000" spc="-1" strike="noStrike">
+              <a:solidFill>
+                <a:srgbClr val="000000"/>
+              </a:solidFill>
+              <a:latin typeface="Arial"/>
+            </a:endParaRPr>
+          </a:p>
+          <a:p>
+            <a:pPr lvl="6" marL="3024000" indent="-216000">
+              <a:spcBef>
+                <a:spcPts val="283"/>
+              </a:spcBef>
+              <a:buClr>
+                <a:srgbClr val="000000"/>
+              </a:buClr>
+              <a:buSzPct val="45000"/>
+              <a:buFont typeface="Wingdings" charset="2"/>
+              <a:buChar char=""/>
+            </a:pPr>
+            <a:r>
+              <a:rPr b="0" lang="en-US" sz="2000" spc="-1" strike="noStrike">
+                <a:solidFill>
+                  <a:srgbClr val="000000"/>
+                </a:solidFill>
+                <a:latin typeface="Arial"/>
+              </a:rPr>
+              <a:t>Seventh Outline </a:t>
+            </a:r>
+            <a:r>
+              <a:rPr b="0" lang="en-US" sz="2000" spc="-1" strike="noStrike">
+                <a:solidFill>
+                  <a:srgbClr val="000000"/>
+                </a:solidFill>
+                <a:latin typeface="Arial"/>
+              </a:rPr>
+              <a:t>Level</a:t>
+            </a:r>
+            <a:endParaRPr b="0" lang="en-US" sz="2000" spc="-1" strike="noStrike">
+              <a:solidFill>
+                <a:srgbClr val="000000"/>
+              </a:solidFill>
+              <a:latin typeface="Arial"/>
+            </a:endParaRPr>
+          </a:p>
+        </p:txBody>
+      </p:sp>
+    </p:spTree>
+  </p:cSld>
+  <p:clrMap bg1="lt1" bg2="lt2" tx1="dk1" tx2="dk2" accent1="accent1" accent2="accent2" accent3="accent3" accent4="accent4" accent5="accent5" accent6="accent6" hlink="hlink" folHlink="folHlink"/>
+  <p:sldLayoutIdLst>
+    <p:sldLayoutId id="2147483766" r:id="rId2"/>
+    <p:sldLayoutId id="2147483767" r:id="rId3"/>
+    <p:sldLayoutId id="2147483768" r:id="rId4"/>
+    <p:sldLayoutId id="2147483769" r:id="rId5"/>
+    <p:sldLayoutId id="2147483770" r:id="rId6"/>
+    <p:sldLayoutId id="2147483771" r:id="rId7"/>
+    <p:sldLayoutId id="2147483772" r:id="rId8"/>
+    <p:sldLayoutId id="2147483773" r:id="rId9"/>
+    <p:sldLayoutId id="2147483774" r:id="rId10"/>
+    <p:sldLayoutId id="2147483775" r:id="rId11"/>
+    <p:sldLayoutId id="2147483776" r:id="rId12"/>
+    <p:sldLayoutId id="2147483777" r:id="rId13"/>
   </p:sldLayoutIdLst>
 </p:sldMaster>
 </file>
@@ -16626,7 +18881,7 @@
         <p:spPr>
           <a:xfrm>
             <a:off x="723600" y="6432480"/>
-            <a:ext cx="2047320" cy="151920"/>
+            <a:ext cx="2046240" cy="151920"/>
           </a:xfrm>
           <a:prstGeom prst="rect">
             <a:avLst/>
@@ -16683,7 +18938,7 @@
         <p:spPr>
           <a:xfrm>
             <a:off x="9412920" y="6432480"/>
-            <a:ext cx="2047320" cy="151920"/>
+            <a:ext cx="2046240" cy="151920"/>
           </a:xfrm>
           <a:prstGeom prst="rect">
             <a:avLst/>
@@ -16719,7 +18974,7 @@
               </a:rPr>
               <a:t>Page </a:t>
             </a:r>
-            <a:fld id="{073C4B48-FFD8-4BAE-A4B0-ABFDEC660904}" type="slidenum">
+            <a:fld id="{C4BF6BCD-350C-4F2B-BD52-5FD7DCC21394}" type="slidenum">
               <a:rPr b="0" lang="en-US" sz="1000" spc="-1" strike="noStrike">
                 <a:solidFill>
                   <a:srgbClr val="787878"/>
@@ -16747,7 +19002,7 @@
         <p:spPr>
           <a:xfrm>
             <a:off x="723600" y="1943640"/>
-            <a:ext cx="561240" cy="4680"/>
+            <a:ext cx="562320" cy="5760"/>
           </a:xfrm>
           <a:prstGeom prst="straightConnector1">
             <a:avLst/>
@@ -17312,7 +19567,7 @@
         <p:spPr>
           <a:xfrm>
             <a:off x="723600" y="6432480"/>
-            <a:ext cx="2047320" cy="151920"/>
+            <a:ext cx="2046240" cy="151920"/>
           </a:xfrm>
           <a:prstGeom prst="rect">
             <a:avLst/>
@@ -17369,7 +19624,7 @@
         <p:spPr>
           <a:xfrm>
             <a:off x="9412920" y="6432480"/>
-            <a:ext cx="2047320" cy="151920"/>
+            <a:ext cx="2046240" cy="151920"/>
           </a:xfrm>
           <a:prstGeom prst="rect">
             <a:avLst/>
@@ -17405,7 +19660,7 @@
               </a:rPr>
               <a:t>Page </a:t>
             </a:r>
-            <a:fld id="{6B6DA177-F948-4B79-889B-8635025B5819}" type="slidenum">
+            <a:fld id="{3FC1A6C4-EBC2-4CE6-B068-1D745BDFE995}" type="slidenum">
               <a:rPr b="0" lang="en-US" sz="1000" spc="-1" strike="noStrike">
                 <a:solidFill>
                   <a:srgbClr val="787878"/>
@@ -17433,7 +19688,7 @@
         <p:spPr>
           <a:xfrm>
             <a:off x="723600" y="1943640"/>
-            <a:ext cx="561240" cy="4680"/>
+            <a:ext cx="562320" cy="5760"/>
           </a:xfrm>
           <a:prstGeom prst="straightConnector1">
             <a:avLst/>
@@ -17998,7 +20253,7 @@
         <p:spPr>
           <a:xfrm>
             <a:off x="723600" y="6432480"/>
-            <a:ext cx="2047320" cy="151920"/>
+            <a:ext cx="2046240" cy="151920"/>
           </a:xfrm>
           <a:prstGeom prst="rect">
             <a:avLst/>
@@ -18055,7 +20310,7 @@
         <p:spPr>
           <a:xfrm>
             <a:off x="9412920" y="6432480"/>
-            <a:ext cx="2047320" cy="151920"/>
+            <a:ext cx="2046240" cy="151920"/>
           </a:xfrm>
           <a:prstGeom prst="rect">
             <a:avLst/>
@@ -18091,7 +20346,7 @@
               </a:rPr>
               <a:t>Page </a:t>
             </a:r>
-            <a:fld id="{008CCDBE-6A50-42DC-9A2B-44E41B74E2F6}" type="slidenum">
+            <a:fld id="{BB232875-1118-40EE-9BF0-B9AF0B2EFCA3}" type="slidenum">
               <a:rPr b="0" lang="en-US" sz="1000" spc="-1" strike="noStrike">
                 <a:solidFill>
                   <a:srgbClr val="787878"/>
@@ -18119,7 +20374,7 @@
         <p:spPr>
           <a:xfrm>
             <a:off x="723600" y="1943640"/>
-            <a:ext cx="561240" cy="4680"/>
+            <a:ext cx="562320" cy="5760"/>
           </a:xfrm>
           <a:prstGeom prst="straightConnector1">
             <a:avLst/>
@@ -18145,7 +20400,7 @@
         <p:spPr>
           <a:xfrm>
             <a:off x="609120" y="273600"/>
-            <a:ext cx="10969560" cy="1144800"/>
+            <a:ext cx="10969200" cy="1144440"/>
           </a:xfrm>
           <a:prstGeom prst="rect">
             <a:avLst/>
@@ -18160,11 +20415,11 @@
             <a:noAutofit/>
           </a:bodyPr>
           <a:p>
-            <a:pPr indent="0" algn="ctr">
+            <a:pPr indent="0">
               <a:buNone/>
             </a:pPr>
             <a:r>
-              <a:rPr b="0" lang="en-US" sz="4400" spc="-1" strike="noStrike">
+              <a:rPr b="0" lang="en-US" sz="1800" spc="-1" strike="noStrike">
                 <a:solidFill>
                   <a:srgbClr val="000000"/>
                 </a:solidFill>
@@ -18172,7 +20427,7 @@
               </a:rPr>
               <a:t>Click to edit the title text format</a:t>
             </a:r>
-            <a:endParaRPr b="0" lang="en-US" sz="4400" spc="-1" strike="noStrike">
+            <a:endParaRPr b="0" lang="en-US" sz="1800" spc="-1" strike="noStrike">
               <a:solidFill>
                 <a:srgbClr val="000000"/>
               </a:solidFill>
@@ -18194,7 +20449,7 @@
         <p:spPr>
           <a:xfrm>
             <a:off x="609120" y="1604520"/>
-            <a:ext cx="10969560" cy="3977280"/>
+            <a:ext cx="10969200" cy="3976920"/>
           </a:xfrm>
           <a:prstGeom prst="rect">
             <a:avLst/>
@@ -18221,7 +20476,7 @@
               <a:buChar char=""/>
             </a:pPr>
             <a:r>
-              <a:rPr b="0" lang="en-US" sz="3200" spc="-1" strike="noStrike">
+              <a:rPr b="0" lang="en-US" sz="1800" spc="-1" strike="noStrike">
                 <a:solidFill>
                   <a:srgbClr val="000000"/>
                 </a:solidFill>
@@ -18229,7 +20484,7 @@
               </a:rPr>
               <a:t>Click to edit the outline text format</a:t>
             </a:r>
-            <a:endParaRPr b="0" lang="en-US" sz="3200" spc="-1" strike="noStrike">
+            <a:endParaRPr b="0" lang="en-US" sz="1800" spc="-1" strike="noStrike">
               <a:solidFill>
                 <a:srgbClr val="000000"/>
               </a:solidFill>
@@ -18249,7 +20504,7 @@
               <a:buChar char=""/>
             </a:pPr>
             <a:r>
-              <a:rPr b="0" lang="en-US" sz="2800" spc="-1" strike="noStrike">
+              <a:rPr b="0" lang="en-US" sz="1800" spc="-1" strike="noStrike">
                 <a:solidFill>
                   <a:srgbClr val="000000"/>
                 </a:solidFill>
@@ -18257,7 +20512,7 @@
               </a:rPr>
               <a:t>Second Outline Level</a:t>
             </a:r>
-            <a:endParaRPr b="0" lang="en-US" sz="2800" spc="-1" strike="noStrike">
+            <a:endParaRPr b="0" lang="en-US" sz="1800" spc="-1" strike="noStrike">
               <a:solidFill>
                 <a:srgbClr val="000000"/>
               </a:solidFill>
@@ -18277,7 +20532,7 @@
               <a:buChar char=""/>
             </a:pPr>
             <a:r>
-              <a:rPr b="0" lang="en-US" sz="2400" spc="-1" strike="noStrike">
+              <a:rPr b="0" lang="en-US" sz="1800" spc="-1" strike="noStrike">
                 <a:solidFill>
                   <a:srgbClr val="000000"/>
                 </a:solidFill>
@@ -18285,7 +20540,7 @@
               </a:rPr>
               <a:t>Third Outline Level</a:t>
             </a:r>
-            <a:endParaRPr b="0" lang="en-US" sz="2400" spc="-1" strike="noStrike">
+            <a:endParaRPr b="0" lang="en-US" sz="1800" spc="-1" strike="noStrike">
               <a:solidFill>
                 <a:srgbClr val="000000"/>
               </a:solidFill>
@@ -18305,7 +20560,7 @@
               <a:buChar char=""/>
             </a:pPr>
             <a:r>
-              <a:rPr b="0" lang="en-US" sz="2000" spc="-1" strike="noStrike">
+              <a:rPr b="0" lang="en-US" sz="1800" spc="-1" strike="noStrike">
                 <a:solidFill>
                   <a:srgbClr val="000000"/>
                 </a:solidFill>
@@ -18313,7 +20568,7 @@
               </a:rPr>
               <a:t>Fourth Outline Level</a:t>
             </a:r>
-            <a:endParaRPr b="0" lang="en-US" sz="2000" spc="-1" strike="noStrike">
+            <a:endParaRPr b="0" lang="en-US" sz="1800" spc="-1" strike="noStrike">
               <a:solidFill>
                 <a:srgbClr val="000000"/>
               </a:solidFill>
@@ -18333,7 +20588,7 @@
               <a:buChar char=""/>
             </a:pPr>
             <a:r>
-              <a:rPr b="0" lang="en-US" sz="2000" spc="-1" strike="noStrike">
+              <a:rPr b="0" lang="en-US" sz="1800" spc="-1" strike="noStrike">
                 <a:solidFill>
                   <a:srgbClr val="000000"/>
                 </a:solidFill>
@@ -18341,7 +20596,7 @@
               </a:rPr>
               <a:t>Fifth Outline Level</a:t>
             </a:r>
-            <a:endParaRPr b="0" lang="en-US" sz="2000" spc="-1" strike="noStrike">
+            <a:endParaRPr b="0" lang="en-US" sz="1800" spc="-1" strike="noStrike">
               <a:solidFill>
                 <a:srgbClr val="000000"/>
               </a:solidFill>
@@ -18361,7 +20616,7 @@
               <a:buChar char=""/>
             </a:pPr>
             <a:r>
-              <a:rPr b="0" lang="en-US" sz="2000" spc="-1" strike="noStrike">
+              <a:rPr b="0" lang="en-US" sz="1800" spc="-1" strike="noStrike">
                 <a:solidFill>
                   <a:srgbClr val="000000"/>
                 </a:solidFill>
@@ -18369,7 +20624,7 @@
               </a:rPr>
               <a:t>Sixth Outline Level</a:t>
             </a:r>
-            <a:endParaRPr b="0" lang="en-US" sz="2000" spc="-1" strike="noStrike">
+            <a:endParaRPr b="0" lang="en-US" sz="1800" spc="-1" strike="noStrike">
               <a:solidFill>
                 <a:srgbClr val="000000"/>
               </a:solidFill>
@@ -18389,7 +20644,7 @@
               <a:buChar char=""/>
             </a:pPr>
             <a:r>
-              <a:rPr b="0" lang="en-US" sz="2000" spc="-1" strike="noStrike">
+              <a:rPr b="0" lang="en-US" sz="1800" spc="-1" strike="noStrike">
                 <a:solidFill>
                   <a:srgbClr val="000000"/>
                 </a:solidFill>
@@ -18397,7 +20652,7 @@
               </a:rPr>
               <a:t>Seventh Outline Level</a:t>
             </a:r>
-            <a:endParaRPr b="0" lang="en-US" sz="2000" spc="-1" strike="noStrike">
+            <a:endParaRPr b="0" lang="en-US" sz="1800" spc="-1" strike="noStrike">
               <a:solidFill>
                 <a:srgbClr val="000000"/>
               </a:solidFill>
@@ -18459,7 +20714,7 @@
         <p:spPr>
           <a:xfrm>
             <a:off x="723600" y="6432480"/>
-            <a:ext cx="2047320" cy="151920"/>
+            <a:ext cx="2046240" cy="151920"/>
           </a:xfrm>
           <a:prstGeom prst="rect">
             <a:avLst/>
@@ -18516,7 +20771,7 @@
         <p:spPr>
           <a:xfrm>
             <a:off x="9412920" y="6432480"/>
-            <a:ext cx="2047320" cy="151920"/>
+            <a:ext cx="2046240" cy="151920"/>
           </a:xfrm>
           <a:prstGeom prst="rect">
             <a:avLst/>
@@ -18552,7 +20807,7 @@
               </a:rPr>
               <a:t>Page </a:t>
             </a:r>
-            <a:fld id="{DC5D0BDE-B9A8-4F9A-85FF-E9549AB6DF9D}" type="slidenum">
+            <a:fld id="{314906C8-10B4-4A99-A341-7FE137C9F38B}" type="slidenum">
               <a:rPr b="0" lang="en-US" sz="1000" spc="-1" strike="noStrike">
                 <a:solidFill>
                   <a:srgbClr val="787878"/>
@@ -18580,7 +20835,7 @@
         <p:spPr>
           <a:xfrm>
             <a:off x="723600" y="1943640"/>
-            <a:ext cx="561240" cy="4680"/>
+            <a:ext cx="562320" cy="5760"/>
           </a:xfrm>
           <a:prstGeom prst="straightConnector1">
             <a:avLst/>
@@ -18920,7 +21175,7 @@
         <p:spPr>
           <a:xfrm>
             <a:off x="723600" y="6432480"/>
-            <a:ext cx="2047320" cy="151920"/>
+            <a:ext cx="2046240" cy="151920"/>
           </a:xfrm>
           <a:prstGeom prst="rect">
             <a:avLst/>
@@ -18977,7 +21232,7 @@
         <p:spPr>
           <a:xfrm>
             <a:off x="9412920" y="6432480"/>
-            <a:ext cx="2047320" cy="151920"/>
+            <a:ext cx="2046240" cy="151920"/>
           </a:xfrm>
           <a:prstGeom prst="rect">
             <a:avLst/>
@@ -19013,7 +21268,7 @@
               </a:rPr>
               <a:t>Page </a:t>
             </a:r>
-            <a:fld id="{40F8B664-F832-47AC-8440-46EFE49F193D}" type="slidenum">
+            <a:fld id="{5DD0FD70-E77C-4EC9-BC5D-DEF8A306A07E}" type="slidenum">
               <a:rPr b="0" lang="en-US" sz="1000" spc="-1" strike="noStrike">
                 <a:solidFill>
                   <a:srgbClr val="787878"/>
@@ -19041,7 +21296,7 @@
         <p:spPr>
           <a:xfrm>
             <a:off x="723600" y="1943640"/>
-            <a:ext cx="561240" cy="4680"/>
+            <a:ext cx="562320" cy="5760"/>
           </a:xfrm>
           <a:prstGeom prst="straightConnector1">
             <a:avLst/>
@@ -19067,7 +21322,7 @@
         <p:spPr>
           <a:xfrm>
             <a:off x="609120" y="273600"/>
-            <a:ext cx="10969200" cy="1144440"/>
+            <a:ext cx="10969560" cy="1144800"/>
           </a:xfrm>
           <a:prstGeom prst="rect">
             <a:avLst/>
@@ -19082,11 +21337,11 @@
             <a:noAutofit/>
           </a:bodyPr>
           <a:p>
-            <a:pPr indent="0">
+            <a:pPr indent="0" algn="ctr">
               <a:buNone/>
             </a:pPr>
             <a:r>
-              <a:rPr b="0" lang="en-US" sz="1800" spc="-1" strike="noStrike">
+              <a:rPr b="0" lang="en-US" sz="4400" spc="-1" strike="noStrike">
                 <a:solidFill>
                   <a:srgbClr val="000000"/>
                 </a:solidFill>
@@ -19094,7 +21349,7 @@
               </a:rPr>
               <a:t>Click to edit the title text format</a:t>
             </a:r>
-            <a:endParaRPr b="0" lang="en-US" sz="1800" spc="-1" strike="noStrike">
+            <a:endParaRPr b="0" lang="en-US" sz="4400" spc="-1" strike="noStrike">
               <a:solidFill>
                 <a:srgbClr val="000000"/>
               </a:solidFill>
@@ -19116,7 +21371,7 @@
         <p:spPr>
           <a:xfrm>
             <a:off x="609120" y="1604520"/>
-            <a:ext cx="5352480" cy="3976920"/>
+            <a:ext cx="10969560" cy="3977280"/>
           </a:xfrm>
           <a:prstGeom prst="rect">
             <a:avLst/>
@@ -19143,7 +21398,7 @@
               <a:buChar char=""/>
             </a:pPr>
             <a:r>
-              <a:rPr b="0" lang="en-US" sz="1800" spc="-1" strike="noStrike">
+              <a:rPr b="0" lang="en-US" sz="3200" spc="-1" strike="noStrike">
                 <a:solidFill>
                   <a:srgbClr val="000000"/>
                 </a:solidFill>
@@ -19151,7 +21406,7 @@
               </a:rPr>
               <a:t>Click to edit the outline text format</a:t>
             </a:r>
-            <a:endParaRPr b="0" lang="en-US" sz="1800" spc="-1" strike="noStrike">
+            <a:endParaRPr b="0" lang="en-US" sz="3200" spc="-1" strike="noStrike">
               <a:solidFill>
                 <a:srgbClr val="000000"/>
               </a:solidFill>
@@ -19171,7 +21426,7 @@
               <a:buChar char=""/>
             </a:pPr>
             <a:r>
-              <a:rPr b="0" lang="en-US" sz="1800" spc="-1" strike="noStrike">
+              <a:rPr b="0" lang="en-US" sz="2800" spc="-1" strike="noStrike">
                 <a:solidFill>
                   <a:srgbClr val="000000"/>
                 </a:solidFill>
@@ -19179,7 +21434,7 @@
               </a:rPr>
               <a:t>Second Outline Level</a:t>
             </a:r>
-            <a:endParaRPr b="0" lang="en-US" sz="1800" spc="-1" strike="noStrike">
+            <a:endParaRPr b="0" lang="en-US" sz="2800" spc="-1" strike="noStrike">
               <a:solidFill>
                 <a:srgbClr val="000000"/>
               </a:solidFill>
@@ -19199,7 +21454,7 @@
               <a:buChar char=""/>
             </a:pPr>
             <a:r>
-              <a:rPr b="0" lang="en-US" sz="1800" spc="-1" strike="noStrike">
+              <a:rPr b="0" lang="en-US" sz="2400" spc="-1" strike="noStrike">
                 <a:solidFill>
                   <a:srgbClr val="000000"/>
                 </a:solidFill>
@@ -19207,7 +21462,7 @@
               </a:rPr>
               <a:t>Third Outline Level</a:t>
             </a:r>
-            <a:endParaRPr b="0" lang="en-US" sz="1800" spc="-1" strike="noStrike">
+            <a:endParaRPr b="0" lang="en-US" sz="2400" spc="-1" strike="noStrike">
               <a:solidFill>
                 <a:srgbClr val="000000"/>
               </a:solidFill>
@@ -19227,7 +21482,7 @@
               <a:buChar char=""/>
             </a:pPr>
             <a:r>
-              <a:rPr b="0" lang="en-US" sz="1800" spc="-1" strike="noStrike">
+              <a:rPr b="0" lang="en-US" sz="2000" spc="-1" strike="noStrike">
                 <a:solidFill>
                   <a:srgbClr val="000000"/>
                 </a:solidFill>
@@ -19235,7 +21490,7 @@
               </a:rPr>
               <a:t>Fourth Outline Level</a:t>
             </a:r>
-            <a:endParaRPr b="0" lang="en-US" sz="1800" spc="-1" strike="noStrike">
+            <a:endParaRPr b="0" lang="en-US" sz="2000" spc="-1" strike="noStrike">
               <a:solidFill>
                 <a:srgbClr val="000000"/>
               </a:solidFill>
@@ -19255,7 +21510,7 @@
               <a:buChar char=""/>
             </a:pPr>
             <a:r>
-              <a:rPr b="0" lang="en-US" sz="1800" spc="-1" strike="noStrike">
+              <a:rPr b="0" lang="en-US" sz="2000" spc="-1" strike="noStrike">
                 <a:solidFill>
                   <a:srgbClr val="000000"/>
                 </a:solidFill>
@@ -19263,7 +21518,7 @@
               </a:rPr>
               <a:t>Fifth Outline Level</a:t>
             </a:r>
-            <a:endParaRPr b="0" lang="en-US" sz="1800" spc="-1" strike="noStrike">
+            <a:endParaRPr b="0" lang="en-US" sz="2000" spc="-1" strike="noStrike">
               <a:solidFill>
                 <a:srgbClr val="000000"/>
               </a:solidFill>
@@ -19283,7 +21538,7 @@
               <a:buChar char=""/>
             </a:pPr>
             <a:r>
-              <a:rPr b="0" lang="en-US" sz="1800" spc="-1" strike="noStrike">
+              <a:rPr b="0" lang="en-US" sz="2000" spc="-1" strike="noStrike">
                 <a:solidFill>
                   <a:srgbClr val="000000"/>
                 </a:solidFill>
@@ -19291,7 +21546,7 @@
               </a:rPr>
               <a:t>Sixth Outline Level</a:t>
             </a:r>
-            <a:endParaRPr b="0" lang="en-US" sz="1800" spc="-1" strike="noStrike">
+            <a:endParaRPr b="0" lang="en-US" sz="2000" spc="-1" strike="noStrike">
               <a:solidFill>
                 <a:srgbClr val="000000"/>
               </a:solidFill>
@@ -19311,7 +21566,7 @@
               <a:buChar char=""/>
             </a:pPr>
             <a:r>
-              <a:rPr b="0" lang="en-US" sz="1800" spc="-1" strike="noStrike">
+              <a:rPr b="0" lang="en-US" sz="2000" spc="-1" strike="noStrike">
                 <a:solidFill>
                   <a:srgbClr val="000000"/>
                 </a:solidFill>
@@ -19319,232 +21574,7 @@
               </a:rPr>
               <a:t>Seventh Outline Level</a:t>
             </a:r>
-            <a:endParaRPr b="0" lang="en-US" sz="1800" spc="-1" strike="noStrike">
-              <a:solidFill>
-                <a:srgbClr val="000000"/>
-              </a:solidFill>
-              <a:latin typeface="Arial"/>
-            </a:endParaRPr>
-          </a:p>
-        </p:txBody>
-      </p:sp>
-      <p:sp>
-        <p:nvSpPr>
-          <p:cNvPr id="215" name="PlaceHolder 3"/>
-          <p:cNvSpPr>
-            <a:spLocks noGrp="1"/>
-          </p:cNvSpPr>
-          <p:nvPr>
-            <p:ph type="body"/>
-          </p:nvPr>
-        </p:nvSpPr>
-        <p:spPr>
-          <a:xfrm>
-            <a:off x="6230160" y="1604520"/>
-            <a:ext cx="5352480" cy="3976920"/>
-          </a:xfrm>
-          <a:prstGeom prst="rect">
-            <a:avLst/>
-          </a:prstGeom>
-          <a:noFill/>
-          <a:ln w="0">
-            <a:noFill/>
-          </a:ln>
-        </p:spPr>
-        <p:txBody>
-          <a:bodyPr lIns="0" rIns="0" tIns="0" bIns="0" anchor="t">
-            <a:normAutofit/>
-          </a:bodyPr>
-          <a:p>
-            <a:pPr marL="432000" indent="-324000">
-              <a:spcBef>
-                <a:spcPts val="1417"/>
-              </a:spcBef>
-              <a:buClr>
-                <a:srgbClr val="000000"/>
-              </a:buClr>
-              <a:buSzPct val="45000"/>
-              <a:buFont typeface="Wingdings" charset="2"/>
-              <a:buChar char=""/>
-            </a:pPr>
-            <a:r>
-              <a:rPr b="0" lang="en-US" sz="1800" spc="-1" strike="noStrike">
-                <a:solidFill>
-                  <a:srgbClr val="000000"/>
-                </a:solidFill>
-                <a:latin typeface="Arial"/>
-              </a:rPr>
-              <a:t>Click to edit the outline text format</a:t>
-            </a:r>
-            <a:endParaRPr b="0" lang="en-US" sz="1800" spc="-1" strike="noStrike">
-              <a:solidFill>
-                <a:srgbClr val="000000"/>
-              </a:solidFill>
-              <a:latin typeface="Arial"/>
-            </a:endParaRPr>
-          </a:p>
-          <a:p>
-            <a:pPr lvl="1" marL="864000" indent="-324000">
-              <a:spcBef>
-                <a:spcPts val="1134"/>
-              </a:spcBef>
-              <a:buClr>
-                <a:srgbClr val="000000"/>
-              </a:buClr>
-              <a:buSzPct val="75000"/>
-              <a:buFont typeface="Symbol" charset="2"/>
-              <a:buChar char=""/>
-            </a:pPr>
-            <a:r>
-              <a:rPr b="0" lang="en-US" sz="1800" spc="-1" strike="noStrike">
-                <a:solidFill>
-                  <a:srgbClr val="000000"/>
-                </a:solidFill>
-                <a:latin typeface="Arial"/>
-              </a:rPr>
-              <a:t>Second Outline Level</a:t>
-            </a:r>
-            <a:endParaRPr b="0" lang="en-US" sz="1800" spc="-1" strike="noStrike">
-              <a:solidFill>
-                <a:srgbClr val="000000"/>
-              </a:solidFill>
-              <a:latin typeface="Arial"/>
-            </a:endParaRPr>
-          </a:p>
-          <a:p>
-            <a:pPr lvl="2" marL="1296000" indent="-288000">
-              <a:spcBef>
-                <a:spcPts val="850"/>
-              </a:spcBef>
-              <a:buClr>
-                <a:srgbClr val="000000"/>
-              </a:buClr>
-              <a:buSzPct val="45000"/>
-              <a:buFont typeface="Wingdings" charset="2"/>
-              <a:buChar char=""/>
-            </a:pPr>
-            <a:r>
-              <a:rPr b="0" lang="en-US" sz="1800" spc="-1" strike="noStrike">
-                <a:solidFill>
-                  <a:srgbClr val="000000"/>
-                </a:solidFill>
-                <a:latin typeface="Arial"/>
-              </a:rPr>
-              <a:t>Third Outline Level</a:t>
-            </a:r>
-            <a:endParaRPr b="0" lang="en-US" sz="1800" spc="-1" strike="noStrike">
-              <a:solidFill>
-                <a:srgbClr val="000000"/>
-              </a:solidFill>
-              <a:latin typeface="Arial"/>
-            </a:endParaRPr>
-          </a:p>
-          <a:p>
-            <a:pPr lvl="3" marL="1728000" indent="-216000">
-              <a:spcBef>
-                <a:spcPts val="567"/>
-              </a:spcBef>
-              <a:buClr>
-                <a:srgbClr val="000000"/>
-              </a:buClr>
-              <a:buSzPct val="75000"/>
-              <a:buFont typeface="Symbol" charset="2"/>
-              <a:buChar char=""/>
-            </a:pPr>
-            <a:r>
-              <a:rPr b="0" lang="en-US" sz="1800" spc="-1" strike="noStrike">
-                <a:solidFill>
-                  <a:srgbClr val="000000"/>
-                </a:solidFill>
-                <a:latin typeface="Arial"/>
-              </a:rPr>
-              <a:t>Fourth Outline Level</a:t>
-            </a:r>
-            <a:endParaRPr b="0" lang="en-US" sz="1800" spc="-1" strike="noStrike">
-              <a:solidFill>
-                <a:srgbClr val="000000"/>
-              </a:solidFill>
-              <a:latin typeface="Arial"/>
-            </a:endParaRPr>
-          </a:p>
-          <a:p>
-            <a:pPr lvl="4" marL="2160000" indent="-216000">
-              <a:spcBef>
-                <a:spcPts val="283"/>
-              </a:spcBef>
-              <a:buClr>
-                <a:srgbClr val="000000"/>
-              </a:buClr>
-              <a:buSzPct val="45000"/>
-              <a:buFont typeface="Wingdings" charset="2"/>
-              <a:buChar char=""/>
-            </a:pPr>
-            <a:r>
-              <a:rPr b="0" lang="en-US" sz="1800" spc="-1" strike="noStrike">
-                <a:solidFill>
-                  <a:srgbClr val="000000"/>
-                </a:solidFill>
-                <a:latin typeface="Arial"/>
-              </a:rPr>
-              <a:t>Fifth Outline Level</a:t>
-            </a:r>
-            <a:endParaRPr b="0" lang="en-US" sz="1800" spc="-1" strike="noStrike">
-              <a:solidFill>
-                <a:srgbClr val="000000"/>
-              </a:solidFill>
-              <a:latin typeface="Arial"/>
-            </a:endParaRPr>
-          </a:p>
-          <a:p>
-            <a:pPr lvl="5" marL="2592000" indent="-216000">
-              <a:spcBef>
-                <a:spcPts val="283"/>
-              </a:spcBef>
-              <a:buClr>
-                <a:srgbClr val="000000"/>
-              </a:buClr>
-              <a:buSzPct val="45000"/>
-              <a:buFont typeface="Wingdings" charset="2"/>
-              <a:buChar char=""/>
-            </a:pPr>
-            <a:r>
-              <a:rPr b="0" lang="en-US" sz="1800" spc="-1" strike="noStrike">
-                <a:solidFill>
-                  <a:srgbClr val="000000"/>
-                </a:solidFill>
-                <a:latin typeface="Arial"/>
-              </a:rPr>
-              <a:t>Sixth Outline Level</a:t>
-            </a:r>
-            <a:endParaRPr b="0" lang="en-US" sz="1800" spc="-1" strike="noStrike">
-              <a:solidFill>
-                <a:srgbClr val="000000"/>
-              </a:solidFill>
-              <a:latin typeface="Arial"/>
-            </a:endParaRPr>
-          </a:p>
-          <a:p>
-            <a:pPr lvl="6" marL="3024000" indent="-216000">
-              <a:spcBef>
-                <a:spcPts val="283"/>
-              </a:spcBef>
-              <a:buClr>
-                <a:srgbClr val="000000"/>
-              </a:buClr>
-              <a:buSzPct val="45000"/>
-              <a:buFont typeface="Wingdings" charset="2"/>
-              <a:buChar char=""/>
-            </a:pPr>
-            <a:r>
-              <a:rPr b="0" lang="en-US" sz="1800" spc="-1" strike="noStrike">
-                <a:solidFill>
-                  <a:srgbClr val="000000"/>
-                </a:solidFill>
-                <a:latin typeface="Arial"/>
-              </a:rPr>
-              <a:t>Seventh Outline Level</a:t>
-            </a:r>
-            <a:endParaRPr b="0" lang="en-US" sz="1800" spc="-1" strike="noStrike">
+            <a:endParaRPr b="0" lang="en-US" sz="2000" spc="-1" strike="noStrike">
               <a:solidFill>
                 <a:srgbClr val="000000"/>
               </a:solidFill>
@@ -19599,14 +21629,14 @@
       </p:grpSpPr>
       <p:sp>
         <p:nvSpPr>
-          <p:cNvPr id="252" name="Footer"/>
+          <p:cNvPr id="251" name="Footer"/>
           <p:cNvSpPr/>
           <p:nvPr/>
         </p:nvSpPr>
         <p:spPr>
           <a:xfrm>
             <a:off x="723600" y="6432480"/>
-            <a:ext cx="2047320" cy="151920"/>
+            <a:ext cx="2046240" cy="151920"/>
           </a:xfrm>
           <a:prstGeom prst="rect">
             <a:avLst/>
@@ -19656,14 +21686,14 @@
       </p:sp>
       <p:sp>
         <p:nvSpPr>
-          <p:cNvPr id="253" name="Page Number"/>
+          <p:cNvPr id="252" name="Page Number"/>
           <p:cNvSpPr/>
           <p:nvPr/>
         </p:nvSpPr>
         <p:spPr>
           <a:xfrm>
             <a:off x="9412920" y="6432480"/>
-            <a:ext cx="2047320" cy="151920"/>
+            <a:ext cx="2046240" cy="151920"/>
           </a:xfrm>
           <a:prstGeom prst="rect">
             <a:avLst/>
@@ -19699,7 +21729,7 @@
               </a:rPr>
               <a:t>Page </a:t>
             </a:r>
-            <a:fld id="{C8096E81-0A75-4AE8-ACC4-C40585DD9740}" type="slidenum">
+            <a:fld id="{2A6D707A-942E-4E64-8D45-9938009260C2}" type="slidenum">
               <a:rPr b="0" lang="en-US" sz="1000" spc="-1" strike="noStrike">
                 <a:solidFill>
                   <a:srgbClr val="787878"/>
@@ -19720,14 +21750,14 @@
       </p:sp>
       <p:cxnSp>
         <p:nvCxnSpPr>
-          <p:cNvPr id="254" name="Straight Connector"/>
+          <p:cNvPr id="253" name="Straight Connector"/>
           <p:cNvCxnSpPr/>
           <p:nvPr/>
         </p:nvCxnSpPr>
         <p:spPr>
           <a:xfrm>
             <a:off x="723600" y="1943640"/>
-            <a:ext cx="561240" cy="4680"/>
+            <a:ext cx="562320" cy="5760"/>
           </a:xfrm>
           <a:prstGeom prst="straightConnector1">
             <a:avLst/>
@@ -19742,7 +21772,7 @@
       </p:cxnSp>
       <p:sp>
         <p:nvSpPr>
-          <p:cNvPr id="255" name="PlaceHolder 1"/>
+          <p:cNvPr id="254" name="PlaceHolder 1"/>
           <p:cNvSpPr>
             <a:spLocks noGrp="1"/>
           </p:cNvSpPr>
@@ -19753,7 +21783,7 @@
         <p:spPr>
           <a:xfrm>
             <a:off x="609120" y="273600"/>
-            <a:ext cx="10969560" cy="1144800"/>
+            <a:ext cx="10969200" cy="1144440"/>
           </a:xfrm>
           <a:prstGeom prst="rect">
             <a:avLst/>
@@ -19768,11 +21798,11 @@
             <a:noAutofit/>
           </a:bodyPr>
           <a:p>
-            <a:pPr indent="0" algn="ctr">
+            <a:pPr indent="0">
               <a:buNone/>
             </a:pPr>
             <a:r>
-              <a:rPr b="0" lang="en-US" sz="4400" spc="-1" strike="noStrike">
+              <a:rPr b="0" lang="en-US" sz="1800" spc="-1" strike="noStrike">
                 <a:solidFill>
                   <a:srgbClr val="000000"/>
                 </a:solidFill>
@@ -19780,18 +21810,18 @@
               </a:rPr>
               <a:t>Click to edit the title text format</a:t>
             </a:r>
-            <a:endParaRPr b="0" lang="en-US" sz="4400" spc="-1" strike="noStrike">
-              <a:solidFill>
-                <a:srgbClr val="000000"/>
-              </a:solidFill>
-              <a:latin typeface="Arial"/>
-            </a:endParaRPr>
-          </a:p>
-        </p:txBody>
-      </p:sp>
-      <p:sp>
-        <p:nvSpPr>
-          <p:cNvPr id="256" name="PlaceHolder 2"/>
+            <a:endParaRPr b="0" lang="en-US" sz="1800" spc="-1" strike="noStrike">
+              <a:solidFill>
+                <a:srgbClr val="000000"/>
+              </a:solidFill>
+              <a:latin typeface="Arial"/>
+            </a:endParaRPr>
+          </a:p>
+        </p:txBody>
+      </p:sp>
+      <p:sp>
+        <p:nvSpPr>
+          <p:cNvPr id="255" name="PlaceHolder 2"/>
           <p:cNvSpPr>
             <a:spLocks noGrp="1"/>
           </p:cNvSpPr>
@@ -19802,7 +21832,7 @@
         <p:spPr>
           <a:xfrm>
             <a:off x="609120" y="1604520"/>
-            <a:ext cx="10969560" cy="3977280"/>
+            <a:ext cx="5352480" cy="3976920"/>
           </a:xfrm>
           <a:prstGeom prst="rect">
             <a:avLst/>
@@ -19829,7 +21859,7 @@
               <a:buChar char=""/>
             </a:pPr>
             <a:r>
-              <a:rPr b="0" lang="en-US" sz="3200" spc="-1" strike="noStrike">
+              <a:rPr b="0" lang="en-US" sz="1800" spc="-1" strike="noStrike">
                 <a:solidFill>
                   <a:srgbClr val="000000"/>
                 </a:solidFill>
@@ -19837,7 +21867,7 @@
               </a:rPr>
               <a:t>Click to edit the outline text format</a:t>
             </a:r>
-            <a:endParaRPr b="0" lang="en-US" sz="3200" spc="-1" strike="noStrike">
+            <a:endParaRPr b="0" lang="en-US" sz="1800" spc="-1" strike="noStrike">
               <a:solidFill>
                 <a:srgbClr val="000000"/>
               </a:solidFill>
@@ -19857,7 +21887,7 @@
               <a:buChar char=""/>
             </a:pPr>
             <a:r>
-              <a:rPr b="0" lang="en-US" sz="2800" spc="-1" strike="noStrike">
+              <a:rPr b="0" lang="en-US" sz="1800" spc="-1" strike="noStrike">
                 <a:solidFill>
                   <a:srgbClr val="000000"/>
                 </a:solidFill>
@@ -19865,7 +21895,7 @@
               </a:rPr>
               <a:t>Second Outline Level</a:t>
             </a:r>
-            <a:endParaRPr b="0" lang="en-US" sz="2800" spc="-1" strike="noStrike">
+            <a:endParaRPr b="0" lang="en-US" sz="1800" spc="-1" strike="noStrike">
               <a:solidFill>
                 <a:srgbClr val="000000"/>
               </a:solidFill>
@@ -19885,7 +21915,7 @@
               <a:buChar char=""/>
             </a:pPr>
             <a:r>
-              <a:rPr b="0" lang="en-US" sz="2400" spc="-1" strike="noStrike">
+              <a:rPr b="0" lang="en-US" sz="1800" spc="-1" strike="noStrike">
                 <a:solidFill>
                   <a:srgbClr val="000000"/>
                 </a:solidFill>
@@ -19893,7 +21923,7 @@
               </a:rPr>
               <a:t>Third Outline Level</a:t>
             </a:r>
-            <a:endParaRPr b="0" lang="en-US" sz="2400" spc="-1" strike="noStrike">
+            <a:endParaRPr b="0" lang="en-US" sz="1800" spc="-1" strike="noStrike">
               <a:solidFill>
                 <a:srgbClr val="000000"/>
               </a:solidFill>
@@ -19913,7 +21943,7 @@
               <a:buChar char=""/>
             </a:pPr>
             <a:r>
-              <a:rPr b="0" lang="en-US" sz="2000" spc="-1" strike="noStrike">
+              <a:rPr b="0" lang="en-US" sz="1800" spc="-1" strike="noStrike">
                 <a:solidFill>
                   <a:srgbClr val="000000"/>
                 </a:solidFill>
@@ -19921,7 +21951,7 @@
               </a:rPr>
               <a:t>Fourth Outline Level</a:t>
             </a:r>
-            <a:endParaRPr b="0" lang="en-US" sz="2000" spc="-1" strike="noStrike">
+            <a:endParaRPr b="0" lang="en-US" sz="1800" spc="-1" strike="noStrike">
               <a:solidFill>
                 <a:srgbClr val="000000"/>
               </a:solidFill>
@@ -19941,7 +21971,7 @@
               <a:buChar char=""/>
             </a:pPr>
             <a:r>
-              <a:rPr b="0" lang="en-US" sz="2000" spc="-1" strike="noStrike">
+              <a:rPr b="0" lang="en-US" sz="1800" spc="-1" strike="noStrike">
                 <a:solidFill>
                   <a:srgbClr val="000000"/>
                 </a:solidFill>
@@ -19949,7 +21979,7 @@
               </a:rPr>
               <a:t>Fifth Outline Level</a:t>
             </a:r>
-            <a:endParaRPr b="0" lang="en-US" sz="2000" spc="-1" strike="noStrike">
+            <a:endParaRPr b="0" lang="en-US" sz="1800" spc="-1" strike="noStrike">
               <a:solidFill>
                 <a:srgbClr val="000000"/>
               </a:solidFill>
@@ -19969,7 +21999,7 @@
               <a:buChar char=""/>
             </a:pPr>
             <a:r>
-              <a:rPr b="0" lang="en-US" sz="2000" spc="-1" strike="noStrike">
+              <a:rPr b="0" lang="en-US" sz="1800" spc="-1" strike="noStrike">
                 <a:solidFill>
                   <a:srgbClr val="000000"/>
                 </a:solidFill>
@@ -19977,7 +22007,7 @@
               </a:rPr>
               <a:t>Sixth Outline Level</a:t>
             </a:r>
-            <a:endParaRPr b="0" lang="en-US" sz="2000" spc="-1" strike="noStrike">
+            <a:endParaRPr b="0" lang="en-US" sz="1800" spc="-1" strike="noStrike">
               <a:solidFill>
                 <a:srgbClr val="000000"/>
               </a:solidFill>
@@ -19997,7 +22027,7 @@
               <a:buChar char=""/>
             </a:pPr>
             <a:r>
-              <a:rPr b="0" lang="en-US" sz="2000" spc="-1" strike="noStrike">
+              <a:rPr b="0" lang="en-US" sz="1800" spc="-1" strike="noStrike">
                 <a:solidFill>
                   <a:srgbClr val="000000"/>
                 </a:solidFill>
@@ -20005,7 +22035,232 @@
               </a:rPr>
               <a:t>Seventh Outline Level</a:t>
             </a:r>
-            <a:endParaRPr b="0" lang="en-US" sz="2000" spc="-1" strike="noStrike">
+            <a:endParaRPr b="0" lang="en-US" sz="1800" spc="-1" strike="noStrike">
+              <a:solidFill>
+                <a:srgbClr val="000000"/>
+              </a:solidFill>
+              <a:latin typeface="Arial"/>
+            </a:endParaRPr>
+          </a:p>
+        </p:txBody>
+      </p:sp>
+      <p:sp>
+        <p:nvSpPr>
+          <p:cNvPr id="256" name="PlaceHolder 3"/>
+          <p:cNvSpPr>
+            <a:spLocks noGrp="1"/>
+          </p:cNvSpPr>
+          <p:nvPr>
+            <p:ph type="body"/>
+          </p:nvPr>
+        </p:nvSpPr>
+        <p:spPr>
+          <a:xfrm>
+            <a:off x="6230160" y="1604520"/>
+            <a:ext cx="5352480" cy="3976920"/>
+          </a:xfrm>
+          <a:prstGeom prst="rect">
+            <a:avLst/>
+          </a:prstGeom>
+          <a:noFill/>
+          <a:ln w="0">
+            <a:noFill/>
+          </a:ln>
+        </p:spPr>
+        <p:txBody>
+          <a:bodyPr lIns="0" rIns="0" tIns="0" bIns="0" anchor="t">
+            <a:normAutofit/>
+          </a:bodyPr>
+          <a:p>
+            <a:pPr marL="432000" indent="-324000">
+              <a:spcBef>
+                <a:spcPts val="1417"/>
+              </a:spcBef>
+              <a:buClr>
+                <a:srgbClr val="000000"/>
+              </a:buClr>
+              <a:buSzPct val="45000"/>
+              <a:buFont typeface="Wingdings" charset="2"/>
+              <a:buChar char=""/>
+            </a:pPr>
+            <a:r>
+              <a:rPr b="0" lang="en-US" sz="1800" spc="-1" strike="noStrike">
+                <a:solidFill>
+                  <a:srgbClr val="000000"/>
+                </a:solidFill>
+                <a:latin typeface="Arial"/>
+              </a:rPr>
+              <a:t>Click to edit the outline text format</a:t>
+            </a:r>
+            <a:endParaRPr b="0" lang="en-US" sz="1800" spc="-1" strike="noStrike">
+              <a:solidFill>
+                <a:srgbClr val="000000"/>
+              </a:solidFill>
+              <a:latin typeface="Arial"/>
+            </a:endParaRPr>
+          </a:p>
+          <a:p>
+            <a:pPr lvl="1" marL="864000" indent="-324000">
+              <a:spcBef>
+                <a:spcPts val="1134"/>
+              </a:spcBef>
+              <a:buClr>
+                <a:srgbClr val="000000"/>
+              </a:buClr>
+              <a:buSzPct val="75000"/>
+              <a:buFont typeface="Symbol" charset="2"/>
+              <a:buChar char=""/>
+            </a:pPr>
+            <a:r>
+              <a:rPr b="0" lang="en-US" sz="1800" spc="-1" strike="noStrike">
+                <a:solidFill>
+                  <a:srgbClr val="000000"/>
+                </a:solidFill>
+                <a:latin typeface="Arial"/>
+              </a:rPr>
+              <a:t>Second Outline Level</a:t>
+            </a:r>
+            <a:endParaRPr b="0" lang="en-US" sz="1800" spc="-1" strike="noStrike">
+              <a:solidFill>
+                <a:srgbClr val="000000"/>
+              </a:solidFill>
+              <a:latin typeface="Arial"/>
+            </a:endParaRPr>
+          </a:p>
+          <a:p>
+            <a:pPr lvl="2" marL="1296000" indent="-288000">
+              <a:spcBef>
+                <a:spcPts val="850"/>
+              </a:spcBef>
+              <a:buClr>
+                <a:srgbClr val="000000"/>
+              </a:buClr>
+              <a:buSzPct val="45000"/>
+              <a:buFont typeface="Wingdings" charset="2"/>
+              <a:buChar char=""/>
+            </a:pPr>
+            <a:r>
+              <a:rPr b="0" lang="en-US" sz="1800" spc="-1" strike="noStrike">
+                <a:solidFill>
+                  <a:srgbClr val="000000"/>
+                </a:solidFill>
+                <a:latin typeface="Arial"/>
+              </a:rPr>
+              <a:t>Third Outline Level</a:t>
+            </a:r>
+            <a:endParaRPr b="0" lang="en-US" sz="1800" spc="-1" strike="noStrike">
+              <a:solidFill>
+                <a:srgbClr val="000000"/>
+              </a:solidFill>
+              <a:latin typeface="Arial"/>
+            </a:endParaRPr>
+          </a:p>
+          <a:p>
+            <a:pPr lvl="3" marL="1728000" indent="-216000">
+              <a:spcBef>
+                <a:spcPts val="567"/>
+              </a:spcBef>
+              <a:buClr>
+                <a:srgbClr val="000000"/>
+              </a:buClr>
+              <a:buSzPct val="75000"/>
+              <a:buFont typeface="Symbol" charset="2"/>
+              <a:buChar char=""/>
+            </a:pPr>
+            <a:r>
+              <a:rPr b="0" lang="en-US" sz="1800" spc="-1" strike="noStrike">
+                <a:solidFill>
+                  <a:srgbClr val="000000"/>
+                </a:solidFill>
+                <a:latin typeface="Arial"/>
+              </a:rPr>
+              <a:t>Fourth Outline Level</a:t>
+            </a:r>
+            <a:endParaRPr b="0" lang="en-US" sz="1800" spc="-1" strike="noStrike">
+              <a:solidFill>
+                <a:srgbClr val="000000"/>
+              </a:solidFill>
+              <a:latin typeface="Arial"/>
+            </a:endParaRPr>
+          </a:p>
+          <a:p>
+            <a:pPr lvl="4" marL="2160000" indent="-216000">
+              <a:spcBef>
+                <a:spcPts val="283"/>
+              </a:spcBef>
+              <a:buClr>
+                <a:srgbClr val="000000"/>
+              </a:buClr>
+              <a:buSzPct val="45000"/>
+              <a:buFont typeface="Wingdings" charset="2"/>
+              <a:buChar char=""/>
+            </a:pPr>
+            <a:r>
+              <a:rPr b="0" lang="en-US" sz="1800" spc="-1" strike="noStrike">
+                <a:solidFill>
+                  <a:srgbClr val="000000"/>
+                </a:solidFill>
+                <a:latin typeface="Arial"/>
+              </a:rPr>
+              <a:t>Fifth Outline Level</a:t>
+            </a:r>
+            <a:endParaRPr b="0" lang="en-US" sz="1800" spc="-1" strike="noStrike">
+              <a:solidFill>
+                <a:srgbClr val="000000"/>
+              </a:solidFill>
+              <a:latin typeface="Arial"/>
+            </a:endParaRPr>
+          </a:p>
+          <a:p>
+            <a:pPr lvl="5" marL="2592000" indent="-216000">
+              <a:spcBef>
+                <a:spcPts val="283"/>
+              </a:spcBef>
+              <a:buClr>
+                <a:srgbClr val="000000"/>
+              </a:buClr>
+              <a:buSzPct val="45000"/>
+              <a:buFont typeface="Wingdings" charset="2"/>
+              <a:buChar char=""/>
+            </a:pPr>
+            <a:r>
+              <a:rPr b="0" lang="en-US" sz="1800" spc="-1" strike="noStrike">
+                <a:solidFill>
+                  <a:srgbClr val="000000"/>
+                </a:solidFill>
+                <a:latin typeface="Arial"/>
+              </a:rPr>
+              <a:t>Sixth Outline Level</a:t>
+            </a:r>
+            <a:endParaRPr b="0" lang="en-US" sz="1800" spc="-1" strike="noStrike">
+              <a:solidFill>
+                <a:srgbClr val="000000"/>
+              </a:solidFill>
+              <a:latin typeface="Arial"/>
+            </a:endParaRPr>
+          </a:p>
+          <a:p>
+            <a:pPr lvl="6" marL="3024000" indent="-216000">
+              <a:spcBef>
+                <a:spcPts val="283"/>
+              </a:spcBef>
+              <a:buClr>
+                <a:srgbClr val="000000"/>
+              </a:buClr>
+              <a:buSzPct val="45000"/>
+              <a:buFont typeface="Wingdings" charset="2"/>
+              <a:buChar char=""/>
+            </a:pPr>
+            <a:r>
+              <a:rPr b="0" lang="en-US" sz="1800" spc="-1" strike="noStrike">
+                <a:solidFill>
+                  <a:srgbClr val="000000"/>
+                </a:solidFill>
+                <a:latin typeface="Arial"/>
+              </a:rPr>
+              <a:t>Seventh Outline Level</a:t>
+            </a:r>
+            <a:endParaRPr b="0" lang="en-US" sz="1800" spc="-1" strike="noStrike">
               <a:solidFill>
                 <a:srgbClr val="000000"/>
               </a:solidFill>
@@ -20067,7 +22322,7 @@
         <p:spPr>
           <a:xfrm>
             <a:off x="723600" y="6432480"/>
-            <a:ext cx="2047320" cy="151920"/>
+            <a:ext cx="2046240" cy="151920"/>
           </a:xfrm>
           <a:prstGeom prst="rect">
             <a:avLst/>
@@ -20124,7 +22379,7 @@
         <p:spPr>
           <a:xfrm>
             <a:off x="9412920" y="6432480"/>
-            <a:ext cx="2047320" cy="151920"/>
+            <a:ext cx="2046240" cy="151920"/>
           </a:xfrm>
           <a:prstGeom prst="rect">
             <a:avLst/>
@@ -20160,7 +22415,7 @@
               </a:rPr>
               <a:t>Page </a:t>
             </a:r>
-            <a:fld id="{FB12BDD4-D13E-4C6F-A545-467F33AD0FEB}" type="slidenum">
+            <a:fld id="{472E08B1-007F-4E77-AC26-CCA26D1B6B7F}" type="slidenum">
               <a:rPr b="0" lang="en-US" sz="1000" spc="-1" strike="noStrike">
                 <a:solidFill>
                   <a:srgbClr val="787878"/>
@@ -20188,7 +22443,7 @@
         <p:spPr>
           <a:xfrm>
             <a:off x="723600" y="1943640"/>
-            <a:ext cx="561240" cy="4680"/>
+            <a:ext cx="562320" cy="5760"/>
           </a:xfrm>
           <a:prstGeom prst="straightConnector1">
             <a:avLst/>
@@ -20528,7 +22783,7 @@
         <p:spPr>
           <a:xfrm>
             <a:off x="723600" y="6432480"/>
-            <a:ext cx="2047320" cy="151920"/>
+            <a:ext cx="2046240" cy="151920"/>
           </a:xfrm>
           <a:prstGeom prst="rect">
             <a:avLst/>
@@ -20585,7 +22840,7 @@
         <p:spPr>
           <a:xfrm>
             <a:off x="9412920" y="6432480"/>
-            <a:ext cx="2047320" cy="151920"/>
+            <a:ext cx="2046240" cy="151920"/>
           </a:xfrm>
           <a:prstGeom prst="rect">
             <a:avLst/>
@@ -20621,7 +22876,7 @@
               </a:rPr>
               <a:t>Page </a:t>
             </a:r>
-            <a:fld id="{BC2B1084-3485-4144-B9F1-76B3A17A5FF2}" type="slidenum">
+            <a:fld id="{DED32DDD-A133-4ADF-B777-9396B373AF4B}" type="slidenum">
               <a:rPr b="0" lang="en-US" sz="1000" spc="-1" strike="noStrike">
                 <a:solidFill>
                   <a:srgbClr val="787878"/>
@@ -20649,7 +22904,7 @@
         <p:spPr>
           <a:xfrm>
             <a:off x="723600" y="1943640"/>
-            <a:ext cx="561240" cy="4680"/>
+            <a:ext cx="562320" cy="5760"/>
           </a:xfrm>
           <a:prstGeom prst="straightConnector1">
             <a:avLst/>
@@ -20975,7 +23230,7 @@
       </p:grpSpPr>
       <p:sp>
         <p:nvSpPr>
-          <p:cNvPr id="375" name="PlaceHolder 1"/>
+          <p:cNvPr id="416" name="PlaceHolder 1"/>
           <p:cNvSpPr>
             <a:spLocks noGrp="1"/>
           </p:cNvSpPr>
@@ -20986,7 +23241,7 @@
         <p:spPr>
           <a:xfrm>
             <a:off x="1104480" y="1122480"/>
-            <a:ext cx="9974880" cy="2382840"/>
+            <a:ext cx="9973800" cy="2381760"/>
           </a:xfrm>
           <a:prstGeom prst="rect">
             <a:avLst/>
@@ -21031,7 +23286,7 @@
       </p:sp>
       <p:sp>
         <p:nvSpPr>
-          <p:cNvPr id="376" name="PlaceHolder 2"/>
+          <p:cNvPr id="417" name="PlaceHolder 2"/>
           <p:cNvSpPr>
             <a:spLocks noGrp="1"/>
           </p:cNvSpPr>
@@ -21042,7 +23297,7 @@
         <p:spPr>
           <a:xfrm>
             <a:off x="1104480" y="4020840"/>
-            <a:ext cx="9974880" cy="1727640"/>
+            <a:ext cx="9973800" cy="1726560"/>
           </a:xfrm>
           <a:prstGeom prst="rect">
             <a:avLst/>
@@ -21057,7 +23312,7 @@
             <a:normAutofit fontScale="80000"/>
           </a:bodyPr>
           <a:p>
-            <a:pPr marL="227880" indent="0" algn="ctr">
+            <a:pPr marL="227520" indent="0" algn="ctr">
               <a:lnSpc>
                 <a:spcPct val="150000"/>
               </a:lnSpc>
@@ -21090,7 +23345,7 @@
             </a:endParaRPr>
           </a:p>
           <a:p>
-            <a:pPr marL="227880" indent="0" algn="ctr">
+            <a:pPr marL="227520" indent="0" algn="ctr">
               <a:lnSpc>
                 <a:spcPct val="150000"/>
               </a:lnSpc>
@@ -21123,7 +23378,7 @@
             </a:endParaRPr>
           </a:p>
           <a:p>
-            <a:pPr marL="227880" indent="0" algn="ctr">
+            <a:pPr marL="227520" indent="0" algn="ctr">
               <a:lnSpc>
                 <a:spcPct val="150000"/>
               </a:lnSpc>
@@ -21156,7 +23411,7 @@
             </a:endParaRPr>
           </a:p>
           <a:p>
-            <a:pPr marL="227880" indent="0" algn="ctr">
+            <a:pPr marL="227520" indent="0" algn="ctr">
               <a:lnSpc>
                 <a:spcPct val="150000"/>
               </a:lnSpc>
@@ -21219,7 +23474,7 @@
       </p:grpSpPr>
       <p:sp>
         <p:nvSpPr>
-          <p:cNvPr id="402" name="PlaceHolder 1"/>
+          <p:cNvPr id="444" name="PlaceHolder 1"/>
           <p:cNvSpPr>
             <a:spLocks noGrp="1"/>
           </p:cNvSpPr>
@@ -21230,7 +23485,7 @@
         <p:spPr>
           <a:xfrm>
             <a:off x="609120" y="273600"/>
-            <a:ext cx="10965600" cy="1140840"/>
+            <a:ext cx="10967760" cy="1143000"/>
           </a:xfrm>
           <a:prstGeom prst="rect">
             <a:avLst/>
@@ -21262,7 +23517,7 @@
                 <a:latin typeface="Arial"/>
                 <a:ea typeface="DejaVu Sans"/>
               </a:rPr>
-              <a:t>Rabin-Karp Algorithm</a:t>
+              <a:t>Analysis and Complexities (based on input)</a:t>
             </a:r>
             <a:endParaRPr b="0" lang="en-US" sz="4400" spc="-1" strike="noStrike">
               <a:solidFill>
@@ -21275,58 +23530,56 @@
       </p:sp>
       <p:sp>
         <p:nvSpPr>
-          <p:cNvPr id="403" name="PlaceHolder 2"/>
-          <p:cNvSpPr>
-            <a:spLocks noGrp="1"/>
-          </p:cNvSpPr>
-          <p:nvPr>
-            <p:ph/>
-          </p:nvPr>
-        </p:nvSpPr>
-        <p:spPr>
-          <a:xfrm>
-            <a:off x="609120" y="1604520"/>
-            <a:ext cx="5348880" cy="3973320"/>
-          </a:xfrm>
-          <a:prstGeom prst="rect">
-            <a:avLst/>
-          </a:prstGeom>
-          <a:noFill/>
-          <a:ln w="0">
-            <a:noFill/>
-          </a:ln>
-        </p:spPr>
+          <p:cNvPr id="445" name=""/>
+          <p:cNvSpPr/>
+          <p:nvPr/>
+        </p:nvSpPr>
+        <p:spPr>
+          <a:xfrm>
+            <a:off x="590760" y="1600200"/>
+            <a:ext cx="5351040" cy="3975480"/>
+          </a:xfrm>
+          <a:prstGeom prst="rect">
+            <a:avLst/>
+          </a:prstGeom>
+          <a:noFill/>
+          <a:ln w="0">
+            <a:noFill/>
+          </a:ln>
+        </p:spPr>
+        <p:style>
+          <a:lnRef idx="0"/>
+          <a:fillRef idx="0"/>
+          <a:effectRef idx="0"/>
+          <a:fontRef idx="minor"/>
+        </p:style>
         <p:txBody>
           <a:bodyPr lIns="0" rIns="0" tIns="0" bIns="0" anchor="t">
             <a:normAutofit/>
           </a:bodyPr>
           <a:p>
-            <a:pPr marL="432000" indent="0">
+            <a:pPr>
+              <a:lnSpc>
+                <a:spcPct val="90000"/>
+              </a:lnSpc>
+              <a:spcBef>
+                <a:spcPts val="1417"/>
+              </a:spcBef>
+            </a:pPr>
+            <a:endParaRPr b="0" lang="en-US" sz="2800" spc="-1" strike="noStrike">
+              <a:solidFill>
+                <a:srgbClr val="ffffff"/>
+              </a:solidFill>
+              <a:latin typeface="Arial"/>
+            </a:endParaRPr>
+          </a:p>
+          <a:p>
+            <a:pPr marL="228600" indent="-324000">
               <a:lnSpc>
                 <a:spcPct val="100000"/>
               </a:lnSpc>
               <a:spcBef>
-                <a:spcPts val="1417"/>
-              </a:spcBef>
-              <a:buNone/>
-              <a:tabLst>
-                <a:tab algn="l" pos="0"/>
-              </a:tabLst>
-            </a:pPr>
-            <a:endParaRPr b="0" lang="en-US" sz="3200" spc="-1" strike="noStrike">
-              <a:solidFill>
-                <a:srgbClr val="ffffff"/>
-              </a:solidFill>
-              <a:latin typeface="Arial"/>
-            </a:endParaRPr>
-          </a:p>
-          <a:p>
-            <a:pPr marL="432000" indent="-324000">
-              <a:lnSpc>
-                <a:spcPct val="100000"/>
-              </a:lnSpc>
-              <a:spcBef>
-                <a:spcPts val="1417"/>
+                <a:spcPts val="1001"/>
               </a:spcBef>
               <a:buClr>
                 <a:srgbClr val="ffffff"/>
@@ -21346,7 +23599,7 @@
                 <a:latin typeface="Arial"/>
                 <a:ea typeface="DejaVu Sans"/>
               </a:rPr>
-              <a:t>Pros</a:t>
+              <a:t>Time</a:t>
             </a:r>
             <a:endParaRPr b="0" lang="en-US" sz="3200" spc="-1" strike="noStrike">
               <a:solidFill>
@@ -21356,96 +23609,12 @@
             </a:endParaRPr>
           </a:p>
           <a:p>
-            <a:pPr lvl="1" marL="864000" indent="-324000">
+            <a:pPr marL="228600" indent="-324000">
               <a:lnSpc>
                 <a:spcPct val="100000"/>
               </a:lnSpc>
               <a:spcBef>
-                <a:spcPts val="1134"/>
-              </a:spcBef>
-              <a:buClr>
-                <a:srgbClr val="ffffff"/>
-              </a:buClr>
-              <a:buSzPct val="75000"/>
-              <a:buFont typeface="Symbol"/>
-              <a:buChar char=""/>
-              <a:tabLst>
-                <a:tab algn="l" pos="0"/>
-              </a:tabLst>
-            </a:pPr>
-            <a:r>
-              <a:rPr b="0" lang="en-US" sz="3200" spc="-1" strike="noStrike">
-                <a:solidFill>
-                  <a:srgbClr val="ffffff"/>
-                </a:solidFill>
-                <a:latin typeface="Arial"/>
-                <a:ea typeface="DejaVu Sans"/>
-              </a:rPr>
-              <a:t>More space efficient than KMP and Boyer-Moore string matching algorithms</a:t>
-            </a:r>
-            <a:endParaRPr b="0" lang="en-US" sz="3200" spc="-1" strike="noStrike">
-              <a:solidFill>
-                <a:srgbClr val="ffffff"/>
-              </a:solidFill>
-              <a:latin typeface="Arial"/>
-            </a:endParaRPr>
-          </a:p>
-        </p:txBody>
-      </p:sp>
-      <p:sp>
-        <p:nvSpPr>
-          <p:cNvPr id="404" name="PlaceHolder 3"/>
-          <p:cNvSpPr>
-            <a:spLocks noGrp="1"/>
-          </p:cNvSpPr>
-          <p:nvPr>
-            <p:ph/>
-          </p:nvPr>
-        </p:nvSpPr>
-        <p:spPr>
-          <a:xfrm>
-            <a:off x="6230160" y="1604520"/>
-            <a:ext cx="5348880" cy="3973320"/>
-          </a:xfrm>
-          <a:prstGeom prst="rect">
-            <a:avLst/>
-          </a:prstGeom>
-          <a:noFill/>
-          <a:ln w="0">
-            <a:noFill/>
-          </a:ln>
-        </p:spPr>
-        <p:txBody>
-          <a:bodyPr lIns="0" rIns="0" tIns="0" bIns="0" anchor="t">
-            <a:normAutofit fontScale="94000"/>
-          </a:bodyPr>
-          <a:p>
-            <a:pPr marL="431280" indent="0">
-              <a:lnSpc>
-                <a:spcPct val="100000"/>
-              </a:lnSpc>
-              <a:spcBef>
-                <a:spcPts val="1417"/>
-              </a:spcBef>
-              <a:buNone/>
-              <a:tabLst>
-                <a:tab algn="l" pos="0"/>
-              </a:tabLst>
-            </a:pPr>
-            <a:endParaRPr b="0" lang="en-US" sz="3200" spc="-1" strike="noStrike">
-              <a:solidFill>
-                <a:srgbClr val="ffffff"/>
-              </a:solidFill>
-              <a:latin typeface="Arial"/>
-            </a:endParaRPr>
-          </a:p>
-          <a:p>
-            <a:pPr marL="431280" indent="-323280">
-              <a:lnSpc>
-                <a:spcPct val="100000"/>
-              </a:lnSpc>
-              <a:spcBef>
-                <a:spcPts val="1417"/>
+                <a:spcPts val="1001"/>
               </a:spcBef>
               <a:buClr>
                 <a:srgbClr val="ffffff"/>
@@ -21465,7 +23634,7 @@
                 <a:latin typeface="Arial"/>
                 <a:ea typeface="DejaVu Sans"/>
               </a:rPr>
-              <a:t>Cons</a:t>
+              <a:t>Average case: O(n-m+1)</a:t>
             </a:r>
             <a:endParaRPr b="0" lang="en-US" sz="3200" spc="-1" strike="noStrike">
               <a:solidFill>
@@ -21475,19 +23644,19 @@
             </a:endParaRPr>
           </a:p>
           <a:p>
-            <a:pPr lvl="1" marL="863280" indent="-323280">
+            <a:pPr marL="228600" indent="-324000">
               <a:lnSpc>
                 <a:spcPct val="100000"/>
               </a:lnSpc>
               <a:spcBef>
-                <a:spcPts val="1134"/>
+                <a:spcPts val="1001"/>
               </a:spcBef>
               <a:buClr>
                 <a:srgbClr val="ffffff"/>
               </a:buClr>
-              <a:buSzPct val="75000"/>
-              <a:buFont typeface="Symbol"/>
-              <a:buChar char=""/>
+              <a:buSzPct val="45000"/>
+              <a:buFont typeface="Wingdings" charset="2"/>
+              <a:buChar char=""/>
               <a:tabLst>
                 <a:tab algn="l" pos="0"/>
               </a:tabLst>
@@ -21500,7 +23669,159 @@
                 <a:latin typeface="Arial"/>
                 <a:ea typeface="DejaVu Sans"/>
               </a:rPr>
-              <a:t>If your fingerprint function is not properly created for the problem to be solved, then there would be more spurious hits than necessary.</a:t>
+              <a:t>Worst case: O(mn)</a:t>
+            </a:r>
+            <a:endParaRPr b="0" lang="en-US" sz="3200" spc="-1" strike="noStrike">
+              <a:solidFill>
+                <a:srgbClr val="ffffff"/>
+              </a:solidFill>
+              <a:latin typeface="Arial"/>
+            </a:endParaRPr>
+          </a:p>
+        </p:txBody>
+      </p:sp>
+      <p:sp>
+        <p:nvSpPr>
+          <p:cNvPr id="446" name=""/>
+          <p:cNvSpPr/>
+          <p:nvPr/>
+        </p:nvSpPr>
+        <p:spPr>
+          <a:xfrm>
+            <a:off x="6305760" y="1600200"/>
+            <a:ext cx="5351040" cy="3975480"/>
+          </a:xfrm>
+          <a:prstGeom prst="rect">
+            <a:avLst/>
+          </a:prstGeom>
+          <a:noFill/>
+          <a:ln w="0">
+            <a:noFill/>
+          </a:ln>
+        </p:spPr>
+        <p:style>
+          <a:lnRef idx="0"/>
+          <a:fillRef idx="0"/>
+          <a:effectRef idx="0"/>
+          <a:fontRef idx="minor"/>
+        </p:style>
+        <p:txBody>
+          <a:bodyPr lIns="0" rIns="0" tIns="0" bIns="0" anchor="t">
+            <a:normAutofit/>
+          </a:bodyPr>
+          <a:p>
+            <a:pPr>
+              <a:lnSpc>
+                <a:spcPct val="90000"/>
+              </a:lnSpc>
+              <a:spcBef>
+                <a:spcPts val="1417"/>
+              </a:spcBef>
+            </a:pPr>
+            <a:endParaRPr b="0" lang="en-US" sz="2800" spc="-1" strike="noStrike">
+              <a:solidFill>
+                <a:srgbClr val="ffffff"/>
+              </a:solidFill>
+              <a:latin typeface="Arial"/>
+            </a:endParaRPr>
+          </a:p>
+          <a:p>
+            <a:pPr marL="228600" indent="-324000">
+              <a:lnSpc>
+                <a:spcPct val="100000"/>
+              </a:lnSpc>
+              <a:spcBef>
+                <a:spcPts val="1001"/>
+              </a:spcBef>
+              <a:buClr>
+                <a:srgbClr val="ffffff"/>
+              </a:buClr>
+              <a:buSzPct val="45000"/>
+              <a:buFont typeface="Wingdings" charset="2"/>
+              <a:buChar char=""/>
+              <a:tabLst>
+                <a:tab algn="l" pos="0"/>
+              </a:tabLst>
+            </a:pPr>
+            <a:r>
+              <a:rPr b="0" lang="en-US" sz="3200" spc="-1" strike="noStrike">
+                <a:solidFill>
+                  <a:srgbClr val="ffffff"/>
+                </a:solidFill>
+                <a:latin typeface="Arial"/>
+                <a:ea typeface="DejaVu Sans"/>
+              </a:rPr>
+              <a:t>Space</a:t>
+            </a:r>
+            <a:endParaRPr b="0" lang="en-US" sz="3200" spc="-1" strike="noStrike">
+              <a:solidFill>
+                <a:srgbClr val="ffffff"/>
+              </a:solidFill>
+              <a:latin typeface="Arial"/>
+            </a:endParaRPr>
+          </a:p>
+          <a:p>
+            <a:pPr marL="228600" indent="-324000">
+              <a:lnSpc>
+                <a:spcPct val="100000"/>
+              </a:lnSpc>
+              <a:spcBef>
+                <a:spcPts val="1001"/>
+              </a:spcBef>
+              <a:buClr>
+                <a:srgbClr val="ffffff"/>
+              </a:buClr>
+              <a:buSzPct val="45000"/>
+              <a:buFont typeface="Wingdings" charset="2"/>
+              <a:buChar char=""/>
+              <a:tabLst>
+                <a:tab algn="l" pos="0"/>
+              </a:tabLst>
+            </a:pPr>
+            <a:r>
+              <a:rPr b="0" lang="en-US" sz="3200" spc="-1" strike="noStrike">
+                <a:solidFill>
+                  <a:srgbClr val="ffffff"/>
+                </a:solidFill>
+                <a:latin typeface="Arial"/>
+                <a:ea typeface="DejaVu Sans"/>
+              </a:rPr>
+              <a:t>Average case: O(1)</a:t>
+            </a:r>
+            <a:endParaRPr b="0" lang="en-US" sz="3200" spc="-1" strike="noStrike">
+              <a:solidFill>
+                <a:srgbClr val="ffffff"/>
+              </a:solidFill>
+              <a:latin typeface="Arial"/>
+            </a:endParaRPr>
+          </a:p>
+          <a:p>
+            <a:pPr marL="228600" indent="-324000">
+              <a:lnSpc>
+                <a:spcPct val="100000"/>
+              </a:lnSpc>
+              <a:spcBef>
+                <a:spcPts val="1001"/>
+              </a:spcBef>
+              <a:buClr>
+                <a:srgbClr val="ffffff"/>
+              </a:buClr>
+              <a:buSzPct val="45000"/>
+              <a:buFont typeface="Wingdings" charset="2"/>
+              <a:buChar char=""/>
+              <a:tabLst>
+                <a:tab algn="l" pos="0"/>
+              </a:tabLst>
+            </a:pPr>
+            <a:r>
+              <a:rPr b="0" lang="en-US" sz="3200" spc="-1" strike="noStrike">
+                <a:solidFill>
+                  <a:srgbClr val="ffffff"/>
+                </a:solidFill>
+                <a:latin typeface="Arial"/>
+                <a:ea typeface="DejaVu Sans"/>
+              </a:rPr>
+              <a:t>Worst case: O(1)</a:t>
             </a:r>
             <a:endParaRPr b="0" lang="en-US" sz="3200" spc="-1" strike="noStrike">
               <a:solidFill>
@@ -21550,7 +23871,7 @@
       </p:grpSpPr>
       <p:sp>
         <p:nvSpPr>
-          <p:cNvPr id="405" name="PlaceHolder 1"/>
+          <p:cNvPr id="447" name="PlaceHolder 1"/>
           <p:cNvSpPr>
             <a:spLocks noGrp="1"/>
           </p:cNvSpPr>
@@ -21561,7 +23882,7 @@
         <p:spPr>
           <a:xfrm>
             <a:off x="609120" y="273600"/>
-            <a:ext cx="10967040" cy="1142280"/>
+            <a:ext cx="10964520" cy="1139760"/>
           </a:xfrm>
           <a:prstGeom prst="rect">
             <a:avLst/>
@@ -21593,7 +23914,7 @@
                 <a:latin typeface="Arial"/>
                 <a:ea typeface="DejaVu Sans"/>
               </a:rPr>
-              <a:t>Fingerprint Function Talk</a:t>
+              <a:t>Rabin-Karp Algorithm</a:t>
             </a:r>
             <a:endParaRPr b="0" lang="en-US" sz="4400" spc="-1" strike="noStrike">
               <a:solidFill>
@@ -21606,7 +23927,7 @@
       </p:sp>
       <p:sp>
         <p:nvSpPr>
-          <p:cNvPr id="406" name="PlaceHolder 2"/>
+          <p:cNvPr id="448" name="PlaceHolder 2"/>
           <p:cNvSpPr>
             <a:spLocks noGrp="1"/>
           </p:cNvSpPr>
@@ -21617,7 +23938,7 @@
         <p:spPr>
           <a:xfrm>
             <a:off x="609120" y="1604520"/>
-            <a:ext cx="10967040" cy="3974760"/>
+            <a:ext cx="5347800" cy="3972240"/>
           </a:xfrm>
           <a:prstGeom prst="rect">
             <a:avLst/>
@@ -21677,17 +23998,161 @@
                 <a:latin typeface="Arial"/>
                 <a:ea typeface="DejaVu Sans"/>
               </a:rPr>
-              <a:t>Assuming a well-chosen fingerprint function,</a:t>
+              <a:t>Pros</a:t>
             </a:r>
+            <a:endParaRPr b="0" lang="en-US" sz="3200" spc="-1" strike="noStrike">
+              <a:solidFill>
+                <a:srgbClr val="ffffff"/>
+              </a:solidFill>
+              <a:latin typeface="Arial"/>
+            </a:endParaRPr>
+          </a:p>
+          <a:p>
+            <a:pPr lvl="1" marL="864000" indent="-324000">
+              <a:lnSpc>
+                <a:spcPct val="100000"/>
+              </a:lnSpc>
+              <a:spcBef>
+                <a:spcPts val="1134"/>
+              </a:spcBef>
+              <a:buClr>
+                <a:srgbClr val="ffffff"/>
+              </a:buClr>
+              <a:buSzPct val="75000"/>
+              <a:buFont typeface="Symbol"/>
+              <a:buChar char=""/>
+              <a:tabLst>
+                <a:tab algn="l" pos="0"/>
+              </a:tabLst>
+            </a:pPr>
             <a:r>
-              <a:rPr b="0" lang="pt-BR" sz="3200" spc="-1" strike="noStrike">
+              <a:rPr b="0" lang="en-US" sz="3200" spc="-1" strike="noStrike">
                 <a:solidFill>
                   <a:srgbClr val="ffffff"/>
                 </a:solidFill>
                 <a:latin typeface="Arial"/>
                 <a:ea typeface="DejaVu Sans"/>
               </a:rPr>
-              <a:t> according to the paper,</a:t>
+              <a:t>More space efficient than KMP and Boyer-Moore string matching algorithms</a:t>
+            </a:r>
+            <a:endParaRPr b="0" lang="en-US" sz="3200" spc="-1" strike="noStrike">
+              <a:solidFill>
+                <a:srgbClr val="ffffff"/>
+              </a:solidFill>
+              <a:latin typeface="Arial"/>
+            </a:endParaRPr>
+          </a:p>
+        </p:txBody>
+      </p:sp>
+      <p:sp>
+        <p:nvSpPr>
+          <p:cNvPr id="449" name="PlaceHolder 3"/>
+          <p:cNvSpPr>
+            <a:spLocks noGrp="1"/>
+          </p:cNvSpPr>
+          <p:nvPr>
+            <p:ph/>
+          </p:nvPr>
+        </p:nvSpPr>
+        <p:spPr>
+          <a:xfrm>
+            <a:off x="6230160" y="1604520"/>
+            <a:ext cx="5347800" cy="3972240"/>
+          </a:xfrm>
+          <a:prstGeom prst="rect">
+            <a:avLst/>
+          </a:prstGeom>
+          <a:noFill/>
+          <a:ln w="0">
+            <a:noFill/>
+          </a:ln>
+        </p:spPr>
+        <p:txBody>
+          <a:bodyPr lIns="0" rIns="0" tIns="0" bIns="0" anchor="t">
+            <a:normAutofit/>
+          </a:bodyPr>
+          <a:p>
+            <a:pPr marL="457920" indent="0">
+              <a:lnSpc>
+                <a:spcPct val="100000"/>
+              </a:lnSpc>
+              <a:spcBef>
+                <a:spcPts val="1417"/>
+              </a:spcBef>
+              <a:buNone/>
+              <a:tabLst>
+                <a:tab algn="l" pos="0"/>
+              </a:tabLst>
+            </a:pPr>
+            <a:endParaRPr b="0" lang="en-US" sz="3200" spc="-1" strike="noStrike">
+              <a:solidFill>
+                <a:srgbClr val="ffffff"/>
+              </a:solidFill>
+              <a:latin typeface="Arial"/>
+            </a:endParaRPr>
+          </a:p>
+          <a:p>
+            <a:pPr marL="457920" indent="-343080">
+              <a:lnSpc>
+                <a:spcPct val="100000"/>
+              </a:lnSpc>
+              <a:spcBef>
+                <a:spcPts val="1417"/>
+              </a:spcBef>
+              <a:buClr>
+                <a:srgbClr val="ffffff"/>
+              </a:buClr>
+              <a:buSzPct val="45000"/>
+              <a:buFont typeface="Wingdings" charset="2"/>
+              <a:buChar char=""/>
+              <a:tabLst>
+                <a:tab algn="l" pos="0"/>
+              </a:tabLst>
+            </a:pPr>
+            <a:r>
+              <a:rPr b="0" lang="en-US" sz="3200" spc="-1" strike="noStrike">
+                <a:solidFill>
+                  <a:srgbClr val="ffffff"/>
+                </a:solidFill>
+                <a:latin typeface="Arial"/>
+                <a:ea typeface="DejaVu Sans"/>
+              </a:rPr>
+              <a:t>Cons</a:t>
+            </a:r>
+            <a:endParaRPr b="0" lang="en-US" sz="3200" spc="-1" strike="noStrike">
+              <a:solidFill>
+                <a:srgbClr val="ffffff"/>
+              </a:solidFill>
+              <a:latin typeface="Arial"/>
+            </a:endParaRPr>
+          </a:p>
+          <a:p>
+            <a:pPr lvl="1" marL="917640" indent="-343080">
+              <a:lnSpc>
+                <a:spcPct val="100000"/>
+              </a:lnSpc>
+              <a:spcBef>
+                <a:spcPts val="1134"/>
+              </a:spcBef>
+              <a:buClr>
+                <a:srgbClr val="ffffff"/>
+              </a:buClr>
+              <a:buSzPct val="75000"/>
+              <a:buFont typeface="Symbol"/>
+              <a:buChar char=""/>
+              <a:tabLst>
+                <a:tab algn="l" pos="0"/>
+              </a:tabLst>
+            </a:pPr>
+            <a:r>
+              <a:rPr b="0" lang="en-US" sz="3200" spc="-1" strike="noStrike">
+                <a:solidFill>
+                  <a:srgbClr val="ffffff"/>
+                </a:solidFill>
+                <a:latin typeface="Arial"/>
+                <a:ea typeface="DejaVu Sans"/>
+              </a:rPr>
+              <a:t>There could be more </a:t>
             </a:r>
             <a:r>
               <a:rPr b="0" lang="en-US" sz="3200" spc="-1" strike="noStrike">
@@ -21697,113 +24162,43 @@
                 <a:latin typeface="Arial"/>
                 <a:ea typeface="DejaVu Sans"/>
               </a:rPr>
-              <a:t> the probability of a false match is extremely low </a:t>
+              <a:t>spurious hits than </a:t>
             </a:r>
             <a:r>
-              <a:rPr b="0" lang="pt-BR" sz="3200" spc="-1" strike="noStrike">
+              <a:rPr b="0" lang="en-US" sz="3200" spc="-1" strike="noStrike">
                 <a:solidFill>
                   <a:srgbClr val="ffffff"/>
                 </a:solidFill>
                 <a:latin typeface="Arial"/>
                 <a:ea typeface="DejaVu Sans"/>
               </a:rPr>
-              <a:t>2.511 / (m - n + 1), and the maximum number of false matches is m-n+1, so the time spent detecting false matches bounded above by the size (n) of the input text</a:t>
+              <a:t>necessary since the </a:t>
             </a:r>
+            <a:r>
+              <a:rPr b="0" lang="en-US" sz="3200" spc="-1" strike="noStrike">
+                <a:solidFill>
+                  <a:srgbClr val="ffffff"/>
+                </a:solidFill>
+                <a:latin typeface="Arial"/>
+                <a:ea typeface="DejaVu Sans"/>
+              </a:rPr>
+              <a:t>number of integers in </a:t>
+            </a:r>
+            <a:r>
+              <a:rPr b="0" lang="en-US" sz="3200" spc="-1" strike="noStrike">
+                <a:solidFill>
+                  <a:srgbClr val="ffffff"/>
+                </a:solidFill>
+                <a:latin typeface="Arial"/>
+                <a:ea typeface="DejaVu Sans"/>
+              </a:rPr>
+              <a:t>the range [0,p]</a:t>
+            </a:r>
             <a:endParaRPr b="0" lang="en-US" sz="3200" spc="-1" strike="noStrike">
               <a:solidFill>
                 <a:srgbClr val="ffffff"/>
               </a:solidFill>
               <a:latin typeface="Arial"/>
-            </a:endParaRPr>
-          </a:p>
-        </p:txBody>
-      </p:sp>
-      <p:sp>
-        <p:nvSpPr>
-          <p:cNvPr id="407" name="Rectangle 403"/>
-          <p:cNvSpPr/>
-          <p:nvPr/>
-        </p:nvSpPr>
-        <p:spPr>
-          <a:xfrm>
-            <a:off x="7543800" y="3311280"/>
-            <a:ext cx="455400" cy="344520"/>
-          </a:xfrm>
-          <a:prstGeom prst="rect">
-            <a:avLst/>
-          </a:prstGeom>
-          <a:noFill/>
-          <a:ln w="0">
-            <a:noFill/>
-          </a:ln>
-        </p:spPr>
-        <p:style>
-          <a:lnRef idx="0"/>
-          <a:fillRef idx="0"/>
-          <a:effectRef idx="0"/>
-          <a:fontRef idx="minor"/>
-        </p:style>
-        <p:txBody>
-          <a:bodyPr lIns="90000" rIns="90000" tIns="45000" bIns="45000" anchor="t">
-            <a:noAutofit/>
-          </a:bodyPr>
-          <a:p>
-            <a:pPr algn="ctr">
-              <a:lnSpc>
-                <a:spcPct val="100000"/>
-              </a:lnSpc>
-            </a:pPr>
-            <a:endParaRPr b="0" lang="en-US" sz="1800" spc="-1" strike="noStrike">
-              <a:solidFill>
-                <a:srgbClr val="ffffff"/>
-              </a:solidFill>
-              <a:latin typeface="Arial"/>
-              <a:ea typeface="DejaVu Sans"/>
-            </a:endParaRPr>
-          </a:p>
-        </p:txBody>
-      </p:sp>
-      <p:sp>
-        <p:nvSpPr>
-          <p:cNvPr id="408" name="Rectangle 404"/>
-          <p:cNvSpPr/>
-          <p:nvPr/>
-        </p:nvSpPr>
-        <p:spPr>
-          <a:xfrm>
-            <a:off x="8001000" y="3657600"/>
-            <a:ext cx="684000" cy="401040"/>
-          </a:xfrm>
-          <a:prstGeom prst="rect">
-            <a:avLst/>
-          </a:prstGeom>
-          <a:noFill/>
-          <a:ln w="0">
-            <a:noFill/>
-          </a:ln>
-        </p:spPr>
-        <p:style>
-          <a:lnRef idx="0"/>
-          <a:fillRef idx="0"/>
-          <a:effectRef idx="0"/>
-          <a:fontRef idx="minor"/>
-        </p:style>
-        <p:txBody>
-          <a:bodyPr lIns="90000" rIns="90000" tIns="45000" bIns="45000" anchor="t">
-            <a:noAutofit/>
-          </a:bodyPr>
-          <a:p>
-            <a:pPr>
-              <a:lnSpc>
-                <a:spcPct val="100000"/>
-              </a:lnSpc>
-            </a:pPr>
-            <a:endParaRPr b="0" lang="en-US" sz="2200" spc="-1" strike="noStrike">
-              <a:solidFill>
-                <a:srgbClr val="ffffff"/>
-              </a:solidFill>
-              <a:latin typeface="Arial"/>
-              <a:ea typeface="DejaVu Sans"/>
             </a:endParaRPr>
           </a:p>
         </p:txBody>
@@ -21847,7 +24242,7 @@
       </p:grpSpPr>
       <p:sp>
         <p:nvSpPr>
-          <p:cNvPr id="409" name="PlaceHolder 1"/>
+          <p:cNvPr id="450" name="PlaceHolder 1"/>
           <p:cNvSpPr>
             <a:spLocks noGrp="1"/>
           </p:cNvSpPr>
@@ -21858,7 +24253,7 @@
         <p:spPr>
           <a:xfrm>
             <a:off x="609120" y="273600"/>
-            <a:ext cx="10967760" cy="1143000"/>
+            <a:ext cx="10965960" cy="1141200"/>
           </a:xfrm>
           <a:prstGeom prst="rect">
             <a:avLst/>
@@ -21890,7 +24285,7 @@
                 <a:latin typeface="Arial"/>
                 <a:ea typeface="DejaVu Sans"/>
               </a:rPr>
-              <a:t>Why this algorithm is at least a level 3</a:t>
+              <a:t>Fingerprint Function Talk</a:t>
             </a:r>
             <a:endParaRPr b="0" lang="en-US" sz="4400" spc="-1" strike="noStrike">
               <a:solidFill>
@@ -21903,7 +24298,7 @@
       </p:sp>
       <p:sp>
         <p:nvSpPr>
-          <p:cNvPr id="410" name="PlaceHolder 2"/>
+          <p:cNvPr id="451" name="PlaceHolder 2"/>
           <p:cNvSpPr>
             <a:spLocks noGrp="1"/>
           </p:cNvSpPr>
@@ -21914,7 +24309,7 @@
         <p:spPr>
           <a:xfrm>
             <a:off x="609120" y="1604520"/>
-            <a:ext cx="10967760" cy="3975480"/>
+            <a:ext cx="10965960" cy="3973680"/>
           </a:xfrm>
           <a:prstGeom prst="rect">
             <a:avLst/>
@@ -21929,7 +24324,7 @@
             <a:normAutofit/>
           </a:bodyPr>
           <a:p>
-            <a:pPr marL="459360" indent="0">
+            <a:pPr marL="432000" indent="0">
               <a:lnSpc>
                 <a:spcPct val="100000"/>
               </a:lnSpc>
@@ -21949,7 +24344,7 @@
             </a:endParaRPr>
           </a:p>
           <a:p>
-            <a:pPr marL="459360" indent="-344520">
+            <a:pPr marL="432000" indent="-324000">
               <a:lnSpc>
                 <a:spcPct val="100000"/>
               </a:lnSpc>
@@ -21974,13 +24369,133 @@
                 <a:latin typeface="Arial"/>
                 <a:ea typeface="DejaVu Sans"/>
               </a:rPr>
-              <a:t>The algorithm uses a fingerprint function that does not takes up space with respect to the input parameters while also having a linear runtime, on average, which makes it the most space efficient one between KMP and Boyer-Moore.</a:t>
+              <a:t>A</a:t>
             </a:r>
+            <a:r>
+              <a:rPr b="0" lang="pt-BR" sz="3200" spc="-1" strike="noStrike">
+                <a:solidFill>
+                  <a:srgbClr val="ffffff"/>
+                </a:solidFill>
+                <a:latin typeface="Arial"/>
+                <a:ea typeface="DejaVu Sans"/>
+              </a:rPr>
+              <a:t>ccording to the paper,</a:t>
+            </a:r>
+            <a:r>
+              <a:rPr b="0" lang="en-US" sz="3200" spc="-1" strike="noStrike">
+                <a:solidFill>
+                  <a:srgbClr val="ffffff"/>
+                </a:solidFill>
+                <a:latin typeface="Arial"/>
+                <a:ea typeface="DejaVu Sans"/>
+              </a:rPr>
+              <a:t> the probability of a false match is extremely low </a:t>
+            </a:r>
+            <a:r>
+              <a:rPr b="0" lang="pt-BR" sz="3200" spc="-1" strike="noStrike">
+                <a:solidFill>
+                  <a:srgbClr val="ffffff"/>
+                </a:solidFill>
+                <a:latin typeface="Arial"/>
+                <a:ea typeface="DejaVu Sans"/>
+              </a:rPr>
+              <a:t>2.511 / (m - n + 1), and the maximum number of false matches is m-n+1, so the time spent detecting false matches bounded above by the size (n) of the input text</a:t>
+            </a:r>
             <a:endParaRPr b="0" lang="en-US" sz="3200" spc="-1" strike="noStrike">
               <a:solidFill>
                 <a:srgbClr val="ffffff"/>
               </a:solidFill>
               <a:latin typeface="Arial"/>
+            </a:endParaRPr>
+          </a:p>
+        </p:txBody>
+      </p:sp>
+      <p:sp>
+        <p:nvSpPr>
+          <p:cNvPr id="452" name="Rectangle 403"/>
+          <p:cNvSpPr/>
+          <p:nvPr/>
+        </p:nvSpPr>
+        <p:spPr>
+          <a:xfrm>
+            <a:off x="7543800" y="3311280"/>
+            <a:ext cx="454320" cy="343440"/>
+          </a:xfrm>
+          <a:prstGeom prst="rect">
+            <a:avLst/>
+          </a:prstGeom>
+          <a:noFill/>
+          <a:ln w="0">
+            <a:noFill/>
+          </a:ln>
+        </p:spPr>
+        <p:style>
+          <a:lnRef idx="0"/>
+          <a:fillRef idx="0"/>
+          <a:effectRef idx="0"/>
+          <a:fontRef idx="minor"/>
+        </p:style>
+        <p:txBody>
+          <a:bodyPr lIns="90000" rIns="90000" tIns="45000" bIns="45000" anchor="t">
+            <a:noAutofit/>
+          </a:bodyPr>
+          <a:p>
+            <a:pPr algn="ctr">
+              <a:lnSpc>
+                <a:spcPct val="100000"/>
+              </a:lnSpc>
+            </a:pPr>
+            <a:endParaRPr b="0" lang="en-US" sz="1800" spc="-1" strike="noStrike">
+              <a:solidFill>
+                <a:srgbClr val="ffffff"/>
+              </a:solidFill>
+              <a:latin typeface="Arial"/>
+              <a:ea typeface="DejaVu Sans"/>
+            </a:endParaRPr>
+          </a:p>
+        </p:txBody>
+      </p:sp>
+      <p:sp>
+        <p:nvSpPr>
+          <p:cNvPr id="453" name="Rectangle 404"/>
+          <p:cNvSpPr/>
+          <p:nvPr/>
+        </p:nvSpPr>
+        <p:spPr>
+          <a:xfrm>
+            <a:off x="8001000" y="3657600"/>
+            <a:ext cx="682920" cy="399960"/>
+          </a:xfrm>
+          <a:prstGeom prst="rect">
+            <a:avLst/>
+          </a:prstGeom>
+          <a:noFill/>
+          <a:ln w="0">
+            <a:noFill/>
+          </a:ln>
+        </p:spPr>
+        <p:style>
+          <a:lnRef idx="0"/>
+          <a:fillRef idx="0"/>
+          <a:effectRef idx="0"/>
+          <a:fontRef idx="minor"/>
+        </p:style>
+        <p:txBody>
+          <a:bodyPr lIns="90000" rIns="90000" tIns="45000" bIns="45000" anchor="t">
+            <a:noAutofit/>
+          </a:bodyPr>
+          <a:p>
+            <a:pPr>
+              <a:lnSpc>
+                <a:spcPct val="100000"/>
+              </a:lnSpc>
+            </a:pPr>
+            <a:endParaRPr b="0" lang="en-US" sz="2200" spc="-1" strike="noStrike">
+              <a:solidFill>
+                <a:srgbClr val="ffffff"/>
+              </a:solidFill>
+              <a:latin typeface="Arial"/>
+              <a:ea typeface="DejaVu Sans"/>
             </a:endParaRPr>
           </a:p>
         </p:txBody>
@@ -22024,7 +24539,7 @@
       </p:grpSpPr>
       <p:sp>
         <p:nvSpPr>
-          <p:cNvPr id="411" name="PlaceHolder 1"/>
+          <p:cNvPr id="454" name="PlaceHolder 1"/>
           <p:cNvSpPr>
             <a:spLocks noGrp="1"/>
           </p:cNvSpPr>
@@ -22034,19 +24549,19 @@
         </p:nvSpPr>
         <p:spPr>
           <a:xfrm>
-            <a:off x="723600" y="723960"/>
-            <a:ext cx="10736640" cy="1099800"/>
-          </a:xfrm>
-          <a:prstGeom prst="rect">
-            <a:avLst/>
-          </a:prstGeom>
-          <a:noFill/>
-          <a:ln w="0">
-            <a:noFill/>
-          </a:ln>
-        </p:spPr>
-        <p:txBody>
-          <a:bodyPr lIns="0" rIns="0" tIns="0" bIns="0" anchor="b">
+            <a:off x="609120" y="273600"/>
+            <a:ext cx="10966680" cy="1141920"/>
+          </a:xfrm>
+          <a:prstGeom prst="rect">
+            <a:avLst/>
+          </a:prstGeom>
+          <a:noFill/>
+          <a:ln w="0">
+            <a:noFill/>
+          </a:ln>
+        </p:spPr>
+        <p:txBody>
+          <a:bodyPr lIns="0" rIns="0" tIns="0" bIns="0" anchor="ctr">
             <a:noAutofit/>
           </a:bodyPr>
           <a:p>
@@ -22060,16 +24575,16 @@
               </a:tabLst>
             </a:pPr>
             <a:r>
-              <a:rPr b="1" lang="en-US" sz="2400" spc="-1" strike="noStrike">
+              <a:rPr b="0" lang="en-US" sz="4400" spc="-1" strike="noStrike">
                 <a:solidFill>
                   <a:srgbClr val="ffffff"/>
                 </a:solidFill>
-                <a:latin typeface="Arial Black"/>
+                <a:latin typeface="Arial"/>
                 <a:ea typeface="DejaVu Sans"/>
               </a:rPr>
-              <a:t>References</a:t>
+              <a:t>Why this algorithm is at least a level 3</a:t>
             </a:r>
-            <a:endParaRPr b="0" lang="en-US" sz="2400" spc="-1" strike="noStrike">
+            <a:endParaRPr b="0" lang="en-US" sz="4400" spc="-1" strike="noStrike">
               <a:solidFill>
                 <a:srgbClr val="ffffff"/>
               </a:solidFill>
@@ -22080,7 +24595,7 @@
       </p:sp>
       <p:sp>
         <p:nvSpPr>
-          <p:cNvPr id="412" name="PlaceHolder 2"/>
+          <p:cNvPr id="455" name="PlaceHolder 2"/>
           <p:cNvSpPr>
             <a:spLocks noGrp="1"/>
           </p:cNvSpPr>
@@ -22090,8 +24605,8 @@
         </p:nvSpPr>
         <p:spPr>
           <a:xfrm>
-            <a:off x="723600" y="2342520"/>
-            <a:ext cx="10736640" cy="3749040"/>
+            <a:off x="609120" y="1604520"/>
+            <a:ext cx="10966680" cy="3974400"/>
           </a:xfrm>
           <a:prstGeom prst="rect">
             <a:avLst/>
@@ -22103,39 +24618,147 @@
         </p:spPr>
         <p:txBody>
           <a:bodyPr lIns="0" rIns="0" tIns="0" bIns="0" anchor="t">
-            <a:noAutofit/>
-          </a:bodyPr>
-          <a:p>
-            <a:pPr marL="514440" indent="-285840">
+            <a:normAutofit/>
+          </a:bodyPr>
+          <a:p>
+            <a:pPr marL="459360" indent="0">
               <a:lnSpc>
-                <a:spcPct val="150000"/>
+                <a:spcPct val="100000"/>
               </a:lnSpc>
               <a:spcBef>
-                <a:spcPts val="1001"/>
-              </a:spcBef>
-              <a:spcAft>
-                <a:spcPts val="1001"/>
-              </a:spcAft>
+                <a:spcPts val="1417"/>
+              </a:spcBef>
+              <a:buNone/>
+              <a:tabLst>
+                <a:tab algn="l" pos="0"/>
+              </a:tabLst>
+            </a:pPr>
+            <a:endParaRPr b="0" lang="en-US" sz="3200" spc="-1" strike="noStrike">
+              <a:solidFill>
+                <a:srgbClr val="ffffff"/>
+              </a:solidFill>
+              <a:latin typeface="Arial"/>
+            </a:endParaRPr>
+          </a:p>
+          <a:p>
+            <a:pPr marL="459360" indent="-344520">
+              <a:lnSpc>
+                <a:spcPct val="100000"/>
+              </a:lnSpc>
+              <a:spcBef>
+                <a:spcPts val="1417"/>
+              </a:spcBef>
               <a:buClr>
                 <a:srgbClr val="ffffff"/>
               </a:buClr>
-              <a:buFont typeface="StarSymbol"/>
-              <a:buChar char="-"/>
+              <a:buSzPct val="45000"/>
+              <a:buFont typeface="Wingdings" charset="2"/>
+              <a:buChar char=""/>
               <a:tabLst>
                 <a:tab algn="l" pos="0"/>
               </a:tabLst>
             </a:pPr>
             <a:r>
-              <a:rPr b="0" lang="en-US" sz="1800" spc="-1" strike="noStrike">
+              <a:rPr b="0" lang="en-US" sz="3200" spc="-1" strike="noStrike">
                 <a:solidFill>
                   <a:srgbClr val="ffffff"/>
                 </a:solidFill>
                 <a:latin typeface="Arial"/>
                 <a:ea typeface="DejaVu Sans"/>
               </a:rPr>
-              <a:t>R. M. Karp and M. O. Rabin, "Efficient randomized pattern-matching algorithms," in IBM Journal of Research and Development, vol. 31, no. 2, pp. 249-260, March 1987, doi: 10.1147/rd.312.0249.</a:t>
+              <a:t>The algorithm uses a </a:t>
             </a:r>
-            <a:endParaRPr b="0" lang="en-US" sz="1800" spc="-1" strike="noStrike">
+            <a:r>
+              <a:rPr b="0" lang="en-US" sz="3200" spc="-1" strike="noStrike">
+                <a:solidFill>
+                  <a:srgbClr val="ffffff"/>
+                </a:solidFill>
+                <a:latin typeface="Arial"/>
+                <a:ea typeface="DejaVu Sans"/>
+              </a:rPr>
+              <a:t>fingerprint function that </a:t>
+            </a:r>
+            <a:r>
+              <a:rPr b="0" lang="en-US" sz="3200" spc="-1" strike="noStrike">
+                <a:solidFill>
+                  <a:srgbClr val="ffffff"/>
+                </a:solidFill>
+                <a:latin typeface="Arial"/>
+                <a:ea typeface="DejaVu Sans"/>
+              </a:rPr>
+              <a:t>does not takes up space </a:t>
+            </a:r>
+            <a:r>
+              <a:rPr b="0" lang="en-US" sz="3200" spc="-1" strike="noStrike">
+                <a:solidFill>
+                  <a:srgbClr val="ffffff"/>
+                </a:solidFill>
+                <a:latin typeface="Arial"/>
+                <a:ea typeface="DejaVu Sans"/>
+              </a:rPr>
+              <a:t>with respect to the input </a:t>
+            </a:r>
+            <a:r>
+              <a:rPr b="0" lang="en-US" sz="3200" spc="-1" strike="noStrike">
+                <a:solidFill>
+                  <a:srgbClr val="ffffff"/>
+                </a:solidFill>
+                <a:latin typeface="Arial"/>
+                <a:ea typeface="DejaVu Sans"/>
+              </a:rPr>
+              <a:t>parameters while also </a:t>
+            </a:r>
+            <a:r>
+              <a:rPr b="0" lang="en-US" sz="3200" spc="-1" strike="noStrike">
+                <a:solidFill>
+                  <a:srgbClr val="ffffff"/>
+                </a:solidFill>
+                <a:latin typeface="Arial"/>
+                <a:ea typeface="DejaVu Sans"/>
+              </a:rPr>
+              <a:t>having a linear runtime, on </a:t>
+            </a:r>
+            <a:r>
+              <a:rPr b="0" lang="en-US" sz="3200" spc="-1" strike="noStrike">
+                <a:solidFill>
+                  <a:srgbClr val="ffffff"/>
+                </a:solidFill>
+                <a:latin typeface="Arial"/>
+                <a:ea typeface="DejaVu Sans"/>
+              </a:rPr>
+              <a:t>average, which makes it </a:t>
+            </a:r>
+            <a:r>
+              <a:rPr b="0" lang="en-US" sz="3200" spc="-1" strike="noStrike">
+                <a:solidFill>
+                  <a:srgbClr val="ffffff"/>
+                </a:solidFill>
+                <a:latin typeface="Arial"/>
+                <a:ea typeface="DejaVu Sans"/>
+              </a:rPr>
+              <a:t>the most space efficient </a:t>
+            </a:r>
+            <a:r>
+              <a:rPr b="0" lang="en-US" sz="3200" spc="-1" strike="noStrike">
+                <a:solidFill>
+                  <a:srgbClr val="ffffff"/>
+                </a:solidFill>
+                <a:latin typeface="Arial"/>
+                <a:ea typeface="DejaVu Sans"/>
+              </a:rPr>
+              <a:t>one between KMP and </a:t>
+            </a:r>
+            <a:r>
+              <a:rPr b="0" lang="en-US" sz="3200" spc="-1" strike="noStrike">
+                <a:solidFill>
+                  <a:srgbClr val="ffffff"/>
+                </a:solidFill>
+                <a:latin typeface="Arial"/>
+                <a:ea typeface="DejaVu Sans"/>
+              </a:rPr>
+              <a:t>Boyer-Moore.</a:t>
+            </a:r>
+            <a:endParaRPr b="0" lang="en-US" sz="3200" spc="-1" strike="noStrike">
               <a:solidFill>
                 <a:srgbClr val="ffffff"/>
               </a:solidFill>
@@ -22160,6 +24783,13 @@
 <file path=ppt/slides/slide14.xml><?xml version="1.0" encoding="utf-8"?>
 <p:sld xmlns:a="http://schemas.openxmlformats.org/drawingml/2006/main" xmlns:p="http://schemas.openxmlformats.org/presentationml/2006/main" xmlns:r="http://schemas.openxmlformats.org/officeDocument/2006/relationships" xmlns:p14="http://schemas.microsoft.com/office/powerpoint/2010/main" xmlns:p15="http://schemas.microsoft.com/office/powerpoint/2012/main" xmlns:mc="http://schemas.openxmlformats.org/markup-compatibility/2006">
   <p:cSld>
+    <p:bg>
+      <p:bgPr>
+        <a:solidFill>
+          <a:srgbClr val="000000"/>
+        </a:solidFill>
+      </p:bgPr>
+    </p:bg>
     <p:spTree>
       <p:nvGrpSpPr>
         <p:cNvPr id="1" name=""/>
@@ -22176,7 +24806,7 @@
       </p:grpSpPr>
       <p:sp>
         <p:nvSpPr>
-          <p:cNvPr id="413" name="PlaceHolder 1"/>
+          <p:cNvPr id="456" name="PlaceHolder 1"/>
           <p:cNvSpPr>
             <a:spLocks noGrp="1"/>
           </p:cNvSpPr>
@@ -22186,8 +24816,160 @@
         </p:nvSpPr>
         <p:spPr>
           <a:xfrm>
+            <a:off x="723600" y="723960"/>
+            <a:ext cx="10735560" cy="1098720"/>
+          </a:xfrm>
+          <a:prstGeom prst="rect">
+            <a:avLst/>
+          </a:prstGeom>
+          <a:noFill/>
+          <a:ln w="0">
+            <a:noFill/>
+          </a:ln>
+        </p:spPr>
+        <p:txBody>
+          <a:bodyPr lIns="0" rIns="0" tIns="0" bIns="0" anchor="b">
+            <a:noAutofit/>
+          </a:bodyPr>
+          <a:p>
+            <a:pPr indent="0" algn="ctr">
+              <a:lnSpc>
+                <a:spcPct val="100000"/>
+              </a:lnSpc>
+              <a:buNone/>
+              <a:tabLst>
+                <a:tab algn="l" pos="0"/>
+              </a:tabLst>
+            </a:pPr>
+            <a:r>
+              <a:rPr b="1" lang="en-US" sz="2400" spc="-1" strike="noStrike">
+                <a:solidFill>
+                  <a:srgbClr val="ffffff"/>
+                </a:solidFill>
+                <a:latin typeface="Arial Black"/>
+                <a:ea typeface="DejaVu Sans"/>
+              </a:rPr>
+              <a:t>References</a:t>
+            </a:r>
+            <a:endParaRPr b="0" lang="en-US" sz="2400" spc="-1" strike="noStrike">
+              <a:solidFill>
+                <a:srgbClr val="ffffff"/>
+              </a:solidFill>
+              <a:latin typeface="Arial"/>
+            </a:endParaRPr>
+          </a:p>
+        </p:txBody>
+      </p:sp>
+      <p:sp>
+        <p:nvSpPr>
+          <p:cNvPr id="457" name="PlaceHolder 2"/>
+          <p:cNvSpPr>
+            <a:spLocks noGrp="1"/>
+          </p:cNvSpPr>
+          <p:nvPr>
+            <p:ph/>
+          </p:nvPr>
+        </p:nvSpPr>
+        <p:spPr>
+          <a:xfrm>
+            <a:off x="723600" y="2342520"/>
+            <a:ext cx="10735560" cy="3747960"/>
+          </a:xfrm>
+          <a:prstGeom prst="rect">
+            <a:avLst/>
+          </a:prstGeom>
+          <a:noFill/>
+          <a:ln w="0">
+            <a:noFill/>
+          </a:ln>
+        </p:spPr>
+        <p:txBody>
+          <a:bodyPr lIns="0" rIns="0" tIns="0" bIns="0" anchor="t">
+            <a:noAutofit/>
+          </a:bodyPr>
+          <a:p>
+            <a:pPr marL="514440" indent="-285840">
+              <a:lnSpc>
+                <a:spcPct val="150000"/>
+              </a:lnSpc>
+              <a:spcBef>
+                <a:spcPts val="1001"/>
+              </a:spcBef>
+              <a:spcAft>
+                <a:spcPts val="1001"/>
+              </a:spcAft>
+              <a:buClr>
+                <a:srgbClr val="ffffff"/>
+              </a:buClr>
+              <a:buFont typeface="StarSymbol"/>
+              <a:buChar char="-"/>
+              <a:tabLst>
+                <a:tab algn="l" pos="0"/>
+              </a:tabLst>
+            </a:pPr>
+            <a:r>
+              <a:rPr b="0" lang="en-US" sz="1800" spc="-1" strike="noStrike">
+                <a:solidFill>
+                  <a:srgbClr val="ffffff"/>
+                </a:solidFill>
+                <a:latin typeface="Arial"/>
+                <a:ea typeface="DejaVu Sans"/>
+              </a:rPr>
+              <a:t>R. M. Karp and M. O. Rabin, "Efficient randomized pattern-matching algorithms," in IBM Journal of Research and Development, vol. 31, no. 2, pp. 249-260, March 1987, doi: 10.1147/rd.312.0249.</a:t>
+            </a:r>
+            <a:endParaRPr b="0" lang="en-US" sz="1800" spc="-1" strike="noStrike">
+              <a:solidFill>
+                <a:srgbClr val="ffffff"/>
+              </a:solidFill>
+              <a:latin typeface="Arial"/>
+            </a:endParaRPr>
+          </a:p>
+        </p:txBody>
+      </p:sp>
+    </p:spTree>
+  </p:cSld>
+  <mc:AlternateContent>
+    <mc:Choice Requires="p14">
+      <p:transition spd="slow" p14:dur="2000"/>
+    </mc:Choice>
+    <mc:Fallback>
+      <p:transition spd="slow"/>
+    </mc:Fallback>
+  </mc:AlternateContent>
+</p:sld>
+</file>
+
+<file path=ppt/slides/slide15.xml><?xml version="1.0" encoding="utf-8"?>
+<p:sld xmlns:a="http://schemas.openxmlformats.org/drawingml/2006/main" xmlns:p="http://schemas.openxmlformats.org/presentationml/2006/main" xmlns:r="http://schemas.openxmlformats.org/officeDocument/2006/relationships" xmlns:p14="http://schemas.microsoft.com/office/powerpoint/2010/main" xmlns:p15="http://schemas.microsoft.com/office/powerpoint/2012/main" xmlns:mc="http://schemas.openxmlformats.org/markup-compatibility/2006">
+  <p:cSld>
+    <p:spTree>
+      <p:nvGrpSpPr>
+        <p:cNvPr id="1" name=""/>
+        <p:cNvGrpSpPr/>
+        <p:nvPr/>
+      </p:nvGrpSpPr>
+      <p:grpSpPr>
+        <a:xfrm>
+          <a:off x="0" y="0"/>
+          <a:ext cx="0" cy="0"/>
+          <a:chOff x="0" y="0"/>
+          <a:chExt cx="0" cy="0"/>
+        </a:xfrm>
+      </p:grpSpPr>
+      <p:sp>
+        <p:nvSpPr>
+          <p:cNvPr id="458" name="PlaceHolder 1"/>
+          <p:cNvSpPr>
+            <a:spLocks noGrp="1"/>
+          </p:cNvSpPr>
+          <p:nvPr>
+            <p:ph type="title"/>
+          </p:nvPr>
+        </p:nvSpPr>
+        <p:spPr>
+          <a:xfrm>
             <a:off x="1104480" y="1122480"/>
-            <a:ext cx="9974880" cy="2382840"/>
+            <a:ext cx="9973800" cy="2381760"/>
           </a:xfrm>
           <a:prstGeom prst="rect">
             <a:avLst/>
@@ -22269,7 +25051,7 @@
       </p:grpSpPr>
       <p:sp>
         <p:nvSpPr>
-          <p:cNvPr id="377" name="PlaceHolder 1"/>
+          <p:cNvPr id="418" name="PlaceHolder 1"/>
           <p:cNvSpPr>
             <a:spLocks noGrp="1"/>
           </p:cNvSpPr>
@@ -22280,7 +25062,7 @@
         <p:spPr>
           <a:xfrm>
             <a:off x="609120" y="273600"/>
-            <a:ext cx="10965600" cy="1140840"/>
+            <a:ext cx="10964520" cy="1139760"/>
           </a:xfrm>
           <a:prstGeom prst="rect">
             <a:avLst/>
@@ -22325,7 +25107,7 @@
       </p:sp>
       <p:sp>
         <p:nvSpPr>
-          <p:cNvPr id="378" name="PlaceHolder 2"/>
+          <p:cNvPr id="419" name="PlaceHolder 2"/>
           <p:cNvSpPr>
             <a:spLocks noGrp="1"/>
           </p:cNvSpPr>
@@ -22336,7 +25118,7 @@
         <p:spPr>
           <a:xfrm>
             <a:off x="609120" y="1604520"/>
-            <a:ext cx="5348880" cy="3973320"/>
+            <a:ext cx="5347800" cy="3972240"/>
           </a:xfrm>
           <a:prstGeom prst="rect">
             <a:avLst/>
@@ -22479,7 +25261,7 @@
       </p:sp>
       <p:sp>
         <p:nvSpPr>
-          <p:cNvPr id="379" name="PlaceHolder 3"/>
+          <p:cNvPr id="420" name="PlaceHolder 3"/>
           <p:cNvSpPr>
             <a:spLocks noGrp="1"/>
           </p:cNvSpPr>
@@ -22490,7 +25272,7 @@
         <p:spPr>
           <a:xfrm>
             <a:off x="6230160" y="1604520"/>
-            <a:ext cx="5348880" cy="3973320"/>
+            <a:ext cx="5347800" cy="3972240"/>
           </a:xfrm>
           <a:prstGeom prst="rect">
             <a:avLst/>
@@ -22635,7 +25417,7 @@
       </p:grpSpPr>
       <p:sp>
         <p:nvSpPr>
-          <p:cNvPr id="380" name="PlaceHolder 1"/>
+          <p:cNvPr id="421" name="PlaceHolder 1"/>
           <p:cNvSpPr>
             <a:spLocks noGrp="1"/>
           </p:cNvSpPr>
@@ -22646,7 +25428,7 @@
         <p:spPr>
           <a:xfrm>
             <a:off x="609120" y="273600"/>
-            <a:ext cx="10965600" cy="1140840"/>
+            <a:ext cx="10964520" cy="1139760"/>
           </a:xfrm>
           <a:prstGeom prst="rect">
             <a:avLst/>
@@ -22691,7 +25473,7 @@
       </p:sp>
       <p:sp>
         <p:nvSpPr>
-          <p:cNvPr id="381" name="PlaceHolder 2"/>
+          <p:cNvPr id="422" name="PlaceHolder 2"/>
           <p:cNvSpPr>
             <a:spLocks noGrp="1"/>
           </p:cNvSpPr>
@@ -22702,7 +25484,7 @@
         <p:spPr>
           <a:xfrm>
             <a:off x="609120" y="1604520"/>
-            <a:ext cx="10965600" cy="3973320"/>
+            <a:ext cx="10964520" cy="3972240"/>
           </a:xfrm>
           <a:prstGeom prst="rect">
             <a:avLst/>
@@ -22714,10 +25496,10 @@
         </p:spPr>
         <p:txBody>
           <a:bodyPr lIns="0" rIns="0" tIns="0" bIns="0" anchor="t">
-            <a:normAutofit fontScale="77000"/>
-          </a:bodyPr>
-          <a:p>
-            <a:pPr marL="431280" indent="0">
+            <a:normAutofit fontScale="86000"/>
+          </a:bodyPr>
+          <a:p>
+            <a:pPr marL="480600" indent="0">
               <a:lnSpc>
                 <a:spcPct val="100000"/>
               </a:lnSpc>
@@ -22737,7 +25519,7 @@
             </a:endParaRPr>
           </a:p>
           <a:p>
-            <a:pPr marL="431280" indent="-323280">
+            <a:pPr marL="480600" indent="-360000">
               <a:lnSpc>
                 <a:spcPct val="100000"/>
               </a:lnSpc>
@@ -22762,8 +25544,38 @@
                 <a:latin typeface="Arial"/>
                 <a:ea typeface="DejaVu Sans"/>
               </a:rPr>
-              <a:t>Most memory-efficient between KMP and Boyer-Moore string matching algorithms</a:t>
+              <a:t>Most memory-efficient </a:t>
             </a:r>
+            <a:r>
+              <a:rPr b="0" lang="en-US" sz="3200" spc="-1" strike="noStrike">
+                <a:solidFill>
+                  <a:srgbClr val="ffffff"/>
+                </a:solidFill>
+                <a:latin typeface="Arial"/>
+                <a:ea typeface="DejaVu Sans"/>
+              </a:rPr>
+              <a:t>between KMP and Boyer-</a:t>
+            </a:r>
+            <a:r>
+              <a:rPr b="0" lang="en-US" sz="3200" spc="-1" strike="noStrike">
+                <a:solidFill>
+                  <a:srgbClr val="ffffff"/>
+                </a:solidFill>
+                <a:latin typeface="Arial"/>
+                <a:ea typeface="DejaVu Sans"/>
+              </a:rPr>
+              <a:t>Moore string matching </a:t>
+            </a:r>
+            <a:r>
+              <a:rPr b="0" lang="en-US" sz="3200" spc="-1" strike="noStrike">
+                <a:solidFill>
+                  <a:srgbClr val="ffffff"/>
+                </a:solidFill>
+                <a:latin typeface="Arial"/>
+                <a:ea typeface="DejaVu Sans"/>
+              </a:rPr>
+              <a:t>algorithms</a:t>
+            </a:r>
             <a:endParaRPr b="0" lang="en-US" sz="3200" spc="-1" strike="noStrike">
               <a:solidFill>
                 <a:srgbClr val="ffffff"/>
@@ -22772,7 +25584,7 @@
             </a:endParaRPr>
           </a:p>
           <a:p>
-            <a:pPr marL="431280" indent="-323280">
+            <a:pPr marL="480600" indent="-360000">
               <a:lnSpc>
                 <a:spcPct val="100000"/>
               </a:lnSpc>
@@ -22797,8 +25609,28 @@
                 <a:latin typeface="Arial"/>
                 <a:ea typeface="DejaVu Sans"/>
               </a:rPr>
-              <a:t>Depends on a fingerprint (hash) function for comparisons</a:t>
+              <a:t>Depends on a fingerprint </a:t>
             </a:r>
+            <a:r>
+              <a:rPr b="0" lang="en-US" sz="3200" spc="-1" strike="noStrike">
+                <a:solidFill>
+                  <a:srgbClr val="ffffff"/>
+                </a:solidFill>
+                <a:latin typeface="Arial"/>
+                <a:ea typeface="DejaVu Sans"/>
+              </a:rPr>
+              <a:t>(hash) function for </a:t>
+            </a:r>
+            <a:r>
+              <a:rPr b="0" lang="en-US" sz="3200" spc="-1" strike="noStrike">
+                <a:solidFill>
+                  <a:srgbClr val="ffffff"/>
+                </a:solidFill>
+                <a:latin typeface="Arial"/>
+                <a:ea typeface="DejaVu Sans"/>
+              </a:rPr>
+              <a:t>comparisons</a:t>
+            </a:r>
             <a:endParaRPr b="0" lang="en-US" sz="3200" spc="-1" strike="noStrike">
               <a:solidFill>
                 <a:srgbClr val="ffffff"/>
@@ -22807,7 +25639,7 @@
             </a:endParaRPr>
           </a:p>
           <a:p>
-            <a:pPr marL="431280" indent="-323280">
+            <a:pPr marL="480600" indent="-360000">
               <a:lnSpc>
                 <a:spcPct val="100000"/>
               </a:lnSpc>
@@ -22832,33 +25664,8 @@
                 <a:latin typeface="Arial"/>
                 <a:ea typeface="DejaVu Sans"/>
               </a:rPr>
-              <a:t>Fingerprint function is designed by the user</a:t>
+              <a:t>The amount of space the </a:t>
             </a:r>
-            <a:endParaRPr b="0" lang="en-US" sz="3200" spc="-1" strike="noStrike">
-              <a:solidFill>
-                <a:srgbClr val="ffffff"/>
-              </a:solidFill>
-              <a:latin typeface="Arial"/>
-            </a:endParaRPr>
-          </a:p>
-          <a:p>
-            <a:pPr marL="431280" indent="-323280">
-              <a:lnSpc>
-                <a:spcPct val="100000"/>
-              </a:lnSpc>
-              <a:spcBef>
-                <a:spcPts val="1417"/>
-              </a:spcBef>
-              <a:buClr>
-                <a:srgbClr val="ffffff"/>
-              </a:buClr>
-              <a:buSzPct val="45000"/>
-              <a:buFont typeface="Wingdings" charset="2"/>
-              <a:buChar char=""/>
-              <a:tabLst>
-                <a:tab algn="l" pos="0"/>
-              </a:tabLst>
-            </a:pPr>
             <a:r>
               <a:rPr b="0" lang="en-US" sz="3200" spc="-1" strike="noStrike">
                 <a:solidFill>
@@ -22867,7 +25674,97 @@
                 <a:latin typeface="Arial"/>
                 <a:ea typeface="DejaVu Sans"/>
               </a:rPr>
-              <a:t>The amount of space the fingerprint function consumes is independent of the input text and pattern but is dependent on how many bits, b, can fit into a 32-bit integer for the given hardware used. Therefore, the space the hash function takes up is dependent on b.</a:t>
+              <a:t>fingerprint function </a:t>
+            </a:r>
+            <a:r>
+              <a:rPr b="0" lang="en-US" sz="3200" spc="-1" strike="noStrike">
+                <a:solidFill>
+                  <a:srgbClr val="ffffff"/>
+                </a:solidFill>
+                <a:latin typeface="Arial"/>
+                <a:ea typeface="DejaVu Sans"/>
+              </a:rPr>
+              <a:t>consumes is independent </a:t>
+            </a:r>
+            <a:r>
+              <a:rPr b="0" lang="en-US" sz="3200" spc="-1" strike="noStrike">
+                <a:solidFill>
+                  <a:srgbClr val="ffffff"/>
+                </a:solidFill>
+                <a:latin typeface="Arial"/>
+                <a:ea typeface="DejaVu Sans"/>
+              </a:rPr>
+              <a:t>of the input text and </a:t>
+            </a:r>
+            <a:r>
+              <a:rPr b="0" lang="en-US" sz="3200" spc="-1" strike="noStrike">
+                <a:solidFill>
+                  <a:srgbClr val="ffffff"/>
+                </a:solidFill>
+                <a:latin typeface="Arial"/>
+                <a:ea typeface="DejaVu Sans"/>
+              </a:rPr>
+              <a:t>pattern but is dependent </a:t>
+            </a:r>
+            <a:r>
+              <a:rPr b="0" lang="en-US" sz="3200" spc="-1" strike="noStrike">
+                <a:solidFill>
+                  <a:srgbClr val="ffffff"/>
+                </a:solidFill>
+                <a:latin typeface="Arial"/>
+                <a:ea typeface="DejaVu Sans"/>
+              </a:rPr>
+              <a:t>on how many bits, b, can </a:t>
+            </a:r>
+            <a:r>
+              <a:rPr b="0" lang="en-US" sz="3200" spc="-1" strike="noStrike">
+                <a:solidFill>
+                  <a:srgbClr val="ffffff"/>
+                </a:solidFill>
+                <a:latin typeface="Arial"/>
+                <a:ea typeface="DejaVu Sans"/>
+              </a:rPr>
+              <a:t>fit into an integer for the </a:t>
+            </a:r>
+            <a:r>
+              <a:rPr b="0" lang="en-US" sz="3200" spc="-1" strike="noStrike">
+                <a:solidFill>
+                  <a:srgbClr val="ffffff"/>
+                </a:solidFill>
+                <a:latin typeface="Arial"/>
+                <a:ea typeface="DejaVu Sans"/>
+              </a:rPr>
+              <a:t>given hardware used. </a:t>
+            </a:r>
+            <a:r>
+              <a:rPr b="0" lang="en-US" sz="3200" spc="-1" strike="noStrike">
+                <a:solidFill>
+                  <a:srgbClr val="ffffff"/>
+                </a:solidFill>
+                <a:latin typeface="Arial"/>
+                <a:ea typeface="DejaVu Sans"/>
+              </a:rPr>
+              <a:t>Therefore, the space the </a:t>
+            </a:r>
+            <a:r>
+              <a:rPr b="0" lang="en-US" sz="3200" spc="-1" strike="noStrike">
+                <a:solidFill>
+                  <a:srgbClr val="ffffff"/>
+                </a:solidFill>
+                <a:latin typeface="Arial"/>
+                <a:ea typeface="DejaVu Sans"/>
+              </a:rPr>
+              <a:t>hash function takes up is </a:t>
+            </a:r>
+            <a:r>
+              <a:rPr b="0" lang="en-US" sz="3200" spc="-1" strike="noStrike">
+                <a:solidFill>
+                  <a:srgbClr val="ffffff"/>
+                </a:solidFill>
+                <a:latin typeface="Arial"/>
+                <a:ea typeface="DejaVu Sans"/>
+              </a:rPr>
+              <a:t>dependent on b.</a:t>
             </a:r>
             <a:endParaRPr b="0" lang="en-US" sz="3200" spc="-1" strike="noStrike">
               <a:solidFill>
@@ -22917,7 +25814,7 @@
       </p:grpSpPr>
       <p:sp>
         <p:nvSpPr>
-          <p:cNvPr id="382" name="PlaceHolder 1"/>
+          <p:cNvPr id="423" name="PlaceHolder 1"/>
           <p:cNvSpPr>
             <a:spLocks noGrp="1"/>
           </p:cNvSpPr>
@@ -22928,7 +25825,7 @@
         <p:spPr>
           <a:xfrm>
             <a:off x="723600" y="723960"/>
-            <a:ext cx="10736640" cy="1099800"/>
+            <a:ext cx="10735560" cy="1098720"/>
           </a:xfrm>
           <a:prstGeom prst="rect">
             <a:avLst/>
@@ -22973,7 +25870,7 @@
       </p:sp>
       <p:sp>
         <p:nvSpPr>
-          <p:cNvPr id="383" name="PlaceHolder 2"/>
+          <p:cNvPr id="424" name="PlaceHolder 2"/>
           <p:cNvSpPr>
             <a:spLocks noGrp="1"/>
           </p:cNvSpPr>
@@ -22984,7 +25881,7 @@
         <p:spPr>
           <a:xfrm>
             <a:off x="609120" y="1604520"/>
-            <a:ext cx="5349240" cy="3973680"/>
+            <a:ext cx="5348160" cy="3972600"/>
           </a:xfrm>
           <a:prstGeom prst="rect">
             <a:avLst/>
@@ -23197,7 +26094,7 @@
       </p:sp>
       <p:sp>
         <p:nvSpPr>
-          <p:cNvPr id="384" name="PlaceHolder 3"/>
+          <p:cNvPr id="425" name="PlaceHolder 3"/>
           <p:cNvSpPr>
             <a:spLocks noGrp="1"/>
           </p:cNvSpPr>
@@ -23208,7 +26105,7 @@
         <p:spPr>
           <a:xfrm>
             <a:off x="6230160" y="1604520"/>
-            <a:ext cx="5349240" cy="3973680"/>
+            <a:ext cx="5348160" cy="3972600"/>
           </a:xfrm>
           <a:prstGeom prst="rect">
             <a:avLst/>
@@ -23223,7 +26120,7 @@
             <a:normAutofit fontScale="76000"/>
           </a:bodyPr>
           <a:p>
-            <a:pPr marL="431280" indent="0">
+            <a:pPr marL="430920" indent="0">
               <a:lnSpc>
                 <a:spcPct val="100000"/>
               </a:lnSpc>
@@ -23243,7 +26140,7 @@
             </a:endParaRPr>
           </a:p>
           <a:p>
-            <a:pPr marL="431280" indent="-323280">
+            <a:pPr marL="430920" indent="-322200">
               <a:lnSpc>
                 <a:spcPct val="100000"/>
               </a:lnSpc>
@@ -23278,7 +26175,7 @@
             </a:endParaRPr>
           </a:p>
           <a:p>
-            <a:pPr lvl="1" marL="863280" indent="-323280">
+            <a:pPr lvl="1" marL="862200" indent="-322200">
               <a:lnSpc>
                 <a:spcPct val="100000"/>
               </a:lnSpc>
@@ -23313,7 +26210,7 @@
             </a:endParaRPr>
           </a:p>
           <a:p>
-            <a:pPr lvl="1" marL="863280" indent="-323280">
+            <a:pPr lvl="1" marL="862200" indent="-322200">
               <a:lnSpc>
                 <a:spcPct val="100000"/>
               </a:lnSpc>
@@ -23348,7 +26245,7 @@
             </a:endParaRPr>
           </a:p>
           <a:p>
-            <a:pPr lvl="1" marL="863280" indent="-323280">
+            <a:pPr lvl="1" marL="862200" indent="-322200">
               <a:lnSpc>
                 <a:spcPct val="100000"/>
               </a:lnSpc>
@@ -23383,7 +26280,7 @@
             </a:endParaRPr>
           </a:p>
           <a:p>
-            <a:pPr lvl="1" marL="863280" indent="-323280">
+            <a:pPr lvl="1" marL="862200" indent="-322200">
               <a:lnSpc>
                 <a:spcPct val="100000"/>
               </a:lnSpc>
@@ -23458,7 +26355,7 @@
       </p:grpSpPr>
       <p:sp>
         <p:nvSpPr>
-          <p:cNvPr id="385" name="PlaceHolder 1"/>
+          <p:cNvPr id="426" name="PlaceHolder 1"/>
           <p:cNvSpPr>
             <a:spLocks noGrp="1"/>
           </p:cNvSpPr>
@@ -23468,8 +26365,8 @@
         </p:nvSpPr>
         <p:spPr>
           <a:xfrm>
-            <a:off x="723600" y="497160"/>
-            <a:ext cx="10736640" cy="1099800"/>
+            <a:off x="609120" y="273600"/>
+            <a:ext cx="10968840" cy="1144080"/>
           </a:xfrm>
           <a:prstGeom prst="rect">
             <a:avLst/>
@@ -23501,7 +26398,7 @@
                 <a:latin typeface="Arial"/>
                 <a:ea typeface="DejaVu Sans"/>
               </a:rPr>
-              <a:t>Example walkthrough</a:t>
+              <a:t>Fingerprint Function</a:t>
             </a:r>
             <a:endParaRPr b="0" lang="en-US" sz="4400" spc="-1" strike="noStrike">
               <a:solidFill>
@@ -23514,7 +26411,7 @@
       </p:sp>
       <p:sp>
         <p:nvSpPr>
-          <p:cNvPr id="386" name="PlaceHolder 2"/>
+          <p:cNvPr id="427" name="PlaceHolder 2"/>
           <p:cNvSpPr>
             <a:spLocks noGrp="1"/>
           </p:cNvSpPr>
@@ -23524,8 +26421,8 @@
         </p:nvSpPr>
         <p:spPr>
           <a:xfrm>
-            <a:off x="685800" y="1833120"/>
-            <a:ext cx="10817640" cy="4564440"/>
+            <a:off x="609120" y="1604520"/>
+            <a:ext cx="5352120" cy="3976560"/>
           </a:xfrm>
           <a:prstGeom prst="rect">
             <a:avLst/>
@@ -23537,10 +26434,10 @@
         </p:spPr>
         <p:txBody>
           <a:bodyPr lIns="0" rIns="0" tIns="0" bIns="0" anchor="t">
-            <a:normAutofit fontScale="95000"/>
-          </a:bodyPr>
-          <a:p>
-            <a:pPr marL="431280" indent="0">
+            <a:normAutofit fontScale="72000"/>
+          </a:bodyPr>
+          <a:p>
+            <a:pPr marL="311040" indent="0">
               <a:lnSpc>
                 <a:spcPct val="100000"/>
               </a:lnSpc>
@@ -23548,9 +26445,6 @@
                 <a:spcPts val="1417"/>
               </a:spcBef>
               <a:buNone/>
-              <a:tabLst>
-                <a:tab algn="l" pos="0"/>
-              </a:tabLst>
             </a:pPr>
             <a:endParaRPr b="0" lang="en-US" sz="3200" spc="-1" strike="noStrike">
               <a:solidFill>
@@ -23560,17 +26454,19 @@
             </a:endParaRPr>
           </a:p>
           <a:p>
-            <a:pPr marL="431280" indent="0">
+            <a:pPr marL="311040" indent="-233280">
               <a:lnSpc>
                 <a:spcPct val="100000"/>
               </a:lnSpc>
               <a:spcBef>
                 <a:spcPts val="1417"/>
               </a:spcBef>
-              <a:buNone/>
-              <a:tabLst>
-                <a:tab algn="l" pos="0"/>
-              </a:tabLst>
+              <a:buClr>
+                <a:srgbClr val="ffffff"/>
+              </a:buClr>
+              <a:buSzPct val="45000"/>
+              <a:buFont typeface="Wingdings" charset="2"/>
+              <a:buChar char=""/>
             </a:pPr>
             <a:r>
               <a:rPr b="0" lang="en-US" sz="3200" spc="-1" strike="noStrike">
@@ -23578,33 +26474,27 @@
                   <a:srgbClr val="ffffff"/>
                 </a:solidFill>
                 <a:latin typeface="Arial"/>
-                <a:ea typeface="DejaVu Sans"/>
-              </a:rPr>
-              <a:t>t = </a:t>
+              </a:rPr>
+              <a:t>X</a:t>
+            </a:r>
+            <a:r>
+              <a:rPr b="0" lang="en-US" sz="3200" spc="-1" strike="noStrike" baseline="-8000">
+                <a:solidFill>
+                  <a:srgbClr val="ffffff"/>
+                </a:solidFill>
+                <a:latin typeface="Arial"/>
+              </a:rPr>
+              <a:t>i</a:t>
             </a:r>
             <a:r>
               <a:rPr b="0" lang="en-US" sz="3200" spc="-1" strike="noStrike">
                 <a:solidFill>
                   <a:srgbClr val="ffffff"/>
                 </a:solidFill>
-                <a:highlight>
-                  <a:srgbClr val="5eb91e"/>
-                </a:highlight>
                 <a:latin typeface="Arial"/>
-                <a:ea typeface="DejaVu Sans"/>
-              </a:rPr>
-              <a:t>a b c</a:t>
+              </a:rPr>
+              <a:t> is the ascii representation of current character</a:t>
             </a:r>
-            <a:r>
-              <a:rPr b="0" lang="en-US" sz="3200" spc="-1" strike="noStrike">
-                <a:solidFill>
-                  <a:srgbClr val="ffffff"/>
-                </a:solidFill>
-                <a:latin typeface="Arial"/>
-                <a:ea typeface="DejaVu Sans"/>
-              </a:rPr>
-              <a:t> d a   |   p = cda</a:t>
-            </a:r>
             <a:endParaRPr b="0" lang="en-US" sz="3200" spc="-1" strike="noStrike">
               <a:solidFill>
                 <a:srgbClr val="ffffff"/>
@@ -23613,17 +26503,19 @@
             </a:endParaRPr>
           </a:p>
           <a:p>
-            <a:pPr marL="431280" indent="0">
+            <a:pPr marL="311040" indent="-233280">
               <a:lnSpc>
                 <a:spcPct val="100000"/>
               </a:lnSpc>
               <a:spcBef>
                 <a:spcPts val="1417"/>
               </a:spcBef>
-              <a:buNone/>
-              <a:tabLst>
-                <a:tab algn="l" pos="0"/>
-              </a:tabLst>
+              <a:buClr>
+                <a:srgbClr val="ffffff"/>
+              </a:buClr>
+              <a:buSzPct val="45000"/>
+              <a:buFont typeface="Wingdings" charset="2"/>
+              <a:buChar char=""/>
             </a:pPr>
             <a:r>
               <a:rPr b="0" lang="en-US" sz="3200" spc="-1" strike="noStrike">
@@ -23631,120 +26523,9 @@
                   <a:srgbClr val="ffffff"/>
                 </a:solidFill>
                 <a:latin typeface="Arial"/>
-                <a:ea typeface="Source Han Sans CN"/>
-              </a:rPr>
-              <a:t>H(p) = </a:t>
+              </a:rPr>
+              <a:t>2 is the chosen prime number (but can be any other prime number between 1 and M, according to the paper)</a:t>
             </a:r>
-            <a:r>
-              <a:rPr b="0" lang="en-US" sz="3200" spc="-1" strike="noStrike">
-                <a:solidFill>
-                  <a:srgbClr val="c9211e"/>
-                </a:solidFill>
-                <a:latin typeface="Arial"/>
-                <a:ea typeface="Source Han Sans CN"/>
-              </a:rPr>
-              <a:t>3</a:t>
-            </a:r>
-            <a:r>
-              <a:rPr b="0" lang="en-US" sz="3200" spc="-1" strike="noStrike">
-                <a:solidFill>
-                  <a:srgbClr val="ffffff"/>
-                </a:solidFill>
-                <a:latin typeface="Arial"/>
-                <a:ea typeface="Source Han Sans CN"/>
-              </a:rPr>
-              <a:t> * 31</a:t>
-            </a:r>
-            <a:r>
-              <a:rPr b="0" lang="en-US" sz="3200" spc="-1" strike="noStrike" baseline="33000">
-                <a:solidFill>
-                  <a:srgbClr val="ffffff"/>
-                </a:solidFill>
-                <a:latin typeface="Arial"/>
-                <a:ea typeface="Source Han Sans CN"/>
-              </a:rPr>
-              <a:t>2</a:t>
-            </a:r>
-            <a:r>
-              <a:rPr b="0" lang="en-US" sz="3200" spc="-1" strike="noStrike">
-                <a:solidFill>
-                  <a:srgbClr val="ffffff"/>
-                </a:solidFill>
-                <a:latin typeface="Arial"/>
-                <a:ea typeface="Source Han Sans CN"/>
-              </a:rPr>
-              <a:t> + </a:t>
-            </a:r>
-            <a:r>
-              <a:rPr b="0" lang="en-US" sz="3200" spc="-1" strike="noStrike">
-                <a:solidFill>
-                  <a:srgbClr val="c9211e"/>
-                </a:solidFill>
-                <a:latin typeface="Arial"/>
-                <a:ea typeface="Source Han Sans CN"/>
-              </a:rPr>
-              <a:t>4</a:t>
-            </a:r>
-            <a:r>
-              <a:rPr b="0" lang="en-US" sz="3200" spc="-1" strike="noStrike">
-                <a:solidFill>
-                  <a:srgbClr val="ffffff"/>
-                </a:solidFill>
-                <a:latin typeface="Arial"/>
-                <a:ea typeface="Source Han Sans CN"/>
-              </a:rPr>
-              <a:t> * 31</a:t>
-            </a:r>
-            <a:r>
-              <a:rPr b="0" lang="en-US" sz="3200" spc="-1" strike="noStrike" baseline="33000">
-                <a:solidFill>
-                  <a:srgbClr val="ffffff"/>
-                </a:solidFill>
-                <a:latin typeface="Arial"/>
-                <a:ea typeface="Source Han Sans CN"/>
-              </a:rPr>
-              <a:t>1</a:t>
-            </a:r>
-            <a:r>
-              <a:rPr b="0" lang="en-US" sz="3200" spc="-1" strike="noStrike">
-                <a:solidFill>
-                  <a:srgbClr val="ffffff"/>
-                </a:solidFill>
-                <a:latin typeface="Arial"/>
-                <a:ea typeface="Source Han Sans CN"/>
-              </a:rPr>
-              <a:t> + </a:t>
-            </a:r>
-            <a:r>
-              <a:rPr b="0" lang="en-US" sz="3200" spc="-1" strike="noStrike">
-                <a:solidFill>
-                  <a:srgbClr val="c9211e"/>
-                </a:solidFill>
-                <a:latin typeface="Arial"/>
-                <a:ea typeface="Source Han Sans CN"/>
-              </a:rPr>
-              <a:t>1</a:t>
-            </a:r>
-            <a:r>
-              <a:rPr b="0" lang="en-US" sz="3200" spc="-1" strike="noStrike">
-                <a:solidFill>
-                  <a:srgbClr val="ffffff"/>
-                </a:solidFill>
-                <a:latin typeface="Arial"/>
-                <a:ea typeface="Source Han Sans CN"/>
-              </a:rPr>
-              <a:t> * 31</a:t>
-            </a:r>
-            <a:r>
-              <a:rPr b="0" lang="en-US" sz="3200" spc="-1" strike="noStrike" baseline="33000">
-                <a:solidFill>
-                  <a:srgbClr val="ffffff"/>
-                </a:solidFill>
-                <a:latin typeface="Arial"/>
-                <a:ea typeface="Source Han Sans CN"/>
-              </a:rPr>
-              <a:t>0</a:t>
-            </a:r>
             <a:endParaRPr b="0" lang="en-US" sz="3200" spc="-1" strike="noStrike">
               <a:solidFill>
                 <a:srgbClr val="ffffff"/>
@@ -23753,17 +26534,19 @@
             </a:endParaRPr>
           </a:p>
           <a:p>
-            <a:pPr marL="431280" indent="0">
+            <a:pPr marL="311040" indent="-233280">
               <a:lnSpc>
                 <a:spcPct val="100000"/>
               </a:lnSpc>
               <a:spcBef>
                 <a:spcPts val="1417"/>
               </a:spcBef>
-              <a:buNone/>
-              <a:tabLst>
-                <a:tab algn="l" pos="0"/>
-              </a:tabLst>
+              <a:buClr>
+                <a:srgbClr val="ffffff"/>
+              </a:buClr>
+              <a:buSzPct val="45000"/>
+              <a:buFont typeface="Wingdings" charset="2"/>
+              <a:buChar char=""/>
             </a:pPr>
             <a:r>
               <a:rPr b="0" lang="en-US" sz="3200" spc="-1" strike="noStrike">
@@ -23771,9 +26554,8 @@
                   <a:srgbClr val="ffffff"/>
                 </a:solidFill>
                 <a:latin typeface="Arial"/>
-                <a:ea typeface="Source Han Sans CN"/>
-              </a:rPr>
-              <a:t>=  3008</a:t>
+              </a:rPr>
+              <a:t>n is the length of the current string to be processed</a:t>
             </a:r>
             <a:endParaRPr b="0" lang="en-US" sz="3200" spc="-1" strike="noStrike">
               <a:solidFill>
@@ -23783,17 +26565,19 @@
             </a:endParaRPr>
           </a:p>
           <a:p>
-            <a:pPr marL="431280" indent="0">
+            <a:pPr marL="311040" indent="-233280">
               <a:lnSpc>
                 <a:spcPct val="100000"/>
               </a:lnSpc>
               <a:spcBef>
                 <a:spcPts val="1417"/>
               </a:spcBef>
-              <a:buNone/>
-              <a:tabLst>
-                <a:tab algn="l" pos="0"/>
-              </a:tabLst>
+              <a:buClr>
+                <a:srgbClr val="ffffff"/>
+              </a:buClr>
+              <a:buSzPct val="45000"/>
+              <a:buFont typeface="Wingdings" charset="2"/>
+              <a:buChar char=""/>
             </a:pPr>
             <a:r>
               <a:rPr b="0" lang="en-US" sz="3200" spc="-1" strike="noStrike">
@@ -23801,139 +26585,8 @@
                   <a:srgbClr val="ffffff"/>
                 </a:solidFill>
                 <a:latin typeface="Arial"/>
-                <a:ea typeface="Source Han Sans CN"/>
-              </a:rPr>
-              <a:t>H(t[0..2]) = (1 * 31</a:t>
-            </a:r>
-            <a:r>
-              <a:rPr b="0" lang="en-US" sz="3200" spc="-1" strike="noStrike" baseline="33000">
-                <a:solidFill>
-                  <a:srgbClr val="ffffff"/>
-                </a:solidFill>
-                <a:latin typeface="Arial"/>
-                <a:ea typeface="Source Han Sans CN"/>
-              </a:rPr>
-              <a:t>2</a:t>
-            </a:r>
-            <a:r>
-              <a:rPr b="0" lang="en-US" sz="3200" spc="-1" strike="noStrike">
-                <a:solidFill>
-                  <a:srgbClr val="ffffff"/>
-                </a:solidFill>
-                <a:latin typeface="Arial"/>
-                <a:ea typeface="Source Han Sans CN"/>
-              </a:rPr>
-              <a:t>) + (2 * 31</a:t>
-            </a:r>
-            <a:r>
-              <a:rPr b="0" lang="en-US" sz="3200" spc="-1" strike="noStrike" baseline="33000">
-                <a:solidFill>
-                  <a:srgbClr val="ffffff"/>
-                </a:solidFill>
-                <a:latin typeface="Arial"/>
-                <a:ea typeface="Source Han Sans CN"/>
-              </a:rPr>
-              <a:t>1</a:t>
-            </a:r>
-            <a:r>
-              <a:rPr b="0" lang="en-US" sz="3200" spc="-1" strike="noStrike">
-                <a:solidFill>
-                  <a:srgbClr val="ffffff"/>
-                </a:solidFill>
-                <a:latin typeface="Arial"/>
-                <a:ea typeface="Source Han Sans CN"/>
-              </a:rPr>
-              <a:t>) + (3 * 31</a:t>
-            </a:r>
-            <a:r>
-              <a:rPr b="0" lang="en-US" sz="3200" spc="-1" strike="noStrike" baseline="33000">
-                <a:solidFill>
-                  <a:srgbClr val="ffffff"/>
-                </a:solidFill>
-                <a:latin typeface="Arial"/>
-                <a:ea typeface="Source Han Sans CN"/>
-              </a:rPr>
-              <a:t>0</a:t>
-            </a:r>
-            <a:r>
-              <a:rPr b="0" lang="en-US" sz="3200" spc="-1" strike="noStrike">
-                <a:solidFill>
-                  <a:srgbClr val="ffffff"/>
-                </a:solidFill>
-                <a:latin typeface="Arial"/>
-                <a:ea typeface="Source Han Sans CN"/>
-              </a:rPr>
-              <a:t>) = 1026</a:t>
-            </a:r>
-            <a:endParaRPr b="0" lang="en-US" sz="3200" spc="-1" strike="noStrike">
-              <a:solidFill>
-                <a:srgbClr val="ffffff"/>
-              </a:solidFill>
-              <a:latin typeface="Arial"/>
-            </a:endParaRPr>
-          </a:p>
-          <a:p>
-            <a:pPr marL="431280" indent="0">
-              <a:lnSpc>
-                <a:spcPct val="100000"/>
-              </a:lnSpc>
-              <a:spcBef>
-                <a:spcPts val="1417"/>
-              </a:spcBef>
-              <a:buNone/>
-              <a:tabLst>
-                <a:tab algn="l" pos="0"/>
-              </a:tabLst>
-            </a:pPr>
-            <a:r>
-              <a:rPr b="0" lang="en-US" sz="3200" spc="-1" strike="noStrike">
-                <a:solidFill>
-                  <a:srgbClr val="ffffff"/>
-                </a:solidFill>
-                <a:latin typeface="Arial"/>
-                <a:ea typeface="Source Han Sans CN"/>
-              </a:rPr>
-              <a:t>3008 </a:t>
-            </a:r>
-            <a:r>
-              <a:rPr b="0" lang="en-US" sz="3200" spc="-1" strike="noStrike">
-                <a:solidFill>
-                  <a:srgbClr val="ffffff"/>
-                </a:solidFill>
-                <a:latin typeface="DejaVu Sans"/>
-                <a:ea typeface="DejaVu Sans"/>
-              </a:rPr>
-              <a:t>≠ 1026</a:t>
-            </a:r>
-            <a:endParaRPr b="0" lang="en-US" sz="3200" spc="-1" strike="noStrike">
-              <a:solidFill>
-                <a:srgbClr val="ffffff"/>
-              </a:solidFill>
-              <a:latin typeface="Arial"/>
-            </a:endParaRPr>
-          </a:p>
-          <a:p>
-            <a:pPr marL="431280" indent="0">
-              <a:lnSpc>
-                <a:spcPct val="100000"/>
-              </a:lnSpc>
-              <a:spcBef>
-                <a:spcPts val="1417"/>
-              </a:spcBef>
-              <a:buNone/>
-              <a:tabLst>
-                <a:tab algn="l" pos="0"/>
-              </a:tabLst>
-            </a:pPr>
-            <a:r>
-              <a:rPr b="0" lang="en-US" sz="3200" spc="-1" strike="noStrike">
-                <a:solidFill>
-                  <a:srgbClr val="ffffff"/>
-                </a:solidFill>
-                <a:latin typeface="DejaVu Sans"/>
-                <a:ea typeface="DejaVu Sans"/>
-              </a:rPr>
-              <a:t>Therefore we slide to the next window of characters.</a:t>
+              </a:rPr>
+              <a:t>i is the current position</a:t>
             </a:r>
             <a:endParaRPr b="0" lang="en-US" sz="3200" spc="-1" strike="noStrike">
               <a:solidFill>
@@ -23946,7 +26599,7 @@
       </p:sp>
       <p:pic>
         <p:nvPicPr>
-          <p:cNvPr id="387" name="Picture 385" descr=""/>
+          <p:cNvPr id="428" name="" descr=""/>
           <p:cNvPicPr/>
           <p:nvPr/>
         </p:nvPicPr>
@@ -23956,8 +26609,8 @@
         </p:blipFill>
         <p:spPr>
           <a:xfrm>
-            <a:off x="7772400" y="2743200"/>
-            <a:ext cx="2254320" cy="787680"/>
+            <a:off x="7543800" y="2031480"/>
+            <a:ext cx="2611440" cy="1168560"/>
           </a:xfrm>
           <a:prstGeom prst="rect">
             <a:avLst/>
@@ -23967,60 +26620,29 @@
           </a:ln>
         </p:spPr>
       </p:pic>
-      <p:sp>
-        <p:nvSpPr>
-          <p:cNvPr id="388" name="Rectangle 386"/>
-          <p:cNvSpPr/>
+      <p:pic>
+        <p:nvPicPr>
+          <p:cNvPr id="429" name="" descr=""/>
+          <p:cNvPicPr/>
           <p:nvPr/>
-        </p:nvSpPr>
-        <p:spPr>
-          <a:xfrm>
-            <a:off x="7772400" y="2057400"/>
-            <a:ext cx="2283840" cy="344160"/>
-          </a:xfrm>
-          <a:prstGeom prst="rect">
-            <a:avLst/>
-          </a:prstGeom>
-          <a:noFill/>
-          <a:ln w="0">
-            <a:noFill/>
-          </a:ln>
-        </p:spPr>
-        <p:style>
-          <a:lnRef idx="0"/>
-          <a:fillRef idx="0"/>
-          <a:effectRef idx="0"/>
-          <a:fontRef idx="minor"/>
-        </p:style>
-        <p:txBody>
-          <a:bodyPr lIns="90000" rIns="90000" tIns="45000" bIns="45000" anchor="t">
-            <a:noAutofit/>
-          </a:bodyPr>
-          <a:p>
-            <a:pPr>
-              <a:lnSpc>
-                <a:spcPct val="100000"/>
-              </a:lnSpc>
-            </a:pPr>
-            <a:r>
-              <a:rPr b="0" lang="en-US" sz="1800" spc="-1" strike="noStrike">
-                <a:solidFill>
-                  <a:srgbClr val="ffffff"/>
-                </a:solidFill>
-                <a:latin typeface="Arial"/>
-                <a:ea typeface="DejaVu Sans"/>
-              </a:rPr>
-              <a:t>Fingerprint function</a:t>
-            </a:r>
-            <a:endParaRPr b="0" lang="en-US" sz="1800" spc="-1" strike="noStrike">
-              <a:solidFill>
-                <a:srgbClr val="ffffff"/>
-              </a:solidFill>
-              <a:latin typeface="Arial"/>
-            </a:endParaRPr>
-          </a:p>
-        </p:txBody>
-      </p:sp>
+        </p:nvPicPr>
+        <p:blipFill>
+          <a:blip r:embed="rId2"/>
+          <a:stretch/>
+        </p:blipFill>
+        <p:spPr>
+          <a:xfrm>
+            <a:off x="6858000" y="3296160"/>
+            <a:ext cx="4742280" cy="1047240"/>
+          </a:xfrm>
+          <a:prstGeom prst="rect">
+            <a:avLst/>
+          </a:prstGeom>
+          <a:ln w="0">
+            <a:noFill/>
+          </a:ln>
+        </p:spPr>
+      </p:pic>
     </p:spTree>
   </p:cSld>
   <mc:AlternateContent>
@@ -24060,7 +26682,7 @@
       </p:grpSpPr>
       <p:sp>
         <p:nvSpPr>
-          <p:cNvPr id="389" name="PlaceHolder 1"/>
+          <p:cNvPr id="430" name="PlaceHolder 1"/>
           <p:cNvSpPr>
             <a:spLocks noGrp="1"/>
           </p:cNvSpPr>
@@ -24071,7 +26693,7 @@
         <p:spPr>
           <a:xfrm>
             <a:off x="723600" y="497160"/>
-            <a:ext cx="10736640" cy="1099800"/>
+            <a:ext cx="10735560" cy="1098720"/>
           </a:xfrm>
           <a:prstGeom prst="rect">
             <a:avLst/>
@@ -24116,7 +26738,7 @@
       </p:sp>
       <p:sp>
         <p:nvSpPr>
-          <p:cNvPr id="390" name="PlaceHolder 2"/>
+          <p:cNvPr id="431" name="PlaceHolder 2"/>
           <p:cNvSpPr>
             <a:spLocks noGrp="1"/>
           </p:cNvSpPr>
@@ -24126,8 +26748,8 @@
         </p:nvSpPr>
         <p:spPr>
           <a:xfrm>
-            <a:off x="700920" y="1600200"/>
-            <a:ext cx="10817640" cy="4564440"/>
+            <a:off x="685800" y="1833120"/>
+            <a:ext cx="10816560" cy="4563360"/>
           </a:xfrm>
           <a:prstGeom prst="rect">
             <a:avLst/>
@@ -24139,10 +26761,10 @@
         </p:spPr>
         <p:txBody>
           <a:bodyPr lIns="0" rIns="0" tIns="0" bIns="0" anchor="t">
-            <a:normAutofit fontScale="88000"/>
-          </a:bodyPr>
-          <a:p>
-            <a:pPr marL="431280" indent="0">
+            <a:normAutofit fontScale="95000"/>
+          </a:bodyPr>
+          <a:p>
+            <a:pPr marL="430920" indent="0">
               <a:lnSpc>
                 <a:spcPct val="100000"/>
               </a:lnSpc>
@@ -24162,7 +26784,7 @@
             </a:endParaRPr>
           </a:p>
           <a:p>
-            <a:pPr marL="431280" indent="0">
+            <a:pPr marL="430920" indent="0">
               <a:lnSpc>
                 <a:spcPct val="100000"/>
               </a:lnSpc>
@@ -24182,7 +26804,7 @@
                 <a:latin typeface="Arial"/>
                 <a:ea typeface="DejaVu Sans"/>
               </a:rPr>
-              <a:t>t = a </a:t>
+              <a:t>t = </a:t>
             </a:r>
             <a:r>
               <a:rPr b="0" lang="en-US" sz="3200" spc="-1" strike="noStrike">
@@ -24190,12 +26812,12 @@
                   <a:srgbClr val="ffffff"/>
                 </a:solidFill>
                 <a:highlight>
-                  <a:srgbClr val="81d41a"/>
+                  <a:srgbClr val="5eb91e"/>
                 </a:highlight>
                 <a:latin typeface="Arial"/>
                 <a:ea typeface="DejaVu Sans"/>
               </a:rPr>
-              <a:t>b c d</a:t>
+              <a:t>a b c</a:t>
             </a:r>
             <a:r>
               <a:rPr b="0" lang="en-US" sz="3200" spc="-1" strike="noStrike">
@@ -24205,7 +26827,7 @@
                 <a:latin typeface="Arial"/>
                 <a:ea typeface="DejaVu Sans"/>
               </a:rPr>
-              <a:t> a   |   p = cda</a:t>
+              <a:t> d a   |   p = cda</a:t>
             </a:r>
             <a:endParaRPr b="0" lang="en-US" sz="3200" spc="-1" strike="noStrike">
               <a:solidFill>
@@ -24215,7 +26837,7 @@
             </a:endParaRPr>
           </a:p>
           <a:p>
-            <a:pPr marL="431280" indent="0">
+            <a:pPr marL="430920" indent="0">
               <a:lnSpc>
                 <a:spcPct val="100000"/>
               </a:lnSpc>
@@ -24235,7 +26857,27 @@
                 <a:latin typeface="Arial"/>
                 <a:ea typeface="Source Han Sans CN"/>
               </a:rPr>
-              <a:t>H(p) = 3 * 31</a:t>
+              <a:t>H(p) = </a:t>
+            </a:r>
+            <a:r>
+              <a:rPr b="0" lang="en-US" sz="3200" spc="-1" strike="noStrike">
+                <a:solidFill>
+                  <a:srgbClr val="c9211e"/>
+                </a:solidFill>
+                <a:latin typeface="Arial"/>
+                <a:ea typeface="Source Han Sans CN"/>
+              </a:rPr>
+              <a:t>3</a:t>
+            </a:r>
+            <a:r>
+              <a:rPr b="0" lang="en-US" sz="3200" spc="-1" strike="noStrike">
+                <a:solidFill>
+                  <a:srgbClr val="ffffff"/>
+                </a:solidFill>
+                <a:latin typeface="Arial"/>
+                <a:ea typeface="Source Han Sans CN"/>
+              </a:rPr>
+              <a:t> * 31</a:t>
             </a:r>
             <a:r>
               <a:rPr b="0" lang="en-US" sz="3200" spc="-1" strike="noStrike" baseline="33000">
@@ -24255,7 +26897,27 @@
                 <a:latin typeface="Arial"/>
                 <a:ea typeface="Source Han Sans CN"/>
               </a:rPr>
-              <a:t> + 4 * 31</a:t>
+              <a:t> + </a:t>
+            </a:r>
+            <a:r>
+              <a:rPr b="0" lang="en-US" sz="3200" spc="-1" strike="noStrike">
+                <a:solidFill>
+                  <a:srgbClr val="c9211e"/>
+                </a:solidFill>
+                <a:latin typeface="Arial"/>
+                <a:ea typeface="Source Han Sans CN"/>
+              </a:rPr>
+              <a:t>4</a:t>
+            </a:r>
+            <a:r>
+              <a:rPr b="0" lang="en-US" sz="3200" spc="-1" strike="noStrike">
+                <a:solidFill>
+                  <a:srgbClr val="ffffff"/>
+                </a:solidFill>
+                <a:latin typeface="Arial"/>
+                <a:ea typeface="Source Han Sans CN"/>
+              </a:rPr>
+              <a:t> * 31</a:t>
             </a:r>
             <a:r>
               <a:rPr b="0" lang="en-US" sz="3200" spc="-1" strike="noStrike" baseline="33000">
@@ -24275,7 +26937,27 @@
                 <a:latin typeface="Arial"/>
                 <a:ea typeface="Source Han Sans CN"/>
               </a:rPr>
-              <a:t> + 1 * 31</a:t>
+              <a:t> + </a:t>
+            </a:r>
+            <a:r>
+              <a:rPr b="0" lang="en-US" sz="3200" spc="-1" strike="noStrike">
+                <a:solidFill>
+                  <a:srgbClr val="c9211e"/>
+                </a:solidFill>
+                <a:latin typeface="Arial"/>
+                <a:ea typeface="Source Han Sans CN"/>
+              </a:rPr>
+              <a:t>1</a:t>
+            </a:r>
+            <a:r>
+              <a:rPr b="0" lang="en-US" sz="3200" spc="-1" strike="noStrike">
+                <a:solidFill>
+                  <a:srgbClr val="ffffff"/>
+                </a:solidFill>
+                <a:latin typeface="Arial"/>
+                <a:ea typeface="Source Han Sans CN"/>
+              </a:rPr>
+              <a:t> * 31</a:t>
             </a:r>
             <a:r>
               <a:rPr b="0" lang="en-US" sz="3200" spc="-1" strike="noStrike" baseline="33000">
@@ -24295,7 +26977,7 @@
             </a:endParaRPr>
           </a:p>
           <a:p>
-            <a:pPr marL="431280" indent="0">
+            <a:pPr marL="430920" indent="0">
               <a:lnSpc>
                 <a:spcPct val="100000"/>
               </a:lnSpc>
@@ -24325,7 +27007,7 @@
             </a:endParaRPr>
           </a:p>
           <a:p>
-            <a:pPr marL="431280" indent="0">
+            <a:pPr marL="430920" indent="0">
               <a:lnSpc>
                 <a:spcPct val="100000"/>
               </a:lnSpc>
@@ -24345,29 +27027,13 @@
                 <a:latin typeface="Arial"/>
                 <a:ea typeface="Source Han Sans CN"/>
               </a:rPr>
-              <a:t>H(t[0..2]) = </a:t>
-            </a:r>
-            <a:r>
-              <a:rPr b="0" lang="en-US" sz="3200" spc="-1" strike="noStrike">
-                <a:solidFill>
-                  <a:srgbClr val="ffffff"/>
-                </a:solidFill>
-                <a:highlight>
-                  <a:srgbClr val="ffa6a6"/>
-                </a:highlight>
-                <a:latin typeface="Arial"/>
-                <a:ea typeface="Source Han Sans CN"/>
-              </a:rPr>
-              <a:t>(1 * 31</a:t>
+              <a:t>H(t[0..2]) = (1 * 31</a:t>
             </a:r>
             <a:r>
               <a:rPr b="0" lang="en-US" sz="3200" spc="-1" strike="noStrike" baseline="33000">
                 <a:solidFill>
                   <a:srgbClr val="ffffff"/>
                 </a:solidFill>
-                <a:highlight>
-                  <a:srgbClr val="ffa6a6"/>
-                </a:highlight>
                 <a:latin typeface="Arial"/>
                 <a:ea typeface="Source Han Sans CN"/>
               </a:rPr>
@@ -24378,23 +27044,10 @@
                 <a:solidFill>
                   <a:srgbClr val="ffffff"/>
                 </a:solidFill>
-                <a:highlight>
-                  <a:srgbClr val="ffa6a6"/>
-                </a:highlight>
                 <a:latin typeface="Arial"/>
                 <a:ea typeface="Source Han Sans CN"/>
               </a:rPr>
-              <a:t>)</a:t>
-            </a:r>
-            <a:r>
-              <a:rPr b="0" lang="en-US" sz="3200" spc="-1" strike="noStrike">
-                <a:solidFill>
-                  <a:srgbClr val="ffffff"/>
-                </a:solidFill>
-                <a:latin typeface="Arial"/>
-                <a:ea typeface="Source Han Sans CN"/>
-              </a:rPr>
-              <a:t> + (2 * 31</a:t>
+              <a:t>) + (2 * 31</a:t>
             </a:r>
             <a:r>
               <a:rPr b="0" lang="en-US" sz="3200" spc="-1" strike="noStrike" baseline="33000">
@@ -24444,7 +27097,7 @@
             </a:endParaRPr>
           </a:p>
           <a:p>
-            <a:pPr marL="431280" indent="0">
+            <a:pPr marL="430920" indent="0">
               <a:lnSpc>
                 <a:spcPct val="100000"/>
               </a:lnSpc>
@@ -24464,97 +27117,18 @@
                 <a:latin typeface="Arial"/>
                 <a:ea typeface="Source Han Sans CN"/>
               </a:rPr>
-              <a:t>H(t[1..3]) = 31 [(2 * 31</a:t>
-            </a:r>
-            <a:r>
-              <a:rPr b="0" lang="en-US" sz="3200" spc="-1" strike="noStrike" baseline="33000">
-                <a:solidFill>
-                  <a:srgbClr val="ffffff"/>
-                </a:solidFill>
-                <a:latin typeface="Arial"/>
-                <a:ea typeface="Source Han Sans CN"/>
-              </a:rPr>
-              <a:t>1</a:t>
+              <a:t>3008 </a:t>
             </a:r>
             <a:r>
               <a:rPr b="0" lang="en-US" sz="3200" spc="-1" strike="noStrike">
                 <a:solidFill>
                   <a:srgbClr val="ffffff"/>
                 </a:solidFill>
-                <a:latin typeface="Arial"/>
-                <a:ea typeface="Source Han Sans CN"/>
-              </a:rPr>
-              <a:t>) + (3 * 31</a:t>
+                <a:latin typeface="DejaVu Sans"/>
+                <a:ea typeface="DejaVu Sans"/>
+              </a:rPr>
+              <a:t>≠ 1026</a:t>
             </a:r>
-            <a:r>
-              <a:rPr b="0" lang="en-US" sz="3200" spc="-1" strike="noStrike" baseline="33000">
-                <a:solidFill>
-                  <a:srgbClr val="ffffff"/>
-                </a:solidFill>
-                <a:latin typeface="Arial"/>
-                <a:ea typeface="Source Han Sans CN"/>
-              </a:rPr>
-              <a:t>0</a:t>
-            </a:r>
-            <a:r>
-              <a:rPr b="0" lang="en-US" sz="3200" spc="-1" strike="noStrike">
-                <a:solidFill>
-                  <a:srgbClr val="ffffff"/>
-                </a:solidFill>
-                <a:latin typeface="Arial"/>
-                <a:ea typeface="Source Han Sans CN"/>
-              </a:rPr>
-              <a:t>)] + </a:t>
-            </a:r>
-            <a:r>
-              <a:rPr b="0" lang="en-US" sz="3200" spc="-1" strike="noStrike">
-                <a:solidFill>
-                  <a:srgbClr val="ffffff"/>
-                </a:solidFill>
-                <a:highlight>
-                  <a:srgbClr val="81d41a"/>
-                </a:highlight>
-                <a:latin typeface="Arial"/>
-                <a:ea typeface="Source Han Sans CN"/>
-              </a:rPr>
-              <a:t>(4 * 31</a:t>
-            </a:r>
-            <a:r>
-              <a:rPr b="0" lang="en-US" sz="3200" spc="-1" strike="noStrike" baseline="33000">
-                <a:solidFill>
-                  <a:srgbClr val="ffffff"/>
-                </a:solidFill>
-                <a:highlight>
-                  <a:srgbClr val="81d41a"/>
-                </a:highlight>
-                <a:latin typeface="Arial"/>
-                <a:ea typeface="Source Han Sans CN"/>
-              </a:rPr>
-              <a:t>0</a:t>
-            </a:r>
-            <a:r>
-              <a:rPr b="0" lang="en-US" sz="3200" spc="-1" strike="noStrike">
-                <a:solidFill>
-                  <a:srgbClr val="ffffff"/>
-                </a:solidFill>
-                <a:highlight>
-                  <a:srgbClr val="81d41a"/>
-                </a:highlight>
-                <a:latin typeface="Arial"/>
-                <a:ea typeface="Source Han Sans CN"/>
-              </a:rPr>
-              <a:t>)</a:t>
-            </a:r>
-            <a:r>
-              <a:rPr b="0" lang="en-US" sz="3200" spc="-1" strike="noStrike">
-                <a:solidFill>
-                  <a:srgbClr val="ffffff"/>
-                </a:solidFill>
-                <a:latin typeface="Arial"/>
-                <a:ea typeface="Source Han Sans CN"/>
-              </a:rPr>
-              <a:t> = 2019</a:t>
-            </a:r>
             <a:endParaRPr b="0" lang="en-US" sz="3200" spc="-1" strike="noStrike">
               <a:solidFill>
                 <a:srgbClr val="ffffff"/>
@@ -24563,7 +27137,7 @@
             </a:endParaRPr>
           </a:p>
           <a:p>
-            <a:pPr marL="431280" indent="0">
+            <a:pPr marL="430920" indent="0">
               <a:lnSpc>
                 <a:spcPct val="100000"/>
               </a:lnSpc>
@@ -24580,49 +27154,9 @@
                 <a:solidFill>
                   <a:srgbClr val="ffffff"/>
                 </a:solidFill>
-                <a:latin typeface="Arial"/>
-                <a:ea typeface="Source Han Sans CN"/>
-              </a:rPr>
-              <a:t>2019 </a:t>
-            </a:r>
-            <a:r>
-              <a:rPr b="0" lang="en-US" sz="3200" spc="-1" strike="noStrike">
-                <a:solidFill>
-                  <a:srgbClr val="ffffff"/>
-                </a:solidFill>
                 <a:latin typeface="DejaVu Sans"/>
                 <a:ea typeface="DejaVu Sans"/>
               </a:rPr>
-              <a:t>≠ 3008</a:t>
-            </a:r>
-            <a:endParaRPr b="0" lang="en-US" sz="3200" spc="-1" strike="noStrike">
-              <a:solidFill>
-                <a:srgbClr val="ffffff"/>
-              </a:solidFill>
-              <a:latin typeface="Arial"/>
-            </a:endParaRPr>
-          </a:p>
-          <a:p>
-            <a:pPr marL="431280" indent="0">
-              <a:lnSpc>
-                <a:spcPct val="100000"/>
-              </a:lnSpc>
-              <a:spcBef>
-                <a:spcPts val="1417"/>
-              </a:spcBef>
-              <a:buNone/>
-              <a:tabLst>
-                <a:tab algn="l" pos="0"/>
-              </a:tabLst>
-            </a:pPr>
-            <a:r>
-              <a:rPr b="0" lang="en-US" sz="3200" spc="-1" strike="noStrike">
-                <a:solidFill>
-                  <a:srgbClr val="ffffff"/>
-                </a:solidFill>
-                <a:latin typeface="DejaVu Sans"/>
-                <a:ea typeface="DejaVu Sans"/>
-              </a:rPr>
               <a:t>Therefore we slide to the next window of characters.</a:t>
             </a:r>
             <a:endParaRPr b="0" lang="en-US" sz="3200" spc="-1" strike="noStrike">
@@ -24636,7 +27170,7 @@
       </p:sp>
       <p:pic>
         <p:nvPicPr>
-          <p:cNvPr id="391" name="Picture 389" descr=""/>
+          <p:cNvPr id="432" name="Picture 385" descr=""/>
           <p:cNvPicPr/>
           <p:nvPr/>
         </p:nvPicPr>
@@ -24647,7 +27181,7 @@
         <p:spPr>
           <a:xfrm>
             <a:off x="7772400" y="2743200"/>
-            <a:ext cx="2254320" cy="787680"/>
+            <a:ext cx="2253240" cy="786600"/>
           </a:xfrm>
           <a:prstGeom prst="rect">
             <a:avLst/>
@@ -24659,14 +27193,14 @@
       </p:pic>
       <p:sp>
         <p:nvSpPr>
-          <p:cNvPr id="392" name="Rectangle 390"/>
+          <p:cNvPr id="433" name="Rectangle 386"/>
           <p:cNvSpPr/>
           <p:nvPr/>
         </p:nvSpPr>
         <p:spPr>
           <a:xfrm>
             <a:off x="7772400" y="2057400"/>
-            <a:ext cx="2283840" cy="344160"/>
+            <a:ext cx="2282760" cy="343080"/>
           </a:xfrm>
           <a:prstGeom prst="rect">
             <a:avLst/>
@@ -24750,7 +27284,7 @@
       </p:grpSpPr>
       <p:sp>
         <p:nvSpPr>
-          <p:cNvPr id="393" name="PlaceHolder 1"/>
+          <p:cNvPr id="434" name="PlaceHolder 1"/>
           <p:cNvSpPr>
             <a:spLocks noGrp="1"/>
           </p:cNvSpPr>
@@ -24761,7 +27295,7 @@
         <p:spPr>
           <a:xfrm>
             <a:off x="723600" y="497160"/>
-            <a:ext cx="10736640" cy="1099800"/>
+            <a:ext cx="10735560" cy="1098720"/>
           </a:xfrm>
           <a:prstGeom prst="rect">
             <a:avLst/>
@@ -24806,7 +27340,7 @@
       </p:sp>
       <p:sp>
         <p:nvSpPr>
-          <p:cNvPr id="394" name="PlaceHolder 2"/>
+          <p:cNvPr id="435" name="PlaceHolder 2"/>
           <p:cNvSpPr>
             <a:spLocks noGrp="1"/>
           </p:cNvSpPr>
@@ -24817,7 +27351,7 @@
         <p:spPr>
           <a:xfrm>
             <a:off x="700920" y="1600200"/>
-            <a:ext cx="10817640" cy="4564440"/>
+            <a:ext cx="10816560" cy="4563360"/>
           </a:xfrm>
           <a:prstGeom prst="rect">
             <a:avLst/>
@@ -24832,7 +27366,7 @@
             <a:normAutofit fontScale="74000"/>
           </a:bodyPr>
           <a:p>
-            <a:pPr marL="431280" indent="0">
+            <a:pPr marL="430200" indent="0">
               <a:lnSpc>
                 <a:spcPct val="100000"/>
               </a:lnSpc>
@@ -24852,7 +27386,7 @@
             </a:endParaRPr>
           </a:p>
           <a:p>
-            <a:pPr marL="431280" indent="0">
+            <a:pPr marL="430200" indent="0">
               <a:lnSpc>
                 <a:spcPct val="100000"/>
               </a:lnSpc>
@@ -24905,7 +27439,7 @@
             </a:endParaRPr>
           </a:p>
           <a:p>
-            <a:pPr marL="431280" indent="0">
+            <a:pPr marL="430200" indent="0">
               <a:lnSpc>
                 <a:spcPct val="100000"/>
               </a:lnSpc>
@@ -24995,7 +27529,7 @@
             </a:endParaRPr>
           </a:p>
           <a:p>
-            <a:pPr marL="431280" indent="0">
+            <a:pPr marL="430200" indent="0">
               <a:lnSpc>
                 <a:spcPct val="100000"/>
               </a:lnSpc>
@@ -25025,7 +27559,7 @@
             </a:endParaRPr>
           </a:p>
           <a:p>
-            <a:pPr marL="431280" indent="0">
+            <a:pPr marL="430200" indent="0">
               <a:lnSpc>
                 <a:spcPct val="100000"/>
               </a:lnSpc>
@@ -25053,7 +27587,7 @@
                   <a:srgbClr val="ffffff"/>
                 </a:solidFill>
                 <a:highlight>
-                  <a:srgbClr val="ffaa95"/>
+                  <a:srgbClr val="ff0000"/>
                 </a:highlight>
                 <a:latin typeface="Arial"/>
                 <a:ea typeface="Source Han Sans CN"/>
@@ -25066,7 +27600,7 @@
                   <a:srgbClr val="ffffff"/>
                 </a:solidFill>
                 <a:highlight>
-                  <a:srgbClr val="ffaa95"/>
+                  <a:srgbClr val="ff0000"/>
                 </a:highlight>
                 <a:latin typeface="Arial"/>
                 <a:ea typeface="Source Han Sans CN"/>
@@ -25079,7 +27613,7 @@
                   <a:srgbClr val="ffffff"/>
                 </a:solidFill>
                 <a:highlight>
-                  <a:srgbClr val="ffaa95"/>
+                  <a:srgbClr val="ff0000"/>
                 </a:highlight>
                 <a:latin typeface="Arial"/>
                 <a:ea typeface="Source Han Sans CN"/>
@@ -25154,7 +27688,7 @@
             </a:endParaRPr>
           </a:p>
           <a:p>
-            <a:pPr marL="431280" indent="0">
+            <a:pPr marL="430200" indent="0">
               <a:lnSpc>
                 <a:spcPct val="100000"/>
               </a:lnSpc>
@@ -25293,7 +27827,7 @@
             </a:endParaRPr>
           </a:p>
           <a:p>
-            <a:pPr marL="431280" indent="0">
+            <a:pPr marL="430200" indent="0">
               <a:lnSpc>
                 <a:spcPct val="100000"/>
               </a:lnSpc>
@@ -25333,7 +27867,7 @@
             </a:endParaRPr>
           </a:p>
           <a:p>
-            <a:pPr marL="431280" indent="0">
+            <a:pPr marL="430200" indent="0">
               <a:lnSpc>
                 <a:spcPct val="100000"/>
               </a:lnSpc>
@@ -25436,7 +27970,7 @@
       </p:sp>
       <p:pic>
         <p:nvPicPr>
-          <p:cNvPr id="395" name="Picture 393" descr=""/>
+          <p:cNvPr id="436" name="Picture 393" descr=""/>
           <p:cNvPicPr/>
           <p:nvPr/>
         </p:nvPicPr>
@@ -25447,7 +27981,7 @@
         <p:spPr>
           <a:xfrm>
             <a:off x="7772400" y="2743200"/>
-            <a:ext cx="2254320" cy="787680"/>
+            <a:ext cx="2253240" cy="786600"/>
           </a:xfrm>
           <a:prstGeom prst="rect">
             <a:avLst/>
@@ -25459,14 +27993,14 @@
       </p:pic>
       <p:sp>
         <p:nvSpPr>
-          <p:cNvPr id="396" name="Rectangle 394"/>
+          <p:cNvPr id="437" name="Rectangle 394"/>
           <p:cNvSpPr/>
           <p:nvPr/>
         </p:nvSpPr>
         <p:spPr>
           <a:xfrm>
             <a:off x="7772400" y="2057400"/>
-            <a:ext cx="2283840" cy="344160"/>
+            <a:ext cx="2282760" cy="343080"/>
           </a:xfrm>
           <a:prstGeom prst="rect">
             <a:avLst/>
@@ -25550,7 +28084,7 @@
       </p:grpSpPr>
       <p:sp>
         <p:nvSpPr>
-          <p:cNvPr id="397" name="PlaceHolder 1"/>
+          <p:cNvPr id="438" name="PlaceHolder 1"/>
           <p:cNvSpPr>
             <a:spLocks noGrp="1"/>
           </p:cNvSpPr>
@@ -25560,8 +28094,8 @@
         </p:nvSpPr>
         <p:spPr>
           <a:xfrm>
-            <a:off x="609120" y="273600"/>
-            <a:ext cx="10967400" cy="1142640"/>
+            <a:off x="723600" y="497160"/>
+            <a:ext cx="10735560" cy="1098720"/>
           </a:xfrm>
           <a:prstGeom prst="rect">
             <a:avLst/>
@@ -25593,7 +28127,7 @@
                 <a:latin typeface="Arial"/>
                 <a:ea typeface="DejaVu Sans"/>
               </a:rPr>
-              <a:t>Rabin-Karp Pseudocode</a:t>
+              <a:t>Example walkthrough</a:t>
             </a:r>
             <a:endParaRPr b="0" lang="en-US" sz="4400" spc="-1" strike="noStrike">
               <a:solidFill>
@@ -25604,9 +28138,529 @@
           </a:p>
         </p:txBody>
       </p:sp>
+      <p:sp>
+        <p:nvSpPr>
+          <p:cNvPr id="439" name="PlaceHolder 2"/>
+          <p:cNvSpPr>
+            <a:spLocks noGrp="1"/>
+          </p:cNvSpPr>
+          <p:nvPr>
+            <p:ph/>
+          </p:nvPr>
+        </p:nvSpPr>
+        <p:spPr>
+          <a:xfrm>
+            <a:off x="700920" y="1600200"/>
+            <a:ext cx="10816560" cy="4563360"/>
+          </a:xfrm>
+          <a:prstGeom prst="rect">
+            <a:avLst/>
+          </a:prstGeom>
+          <a:noFill/>
+          <a:ln w="0">
+            <a:noFill/>
+          </a:ln>
+        </p:spPr>
+        <p:txBody>
+          <a:bodyPr lIns="0" rIns="0" tIns="0" bIns="0" anchor="t">
+            <a:normAutofit fontScale="88000"/>
+          </a:bodyPr>
+          <a:p>
+            <a:pPr marL="430200" indent="0">
+              <a:lnSpc>
+                <a:spcPct val="100000"/>
+              </a:lnSpc>
+              <a:spcBef>
+                <a:spcPts val="1417"/>
+              </a:spcBef>
+              <a:buNone/>
+              <a:tabLst>
+                <a:tab algn="l" pos="0"/>
+              </a:tabLst>
+            </a:pPr>
+            <a:endParaRPr b="0" lang="en-US" sz="3200" spc="-1" strike="noStrike">
+              <a:solidFill>
+                <a:srgbClr val="ffffff"/>
+              </a:solidFill>
+              <a:latin typeface="Arial"/>
+            </a:endParaRPr>
+          </a:p>
+          <a:p>
+            <a:pPr marL="430200" indent="0">
+              <a:lnSpc>
+                <a:spcPct val="100000"/>
+              </a:lnSpc>
+              <a:spcBef>
+                <a:spcPts val="1417"/>
+              </a:spcBef>
+              <a:buNone/>
+              <a:tabLst>
+                <a:tab algn="l" pos="0"/>
+              </a:tabLst>
+            </a:pPr>
+            <a:r>
+              <a:rPr b="0" lang="en-US" sz="3200" spc="-1" strike="noStrike">
+                <a:solidFill>
+                  <a:srgbClr val="ffffff"/>
+                </a:solidFill>
+                <a:latin typeface="Arial"/>
+                <a:ea typeface="DejaVu Sans"/>
+              </a:rPr>
+              <a:t>t = a </a:t>
+            </a:r>
+            <a:r>
+              <a:rPr b="0" lang="en-US" sz="3200" spc="-1" strike="noStrike">
+                <a:solidFill>
+                  <a:srgbClr val="ffffff"/>
+                </a:solidFill>
+                <a:highlight>
+                  <a:srgbClr val="81d41a"/>
+                </a:highlight>
+                <a:latin typeface="Arial"/>
+                <a:ea typeface="DejaVu Sans"/>
+              </a:rPr>
+              <a:t>b c d</a:t>
+            </a:r>
+            <a:r>
+              <a:rPr b="0" lang="en-US" sz="3200" spc="-1" strike="noStrike">
+                <a:solidFill>
+                  <a:srgbClr val="ffffff"/>
+                </a:solidFill>
+                <a:latin typeface="Arial"/>
+                <a:ea typeface="DejaVu Sans"/>
+              </a:rPr>
+              <a:t> a   |   p = cda</a:t>
+            </a:r>
+            <a:endParaRPr b="0" lang="en-US" sz="3200" spc="-1" strike="noStrike">
+              <a:solidFill>
+                <a:srgbClr val="ffffff"/>
+              </a:solidFill>
+              <a:latin typeface="Arial"/>
+            </a:endParaRPr>
+          </a:p>
+          <a:p>
+            <a:pPr marL="430200" indent="0">
+              <a:lnSpc>
+                <a:spcPct val="100000"/>
+              </a:lnSpc>
+              <a:spcBef>
+                <a:spcPts val="1417"/>
+              </a:spcBef>
+              <a:buNone/>
+              <a:tabLst>
+                <a:tab algn="l" pos="0"/>
+              </a:tabLst>
+            </a:pPr>
+            <a:r>
+              <a:rPr b="0" lang="en-US" sz="3200" spc="-1" strike="noStrike">
+                <a:solidFill>
+                  <a:srgbClr val="ffffff"/>
+                </a:solidFill>
+                <a:latin typeface="Arial"/>
+                <a:ea typeface="Source Han Sans CN"/>
+              </a:rPr>
+              <a:t>H(p) = 3 * 31</a:t>
+            </a:r>
+            <a:r>
+              <a:rPr b="0" lang="en-US" sz="3200" spc="-1" strike="noStrike" baseline="33000">
+                <a:solidFill>
+                  <a:srgbClr val="ffffff"/>
+                </a:solidFill>
+                <a:latin typeface="Arial"/>
+                <a:ea typeface="Source Han Sans CN"/>
+              </a:rPr>
+              <a:t>2</a:t>
+            </a:r>
+            <a:r>
+              <a:rPr b="0" lang="en-US" sz="3200" spc="-1" strike="noStrike">
+                <a:solidFill>
+                  <a:srgbClr val="ffffff"/>
+                </a:solidFill>
+                <a:latin typeface="Arial"/>
+                <a:ea typeface="Source Han Sans CN"/>
+              </a:rPr>
+              <a:t> + 4 * 31</a:t>
+            </a:r>
+            <a:r>
+              <a:rPr b="0" lang="en-US" sz="3200" spc="-1" strike="noStrike" baseline="33000">
+                <a:solidFill>
+                  <a:srgbClr val="ffffff"/>
+                </a:solidFill>
+                <a:latin typeface="Arial"/>
+                <a:ea typeface="Source Han Sans CN"/>
+              </a:rPr>
+              <a:t>1</a:t>
+            </a:r>
+            <a:r>
+              <a:rPr b="0" lang="en-US" sz="3200" spc="-1" strike="noStrike">
+                <a:solidFill>
+                  <a:srgbClr val="ffffff"/>
+                </a:solidFill>
+                <a:latin typeface="Arial"/>
+                <a:ea typeface="Source Han Sans CN"/>
+              </a:rPr>
+              <a:t> + 1 * 31</a:t>
+            </a:r>
+            <a:r>
+              <a:rPr b="0" lang="en-US" sz="3200" spc="-1" strike="noStrike" baseline="33000">
+                <a:solidFill>
+                  <a:srgbClr val="ffffff"/>
+                </a:solidFill>
+                <a:latin typeface="Arial"/>
+                <a:ea typeface="Source Han Sans CN"/>
+              </a:rPr>
+              <a:t>0</a:t>
+            </a:r>
+            <a:endParaRPr b="0" lang="en-US" sz="3200" spc="-1" strike="noStrike">
+              <a:solidFill>
+                <a:srgbClr val="ffffff"/>
+              </a:solidFill>
+              <a:latin typeface="Arial"/>
+            </a:endParaRPr>
+          </a:p>
+          <a:p>
+            <a:pPr marL="430200" indent="0">
+              <a:lnSpc>
+                <a:spcPct val="100000"/>
+              </a:lnSpc>
+              <a:spcBef>
+                <a:spcPts val="1417"/>
+              </a:spcBef>
+              <a:buNone/>
+              <a:tabLst>
+                <a:tab algn="l" pos="0"/>
+              </a:tabLst>
+            </a:pPr>
+            <a:r>
+              <a:rPr b="0" lang="en-US" sz="3200" spc="-1" strike="noStrike">
+                <a:solidFill>
+                  <a:srgbClr val="ffffff"/>
+                </a:solidFill>
+                <a:latin typeface="Arial"/>
+                <a:ea typeface="Source Han Sans CN"/>
+              </a:rPr>
+              <a:t>=  3008</a:t>
+            </a:r>
+            <a:endParaRPr b="0" lang="en-US" sz="3200" spc="-1" strike="noStrike">
+              <a:solidFill>
+                <a:srgbClr val="ffffff"/>
+              </a:solidFill>
+              <a:latin typeface="Arial"/>
+            </a:endParaRPr>
+          </a:p>
+          <a:p>
+            <a:pPr marL="430200" indent="0">
+              <a:lnSpc>
+                <a:spcPct val="100000"/>
+              </a:lnSpc>
+              <a:spcBef>
+                <a:spcPts val="1417"/>
+              </a:spcBef>
+              <a:buNone/>
+              <a:tabLst>
+                <a:tab algn="l" pos="0"/>
+              </a:tabLst>
+            </a:pPr>
+            <a:r>
+              <a:rPr b="0" lang="en-US" sz="3200" spc="-1" strike="noStrike">
+                <a:solidFill>
+                  <a:srgbClr val="ffffff"/>
+                </a:solidFill>
+                <a:latin typeface="Arial"/>
+                <a:ea typeface="Source Han Sans CN"/>
+              </a:rPr>
+              <a:t>H(t[0..2]) = </a:t>
+            </a:r>
+            <a:r>
+              <a:rPr b="0" lang="en-US" sz="3200" spc="-1" strike="noStrike">
+                <a:solidFill>
+                  <a:srgbClr val="ffffff"/>
+                </a:solidFill>
+                <a:highlight>
+                  <a:srgbClr val="ff0000"/>
+                </a:highlight>
+                <a:latin typeface="Arial"/>
+                <a:ea typeface="Source Han Sans CN"/>
+              </a:rPr>
+              <a:t>(1 * 31</a:t>
+            </a:r>
+            <a:r>
+              <a:rPr b="0" lang="en-US" sz="3200" spc="-1" strike="noStrike" baseline="33000">
+                <a:solidFill>
+                  <a:srgbClr val="ffffff"/>
+                </a:solidFill>
+                <a:highlight>
+                  <a:srgbClr val="ff0000"/>
+                </a:highlight>
+                <a:latin typeface="Arial"/>
+                <a:ea typeface="Source Han Sans CN"/>
+              </a:rPr>
+              <a:t>2</a:t>
+            </a:r>
+            <a:r>
+              <a:rPr b="0" lang="en-US" sz="3200" spc="-1" strike="noStrike">
+                <a:solidFill>
+                  <a:srgbClr val="ffffff"/>
+                </a:solidFill>
+                <a:highlight>
+                  <a:srgbClr val="ff0000"/>
+                </a:highlight>
+                <a:latin typeface="Arial"/>
+                <a:ea typeface="Source Han Sans CN"/>
+              </a:rPr>
+              <a:t>)</a:t>
+            </a:r>
+            <a:r>
+              <a:rPr b="0" lang="en-US" sz="3200" spc="-1" strike="noStrike">
+                <a:solidFill>
+                  <a:srgbClr val="ffffff"/>
+                </a:solidFill>
+                <a:latin typeface="Arial"/>
+                <a:ea typeface="Source Han Sans CN"/>
+              </a:rPr>
+              <a:t> + (2 * 31</a:t>
+            </a:r>
+            <a:r>
+              <a:rPr b="0" lang="en-US" sz="3200" spc="-1" strike="noStrike" baseline="33000">
+                <a:solidFill>
+                  <a:srgbClr val="ffffff"/>
+                </a:solidFill>
+                <a:latin typeface="Arial"/>
+                <a:ea typeface="Source Han Sans CN"/>
+              </a:rPr>
+              <a:t>1</a:t>
+            </a:r>
+            <a:r>
+              <a:rPr b="0" lang="en-US" sz="3200" spc="-1" strike="noStrike">
+                <a:solidFill>
+                  <a:srgbClr val="ffffff"/>
+                </a:solidFill>
+                <a:latin typeface="Arial"/>
+                <a:ea typeface="Source Han Sans CN"/>
+              </a:rPr>
+              <a:t>) + (3 * 31</a:t>
+            </a:r>
+            <a:r>
+              <a:rPr b="0" lang="en-US" sz="3200" spc="-1" strike="noStrike" baseline="33000">
+                <a:solidFill>
+                  <a:srgbClr val="ffffff"/>
+                </a:solidFill>
+                <a:latin typeface="Arial"/>
+                <a:ea typeface="Source Han Sans CN"/>
+              </a:rPr>
+              <a:t>0</a:t>
+            </a:r>
+            <a:r>
+              <a:rPr b="0" lang="en-US" sz="3200" spc="-1" strike="noStrike">
+                <a:solidFill>
+                  <a:srgbClr val="ffffff"/>
+                </a:solidFill>
+                <a:latin typeface="Arial"/>
+                <a:ea typeface="Source Han Sans CN"/>
+              </a:rPr>
+              <a:t>) = 1026</a:t>
+            </a:r>
+            <a:endParaRPr b="0" lang="en-US" sz="3200" spc="-1" strike="noStrike">
+              <a:solidFill>
+                <a:srgbClr val="ffffff"/>
+              </a:solidFill>
+              <a:latin typeface="Arial"/>
+            </a:endParaRPr>
+          </a:p>
+          <a:p>
+            <a:pPr marL="430200" indent="0">
+              <a:lnSpc>
+                <a:spcPct val="100000"/>
+              </a:lnSpc>
+              <a:spcBef>
+                <a:spcPts val="1417"/>
+              </a:spcBef>
+              <a:buNone/>
+              <a:tabLst>
+                <a:tab algn="l" pos="0"/>
+              </a:tabLst>
+            </a:pPr>
+            <a:r>
+              <a:rPr b="0" lang="en-US" sz="3200" spc="-1" strike="noStrike">
+                <a:solidFill>
+                  <a:srgbClr val="ffffff"/>
+                </a:solidFill>
+                <a:latin typeface="Arial"/>
+                <a:ea typeface="Source Han Sans CN"/>
+              </a:rPr>
+              <a:t>H(t[1..3]) = 31 [(2 * 31</a:t>
+            </a:r>
+            <a:r>
+              <a:rPr b="0" lang="en-US" sz="3200" spc="-1" strike="noStrike" baseline="33000">
+                <a:solidFill>
+                  <a:srgbClr val="ffffff"/>
+                </a:solidFill>
+                <a:latin typeface="Arial"/>
+                <a:ea typeface="Source Han Sans CN"/>
+              </a:rPr>
+              <a:t>1</a:t>
+            </a:r>
+            <a:r>
+              <a:rPr b="0" lang="en-US" sz="3200" spc="-1" strike="noStrike">
+                <a:solidFill>
+                  <a:srgbClr val="ffffff"/>
+                </a:solidFill>
+                <a:latin typeface="Arial"/>
+                <a:ea typeface="Source Han Sans CN"/>
+              </a:rPr>
+              <a:t>) + (3 * 31</a:t>
+            </a:r>
+            <a:r>
+              <a:rPr b="0" lang="en-US" sz="3200" spc="-1" strike="noStrike" baseline="33000">
+                <a:solidFill>
+                  <a:srgbClr val="ffffff"/>
+                </a:solidFill>
+                <a:latin typeface="Arial"/>
+                <a:ea typeface="Source Han Sans CN"/>
+              </a:rPr>
+              <a:t>0</a:t>
+            </a:r>
+            <a:r>
+              <a:rPr b="0" lang="en-US" sz="3200" spc="-1" strike="noStrike">
+                <a:solidFill>
+                  <a:srgbClr val="ffffff"/>
+                </a:solidFill>
+                <a:latin typeface="Arial"/>
+                <a:ea typeface="Source Han Sans CN"/>
+              </a:rPr>
+              <a:t>)] + </a:t>
+            </a:r>
+            <a:r>
+              <a:rPr b="0" lang="en-US" sz="3200" spc="-1" strike="noStrike">
+                <a:solidFill>
+                  <a:srgbClr val="ffffff"/>
+                </a:solidFill>
+                <a:highlight>
+                  <a:srgbClr val="81d41a"/>
+                </a:highlight>
+                <a:latin typeface="Arial"/>
+                <a:ea typeface="Source Han Sans CN"/>
+              </a:rPr>
+              <a:t>(4 * 31</a:t>
+            </a:r>
+            <a:r>
+              <a:rPr b="0" lang="en-US" sz="3200" spc="-1" strike="noStrike" baseline="33000">
+                <a:solidFill>
+                  <a:srgbClr val="ffffff"/>
+                </a:solidFill>
+                <a:highlight>
+                  <a:srgbClr val="81d41a"/>
+                </a:highlight>
+                <a:latin typeface="Arial"/>
+                <a:ea typeface="Source Han Sans CN"/>
+              </a:rPr>
+              <a:t>0</a:t>
+            </a:r>
+            <a:r>
+              <a:rPr b="0" lang="en-US" sz="3200" spc="-1" strike="noStrike">
+                <a:solidFill>
+                  <a:srgbClr val="ffffff"/>
+                </a:solidFill>
+                <a:highlight>
+                  <a:srgbClr val="81d41a"/>
+                </a:highlight>
+                <a:latin typeface="Arial"/>
+                <a:ea typeface="Source Han Sans CN"/>
+              </a:rPr>
+              <a:t>)</a:t>
+            </a:r>
+            <a:r>
+              <a:rPr b="0" lang="en-US" sz="3200" spc="-1" strike="noStrike">
+                <a:solidFill>
+                  <a:srgbClr val="ffffff"/>
+                </a:solidFill>
+                <a:latin typeface="Arial"/>
+                <a:ea typeface="Source Han Sans CN"/>
+              </a:rPr>
+              <a:t> = 2019</a:t>
+            </a:r>
+            <a:endParaRPr b="0" lang="en-US" sz="3200" spc="-1" strike="noStrike">
+              <a:solidFill>
+                <a:srgbClr val="ffffff"/>
+              </a:solidFill>
+              <a:latin typeface="Arial"/>
+            </a:endParaRPr>
+          </a:p>
+          <a:p>
+            <a:pPr marL="430200" indent="0">
+              <a:lnSpc>
+                <a:spcPct val="100000"/>
+              </a:lnSpc>
+              <a:spcBef>
+                <a:spcPts val="1417"/>
+              </a:spcBef>
+              <a:buNone/>
+              <a:tabLst>
+                <a:tab algn="l" pos="0"/>
+              </a:tabLst>
+            </a:pPr>
+            <a:r>
+              <a:rPr b="0" lang="en-US" sz="3200" spc="-1" strike="noStrike">
+                <a:solidFill>
+                  <a:srgbClr val="ffffff"/>
+                </a:solidFill>
+                <a:latin typeface="Arial"/>
+                <a:ea typeface="Source Han Sans CN"/>
+              </a:rPr>
+              <a:t>2019 </a:t>
+            </a:r>
+            <a:r>
+              <a:rPr b="0" lang="en-US" sz="3200" spc="-1" strike="noStrike">
+                <a:solidFill>
+                  <a:srgbClr val="ffffff"/>
+                </a:solidFill>
+                <a:latin typeface="DejaVu Sans"/>
+                <a:ea typeface="DejaVu Sans"/>
+              </a:rPr>
+              <a:t>≠ 3008</a:t>
+            </a:r>
+            <a:endParaRPr b="0" lang="en-US" sz="3200" spc="-1" strike="noStrike">
+              <a:solidFill>
+                <a:srgbClr val="ffffff"/>
+              </a:solidFill>
+              <a:latin typeface="Arial"/>
+            </a:endParaRPr>
+          </a:p>
+          <a:p>
+            <a:pPr marL="430200" indent="0">
+              <a:lnSpc>
+                <a:spcPct val="100000"/>
+              </a:lnSpc>
+              <a:spcBef>
+                <a:spcPts val="1417"/>
+              </a:spcBef>
+              <a:buNone/>
+              <a:tabLst>
+                <a:tab algn="l" pos="0"/>
+              </a:tabLst>
+            </a:pPr>
+            <a:r>
+              <a:rPr b="0" lang="en-US" sz="3200" spc="-1" strike="noStrike">
+                <a:solidFill>
+                  <a:srgbClr val="ffffff"/>
+                </a:solidFill>
+                <a:latin typeface="DejaVu Sans"/>
+                <a:ea typeface="DejaVu Sans"/>
+              </a:rPr>
+              <a:t>Therefore we slide to the next window of characters.</a:t>
+            </a:r>
+            <a:endParaRPr b="0" lang="en-US" sz="3200" spc="-1" strike="noStrike">
+              <a:solidFill>
+                <a:srgbClr val="ffffff"/>
+              </a:solidFill>
+              <a:latin typeface="Arial"/>
+            </a:endParaRPr>
+          </a:p>
+        </p:txBody>
+      </p:sp>
       <p:pic>
         <p:nvPicPr>
-          <p:cNvPr id="398" name="" descr=""/>
+          <p:cNvPr id="440" name="Picture 389" descr=""/>
           <p:cNvPicPr/>
           <p:nvPr/>
         </p:nvPicPr>
@@ -25616,8 +28670,8 @@
         </p:blipFill>
         <p:spPr>
           <a:xfrm>
-            <a:off x="2743200" y="1333800"/>
-            <a:ext cx="7143120" cy="5066280"/>
+            <a:off x="7772400" y="2743200"/>
+            <a:ext cx="2253240" cy="786600"/>
           </a:xfrm>
           <a:prstGeom prst="rect">
             <a:avLst/>
@@ -25627,6 +28681,60 @@
           </a:ln>
         </p:spPr>
       </p:pic>
+      <p:sp>
+        <p:nvSpPr>
+          <p:cNvPr id="441" name="Rectangle 390"/>
+          <p:cNvSpPr/>
+          <p:nvPr/>
+        </p:nvSpPr>
+        <p:spPr>
+          <a:xfrm>
+            <a:off x="7772400" y="2057400"/>
+            <a:ext cx="2282760" cy="343080"/>
+          </a:xfrm>
+          <a:prstGeom prst="rect">
+            <a:avLst/>
+          </a:prstGeom>
+          <a:noFill/>
+          <a:ln w="0">
+            <a:noFill/>
+          </a:ln>
+        </p:spPr>
+        <p:style>
+          <a:lnRef idx="0"/>
+          <a:fillRef idx="0"/>
+          <a:effectRef idx="0"/>
+          <a:fontRef idx="minor"/>
+        </p:style>
+        <p:txBody>
+          <a:bodyPr lIns="90000" rIns="90000" tIns="45000" bIns="45000" anchor="t">
+            <a:noAutofit/>
+          </a:bodyPr>
+          <a:p>
+            <a:pPr>
+              <a:lnSpc>
+                <a:spcPct val="100000"/>
+              </a:lnSpc>
+            </a:pPr>
+            <a:r>
+              <a:rPr b="0" lang="en-US" sz="1800" spc="-1" strike="noStrike">
+                <a:solidFill>
+                  <a:srgbClr val="ffffff"/>
+                </a:solidFill>
+                <a:latin typeface="Arial"/>
+                <a:ea typeface="DejaVu Sans"/>
+              </a:rPr>
+              <a:t>Fingerprint function</a:t>
+            </a:r>
+            <a:endParaRPr b="0" lang="en-US" sz="1800" spc="-1" strike="noStrike">
+              <a:solidFill>
+                <a:srgbClr val="ffffff"/>
+              </a:solidFill>
+              <a:latin typeface="Arial"/>
+            </a:endParaRPr>
+          </a:p>
+        </p:txBody>
+      </p:sp>
     </p:spTree>
   </p:cSld>
   <mc:AlternateContent>
@@ -25666,7 +28774,7 @@
       </p:grpSpPr>
       <p:sp>
         <p:nvSpPr>
-          <p:cNvPr id="399" name="PlaceHolder 1"/>
+          <p:cNvPr id="442" name="PlaceHolder 1"/>
           <p:cNvSpPr>
             <a:spLocks noGrp="1"/>
           </p:cNvSpPr>
@@ -25677,7 +28785,7 @@
         <p:spPr>
           <a:xfrm>
             <a:off x="609120" y="273600"/>
-            <a:ext cx="10968840" cy="1144080"/>
+            <a:ext cx="10966320" cy="1141560"/>
           </a:xfrm>
           <a:prstGeom prst="rect">
             <a:avLst/>
@@ -25709,7 +28817,7 @@
                 <a:latin typeface="Arial"/>
                 <a:ea typeface="DejaVu Sans"/>
               </a:rPr>
-              <a:t>Analysis and Complexities (based on input)</a:t>
+              <a:t>Rabin-Karp Pseudocode</a:t>
             </a:r>
             <a:endParaRPr b="0" lang="en-US" sz="4400" spc="-1" strike="noStrike">
               <a:solidFill>
@@ -25720,310 +28828,29 @@
           </a:p>
         </p:txBody>
       </p:sp>
-      <p:sp>
-        <p:nvSpPr>
-          <p:cNvPr id="400" name=""/>
-          <p:cNvSpPr/>
+      <p:pic>
+        <p:nvPicPr>
+          <p:cNvPr id="443" name="" descr=""/>
+          <p:cNvPicPr/>
           <p:nvPr/>
-        </p:nvSpPr>
-        <p:spPr>
-          <a:xfrm>
-            <a:off x="590760" y="1600200"/>
-            <a:ext cx="5352120" cy="3976560"/>
-          </a:xfrm>
-          <a:prstGeom prst="rect">
-            <a:avLst/>
-          </a:prstGeom>
-          <a:noFill/>
-          <a:ln w="0">
-            <a:noFill/>
-          </a:ln>
-        </p:spPr>
-        <p:style>
-          <a:lnRef idx="0"/>
-          <a:fillRef idx="0"/>
-          <a:effectRef idx="0"/>
-          <a:fontRef idx="minor"/>
-        </p:style>
-        <p:txBody>
-          <a:bodyPr lIns="0" rIns="0" tIns="0" bIns="0" anchor="t">
-            <a:normAutofit/>
-          </a:bodyPr>
-          <a:p>
-            <a:pPr>
-              <a:lnSpc>
-                <a:spcPct val="90000"/>
-              </a:lnSpc>
-              <a:spcBef>
-                <a:spcPts val="1417"/>
-              </a:spcBef>
-            </a:pPr>
-            <a:endParaRPr b="0" lang="en-US" sz="2800" spc="-1" strike="noStrike">
-              <a:solidFill>
-                <a:srgbClr val="ffffff"/>
-              </a:solidFill>
-              <a:latin typeface="Arial"/>
-            </a:endParaRPr>
-          </a:p>
-          <a:p>
-            <a:pPr marL="228600" indent="-324000">
-              <a:lnSpc>
-                <a:spcPct val="100000"/>
-              </a:lnSpc>
-              <a:spcBef>
-                <a:spcPts val="1001"/>
-              </a:spcBef>
-              <a:buClr>
-                <a:srgbClr val="ffffff"/>
-              </a:buClr>
-              <a:buSzPct val="45000"/>
-              <a:buFont typeface="Wingdings" charset="2"/>
-              <a:buChar char=""/>
-              <a:tabLst>
-                <a:tab algn="l" pos="0"/>
-              </a:tabLst>
-            </a:pPr>
-            <a:r>
-              <a:rPr b="0" lang="en-US" sz="3200" spc="-1" strike="noStrike">
-                <a:solidFill>
-                  <a:srgbClr val="ffffff"/>
-                </a:solidFill>
-                <a:latin typeface="Arial"/>
-                <a:ea typeface="DejaVu Sans"/>
-              </a:rPr>
-              <a:t>Time</a:t>
-            </a:r>
-            <a:endParaRPr b="0" lang="en-US" sz="3200" spc="-1" strike="noStrike">
-              <a:solidFill>
-                <a:srgbClr val="ffffff"/>
-              </a:solidFill>
-              <a:latin typeface="Arial"/>
-            </a:endParaRPr>
-          </a:p>
-          <a:p>
-            <a:pPr marL="228600" indent="-324000">
-              <a:lnSpc>
-                <a:spcPct val="100000"/>
-              </a:lnSpc>
-              <a:spcBef>
-                <a:spcPts val="1001"/>
-              </a:spcBef>
-              <a:buClr>
-                <a:srgbClr val="ffffff"/>
-              </a:buClr>
-              <a:buSzPct val="45000"/>
-              <a:buFont typeface="Wingdings" charset="2"/>
-              <a:buChar char=""/>
-              <a:tabLst>
-                <a:tab algn="l" pos="0"/>
-              </a:tabLst>
-            </a:pPr>
-            <a:r>
-              <a:rPr b="0" lang="en-US" sz="3200" spc="-1" strike="noStrike">
-                <a:solidFill>
-                  <a:srgbClr val="ffffff"/>
-                </a:solidFill>
-                <a:latin typeface="Arial"/>
-                <a:ea typeface="DejaVu Sans"/>
-              </a:rPr>
-              <a:t>Average case: O(n-m+1)</a:t>
-            </a:r>
-            <a:endParaRPr b="0" lang="en-US" sz="3200" spc="-1" strike="noStrike">
-              <a:solidFill>
-                <a:srgbClr val="ffffff"/>
-              </a:solidFill>
-              <a:latin typeface="Arial"/>
-            </a:endParaRPr>
-          </a:p>
-          <a:p>
-            <a:pPr marL="228600" indent="-324000">
-              <a:lnSpc>
-                <a:spcPct val="100000"/>
-              </a:lnSpc>
-              <a:spcBef>
-                <a:spcPts val="1001"/>
-              </a:spcBef>
-              <a:buClr>
-                <a:srgbClr val="ffffff"/>
-              </a:buClr>
-              <a:buSzPct val="45000"/>
-              <a:buFont typeface="Wingdings" charset="2"/>
-              <a:buChar char=""/>
-              <a:tabLst>
-                <a:tab algn="l" pos="0"/>
-              </a:tabLst>
-            </a:pPr>
-            <a:r>
-              <a:rPr b="0" lang="en-US" sz="3200" spc="-1" strike="noStrike">
-                <a:solidFill>
-                  <a:srgbClr val="ffffff"/>
-                </a:solidFill>
-                <a:latin typeface="Arial"/>
-                <a:ea typeface="DejaVu Sans"/>
-              </a:rPr>
-              <a:t>Worst case: O(mn)</a:t>
-            </a:r>
-            <a:endParaRPr b="0" lang="en-US" sz="3200" spc="-1" strike="noStrike">
-              <a:solidFill>
-                <a:srgbClr val="ffffff"/>
-              </a:solidFill>
-              <a:latin typeface="Arial"/>
-            </a:endParaRPr>
-          </a:p>
-        </p:txBody>
-      </p:sp>
-      <p:sp>
-        <p:nvSpPr>
-          <p:cNvPr id="401" name=""/>
-          <p:cNvSpPr/>
-          <p:nvPr/>
-        </p:nvSpPr>
-        <p:spPr>
-          <a:xfrm>
-            <a:off x="6305760" y="1600200"/>
-            <a:ext cx="5352120" cy="3976560"/>
-          </a:xfrm>
-          <a:prstGeom prst="rect">
-            <a:avLst/>
-          </a:prstGeom>
-          <a:noFill/>
-          <a:ln w="0">
-            <a:noFill/>
-          </a:ln>
-        </p:spPr>
-        <p:style>
-          <a:lnRef idx="0"/>
-          <a:fillRef idx="0"/>
-          <a:effectRef idx="0"/>
-          <a:fontRef idx="minor"/>
-        </p:style>
-        <p:txBody>
-          <a:bodyPr lIns="0" rIns="0" tIns="0" bIns="0" anchor="t">
-            <a:normAutofit/>
-          </a:bodyPr>
-          <a:p>
-            <a:pPr>
-              <a:lnSpc>
-                <a:spcPct val="90000"/>
-              </a:lnSpc>
-              <a:spcBef>
-                <a:spcPts val="1417"/>
-              </a:spcBef>
-            </a:pPr>
-            <a:endParaRPr b="0" lang="en-US" sz="2800" spc="-1" strike="noStrike">
-              <a:solidFill>
-                <a:srgbClr val="ffffff"/>
-              </a:solidFill>
-              <a:latin typeface="Arial"/>
-            </a:endParaRPr>
-          </a:p>
-          <a:p>
-            <a:pPr marL="228600" indent="-324000">
-              <a:lnSpc>
-                <a:spcPct val="100000"/>
-              </a:lnSpc>
-              <a:spcBef>
-                <a:spcPts val="1001"/>
-              </a:spcBef>
-              <a:buClr>
-                <a:srgbClr val="ffffff"/>
-              </a:buClr>
-              <a:buSzPct val="45000"/>
-              <a:buFont typeface="Wingdings" charset="2"/>
-              <a:buChar char=""/>
-              <a:tabLst>
-                <a:tab algn="l" pos="0"/>
-              </a:tabLst>
-            </a:pPr>
-            <a:r>
-              <a:rPr b="0" lang="en-US" sz="3200" spc="-1" strike="noStrike">
-                <a:solidFill>
-                  <a:srgbClr val="ffffff"/>
-                </a:solidFill>
-                <a:latin typeface="Arial"/>
-                <a:ea typeface="DejaVu Sans"/>
-              </a:rPr>
-              <a:t>Space</a:t>
-            </a:r>
-            <a:endParaRPr b="0" lang="en-US" sz="3200" spc="-1" strike="noStrike">
-              <a:solidFill>
-                <a:srgbClr val="ffffff"/>
-              </a:solidFill>
-              <a:latin typeface="Arial"/>
-            </a:endParaRPr>
-          </a:p>
-          <a:p>
-            <a:pPr marL="228600" indent="-324000">
-              <a:lnSpc>
-                <a:spcPct val="100000"/>
-              </a:lnSpc>
-              <a:spcBef>
-                <a:spcPts val="1001"/>
-              </a:spcBef>
-              <a:buClr>
-                <a:srgbClr val="ffffff"/>
-              </a:buClr>
-              <a:buSzPct val="45000"/>
-              <a:buFont typeface="Wingdings" charset="2"/>
-              <a:buChar char=""/>
-              <a:tabLst>
-                <a:tab algn="l" pos="0"/>
-              </a:tabLst>
-            </a:pPr>
-            <a:r>
-              <a:rPr b="0" lang="en-US" sz="3200" spc="-1" strike="noStrike">
-                <a:solidFill>
-                  <a:srgbClr val="ffffff"/>
-                </a:solidFill>
-                <a:latin typeface="Arial"/>
-                <a:ea typeface="DejaVu Sans"/>
-              </a:rPr>
-              <a:t>Average case: O(1)</a:t>
-            </a:r>
-            <a:endParaRPr b="0" lang="en-US" sz="3200" spc="-1" strike="noStrike">
-              <a:solidFill>
-                <a:srgbClr val="ffffff"/>
-              </a:solidFill>
-              <a:latin typeface="Arial"/>
-            </a:endParaRPr>
-          </a:p>
-          <a:p>
-            <a:pPr marL="228600" indent="-324000">
-              <a:lnSpc>
-                <a:spcPct val="100000"/>
-              </a:lnSpc>
-              <a:spcBef>
-                <a:spcPts val="1001"/>
-              </a:spcBef>
-              <a:buClr>
-                <a:srgbClr val="ffffff"/>
-              </a:buClr>
-              <a:buSzPct val="45000"/>
-              <a:buFont typeface="Wingdings" charset="2"/>
-              <a:buChar char=""/>
-              <a:tabLst>
-                <a:tab algn="l" pos="0"/>
-              </a:tabLst>
-            </a:pPr>
-            <a:r>
-              <a:rPr b="0" lang="en-US" sz="3200" spc="-1" strike="noStrike">
-                <a:solidFill>
-                  <a:srgbClr val="ffffff"/>
-                </a:solidFill>
-                <a:latin typeface="Arial"/>
-                <a:ea typeface="DejaVu Sans"/>
-              </a:rPr>
-              <a:t>Worst case: O(1)</a:t>
-            </a:r>
-            <a:endParaRPr b="0" lang="en-US" sz="3200" spc="-1" strike="noStrike">
-              <a:solidFill>
-                <a:srgbClr val="ffffff"/>
-              </a:solidFill>
-              <a:latin typeface="Arial"/>
-            </a:endParaRPr>
-          </a:p>
-        </p:txBody>
-      </p:sp>
+        </p:nvPicPr>
+        <p:blipFill>
+          <a:blip r:embed="rId1"/>
+          <a:stretch/>
+        </p:blipFill>
+        <p:spPr>
+          <a:xfrm>
+            <a:off x="2743200" y="1333800"/>
+            <a:ext cx="7142040" cy="5065200"/>
+          </a:xfrm>
+          <a:prstGeom prst="rect">
+            <a:avLst/>
+          </a:prstGeom>
+          <a:ln w="0">
+            <a:noFill/>
+          </a:ln>
+        </p:spPr>
+      </p:pic>
     </p:spTree>
   </p:cSld>
   <mc:AlternateContent>
@@ -26039,6 +28866,232 @@
 
 <file path=ppt/theme/theme1.xml><?xml version="1.0" encoding="utf-8"?>
 <a:theme xmlns:a="http://schemas.openxmlformats.org/drawingml/2006/main" name="UCF - Title, Divider, Mission Statement and Quotation Slides">
+  <a:themeElements>
+    <a:clrScheme name="UCF Brand PPT - Sept 2022">
+      <a:dk1>
+        <a:srgbClr val="000000"/>
+      </a:dk1>
+      <a:lt1>
+        <a:srgbClr val="ffffff"/>
+      </a:lt1>
+      <a:dk2>
+        <a:srgbClr val="505050"/>
+      </a:dk2>
+      <a:lt2>
+        <a:srgbClr val="f0f0f0"/>
+      </a:lt2>
+      <a:accent1>
+        <a:srgbClr val="f8c323"/>
+      </a:accent1>
+      <a:accent2>
+        <a:srgbClr val="fff1b7"/>
+      </a:accent2>
+      <a:accent3>
+        <a:srgbClr val="8d949b"/>
+      </a:accent3>
+      <a:accent4>
+        <a:srgbClr val="d6d6d6"/>
+      </a:accent4>
+      <a:accent5>
+        <a:srgbClr val="1a1918"/>
+      </a:accent5>
+      <a:accent6>
+        <a:srgbClr val="c5bba4"/>
+      </a:accent6>
+      <a:hlink>
+        <a:srgbClr val="00abf0"/>
+      </a:hlink>
+      <a:folHlink>
+        <a:srgbClr val="747fd0"/>
+      </a:folHlink>
+    </a:clrScheme>
+    <a:fontScheme name="Office">
+      <a:majorFont>
+        <a:latin typeface="Arial"/>
+        <a:ea typeface="DejaVu Sans"/>
+        <a:cs typeface="DejaVu Sans"/>
+      </a:majorFont>
+      <a:minorFont>
+        <a:latin typeface="Arial"/>
+        <a:ea typeface="DejaVu Sans"/>
+        <a:cs typeface="DejaVu Sans"/>
+      </a:minorFont>
+    </a:fontScheme>
+    <a:fmtScheme name="Office">
+      <a:fillStyleLst>
+        <a:solidFill>
+          <a:schemeClr val="phClr"/>
+        </a:solidFill>
+        <a:gradFill rotWithShape="1">
+          <a:gsLst>
+            <a:gs pos="0">
+              <a:schemeClr val="phClr">
+                <a:tint val="50000"/>
+                <a:satMod val="300000"/>
+              </a:schemeClr>
+            </a:gs>
+            <a:gs pos="35000">
+              <a:schemeClr val="phClr">
+                <a:tint val="37000"/>
+                <a:satMod val="300000"/>
+              </a:schemeClr>
+            </a:gs>
+            <a:gs pos="100000">
+              <a:schemeClr val="phClr">
+                <a:tint val="15000"/>
+                <a:satMod val="350000"/>
+              </a:schemeClr>
+            </a:gs>
+          </a:gsLst>
+          <a:lin ang="16200000" scaled="1"/>
+        </a:gradFill>
+        <a:gradFill rotWithShape="1">
+          <a:gsLst>
+            <a:gs pos="0">
+              <a:schemeClr val="phClr">
+                <a:shade val="51000"/>
+                <a:satMod val="130000"/>
+              </a:schemeClr>
+            </a:gs>
+            <a:gs pos="80000">
+              <a:schemeClr val="phClr">
+                <a:shade val="93000"/>
+                <a:satMod val="130000"/>
+              </a:schemeClr>
+            </a:gs>
+            <a:gs pos="100000">
+              <a:schemeClr val="phClr">
+                <a:shade val="94000"/>
+                <a:satMod val="135000"/>
+              </a:schemeClr>
+            </a:gs>
+          </a:gsLst>
+          <a:lin ang="16200000" scaled="0"/>
+        </a:gradFill>
+      </a:fillStyleLst>
+      <a:lnStyleLst>
+        <a:ln w="9525" cap="flat" cmpd="sng" algn="ctr">
+          <a:solidFill>
+            <a:schemeClr val="phClr">
+              <a:shade val="95000"/>
+              <a:satMod val="105000"/>
+            </a:schemeClr>
+          </a:solidFill>
+          <a:prstDash val="solid"/>
+          <a:miter/>
+        </a:ln>
+        <a:ln w="25400" cap="flat" cmpd="sng" algn="ctr">
+          <a:solidFill>
+            <a:schemeClr val="phClr"/>
+          </a:solidFill>
+          <a:prstDash val="solid"/>
+          <a:miter/>
+        </a:ln>
+        <a:ln w="38100" cap="flat" cmpd="sng" algn="ctr">
+          <a:solidFill>
+            <a:schemeClr val="phClr"/>
+          </a:solidFill>
+          <a:prstDash val="solid"/>
+          <a:miter/>
+        </a:ln>
+      </a:lnStyleLst>
+      <a:effectStyleLst>
+        <a:effectStyle>
+          <a:effectLst>
+            <a:outerShdw blurRad="40000" dist="20000" dir="5400000" rotWithShape="0">
+              <a:srgbClr val="000000">
+                <a:alpha val="38000"/>
+              </a:srgbClr>
+            </a:outerShdw>
+          </a:effectLst>
+        </a:effectStyle>
+        <a:effectStyle>
+          <a:effectLst>
+            <a:outerShdw blurRad="40000" dist="23000" dir="5400000" rotWithShape="0">
+              <a:srgbClr val="000000">
+                <a:alpha val="35000"/>
+              </a:srgbClr>
+            </a:outerShdw>
+          </a:effectLst>
+        </a:effectStyle>
+        <a:effectStyle>
+          <a:effectLst>
+            <a:outerShdw blurRad="40000" dist="23000" dir="5400000" rotWithShape="0">
+              <a:srgbClr val="000000">
+                <a:alpha val="35000"/>
+              </a:srgbClr>
+            </a:outerShdw>
+          </a:effectLst>
+          <a:scene3d>
+            <a:camera prst="orthographicFront">
+              <a:rot lat="0" lon="0" rev="0"/>
+            </a:camera>
+            <a:lightRig rig="threePt" dir="t">
+              <a:rot lat="0" lon="0" rev="1200000"/>
+            </a:lightRig>
+          </a:scene3d>
+          <a:sp3d>
+            <a:bevelT w="63500" h="25400"/>
+          </a:sp3d>
+        </a:effectStyle>
+      </a:effectStyleLst>
+      <a:bgFillStyleLst>
+        <a:solidFill>
+          <a:schemeClr val="phClr"/>
+        </a:solidFill>
+        <a:gradFill rotWithShape="1">
+          <a:gsLst>
+            <a:gs pos="0">
+              <a:schemeClr val="phClr">
+                <a:tint val="40000"/>
+                <a:satMod val="350000"/>
+              </a:schemeClr>
+            </a:gs>
+            <a:gs pos="40000">
+              <a:schemeClr val="phClr">
+                <a:tint val="45000"/>
+                <a:shade val="99000"/>
+                <a:satMod val="350000"/>
+              </a:schemeClr>
+            </a:gs>
+            <a:gs pos="100000">
+              <a:schemeClr val="phClr">
+                <a:shade val="20000"/>
+                <a:satMod val="255000"/>
+              </a:schemeClr>
+            </a:gs>
+          </a:gsLst>
+          <a:path path="circle">
+            <a:fillToRect l="50000" t="-80000" r="50000" b="180000"/>
+          </a:path>
+        </a:gradFill>
+        <a:gradFill rotWithShape="1">
+          <a:gsLst>
+            <a:gs pos="0">
+              <a:schemeClr val="phClr">
+                <a:tint val="80000"/>
+                <a:satMod val="300000"/>
+              </a:schemeClr>
+            </a:gs>
+            <a:gs pos="100000">
+              <a:schemeClr val="phClr">
+                <a:shade val="30000"/>
+                <a:satMod val="200000"/>
+              </a:schemeClr>
+            </a:gs>
+          </a:gsLst>
+          <a:path path="circle">
+            <a:fillToRect l="50000" t="50000" r="50000" b="50000"/>
+          </a:path>
+        </a:gradFill>
+      </a:bgFillStyleLst>
+    </a:fmtScheme>
+  </a:themeElements>
+</a:theme>
+</file>
+
+<file path=ppt/theme/theme10.xml><?xml version="1.0" encoding="utf-8"?>
+<a:theme xmlns:a="http://schemas.openxmlformats.org/drawingml/2006/main" name="UCF - Single Column Content Slides">
   <a:themeElements>
     <a:clrScheme name="UCF Brand PPT - Sept 2022">
       <a:dk1>
